--- a/Courses/Software-Sciences/Module-2-DS-and-Algo/15.1-Recursion/15.1-Recursion.pptx
+++ b/Courses/Software-Sciences/Module-2-DS-and-Algo/15.1-Recursion/15.1-Recursion.pptx
@@ -5,10 +5,10 @@
     <p:sldMasterId id="2147483675" r:id="rId1"/>
   </p:sldMasterIdLst>
   <p:notesMasterIdLst>
-    <p:notesMasterId r:id="rId29"/>
+    <p:notesMasterId r:id="rId28"/>
   </p:notesMasterIdLst>
   <p:handoutMasterIdLst>
-    <p:handoutMasterId r:id="rId30"/>
+    <p:handoutMasterId r:id="rId29"/>
   </p:handoutMasterIdLst>
   <p:sldIdLst>
     <p:sldId id="657" r:id="rId2"/>
@@ -17,27 +17,26 @@
     <p:sldId id="645" r:id="rId5"/>
     <p:sldId id="629" r:id="rId6"/>
     <p:sldId id="626" r:id="rId7"/>
-    <p:sldId id="628" r:id="rId8"/>
-    <p:sldId id="583" r:id="rId9"/>
-    <p:sldId id="658" r:id="rId10"/>
-    <p:sldId id="584" r:id="rId11"/>
-    <p:sldId id="585" r:id="rId12"/>
-    <p:sldId id="587" r:id="rId13"/>
-    <p:sldId id="586" r:id="rId14"/>
-    <p:sldId id="588" r:id="rId15"/>
-    <p:sldId id="589" r:id="rId16"/>
-    <p:sldId id="590" r:id="rId17"/>
-    <p:sldId id="591" r:id="rId18"/>
-    <p:sldId id="592" r:id="rId19"/>
-    <p:sldId id="620" r:id="rId20"/>
-    <p:sldId id="621" r:id="rId21"/>
-    <p:sldId id="622" r:id="rId22"/>
-    <p:sldId id="623" r:id="rId23"/>
-    <p:sldId id="624" r:id="rId24"/>
-    <p:sldId id="625" r:id="rId25"/>
-    <p:sldId id="571" r:id="rId26"/>
-    <p:sldId id="659" r:id="rId27"/>
-    <p:sldId id="660" r:id="rId28"/>
+    <p:sldId id="583" r:id="rId8"/>
+    <p:sldId id="658" r:id="rId9"/>
+    <p:sldId id="584" r:id="rId10"/>
+    <p:sldId id="585" r:id="rId11"/>
+    <p:sldId id="587" r:id="rId12"/>
+    <p:sldId id="586" r:id="rId13"/>
+    <p:sldId id="588" r:id="rId14"/>
+    <p:sldId id="589" r:id="rId15"/>
+    <p:sldId id="590" r:id="rId16"/>
+    <p:sldId id="591" r:id="rId17"/>
+    <p:sldId id="592" r:id="rId18"/>
+    <p:sldId id="620" r:id="rId19"/>
+    <p:sldId id="621" r:id="rId20"/>
+    <p:sldId id="622" r:id="rId21"/>
+    <p:sldId id="623" r:id="rId22"/>
+    <p:sldId id="624" r:id="rId23"/>
+    <p:sldId id="625" r:id="rId24"/>
+    <p:sldId id="571" r:id="rId25"/>
+    <p:sldId id="659" r:id="rId26"/>
+    <p:sldId id="660" r:id="rId27"/>
   </p:sldIdLst>
   <p:sldSz cx="12192000" cy="6858000"/>
   <p:notesSz cx="6858000" cy="9144000"/>
@@ -151,7 +150,6 @@
             <p14:sldId id="645"/>
             <p14:sldId id="629"/>
             <p14:sldId id="626"/>
-            <p14:sldId id="628"/>
             <p14:sldId id="583"/>
           </p14:sldIdLst>
         </p14:section>
@@ -311,7 +309,7 @@
           <a:p>
             <a:fld id="{4E087215-0C8F-4762-A664-737A353EC9A4}" type="datetimeFigureOut">
               <a:rPr lang="bg-BG" smtClean="0"/>
-              <a:t>10.7.2023 г.</a:t>
+              <a:t>2.09.23 г.</a:t>
             </a:fld>
             <a:endParaRPr lang="bg-BG" dirty="0"/>
           </a:p>
@@ -502,7 +500,7 @@
           <a:p>
             <a:fld id="{72D84649-876A-46C9-8472-14CB09C070D8}" type="datetimeFigureOut">
               <a:rPr lang="en-US" smtClean="0"/>
-              <a:t>7/10/2023</a:t>
+              <a:t>9/2/23</a:t>
             </a:fld>
             <a:endParaRPr lang="en-US" dirty="0"/>
           </a:p>
@@ -992,7 +990,7 @@
             <a:fld id="{3EBA5BD7-F043-4D1B-AA17-CD412FC534DE}" type="slidenum">
               <a:rPr lang="en-US" smtClean="0"/>
               <a:pPr/>
-              <a:t>25</a:t>
+              <a:t>24</a:t>
             </a:fld>
             <a:endParaRPr lang="en-US" dirty="0"/>
           </a:p>
@@ -1233,7 +1231,7 @@
             <a:fld id="{3EBA5BD7-F043-4D1B-AA17-CD412FC534DE}" type="slidenum">
               <a:rPr lang="en-US" smtClean="0"/>
               <a:pPr/>
-              <a:t>26</a:t>
+              <a:t>25</a:t>
             </a:fld>
             <a:endParaRPr lang="en-US" dirty="0"/>
           </a:p>
@@ -1474,7 +1472,7 @@
             <a:fld id="{3EBA5BD7-F043-4D1B-AA17-CD412FC534DE}" type="slidenum">
               <a:rPr lang="en-US" smtClean="0"/>
               <a:pPr/>
-              <a:t>27</a:t>
+              <a:t>26</a:t>
             </a:fld>
             <a:endParaRPr lang="en-US" dirty="0"/>
           </a:p>
@@ -8264,7 +8262,7 @@
         </p:blipFill>
         <p:spPr bwMode="auto">
           <a:xfrm>
-            <a:off x="3425790" y="2391287"/>
+            <a:off x="3351000" y="2601438"/>
             <a:ext cx="5437187" cy="2087562"/>
           </a:xfrm>
           <a:prstGeom prst="rect">
@@ -8322,889 +8320,6 @@
       </p:grpSpPr>
       <p:sp>
         <p:nvSpPr>
-          <p:cNvPr id="4" name="Title 3"/>
-          <p:cNvSpPr>
-            <a:spLocks noGrp="1"/>
-          </p:cNvSpPr>
-          <p:nvPr>
-            <p:ph type="title"/>
-          </p:nvPr>
-        </p:nvSpPr>
-        <p:spPr/>
-        <p:txBody>
-          <a:bodyPr/>
-          <a:lstStyle/>
-          <a:p>
-            <a:r>
-              <a:rPr lang="en-US" sz="3950" dirty="0"/>
-              <a:t>Задача: Сума от масив</a:t>
-            </a:r>
-          </a:p>
-        </p:txBody>
-      </p:sp>
-      <p:sp>
-        <p:nvSpPr>
-          <p:cNvPr id="6" name="Content Placeholder 2"/>
-          <p:cNvSpPr>
-            <a:spLocks noGrp="1"/>
-          </p:cNvSpPr>
-          <p:nvPr>
-            <p:ph idx="4294967295"/>
-          </p:nvPr>
-        </p:nvSpPr>
-        <p:spPr>
-          <a:xfrm>
-            <a:off x="174579" y="1151532"/>
-            <a:ext cx="11801576" cy="5569086"/>
-          </a:xfrm>
-        </p:spPr>
-        <p:txBody>
-          <a:bodyPr vert="horz" lIns="108000" tIns="36000" rIns="108000" bIns="36000" rtlCol="0" anchor="t">
-            <a:normAutofit/>
-          </a:bodyPr>
-          <a:lstStyle/>
-          <a:p>
-            <a:pPr marL="360045" indent="-360045">
-              <a:lnSpc>
-                <a:spcPct val="100000"/>
-              </a:lnSpc>
-            </a:pPr>
-            <a:r>
-              <a:rPr lang="en-US" sz="3600" dirty="0"/>
-              <a:t>Създайте </a:t>
-            </a:r>
-            <a:r>
-              <a:rPr lang="en-US" sz="3600" b="1" dirty="0">
-                <a:solidFill>
-                  <a:schemeClr val="bg1"/>
-                </a:solidFill>
-              </a:rPr>
-              <a:t>рекурсивен метод</a:t>
-            </a:r>
-            <a:r>
-              <a:rPr lang="en-US" sz="3600" dirty="0">
-                <a:solidFill>
-                  <a:srgbClr val="234465"/>
-                </a:solidFill>
-              </a:rPr>
-              <a:t>, който:</a:t>
-            </a:r>
-            <a:endParaRPr lang="bg-BG" sz="3350" dirty="0">
-              <a:solidFill>
-                <a:srgbClr val="234465"/>
-              </a:solidFill>
-              <a:cs typeface="Calibri"/>
-            </a:endParaRPr>
-          </a:p>
-          <a:p>
-            <a:pPr lvl="1" indent="-360045">
-              <a:lnSpc>
-                <a:spcPct val="100000"/>
-              </a:lnSpc>
-            </a:pPr>
-            <a:r>
-              <a:rPr lang="en-US" sz="3400" dirty="0"/>
-              <a:t>Намира сумата на всички</a:t>
-            </a:r>
-            <a:r>
-              <a:rPr lang="en-US" sz="3400" dirty="0">
-                <a:solidFill>
-                  <a:srgbClr val="234465"/>
-                </a:solidFill>
-                <a:latin typeface="Calibri"/>
-                <a:cs typeface="Calibri"/>
-              </a:rPr>
-              <a:t> числа </a:t>
-            </a:r>
-            <a:r>
-              <a:rPr lang="en-US" sz="3400" b="1" dirty="0">
-                <a:solidFill>
-                  <a:schemeClr val="bg1"/>
-                </a:solidFill>
-                <a:latin typeface="Calibri"/>
-                <a:cs typeface="Calibri"/>
-              </a:rPr>
-              <a:t>от масив</a:t>
-            </a:r>
-            <a:endParaRPr lang="en-US" sz="3400" dirty="0">
-              <a:solidFill>
-                <a:schemeClr val="bg1"/>
-              </a:solidFill>
-              <a:latin typeface="Calibri"/>
-              <a:cs typeface="Calibri"/>
-            </a:endParaRPr>
-          </a:p>
-          <a:p>
-            <a:pPr lvl="1" indent="-360045">
-              <a:lnSpc>
-                <a:spcPct val="100000"/>
-              </a:lnSpc>
-            </a:pPr>
-            <a:r>
-              <a:rPr lang="en-GB" sz="3400" dirty="0">
-                <a:cs typeface="Calibri"/>
-              </a:rPr>
-              <a:t>Чете числата от конзолата</a:t>
-            </a:r>
-          </a:p>
-        </p:txBody>
-      </p:sp>
-      <p:sp>
-        <p:nvSpPr>
-          <p:cNvPr id="15" name="Right Arrow 14">
-            <a:extLst>
-              <a:ext uri="{FF2B5EF4-FFF2-40B4-BE49-F238E27FC236}">
-                <a16:creationId xmlns:a16="http://schemas.microsoft.com/office/drawing/2014/main" id="{650FCDEF-77AC-4319-82CA-488DD4CFCC8A}"/>
-              </a:ext>
-            </a:extLst>
-          </p:cNvPr>
-          <p:cNvSpPr/>
-          <p:nvPr/>
-        </p:nvSpPr>
-        <p:spPr>
-          <a:xfrm>
-            <a:off x="5371180" y="3616218"/>
-            <a:ext cx="532543" cy="280959"/>
-          </a:xfrm>
-          <a:prstGeom prst="rightArrow">
-            <a:avLst/>
-          </a:prstGeom>
-        </p:spPr>
-        <p:style>
-          <a:lnRef idx="2">
-            <a:schemeClr val="dk1">
-              <a:shade val="50000"/>
-            </a:schemeClr>
-          </a:lnRef>
-          <a:fillRef idx="1">
-            <a:schemeClr val="dk1"/>
-          </a:fillRef>
-          <a:effectRef idx="0">
-            <a:schemeClr val="dk1"/>
-          </a:effectRef>
-          <a:fontRef idx="minor">
-            <a:schemeClr val="lt1"/>
-          </a:fontRef>
-        </p:style>
-        <p:txBody>
-          <a:bodyPr rtlCol="0" anchor="ctr"/>
-          <a:lstStyle/>
-          <a:p>
-            <a:pPr algn="ctr"/>
-            <a:endParaRPr lang="en-US" sz="3199" dirty="0"/>
-          </a:p>
-        </p:txBody>
-      </p:sp>
-      <p:sp>
-        <p:nvSpPr>
-          <p:cNvPr id="16" name="Rectangle 15">
-            <a:extLst>
-              <a:ext uri="{FF2B5EF4-FFF2-40B4-BE49-F238E27FC236}">
-                <a16:creationId xmlns:a16="http://schemas.microsoft.com/office/drawing/2014/main" id="{B7348D6D-D660-482F-AB0D-A14FCBB2D2DF}"/>
-              </a:ext>
-            </a:extLst>
-          </p:cNvPr>
-          <p:cNvSpPr>
-            <a:spLocks noChangeArrowheads="1"/>
-          </p:cNvSpPr>
-          <p:nvPr/>
-        </p:nvSpPr>
-        <p:spPr bwMode="auto">
-          <a:xfrm>
-            <a:off x="3434176" y="3500697"/>
-            <a:ext cx="1685329" cy="523084"/>
-          </a:xfrm>
-          <a:prstGeom prst="rect">
-            <a:avLst/>
-          </a:prstGeom>
-          <a:solidFill>
-            <a:schemeClr val="accent5">
-              <a:lumMod val="40000"/>
-              <a:lumOff val="60000"/>
-              <a:alpha val="20000"/>
-            </a:schemeClr>
-          </a:solidFill>
-          <a:ln w="12700">
-            <a:solidFill>
-              <a:schemeClr val="accent5">
-                <a:lumMod val="60000"/>
-                <a:lumOff val="40000"/>
-              </a:schemeClr>
-            </a:solidFill>
-          </a:ln>
-        </p:spPr>
-        <p:txBody>
-          <a:bodyPr wrap="square">
-            <a:spAutoFit/>
-          </a:bodyPr>
-          <a:lstStyle/>
-          <a:p>
-            <a:pPr algn="ctr" eaLnBrk="0" hangingPunct="0">
-              <a:buClr>
-                <a:schemeClr val="accent5">
-                  <a:lumMod val="40000"/>
-                  <a:lumOff val="60000"/>
-                </a:schemeClr>
-              </a:buClr>
-              <a:buSzPct val="70000"/>
-            </a:pPr>
-            <a:r>
-              <a:rPr lang="it-IT" sz="2799" b="1" noProof="1">
-                <a:latin typeface="Consolas" panose="020B0609020204030204" pitchFamily="49" charset="0"/>
-              </a:rPr>
-              <a:t>1 2 3 4</a:t>
-            </a:r>
-          </a:p>
-        </p:txBody>
-      </p:sp>
-      <p:sp>
-        <p:nvSpPr>
-          <p:cNvPr id="17" name="Rectangle 16">
-            <a:extLst>
-              <a:ext uri="{FF2B5EF4-FFF2-40B4-BE49-F238E27FC236}">
-                <a16:creationId xmlns:a16="http://schemas.microsoft.com/office/drawing/2014/main" id="{D4CF9DF7-8ABA-48CC-B66B-F7B7922BCAB8}"/>
-              </a:ext>
-            </a:extLst>
-          </p:cNvPr>
-          <p:cNvSpPr>
-            <a:spLocks noChangeArrowheads="1"/>
-          </p:cNvSpPr>
-          <p:nvPr/>
-        </p:nvSpPr>
-        <p:spPr bwMode="auto">
-          <a:xfrm>
-            <a:off x="6141348" y="3500697"/>
-            <a:ext cx="770228" cy="523084"/>
-          </a:xfrm>
-          <a:prstGeom prst="rect">
-            <a:avLst/>
-          </a:prstGeom>
-          <a:solidFill>
-            <a:schemeClr val="accent5">
-              <a:lumMod val="40000"/>
-              <a:lumOff val="60000"/>
-              <a:alpha val="20000"/>
-            </a:schemeClr>
-          </a:solidFill>
-          <a:ln w="12700">
-            <a:solidFill>
-              <a:schemeClr val="accent5">
-                <a:lumMod val="60000"/>
-                <a:lumOff val="40000"/>
-              </a:schemeClr>
-            </a:solidFill>
-          </a:ln>
-        </p:spPr>
-        <p:txBody>
-          <a:bodyPr wrap="square">
-            <a:spAutoFit/>
-          </a:bodyPr>
-          <a:lstStyle/>
-          <a:p>
-            <a:pPr algn="ctr" eaLnBrk="0" hangingPunct="0">
-              <a:buClr>
-                <a:schemeClr val="accent5">
-                  <a:lumMod val="40000"/>
-                  <a:lumOff val="60000"/>
-                </a:schemeClr>
-              </a:buClr>
-              <a:buSzPct val="70000"/>
-            </a:pPr>
-            <a:r>
-              <a:rPr lang="it-IT" sz="2799" b="1" noProof="1">
-                <a:latin typeface="Consolas" panose="020B0609020204030204" pitchFamily="49" charset="0"/>
-              </a:rPr>
-              <a:t>10</a:t>
-            </a:r>
-          </a:p>
-        </p:txBody>
-      </p:sp>
-      <p:sp>
-        <p:nvSpPr>
-          <p:cNvPr id="19" name="Rectangle 18">
-            <a:extLst>
-              <a:ext uri="{FF2B5EF4-FFF2-40B4-BE49-F238E27FC236}">
-                <a16:creationId xmlns:a16="http://schemas.microsoft.com/office/drawing/2014/main" id="{B7348D6D-D660-482F-AB0D-A14FCBB2D2DF}"/>
-              </a:ext>
-            </a:extLst>
-          </p:cNvPr>
-          <p:cNvSpPr>
-            <a:spLocks noChangeArrowheads="1"/>
-          </p:cNvSpPr>
-          <p:nvPr/>
-        </p:nvSpPr>
-        <p:spPr bwMode="auto">
-          <a:xfrm>
-            <a:off x="3712010" y="4327695"/>
-            <a:ext cx="1407495" cy="523084"/>
-          </a:xfrm>
-          <a:prstGeom prst="rect">
-            <a:avLst/>
-          </a:prstGeom>
-          <a:solidFill>
-            <a:schemeClr val="accent5">
-              <a:lumMod val="40000"/>
-              <a:lumOff val="60000"/>
-              <a:alpha val="20000"/>
-            </a:schemeClr>
-          </a:solidFill>
-          <a:ln w="12700">
-            <a:solidFill>
-              <a:schemeClr val="accent5">
-                <a:lumMod val="60000"/>
-                <a:lumOff val="40000"/>
-              </a:schemeClr>
-            </a:solidFill>
-          </a:ln>
-        </p:spPr>
-        <p:txBody>
-          <a:bodyPr wrap="square">
-            <a:spAutoFit/>
-          </a:bodyPr>
-          <a:lstStyle/>
-          <a:p>
-            <a:pPr algn="ctr" eaLnBrk="0" hangingPunct="0">
-              <a:buClr>
-                <a:schemeClr val="accent5">
-                  <a:lumMod val="40000"/>
-                  <a:lumOff val="60000"/>
-                </a:schemeClr>
-              </a:buClr>
-              <a:buSzPct val="70000"/>
-            </a:pPr>
-            <a:r>
-              <a:rPr lang="it-IT" sz="2799" b="1" noProof="1">
-                <a:latin typeface="Consolas" panose="020B0609020204030204" pitchFamily="49" charset="0"/>
-              </a:rPr>
-              <a:t>-1 0 1</a:t>
-            </a:r>
-          </a:p>
-        </p:txBody>
-      </p:sp>
-      <p:sp>
-        <p:nvSpPr>
-          <p:cNvPr id="20" name="Rectangle 19">
-            <a:extLst>
-              <a:ext uri="{FF2B5EF4-FFF2-40B4-BE49-F238E27FC236}">
-                <a16:creationId xmlns:a16="http://schemas.microsoft.com/office/drawing/2014/main" id="{D4CF9DF7-8ABA-48CC-B66B-F7B7922BCAB8}"/>
-              </a:ext>
-            </a:extLst>
-          </p:cNvPr>
-          <p:cNvSpPr>
-            <a:spLocks noChangeArrowheads="1"/>
-          </p:cNvSpPr>
-          <p:nvPr/>
-        </p:nvSpPr>
-        <p:spPr bwMode="auto">
-          <a:xfrm>
-            <a:off x="6141348" y="4327695"/>
-            <a:ext cx="528647" cy="523084"/>
-          </a:xfrm>
-          <a:prstGeom prst="rect">
-            <a:avLst/>
-          </a:prstGeom>
-          <a:solidFill>
-            <a:schemeClr val="accent5">
-              <a:lumMod val="40000"/>
-              <a:lumOff val="60000"/>
-              <a:alpha val="20000"/>
-            </a:schemeClr>
-          </a:solidFill>
-          <a:ln w="12700">
-            <a:solidFill>
-              <a:schemeClr val="accent5">
-                <a:lumMod val="60000"/>
-                <a:lumOff val="40000"/>
-              </a:schemeClr>
-            </a:solidFill>
-          </a:ln>
-        </p:spPr>
-        <p:txBody>
-          <a:bodyPr wrap="square">
-            <a:spAutoFit/>
-          </a:bodyPr>
-          <a:lstStyle/>
-          <a:p>
-            <a:pPr algn="ctr" eaLnBrk="0" hangingPunct="0">
-              <a:buClr>
-                <a:schemeClr val="accent5">
-                  <a:lumMod val="40000"/>
-                  <a:lumOff val="60000"/>
-                </a:schemeClr>
-              </a:buClr>
-              <a:buSzPct val="70000"/>
-            </a:pPr>
-            <a:r>
-              <a:rPr lang="it-IT" sz="2799" b="1" noProof="1">
-                <a:latin typeface="Consolas" panose="020B0609020204030204" pitchFamily="49" charset="0"/>
-              </a:rPr>
-              <a:t>0</a:t>
-            </a:r>
-          </a:p>
-        </p:txBody>
-      </p:sp>
-      <p:sp>
-        <p:nvSpPr>
-          <p:cNvPr id="11" name="Right Arrow 14">
-            <a:extLst>
-              <a:ext uri="{FF2B5EF4-FFF2-40B4-BE49-F238E27FC236}">
-                <a16:creationId xmlns:a16="http://schemas.microsoft.com/office/drawing/2014/main" id="{BB7724A8-2B11-4A82-AA6A-78339B1E9513}"/>
-              </a:ext>
-            </a:extLst>
-          </p:cNvPr>
-          <p:cNvSpPr/>
-          <p:nvPr/>
-        </p:nvSpPr>
-        <p:spPr>
-          <a:xfrm>
-            <a:off x="5364155" y="4448758"/>
-            <a:ext cx="532543" cy="280959"/>
-          </a:xfrm>
-          <a:prstGeom prst="rightArrow">
-            <a:avLst/>
-          </a:prstGeom>
-        </p:spPr>
-        <p:style>
-          <a:lnRef idx="2">
-            <a:schemeClr val="dk1">
-              <a:shade val="50000"/>
-            </a:schemeClr>
-          </a:lnRef>
-          <a:fillRef idx="1">
-            <a:schemeClr val="dk1"/>
-          </a:fillRef>
-          <a:effectRef idx="0">
-            <a:schemeClr val="dk1"/>
-          </a:effectRef>
-          <a:fontRef idx="minor">
-            <a:schemeClr val="lt1"/>
-          </a:fontRef>
-        </p:style>
-        <p:txBody>
-          <a:bodyPr rtlCol="0" anchor="ctr"/>
-          <a:lstStyle/>
-          <a:p>
-            <a:pPr algn="ctr"/>
-            <a:endParaRPr lang="en-US" sz="3199" dirty="0"/>
-          </a:p>
-        </p:txBody>
-      </p:sp>
-      <p:sp>
-        <p:nvSpPr>
-          <p:cNvPr id="14" name="Slide Number">
-            <a:extLst>
-              <a:ext uri="{FF2B5EF4-FFF2-40B4-BE49-F238E27FC236}">
-                <a16:creationId xmlns:a16="http://schemas.microsoft.com/office/drawing/2014/main" id="{C471BFC0-219F-4D6C-AFA5-3B97BA876027}"/>
-              </a:ext>
-            </a:extLst>
-          </p:cNvPr>
-          <p:cNvSpPr>
-            <a:spLocks noGrp="1"/>
-          </p:cNvSpPr>
-          <p:nvPr>
-            <p:ph type="sldNum" sz="quarter" idx="5"/>
-          </p:nvPr>
-        </p:nvSpPr>
-        <p:spPr>
-          <a:xfrm>
-            <a:off x="11753030" y="6507000"/>
-            <a:ext cx="367414" cy="297000"/>
-          </a:xfrm>
-          <a:prstGeom prst="rect">
-            <a:avLst/>
-          </a:prstGeom>
-        </p:spPr>
-        <p:txBody>
-          <a:bodyPr vert="horz" lIns="91440" tIns="45720" rIns="91440" bIns="45720" rtlCol="0" anchor="b"/>
-          <a:lstStyle>
-            <a:lvl1pPr algn="r">
-              <a:defRPr sz="1000"/>
-            </a:lvl1pPr>
-          </a:lstStyle>
-          <a:p>
-            <a:fld id="{2BF067CD-8E6B-4360-9AA8-C5DF2A48A6D1}" type="slidenum">
-              <a:rPr lang="en-US" noProof="0" smtClean="0"/>
-              <a:pPr/>
-              <a:t>10</a:t>
-            </a:fld>
-            <a:endParaRPr lang="en-US" noProof="0" dirty="0"/>
-          </a:p>
-        </p:txBody>
-      </p:sp>
-    </p:spTree>
-    <p:extLst>
-      <p:ext uri="{BB962C8B-B14F-4D97-AF65-F5344CB8AC3E}">
-        <p14:creationId xmlns:p14="http://schemas.microsoft.com/office/powerpoint/2010/main" val="2266993585"/>
-      </p:ext>
-    </p:extLst>
-  </p:cSld>
-  <p:clrMapOvr>
-    <a:masterClrMapping/>
-  </p:clrMapOvr>
-  <mc:AlternateContent xmlns:mc="http://schemas.openxmlformats.org/markup-compatibility/2006" xmlns:p14="http://schemas.microsoft.com/office/powerpoint/2010/main">
-    <mc:Choice Requires="p14">
-      <p:transition spd="slow" p14:dur="2000" advClick="0" advTm="5000"/>
-    </mc:Choice>
-    <mc:Fallback xmlns="">
-      <p:transition spd="slow" advClick="0" advTm="5000"/>
-    </mc:Fallback>
-  </mc:AlternateContent>
-  <p:timing>
-    <p:tnLst>
-      <p:par>
-        <p:cTn id="1" dur="indefinite" restart="never" nodeType="tmRoot">
-          <p:childTnLst>
-            <p:seq concurrent="1" nextAc="seek">
-              <p:cTn id="2" dur="indefinite" nodeType="mainSeq">
-                <p:childTnLst>
-                  <p:par>
-                    <p:cTn id="3" fill="hold">
-                      <p:stCondLst>
-                        <p:cond delay="indefinite"/>
-                      </p:stCondLst>
-                      <p:childTnLst>
-                        <p:par>
-                          <p:cTn id="4" fill="hold">
-                            <p:stCondLst>
-                              <p:cond delay="0"/>
-                            </p:stCondLst>
-                            <p:childTnLst>
-                              <p:par>
-                                <p:cTn id="5" presetID="1" presetClass="entr" presetSubtype="0" fill="hold" nodeType="clickEffect">
-                                  <p:stCondLst>
-                                    <p:cond delay="0"/>
-                                  </p:stCondLst>
-                                  <p:childTnLst>
-                                    <p:set>
-                                      <p:cBhvr>
-                                        <p:cTn id="6" dur="1" fill="hold">
-                                          <p:stCondLst>
-                                            <p:cond delay="0"/>
-                                          </p:stCondLst>
-                                        </p:cTn>
-                                        <p:tgtEl>
-                                          <p:spTgt spid="6">
-                                            <p:txEl>
-                                              <p:pRg st="1" end="1"/>
-                                            </p:txEl>
-                                          </p:spTgt>
-                                        </p:tgtEl>
-                                        <p:attrNameLst>
-                                          <p:attrName>style.visibility</p:attrName>
-                                        </p:attrNameLst>
-                                      </p:cBhvr>
-                                      <p:to>
-                                        <p:strVal val="visible"/>
-                                      </p:to>
-                                    </p:set>
-                                  </p:childTnLst>
-                                </p:cTn>
-                              </p:par>
-                            </p:childTnLst>
-                          </p:cTn>
-                        </p:par>
-                      </p:childTnLst>
-                    </p:cTn>
-                  </p:par>
-                  <p:par>
-                    <p:cTn id="7" fill="hold">
-                      <p:stCondLst>
-                        <p:cond delay="indefinite"/>
-                      </p:stCondLst>
-                      <p:childTnLst>
-                        <p:par>
-                          <p:cTn id="8" fill="hold">
-                            <p:stCondLst>
-                              <p:cond delay="0"/>
-                            </p:stCondLst>
-                            <p:childTnLst>
-                              <p:par>
-                                <p:cTn id="9" presetID="1" presetClass="entr" presetSubtype="0" fill="hold" nodeType="clickEffect">
-                                  <p:stCondLst>
-                                    <p:cond delay="0"/>
-                                  </p:stCondLst>
-                                  <p:childTnLst>
-                                    <p:set>
-                                      <p:cBhvr>
-                                        <p:cTn id="10" dur="1" fill="hold">
-                                          <p:stCondLst>
-                                            <p:cond delay="0"/>
-                                          </p:stCondLst>
-                                        </p:cTn>
-                                        <p:tgtEl>
-                                          <p:spTgt spid="6">
-                                            <p:txEl>
-                                              <p:pRg st="2" end="2"/>
-                                            </p:txEl>
-                                          </p:spTgt>
-                                        </p:tgtEl>
-                                        <p:attrNameLst>
-                                          <p:attrName>style.visibility</p:attrName>
-                                        </p:attrNameLst>
-                                      </p:cBhvr>
-                                      <p:to>
-                                        <p:strVal val="visible"/>
-                                      </p:to>
-                                    </p:set>
-                                  </p:childTnLst>
-                                </p:cTn>
-                              </p:par>
-                            </p:childTnLst>
-                          </p:cTn>
-                        </p:par>
-                      </p:childTnLst>
-                    </p:cTn>
-                  </p:par>
-                  <p:par>
-                    <p:cTn id="11" fill="hold">
-                      <p:stCondLst>
-                        <p:cond delay="indefinite"/>
-                      </p:stCondLst>
-                      <p:childTnLst>
-                        <p:par>
-                          <p:cTn id="12" fill="hold">
-                            <p:stCondLst>
-                              <p:cond delay="0"/>
-                            </p:stCondLst>
-                            <p:childTnLst>
-                              <p:par>
-                                <p:cTn id="13" presetID="1" presetClass="entr" presetSubtype="0" fill="hold" grpId="0" nodeType="clickEffect">
-                                  <p:stCondLst>
-                                    <p:cond delay="0"/>
-                                  </p:stCondLst>
-                                  <p:childTnLst>
-                                    <p:set>
-                                      <p:cBhvr>
-                                        <p:cTn id="14" dur="1" fill="hold">
-                                          <p:stCondLst>
-                                            <p:cond delay="0"/>
-                                          </p:stCondLst>
-                                        </p:cTn>
-                                        <p:tgtEl>
-                                          <p:spTgt spid="16"/>
-                                        </p:tgtEl>
-                                        <p:attrNameLst>
-                                          <p:attrName>style.visibility</p:attrName>
-                                        </p:attrNameLst>
-                                      </p:cBhvr>
-                                      <p:to>
-                                        <p:strVal val="visible"/>
-                                      </p:to>
-                                    </p:set>
-                                  </p:childTnLst>
-                                </p:cTn>
-                              </p:par>
-                              <p:par>
-                                <p:cTn id="15" presetID="1" presetClass="entr" presetSubtype="0" fill="hold" grpId="0" nodeType="withEffect">
-                                  <p:stCondLst>
-                                    <p:cond delay="0"/>
-                                  </p:stCondLst>
-                                  <p:childTnLst>
-                                    <p:set>
-                                      <p:cBhvr>
-                                        <p:cTn id="16" dur="1" fill="hold">
-                                          <p:stCondLst>
-                                            <p:cond delay="0"/>
-                                          </p:stCondLst>
-                                        </p:cTn>
-                                        <p:tgtEl>
-                                          <p:spTgt spid="15"/>
-                                        </p:tgtEl>
-                                        <p:attrNameLst>
-                                          <p:attrName>style.visibility</p:attrName>
-                                        </p:attrNameLst>
-                                      </p:cBhvr>
-                                      <p:to>
-                                        <p:strVal val="visible"/>
-                                      </p:to>
-                                    </p:set>
-                                  </p:childTnLst>
-                                </p:cTn>
-                              </p:par>
-                              <p:par>
-                                <p:cTn id="17" presetID="1" presetClass="entr" presetSubtype="0" fill="hold" grpId="0" nodeType="withEffect">
-                                  <p:stCondLst>
-                                    <p:cond delay="0"/>
-                                  </p:stCondLst>
-                                  <p:childTnLst>
-                                    <p:set>
-                                      <p:cBhvr>
-                                        <p:cTn id="18" dur="1" fill="hold">
-                                          <p:stCondLst>
-                                            <p:cond delay="0"/>
-                                          </p:stCondLst>
-                                        </p:cTn>
-                                        <p:tgtEl>
-                                          <p:spTgt spid="17"/>
-                                        </p:tgtEl>
-                                        <p:attrNameLst>
-                                          <p:attrName>style.visibility</p:attrName>
-                                        </p:attrNameLst>
-                                      </p:cBhvr>
-                                      <p:to>
-                                        <p:strVal val="visible"/>
-                                      </p:to>
-                                    </p:set>
-                                  </p:childTnLst>
-                                </p:cTn>
-                              </p:par>
-                            </p:childTnLst>
-                          </p:cTn>
-                        </p:par>
-                      </p:childTnLst>
-                    </p:cTn>
-                  </p:par>
-                  <p:par>
-                    <p:cTn id="19" fill="hold">
-                      <p:stCondLst>
-                        <p:cond delay="indefinite"/>
-                      </p:stCondLst>
-                      <p:childTnLst>
-                        <p:par>
-                          <p:cTn id="20" fill="hold">
-                            <p:stCondLst>
-                              <p:cond delay="0"/>
-                            </p:stCondLst>
-                            <p:childTnLst>
-                              <p:par>
-                                <p:cTn id="21" presetID="1" presetClass="entr" presetSubtype="0" fill="hold" grpId="0" nodeType="clickEffect">
-                                  <p:stCondLst>
-                                    <p:cond delay="0"/>
-                                  </p:stCondLst>
-                                  <p:childTnLst>
-                                    <p:set>
-                                      <p:cBhvr>
-                                        <p:cTn id="22" dur="1" fill="hold">
-                                          <p:stCondLst>
-                                            <p:cond delay="0"/>
-                                          </p:stCondLst>
-                                        </p:cTn>
-                                        <p:tgtEl>
-                                          <p:spTgt spid="19"/>
-                                        </p:tgtEl>
-                                        <p:attrNameLst>
-                                          <p:attrName>style.visibility</p:attrName>
-                                        </p:attrNameLst>
-                                      </p:cBhvr>
-                                      <p:to>
-                                        <p:strVal val="visible"/>
-                                      </p:to>
-                                    </p:set>
-                                  </p:childTnLst>
-                                </p:cTn>
-                              </p:par>
-                              <p:par>
-                                <p:cTn id="23" presetID="1" presetClass="entr" presetSubtype="0" fill="hold" grpId="0" nodeType="withEffect">
-                                  <p:stCondLst>
-                                    <p:cond delay="0"/>
-                                  </p:stCondLst>
-                                  <p:childTnLst>
-                                    <p:set>
-                                      <p:cBhvr>
-                                        <p:cTn id="24" dur="1" fill="hold">
-                                          <p:stCondLst>
-                                            <p:cond delay="0"/>
-                                          </p:stCondLst>
-                                        </p:cTn>
-                                        <p:tgtEl>
-                                          <p:spTgt spid="20"/>
-                                        </p:tgtEl>
-                                        <p:attrNameLst>
-                                          <p:attrName>style.visibility</p:attrName>
-                                        </p:attrNameLst>
-                                      </p:cBhvr>
-                                      <p:to>
-                                        <p:strVal val="visible"/>
-                                      </p:to>
-                                    </p:set>
-                                  </p:childTnLst>
-                                </p:cTn>
-                              </p:par>
-                              <p:par>
-                                <p:cTn id="25" presetID="1" presetClass="entr" presetSubtype="0" fill="hold" grpId="0" nodeType="withEffect">
-                                  <p:stCondLst>
-                                    <p:cond delay="0"/>
-                                  </p:stCondLst>
-                                  <p:childTnLst>
-                                    <p:set>
-                                      <p:cBhvr>
-                                        <p:cTn id="26" dur="1" fill="hold">
-                                          <p:stCondLst>
-                                            <p:cond delay="0"/>
-                                          </p:stCondLst>
-                                        </p:cTn>
-                                        <p:tgtEl>
-                                          <p:spTgt spid="11"/>
-                                        </p:tgtEl>
-                                        <p:attrNameLst>
-                                          <p:attrName>style.visibility</p:attrName>
-                                        </p:attrNameLst>
-                                      </p:cBhvr>
-                                      <p:to>
-                                        <p:strVal val="visible"/>
-                                      </p:to>
-                                    </p:set>
-                                  </p:childTnLst>
-                                </p:cTn>
-                              </p:par>
-                            </p:childTnLst>
-                          </p:cTn>
-                        </p:par>
-                      </p:childTnLst>
-                    </p:cTn>
-                  </p:par>
-                </p:childTnLst>
-              </p:cTn>
-              <p:prevCondLst>
-                <p:cond evt="onPrev" delay="0">
-                  <p:tgtEl>
-                    <p:sldTgt/>
-                  </p:tgtEl>
-                </p:cond>
-              </p:prevCondLst>
-              <p:nextCondLst>
-                <p:cond evt="onNext" delay="0">
-                  <p:tgtEl>
-                    <p:sldTgt/>
-                  </p:tgtEl>
-                </p:cond>
-              </p:nextCondLst>
-            </p:seq>
-          </p:childTnLst>
-        </p:cTn>
-      </p:par>
-    </p:tnLst>
-    <p:bldLst>
-      <p:bldP spid="15" grpId="0" animBg="1"/>
-      <p:bldP spid="16" grpId="0" animBg="1"/>
-      <p:bldP spid="17" grpId="0" animBg="1"/>
-      <p:bldP spid="19" grpId="0" animBg="1"/>
-      <p:bldP spid="20" grpId="0" animBg="1"/>
-      <p:bldP spid="11" grpId="0" animBg="1"/>
-    </p:bldLst>
-  </p:timing>
-</p:sld>
-</file>
-
-<file path=ppt/slides/slide11.xml><?xml version="1.0" encoding="utf-8"?>
-<p:sld xmlns:a="http://schemas.openxmlformats.org/drawingml/2006/main" xmlns:r="http://schemas.openxmlformats.org/officeDocument/2006/relationships" xmlns:p="http://schemas.openxmlformats.org/presentationml/2006/main">
-  <p:cSld>
-    <p:spTree>
-      <p:nvGrpSpPr>
-        <p:cNvPr id="1" name=""/>
-        <p:cNvGrpSpPr/>
-        <p:nvPr/>
-      </p:nvGrpSpPr>
-      <p:grpSpPr>
-        <a:xfrm>
-          <a:off x="0" y="0"/>
-          <a:ext cx="0" cy="0"/>
-          <a:chOff x="0" y="0"/>
-          <a:chExt cx="0" cy="0"/>
-        </a:xfrm>
-      </p:grpSpPr>
-      <p:sp>
-        <p:nvSpPr>
           <p:cNvPr id="7" name="Text Placeholder 6"/>
           <p:cNvSpPr>
             <a:spLocks noGrp="1"/>
@@ -9468,7 +8583,15 @@
           <a:p>
             <a:r>
               <a:rPr lang="en-US" sz="3950" dirty="0"/>
-              <a:t>Решение: Сума от масив</a:t>
+              <a:t>Решение: Сума </a:t>
+            </a:r>
+            <a:r>
+              <a:rPr lang="bg-BG" sz="3950" dirty="0"/>
+              <a:t>на</a:t>
+            </a:r>
+            <a:r>
+              <a:rPr lang="en-US" sz="3950" dirty="0"/>
+              <a:t> масив</a:t>
             </a:r>
           </a:p>
         </p:txBody>
@@ -9483,13 +8606,13 @@
         </p:nvSpPr>
         <p:spPr bwMode="auto">
           <a:xfrm>
-            <a:off x="8248543" y="2582277"/>
+            <a:off x="8248543" y="2214000"/>
             <a:ext cx="2148272" cy="1038555"/>
           </a:xfrm>
           <a:prstGeom prst="wedgeRoundRectCallout">
             <a:avLst>
-              <a:gd name="adj1" fmla="val -69202"/>
-              <a:gd name="adj2" fmla="val -35526"/>
+              <a:gd name="adj1" fmla="val -73256"/>
+              <a:gd name="adj2" fmla="val -9322"/>
               <a:gd name="adj3" fmla="val 16667"/>
             </a:avLst>
           </a:prstGeom>
@@ -9556,13 +8679,13 @@
         </p:nvSpPr>
         <p:spPr bwMode="auto">
           <a:xfrm>
-            <a:off x="9090928" y="5143305"/>
+            <a:off x="9392820" y="3723860"/>
             <a:ext cx="2543917" cy="1038555"/>
           </a:xfrm>
           <a:prstGeom prst="wedgeRoundRectCallout">
             <a:avLst>
-              <a:gd name="adj1" fmla="val -59365"/>
-              <a:gd name="adj2" fmla="val -52080"/>
+              <a:gd name="adj1" fmla="val -88463"/>
+              <a:gd name="adj2" fmla="val 61121"/>
               <a:gd name="adj3" fmla="val 16667"/>
             </a:avLst>
           </a:prstGeom>
@@ -9748,7 +8871,7 @@
             <a:fld id="{2BF067CD-8E6B-4360-9AA8-C5DF2A48A6D1}" type="slidenum">
               <a:rPr lang="en-US" smtClean="0"/>
               <a:pPr/>
-              <a:t>11</a:t>
+              <a:t>10</a:t>
             </a:fld>
             <a:endParaRPr lang="en-US" dirty="0"/>
           </a:p>
@@ -9768,7 +8891,7 @@
         </p:nvSpPr>
         <p:spPr>
           <a:xfrm>
-            <a:off x="801479" y="6222212"/>
+            <a:off x="553711" y="6241823"/>
             <a:ext cx="10589042" cy="400006"/>
           </a:xfrm>
           <a:prstGeom prst="rect">
@@ -9784,16 +8907,33 @@
           <a:p>
             <a:pPr algn="ctr"/>
             <a:r>
+              <a:rPr lang="bg-BG" sz="1999" dirty="0"/>
+              <a:t>Проверете решението си тук</a:t>
+            </a:r>
+            <a:r>
               <a:rPr lang="en-US" sz="1999" dirty="0"/>
-              <a:t>Check your solution here: </a:t>
+              <a:t>: </a:t>
             </a:r>
             <a:r>
               <a:rPr lang="en-US" sz="1999" dirty="0">
-                <a:hlinkClick r:id="rId2"/>
+                <a:solidFill>
+                  <a:schemeClr val="bg1"/>
+                </a:solidFill>
+                <a:hlinkClick r:id="rId2">
+                  <a:extLst>
+                    <a:ext uri="{A12FA001-AC4F-418D-AE19-62706E023703}">
+                      <ahyp:hlinkClr xmlns:ahyp="http://schemas.microsoft.com/office/drawing/2018/hyperlinkcolor" val="tx"/>
+                    </a:ext>
+                  </a:extLst>
+                </a:hlinkClick>
               </a:rPr>
               <a:t>https://judge.softuni.org/Contests/Practice/Index/4176#0</a:t>
             </a:r>
-            <a:endParaRPr lang="en-US" sz="1999" dirty="0"/>
+            <a:endParaRPr lang="en-US" sz="1999" dirty="0">
+              <a:solidFill>
+                <a:schemeClr val="bg1"/>
+              </a:solidFill>
+            </a:endParaRPr>
           </a:p>
         </p:txBody>
       </p:sp>
@@ -10133,7 +9273,7 @@
 </p:sld>
 </file>
 
-<file path=ppt/slides/slide12.xml><?xml version="1.0" encoding="utf-8"?>
+<file path=ppt/slides/slide11.xml><?xml version="1.0" encoding="utf-8"?>
 <p:sld xmlns:a="http://schemas.openxmlformats.org/drawingml/2006/main" xmlns:r="http://schemas.openxmlformats.org/officeDocument/2006/relationships" xmlns:p="http://schemas.openxmlformats.org/presentationml/2006/main">
   <p:cSld>
     <p:spTree>
@@ -10182,10 +9322,49 @@
             </a:r>
             <a:r>
               <a:rPr lang="en-US" sz="3600" dirty="0"/>
-              <a:t>, който да изчислява</a:t>
-            </a:r>
-            <a:r>
-              <a:rPr lang="en-US" sz="3600" dirty="0">
+              <a:t>, който</a:t>
+            </a:r>
+            <a:r>
+              <a:rPr lang="bg-BG" sz="3600" dirty="0"/>
+              <a:t>:</a:t>
+            </a:r>
+          </a:p>
+          <a:p>
+            <a:pPr lvl="1" indent="-360045"/>
+            <a:r>
+              <a:rPr lang="bg-BG" sz="3400" dirty="0"/>
+              <a:t>Прочита </a:t>
+            </a:r>
+            <a:r>
+              <a:rPr lang="en-US" sz="3400" dirty="0"/>
+              <a:t>числото </a:t>
+            </a:r>
+            <a:r>
+              <a:rPr lang="en-US" sz="3400" b="1" dirty="0">
+                <a:solidFill>
+                  <a:schemeClr val="bg1"/>
+                </a:solidFill>
+              </a:rPr>
+              <a:t>n</a:t>
+            </a:r>
+            <a:r>
+              <a:rPr lang="en-US" sz="3400" dirty="0"/>
+              <a:t> от конзолата</a:t>
+            </a:r>
+            <a:endParaRPr lang="bg-BG" sz="3400" dirty="0"/>
+          </a:p>
+          <a:p>
+            <a:pPr lvl="1" indent="-360045"/>
+            <a:r>
+              <a:rPr lang="bg-BG" sz="3400" dirty="0">
+                <a:solidFill>
+                  <a:srgbClr val="234465"/>
+                </a:solidFill>
+              </a:rPr>
+              <a:t>Изчислява</a:t>
+            </a:r>
+            <a:r>
+              <a:rPr lang="en-US" sz="3400" dirty="0">
                 <a:solidFill>
                   <a:srgbClr val="234465"/>
                 </a:solidFill>
@@ -10193,39 +9372,17 @@
               <a:t> </a:t>
             </a:r>
             <a:r>
-              <a:rPr lang="en-US" sz="3600" b="1" dirty="0">
+              <a:rPr lang="en-US" sz="3400" b="1" dirty="0">
                 <a:solidFill>
                   <a:schemeClr val="bg1"/>
                 </a:solidFill>
               </a:rPr>
               <a:t>n!</a:t>
             </a:r>
-            <a:endParaRPr lang="bg-BG" dirty="0">
+            <a:endParaRPr lang="bg-BG" sz="3400" dirty="0">
               <a:solidFill>
                 <a:schemeClr val="bg1"/>
               </a:solidFill>
-            </a:endParaRPr>
-          </a:p>
-          <a:p>
-            <a:pPr lvl="1" indent="-360045"/>
-            <a:r>
-              <a:rPr lang="en-US" sz="3400" dirty="0"/>
-              <a:t>Прочете числото </a:t>
-            </a:r>
-            <a:r>
-              <a:rPr lang="en-US" sz="3400" b="1" dirty="0">
-                <a:solidFill>
-                  <a:schemeClr val="bg1"/>
-                </a:solidFill>
-              </a:rPr>
-              <a:t>n</a:t>
-            </a:r>
-            <a:r>
-              <a:rPr lang="en-US" sz="3400" dirty="0"/>
-              <a:t> от конзолата</a:t>
-            </a:r>
-            <a:endParaRPr lang="en-US" sz="3400" dirty="0">
-              <a:cs typeface="Calibri"/>
             </a:endParaRPr>
           </a:p>
         </p:txBody>
@@ -10266,7 +9423,7 @@
         </p:nvSpPr>
         <p:spPr>
           <a:xfrm>
-            <a:off x="5211390" y="3177584"/>
+            <a:off x="5443875" y="4076268"/>
             <a:ext cx="414498" cy="398549"/>
           </a:xfrm>
           <a:prstGeom prst="rightArrow">
@@ -10314,8 +9471,8 @@
         </p:nvSpPr>
         <p:spPr bwMode="auto">
           <a:xfrm>
-            <a:off x="4173383" y="3115316"/>
-            <a:ext cx="668288" cy="523084"/>
+            <a:off x="4405868" y="4014000"/>
+            <a:ext cx="668288" cy="584775"/>
           </a:xfrm>
           <a:prstGeom prst="rect">
             <a:avLst/>
@@ -10352,7 +9509,7 @@
               <a:buSzPct val="70000"/>
             </a:pPr>
             <a:r>
-              <a:rPr lang="it-IT" sz="2799" b="1" noProof="1">
+              <a:rPr lang="it-IT" sz="3200" b="1" noProof="1">
                 <a:latin typeface="Consolas" panose="020B0609020204030204" pitchFamily="49" charset="0"/>
               </a:rPr>
               <a:t>5</a:t>
@@ -10376,8 +9533,8 @@
         </p:nvSpPr>
         <p:spPr bwMode="auto">
           <a:xfrm>
-            <a:off x="5863515" y="3115316"/>
-            <a:ext cx="1024299" cy="523084"/>
+            <a:off x="6096000" y="4014000"/>
+            <a:ext cx="1024299" cy="584775"/>
           </a:xfrm>
           <a:prstGeom prst="rect">
             <a:avLst/>
@@ -10414,7 +9571,7 @@
               <a:buSzPct val="70000"/>
             </a:pPr>
             <a:r>
-              <a:rPr lang="it-IT" sz="2799" b="1" noProof="1">
+              <a:rPr lang="it-IT" sz="3200" b="1" noProof="1">
                 <a:latin typeface="Consolas" panose="020B0609020204030204" pitchFamily="49" charset="0"/>
               </a:rPr>
               <a:t>120</a:t>
@@ -10436,7 +9593,7 @@
         </p:nvSpPr>
         <p:spPr>
           <a:xfrm>
-            <a:off x="5210988" y="4556593"/>
+            <a:off x="5443473" y="5455277"/>
             <a:ext cx="414498" cy="398549"/>
           </a:xfrm>
           <a:prstGeom prst="rightArrow">
@@ -10484,8 +9641,8 @@
         </p:nvSpPr>
         <p:spPr bwMode="auto">
           <a:xfrm>
-            <a:off x="4173383" y="4494324"/>
-            <a:ext cx="668288" cy="523084"/>
+            <a:off x="4405868" y="5393008"/>
+            <a:ext cx="668288" cy="584775"/>
           </a:xfrm>
           <a:prstGeom prst="rect">
             <a:avLst/>
@@ -10522,7 +9679,7 @@
               <a:buSzPct val="70000"/>
             </a:pPr>
             <a:r>
-              <a:rPr lang="it-IT" sz="2799" b="1" noProof="1">
+              <a:rPr lang="it-IT" sz="3200" b="1" noProof="1">
                 <a:latin typeface="Consolas" panose="020B0609020204030204" pitchFamily="49" charset="0"/>
               </a:rPr>
               <a:t>10</a:t>
@@ -10546,8 +9703,8 @@
         </p:nvSpPr>
         <p:spPr bwMode="auto">
           <a:xfrm>
-            <a:off x="5863111" y="4494324"/>
-            <a:ext cx="2042886" cy="523084"/>
+            <a:off x="6095596" y="5393008"/>
+            <a:ext cx="2042886" cy="584775"/>
           </a:xfrm>
           <a:prstGeom prst="rect">
             <a:avLst/>
@@ -10584,7 +9741,7 @@
               <a:buSzPct val="70000"/>
             </a:pPr>
             <a:r>
-              <a:rPr lang="it-IT" sz="2799" b="1" noProof="1">
+              <a:rPr lang="it-IT" sz="3200" b="1" noProof="1">
                 <a:latin typeface="Consolas" panose="020B0609020204030204" pitchFamily="49" charset="0"/>
               </a:rPr>
               <a:t>3628800</a:t>
@@ -10628,7 +9785,7 @@
             <a:fld id="{2BF067CD-8E6B-4360-9AA8-C5DF2A48A6D1}" type="slidenum">
               <a:rPr lang="en-US" noProof="0" smtClean="0"/>
               <a:pPr/>
-              <a:t>12</a:t>
+              <a:t>11</a:t>
             </a:fld>
             <a:endParaRPr lang="en-US" noProof="0" dirty="0"/>
           </a:p>
@@ -10673,7 +9830,7 @@
                             </p:stCondLst>
                             <p:childTnLst>
                               <p:par>
-                                <p:cTn id="5" presetID="1" presetClass="entr" presetSubtype="0" fill="hold" grpId="0" nodeType="clickEffect">
+                                <p:cTn id="5" presetID="1" presetClass="entr" presetSubtype="0" fill="hold" nodeType="clickEffect">
                                   <p:stCondLst>
                                     <p:cond delay="0"/>
                                   </p:stCondLst>
@@ -10681,6 +9838,55 @@
                                     <p:set>
                                       <p:cBhvr>
                                         <p:cTn id="6" dur="1" fill="hold">
+                                          <p:stCondLst>
+                                            <p:cond delay="0"/>
+                                          </p:stCondLst>
+                                        </p:cTn>
+                                        <p:tgtEl>
+                                          <p:spTgt spid="3">
+                                            <p:txEl>
+                                              <p:pRg st="2" end="2"/>
+                                            </p:txEl>
+                                          </p:spTgt>
+                                        </p:tgtEl>
+                                        <p:attrNameLst>
+                                          <p:attrName>style.visibility</p:attrName>
+                                        </p:attrNameLst>
+                                      </p:cBhvr>
+                                      <p:to>
+                                        <p:strVal val="visible"/>
+                                      </p:to>
+                                    </p:set>
+                                  </p:childTnLst>
+                                </p:cTn>
+                              </p:par>
+                            </p:childTnLst>
+                          </p:cTn>
+                        </p:par>
+                      </p:childTnLst>
+                    </p:cTn>
+                  </p:par>
+                  <p:par>
+                    <p:cTn id="7" fill="hold">
+                      <p:stCondLst>
+                        <p:cond delay="indefinite"/>
+                      </p:stCondLst>
+                      <p:childTnLst>
+                        <p:par>
+                          <p:cTn id="8" fill="hold">
+                            <p:stCondLst>
+                              <p:cond delay="0"/>
+                            </p:stCondLst>
+                            <p:childTnLst>
+                              <p:par>
+                                <p:cTn id="9" presetID="1" presetClass="entr" presetSubtype="0" fill="hold" grpId="0" nodeType="clickEffect">
+                                  <p:stCondLst>
+                                    <p:cond delay="0"/>
+                                  </p:stCondLst>
+                                  <p:childTnLst>
+                                    <p:set>
+                                      <p:cBhvr>
+                                        <p:cTn id="10" dur="1" fill="hold">
                                           <p:stCondLst>
                                             <p:cond delay="0"/>
                                           </p:stCondLst>
@@ -10700,14 +9906,14 @@
                                 </p:cTn>
                               </p:par>
                               <p:par>
-                                <p:cTn id="7" presetID="1" presetClass="entr" presetSubtype="0" fill="hold" grpId="0" nodeType="withEffect">
+                                <p:cTn id="11" presetID="1" presetClass="entr" presetSubtype="0" fill="hold" grpId="0" nodeType="withEffect">
                                   <p:stCondLst>
                                     <p:cond delay="0"/>
                                   </p:stCondLst>
                                   <p:childTnLst>
                                     <p:set>
                                       <p:cBhvr>
-                                        <p:cTn id="8" dur="1" fill="hold">
+                                        <p:cTn id="12" dur="1" fill="hold">
                                           <p:stCondLst>
                                             <p:cond delay="0"/>
                                           </p:stCondLst>
@@ -10727,14 +9933,14 @@
                                 </p:cTn>
                               </p:par>
                               <p:par>
-                                <p:cTn id="9" presetID="1" presetClass="entr" presetSubtype="0" fill="hold" grpId="0" nodeType="withEffect">
+                                <p:cTn id="13" presetID="1" presetClass="entr" presetSubtype="0" fill="hold" grpId="0" nodeType="withEffect">
                                   <p:stCondLst>
                                     <p:cond delay="0"/>
                                   </p:stCondLst>
                                   <p:childTnLst>
                                     <p:set>
                                       <p:cBhvr>
-                                        <p:cTn id="10" dur="1" fill="hold">
+                                        <p:cTn id="14" dur="1" fill="hold">
                                           <p:stCondLst>
                                             <p:cond delay="0"/>
                                           </p:stCondLst>
@@ -10760,26 +9966,26 @@
                     </p:cTn>
                   </p:par>
                   <p:par>
-                    <p:cTn id="11" fill="hold">
+                    <p:cTn id="15" fill="hold">
                       <p:stCondLst>
                         <p:cond delay="indefinite"/>
                       </p:stCondLst>
                       <p:childTnLst>
                         <p:par>
-                          <p:cTn id="12" fill="hold">
+                          <p:cTn id="16" fill="hold">
                             <p:stCondLst>
                               <p:cond delay="0"/>
                             </p:stCondLst>
                             <p:childTnLst>
                               <p:par>
-                                <p:cTn id="13" presetID="1" presetClass="entr" presetSubtype="0" fill="hold" grpId="0" nodeType="clickEffect">
+                                <p:cTn id="17" presetID="1" presetClass="entr" presetSubtype="0" fill="hold" grpId="0" nodeType="clickEffect">
                                   <p:stCondLst>
                                     <p:cond delay="0"/>
                                   </p:stCondLst>
                                   <p:childTnLst>
                                     <p:set>
                                       <p:cBhvr>
-                                        <p:cTn id="14" dur="1" fill="hold">
+                                        <p:cTn id="18" dur="1" fill="hold">
                                           <p:stCondLst>
                                             <p:cond delay="0"/>
                                           </p:stCondLst>
@@ -10799,14 +10005,14 @@
                                 </p:cTn>
                               </p:par>
                               <p:par>
-                                <p:cTn id="15" presetID="1" presetClass="entr" presetSubtype="0" fill="hold" grpId="0" nodeType="withEffect">
+                                <p:cTn id="19" presetID="1" presetClass="entr" presetSubtype="0" fill="hold" grpId="0" nodeType="withEffect">
                                   <p:stCondLst>
                                     <p:cond delay="0"/>
                                   </p:stCondLst>
                                   <p:childTnLst>
                                     <p:set>
                                       <p:cBhvr>
-                                        <p:cTn id="16" dur="1" fill="hold">
+                                        <p:cTn id="20" dur="1" fill="hold">
                                           <p:stCondLst>
                                             <p:cond delay="0"/>
                                           </p:stCondLst>
@@ -10826,14 +10032,14 @@
                                 </p:cTn>
                               </p:par>
                               <p:par>
-                                <p:cTn id="17" presetID="1" presetClass="entr" presetSubtype="0" fill="hold" grpId="0" nodeType="withEffect">
+                                <p:cTn id="21" presetID="1" presetClass="entr" presetSubtype="0" fill="hold" grpId="0" nodeType="withEffect">
                                   <p:stCondLst>
                                     <p:cond delay="0"/>
                                   </p:stCondLst>
                                   <p:childTnLst>
                                     <p:set>
                                       <p:cBhvr>
-                                        <p:cTn id="18" dur="1" fill="hold">
+                                        <p:cTn id="22" dur="1" fill="hold">
                                           <p:stCondLst>
                                             <p:cond delay="0"/>
                                           </p:stCondLst>
@@ -10891,7 +10097,7 @@
 </p:sld>
 </file>
 
-<file path=ppt/slides/slide13.xml><?xml version="1.0" encoding="utf-8"?>
+<file path=ppt/slides/slide12.xml><?xml version="1.0" encoding="utf-8"?>
 <p:sld xmlns:a="http://schemas.openxmlformats.org/drawingml/2006/main" xmlns:r="http://schemas.openxmlformats.org/officeDocument/2006/relationships" xmlns:p="http://schemas.openxmlformats.org/presentationml/2006/main">
   <p:cSld>
     <p:spTree>
@@ -11000,8 +10206,13 @@
           <a:p>
             <a:r>
               <a:rPr lang="en-US" sz="3950" dirty="0"/>
-              <a:t>Рекурсивен факториел – примери</a:t>
-            </a:r>
+              <a:t>Рекурсивен факториел</a:t>
+            </a:r>
+            <a:r>
+              <a:rPr lang="bg-BG" sz="3950" dirty="0"/>
+              <a:t> – Примери</a:t>
+            </a:r>
+            <a:endParaRPr lang="en-US" sz="3950" dirty="0"/>
           </a:p>
         </p:txBody>
       </p:sp>
@@ -11896,7 +11107,7 @@
             <a:fld id="{2BF067CD-8E6B-4360-9AA8-C5DF2A48A6D1}" type="slidenum">
               <a:rPr lang="en-US" noProof="0" smtClean="0"/>
               <a:pPr/>
-              <a:t>13</a:t>
+              <a:t>12</a:t>
             </a:fld>
             <a:endParaRPr lang="en-US" noProof="0" dirty="0"/>
           </a:p>
@@ -12409,7 +11620,7 @@
 </p:sld>
 </file>
 
-<file path=ppt/slides/slide14.xml><?xml version="1.0" encoding="utf-8"?>
+<file path=ppt/slides/slide13.xml><?xml version="1.0" encoding="utf-8"?>
 <p:sld xmlns:a="http://schemas.openxmlformats.org/drawingml/2006/main" xmlns:r="http://schemas.openxmlformats.org/officeDocument/2006/relationships" xmlns:p="http://schemas.openxmlformats.org/presentationml/2006/main">
   <p:cSld>
     <p:spTree>
@@ -12723,7 +11934,7 @@
         </p:nvSpPr>
         <p:spPr bwMode="auto">
           <a:xfrm>
-            <a:off x="8112225" y="4639249"/>
+            <a:off x="8112225" y="4865445"/>
             <a:ext cx="2543917" cy="1038555"/>
           </a:xfrm>
           <a:prstGeom prst="wedgeRoundRectCallout">
@@ -12925,7 +12136,7 @@
             <a:fld id="{2BF067CD-8E6B-4360-9AA8-C5DF2A48A6D1}" type="slidenum">
               <a:rPr lang="en-US" smtClean="0"/>
               <a:pPr/>
-              <a:t>14</a:t>
+              <a:t>13</a:t>
             </a:fld>
             <a:endParaRPr lang="en-US" dirty="0"/>
           </a:p>
@@ -12961,11 +12172,32 @@
           <a:p>
             <a:pPr algn="ctr"/>
             <a:r>
+              <a:rPr lang="bg-BG" sz="2000" dirty="0">
+                <a:ea typeface="+mn-lt"/>
+                <a:cs typeface="+mn-lt"/>
+              </a:rPr>
+              <a:t>Проверете</a:t>
+            </a:r>
+            <a:r>
               <a:rPr lang="en-US" sz="2000" dirty="0">
                 <a:ea typeface="+mn-lt"/>
                 <a:cs typeface="+mn-lt"/>
               </a:rPr>
-              <a:t>Тествайте решението в Judge</a:t>
+              <a:t> решението </a:t>
+            </a:r>
+            <a:r>
+              <a:rPr lang="bg-BG" sz="2000" dirty="0">
+                <a:ea typeface="+mn-lt"/>
+                <a:cs typeface="+mn-lt"/>
+              </a:rPr>
+              <a:t>си </a:t>
+            </a:r>
+            <a:r>
+              <a:rPr lang="en-US" sz="2000" dirty="0">
+                <a:ea typeface="+mn-lt"/>
+                <a:cs typeface="+mn-lt"/>
+              </a:rPr>
+              <a:t>в Judge</a:t>
             </a:r>
             <a:r>
               <a:rPr lang="en-US" sz="1999" dirty="0"/>
@@ -12973,11 +12205,24 @@
             </a:r>
             <a:r>
               <a:rPr lang="en-US" sz="1999" dirty="0">
-                <a:hlinkClick r:id="rId2"/>
+                <a:solidFill>
+                  <a:schemeClr val="bg1"/>
+                </a:solidFill>
+                <a:hlinkClick r:id="rId2">
+                  <a:extLst>
+                    <a:ext uri="{A12FA001-AC4F-418D-AE19-62706E023703}">
+                      <ahyp:hlinkClr xmlns:ahyp="http://schemas.microsoft.com/office/drawing/2018/hyperlinkcolor" val="tx"/>
+                    </a:ext>
+                  </a:extLst>
+                </a:hlinkClick>
               </a:rPr>
               <a:t>https://judge.softuni.org/Contests/Practice/Index/4176#2</a:t>
             </a:r>
-            <a:endParaRPr lang="en-US" sz="1999" dirty="0"/>
+            <a:endParaRPr lang="en-US" sz="1999" dirty="0">
+              <a:solidFill>
+                <a:schemeClr val="bg1"/>
+              </a:solidFill>
+            </a:endParaRPr>
           </a:p>
         </p:txBody>
       </p:sp>
@@ -13126,7 +12371,7 @@
 </p:sld>
 </file>
 
-<file path=ppt/slides/slide15.xml><?xml version="1.0" encoding="utf-8"?>
+<file path=ppt/slides/slide14.xml><?xml version="1.0" encoding="utf-8"?>
 <p:sld xmlns:a="http://schemas.openxmlformats.org/drawingml/2006/main" xmlns:r="http://schemas.openxmlformats.org/officeDocument/2006/relationships" xmlns:p="http://schemas.openxmlformats.org/presentationml/2006/main">
   <p:cSld>
     <p:spTree>
@@ -13175,7 +12420,7 @@
               </a:buClr>
             </a:pPr>
             <a:r>
-              <a:rPr lang="en-US" sz="3350" b="1" dirty="0">
+              <a:rPr lang="en-US" sz="3600" b="1" dirty="0">
                 <a:solidFill>
                   <a:schemeClr val="bg1"/>
                 </a:solidFill>
@@ -13183,7 +12428,7 @@
               <a:t>Директна </a:t>
             </a:r>
             <a:r>
-              <a:rPr lang="en-US" sz="3350" dirty="0">
+              <a:rPr lang="en-US" sz="3600" dirty="0">
                 <a:solidFill>
                   <a:schemeClr val="tx2">
                     <a:lumMod val="75000"/>
@@ -13192,7 +12437,7 @@
               </a:rPr>
               <a:t>рекурсия</a:t>
             </a:r>
-            <a:endParaRPr lang="bg-BG" dirty="0">
+            <a:endParaRPr lang="bg-BG" sz="3600" dirty="0">
               <a:solidFill>
                 <a:schemeClr val="tx2">
                   <a:lumMod val="75000"/>
@@ -13210,10 +12455,21 @@
               </a:buClr>
             </a:pPr>
             <a:r>
-              <a:rPr lang="en-US" sz="3150" dirty="0"/>
-              <a:t>Метод, който се самоизвиква</a:t>
-            </a:r>
-            <a:endParaRPr lang="en-US" sz="3150" dirty="0">
+              <a:rPr lang="en-US" sz="3400" dirty="0"/>
+              <a:t>Метод, който се </a:t>
+            </a:r>
+            <a:r>
+              <a:rPr lang="en-US" sz="3400" b="1" dirty="0">
+                <a:solidFill>
+                  <a:schemeClr val="bg1"/>
+                </a:solidFill>
+              </a:rPr>
+              <a:t>самоизвиква</a:t>
+            </a:r>
+            <a:endParaRPr lang="en-US" sz="3400" b="1" dirty="0">
+              <a:solidFill>
+                <a:schemeClr val="bg1"/>
+              </a:solidFill>
               <a:cs typeface="Calibri"/>
             </a:endParaRPr>
           </a:p>
@@ -13227,15 +12483,15 @@
               </a:buClr>
             </a:pPr>
             <a:r>
-              <a:rPr lang="en-US" sz="3350" b="1" dirty="0">
+              <a:rPr lang="bg-BG" sz="3600" b="1" dirty="0">
                 <a:solidFill>
                   <a:schemeClr val="bg1"/>
                 </a:solidFill>
               </a:rPr>
-              <a:t>Недиректна</a:t>
-            </a:r>
-            <a:r>
-              <a:rPr lang="en-US" sz="3350" dirty="0">
+              <a:t>Индиректна</a:t>
+            </a:r>
+            <a:r>
+              <a:rPr lang="en-US" sz="3600" dirty="0">
                 <a:solidFill>
                   <a:schemeClr val="tx2">
                     <a:lumMod val="75000"/>
@@ -13244,7 +12500,7 @@
               </a:rPr>
               <a:t> рекурсия</a:t>
             </a:r>
-            <a:endParaRPr lang="en-US" sz="3350" dirty="0">
+            <a:endParaRPr lang="en-US" sz="3600" dirty="0">
               <a:solidFill>
                 <a:schemeClr val="tx2">
                   <a:lumMod val="75000"/>
@@ -13263,11 +12519,11 @@
               </a:buClr>
             </a:pPr>
             <a:r>
-              <a:rPr lang="en-US" sz="3150" dirty="0"/>
+              <a:rPr lang="en-US" sz="3400" dirty="0"/>
               <a:t>Метод </a:t>
             </a:r>
             <a:r>
-              <a:rPr lang="en-US" sz="3150" b="1" dirty="0">
+              <a:rPr lang="en-US" sz="3400" b="1" dirty="0">
                 <a:solidFill>
                   <a:schemeClr val="bg1"/>
                 </a:solidFill>
@@ -13275,11 +12531,11 @@
               <a:t>A </a:t>
             </a:r>
             <a:r>
-              <a:rPr lang="en-US" sz="3150" dirty="0"/>
+              <a:rPr lang="en-US" sz="3400" dirty="0"/>
               <a:t>извиква </a:t>
             </a:r>
             <a:r>
-              <a:rPr lang="en-US" sz="3150" b="1" dirty="0">
+              <a:rPr lang="en-US" sz="3400" b="1" dirty="0">
                 <a:solidFill>
                   <a:schemeClr val="bg1"/>
                 </a:solidFill>
@@ -13287,11 +12543,11 @@
               <a:t>B</a:t>
             </a:r>
             <a:r>
-              <a:rPr lang="en-US" sz="3150" dirty="0"/>
+              <a:rPr lang="en-US" sz="3400" dirty="0"/>
               <a:t>, метод </a:t>
             </a:r>
             <a:r>
-              <a:rPr lang="en-US" sz="3150" b="1" dirty="0">
+              <a:rPr lang="en-US" sz="3400" b="1" dirty="0">
                 <a:solidFill>
                   <a:schemeClr val="bg1"/>
                 </a:solidFill>
@@ -13299,18 +12555,18 @@
               <a:t>B</a:t>
             </a:r>
             <a:r>
-              <a:rPr lang="en-US" sz="3150" dirty="0"/>
+              <a:rPr lang="en-US" sz="3400" dirty="0"/>
               <a:t> извиква </a:t>
             </a:r>
             <a:r>
-              <a:rPr lang="en-US" sz="3150" b="1" dirty="0">
+              <a:rPr lang="en-US" sz="3400" b="1" dirty="0">
                 <a:solidFill>
                   <a:schemeClr val="bg1"/>
                 </a:solidFill>
               </a:rPr>
               <a:t>A</a:t>
             </a:r>
-            <a:endParaRPr lang="en-US" sz="3150" b="1" dirty="0">
+            <a:endParaRPr lang="en-US" sz="3400" b="1" dirty="0">
               <a:solidFill>
                 <a:schemeClr val="bg1"/>
               </a:solidFill>
@@ -13327,11 +12583,15 @@
               </a:buClr>
             </a:pPr>
             <a:r>
-              <a:rPr lang="en-US" sz="3150" dirty="0"/>
-              <a:t>Дореи </a:t>
-            </a:r>
-            <a:r>
-              <a:rPr lang="en-US" sz="3150" b="1" dirty="0">
+              <a:rPr lang="bg-BG" sz="3400" dirty="0"/>
+              <a:t>Или</a:t>
+            </a:r>
+            <a:r>
+              <a:rPr lang="en-US" sz="3400" dirty="0"/>
+              <a:t> </a:t>
+            </a:r>
+            <a:r>
+              <a:rPr lang="en-US" sz="3400" b="1" dirty="0">
                 <a:solidFill>
                   <a:schemeClr val="bg1"/>
                 </a:solidFill>
@@ -13339,23 +12599,23 @@
               <a:t>A</a:t>
             </a:r>
             <a:r>
-              <a:rPr lang="en-US" sz="3150" dirty="0"/>
+              <a:rPr lang="en-US" sz="3400" dirty="0"/>
               <a:t> </a:t>
             </a:r>
             <a:r>
-              <a:rPr lang="en-US" sz="3150" b="1" dirty="0">
+              <a:rPr lang="en-US" sz="3400" b="1" dirty="0">
                 <a:sym typeface="Wingdings" panose="05000000000000000000" pitchFamily="2" charset="2"/>
               </a:rPr>
               <a:t></a:t>
             </a:r>
             <a:r>
-              <a:rPr lang="en-US" sz="3150" dirty="0">
+              <a:rPr lang="en-US" sz="3400" dirty="0">
                 <a:sym typeface="Wingdings" panose="05000000000000000000" pitchFamily="2" charset="2"/>
               </a:rPr>
               <a:t> </a:t>
             </a:r>
             <a:r>
-              <a:rPr lang="en-US" sz="3150" b="1" dirty="0">
+              <a:rPr lang="en-US" sz="3400" b="1" dirty="0">
                 <a:solidFill>
                   <a:schemeClr val="bg1"/>
                 </a:solidFill>
@@ -13364,25 +12624,25 @@
               <a:t>B</a:t>
             </a:r>
             <a:r>
-              <a:rPr lang="en-US" sz="3150" dirty="0">
+              <a:rPr lang="en-US" sz="3400" dirty="0">
                 <a:sym typeface="Wingdings" panose="05000000000000000000" pitchFamily="2" charset="2"/>
               </a:rPr>
               <a:t> </a:t>
             </a:r>
             <a:r>
-              <a:rPr lang="en-US" sz="3150" b="1" dirty="0">
+              <a:rPr lang="en-US" sz="3400" b="1" dirty="0">
                 <a:sym typeface="Wingdings" panose="05000000000000000000" pitchFamily="2" charset="2"/>
               </a:rPr>
               <a:t></a:t>
             </a:r>
             <a:r>
-              <a:rPr lang="en-US" sz="3150" dirty="0">
+              <a:rPr lang="en-US" sz="3400" dirty="0">
                 <a:sym typeface="Wingdings" panose="05000000000000000000" pitchFamily="2" charset="2"/>
               </a:rPr>
               <a:t> </a:t>
             </a:r>
             <a:r>
-              <a:rPr lang="en-US" sz="3150" b="1" dirty="0">
+              <a:rPr lang="en-US" sz="3400" b="1" dirty="0">
                 <a:solidFill>
                   <a:schemeClr val="bg1"/>
                 </a:solidFill>
@@ -13391,25 +12651,25 @@
               <a:t>C</a:t>
             </a:r>
             <a:r>
-              <a:rPr lang="en-US" sz="3150" dirty="0">
+              <a:rPr lang="en-US" sz="3400" dirty="0">
                 <a:sym typeface="Wingdings" panose="05000000000000000000" pitchFamily="2" charset="2"/>
               </a:rPr>
               <a:t> </a:t>
             </a:r>
             <a:r>
-              <a:rPr lang="en-US" sz="3150" b="1" dirty="0">
+              <a:rPr lang="en-US" sz="3400" b="1" dirty="0">
                 <a:sym typeface="Wingdings" panose="05000000000000000000" pitchFamily="2" charset="2"/>
               </a:rPr>
               <a:t></a:t>
             </a:r>
             <a:r>
-              <a:rPr lang="en-US" sz="3150" dirty="0">
+              <a:rPr lang="en-US" sz="3400" dirty="0">
                 <a:sym typeface="Wingdings" panose="05000000000000000000" pitchFamily="2" charset="2"/>
               </a:rPr>
               <a:t> </a:t>
             </a:r>
             <a:r>
-              <a:rPr lang="en-US" sz="3150" b="1" dirty="0">
+              <a:rPr lang="en-US" sz="3400" b="1" dirty="0">
                 <a:solidFill>
                   <a:schemeClr val="bg1"/>
                 </a:solidFill>
@@ -13417,7 +12677,7 @@
               </a:rPr>
               <a:t>A</a:t>
             </a:r>
-            <a:endParaRPr lang="bg-BG" sz="3150" dirty="0">
+            <a:endParaRPr lang="bg-BG" sz="3400" dirty="0">
               <a:solidFill>
                 <a:schemeClr val="bg1"/>
               </a:solidFill>
@@ -13448,7 +12708,15 @@
           <a:p>
             <a:r>
               <a:rPr lang="en-US" sz="3950" dirty="0"/>
-              <a:t>Директна и недиректна рекурсия</a:t>
+              <a:t>Директна и </a:t>
+            </a:r>
+            <a:r>
+              <a:rPr lang="bg-BG" sz="3950" dirty="0"/>
+              <a:t>индиректна</a:t>
+            </a:r>
+            <a:r>
+              <a:rPr lang="en-US" sz="3950" dirty="0"/>
+              <a:t> рекурсия</a:t>
             </a:r>
           </a:p>
         </p:txBody>
@@ -13489,7 +12757,7 @@
             <a:fld id="{2BF067CD-8E6B-4360-9AA8-C5DF2A48A6D1}" type="slidenum">
               <a:rPr lang="en-US" noProof="0" smtClean="0"/>
               <a:pPr/>
-              <a:t>15</a:t>
+              <a:t>14</a:t>
             </a:fld>
             <a:endParaRPr lang="en-US" noProof="0" dirty="0"/>
           </a:p>
@@ -13513,10 +12781,169 @@
       <p:transition spd="slow" advClick="0" advTm="5000"/>
     </mc:Fallback>
   </mc:AlternateContent>
+  <p:timing>
+    <p:tnLst>
+      <p:par>
+        <p:cTn id="1" dur="indefinite" restart="never" nodeType="tmRoot">
+          <p:childTnLst>
+            <p:seq concurrent="1" nextAc="seek">
+              <p:cTn id="2" dur="indefinite" nodeType="mainSeq">
+                <p:childTnLst>
+                  <p:par>
+                    <p:cTn id="3" fill="hold">
+                      <p:stCondLst>
+                        <p:cond delay="indefinite"/>
+                      </p:stCondLst>
+                      <p:childTnLst>
+                        <p:par>
+                          <p:cTn id="4" fill="hold">
+                            <p:stCondLst>
+                              <p:cond delay="0"/>
+                            </p:stCondLst>
+                            <p:childTnLst>
+                              <p:par>
+                                <p:cTn id="5" presetID="1" presetClass="entr" presetSubtype="0" fill="hold" nodeType="clickEffect">
+                                  <p:stCondLst>
+                                    <p:cond delay="0"/>
+                                  </p:stCondLst>
+                                  <p:childTnLst>
+                                    <p:set>
+                                      <p:cBhvr>
+                                        <p:cTn id="6" dur="1" fill="hold">
+                                          <p:stCondLst>
+                                            <p:cond delay="0"/>
+                                          </p:stCondLst>
+                                        </p:cTn>
+                                        <p:tgtEl>
+                                          <p:spTgt spid="7">
+                                            <p:txEl>
+                                              <p:pRg st="2" end="2"/>
+                                            </p:txEl>
+                                          </p:spTgt>
+                                        </p:tgtEl>
+                                        <p:attrNameLst>
+                                          <p:attrName>style.visibility</p:attrName>
+                                        </p:attrNameLst>
+                                      </p:cBhvr>
+                                      <p:to>
+                                        <p:strVal val="visible"/>
+                                      </p:to>
+                                    </p:set>
+                                  </p:childTnLst>
+                                </p:cTn>
+                              </p:par>
+                              <p:par>
+                                <p:cTn id="7" presetID="1" presetClass="entr" presetSubtype="0" fill="hold" nodeType="withEffect">
+                                  <p:stCondLst>
+                                    <p:cond delay="0"/>
+                                  </p:stCondLst>
+                                  <p:childTnLst>
+                                    <p:set>
+                                      <p:cBhvr>
+                                        <p:cTn id="8" dur="1" fill="hold">
+                                          <p:stCondLst>
+                                            <p:cond delay="0"/>
+                                          </p:stCondLst>
+                                        </p:cTn>
+                                        <p:tgtEl>
+                                          <p:spTgt spid="7">
+                                            <p:txEl>
+                                              <p:pRg st="3" end="3"/>
+                                            </p:txEl>
+                                          </p:spTgt>
+                                        </p:tgtEl>
+                                        <p:attrNameLst>
+                                          <p:attrName>style.visibility</p:attrName>
+                                        </p:attrNameLst>
+                                      </p:cBhvr>
+                                      <p:to>
+                                        <p:strVal val="visible"/>
+                                      </p:to>
+                                    </p:set>
+                                  </p:childTnLst>
+                                </p:cTn>
+                              </p:par>
+                            </p:childTnLst>
+                          </p:cTn>
+                        </p:par>
+                      </p:childTnLst>
+                    </p:cTn>
+                  </p:par>
+                  <p:par>
+                    <p:cTn id="9" fill="hold">
+                      <p:stCondLst>
+                        <p:cond delay="indefinite"/>
+                      </p:stCondLst>
+                      <p:childTnLst>
+                        <p:par>
+                          <p:cTn id="10" fill="hold">
+                            <p:stCondLst>
+                              <p:cond delay="0"/>
+                            </p:stCondLst>
+                            <p:childTnLst>
+                              <p:par>
+                                <p:cTn id="11" presetID="1" presetClass="entr" presetSubtype="0" fill="hold" nodeType="clickEffect">
+                                  <p:stCondLst>
+                                    <p:cond delay="0"/>
+                                  </p:stCondLst>
+                                  <p:childTnLst>
+                                    <p:set>
+                                      <p:cBhvr>
+                                        <p:cTn id="12" dur="1" fill="hold">
+                                          <p:stCondLst>
+                                            <p:cond delay="0"/>
+                                          </p:stCondLst>
+                                        </p:cTn>
+                                        <p:tgtEl>
+                                          <p:spTgt spid="7">
+                                            <p:txEl>
+                                              <p:pRg st="4" end="4"/>
+                                            </p:txEl>
+                                          </p:spTgt>
+                                        </p:tgtEl>
+                                        <p:attrNameLst>
+                                          <p:attrName>style.visibility</p:attrName>
+                                        </p:attrNameLst>
+                                      </p:cBhvr>
+                                      <p:to>
+                                        <p:strVal val="visible"/>
+                                      </p:to>
+                                    </p:set>
+                                  </p:childTnLst>
+                                </p:cTn>
+                              </p:par>
+                            </p:childTnLst>
+                          </p:cTn>
+                        </p:par>
+                      </p:childTnLst>
+                    </p:cTn>
+                  </p:par>
+                </p:childTnLst>
+              </p:cTn>
+              <p:prevCondLst>
+                <p:cond evt="onPrev" delay="0">
+                  <p:tgtEl>
+                    <p:sldTgt/>
+                  </p:tgtEl>
+                </p:cond>
+              </p:prevCondLst>
+              <p:nextCondLst>
+                <p:cond evt="onNext" delay="0">
+                  <p:tgtEl>
+                    <p:sldTgt/>
+                  </p:tgtEl>
+                </p:cond>
+              </p:nextCondLst>
+            </p:seq>
+          </p:childTnLst>
+        </p:cTn>
+      </p:par>
+    </p:tnLst>
+  </p:timing>
 </p:sld>
 </file>
 
-<file path=ppt/slides/slide16.xml><?xml version="1.0" encoding="utf-8"?>
+<file path=ppt/slides/slide15.xml><?xml version="1.0" encoding="utf-8"?>
 <p:sld xmlns:a="http://schemas.openxmlformats.org/drawingml/2006/main" xmlns:r="http://schemas.openxmlformats.org/officeDocument/2006/relationships" xmlns:p="http://schemas.openxmlformats.org/presentationml/2006/main">
   <p:cSld>
     <p:spTree>
@@ -13732,11 +13159,11 @@
               </a:lnSpc>
             </a:pPr>
             <a:r>
-              <a:rPr lang="en-US" sz="3350" dirty="0"/>
+              <a:rPr lang="en-US" sz="3400" dirty="0"/>
               <a:t>Рекурсивния метод има </a:t>
             </a:r>
             <a:r>
-              <a:rPr lang="en-US" sz="3350" b="1" dirty="0">
+              <a:rPr lang="en-US" sz="3400" b="1" dirty="0">
                 <a:solidFill>
                   <a:schemeClr val="bg1"/>
                 </a:solidFill>
@@ -13744,10 +13171,22 @@
               <a:t>три</a:t>
             </a:r>
             <a:r>
-              <a:rPr lang="en-US" sz="3350" dirty="0"/>
-              <a:t> части:</a:t>
-            </a:r>
-            <a:endParaRPr lang="bg-BG" sz="3350" dirty="0"/>
+              <a:rPr lang="en-US" sz="3400" dirty="0"/>
+              <a:t> </a:t>
+            </a:r>
+            <a:r>
+              <a:rPr lang="en-US" sz="3400" b="1" dirty="0">
+                <a:solidFill>
+                  <a:schemeClr val="bg1"/>
+                </a:solidFill>
+              </a:rPr>
+              <a:t>части</a:t>
+            </a:r>
+            <a:r>
+              <a:rPr lang="en-US" sz="3400" dirty="0"/>
+              <a:t>:</a:t>
+            </a:r>
+            <a:endParaRPr lang="bg-BG" sz="3400" dirty="0"/>
           </a:p>
           <a:p>
             <a:pPr marL="1065530" lvl="1" indent="-456565">
@@ -13759,7 +13198,7 @@
               </a:buClr>
             </a:pPr>
             <a:r>
-              <a:rPr lang="bg-BG" sz="3350" b="1" dirty="0">
+              <a:rPr lang="bg-BG" sz="3200" b="1" dirty="0">
                 <a:solidFill>
                   <a:schemeClr val="bg1"/>
                 </a:solidFill>
@@ -13767,10 +13206,10 @@
               <a:t>Преди действието</a:t>
             </a:r>
             <a:r>
-              <a:rPr lang="en-US" sz="3150" dirty="0"/>
+              <a:rPr lang="en-US" sz="3200" dirty="0"/>
               <a:t> (преди да извика рекурсията)</a:t>
             </a:r>
-            <a:endParaRPr lang="en-US" sz="3150" dirty="0">
+            <a:endParaRPr lang="en-US" sz="3200" dirty="0">
               <a:cs typeface="Calibri"/>
             </a:endParaRPr>
           </a:p>
@@ -13784,7 +13223,7 @@
               </a:buClr>
             </a:pPr>
             <a:r>
-              <a:rPr lang="en-US" sz="3350" b="1" dirty="0">
+              <a:rPr lang="en-US" sz="3200" b="1" dirty="0">
                 <a:solidFill>
                   <a:schemeClr val="bg1"/>
                 </a:solidFill>
@@ -13792,10 +13231,10 @@
               <a:t>Рекурсивно извикавне </a:t>
             </a:r>
             <a:r>
-              <a:rPr lang="en-US" sz="3150" dirty="0"/>
+              <a:rPr lang="en-US" sz="3200" dirty="0"/>
               <a:t>(в изкване на рекурсията)</a:t>
             </a:r>
-            <a:endParaRPr lang="en-US" sz="3150" dirty="0">
+            <a:endParaRPr lang="en-US" sz="3200" dirty="0">
               <a:cs typeface="Calibri"/>
             </a:endParaRPr>
           </a:p>
@@ -13809,7 +13248,7 @@
               </a:buClr>
             </a:pPr>
             <a:r>
-              <a:rPr lang="bg-BG" sz="3350" b="1" dirty="0">
+              <a:rPr lang="bg-BG" sz="3200" b="1" dirty="0">
                 <a:solidFill>
                   <a:schemeClr val="bg1"/>
                 </a:solidFill>
@@ -13817,10 +13256,10 @@
               <a:t>След действието</a:t>
             </a:r>
             <a:r>
-              <a:rPr lang="en-US" sz="3150" dirty="0"/>
+              <a:rPr lang="en-US" sz="3200" dirty="0"/>
               <a:t> (след връщането на рекурсия)</a:t>
             </a:r>
-            <a:endParaRPr lang="en-US" sz="3150" dirty="0">
+            <a:endParaRPr lang="en-US" sz="3200" dirty="0">
               <a:cs typeface="Calibri"/>
             </a:endParaRPr>
           </a:p>
@@ -14041,28 +13480,8 @@
           </a:lstStyle>
           <a:p>
             <a:r>
-              <a:rPr lang="fr-FR" sz="2400" dirty="0" err="1"/>
-              <a:t>static</a:t>
-            </a:r>
-            <a:r>
               <a:rPr lang="fr-FR" sz="2400" dirty="0"/>
-              <a:t> </a:t>
-            </a:r>
-            <a:r>
-              <a:rPr lang="fr-FR" sz="2400" dirty="0" err="1"/>
-              <a:t>void</a:t>
-            </a:r>
-            <a:r>
-              <a:rPr lang="fr-FR" sz="2400" dirty="0"/>
-              <a:t> </a:t>
-            </a:r>
-            <a:r>
-              <a:rPr lang="fr-FR" sz="2400" dirty="0" err="1"/>
-              <a:t>Recursion</a:t>
-            </a:r>
-            <a:r>
-              <a:rPr lang="fr-FR" sz="2400" dirty="0"/>
-              <a:t>()</a:t>
+              <a:t>static void Recursion()</a:t>
             </a:r>
           </a:p>
           <a:p>
@@ -14102,15 +13521,7 @@
           <a:p>
             <a:r>
               <a:rPr lang="fr-FR" sz="2400" dirty="0"/>
-              <a:t>  </a:t>
-            </a:r>
-            <a:r>
-              <a:rPr lang="fr-FR" sz="2400" dirty="0" err="1"/>
-              <a:t>Recursion</a:t>
-            </a:r>
-            <a:r>
-              <a:rPr lang="fr-FR" sz="2400" dirty="0"/>
-              <a:t>();</a:t>
+              <a:t>    Recursion();</a:t>
             </a:r>
             <a:endParaRPr lang="fr-FR" sz="2400" dirty="0">
               <a:solidFill>
@@ -14123,7 +13534,7 @@
           <a:p>
             <a:r>
               <a:rPr lang="fr-FR" sz="2400" dirty="0"/>
-              <a:t>  </a:t>
+              <a:t>    </a:t>
             </a:r>
             <a:r>
               <a:rPr lang="fr-FR" sz="2400" dirty="0">
@@ -14175,13 +13586,13 @@
         </p:spPr>
         <p:txBody>
           <a:bodyPr>
-            <a:normAutofit fontScale="90000"/>
+            <a:normAutofit/>
           </a:bodyPr>
           <a:lstStyle/>
           <a:p>
             <a:r>
               <a:rPr lang="bg-BG" dirty="0"/>
-              <a:t>Рекурсия,</a:t>
+              <a:t>Рекурсия</a:t>
             </a:r>
             <a:r>
               <a:rPr lang="en-US" dirty="0"/>
@@ -14189,15 +13600,7 @@
             </a:r>
             <a:r>
               <a:rPr lang="bg-BG" dirty="0"/>
-              <a:t>преди действието</a:t>
-            </a:r>
-            <a:r>
-              <a:rPr lang="en-US" dirty="0"/>
-              <a:t> </a:t>
-            </a:r>
-            <a:r>
-              <a:rPr lang="bg-BG" dirty="0"/>
-              <a:t>и</a:t>
+              <a:t>преди и</a:t>
             </a:r>
             <a:r>
               <a:rPr lang="en-US" dirty="0"/>
@@ -14335,7 +13738,7 @@
             <a:fld id="{2BF067CD-8E6B-4360-9AA8-C5DF2A48A6D1}" type="slidenum">
               <a:rPr lang="en-US" smtClean="0"/>
               <a:pPr/>
-              <a:t>16</a:t>
+              <a:t>15</a:t>
             </a:fld>
             <a:endParaRPr lang="en-US" dirty="0"/>
           </a:p>
@@ -14371,9 +13774,6 @@
                     <p:cTn id="3" fill="hold">
                       <p:stCondLst>
                         <p:cond delay="indefinite"/>
-                        <p:cond evt="onBegin" delay="0">
-                          <p:tn val="2"/>
-                        </p:cond>
                       </p:stCondLst>
                       <p:childTnLst>
                         <p:par>
@@ -14383,7 +13783,7 @@
                             </p:stCondLst>
                             <p:childTnLst>
                               <p:par>
-                                <p:cTn id="5" presetID="1" presetClass="entr" presetSubtype="0" fill="hold" nodeType="withEffect">
+                                <p:cTn id="5" presetID="1" presetClass="entr" presetSubtype="0" fill="hold" nodeType="clickEffect">
                                   <p:stCondLst>
                                     <p:cond delay="0"/>
                                   </p:stCondLst>
@@ -14398,7 +13798,7 @@
                                         <p:tgtEl>
                                           <p:spTgt spid="12">
                                             <p:txEl>
-                                              <p:pRg st="0" end="0"/>
+                                              <p:pRg st="2" end="2"/>
                                             </p:txEl>
                                           </p:spTgt>
                                         </p:tgtEl>
@@ -14447,7 +13847,7 @@
                                         <p:tgtEl>
                                           <p:spTgt spid="12">
                                             <p:txEl>
-                                              <p:pRg st="1" end="1"/>
+                                              <p:pRg st="3" end="3"/>
                                             </p:txEl>
                                           </p:spTgt>
                                         </p:tgtEl>
@@ -14481,7 +13881,7 @@
                             </p:stCondLst>
                             <p:childTnLst>
                               <p:par>
-                                <p:cTn id="13" presetID="1" presetClass="entr" presetSubtype="0" fill="hold" nodeType="clickEffect">
+                                <p:cTn id="13" presetID="1" presetClass="entr" presetSubtype="0" fill="hold" grpId="0" nodeType="clickEffect">
                                   <p:stCondLst>
                                     <p:cond delay="0"/>
                                   </p:stCondLst>
@@ -14489,104 +13889,6 @@
                                     <p:set>
                                       <p:cBhvr>
                                         <p:cTn id="14" dur="1" fill="hold">
-                                          <p:stCondLst>
-                                            <p:cond delay="0"/>
-                                          </p:stCondLst>
-                                        </p:cTn>
-                                        <p:tgtEl>
-                                          <p:spTgt spid="12">
-                                            <p:txEl>
-                                              <p:pRg st="2" end="2"/>
-                                            </p:txEl>
-                                          </p:spTgt>
-                                        </p:tgtEl>
-                                        <p:attrNameLst>
-                                          <p:attrName>style.visibility</p:attrName>
-                                        </p:attrNameLst>
-                                      </p:cBhvr>
-                                      <p:to>
-                                        <p:strVal val="visible"/>
-                                      </p:to>
-                                    </p:set>
-                                  </p:childTnLst>
-                                </p:cTn>
-                              </p:par>
-                            </p:childTnLst>
-                          </p:cTn>
-                        </p:par>
-                      </p:childTnLst>
-                    </p:cTn>
-                  </p:par>
-                  <p:par>
-                    <p:cTn id="15" fill="hold">
-                      <p:stCondLst>
-                        <p:cond delay="indefinite"/>
-                      </p:stCondLst>
-                      <p:childTnLst>
-                        <p:par>
-                          <p:cTn id="16" fill="hold">
-                            <p:stCondLst>
-                              <p:cond delay="0"/>
-                            </p:stCondLst>
-                            <p:childTnLst>
-                              <p:par>
-                                <p:cTn id="17" presetID="1" presetClass="entr" presetSubtype="0" fill="hold" nodeType="clickEffect">
-                                  <p:stCondLst>
-                                    <p:cond delay="0"/>
-                                  </p:stCondLst>
-                                  <p:childTnLst>
-                                    <p:set>
-                                      <p:cBhvr>
-                                        <p:cTn id="18" dur="1" fill="hold">
-                                          <p:stCondLst>
-                                            <p:cond delay="0"/>
-                                          </p:stCondLst>
-                                        </p:cTn>
-                                        <p:tgtEl>
-                                          <p:spTgt spid="12">
-                                            <p:txEl>
-                                              <p:pRg st="3" end="3"/>
-                                            </p:txEl>
-                                          </p:spTgt>
-                                        </p:tgtEl>
-                                        <p:attrNameLst>
-                                          <p:attrName>style.visibility</p:attrName>
-                                        </p:attrNameLst>
-                                      </p:cBhvr>
-                                      <p:to>
-                                        <p:strVal val="visible"/>
-                                      </p:to>
-                                    </p:set>
-                                  </p:childTnLst>
-                                </p:cTn>
-                              </p:par>
-                            </p:childTnLst>
-                          </p:cTn>
-                        </p:par>
-                      </p:childTnLst>
-                    </p:cTn>
-                  </p:par>
-                  <p:par>
-                    <p:cTn id="19" fill="hold">
-                      <p:stCondLst>
-                        <p:cond delay="indefinite"/>
-                      </p:stCondLst>
-                      <p:childTnLst>
-                        <p:par>
-                          <p:cTn id="20" fill="hold">
-                            <p:stCondLst>
-                              <p:cond delay="0"/>
-                            </p:stCondLst>
-                            <p:childTnLst>
-                              <p:par>
-                                <p:cTn id="21" presetID="1" presetClass="entr" presetSubtype="0" fill="hold" grpId="0" nodeType="clickEffect">
-                                  <p:stCondLst>
-                                    <p:cond delay="0"/>
-                                  </p:stCondLst>
-                                  <p:childTnLst>
-                                    <p:set>
-                                      <p:cBhvr>
-                                        <p:cTn id="22" dur="1" fill="hold">
                                           <p:stCondLst>
                                             <p:cond delay="0"/>
                                           </p:stCondLst>
@@ -14608,14 +13910,14 @@
                                 </p:cTn>
                               </p:par>
                               <p:par>
-                                <p:cTn id="23" presetID="1" presetClass="entr" presetSubtype="0" fill="hold" grpId="0" nodeType="withEffect">
+                                <p:cTn id="15" presetID="1" presetClass="entr" presetSubtype="0" fill="hold" grpId="0" nodeType="withEffect">
                                   <p:stCondLst>
                                     <p:cond delay="0"/>
                                   </p:stCondLst>
                                   <p:childTnLst>
                                     <p:set>
                                       <p:cBhvr>
-                                        <p:cTn id="24" dur="1" fill="hold">
+                                        <p:cTn id="16" dur="1" fill="hold">
                                           <p:stCondLst>
                                             <p:cond delay="0"/>
                                           </p:stCondLst>
@@ -14639,14 +13941,14 @@
                                 </p:cTn>
                               </p:par>
                               <p:par>
-                                <p:cTn id="25" presetID="1" presetClass="entr" presetSubtype="0" fill="hold" grpId="0" nodeType="withEffect">
+                                <p:cTn id="17" presetID="1" presetClass="entr" presetSubtype="0" fill="hold" grpId="0" nodeType="withEffect">
                                   <p:stCondLst>
                                     <p:cond delay="0"/>
                                   </p:stCondLst>
                                   <p:childTnLst>
                                     <p:set>
                                       <p:cBhvr>
-                                        <p:cTn id="26" dur="1" fill="hold">
+                                        <p:cTn id="18" dur="1" fill="hold">
                                           <p:stCondLst>
                                             <p:cond delay="0"/>
                                           </p:stCondLst>
@@ -14670,14 +13972,14 @@
                                 </p:cTn>
                               </p:par>
                               <p:par>
-                                <p:cTn id="27" presetID="1" presetClass="entr" presetSubtype="0" fill="hold" grpId="0" nodeType="withEffect">
+                                <p:cTn id="19" presetID="1" presetClass="entr" presetSubtype="0" fill="hold" grpId="0" nodeType="withEffect">
                                   <p:stCondLst>
                                     <p:cond delay="0"/>
                                   </p:stCondLst>
                                   <p:childTnLst>
                                     <p:set>
                                       <p:cBhvr>
-                                        <p:cTn id="28" dur="1" fill="hold">
+                                        <p:cTn id="20" dur="1" fill="hold">
                                           <p:stCondLst>
                                             <p:cond delay="0"/>
                                           </p:stCondLst>
@@ -14701,14 +14003,14 @@
                                 </p:cTn>
                               </p:par>
                               <p:par>
-                                <p:cTn id="29" presetID="1" presetClass="entr" presetSubtype="0" fill="hold" grpId="0" nodeType="withEffect">
+                                <p:cTn id="21" presetID="1" presetClass="entr" presetSubtype="0" fill="hold" grpId="0" nodeType="withEffect">
                                   <p:stCondLst>
                                     <p:cond delay="0"/>
                                   </p:stCondLst>
                                   <p:childTnLst>
                                     <p:set>
                                       <p:cBhvr>
-                                        <p:cTn id="30" dur="1" fill="hold">
+                                        <p:cTn id="22" dur="1" fill="hold">
                                           <p:stCondLst>
                                             <p:cond delay="0"/>
                                           </p:stCondLst>
@@ -14765,7 +14067,7 @@
 </p:sld>
 </file>
 
-<file path=ppt/slides/slide17.xml><?xml version="1.0" encoding="utf-8"?>
+<file path=ppt/slides/slide16.xml><?xml version="1.0" encoding="utf-8"?>
 <p:sld xmlns:a="http://schemas.openxmlformats.org/drawingml/2006/main" xmlns:r="http://schemas.openxmlformats.org/officeDocument/2006/relationships" xmlns:p="http://schemas.openxmlformats.org/presentationml/2006/main">
   <p:cSld>
     <p:spTree>
@@ -15214,7 +14516,21 @@
                 <a:ea typeface="+mn-lt"/>
                 <a:cs typeface="+mn-lt"/>
               </a:rPr>
-              <a:t>Тествайте решението в Judge</a:t>
+              <a:t>Тествайте решението </a:t>
+            </a:r>
+            <a:r>
+              <a:rPr lang="bg-BG" sz="2000" dirty="0">
+                <a:ea typeface="+mn-lt"/>
+                <a:cs typeface="+mn-lt"/>
+              </a:rPr>
+              <a:t>си</a:t>
+            </a:r>
+            <a:r>
+              <a:rPr lang="en-US" sz="2000" dirty="0">
+                <a:ea typeface="+mn-lt"/>
+                <a:cs typeface="+mn-lt"/>
+              </a:rPr>
+              <a:t> в Judge</a:t>
             </a:r>
             <a:r>
               <a:rPr lang="en-US" sz="1999" dirty="0"/>
@@ -15266,7 +14582,7 @@
             <a:fld id="{2BF067CD-8E6B-4360-9AA8-C5DF2A48A6D1}" type="slidenum">
               <a:rPr lang="en-US" noProof="0" smtClean="0"/>
               <a:pPr/>
-              <a:t>17</a:t>
+              <a:t>16</a:t>
             </a:fld>
             <a:endParaRPr lang="en-US" noProof="0" dirty="0"/>
           </a:p>
@@ -15427,7 +14743,7 @@
 </p:sld>
 </file>
 
-<file path=ppt/slides/slide18.xml><?xml version="1.0" encoding="utf-8"?>
+<file path=ppt/slides/slide17.xml><?xml version="1.0" encoding="utf-8"?>
 <p:sld xmlns:a="http://schemas.openxmlformats.org/drawingml/2006/main" xmlns:r="http://schemas.openxmlformats.org/officeDocument/2006/relationships" xmlns:p="http://schemas.openxmlformats.org/presentationml/2006/main">
   <p:cSld>
     <p:spTree>
@@ -15768,7 +15084,12 @@
             <p:ph type="title"/>
           </p:nvPr>
         </p:nvSpPr>
-        <p:spPr/>
+        <p:spPr>
+          <a:xfrm>
+            <a:off x="55406" y="100750"/>
+            <a:ext cx="10720594" cy="882654"/>
+          </a:xfrm>
+        </p:spPr>
         <p:txBody>
           <a:bodyPr>
             <a:noAutofit/>
@@ -15776,37 +15097,34 @@
           <a:lstStyle/>
           <a:p>
             <a:r>
-              <a:rPr lang="bg-BG" sz="2800" dirty="0"/>
-              <a:t>Рекурсия,</a:t>
-            </a:r>
-            <a:r>
-              <a:rPr lang="en-US" sz="2800" dirty="0"/>
+              <a:rPr lang="bg-BG" sz="3900" dirty="0"/>
+              <a:t>Рекурсия</a:t>
+            </a:r>
+            <a:r>
+              <a:rPr lang="en-US" sz="3900" dirty="0"/>
               <a:t> </a:t>
             </a:r>
             <a:r>
-              <a:rPr lang="bg-BG" sz="2800" dirty="0"/>
-              <a:t>преди действието</a:t>
-            </a:r>
-            <a:r>
-              <a:rPr lang="en-US" sz="2800" dirty="0"/>
+              <a:rPr lang="bg-BG" sz="3900" dirty="0"/>
+              <a:t>преди и</a:t>
+            </a:r>
+            <a:r>
+              <a:rPr lang="en-US" sz="3900" dirty="0"/>
               <a:t> </a:t>
             </a:r>
             <a:r>
-              <a:rPr lang="bg-BG" sz="2800" dirty="0"/>
-              <a:t>и</a:t>
-            </a:r>
-            <a:r>
-              <a:rPr lang="en-US" sz="2800" dirty="0"/>
-              <a:t> </a:t>
-            </a:r>
-            <a:r>
-              <a:rPr lang="bg-BG" sz="2800" dirty="0"/>
-              <a:t>след действието</a:t>
-            </a:r>
-            <a:r>
-              <a:rPr lang="en-US" sz="3200" dirty="0"/>
-              <a:t>– примери</a:t>
-            </a:r>
+              <a:rPr lang="bg-BG" sz="3900" dirty="0"/>
+              <a:t>след действието </a:t>
+            </a:r>
+            <a:r>
+              <a:rPr lang="en-US" sz="3900" dirty="0"/>
+              <a:t>– </a:t>
+            </a:r>
+            <a:r>
+              <a:rPr lang="bg-BG" sz="3900" dirty="0"/>
+              <a:t>Пример</a:t>
+            </a:r>
+            <a:endParaRPr lang="en-US" sz="3900" dirty="0"/>
           </a:p>
         </p:txBody>
       </p:sp>
@@ -15934,7 +15252,7 @@
             <a:fld id="{2BF067CD-8E6B-4360-9AA8-C5DF2A48A6D1}" type="slidenum">
               <a:rPr lang="en-US" smtClean="0"/>
               <a:pPr/>
-              <a:t>18</a:t>
+              <a:t>17</a:t>
             </a:fld>
             <a:endParaRPr lang="en-US" dirty="0"/>
           </a:p>
@@ -15944,6 +15262,132 @@
     <p:extLst>
       <p:ext uri="{BB962C8B-B14F-4D97-AF65-F5344CB8AC3E}">
         <p14:creationId xmlns:p14="http://schemas.microsoft.com/office/powerpoint/2010/main" val="2397317135"/>
+      </p:ext>
+    </p:extLst>
+  </p:cSld>
+  <p:clrMapOvr>
+    <a:masterClrMapping/>
+  </p:clrMapOvr>
+  <mc:AlternateContent xmlns:mc="http://schemas.openxmlformats.org/markup-compatibility/2006" xmlns:p14="http://schemas.microsoft.com/office/powerpoint/2010/main">
+    <mc:Choice Requires="p14">
+      <p:transition spd="slow" p14:dur="2000" advClick="0" advTm="5000"/>
+    </mc:Choice>
+    <mc:Fallback xmlns="">
+      <p:transition spd="slow" advClick="0" advTm="5000"/>
+    </mc:Fallback>
+  </mc:AlternateContent>
+</p:sld>
+</file>
+
+<file path=ppt/slides/slide18.xml><?xml version="1.0" encoding="utf-8"?>
+<p:sld xmlns:a="http://schemas.openxmlformats.org/drawingml/2006/main" xmlns:r="http://schemas.openxmlformats.org/officeDocument/2006/relationships" xmlns:p="http://schemas.openxmlformats.org/presentationml/2006/main">
+  <p:cSld>
+    <p:spTree>
+      <p:nvGrpSpPr>
+        <p:cNvPr id="1" name=""/>
+        <p:cNvGrpSpPr/>
+        <p:nvPr/>
+      </p:nvGrpSpPr>
+      <p:grpSpPr>
+        <a:xfrm>
+          <a:off x="0" y="0"/>
+          <a:ext cx="0" cy="0"/>
+          <a:chOff x="0" y="0"/>
+          <a:chExt cx="0" cy="0"/>
+        </a:xfrm>
+      </p:grpSpPr>
+      <p:sp>
+        <p:nvSpPr>
+          <p:cNvPr id="2" name="Заглавие 1">
+            <a:extLst>
+              <a:ext uri="{FF2B5EF4-FFF2-40B4-BE49-F238E27FC236}">
+                <a16:creationId xmlns:a16="http://schemas.microsoft.com/office/drawing/2014/main" id="{20ED09F0-F607-41CC-8FC8-BF522A4C31E2}"/>
+              </a:ext>
+            </a:extLst>
+          </p:cNvPr>
+          <p:cNvSpPr>
+            <a:spLocks noGrp="1"/>
+          </p:cNvSpPr>
+          <p:nvPr>
+            <p:ph type="title" sz="quarter" idx="10"/>
+          </p:nvPr>
+        </p:nvSpPr>
+        <p:spPr>
+          <a:xfrm>
+            <a:off x="615108" y="4734000"/>
+            <a:ext cx="10961783" cy="1694176"/>
+          </a:xfrm>
+        </p:spPr>
+        <p:txBody>
+          <a:bodyPr/>
+          <a:lstStyle/>
+          <a:p>
+            <a:r>
+              <a:rPr lang="en-GB" sz="5350" dirty="0">
+                <a:cs typeface="Arial"/>
+              </a:rPr>
+              <a:t>Кога да използваме и кога да избягваме рекурсия?</a:t>
+            </a:r>
+            <a:endParaRPr lang="bg-BG" sz="5350" dirty="0">
+              <a:cs typeface="Arial"/>
+            </a:endParaRPr>
+          </a:p>
+        </p:txBody>
+      </p:sp>
+      <p:sp>
+        <p:nvSpPr>
+          <p:cNvPr id="11" name="TextBox 10"/>
+          <p:cNvSpPr txBox="1"/>
+          <p:nvPr/>
+        </p:nvSpPr>
+        <p:spPr>
+          <a:xfrm>
+            <a:off x="4842082" y="1785626"/>
+            <a:ext cx="2455690" cy="1599417"/>
+          </a:xfrm>
+          <a:prstGeom prst="rect">
+            <a:avLst/>
+          </a:prstGeom>
+          <a:noFill/>
+          <a:ln w="12700">
+            <a:noFill/>
+          </a:ln>
+        </p:spPr>
+        <p:txBody>
+          <a:bodyPr vert="horz" wrap="square" lIns="143963" tIns="107972" rIns="143963" bIns="107972" rtlCol="0">
+            <a:spAutoFit/>
+          </a:bodyPr>
+          <a:lstStyle/>
+          <a:p>
+            <a:pPr algn="l" eaLnBrk="0" hangingPunct="0">
+              <a:lnSpc>
+                <a:spcPct val="110000"/>
+              </a:lnSpc>
+              <a:buClr>
+                <a:schemeClr val="accent5">
+                  <a:lumMod val="40000"/>
+                  <a:lumOff val="60000"/>
+                </a:schemeClr>
+              </a:buClr>
+              <a:buSzPct val="70000"/>
+            </a:pPr>
+            <a:r>
+              <a:rPr lang="en-US" sz="8797" dirty="0">
+                <a:solidFill>
+                  <a:schemeClr val="bg2"/>
+                </a:solidFill>
+                <a:latin typeface="Times New Roman" panose="02020603050405020304" pitchFamily="18" charset="0"/>
+                <a:cs typeface="Times New Roman" panose="02020603050405020304" pitchFamily="18" charset="0"/>
+              </a:rPr>
+              <a:t>R || I</a:t>
+            </a:r>
+          </a:p>
+        </p:txBody>
+      </p:sp>
+    </p:spTree>
+    <p:extLst>
+      <p:ext uri="{BB962C8B-B14F-4D97-AF65-F5344CB8AC3E}">
+        <p14:creationId xmlns:p14="http://schemas.microsoft.com/office/powerpoint/2010/main" val="2969589890"/>
       </p:ext>
     </p:extLst>
   </p:cSld>
@@ -15980,604 +15424,6 @@
       </p:grpSpPr>
       <p:sp>
         <p:nvSpPr>
-          <p:cNvPr id="2" name="Заглавие 1">
-            <a:extLst>
-              <a:ext uri="{FF2B5EF4-FFF2-40B4-BE49-F238E27FC236}">
-                <a16:creationId xmlns:a16="http://schemas.microsoft.com/office/drawing/2014/main" id="{20ED09F0-F607-41CC-8FC8-BF522A4C31E2}"/>
-              </a:ext>
-            </a:extLst>
-          </p:cNvPr>
-          <p:cNvSpPr>
-            <a:spLocks noGrp="1"/>
-          </p:cNvSpPr>
-          <p:nvPr>
-            <p:ph type="title" sz="quarter" idx="10"/>
-          </p:nvPr>
-        </p:nvSpPr>
-        <p:spPr/>
-        <p:txBody>
-          <a:bodyPr/>
-          <a:lstStyle/>
-          <a:p>
-            <a:r>
-              <a:rPr lang="en-GB" sz="5350" dirty="0">
-                <a:cs typeface="Arial"/>
-              </a:rPr>
-              <a:t>Кога да използваме и кога да избягваме рекурсия?</a:t>
-            </a:r>
-            <a:endParaRPr lang="bg-BG" sz="5350" dirty="0">
-              <a:cs typeface="Arial"/>
-            </a:endParaRPr>
-          </a:p>
-        </p:txBody>
-      </p:sp>
-      <p:sp>
-        <p:nvSpPr>
-          <p:cNvPr id="11" name="TextBox 10"/>
-          <p:cNvSpPr txBox="1"/>
-          <p:nvPr/>
-        </p:nvSpPr>
-        <p:spPr>
-          <a:xfrm>
-            <a:off x="4842082" y="1785626"/>
-            <a:ext cx="2455690" cy="1599417"/>
-          </a:xfrm>
-          <a:prstGeom prst="rect">
-            <a:avLst/>
-          </a:prstGeom>
-          <a:noFill/>
-          <a:ln w="12700">
-            <a:noFill/>
-          </a:ln>
-        </p:spPr>
-        <p:txBody>
-          <a:bodyPr vert="horz" wrap="square" lIns="143963" tIns="107972" rIns="143963" bIns="107972" rtlCol="0">
-            <a:spAutoFit/>
-          </a:bodyPr>
-          <a:lstStyle/>
-          <a:p>
-            <a:pPr algn="l" eaLnBrk="0" hangingPunct="0">
-              <a:lnSpc>
-                <a:spcPct val="110000"/>
-              </a:lnSpc>
-              <a:buClr>
-                <a:schemeClr val="accent5">
-                  <a:lumMod val="40000"/>
-                  <a:lumOff val="60000"/>
-                </a:schemeClr>
-              </a:buClr>
-              <a:buSzPct val="70000"/>
-            </a:pPr>
-            <a:r>
-              <a:rPr lang="en-US" sz="8797" dirty="0">
-                <a:solidFill>
-                  <a:schemeClr val="bg2"/>
-                </a:solidFill>
-                <a:latin typeface="Times New Roman" panose="02020603050405020304" pitchFamily="18" charset="0"/>
-                <a:cs typeface="Times New Roman" panose="02020603050405020304" pitchFamily="18" charset="0"/>
-              </a:rPr>
-              <a:t>R || I</a:t>
-            </a:r>
-          </a:p>
-        </p:txBody>
-      </p:sp>
-    </p:spTree>
-    <p:extLst>
-      <p:ext uri="{BB962C8B-B14F-4D97-AF65-F5344CB8AC3E}">
-        <p14:creationId xmlns:p14="http://schemas.microsoft.com/office/powerpoint/2010/main" val="2969589890"/>
-      </p:ext>
-    </p:extLst>
-  </p:cSld>
-  <p:clrMapOvr>
-    <a:masterClrMapping/>
-  </p:clrMapOvr>
-  <mc:AlternateContent xmlns:mc="http://schemas.openxmlformats.org/markup-compatibility/2006" xmlns:p14="http://schemas.microsoft.com/office/powerpoint/2010/main">
-    <mc:Choice Requires="p14">
-      <p:transition spd="slow" p14:dur="2000" advClick="0" advTm="5000"/>
-    </mc:Choice>
-    <mc:Fallback xmlns="">
-      <p:transition spd="slow" advClick="0" advTm="5000"/>
-    </mc:Fallback>
-  </mc:AlternateContent>
-</p:sld>
-</file>
-
-<file path=ppt/slides/slide2.xml><?xml version="1.0" encoding="utf-8"?>
-<p:sld xmlns:a="http://schemas.openxmlformats.org/drawingml/2006/main" xmlns:r="http://schemas.openxmlformats.org/officeDocument/2006/relationships" xmlns:p="http://schemas.openxmlformats.org/presentationml/2006/main">
-  <p:cSld>
-    <p:spTree>
-      <p:nvGrpSpPr>
-        <p:cNvPr id="1" name=""/>
-        <p:cNvGrpSpPr/>
-        <p:nvPr/>
-      </p:nvGrpSpPr>
-      <p:grpSpPr>
-        <a:xfrm>
-          <a:off x="0" y="0"/>
-          <a:ext cx="0" cy="0"/>
-          <a:chOff x="0" y="0"/>
-          <a:chExt cx="0" cy="0"/>
-        </a:xfrm>
-      </p:grpSpPr>
-      <p:sp>
-        <p:nvSpPr>
-          <p:cNvPr id="444419" name="Rectangle 3"/>
-          <p:cNvSpPr>
-            <a:spLocks noGrp="1" noChangeArrowheads="1"/>
-          </p:cNvSpPr>
-          <p:nvPr>
-            <p:ph type="body" sz="quarter" idx="13"/>
-          </p:nvPr>
-        </p:nvSpPr>
-        <p:spPr>
-          <a:xfrm>
-            <a:off x="196766" y="1371604"/>
-            <a:ext cx="9717655" cy="5207396"/>
-          </a:xfrm>
-        </p:spPr>
-        <p:txBody>
-          <a:bodyPr vert="horz" lIns="108000" tIns="36000" rIns="108000" bIns="36000" rtlCol="0" anchor="t">
-            <a:normAutofit/>
-          </a:bodyPr>
-          <a:lstStyle/>
-          <a:p>
-            <a:pPr marL="513715" indent="-513715">
-              <a:buClr>
-                <a:schemeClr val="tx1"/>
-              </a:buClr>
-            </a:pPr>
-            <a:r>
-              <a:rPr lang="en-US" b="1" dirty="0">
-                <a:solidFill>
-                  <a:schemeClr val="bg1"/>
-                </a:solidFill>
-              </a:rPr>
-              <a:t>Рекурсия</a:t>
-            </a:r>
-            <a:endParaRPr lang="bg-BG" dirty="0">
-              <a:solidFill>
-                <a:schemeClr val="bg1"/>
-              </a:solidFill>
-            </a:endParaRPr>
-          </a:p>
-          <a:p>
-            <a:pPr lvl="1" indent="-360045"/>
-            <a:r>
-              <a:rPr lang="en-US" dirty="0"/>
-              <a:t>Функция, която се самоизвиква</a:t>
-            </a:r>
-            <a:endParaRPr lang="en-US" dirty="0">
-              <a:cs typeface="Calibri"/>
-            </a:endParaRPr>
-          </a:p>
-          <a:p>
-            <a:pPr marL="513715" indent="-513715">
-              <a:buClr>
-                <a:schemeClr val="tx1"/>
-              </a:buClr>
-            </a:pPr>
-            <a:r>
-              <a:rPr lang="en-US" b="1" dirty="0">
-                <a:solidFill>
-                  <a:schemeClr val="bg1"/>
-                </a:solidFill>
-              </a:rPr>
-              <a:t>Рекурсивно </a:t>
-            </a:r>
-            <a:r>
-              <a:rPr lang="en-US" dirty="0">
-                <a:solidFill>
-                  <a:srgbClr val="234465"/>
-                </a:solidFill>
-              </a:rPr>
-              <a:t>или</a:t>
-            </a:r>
-            <a:r>
-              <a:rPr lang="en-US" dirty="0"/>
-              <a:t> </a:t>
-            </a:r>
-            <a:r>
-              <a:rPr lang="en-US" b="1" dirty="0">
-                <a:solidFill>
-                  <a:schemeClr val="bg1"/>
-                </a:solidFill>
-              </a:rPr>
-              <a:t>интеративно обхождане</a:t>
-            </a:r>
-            <a:r>
-              <a:rPr lang="en-US" dirty="0"/>
-              <a:t>?</a:t>
-            </a:r>
-            <a:endParaRPr lang="en-US" dirty="0">
-              <a:cs typeface="Calibri"/>
-            </a:endParaRPr>
-          </a:p>
-          <a:p>
-            <a:pPr lvl="1" indent="-360045"/>
-            <a:r>
-              <a:rPr lang="en-US" dirty="0">
-                <a:ea typeface="+mn-lt"/>
-                <a:cs typeface="+mn-lt"/>
-              </a:rPr>
-              <a:t>Вредна рекурсия и оптимизиране на лоша рекурсия</a:t>
-            </a:r>
-            <a:endParaRPr lang="en-US" dirty="0">
-              <a:cs typeface="Calibri"/>
-            </a:endParaRPr>
-          </a:p>
-        </p:txBody>
-      </p:sp>
-      <p:sp>
-        <p:nvSpPr>
-          <p:cNvPr id="444418" name="Rectangle 2"/>
-          <p:cNvSpPr>
-            <a:spLocks noGrp="1" noChangeArrowheads="1"/>
-          </p:cNvSpPr>
-          <p:nvPr>
-            <p:ph type="title"/>
-          </p:nvPr>
-        </p:nvSpPr>
-        <p:spPr/>
-        <p:txBody>
-          <a:bodyPr>
-            <a:normAutofit/>
-          </a:bodyPr>
-          <a:lstStyle/>
-          <a:p>
-            <a:r>
-              <a:rPr lang="bg-BG" dirty="0"/>
-              <a:t>Съдържание</a:t>
-            </a:r>
-          </a:p>
-        </p:txBody>
-      </p:sp>
-      <p:sp>
-        <p:nvSpPr>
-          <p:cNvPr id="6" name="Slide Number">
-            <a:extLst>
-              <a:ext uri="{FF2B5EF4-FFF2-40B4-BE49-F238E27FC236}">
-                <a16:creationId xmlns:a16="http://schemas.microsoft.com/office/drawing/2014/main" id="{5675AE48-8E69-414B-8291-4B7FB792FCF4}"/>
-              </a:ext>
-            </a:extLst>
-          </p:cNvPr>
-          <p:cNvSpPr txBox="1">
-            <a:spLocks/>
-          </p:cNvSpPr>
-          <p:nvPr/>
-        </p:nvSpPr>
-        <p:spPr>
-          <a:xfrm>
-            <a:off x="11753030" y="6507000"/>
-            <a:ext cx="367414" cy="297000"/>
-          </a:xfrm>
-          <a:prstGeom prst="rect">
-            <a:avLst/>
-          </a:prstGeom>
-        </p:spPr>
-        <p:txBody>
-          <a:bodyPr vert="horz" lIns="91440" tIns="45720" rIns="91440" bIns="45720" rtlCol="0" anchor="b"/>
-          <a:lstStyle>
-            <a:defPPr>
-              <a:defRPr lang="en-US"/>
-            </a:defPPr>
-            <a:lvl1pPr marL="0" algn="r" defTabSz="914400" rtl="0" eaLnBrk="1" latinLnBrk="0" hangingPunct="1">
-              <a:defRPr sz="1000" kern="1200">
-                <a:solidFill>
-                  <a:schemeClr val="tx1"/>
-                </a:solidFill>
-                <a:latin typeface="+mn-lt"/>
-                <a:ea typeface="+mn-ea"/>
-                <a:cs typeface="+mn-cs"/>
-              </a:defRPr>
-            </a:lvl1pPr>
-            <a:lvl2pPr marL="457200" algn="l" defTabSz="914400" rtl="0" eaLnBrk="1" latinLnBrk="0" hangingPunct="1">
-              <a:defRPr sz="1800" kern="1200">
-                <a:solidFill>
-                  <a:schemeClr val="tx1"/>
-                </a:solidFill>
-                <a:latin typeface="+mn-lt"/>
-                <a:ea typeface="+mn-ea"/>
-                <a:cs typeface="+mn-cs"/>
-              </a:defRPr>
-            </a:lvl2pPr>
-            <a:lvl3pPr marL="914400" algn="l" defTabSz="914400" rtl="0" eaLnBrk="1" latinLnBrk="0" hangingPunct="1">
-              <a:defRPr sz="1800" kern="1200">
-                <a:solidFill>
-                  <a:schemeClr val="tx1"/>
-                </a:solidFill>
-                <a:latin typeface="+mn-lt"/>
-                <a:ea typeface="+mn-ea"/>
-                <a:cs typeface="+mn-cs"/>
-              </a:defRPr>
-            </a:lvl3pPr>
-            <a:lvl4pPr marL="1371600" algn="l" defTabSz="914400" rtl="0" eaLnBrk="1" latinLnBrk="0" hangingPunct="1">
-              <a:defRPr sz="1800" kern="1200">
-                <a:solidFill>
-                  <a:schemeClr val="tx1"/>
-                </a:solidFill>
-                <a:latin typeface="+mn-lt"/>
-                <a:ea typeface="+mn-ea"/>
-                <a:cs typeface="+mn-cs"/>
-              </a:defRPr>
-            </a:lvl4pPr>
-            <a:lvl5pPr marL="1828800" algn="l" defTabSz="914400" rtl="0" eaLnBrk="1" latinLnBrk="0" hangingPunct="1">
-              <a:defRPr sz="1800" kern="1200">
-                <a:solidFill>
-                  <a:schemeClr val="tx1"/>
-                </a:solidFill>
-                <a:latin typeface="+mn-lt"/>
-                <a:ea typeface="+mn-ea"/>
-                <a:cs typeface="+mn-cs"/>
-              </a:defRPr>
-            </a:lvl5pPr>
-            <a:lvl6pPr marL="2286000" algn="l" defTabSz="914400" rtl="0" eaLnBrk="1" latinLnBrk="0" hangingPunct="1">
-              <a:defRPr sz="1800" kern="1200">
-                <a:solidFill>
-                  <a:schemeClr val="tx1"/>
-                </a:solidFill>
-                <a:latin typeface="+mn-lt"/>
-                <a:ea typeface="+mn-ea"/>
-                <a:cs typeface="+mn-cs"/>
-              </a:defRPr>
-            </a:lvl6pPr>
-            <a:lvl7pPr marL="2743200" algn="l" defTabSz="914400" rtl="0" eaLnBrk="1" latinLnBrk="0" hangingPunct="1">
-              <a:defRPr sz="1800" kern="1200">
-                <a:solidFill>
-                  <a:schemeClr val="tx1"/>
-                </a:solidFill>
-                <a:latin typeface="+mn-lt"/>
-                <a:ea typeface="+mn-ea"/>
-                <a:cs typeface="+mn-cs"/>
-              </a:defRPr>
-            </a:lvl7pPr>
-            <a:lvl8pPr marL="3200400" algn="l" defTabSz="914400" rtl="0" eaLnBrk="1" latinLnBrk="0" hangingPunct="1">
-              <a:defRPr sz="1800" kern="1200">
-                <a:solidFill>
-                  <a:schemeClr val="tx1"/>
-                </a:solidFill>
-                <a:latin typeface="+mn-lt"/>
-                <a:ea typeface="+mn-ea"/>
-                <a:cs typeface="+mn-cs"/>
-              </a:defRPr>
-            </a:lvl8pPr>
-            <a:lvl9pPr marL="3657600" algn="l" defTabSz="914400" rtl="0" eaLnBrk="1" latinLnBrk="0" hangingPunct="1">
-              <a:defRPr sz="1800" kern="1200">
-                <a:solidFill>
-                  <a:schemeClr val="tx1"/>
-                </a:solidFill>
-                <a:latin typeface="+mn-lt"/>
-                <a:ea typeface="+mn-ea"/>
-                <a:cs typeface="+mn-cs"/>
-              </a:defRPr>
-            </a:lvl9pPr>
-          </a:lstStyle>
-          <a:p>
-            <a:fld id="{2BF067CD-8E6B-4360-9AA8-C5DF2A48A6D1}" type="slidenum">
-              <a:rPr lang="en-US" smtClean="0"/>
-              <a:pPr/>
-              <a:t>2</a:t>
-            </a:fld>
-            <a:endParaRPr lang="en-US" dirty="0"/>
-          </a:p>
-        </p:txBody>
-      </p:sp>
-    </p:spTree>
-    <p:extLst>
-      <p:ext uri="{BB962C8B-B14F-4D97-AF65-F5344CB8AC3E}">
-        <p14:creationId xmlns:p14="http://schemas.microsoft.com/office/powerpoint/2010/main" val="3062054466"/>
-      </p:ext>
-    </p:extLst>
-  </p:cSld>
-  <p:clrMapOvr>
-    <a:masterClrMapping/>
-  </p:clrMapOvr>
-  <mc:AlternateContent xmlns:mc="http://schemas.openxmlformats.org/markup-compatibility/2006" xmlns:p14="http://schemas.microsoft.com/office/powerpoint/2010/main">
-    <mc:Choice Requires="p14">
-      <p:transition spd="slow" p14:dur="2000" advClick="0" advTm="5000"/>
-    </mc:Choice>
-    <mc:Fallback xmlns="">
-      <p:transition spd="slow" advClick="0" advTm="5000"/>
-    </mc:Fallback>
-  </mc:AlternateContent>
-  <p:timing>
-    <p:tnLst>
-      <p:par>
-        <p:cTn id="1" dur="indefinite" restart="never" nodeType="tmRoot">
-          <p:childTnLst>
-            <p:seq concurrent="1" nextAc="seek">
-              <p:cTn id="2" dur="indefinite" nodeType="mainSeq">
-                <p:childTnLst>
-                  <p:par>
-                    <p:cTn id="3" fill="hold">
-                      <p:stCondLst>
-                        <p:cond delay="indefinite"/>
-                      </p:stCondLst>
-                      <p:childTnLst>
-                        <p:par>
-                          <p:cTn id="4" fill="hold">
-                            <p:stCondLst>
-                              <p:cond delay="0"/>
-                            </p:stCondLst>
-                            <p:childTnLst>
-                              <p:par>
-                                <p:cTn id="5" presetID="1" presetClass="entr" presetSubtype="0" fill="hold" nodeType="clickEffect">
-                                  <p:stCondLst>
-                                    <p:cond delay="0"/>
-                                  </p:stCondLst>
-                                  <p:childTnLst>
-                                    <p:set>
-                                      <p:cBhvr>
-                                        <p:cTn id="6" dur="1" fill="hold">
-                                          <p:stCondLst>
-                                            <p:cond delay="0"/>
-                                          </p:stCondLst>
-                                        </p:cTn>
-                                        <p:tgtEl>
-                                          <p:spTgt spid="444419">
-                                            <p:txEl>
-                                              <p:pRg st="1" end="1"/>
-                                            </p:txEl>
-                                          </p:spTgt>
-                                        </p:tgtEl>
-                                        <p:attrNameLst>
-                                          <p:attrName>style.visibility</p:attrName>
-                                        </p:attrNameLst>
-                                      </p:cBhvr>
-                                      <p:to>
-                                        <p:strVal val="visible"/>
-                                      </p:to>
-                                    </p:set>
-                                  </p:childTnLst>
-                                </p:cTn>
-                              </p:par>
-                            </p:childTnLst>
-                          </p:cTn>
-                        </p:par>
-                      </p:childTnLst>
-                    </p:cTn>
-                  </p:par>
-                  <p:par>
-                    <p:cTn id="7" fill="hold">
-                      <p:stCondLst>
-                        <p:cond delay="indefinite"/>
-                      </p:stCondLst>
-                      <p:childTnLst>
-                        <p:par>
-                          <p:cTn id="8" fill="hold">
-                            <p:stCondLst>
-                              <p:cond delay="0"/>
-                            </p:stCondLst>
-                            <p:childTnLst>
-                              <p:par>
-                                <p:cTn id="9" presetID="1" presetClass="entr" presetSubtype="0" fill="hold" nodeType="clickEffect">
-                                  <p:stCondLst>
-                                    <p:cond delay="0"/>
-                                  </p:stCondLst>
-                                  <p:childTnLst>
-                                    <p:set>
-                                      <p:cBhvr>
-                                        <p:cTn id="10" dur="1" fill="hold">
-                                          <p:stCondLst>
-                                            <p:cond delay="0"/>
-                                          </p:stCondLst>
-                                        </p:cTn>
-                                        <p:tgtEl>
-                                          <p:spTgt spid="444419">
-                                            <p:txEl>
-                                              <p:pRg st="2" end="2"/>
-                                            </p:txEl>
-                                          </p:spTgt>
-                                        </p:tgtEl>
-                                        <p:attrNameLst>
-                                          <p:attrName>style.visibility</p:attrName>
-                                        </p:attrNameLst>
-                                      </p:cBhvr>
-                                      <p:to>
-                                        <p:strVal val="visible"/>
-                                      </p:to>
-                                    </p:set>
-                                  </p:childTnLst>
-                                </p:cTn>
-                              </p:par>
-                            </p:childTnLst>
-                          </p:cTn>
-                        </p:par>
-                      </p:childTnLst>
-                    </p:cTn>
-                  </p:par>
-                  <p:par>
-                    <p:cTn id="11" fill="hold">
-                      <p:stCondLst>
-                        <p:cond delay="indefinite"/>
-                      </p:stCondLst>
-                      <p:childTnLst>
-                        <p:par>
-                          <p:cTn id="12" fill="hold">
-                            <p:stCondLst>
-                              <p:cond delay="0"/>
-                            </p:stCondLst>
-                            <p:childTnLst>
-                              <p:par>
-                                <p:cTn id="13" presetID="1" presetClass="entr" presetSubtype="0" fill="hold" nodeType="clickEffect">
-                                  <p:stCondLst>
-                                    <p:cond delay="0"/>
-                                  </p:stCondLst>
-                                  <p:childTnLst>
-                                    <p:set>
-                                      <p:cBhvr>
-                                        <p:cTn id="14" dur="1" fill="hold">
-                                          <p:stCondLst>
-                                            <p:cond delay="0"/>
-                                          </p:stCondLst>
-                                        </p:cTn>
-                                        <p:tgtEl>
-                                          <p:spTgt spid="444419">
-                                            <p:txEl>
-                                              <p:pRg st="3" end="3"/>
-                                            </p:txEl>
-                                          </p:spTgt>
-                                        </p:tgtEl>
-                                        <p:attrNameLst>
-                                          <p:attrName>style.visibility</p:attrName>
-                                        </p:attrNameLst>
-                                      </p:cBhvr>
-                                      <p:to>
-                                        <p:strVal val="visible"/>
-                                      </p:to>
-                                    </p:set>
-                                  </p:childTnLst>
-                                </p:cTn>
-                              </p:par>
-                            </p:childTnLst>
-                          </p:cTn>
-                        </p:par>
-                      </p:childTnLst>
-                    </p:cTn>
-                  </p:par>
-                </p:childTnLst>
-              </p:cTn>
-              <p:prevCondLst>
-                <p:cond evt="onPrev" delay="0">
-                  <p:tgtEl>
-                    <p:sldTgt/>
-                  </p:tgtEl>
-                </p:cond>
-              </p:prevCondLst>
-              <p:nextCondLst>
-                <p:cond evt="onNext" delay="0">
-                  <p:tgtEl>
-                    <p:sldTgt/>
-                  </p:tgtEl>
-                </p:cond>
-              </p:nextCondLst>
-            </p:seq>
-          </p:childTnLst>
-        </p:cTn>
-      </p:par>
-    </p:tnLst>
-  </p:timing>
-</p:sld>
-</file>
-
-<file path=ppt/slides/slide20.xml><?xml version="1.0" encoding="utf-8"?>
-<p:sld xmlns:a="http://schemas.openxmlformats.org/drawingml/2006/main" xmlns:r="http://schemas.openxmlformats.org/officeDocument/2006/relationships" xmlns:p="http://schemas.openxmlformats.org/presentationml/2006/main">
-  <p:cSld>
-    <p:spTree>
-      <p:nvGrpSpPr>
-        <p:cNvPr id="1" name=""/>
-        <p:cNvGrpSpPr/>
-        <p:nvPr/>
-      </p:nvGrpSpPr>
-      <p:grpSpPr>
-        <a:xfrm>
-          <a:off x="0" y="0"/>
-          <a:ext cx="0" cy="0"/>
-          <a:chOff x="0" y="0"/>
-          <a:chExt cx="0" cy="0"/>
-        </a:xfrm>
-      </p:grpSpPr>
-      <p:sp>
-        <p:nvSpPr>
           <p:cNvPr id="4" name="Title 3"/>
           <p:cNvSpPr>
             <a:spLocks noGrp="1"/>
@@ -16586,7 +15432,12 @@
             <p:ph type="title"/>
           </p:nvPr>
         </p:nvSpPr>
-        <p:spPr/>
+        <p:spPr>
+          <a:xfrm>
+            <a:off x="111000" y="100750"/>
+            <a:ext cx="9945000" cy="882654"/>
+          </a:xfrm>
+        </p:spPr>
         <p:txBody>
           <a:bodyPr vert="horz" lIns="108000" tIns="36000" rIns="108000" bIns="36000" rtlCol="0" anchor="ctr" anchorCtr="0">
             <a:noAutofit/>
@@ -16594,10 +15445,10 @@
           <a:lstStyle/>
           <a:p>
             <a:r>
-              <a:rPr lang="en-US" sz="3200" dirty="0"/>
+              <a:rPr lang="en-US" sz="3600" dirty="0"/>
               <a:t>Бързина: Рекурсивно и интеративно обхождане</a:t>
             </a:r>
-            <a:endParaRPr lang="en-US" sz="3200" dirty="0">
+            <a:endParaRPr lang="en-US" sz="3600" dirty="0">
               <a:cs typeface="Calibri"/>
             </a:endParaRPr>
           </a:p>
@@ -16615,8 +15466,8 @@
         </p:nvSpPr>
         <p:spPr>
           <a:xfrm>
-            <a:off x="190402" y="1195931"/>
-            <a:ext cx="6214019" cy="4957073"/>
+            <a:off x="190402" y="1134000"/>
+            <a:ext cx="6085598" cy="4957073"/>
           </a:xfrm>
         </p:spPr>
         <p:txBody>
@@ -16631,18 +15482,30 @@
               </a:lnSpc>
             </a:pPr>
             <a:r>
-              <a:rPr lang="en-US" sz="2950" dirty="0"/>
-              <a:t>Рекурсивно то извикаване е </a:t>
-            </a:r>
-            <a:r>
-              <a:rPr lang="en-US" sz="2950" b="1" dirty="0">
+              <a:rPr lang="bg-BG" sz="3000" dirty="0"/>
+              <a:t>Рекурсивното </a:t>
+            </a:r>
+            <a:r>
+              <a:rPr lang="en-US" sz="3000" dirty="0"/>
+              <a:t>извикване</a:t>
+            </a:r>
+            <a:r>
+              <a:rPr lang="bg-BG" sz="3000" dirty="0"/>
+              <a:t> </a:t>
+            </a:r>
+            <a:r>
+              <a:rPr lang="en-US" sz="3000" dirty="0"/>
+              <a:t>е </a:t>
+            </a:r>
+            <a:r>
+              <a:rPr lang="bg-BG" sz="3000" b="1" dirty="0">
                 <a:solidFill>
                   <a:schemeClr val="bg1"/>
                 </a:solidFill>
               </a:rPr>
-              <a:t>по-бавно</a:t>
-            </a:r>
-            <a:endParaRPr lang="en-US" sz="2950" dirty="0">
+              <a:t>бавно</a:t>
+            </a:r>
+            <a:endParaRPr lang="en-US" sz="3000" dirty="0">
               <a:solidFill>
                 <a:schemeClr val="bg1"/>
               </a:solidFill>
@@ -16656,11 +15519,11 @@
               </a:lnSpc>
             </a:pPr>
             <a:r>
-              <a:rPr lang="bg-BG" sz="2999" dirty="0"/>
+              <a:rPr lang="bg-BG" sz="3000" dirty="0"/>
               <a:t>Параметрите и върнатите стойности </a:t>
             </a:r>
             <a:r>
-              <a:rPr lang="bg-BG" sz="2999" b="1" dirty="0">
+              <a:rPr lang="bg-BG" sz="3000" b="1" dirty="0">
                 <a:solidFill>
                   <a:schemeClr val="bg1"/>
                 </a:solidFill>
@@ -16668,14 +15531,25 @@
               <a:t>минават</a:t>
             </a:r>
             <a:r>
-              <a:rPr lang="en-US" sz="2999" dirty="0"/>
+              <a:rPr lang="en-US" sz="3000" dirty="0"/>
               <a:t> </a:t>
             </a:r>
             <a:r>
-              <a:rPr lang="bg-BG" sz="2999" dirty="0"/>
-              <a:t>през стака</a:t>
-            </a:r>
-            <a:endParaRPr lang="en-US" sz="2999" dirty="0">
+              <a:rPr lang="bg-BG" sz="3000" dirty="0"/>
+              <a:t>през </a:t>
+            </a:r>
+            <a:r>
+              <a:rPr lang="bg-BG" sz="3000" b="1" dirty="0">
+                <a:solidFill>
+                  <a:schemeClr val="bg1"/>
+                </a:solidFill>
+              </a:rPr>
+              <a:t>стека</a:t>
+            </a:r>
+            <a:endParaRPr lang="en-US" sz="3000" b="1" dirty="0">
+              <a:solidFill>
+                <a:schemeClr val="bg1"/>
+              </a:solidFill>
               <a:cs typeface="Calibri"/>
             </a:endParaRPr>
           </a:p>
@@ -16686,18 +15560,22 @@
               </a:lnSpc>
             </a:pPr>
             <a:r>
-              <a:rPr lang="en-US" sz="2950" dirty="0"/>
-              <a:t>Добро е за проблемите с </a:t>
-            </a:r>
-            <a:r>
-              <a:rPr lang="en-US" sz="2950" b="1" dirty="0">
+              <a:rPr lang="bg-BG" sz="3000" dirty="0"/>
+              <a:t>Подходящо</a:t>
+            </a:r>
+            <a:r>
+              <a:rPr lang="en-US" sz="3000" dirty="0"/>
+              <a:t> е за проблеми с </a:t>
+            </a:r>
+            <a:r>
+              <a:rPr lang="en-US" sz="3000" b="1" dirty="0">
                 <a:solidFill>
                   <a:schemeClr val="bg1"/>
                 </a:solidFill>
               </a:rPr>
               <a:t>разклонение</a:t>
             </a:r>
-            <a:endParaRPr lang="en-US" sz="2950" b="1" dirty="0">
+            <a:endParaRPr lang="en-US" sz="3000" b="1" dirty="0">
               <a:solidFill>
                 <a:schemeClr val="bg1"/>
               </a:solidFill>
@@ -16716,7 +15594,12 @@
             <p:ph type="body" sz="quarter" idx="11"/>
           </p:nvPr>
         </p:nvSpPr>
-        <p:spPr/>
+        <p:spPr>
+          <a:xfrm>
+            <a:off x="6456000" y="1134000"/>
+            <a:ext cx="5545597" cy="4957073"/>
+          </a:xfrm>
+        </p:spPr>
         <p:txBody>
           <a:bodyPr vert="horz" lIns="108000" tIns="36000" rIns="108000" bIns="36000" rtlCol="0" anchor="t">
             <a:normAutofit/>
@@ -16725,18 +15608,18 @@
           <a:p>
             <a:pPr marL="360045" indent="-360045"/>
             <a:r>
-              <a:rPr lang="en-US" sz="2950" dirty="0"/>
+              <a:rPr lang="en-US" sz="3000" dirty="0"/>
               <a:t>Функцията няма </a:t>
             </a:r>
             <a:r>
-              <a:rPr lang="en-US" sz="2950" b="1" dirty="0">
+              <a:rPr lang="en-US" sz="3000" b="1" dirty="0">
                 <a:solidFill>
                   <a:schemeClr val="bg1"/>
                 </a:solidFill>
               </a:rPr>
               <a:t>разходи</a:t>
             </a:r>
-            <a:endParaRPr lang="en-US" sz="2950" b="1" dirty="0">
+            <a:endParaRPr lang="en-US" sz="3000" b="1" dirty="0">
               <a:solidFill>
                 <a:schemeClr val="bg1"/>
               </a:solidFill>
@@ -16746,11 +15629,11 @@
           <a:p>
             <a:pPr marL="360045" indent="-360045"/>
             <a:r>
-              <a:rPr lang="en-US" sz="2950" dirty="0"/>
+              <a:rPr lang="en-US" sz="3000" dirty="0"/>
               <a:t>Създава </a:t>
             </a:r>
             <a:r>
-              <a:rPr lang="en-US" sz="2950" b="1" dirty="0">
+              <a:rPr lang="en-US" sz="3000" b="1" dirty="0">
                 <a:solidFill>
                   <a:schemeClr val="bg1"/>
                 </a:solidFill>
@@ -16758,25 +15641,25 @@
               <a:t>локални </a:t>
             </a:r>
             <a:r>
-              <a:rPr lang="en-US" sz="2950" dirty="0">
+              <a:rPr lang="en-US" sz="3000" dirty="0">
                 <a:solidFill>
                   <a:srgbClr val="234465"/>
                 </a:solidFill>
               </a:rPr>
               <a:t>променливи</a:t>
             </a:r>
-            <a:endParaRPr lang="en-US" sz="2950" dirty="0">
+            <a:endParaRPr lang="en-US" sz="3000" dirty="0">
               <a:cs typeface="Calibri"/>
             </a:endParaRPr>
           </a:p>
           <a:p>
             <a:pPr marL="360045" indent="-360045"/>
             <a:r>
-              <a:rPr lang="en-US" sz="2950" dirty="0"/>
+              <a:rPr lang="en-US" sz="3000" dirty="0"/>
               <a:t>Добре за</a:t>
             </a:r>
             <a:r>
-              <a:rPr lang="en-US" sz="2950" dirty="0">
+              <a:rPr lang="en-US" sz="3000" dirty="0">
                 <a:solidFill>
                   <a:srgbClr val="234465"/>
                 </a:solidFill>
@@ -16784,7 +15667,7 @@
               <a:t> </a:t>
             </a:r>
             <a:r>
-              <a:rPr lang="en-US" sz="2950" b="1" dirty="0">
+              <a:rPr lang="en-US" sz="3000" b="1" dirty="0">
                 <a:solidFill>
                   <a:schemeClr val="bg1"/>
                 </a:solidFill>
@@ -16792,17 +15675,17 @@
               <a:t>линейни </a:t>
             </a:r>
             <a:r>
-              <a:rPr lang="en-US" sz="2950" dirty="0"/>
+              <a:rPr lang="en-US" sz="3000" dirty="0"/>
               <a:t>проблеми</a:t>
             </a:r>
             <a:br>
-              <a:rPr lang="en-US" sz="2950" dirty="0"/>
+              <a:rPr lang="en-US" sz="3000" dirty="0"/>
             </a:br>
             <a:r>
-              <a:rPr lang="en-US" sz="2950" dirty="0"/>
+              <a:rPr lang="en-US" sz="3000" dirty="0"/>
               <a:t>(без разклонения)</a:t>
             </a:r>
-            <a:endParaRPr lang="en-US" sz="2950" dirty="0">
+            <a:endParaRPr lang="en-US" sz="3000" dirty="0">
               <a:cs typeface="Calibri"/>
             </a:endParaRPr>
           </a:p>
@@ -16818,8 +15701,8 @@
         </p:nvSpPr>
         <p:spPr>
           <a:xfrm>
-            <a:off x="516000" y="4239000"/>
-            <a:ext cx="3646037" cy="2015917"/>
+            <a:off x="516000" y="3924000"/>
+            <a:ext cx="4320000" cy="2142234"/>
           </a:xfrm>
           <a:prstGeom prst="rect">
             <a:avLst/>
@@ -17018,14 +15901,14 @@
               <a:buSzPct val="100000"/>
             </a:pPr>
             <a:r>
-              <a:rPr lang="en-US" sz="1600" dirty="0"/>
+              <a:rPr lang="en-US" sz="2000" dirty="0"/>
               <a:t>static long Fact(int n</a:t>
             </a:r>
             <a:r>
-              <a:rPr lang="bg-BG" sz="1600" dirty="0"/>
+              <a:rPr lang="bg-BG" sz="2000" dirty="0"/>
               <a:t>)</a:t>
             </a:r>
-            <a:endParaRPr lang="en-US" sz="1600" dirty="0"/>
+            <a:endParaRPr lang="en-US" sz="2000" dirty="0"/>
           </a:p>
           <a:p>
             <a:pPr>
@@ -17035,48 +15918,45 @@
               <a:buSzPct val="100000"/>
             </a:pPr>
             <a:r>
-              <a:rPr lang="bg-BG" sz="1600" dirty="0"/>
+              <a:rPr lang="bg-BG" sz="2000" dirty="0"/>
               <a:t>{</a:t>
             </a:r>
             <a:br>
-              <a:rPr lang="bg-BG" sz="1600" dirty="0"/>
+              <a:rPr lang="bg-BG" sz="2000" dirty="0"/>
             </a:br>
             <a:r>
-              <a:rPr lang="en-US" sz="1600" dirty="0"/>
+              <a:rPr lang="en-US" sz="2000" dirty="0"/>
               <a:t>  </a:t>
             </a:r>
             <a:r>
-              <a:rPr lang="bg-BG" sz="1600" dirty="0"/>
+              <a:rPr lang="bg-BG" sz="2000" dirty="0"/>
               <a:t>if (</a:t>
             </a:r>
             <a:r>
-              <a:rPr lang="en-US" sz="1600" dirty="0"/>
+              <a:rPr lang="en-US" sz="2000" dirty="0"/>
               <a:t>n</a:t>
             </a:r>
             <a:r>
-              <a:rPr lang="bg-BG" sz="1600" dirty="0"/>
+              <a:rPr lang="bg-BG" sz="2000" dirty="0"/>
               <a:t> </a:t>
             </a:r>
             <a:r>
-              <a:rPr lang="en-US" sz="1600" dirty="0"/>
+              <a:rPr lang="en-US" sz="2000" dirty="0"/>
               <a:t>==</a:t>
             </a:r>
             <a:r>
-              <a:rPr lang="bg-BG" sz="1600" dirty="0"/>
+              <a:rPr lang="bg-BG" sz="2000" dirty="0"/>
               <a:t> </a:t>
             </a:r>
             <a:r>
-              <a:rPr lang="en-US" sz="1600" dirty="0"/>
+              <a:rPr lang="en-US" sz="2000" dirty="0"/>
               <a:t>0</a:t>
             </a:r>
             <a:r>
-              <a:rPr lang="bg-BG" sz="1600" dirty="0"/>
+              <a:rPr lang="bg-BG" sz="2000" dirty="0"/>
               <a:t>) </a:t>
             </a:r>
-            <a:r>
-              <a:rPr lang="en-US" sz="1600" dirty="0"/>
-              <a:t>{</a:t>
-            </a:r>
+            <a:endParaRPr lang="en-US" sz="2000" dirty="0"/>
           </a:p>
           <a:p>
             <a:pPr>
@@ -17086,15 +15966,15 @@
               <a:buSzPct val="100000"/>
             </a:pPr>
             <a:r>
-              <a:rPr lang="en-US" sz="1600" dirty="0"/>
+              <a:rPr lang="en-US" sz="2000" dirty="0"/>
               <a:t>    </a:t>
             </a:r>
             <a:r>
-              <a:rPr lang="bg-BG" sz="1600" dirty="0"/>
+              <a:rPr lang="bg-BG" sz="2000" dirty="0"/>
               <a:t>return 1;</a:t>
             </a:r>
             <a:r>
-              <a:rPr lang="en-US" sz="1600" dirty="0"/>
+              <a:rPr lang="en-US" sz="2000" dirty="0"/>
               <a:t> </a:t>
             </a:r>
           </a:p>
@@ -17106,41 +15986,29 @@
               <a:buSzPct val="100000"/>
             </a:pPr>
             <a:r>
-              <a:rPr lang="en-US" sz="1600" dirty="0"/>
-              <a:t>  }</a:t>
-            </a:r>
-          </a:p>
-          <a:p>
-            <a:pPr>
-              <a:buClr>
-                <a:srgbClr val="F2B254"/>
-              </a:buClr>
-              <a:buSzPct val="100000"/>
-            </a:pPr>
-            <a:r>
-              <a:rPr lang="en-US" sz="1600" dirty="0"/>
+              <a:rPr lang="en-US" sz="2000" dirty="0"/>
               <a:t>  </a:t>
             </a:r>
             <a:r>
-              <a:rPr lang="bg-BG" sz="1600" dirty="0"/>
+              <a:rPr lang="bg-BG" sz="2000" dirty="0"/>
               <a:t>return n * </a:t>
             </a:r>
             <a:r>
-              <a:rPr lang="en-US" sz="1600" dirty="0"/>
+              <a:rPr lang="en-US" sz="2000" dirty="0"/>
               <a:t>Fact</a:t>
             </a:r>
             <a:r>
-              <a:rPr lang="bg-BG" sz="1600" dirty="0"/>
+              <a:rPr lang="bg-BG" sz="2000" dirty="0"/>
               <a:t>(n - 1); </a:t>
             </a:r>
             <a:br>
-              <a:rPr lang="bg-BG" sz="1600" dirty="0"/>
+              <a:rPr lang="bg-BG" sz="2000" dirty="0"/>
             </a:br>
             <a:r>
-              <a:rPr lang="bg-BG" sz="1600" dirty="0"/>
+              <a:rPr lang="bg-BG" sz="2000" dirty="0"/>
               <a:t>} </a:t>
             </a:r>
-            <a:endParaRPr lang="en-US" sz="1600" dirty="0"/>
+            <a:endParaRPr lang="en-US" sz="2000" dirty="0"/>
           </a:p>
         </p:txBody>
       </p:sp>
@@ -17154,7 +16022,7 @@
         </p:nvSpPr>
         <p:spPr>
           <a:xfrm>
-            <a:off x="7178074" y="3513733"/>
+            <a:off x="7178074" y="3529186"/>
             <a:ext cx="4723748" cy="2464814"/>
           </a:xfrm>
           <a:prstGeom prst="rect">
@@ -17558,7 +16426,7 @@
             <a:fld id="{2BF067CD-8E6B-4360-9AA8-C5DF2A48A6D1}" type="slidenum">
               <a:rPr lang="en-US" smtClean="0"/>
               <a:pPr/>
-              <a:t>20</a:t>
+              <a:t>19</a:t>
             </a:fld>
             <a:endParaRPr lang="en-US" dirty="0"/>
           </a:p>
@@ -17954,7 +16822,520 @@
 </p:sld>
 </file>
 
-<file path=ppt/slides/slide21.xml><?xml version="1.0" encoding="utf-8"?>
+<file path=ppt/slides/slide2.xml><?xml version="1.0" encoding="utf-8"?>
+<p:sld xmlns:a="http://schemas.openxmlformats.org/drawingml/2006/main" xmlns:r="http://schemas.openxmlformats.org/officeDocument/2006/relationships" xmlns:p="http://schemas.openxmlformats.org/presentationml/2006/main">
+  <p:cSld>
+    <p:spTree>
+      <p:nvGrpSpPr>
+        <p:cNvPr id="1" name=""/>
+        <p:cNvGrpSpPr/>
+        <p:nvPr/>
+      </p:nvGrpSpPr>
+      <p:grpSpPr>
+        <a:xfrm>
+          <a:off x="0" y="0"/>
+          <a:ext cx="0" cy="0"/>
+          <a:chOff x="0" y="0"/>
+          <a:chExt cx="0" cy="0"/>
+        </a:xfrm>
+      </p:grpSpPr>
+      <p:sp>
+        <p:nvSpPr>
+          <p:cNvPr id="444419" name="Rectangle 3"/>
+          <p:cNvSpPr>
+            <a:spLocks noGrp="1" noChangeArrowheads="1"/>
+          </p:cNvSpPr>
+          <p:nvPr>
+            <p:ph type="body" sz="quarter" idx="13"/>
+          </p:nvPr>
+        </p:nvSpPr>
+        <p:spPr>
+          <a:xfrm>
+            <a:off x="196766" y="1371604"/>
+            <a:ext cx="9717655" cy="5207396"/>
+          </a:xfrm>
+        </p:spPr>
+        <p:txBody>
+          <a:bodyPr vert="horz" lIns="108000" tIns="36000" rIns="108000" bIns="36000" rtlCol="0" anchor="t">
+            <a:normAutofit/>
+          </a:bodyPr>
+          <a:lstStyle/>
+          <a:p>
+            <a:pPr marL="513715" indent="-513715">
+              <a:buClr>
+                <a:schemeClr val="tx1"/>
+              </a:buClr>
+            </a:pPr>
+            <a:r>
+              <a:rPr lang="en-US" dirty="0">
+                <a:solidFill>
+                  <a:schemeClr val="bg1"/>
+                </a:solidFill>
+              </a:rPr>
+              <a:t>͏</a:t>
+            </a:r>
+            <a:r>
+              <a:rPr lang="en-US" b="1" dirty="0">
+                <a:solidFill>
+                  <a:schemeClr val="bg1"/>
+                </a:solidFill>
+              </a:rPr>
+              <a:t>Рекурсия</a:t>
+            </a:r>
+            <a:endParaRPr lang="bg-BG" b="1" dirty="0">
+              <a:solidFill>
+                <a:schemeClr val="bg1"/>
+              </a:solidFill>
+            </a:endParaRPr>
+          </a:p>
+          <a:p>
+            <a:pPr lvl="1" indent="-360045"/>
+            <a:r>
+              <a:rPr lang="en-US" dirty="0"/>
+              <a:t>Функция, която се самоизвиква</a:t>
+            </a:r>
+            <a:endParaRPr lang="en-US" dirty="0">
+              <a:cs typeface="Calibri"/>
+            </a:endParaRPr>
+          </a:p>
+          <a:p>
+            <a:pPr marL="513715" indent="-513715">
+              <a:buClr>
+                <a:schemeClr val="tx1"/>
+              </a:buClr>
+            </a:pPr>
+            <a:r>
+              <a:rPr lang="en-US" dirty="0">
+                <a:solidFill>
+                  <a:schemeClr val="bg1"/>
+                </a:solidFill>
+              </a:rPr>
+              <a:t>͏</a:t>
+            </a:r>
+            <a:r>
+              <a:rPr lang="en-US" b="1" dirty="0">
+                <a:solidFill>
+                  <a:schemeClr val="bg1"/>
+                </a:solidFill>
+              </a:rPr>
+              <a:t>Рекурсивно </a:t>
+            </a:r>
+            <a:r>
+              <a:rPr lang="en-US" dirty="0">
+                <a:solidFill>
+                  <a:srgbClr val="234465"/>
+                </a:solidFill>
+              </a:rPr>
+              <a:t>или</a:t>
+            </a:r>
+            <a:r>
+              <a:rPr lang="en-US" dirty="0"/>
+              <a:t> </a:t>
+            </a:r>
+            <a:r>
+              <a:rPr lang="en-US" b="1" dirty="0">
+                <a:solidFill>
+                  <a:schemeClr val="bg1"/>
+                </a:solidFill>
+              </a:rPr>
+              <a:t>интеративно обхождане</a:t>
+            </a:r>
+            <a:r>
+              <a:rPr lang="en-US" dirty="0"/>
+              <a:t>?</a:t>
+            </a:r>
+            <a:endParaRPr lang="en-US" dirty="0">
+              <a:cs typeface="Calibri"/>
+            </a:endParaRPr>
+          </a:p>
+          <a:p>
+            <a:pPr lvl="1" indent="-360045"/>
+            <a:r>
+              <a:rPr lang="bg-BG" dirty="0">
+                <a:ea typeface="+mn-lt"/>
+                <a:cs typeface="+mn-lt"/>
+              </a:rPr>
+              <a:t>Вредна</a:t>
+            </a:r>
+            <a:r>
+              <a:rPr lang="en-US" dirty="0">
+                <a:ea typeface="+mn-lt"/>
+                <a:cs typeface="+mn-lt"/>
+              </a:rPr>
+              <a:t> рекурсия</a:t>
+            </a:r>
+          </a:p>
+          <a:p>
+            <a:pPr lvl="1" indent="-360045"/>
+            <a:r>
+              <a:rPr lang="bg-BG" dirty="0">
+                <a:ea typeface="+mn-lt"/>
+                <a:cs typeface="+mn-lt"/>
+              </a:rPr>
+              <a:t>Оптимизиране</a:t>
+            </a:r>
+            <a:r>
+              <a:rPr lang="en-US" dirty="0">
+                <a:ea typeface="+mn-lt"/>
+                <a:cs typeface="+mn-lt"/>
+              </a:rPr>
+              <a:t> на </a:t>
+            </a:r>
+            <a:r>
+              <a:rPr lang="bg-BG" dirty="0">
+                <a:ea typeface="+mn-lt"/>
+                <a:cs typeface="+mn-lt"/>
+              </a:rPr>
+              <a:t>вредна</a:t>
+            </a:r>
+            <a:r>
+              <a:rPr lang="en-US" dirty="0">
+                <a:ea typeface="+mn-lt"/>
+                <a:cs typeface="+mn-lt"/>
+              </a:rPr>
+              <a:t> рекурсия</a:t>
+            </a:r>
+            <a:endParaRPr lang="en-US" dirty="0">
+              <a:cs typeface="Calibri"/>
+            </a:endParaRPr>
+          </a:p>
+        </p:txBody>
+      </p:sp>
+      <p:sp>
+        <p:nvSpPr>
+          <p:cNvPr id="444418" name="Rectangle 2"/>
+          <p:cNvSpPr>
+            <a:spLocks noGrp="1" noChangeArrowheads="1"/>
+          </p:cNvSpPr>
+          <p:nvPr>
+            <p:ph type="title"/>
+          </p:nvPr>
+        </p:nvSpPr>
+        <p:spPr/>
+        <p:txBody>
+          <a:bodyPr>
+            <a:normAutofit/>
+          </a:bodyPr>
+          <a:lstStyle/>
+          <a:p>
+            <a:r>
+              <a:rPr lang="bg-BG" dirty="0"/>
+              <a:t>Съдържание</a:t>
+            </a:r>
+          </a:p>
+        </p:txBody>
+      </p:sp>
+      <p:sp>
+        <p:nvSpPr>
+          <p:cNvPr id="6" name="Slide Number">
+            <a:extLst>
+              <a:ext uri="{FF2B5EF4-FFF2-40B4-BE49-F238E27FC236}">
+                <a16:creationId xmlns:a16="http://schemas.microsoft.com/office/drawing/2014/main" id="{5675AE48-8E69-414B-8291-4B7FB792FCF4}"/>
+              </a:ext>
+            </a:extLst>
+          </p:cNvPr>
+          <p:cNvSpPr txBox="1">
+            <a:spLocks/>
+          </p:cNvSpPr>
+          <p:nvPr/>
+        </p:nvSpPr>
+        <p:spPr>
+          <a:xfrm>
+            <a:off x="11753030" y="6507000"/>
+            <a:ext cx="367414" cy="297000"/>
+          </a:xfrm>
+          <a:prstGeom prst="rect">
+            <a:avLst/>
+          </a:prstGeom>
+        </p:spPr>
+        <p:txBody>
+          <a:bodyPr vert="horz" lIns="91440" tIns="45720" rIns="91440" bIns="45720" rtlCol="0" anchor="b"/>
+          <a:lstStyle>
+            <a:defPPr>
+              <a:defRPr lang="en-US"/>
+            </a:defPPr>
+            <a:lvl1pPr marL="0" algn="r" defTabSz="914400" rtl="0" eaLnBrk="1" latinLnBrk="0" hangingPunct="1">
+              <a:defRPr sz="1000" kern="1200">
+                <a:solidFill>
+                  <a:schemeClr val="tx1"/>
+                </a:solidFill>
+                <a:latin typeface="+mn-lt"/>
+                <a:ea typeface="+mn-ea"/>
+                <a:cs typeface="+mn-cs"/>
+              </a:defRPr>
+            </a:lvl1pPr>
+            <a:lvl2pPr marL="457200" algn="l" defTabSz="914400" rtl="0" eaLnBrk="1" latinLnBrk="0" hangingPunct="1">
+              <a:defRPr sz="1800" kern="1200">
+                <a:solidFill>
+                  <a:schemeClr val="tx1"/>
+                </a:solidFill>
+                <a:latin typeface="+mn-lt"/>
+                <a:ea typeface="+mn-ea"/>
+                <a:cs typeface="+mn-cs"/>
+              </a:defRPr>
+            </a:lvl2pPr>
+            <a:lvl3pPr marL="914400" algn="l" defTabSz="914400" rtl="0" eaLnBrk="1" latinLnBrk="0" hangingPunct="1">
+              <a:defRPr sz="1800" kern="1200">
+                <a:solidFill>
+                  <a:schemeClr val="tx1"/>
+                </a:solidFill>
+                <a:latin typeface="+mn-lt"/>
+                <a:ea typeface="+mn-ea"/>
+                <a:cs typeface="+mn-cs"/>
+              </a:defRPr>
+            </a:lvl3pPr>
+            <a:lvl4pPr marL="1371600" algn="l" defTabSz="914400" rtl="0" eaLnBrk="1" latinLnBrk="0" hangingPunct="1">
+              <a:defRPr sz="1800" kern="1200">
+                <a:solidFill>
+                  <a:schemeClr val="tx1"/>
+                </a:solidFill>
+                <a:latin typeface="+mn-lt"/>
+                <a:ea typeface="+mn-ea"/>
+                <a:cs typeface="+mn-cs"/>
+              </a:defRPr>
+            </a:lvl4pPr>
+            <a:lvl5pPr marL="1828800" algn="l" defTabSz="914400" rtl="0" eaLnBrk="1" latinLnBrk="0" hangingPunct="1">
+              <a:defRPr sz="1800" kern="1200">
+                <a:solidFill>
+                  <a:schemeClr val="tx1"/>
+                </a:solidFill>
+                <a:latin typeface="+mn-lt"/>
+                <a:ea typeface="+mn-ea"/>
+                <a:cs typeface="+mn-cs"/>
+              </a:defRPr>
+            </a:lvl5pPr>
+            <a:lvl6pPr marL="2286000" algn="l" defTabSz="914400" rtl="0" eaLnBrk="1" latinLnBrk="0" hangingPunct="1">
+              <a:defRPr sz="1800" kern="1200">
+                <a:solidFill>
+                  <a:schemeClr val="tx1"/>
+                </a:solidFill>
+                <a:latin typeface="+mn-lt"/>
+                <a:ea typeface="+mn-ea"/>
+                <a:cs typeface="+mn-cs"/>
+              </a:defRPr>
+            </a:lvl6pPr>
+            <a:lvl7pPr marL="2743200" algn="l" defTabSz="914400" rtl="0" eaLnBrk="1" latinLnBrk="0" hangingPunct="1">
+              <a:defRPr sz="1800" kern="1200">
+                <a:solidFill>
+                  <a:schemeClr val="tx1"/>
+                </a:solidFill>
+                <a:latin typeface="+mn-lt"/>
+                <a:ea typeface="+mn-ea"/>
+                <a:cs typeface="+mn-cs"/>
+              </a:defRPr>
+            </a:lvl7pPr>
+            <a:lvl8pPr marL="3200400" algn="l" defTabSz="914400" rtl="0" eaLnBrk="1" latinLnBrk="0" hangingPunct="1">
+              <a:defRPr sz="1800" kern="1200">
+                <a:solidFill>
+                  <a:schemeClr val="tx1"/>
+                </a:solidFill>
+                <a:latin typeface="+mn-lt"/>
+                <a:ea typeface="+mn-ea"/>
+                <a:cs typeface="+mn-cs"/>
+              </a:defRPr>
+            </a:lvl8pPr>
+            <a:lvl9pPr marL="3657600" algn="l" defTabSz="914400" rtl="0" eaLnBrk="1" latinLnBrk="0" hangingPunct="1">
+              <a:defRPr sz="1800" kern="1200">
+                <a:solidFill>
+                  <a:schemeClr val="tx1"/>
+                </a:solidFill>
+                <a:latin typeface="+mn-lt"/>
+                <a:ea typeface="+mn-ea"/>
+                <a:cs typeface="+mn-cs"/>
+              </a:defRPr>
+            </a:lvl9pPr>
+          </a:lstStyle>
+          <a:p>
+            <a:fld id="{2BF067CD-8E6B-4360-9AA8-C5DF2A48A6D1}" type="slidenum">
+              <a:rPr lang="en-US" smtClean="0"/>
+              <a:pPr/>
+              <a:t>2</a:t>
+            </a:fld>
+            <a:endParaRPr lang="en-US" dirty="0"/>
+          </a:p>
+        </p:txBody>
+      </p:sp>
+    </p:spTree>
+    <p:extLst>
+      <p:ext uri="{BB962C8B-B14F-4D97-AF65-F5344CB8AC3E}">
+        <p14:creationId xmlns:p14="http://schemas.microsoft.com/office/powerpoint/2010/main" val="3062054466"/>
+      </p:ext>
+    </p:extLst>
+  </p:cSld>
+  <p:clrMapOvr>
+    <a:masterClrMapping/>
+  </p:clrMapOvr>
+  <mc:AlternateContent xmlns:mc="http://schemas.openxmlformats.org/markup-compatibility/2006" xmlns:p14="http://schemas.microsoft.com/office/powerpoint/2010/main">
+    <mc:Choice Requires="p14">
+      <p:transition spd="slow" p14:dur="2000" advClick="0" advTm="5000"/>
+    </mc:Choice>
+    <mc:Fallback xmlns="">
+      <p:transition spd="slow" advClick="0" advTm="5000"/>
+    </mc:Fallback>
+  </mc:AlternateContent>
+  <p:timing>
+    <p:tnLst>
+      <p:par>
+        <p:cTn id="1" dur="indefinite" restart="never" nodeType="tmRoot">
+          <p:childTnLst>
+            <p:seq concurrent="1" nextAc="seek">
+              <p:cTn id="2" dur="indefinite" nodeType="mainSeq">
+                <p:childTnLst>
+                  <p:par>
+                    <p:cTn id="3" fill="hold">
+                      <p:stCondLst>
+                        <p:cond delay="indefinite"/>
+                      </p:stCondLst>
+                      <p:childTnLst>
+                        <p:par>
+                          <p:cTn id="4" fill="hold">
+                            <p:stCondLst>
+                              <p:cond delay="0"/>
+                            </p:stCondLst>
+                            <p:childTnLst>
+                              <p:par>
+                                <p:cTn id="5" presetID="1" presetClass="entr" presetSubtype="0" fill="hold" nodeType="clickEffect">
+                                  <p:stCondLst>
+                                    <p:cond delay="0"/>
+                                  </p:stCondLst>
+                                  <p:childTnLst>
+                                    <p:set>
+                                      <p:cBhvr>
+                                        <p:cTn id="6" dur="1" fill="hold">
+                                          <p:stCondLst>
+                                            <p:cond delay="0"/>
+                                          </p:stCondLst>
+                                        </p:cTn>
+                                        <p:tgtEl>
+                                          <p:spTgt spid="444419">
+                                            <p:txEl>
+                                              <p:pRg st="2" end="2"/>
+                                            </p:txEl>
+                                          </p:spTgt>
+                                        </p:tgtEl>
+                                        <p:attrNameLst>
+                                          <p:attrName>style.visibility</p:attrName>
+                                        </p:attrNameLst>
+                                      </p:cBhvr>
+                                      <p:to>
+                                        <p:strVal val="visible"/>
+                                      </p:to>
+                                    </p:set>
+                                  </p:childTnLst>
+                                </p:cTn>
+                              </p:par>
+                              <p:par>
+                                <p:cTn id="7" presetID="1" presetClass="entr" presetSubtype="0" fill="hold" nodeType="withEffect">
+                                  <p:stCondLst>
+                                    <p:cond delay="0"/>
+                                  </p:stCondLst>
+                                  <p:childTnLst>
+                                    <p:set>
+                                      <p:cBhvr>
+                                        <p:cTn id="8" dur="1" fill="hold">
+                                          <p:stCondLst>
+                                            <p:cond delay="0"/>
+                                          </p:stCondLst>
+                                        </p:cTn>
+                                        <p:tgtEl>
+                                          <p:spTgt spid="444419">
+                                            <p:txEl>
+                                              <p:pRg st="3" end="3"/>
+                                            </p:txEl>
+                                          </p:spTgt>
+                                        </p:tgtEl>
+                                        <p:attrNameLst>
+                                          <p:attrName>style.visibility</p:attrName>
+                                        </p:attrNameLst>
+                                      </p:cBhvr>
+                                      <p:to>
+                                        <p:strVal val="visible"/>
+                                      </p:to>
+                                    </p:set>
+                                  </p:childTnLst>
+                                </p:cTn>
+                              </p:par>
+                            </p:childTnLst>
+                          </p:cTn>
+                        </p:par>
+                      </p:childTnLst>
+                    </p:cTn>
+                  </p:par>
+                  <p:par>
+                    <p:cTn id="9" fill="hold">
+                      <p:stCondLst>
+                        <p:cond delay="indefinite"/>
+                      </p:stCondLst>
+                      <p:childTnLst>
+                        <p:par>
+                          <p:cTn id="10" fill="hold">
+                            <p:stCondLst>
+                              <p:cond delay="0"/>
+                            </p:stCondLst>
+                            <p:childTnLst>
+                              <p:par>
+                                <p:cTn id="11" presetID="1" presetClass="entr" presetSubtype="0" fill="hold" nodeType="clickEffect">
+                                  <p:stCondLst>
+                                    <p:cond delay="0"/>
+                                  </p:stCondLst>
+                                  <p:childTnLst>
+                                    <p:set>
+                                      <p:cBhvr>
+                                        <p:cTn id="12" dur="1" fill="hold">
+                                          <p:stCondLst>
+                                            <p:cond delay="0"/>
+                                          </p:stCondLst>
+                                        </p:cTn>
+                                        <p:tgtEl>
+                                          <p:spTgt spid="444419">
+                                            <p:txEl>
+                                              <p:pRg st="4" end="4"/>
+                                            </p:txEl>
+                                          </p:spTgt>
+                                        </p:tgtEl>
+                                        <p:attrNameLst>
+                                          <p:attrName>style.visibility</p:attrName>
+                                        </p:attrNameLst>
+                                      </p:cBhvr>
+                                      <p:to>
+                                        <p:strVal val="visible"/>
+                                      </p:to>
+                                    </p:set>
+                                  </p:childTnLst>
+                                </p:cTn>
+                              </p:par>
+                            </p:childTnLst>
+                          </p:cTn>
+                        </p:par>
+                      </p:childTnLst>
+                    </p:cTn>
+                  </p:par>
+                </p:childTnLst>
+              </p:cTn>
+              <p:prevCondLst>
+                <p:cond evt="onPrev" delay="0">
+                  <p:tgtEl>
+                    <p:sldTgt/>
+                  </p:tgtEl>
+                </p:cond>
+              </p:prevCondLst>
+              <p:nextCondLst>
+                <p:cond evt="onNext" delay="0">
+                  <p:tgtEl>
+                    <p:sldTgt/>
+                  </p:tgtEl>
+                </p:cond>
+              </p:nextCondLst>
+            </p:seq>
+          </p:childTnLst>
+        </p:cTn>
+      </p:par>
+    </p:tnLst>
+  </p:timing>
+</p:sld>
+</file>
+
+<file path=ppt/slides/slide20.xml><?xml version="1.0" encoding="utf-8"?>
 <p:sld xmlns:a="http://schemas.openxmlformats.org/drawingml/2006/main" xmlns:r="http://schemas.openxmlformats.org/officeDocument/2006/relationships" xmlns:p="http://schemas.openxmlformats.org/presentationml/2006/main">
   <p:cSld>
     <p:spTree>
@@ -17994,7 +17375,7 @@
               </a:buClr>
             </a:pPr>
             <a:r>
-              <a:rPr lang="en-US" sz="3350" b="1" dirty="0">
+              <a:rPr lang="en-US" sz="3400" b="1" dirty="0">
                 <a:solidFill>
                   <a:schemeClr val="bg1"/>
                 </a:solidFill>
@@ -18002,65 +17383,134 @@
               <a:t>Безкрайна рекурсия </a:t>
             </a:r>
             <a:r>
-              <a:rPr lang="en-US" sz="3350" dirty="0"/>
-              <a:t>== метод, който се самоизвиква безкрайно</a:t>
-            </a:r>
-            <a:endParaRPr lang="bg-BG" sz="3350" dirty="0">
+              <a:rPr lang="en-US" sz="3400" dirty="0"/>
+              <a:t>== метод, който се </a:t>
+            </a:r>
+            <a:r>
+              <a:rPr lang="en-US" sz="3400" b="1" dirty="0">
+                <a:solidFill>
+                  <a:schemeClr val="bg1"/>
+                </a:solidFill>
+              </a:rPr>
+              <a:t>самоизвиква безкрайно</a:t>
+            </a:r>
+            <a:endParaRPr lang="bg-BG" sz="3400" b="1" dirty="0">
               <a:solidFill>
-                <a:schemeClr val="tx2">
-                  <a:lumMod val="75000"/>
-                </a:schemeClr>
+                <a:schemeClr val="bg1"/>
               </a:solidFill>
             </a:endParaRPr>
           </a:p>
           <a:p>
             <a:pPr lvl="1" indent="-360045"/>
             <a:r>
-              <a:rPr lang="en-US" sz="3150" dirty="0">
+              <a:rPr lang="en-US" sz="3200" dirty="0">
                 <a:ea typeface="+mn-lt"/>
                 <a:cs typeface="+mn-lt"/>
               </a:rPr>
-              <a:t>Обикновено безкрайна рекурсия</a:t>
-            </a:r>
-            <a:r>
-              <a:rPr lang="en-US" sz="3150" dirty="0"/>
-              <a:t> е бъг в програмата</a:t>
-            </a:r>
-            <a:endParaRPr lang="en-US" sz="3150" dirty="0">
+              <a:t>Обикновено </a:t>
+            </a:r>
+            <a:r>
+              <a:rPr lang="bg-BG" sz="3200" dirty="0">
+                <a:ea typeface="+mn-lt"/>
+                <a:cs typeface="+mn-lt"/>
+              </a:rPr>
+              <a:t>безкрайната</a:t>
+            </a:r>
+            <a:r>
+              <a:rPr lang="en-US" sz="3200" dirty="0">
+                <a:ea typeface="+mn-lt"/>
+                <a:cs typeface="+mn-lt"/>
+              </a:rPr>
+              <a:t> рекурсия</a:t>
+            </a:r>
+            <a:r>
+              <a:rPr lang="en-US" sz="3200" dirty="0"/>
+              <a:t> е </a:t>
+            </a:r>
+            <a:r>
+              <a:rPr lang="en-US" sz="3200" b="1" dirty="0">
+                <a:solidFill>
+                  <a:schemeClr val="bg1"/>
+                </a:solidFill>
+              </a:rPr>
+              <a:t>бъг в програмата</a:t>
+            </a:r>
+            <a:endParaRPr lang="en-US" sz="3200" b="1" dirty="0">
+              <a:solidFill>
+                <a:schemeClr val="bg1"/>
+              </a:solidFill>
               <a:cs typeface="Calibri"/>
             </a:endParaRPr>
           </a:p>
           <a:p>
-            <a:pPr lvl="1" indent="-360045"/>
-            <a:r>
-              <a:rPr lang="en-US" sz="3150" dirty="0"/>
-              <a:t>Няма дъно или има грешка в него</a:t>
-            </a:r>
-            <a:endParaRPr lang="en-US" dirty="0">
+            <a:pPr lvl="1" indent="-360045">
+              <a:buClr>
+                <a:schemeClr val="tx1"/>
+              </a:buClr>
+            </a:pPr>
+            <a:r>
+              <a:rPr lang="en-US" sz="3200" b="1" dirty="0">
+                <a:solidFill>
+                  <a:schemeClr val="bg1"/>
+                </a:solidFill>
+              </a:rPr>
+              <a:t>Няма дъно </a:t>
+            </a:r>
+            <a:r>
+              <a:rPr lang="en-US" sz="3200" dirty="0"/>
+              <a:t>или </a:t>
+            </a:r>
+            <a:r>
+              <a:rPr lang="en-US" sz="3200" b="1" dirty="0">
+                <a:solidFill>
+                  <a:schemeClr val="bg1"/>
+                </a:solidFill>
+              </a:rPr>
+              <a:t>има грешка </a:t>
+            </a:r>
+            <a:r>
+              <a:rPr lang="en-US" sz="3200" dirty="0"/>
+              <a:t>в него</a:t>
+            </a:r>
+            <a:endParaRPr lang="en-US" sz="3200" dirty="0">
               <a:cs typeface="Calibri"/>
             </a:endParaRPr>
           </a:p>
           <a:p>
             <a:pPr lvl="1" indent="-360045"/>
             <a:r>
-              <a:rPr lang="en-US" sz="3150" dirty="0"/>
-              <a:t>В C# / Java / C++ приченява грешка"</a:t>
-            </a:r>
-            <a:r>
-              <a:rPr lang="en-US" sz="3150" dirty="0">
-                <a:solidFill>
-                  <a:schemeClr val="tx2">
-                    <a:lumMod val="75000"/>
-                  </a:schemeClr>
+              <a:rPr lang="en-US" sz="3200" dirty="0"/>
+              <a:t>В C# / Java / C++ </a:t>
+            </a:r>
+            <a:r>
+              <a:rPr lang="bg-BG" sz="3200" dirty="0"/>
+              <a:t>причинява </a:t>
+            </a:r>
+            <a:r>
+              <a:rPr lang="en-US" sz="3200" dirty="0"/>
+              <a:t>грешка</a:t>
+            </a:r>
+            <a:r>
+              <a:rPr lang="bg-BG" sz="3200" dirty="0"/>
+              <a:t> </a:t>
+            </a:r>
+            <a:r>
+              <a:rPr lang="en-US" sz="3200" dirty="0"/>
+              <a:t>"</a:t>
+            </a:r>
+            <a:r>
+              <a:rPr lang="en-US" sz="3200" b="1" dirty="0">
+                <a:solidFill>
+                  <a:schemeClr val="bg1"/>
                 </a:solidFill>
               </a:rPr>
               <a:t>stack overflow</a:t>
             </a:r>
             <a:r>
-              <a:rPr lang="en-US" sz="3150" dirty="0"/>
+              <a:rPr lang="en-US" sz="3200" dirty="0"/>
               <a:t>"</a:t>
             </a:r>
-            <a:endParaRPr lang="en-US" sz="3150" dirty="0">
+            <a:endParaRPr lang="en-US" sz="3200" dirty="0">
               <a:cs typeface="Calibri"/>
             </a:endParaRPr>
           </a:p>
@@ -18174,7 +17624,7 @@
             <a:fld id="{2BF067CD-8E6B-4360-9AA8-C5DF2A48A6D1}" type="slidenum">
               <a:rPr lang="en-US" noProof="0" smtClean="0"/>
               <a:pPr/>
-              <a:t>21</a:t>
+              <a:t>20</a:t>
             </a:fld>
             <a:endParaRPr lang="en-US" noProof="0" dirty="0"/>
           </a:p>
@@ -18210,9 +17660,6 @@
                     <p:cTn id="3" fill="hold">
                       <p:stCondLst>
                         <p:cond delay="indefinite"/>
-                        <p:cond evt="onBegin" delay="0">
-                          <p:tn val="2"/>
-                        </p:cond>
                       </p:stCondLst>
                       <p:childTnLst>
                         <p:par>
@@ -18222,7 +17669,7 @@
                             </p:stCondLst>
                             <p:childTnLst>
                               <p:par>
-                                <p:cTn id="5" presetID="1" presetClass="entr" presetSubtype="0" fill="hold" nodeType="withEffect">
+                                <p:cTn id="5" presetID="1" presetClass="entr" presetSubtype="0" fill="hold" nodeType="clickEffect">
                                   <p:stCondLst>
                                     <p:cond delay="0"/>
                                   </p:stCondLst>
@@ -18237,7 +17684,7 @@
                                         <p:tgtEl>
                                           <p:spTgt spid="7">
                                             <p:txEl>
-                                              <p:pRg st="0" end="0"/>
+                                              <p:pRg st="2" end="2"/>
                                             </p:txEl>
                                           </p:spTgt>
                                         </p:tgtEl>
@@ -18286,104 +17733,6 @@
                                         <p:tgtEl>
                                           <p:spTgt spid="7">
                                             <p:txEl>
-                                              <p:pRg st="1" end="1"/>
-                                            </p:txEl>
-                                          </p:spTgt>
-                                        </p:tgtEl>
-                                        <p:attrNameLst>
-                                          <p:attrName>style.visibility</p:attrName>
-                                        </p:attrNameLst>
-                                      </p:cBhvr>
-                                      <p:to>
-                                        <p:strVal val="visible"/>
-                                      </p:to>
-                                    </p:set>
-                                  </p:childTnLst>
-                                </p:cTn>
-                              </p:par>
-                            </p:childTnLst>
-                          </p:cTn>
-                        </p:par>
-                      </p:childTnLst>
-                    </p:cTn>
-                  </p:par>
-                  <p:par>
-                    <p:cTn id="11" fill="hold">
-                      <p:stCondLst>
-                        <p:cond delay="indefinite"/>
-                      </p:stCondLst>
-                      <p:childTnLst>
-                        <p:par>
-                          <p:cTn id="12" fill="hold">
-                            <p:stCondLst>
-                              <p:cond delay="0"/>
-                            </p:stCondLst>
-                            <p:childTnLst>
-                              <p:par>
-                                <p:cTn id="13" presetID="1" presetClass="entr" presetSubtype="0" fill="hold" nodeType="clickEffect">
-                                  <p:stCondLst>
-                                    <p:cond delay="0"/>
-                                  </p:stCondLst>
-                                  <p:childTnLst>
-                                    <p:set>
-                                      <p:cBhvr>
-                                        <p:cTn id="14" dur="1" fill="hold">
-                                          <p:stCondLst>
-                                            <p:cond delay="0"/>
-                                          </p:stCondLst>
-                                        </p:cTn>
-                                        <p:tgtEl>
-                                          <p:spTgt spid="7">
-                                            <p:txEl>
-                                              <p:pRg st="2" end="2"/>
-                                            </p:txEl>
-                                          </p:spTgt>
-                                        </p:tgtEl>
-                                        <p:attrNameLst>
-                                          <p:attrName>style.visibility</p:attrName>
-                                        </p:attrNameLst>
-                                      </p:cBhvr>
-                                      <p:to>
-                                        <p:strVal val="visible"/>
-                                      </p:to>
-                                    </p:set>
-                                  </p:childTnLst>
-                                </p:cTn>
-                              </p:par>
-                            </p:childTnLst>
-                          </p:cTn>
-                        </p:par>
-                      </p:childTnLst>
-                    </p:cTn>
-                  </p:par>
-                  <p:par>
-                    <p:cTn id="15" fill="hold">
-                      <p:stCondLst>
-                        <p:cond delay="indefinite"/>
-                      </p:stCondLst>
-                      <p:childTnLst>
-                        <p:par>
-                          <p:cTn id="16" fill="hold">
-                            <p:stCondLst>
-                              <p:cond delay="0"/>
-                            </p:stCondLst>
-                            <p:childTnLst>
-                              <p:par>
-                                <p:cTn id="17" presetID="1" presetClass="entr" presetSubtype="0" fill="hold" nodeType="clickEffect">
-                                  <p:stCondLst>
-                                    <p:cond delay="0"/>
-                                  </p:stCondLst>
-                                  <p:childTnLst>
-                                    <p:set>
-                                      <p:cBhvr>
-                                        <p:cTn id="18" dur="1" fill="hold">
-                                          <p:stCondLst>
-                                            <p:cond delay="0"/>
-                                          </p:stCondLst>
-                                        </p:cTn>
-                                        <p:tgtEl>
-                                          <p:spTgt spid="7">
-                                            <p:txEl>
                                               <p:pRg st="3" end="3"/>
                                             </p:txEl>
                                           </p:spTgt>
@@ -18400,14 +17749,14 @@
                                 </p:cTn>
                               </p:par>
                               <p:par>
-                                <p:cTn id="19" presetID="1" presetClass="entr" presetSubtype="0" fill="hold" nodeType="withEffect">
+                                <p:cTn id="11" presetID="1" presetClass="entr" presetSubtype="0" fill="hold" nodeType="withEffect">
                                   <p:stCondLst>
                                     <p:cond delay="0"/>
                                   </p:stCondLst>
                                   <p:childTnLst>
                                     <p:set>
                                       <p:cBhvr>
-                                        <p:cTn id="20" dur="1" fill="hold">
+                                        <p:cTn id="12" dur="1" fill="hold">
                                           <p:stCondLst>
                                             <p:cond delay="0"/>
                                           </p:stCondLst>
@@ -18457,7 +17806,7 @@
 </p:sld>
 </file>
 
-<file path=ppt/slides/slide22.xml><?xml version="1.0" encoding="utf-8"?>
+<file path=ppt/slides/slide21.xml><?xml version="1.0" encoding="utf-8"?>
 <p:sld xmlns:a="http://schemas.openxmlformats.org/drawingml/2006/main" xmlns:r="http://schemas.openxmlformats.org/officeDocument/2006/relationships" xmlns:p="http://schemas.openxmlformats.org/presentationml/2006/main">
   <p:cSld>
     <p:spTree>
@@ -18494,7 +17843,15 @@
             <a:pPr marL="360045" indent="-360045"/>
             <a:r>
               <a:rPr lang="en-US" sz="3550" dirty="0"/>
-              <a:t>Когато се използва грешно, рекурсията може да заеми много </a:t>
+              <a:t>Когато се използва грешно, рекурсията може да </a:t>
+            </a:r>
+            <a:r>
+              <a:rPr lang="bg-BG" sz="3550" dirty="0"/>
+              <a:t>заеме</a:t>
+            </a:r>
+            <a:r>
+              <a:rPr lang="en-US" sz="3550" dirty="0"/>
+              <a:t> много </a:t>
             </a:r>
             <a:r>
               <a:rPr lang="en-US" sz="3550" b="1" dirty="0">
@@ -18938,7 +18295,7 @@
             <a:fld id="{2BF067CD-8E6B-4360-9AA8-C5DF2A48A6D1}" type="slidenum">
               <a:rPr lang="en-US" noProof="0" smtClean="0"/>
               <a:pPr/>
-              <a:t>22</a:t>
+              <a:t>21</a:t>
             </a:fld>
             <a:endParaRPr lang="en-US" noProof="0" dirty="0"/>
           </a:p>
@@ -19373,7 +18730,7 @@
 </p:sld>
 </file>
 
-<file path=ppt/slides/slide23.xml><?xml version="1.0" encoding="utf-8"?>
+<file path=ppt/slides/slide22.xml><?xml version="1.0" encoding="utf-8"?>
 <p:sld xmlns:a="http://schemas.openxmlformats.org/drawingml/2006/main" xmlns:r="http://schemas.openxmlformats.org/officeDocument/2006/relationships" xmlns:p="http://schemas.openxmlformats.org/presentationml/2006/main">
   <p:cSld>
     <p:spTree>
@@ -19413,7 +18770,7 @@
               </a:buClr>
             </a:pPr>
             <a:r>
-              <a:rPr lang="en-US" sz="3350" b="1" dirty="0">
+              <a:rPr lang="en-US" sz="3400" b="1" dirty="0">
                 <a:solidFill>
                   <a:schemeClr val="bg1"/>
                 </a:solidFill>
@@ -19423,7 +18780,7 @@
               <a:t>fib(n)</a:t>
             </a:r>
             <a:r>
-              <a:rPr lang="en-US" sz="3350" b="1" dirty="0">
+              <a:rPr lang="en-US" sz="3400" b="1" dirty="0">
                 <a:solidFill>
                   <a:schemeClr val="bg1"/>
                 </a:solidFill>
@@ -19431,7 +18788,7 @@
               <a:t> </a:t>
             </a:r>
             <a:r>
-              <a:rPr lang="en-US" sz="3350" dirty="0">
+              <a:rPr lang="en-US" sz="3400" dirty="0">
                 <a:solidFill>
                   <a:srgbClr val="234465"/>
                 </a:solidFill>
@@ -19441,7 +18798,7 @@
               <a:t>празви рекурсивно обаждане за </a:t>
             </a:r>
             <a:r>
-              <a:rPr lang="en-US" sz="3350" b="1" dirty="0">
+              <a:rPr lang="en-US" sz="3400" b="1" dirty="0">
                 <a:solidFill>
                   <a:schemeClr val="bg1"/>
                 </a:solidFill>
@@ -19450,7 +18807,7 @@
               </a:rPr>
               <a:t>fib(n)</a:t>
             </a:r>
-            <a:endParaRPr lang="en-US" sz="3350" dirty="0">
+            <a:endParaRPr lang="en-US" sz="3400" dirty="0">
               <a:solidFill>
                 <a:schemeClr val="bg1"/>
               </a:solidFill>
@@ -19460,12 +18817,25 @@
           <a:p>
             <a:pPr marL="360045" indent="-360045"/>
             <a:r>
-              <a:rPr lang="en-US" sz="3350" dirty="0">
+              <a:rPr lang="en-US" sz="3400" dirty="0">
                 <a:cs typeface="Calibri"/>
               </a:rPr>
-              <a:t>Стойностите се изчисляват много пъти!</a:t>
-            </a:r>
-            <a:endParaRPr lang="en-US" sz="3350" dirty="0"/>
+              <a:t>Стойностите се изчисляват </a:t>
+            </a:r>
+            <a:r>
+              <a:rPr lang="en-US" sz="3400" b="1" dirty="0">
+                <a:solidFill>
+                  <a:schemeClr val="bg1"/>
+                </a:solidFill>
+                <a:cs typeface="Calibri"/>
+              </a:rPr>
+              <a:t>много пъти</a:t>
+            </a:r>
+            <a:endParaRPr lang="en-US" sz="3400" b="1" dirty="0">
+              <a:solidFill>
+                <a:schemeClr val="bg1"/>
+              </a:solidFill>
+            </a:endParaRPr>
           </a:p>
         </p:txBody>
       </p:sp>
@@ -19487,8 +18857,16 @@
           <a:lstStyle/>
           <a:p>
             <a:r>
-              <a:rPr lang="en-US" sz="3200" dirty="0"/>
-              <a:t>Как работи изчисление на рекурсията на фибоначи?</a:t>
+              <a:rPr lang="en-US" sz="4000" dirty="0"/>
+              <a:t>Как работи рекурсията на </a:t>
+            </a:r>
+            <a:r>
+              <a:rPr lang="bg-BG" sz="4000" dirty="0"/>
+              <a:t>Фибоначи</a:t>
+            </a:r>
+            <a:r>
+              <a:rPr lang="en-US" sz="4000" dirty="0"/>
+              <a:t>?</a:t>
             </a:r>
           </a:p>
         </p:txBody>
@@ -19566,7 +18944,7 @@
             <a:fld id="{2BF067CD-8E6B-4360-9AA8-C5DF2A48A6D1}" type="slidenum">
               <a:rPr lang="en-US" noProof="0" smtClean="0"/>
               <a:pPr/>
-              <a:t>23</a:t>
+              <a:t>22</a:t>
             </a:fld>
             <a:endParaRPr lang="en-US" noProof="0" dirty="0"/>
           </a:p>
@@ -19624,6 +19002,55 @@
                                           </p:stCondLst>
                                         </p:cTn>
                                         <p:tgtEl>
+                                          <p:spTgt spid="8">
+                                            <p:txEl>
+                                              <p:pRg st="1" end="1"/>
+                                            </p:txEl>
+                                          </p:spTgt>
+                                        </p:tgtEl>
+                                        <p:attrNameLst>
+                                          <p:attrName>style.visibility</p:attrName>
+                                        </p:attrNameLst>
+                                      </p:cBhvr>
+                                      <p:to>
+                                        <p:strVal val="visible"/>
+                                      </p:to>
+                                    </p:set>
+                                  </p:childTnLst>
+                                </p:cTn>
+                              </p:par>
+                            </p:childTnLst>
+                          </p:cTn>
+                        </p:par>
+                      </p:childTnLst>
+                    </p:cTn>
+                  </p:par>
+                  <p:par>
+                    <p:cTn id="7" fill="hold">
+                      <p:stCondLst>
+                        <p:cond delay="indefinite"/>
+                      </p:stCondLst>
+                      <p:childTnLst>
+                        <p:par>
+                          <p:cTn id="8" fill="hold">
+                            <p:stCondLst>
+                              <p:cond delay="0"/>
+                            </p:stCondLst>
+                            <p:childTnLst>
+                              <p:par>
+                                <p:cTn id="9" presetID="1" presetClass="entr" presetSubtype="0" fill="hold" nodeType="clickEffect">
+                                  <p:stCondLst>
+                                    <p:cond delay="0"/>
+                                  </p:stCondLst>
+                                  <p:childTnLst>
+                                    <p:set>
+                                      <p:cBhvr>
+                                        <p:cTn id="10" dur="1" fill="hold">
+                                          <p:stCondLst>
+                                            <p:cond delay="0"/>
+                                          </p:stCondLst>
+                                        </p:cTn>
+                                        <p:tgtEl>
                                           <p:spTgt spid="16"/>
                                         </p:tgtEl>
                                         <p:attrNameLst>
@@ -19668,7 +19095,7 @@
 </p:sld>
 </file>
 
-<file path=ppt/slides/slide24.xml><?xml version="1.0" encoding="utf-8"?>
+<file path=ppt/slides/slide23.xml><?xml version="1.0" encoding="utf-8"?>
 <p:sld xmlns:a="http://schemas.openxmlformats.org/drawingml/2006/main" xmlns:r="http://schemas.openxmlformats.org/officeDocument/2006/relationships" xmlns:p="http://schemas.openxmlformats.org/presentationml/2006/main">
   <p:cSld>
     <p:spTree>
@@ -19706,85 +19133,16 @@
               <a:lnSpc>
                 <a:spcPct val="110000"/>
               </a:lnSpc>
-            </a:pPr>
-            <a:r>
-              <a:rPr lang="en-US" sz="3350" dirty="0"/>
-              <a:t>Избягваме рекурсия, когато съществува алгоритъм с </a:t>
-            </a:r>
-            <a:r>
-              <a:rPr lang="en-US" sz="3350" b="1" dirty="0">
-                <a:solidFill>
-                  <a:schemeClr val="bg1"/>
-                </a:solidFill>
-              </a:rPr>
-              <a:t>интеративно обхождане</a:t>
-            </a:r>
-            <a:endParaRPr lang="bg-BG" sz="3350" b="1" dirty="0">
-              <a:solidFill>
-                <a:schemeClr val="bg1"/>
-              </a:solidFill>
-            </a:endParaRPr>
-          </a:p>
-          <a:p>
-            <a:pPr lvl="1" indent="-360045">
-              <a:lnSpc>
-                <a:spcPct val="110000"/>
-              </a:lnSpc>
-            </a:pPr>
-            <a:r>
-              <a:rPr lang="en-US" sz="3150" dirty="0"/>
-              <a:t>Примери: </a:t>
-            </a:r>
-            <a:r>
-              <a:rPr lang="en-US" sz="3150" b="1" dirty="0">
-                <a:solidFill>
-                  <a:schemeClr val="bg1"/>
-                </a:solidFill>
-              </a:rPr>
-              <a:t>факториел</a:t>
-            </a:r>
-            <a:r>
-              <a:rPr lang="en-US" sz="3150" dirty="0"/>
-              <a:t>, </a:t>
-            </a:r>
-            <a:r>
-              <a:rPr lang="en-US" sz="3150" dirty="0">
-                <a:solidFill>
-                  <a:srgbClr val="234465"/>
-                </a:solidFill>
-              </a:rPr>
-              <a:t>числата на </a:t>
-            </a:r>
-            <a:r>
-              <a:rPr lang="en-US" sz="3150" b="1" dirty="0">
-                <a:solidFill>
-                  <a:schemeClr val="bg1"/>
-                </a:solidFill>
-              </a:rPr>
-              <a:t>фибоначи</a:t>
-            </a:r>
-            <a:endParaRPr lang="en-US" sz="3150" dirty="0">
-              <a:solidFill>
-                <a:schemeClr val="bg1"/>
-              </a:solidFill>
-              <a:cs typeface="Calibri"/>
-            </a:endParaRPr>
-          </a:p>
-          <a:p>
-            <a:pPr marL="360045" indent="-360045">
-              <a:lnSpc>
-                <a:spcPct val="110000"/>
-              </a:lnSpc>
               <a:spcBef>
                 <a:spcPts val="1200"/>
               </a:spcBef>
             </a:pPr>
             <a:r>
-              <a:rPr lang="en-US" sz="3350" dirty="0"/>
+              <a:rPr lang="bg-BG" sz="3350" dirty="0"/>
               <a:t>Използваме рекурсия</a:t>
             </a:r>
             <a:r>
-              <a:rPr lang="en-US" sz="3350" dirty="0">
+              <a:rPr lang="bg-BG" sz="3350" dirty="0">
                 <a:solidFill>
                   <a:srgbClr val="234465"/>
                 </a:solidFill>
@@ -19792,7 +19150,7 @@
               <a:t> за </a:t>
             </a:r>
             <a:r>
-              <a:rPr lang="en-US" sz="3350" b="1" dirty="0">
+              <a:rPr lang="bg-BG" sz="3350" b="1" dirty="0">
                 <a:solidFill>
                   <a:schemeClr val="bg1"/>
                 </a:solidFill>
@@ -19800,7 +19158,7 @@
               <a:t>комбинаторни </a:t>
             </a:r>
             <a:r>
-              <a:rPr lang="en-US" sz="3350" dirty="0">
+              <a:rPr lang="bg-BG" sz="3350" dirty="0">
                 <a:solidFill>
                   <a:srgbClr val="234465"/>
                 </a:solidFill>
@@ -19808,11 +19166,11 @@
               <a:t>алгоритми</a:t>
             </a:r>
             <a:r>
-              <a:rPr lang="en-US" sz="3350" dirty="0"/>
+              <a:rPr lang="bg-BG" sz="3350" dirty="0"/>
               <a:t>, </a:t>
             </a:r>
             <a:r>
-              <a:rPr lang="en-US" sz="3350" dirty="0">
+              <a:rPr lang="bg-BG" sz="3350" dirty="0">
                 <a:solidFill>
                   <a:schemeClr val="tx2"/>
                 </a:solidFill>
@@ -19820,10 +19178,10 @@
               <a:t>където</a:t>
             </a:r>
             <a:r>
-              <a:rPr lang="en-US" sz="3350" dirty="0"/>
+              <a:rPr lang="bg-BG" sz="3350" dirty="0"/>
               <a:t>:</a:t>
             </a:r>
-            <a:endParaRPr lang="en-US" sz="3350" dirty="0">
+            <a:endParaRPr lang="bg-BG" sz="3350" dirty="0">
               <a:cs typeface="Calibri"/>
             </a:endParaRPr>
           </a:p>
@@ -19837,14 +19195,14 @@
               </a:spcBef>
             </a:pPr>
             <a:r>
-              <a:rPr lang="en-US" sz="3150" dirty="0">
+              <a:rPr lang="bg-BG" sz="3150" dirty="0">
                 <a:ea typeface="+mn-lt"/>
                 <a:cs typeface="+mn-lt"/>
               </a:rPr>
-              <a:t>На всяка стъпка, трябва </a:t>
-            </a:r>
-            <a:r>
-              <a:rPr lang="en-US" sz="3150" b="1" dirty="0">
+              <a:t>На всяка стъпка трябва </a:t>
+            </a:r>
+            <a:r>
+              <a:rPr lang="bg-BG" sz="3150" b="1" dirty="0">
                 <a:solidFill>
                   <a:schemeClr val="bg1"/>
                 </a:solidFill>
@@ -19854,14 +19212,14 @@
               <a:t>рекурсивно </a:t>
             </a:r>
             <a:r>
-              <a:rPr lang="en-US" sz="3150" dirty="0">
+              <a:rPr lang="bg-BG" sz="3150" dirty="0">
                 <a:ea typeface="+mn-lt"/>
                 <a:cs typeface="+mn-lt"/>
               </a:rPr>
               <a:t>да изследвате повече от едно възможно продължение, т.е. </a:t>
             </a:r>
             <a:r>
-              <a:rPr lang="en-US" sz="3150" b="1" dirty="0">
+              <a:rPr lang="bg-BG" sz="3150" b="1" dirty="0">
                 <a:solidFill>
                   <a:schemeClr val="bg1"/>
                 </a:solidFill>
@@ -19870,7 +19228,66 @@
               </a:rPr>
               <a:t>разклонени рекурсивни алгоритми</a:t>
             </a:r>
-            <a:endParaRPr lang="en-US" sz="3150" b="1" dirty="0">
+            <a:endParaRPr lang="bg-BG" sz="3350" dirty="0"/>
+          </a:p>
+          <a:p>
+            <a:pPr marL="360045" indent="-360045">
+              <a:lnSpc>
+                <a:spcPct val="110000"/>
+              </a:lnSpc>
+            </a:pPr>
+            <a:r>
+              <a:rPr lang="bg-BG" sz="3350" dirty="0"/>
+              <a:t>Избягваме рекурсия, когато съществува алгоритъм с </a:t>
+            </a:r>
+            <a:r>
+              <a:rPr lang="bg-BG" sz="3350" b="1" dirty="0">
+                <a:solidFill>
+                  <a:schemeClr val="bg1"/>
+                </a:solidFill>
+              </a:rPr>
+              <a:t>интеративно обхождане</a:t>
+            </a:r>
+          </a:p>
+          <a:p>
+            <a:pPr lvl="1" indent="-360045">
+              <a:lnSpc>
+                <a:spcPct val="110000"/>
+              </a:lnSpc>
+            </a:pPr>
+            <a:r>
+              <a:rPr lang="bg-BG" sz="3150" dirty="0"/>
+              <a:t>Примери: </a:t>
+            </a:r>
+            <a:r>
+              <a:rPr lang="bg-BG" sz="3150" b="1" dirty="0">
+                <a:solidFill>
+                  <a:schemeClr val="bg1"/>
+                </a:solidFill>
+              </a:rPr>
+              <a:t>факториел</a:t>
+            </a:r>
+            <a:r>
+              <a:rPr lang="bg-BG" sz="3150" dirty="0"/>
+              <a:t>, </a:t>
+            </a:r>
+            <a:r>
+              <a:rPr lang="bg-BG" sz="3150" dirty="0">
+                <a:solidFill>
+                  <a:srgbClr val="234465"/>
+                </a:solidFill>
+              </a:rPr>
+              <a:t>редицата на </a:t>
+            </a:r>
+            <a:r>
+              <a:rPr lang="bg-BG" sz="3150" b="1" dirty="0">
+                <a:solidFill>
+                  <a:schemeClr val="bg1"/>
+                </a:solidFill>
+              </a:rPr>
+              <a:t>Фибоначи</a:t>
+            </a:r>
+            <a:endParaRPr lang="bg-BG" sz="3150" dirty="0">
               <a:solidFill>
                 <a:schemeClr val="bg1"/>
               </a:solidFill>
@@ -20025,7 +19442,7 @@
             <a:fld id="{2BF067CD-8E6B-4360-9AA8-C5DF2A48A6D1}" type="slidenum">
               <a:rPr lang="en-US" smtClean="0"/>
               <a:pPr/>
-              <a:t>24</a:t>
+              <a:t>23</a:t>
             </a:fld>
             <a:endParaRPr lang="en-US" dirty="0"/>
           </a:p>
@@ -20061,9 +19478,6 @@
                     <p:cTn id="3" fill="hold">
                       <p:stCondLst>
                         <p:cond delay="indefinite"/>
-                        <p:cond evt="onBegin" delay="0">
-                          <p:tn val="2"/>
-                        </p:cond>
                       </p:stCondLst>
                       <p:childTnLst>
                         <p:par>
@@ -20073,7 +19487,7 @@
                             </p:stCondLst>
                             <p:childTnLst>
                               <p:par>
-                                <p:cTn id="5" presetID="1" presetClass="entr" presetSubtype="0" fill="hold" nodeType="withEffect">
+                                <p:cTn id="5" presetID="1" presetClass="entr" presetSubtype="0" fill="hold" nodeType="clickEffect">
                                   <p:stCondLst>
                                     <p:cond delay="0"/>
                                   </p:stCondLst>
@@ -20088,7 +19502,7 @@
                                         <p:tgtEl>
                                           <p:spTgt spid="5">
                                             <p:txEl>
-                                              <p:pRg st="1" end="1"/>
+                                              <p:pRg st="2" end="2"/>
                                             </p:txEl>
                                           </p:spTgt>
                                         </p:tgtEl>
@@ -20112,104 +19526,6 @@
                                     <p:set>
                                       <p:cBhvr>
                                         <p:cTn id="8" dur="1" fill="hold">
-                                          <p:stCondLst>
-                                            <p:cond delay="0"/>
-                                          </p:stCondLst>
-                                        </p:cTn>
-                                        <p:tgtEl>
-                                          <p:spTgt spid="5">
-                                            <p:txEl>
-                                              <p:pRg st="0" end="0"/>
-                                            </p:txEl>
-                                          </p:spTgt>
-                                        </p:tgtEl>
-                                        <p:attrNameLst>
-                                          <p:attrName>style.visibility</p:attrName>
-                                        </p:attrNameLst>
-                                      </p:cBhvr>
-                                      <p:to>
-                                        <p:strVal val="visible"/>
-                                      </p:to>
-                                    </p:set>
-                                  </p:childTnLst>
-                                </p:cTn>
-                              </p:par>
-                            </p:childTnLst>
-                          </p:cTn>
-                        </p:par>
-                      </p:childTnLst>
-                    </p:cTn>
-                  </p:par>
-                  <p:par>
-                    <p:cTn id="9" fill="hold">
-                      <p:stCondLst>
-                        <p:cond delay="indefinite"/>
-                      </p:stCondLst>
-                      <p:childTnLst>
-                        <p:par>
-                          <p:cTn id="10" fill="hold">
-                            <p:stCondLst>
-                              <p:cond delay="0"/>
-                            </p:stCondLst>
-                            <p:childTnLst>
-                              <p:par>
-                                <p:cTn id="11" presetID="1" presetClass="entr" presetSubtype="0" fill="hold" nodeType="clickEffect">
-                                  <p:stCondLst>
-                                    <p:cond delay="0"/>
-                                  </p:stCondLst>
-                                  <p:childTnLst>
-                                    <p:set>
-                                      <p:cBhvr>
-                                        <p:cTn id="12" dur="1" fill="hold">
-                                          <p:stCondLst>
-                                            <p:cond delay="0"/>
-                                          </p:stCondLst>
-                                        </p:cTn>
-                                        <p:tgtEl>
-                                          <p:spTgt spid="5">
-                                            <p:txEl>
-                                              <p:pRg st="2" end="2"/>
-                                            </p:txEl>
-                                          </p:spTgt>
-                                        </p:tgtEl>
-                                        <p:attrNameLst>
-                                          <p:attrName>style.visibility</p:attrName>
-                                        </p:attrNameLst>
-                                      </p:cBhvr>
-                                      <p:to>
-                                        <p:strVal val="visible"/>
-                                      </p:to>
-                                    </p:set>
-                                  </p:childTnLst>
-                                </p:cTn>
-                              </p:par>
-                            </p:childTnLst>
-                          </p:cTn>
-                        </p:par>
-                      </p:childTnLst>
-                    </p:cTn>
-                  </p:par>
-                  <p:par>
-                    <p:cTn id="13" fill="hold">
-                      <p:stCondLst>
-                        <p:cond delay="indefinite"/>
-                      </p:stCondLst>
-                      <p:childTnLst>
-                        <p:par>
-                          <p:cTn id="14" fill="hold">
-                            <p:stCondLst>
-                              <p:cond delay="0"/>
-                            </p:stCondLst>
-                            <p:childTnLst>
-                              <p:par>
-                                <p:cTn id="15" presetID="1" presetClass="entr" presetSubtype="0" fill="hold" nodeType="clickEffect">
-                                  <p:stCondLst>
-                                    <p:cond delay="0"/>
-                                  </p:stCondLst>
-                                  <p:childTnLst>
-                                    <p:set>
-                                      <p:cBhvr>
-                                        <p:cTn id="16" dur="1" fill="hold">
                                           <p:stCondLst>
                                             <p:cond delay="0"/>
                                           </p:stCondLst>
@@ -20263,7 +19579,7 @@
 </p:sld>
 </file>
 
-<file path=ppt/slides/slide25.xml><?xml version="1.0" encoding="utf-8"?>
+<file path=ppt/slides/slide24.xml><?xml version="1.0" encoding="utf-8"?>
 <p:sld xmlns:a="http://schemas.openxmlformats.org/drawingml/2006/main" xmlns:r="http://schemas.openxmlformats.org/officeDocument/2006/relationships" xmlns:p="http://schemas.openxmlformats.org/presentationml/2006/main">
   <p:cSld>
     <p:spTree>
@@ -20821,9 +20137,17 @@
                   <a:schemeClr val="bg2"/>
                 </a:solidFill>
               </a:rPr>
-              <a:t>метод, който се самоизвикава</a:t>
-            </a:r>
-            <a:endParaRPr lang="en-US" sz="3600" dirty="0">
+              <a:t>метод, който се </a:t>
+            </a:r>
+            <a:r>
+              <a:rPr lang="bg-BG" sz="3600" b="1" dirty="0">
+                <a:solidFill>
+                  <a:schemeClr val="bg2"/>
+                </a:solidFill>
+              </a:rPr>
+              <a:t>самоизвикава</a:t>
+            </a:r>
+            <a:endParaRPr lang="en-US" sz="3600" b="1" dirty="0">
               <a:solidFill>
                 <a:schemeClr val="bg2"/>
               </a:solidFill>
@@ -20905,11 +20229,6 @@
               </a:rPr>
               <a:t>след действието</a:t>
             </a:r>
-            <a:endParaRPr lang="en-US" sz="3200" dirty="0">
-              <a:solidFill>
-                <a:schemeClr val="bg1"/>
-              </a:solidFill>
-            </a:endParaRPr>
           </a:p>
           <a:p>
             <a:pPr latinLnBrk="0">
@@ -20921,23 +20240,15 @@
               </a:buClr>
             </a:pPr>
             <a:r>
-              <a:rPr lang="bg-BG" sz="3600" dirty="0">
+              <a:rPr lang="bg-BG" sz="3400" dirty="0">
                 <a:solidFill>
                   <a:schemeClr val="bg2"/>
                 </a:solidFill>
               </a:rPr>
-              <a:t>Кога</a:t>
-            </a:r>
-            <a:r>
-              <a:rPr lang="en-US" sz="3600" dirty="0">
-                <a:solidFill>
-                  <a:schemeClr val="bg2"/>
-                </a:solidFill>
-              </a:rPr>
-              <a:t> </a:t>
-            </a:r>
-            <a:r>
-              <a:rPr lang="bg-BG" sz="3600" b="1" dirty="0">
+              <a:t>Използваме </a:t>
+            </a:r>
+            <a:r>
+              <a:rPr lang="bg-BG" sz="3400" b="1" dirty="0">
                 <a:solidFill>
                   <a:schemeClr val="bg1">
                     <a:lumMod val="60000"/>
@@ -20945,42 +20256,27 @@
                   </a:schemeClr>
                 </a:solidFill>
               </a:rPr>
-              <a:t>трябва да използваме рекурсия</a:t>
-            </a:r>
-            <a:r>
-              <a:rPr lang="en-US" sz="3600" dirty="0">
+              <a:t>рекурсия</a:t>
+            </a:r>
+            <a:r>
+              <a:rPr lang="bg-BG" sz="3400" dirty="0">
                 <a:solidFill>
                   <a:schemeClr val="bg2"/>
                 </a:solidFill>
               </a:rPr>
-              <a:t>?</a:t>
-            </a:r>
-          </a:p>
-          <a:p>
-            <a:pPr lvl="1" latinLnBrk="0">
-              <a:lnSpc>
-                <a:spcPct val="100000"/>
-              </a:lnSpc>
-              <a:buClr>
-                <a:schemeClr val="bg2"/>
-              </a:buClr>
-            </a:pPr>
-            <a:r>
-              <a:rPr lang="en-US" sz="3200" dirty="0">
-                <a:solidFill>
-                  <a:schemeClr val="bg2"/>
+              <a:t> за решаване на </a:t>
+            </a:r>
+            <a:r>
+              <a:rPr lang="bg-BG" sz="3400" b="1" dirty="0">
+                <a:solidFill>
+                  <a:schemeClr val="bg1">
+                    <a:lumMod val="60000"/>
+                    <a:lumOff val="40000"/>
+                  </a:schemeClr>
                 </a:solidFill>
               </a:rPr>
-              <a:t>Branched recursive process</a:t>
-            </a:r>
-            <a:endParaRPr lang="en-US" sz="3200" dirty="0">
-              <a:solidFill>
-                <a:schemeClr val="bg1">
-                  <a:lumMod val="60000"/>
-                  <a:lumOff val="40000"/>
-                </a:schemeClr>
-              </a:solidFill>
-            </a:endParaRPr>
+              <a:t>проблеми с разклонение</a:t>
+            </a:r>
           </a:p>
           <a:p>
             <a:pPr latinLnBrk="0">
@@ -20992,15 +20288,15 @@
               </a:buClr>
             </a:pPr>
             <a:r>
-              <a:rPr lang="bg-BG" sz="3600" dirty="0">
+              <a:rPr lang="bg-BG" sz="3400" dirty="0">
                 <a:solidFill>
                   <a:schemeClr val="bg2"/>
                 </a:solidFill>
               </a:rPr>
-              <a:t>Кога </a:t>
-            </a:r>
-            <a:r>
-              <a:rPr lang="bg-BG" sz="3600" dirty="0">
+              <a:t>Използваме </a:t>
+            </a:r>
+            <a:r>
+              <a:rPr lang="bg-BG" sz="3400" b="1" dirty="0">
                 <a:solidFill>
                   <a:schemeClr val="bg1">
                     <a:lumMod val="60000"/>
@@ -21008,10 +20304,18 @@
                   </a:schemeClr>
                 </a:solidFill>
               </a:rPr>
-              <a:t>трябва да използваме</a:t>
-            </a:r>
-            <a:r>
-              <a:rPr lang="en-US" sz="3600" dirty="0">
+              <a:t>итерация</a:t>
+            </a:r>
+            <a:r>
+              <a:rPr lang="bg-BG" sz="3400" dirty="0">
+                <a:solidFill>
+                  <a:schemeClr val="bg2"/>
+                </a:solidFill>
+              </a:rPr>
+              <a:t> за решаване на </a:t>
+            </a:r>
+            <a:r>
+              <a:rPr lang="bg-BG" sz="3400" b="1" dirty="0">
                 <a:solidFill>
                   <a:schemeClr val="bg1">
                     <a:lumMod val="60000"/>
@@ -21019,46 +20323,9 @@
                   </a:schemeClr>
                 </a:solidFill>
               </a:rPr>
-              <a:t> </a:t>
-            </a:r>
-            <a:r>
-              <a:rPr lang="bg-BG" sz="3600" b="1" dirty="0">
-                <a:solidFill>
-                  <a:schemeClr val="bg1">
-                    <a:lumMod val="60000"/>
-                    <a:lumOff val="40000"/>
-                  </a:schemeClr>
-                </a:solidFill>
-              </a:rPr>
-              <a:t>итерация</a:t>
-            </a:r>
-            <a:r>
-              <a:rPr lang="en-US" sz="3600" dirty="0">
-                <a:solidFill>
-                  <a:schemeClr val="bg2"/>
-                </a:solidFill>
-              </a:rPr>
-              <a:t>?</a:t>
-            </a:r>
-          </a:p>
-          <a:p>
-            <a:pPr lvl="1" latinLnBrk="0">
-              <a:lnSpc>
-                <a:spcPct val="100000"/>
-              </a:lnSpc>
-              <a:buClr>
-                <a:schemeClr val="bg2"/>
-              </a:buClr>
-            </a:pPr>
-            <a:r>
-              <a:rPr lang="bg-BG" sz="3200" dirty="0">
-                <a:solidFill>
-                  <a:schemeClr val="bg2"/>
-                </a:solidFill>
-              </a:rPr>
-              <a:t>Линеен рекурсивен процес</a:t>
-            </a:r>
-            <a:endParaRPr lang="en-US" sz="3199" b="1" dirty="0">
+              <a:t>линейни проблеми</a:t>
+            </a:r>
+            <a:endParaRPr lang="en-US" sz="3400" b="1" dirty="0">
               <a:solidFill>
                 <a:schemeClr val="bg1">
                   <a:lumMod val="60000"/>
@@ -21105,7 +20372,7 @@
             <a:fld id="{2BF067CD-8E6B-4360-9AA8-C5DF2A48A6D1}" type="slidenum">
               <a:rPr lang="en-US" noProof="0" smtClean="0"/>
               <a:pPr/>
-              <a:t>25</a:t>
+              <a:t>24</a:t>
             </a:fld>
             <a:endParaRPr lang="en-US" noProof="0" dirty="0"/>
           </a:p>
@@ -21165,7 +20432,7 @@
                                         <p:tgtEl>
                                           <p:spTgt spid="15">
                                             <p:txEl>
-                                              <p:pRg st="1" end="1"/>
+                                              <p:pRg st="2" end="2"/>
                                             </p:txEl>
                                           </p:spTgt>
                                         </p:tgtEl>
@@ -21214,136 +20481,7 @@
                                         <p:tgtEl>
                                           <p:spTgt spid="15">
                                             <p:txEl>
-                                              <p:pRg st="2" end="2"/>
-                                            </p:txEl>
-                                          </p:spTgt>
-                                        </p:tgtEl>
-                                        <p:attrNameLst>
-                                          <p:attrName>style.visibility</p:attrName>
-                                        </p:attrNameLst>
-                                      </p:cBhvr>
-                                      <p:to>
-                                        <p:strVal val="visible"/>
-                                      </p:to>
-                                    </p:set>
-                                  </p:childTnLst>
-                                </p:cTn>
-                              </p:par>
-                              <p:par>
-                                <p:cTn id="11" presetID="1" presetClass="entr" presetSubtype="0" fill="hold" nodeType="withEffect">
-                                  <p:stCondLst>
-                                    <p:cond delay="0"/>
-                                  </p:stCondLst>
-                                  <p:childTnLst>
-                                    <p:set>
-                                      <p:cBhvr>
-                                        <p:cTn id="12" dur="1" fill="hold">
-                                          <p:stCondLst>
-                                            <p:cond delay="0"/>
-                                          </p:stCondLst>
-                                        </p:cTn>
-                                        <p:tgtEl>
-                                          <p:spTgt spid="15">
-                                            <p:txEl>
                                               <p:pRg st="3" end="3"/>
-                                            </p:txEl>
-                                          </p:spTgt>
-                                        </p:tgtEl>
-                                        <p:attrNameLst>
-                                          <p:attrName>style.visibility</p:attrName>
-                                        </p:attrNameLst>
-                                      </p:cBhvr>
-                                      <p:to>
-                                        <p:strVal val="visible"/>
-                                      </p:to>
-                                    </p:set>
-                                  </p:childTnLst>
-                                </p:cTn>
-                              </p:par>
-                            </p:childTnLst>
-                          </p:cTn>
-                        </p:par>
-                      </p:childTnLst>
-                    </p:cTn>
-                  </p:par>
-                  <p:par>
-                    <p:cTn id="13" fill="hold">
-                      <p:stCondLst>
-                        <p:cond delay="indefinite"/>
-                      </p:stCondLst>
-                      <p:childTnLst>
-                        <p:par>
-                          <p:cTn id="14" fill="hold">
-                            <p:stCondLst>
-                              <p:cond delay="0"/>
-                            </p:stCondLst>
-                            <p:childTnLst>
-                              <p:par>
-                                <p:cTn id="15" presetID="1" presetClass="entr" presetSubtype="0" fill="hold" nodeType="clickEffect">
-                                  <p:stCondLst>
-                                    <p:cond delay="0"/>
-                                  </p:stCondLst>
-                                  <p:childTnLst>
-                                    <p:set>
-                                      <p:cBhvr>
-                                        <p:cTn id="16" dur="1" fill="hold">
-                                          <p:stCondLst>
-                                            <p:cond delay="0"/>
-                                          </p:stCondLst>
-                                        </p:cTn>
-                                        <p:tgtEl>
-                                          <p:spTgt spid="15">
-                                            <p:txEl>
-                                              <p:pRg st="4" end="4"/>
-                                            </p:txEl>
-                                          </p:spTgt>
-                                        </p:tgtEl>
-                                        <p:attrNameLst>
-                                          <p:attrName>style.visibility</p:attrName>
-                                        </p:attrNameLst>
-                                      </p:cBhvr>
-                                      <p:to>
-                                        <p:strVal val="visible"/>
-                                      </p:to>
-                                    </p:set>
-                                  </p:childTnLst>
-                                </p:cTn>
-                              </p:par>
-                            </p:childTnLst>
-                          </p:cTn>
-                        </p:par>
-                      </p:childTnLst>
-                    </p:cTn>
-                  </p:par>
-                  <p:par>
-                    <p:cTn id="17" fill="hold">
-                      <p:stCondLst>
-                        <p:cond delay="indefinite"/>
-                      </p:stCondLst>
-                      <p:childTnLst>
-                        <p:par>
-                          <p:cTn id="18" fill="hold">
-                            <p:stCondLst>
-                              <p:cond delay="0"/>
-                            </p:stCondLst>
-                            <p:childTnLst>
-                              <p:par>
-                                <p:cTn id="19" presetID="1" presetClass="entr" presetSubtype="0" fill="hold" nodeType="clickEffect">
-                                  <p:stCondLst>
-                                    <p:cond delay="0"/>
-                                  </p:stCondLst>
-                                  <p:childTnLst>
-                                    <p:set>
-                                      <p:cBhvr>
-                                        <p:cTn id="20" dur="1" fill="hold">
-                                          <p:stCondLst>
-                                            <p:cond delay="0"/>
-                                          </p:stCondLst>
-                                        </p:cTn>
-                                        <p:tgtEl>
-                                          <p:spTgt spid="15">
-                                            <p:txEl>
-                                              <p:pRg st="5" end="5"/>
                                             </p:txEl>
                                           </p:spTgt>
                                         </p:tgtEl>
@@ -21389,7 +20527,7 @@
 </p:sld>
 </file>
 
-<file path=ppt/slides/slide26.xml><?xml version="1.0" encoding="utf-8"?>
+<file path=ppt/slides/slide25.xml><?xml version="1.0" encoding="utf-8"?>
 <p:sld xmlns:a="http://schemas.openxmlformats.org/drawingml/2006/main" xmlns:r="http://schemas.openxmlformats.org/officeDocument/2006/relationships" xmlns:p="http://schemas.openxmlformats.org/presentationml/2006/main">
   <p:cSld>
     <p:spTree>
@@ -21460,7 +20598,7 @@
 </p:sld>
 </file>
 
-<file path=ppt/slides/slide27.xml><?xml version="1.0" encoding="utf-8"?>
+<file path=ppt/slides/slide26.xml><?xml version="1.0" encoding="utf-8"?>
 <p:sld xmlns:a="http://schemas.openxmlformats.org/drawingml/2006/main" xmlns:r="http://schemas.openxmlformats.org/officeDocument/2006/relationships" xmlns:p="http://schemas.openxmlformats.org/presentationml/2006/main">
   <p:cSld>
     <p:spTree>
@@ -21724,7 +20862,7 @@
             <a:fld id="{2BF067CD-8E6B-4360-9AA8-C5DF2A48A6D1}" type="slidenum">
               <a:rPr lang="en-US" noProof="0" smtClean="0"/>
               <a:pPr/>
-              <a:t>27</a:t>
+              <a:t>26</a:t>
             </a:fld>
             <a:endParaRPr lang="en-US" noProof="0" dirty="0"/>
           </a:p>
@@ -21907,7 +21045,7 @@
             </a:pPr>
             <a:r>
               <a:rPr lang="en-GB" sz="3600" dirty="0"/>
-              <a:t>Функцията, която се</a:t>
+              <a:t>Функция, която се</a:t>
             </a:r>
             <a:r>
               <a:rPr lang="en-US" sz="3600" dirty="0"/>
@@ -21934,22 +21072,43 @@
               <a:t> се изпълни </a:t>
             </a:r>
             <a:r>
+              <a:rPr lang="bg-BG" sz="3600" b="1" dirty="0">
+                <a:solidFill>
+                  <a:schemeClr val="bg1"/>
+                </a:solidFill>
+              </a:rPr>
+              <a:t>конкретно</a:t>
+            </a:r>
+            <a:r>
               <a:rPr lang="en-US" sz="3600" b="1" dirty="0">
                 <a:solidFill>
                   <a:schemeClr val="bg1"/>
                 </a:solidFill>
               </a:rPr>
-              <a:t>специфично условие</a:t>
+              <a:t> условие</a:t>
+            </a:r>
+            <a:r>
+              <a:rPr lang="bg-BG" sz="3600" b="1" dirty="0">
+                <a:solidFill>
+                  <a:schemeClr val="bg1"/>
+                </a:solidFill>
+              </a:rPr>
+              <a:t> </a:t>
+            </a:r>
+            <a:r>
+              <a:rPr lang="bg-BG" sz="3600" dirty="0"/>
+              <a:t>(базов случай, </a:t>
+            </a:r>
+            <a:r>
+              <a:rPr lang="en-US" sz="3600" dirty="0"/>
+              <a:t>base case)</a:t>
             </a:r>
             <a:endParaRPr lang="en-US" sz="3600" b="1" dirty="0">
-              <a:solidFill>
-                <a:schemeClr val="bg1"/>
-              </a:solidFill>
               <a:cs typeface="Calibri"/>
             </a:endParaRPr>
           </a:p>
           <a:p>
-            <a:pPr lvl="1" indent="-360045">
+            <a:pPr indent="-360045">
               <a:spcBef>
                 <a:spcPts val="300"/>
               </a:spcBef>
@@ -21958,16 +21117,52 @@
               </a:spcAft>
             </a:pPr>
             <a:r>
-              <a:rPr lang="en-US" sz="3400" dirty="0">
+              <a:rPr lang="en-US" sz="3600" dirty="0">
                 <a:solidFill>
                   <a:srgbClr val="234465"/>
                 </a:solidFill>
                 <a:cs typeface="Calibri"/>
               </a:rPr>
-              <a:t>След като се извика рекурсията кода се обработва от </a:t>
-            </a:r>
-            <a:r>
-              <a:rPr lang="en-US" sz="3400" b="1" dirty="0">
+              <a:t>След като се извика рекурсията</a:t>
+            </a:r>
+            <a:r>
+              <a:rPr lang="bg-BG" sz="3600" dirty="0">
+                <a:solidFill>
+                  <a:srgbClr val="234465"/>
+                </a:solidFill>
+                <a:cs typeface="Calibri"/>
+              </a:rPr>
+              <a:t>,</a:t>
+            </a:r>
+            <a:r>
+              <a:rPr lang="en-US" sz="3600" dirty="0">
+                <a:solidFill>
+                  <a:srgbClr val="234465"/>
+                </a:solidFill>
+                <a:cs typeface="Calibri"/>
+              </a:rPr>
+              <a:t> код</a:t>
+            </a:r>
+            <a:r>
+              <a:rPr lang="bg-BG" sz="3600" dirty="0">
+                <a:solidFill>
+                  <a:srgbClr val="234465"/>
+                </a:solidFill>
+                <a:cs typeface="Calibri"/>
+              </a:rPr>
+              <a:t>ът</a:t>
+            </a:r>
+            <a:r>
+              <a:rPr lang="en-US" sz="3600" dirty="0">
+                <a:solidFill>
+                  <a:srgbClr val="234465"/>
+                </a:solidFill>
+                <a:cs typeface="Calibri"/>
+              </a:rPr>
+              <a:t> се обработва от </a:t>
+            </a:r>
+            <a:r>
+              <a:rPr lang="en-US" sz="3600" b="1" dirty="0">
                 <a:solidFill>
                   <a:schemeClr val="bg1"/>
                 </a:solidFill>
@@ -21976,7 +21171,7 @@
               <a:t>последната </a:t>
             </a:r>
             <a:r>
-              <a:rPr lang="en-US" sz="3400" dirty="0">
+              <a:rPr lang="en-US" sz="3600" dirty="0">
                 <a:solidFill>
                   <a:srgbClr val="234465"/>
                 </a:solidFill>
@@ -21985,7 +21180,7 @@
               <a:t>до </a:t>
             </a:r>
             <a:r>
-              <a:rPr lang="en-US" sz="3400" b="1" dirty="0">
+              <a:rPr lang="en-US" sz="3600" b="1" dirty="0">
                 <a:solidFill>
                   <a:schemeClr val="bg1"/>
                 </a:solidFill>
@@ -21994,7 +21189,7 @@
               <a:t>първата </a:t>
             </a:r>
             <a:r>
-              <a:rPr lang="en-US" sz="3400" dirty="0">
+              <a:rPr lang="en-US" sz="3600" dirty="0">
                 <a:solidFill>
                   <a:srgbClr val="234465"/>
                 </a:solidFill>
@@ -23006,7 +22201,7 @@
               </a:buClr>
             </a:pPr>
             <a:r>
-              <a:rPr lang="en-US" sz="3600" b="1" dirty="0">
+              <a:rPr lang="bg-BG" sz="3600" b="1" dirty="0">
                 <a:solidFill>
                   <a:schemeClr val="bg1"/>
                 </a:solidFill>
@@ -23014,7 +22209,7 @@
               <a:t>Рекурсия </a:t>
             </a:r>
             <a:r>
-              <a:rPr lang="en-US" sz="3600" dirty="0"/>
+              <a:rPr lang="bg-BG" sz="3600" dirty="0"/>
               <a:t>== метод за решаване на проблем</a:t>
             </a:r>
             <a:endParaRPr lang="bg-BG" dirty="0"/>
@@ -23032,7 +22227,7 @@
               </a:buClr>
             </a:pPr>
             <a:r>
-              <a:rPr lang="bg" sz="3400" dirty="0">
+              <a:rPr lang="bg-BG" sz="3400" dirty="0">
                 <a:latin typeface="Calibri"/>
                 <a:cs typeface="Calibri"/>
               </a:rPr>
@@ -23049,11 +22244,11 @@
               </a:spcAft>
             </a:pPr>
             <a:r>
-              <a:rPr lang="en-US" sz="3600" dirty="0"/>
+              <a:rPr lang="bg-BG" sz="3600" dirty="0"/>
               <a:t>Често в </a:t>
             </a:r>
             <a:r>
-              <a:rPr lang="en-US" sz="3600" b="1" dirty="0">
+              <a:rPr lang="bg-BG" sz="3600" b="1" dirty="0">
                 <a:solidFill>
                   <a:schemeClr val="bg1"/>
                 </a:solidFill>
@@ -23061,10 +22256,10 @@
               <a:t>компютърното програмиране се достига </a:t>
             </a:r>
             <a:r>
-              <a:rPr lang="en-US" sz="3600" dirty="0"/>
+              <a:rPr lang="bg-BG" sz="3600" dirty="0"/>
               <a:t>до:</a:t>
             </a:r>
-            <a:endParaRPr lang="en-US" sz="3600" dirty="0">
+            <a:endParaRPr lang="bg-BG" sz="3600" dirty="0">
               <a:cs typeface="Calibri"/>
             </a:endParaRPr>
           </a:p>
@@ -23081,7 +22276,7 @@
               </a:buClr>
             </a:pPr>
             <a:r>
-              <a:rPr lang="en-US" sz="3400" b="1" dirty="0">
+              <a:rPr lang="bg-BG" sz="3400" b="1" dirty="0">
                 <a:solidFill>
                   <a:schemeClr val="bg1"/>
                 </a:solidFill>
@@ -23089,11 +22284,11 @@
               <a:t>Разделяне </a:t>
             </a:r>
             <a:r>
-              <a:rPr lang="en-US" sz="3400" dirty="0"/>
+              <a:rPr lang="bg-BG" sz="3400" dirty="0"/>
               <a:t>на проблем </a:t>
             </a:r>
             <a:r>
-              <a:rPr lang="en-US" sz="3400" dirty="0">
+              <a:rPr lang="bg-BG" sz="3400" dirty="0">
                 <a:solidFill>
                   <a:srgbClr val="234465"/>
                 </a:solidFill>
@@ -23101,7 +22296,7 @@
               <a:t>на </a:t>
             </a:r>
             <a:r>
-              <a:rPr lang="en-US" sz="3400" b="1" dirty="0">
+              <a:rPr lang="bg-BG" sz="3400" b="1" dirty="0">
                 <a:solidFill>
                   <a:schemeClr val="bg1"/>
                 </a:solidFill>
@@ -23109,7 +22304,7 @@
               <a:t>подпроблеми</a:t>
             </a:r>
             <a:r>
-              <a:rPr lang="en-US" sz="3400" dirty="0">
+              <a:rPr lang="bg-BG" sz="3400" dirty="0">
                 <a:solidFill>
                   <a:srgbClr val="234465"/>
                 </a:solidFill>
@@ -23117,13 +22312,13 @@
               <a:t> </a:t>
             </a:r>
             <a:r>
-              <a:rPr lang="en-US" sz="3400" dirty="0">
+              <a:rPr lang="bg-BG" sz="3400" dirty="0">
                 <a:ea typeface="+mn-lt"/>
                 <a:cs typeface="+mn-lt"/>
               </a:rPr>
-              <a:t>от същия тип като оригинала</a:t>
-            </a:r>
-            <a:endParaRPr lang="en-US" sz="3400" dirty="0">
+              <a:t>от същия тип</a:t>
+            </a:r>
+            <a:endParaRPr lang="bg-BG" sz="3400" dirty="0">
               <a:cs typeface="Calibri"/>
             </a:endParaRPr>
           </a:p>
@@ -23140,7 +22335,7 @@
               </a:buClr>
             </a:pPr>
             <a:r>
-              <a:rPr lang="en-US" sz="3400" b="1" dirty="0">
+              <a:rPr lang="bg-BG" sz="3400" b="1" dirty="0">
                 <a:solidFill>
                   <a:schemeClr val="bg1"/>
                 </a:solidFill>
@@ -23148,10 +22343,10 @@
               <a:t>Решаване</a:t>
             </a:r>
             <a:r>
-              <a:rPr lang="en-US" sz="3400" dirty="0"/>
+              <a:rPr lang="bg-BG" sz="3400" dirty="0"/>
               <a:t> на подпроблеми</a:t>
             </a:r>
-            <a:endParaRPr lang="en-US" sz="3400" dirty="0">
+            <a:endParaRPr lang="bg-BG" sz="3400" dirty="0">
               <a:cs typeface="Calibri"/>
             </a:endParaRPr>
           </a:p>
@@ -23168,7 +22363,7 @@
               </a:buClr>
             </a:pPr>
             <a:r>
-              <a:rPr lang="en-US" sz="3400" b="1" dirty="0">
+              <a:rPr lang="bg-BG" sz="3400" b="1" dirty="0">
                 <a:solidFill>
                   <a:schemeClr val="bg1"/>
                 </a:solidFill>
@@ -23176,18 +22371,18 @@
               <a:t>Обединавяне </a:t>
             </a:r>
             <a:r>
-              <a:rPr lang="en-US" sz="3400" dirty="0"/>
+              <a:rPr lang="bg-BG" sz="3400" dirty="0"/>
               <a:t>на </a:t>
             </a:r>
             <a:r>
-              <a:rPr lang="en-US" sz="3400" b="1" dirty="0">
+              <a:rPr lang="bg-BG" sz="3400" b="1" dirty="0">
                 <a:solidFill>
                   <a:schemeClr val="bg1"/>
                 </a:solidFill>
               </a:rPr>
               <a:t>резултата</a:t>
             </a:r>
-            <a:endParaRPr lang="en-US" sz="3400" dirty="0">
+            <a:endParaRPr lang="bg-BG" sz="3400" dirty="0">
               <a:solidFill>
                 <a:schemeClr val="bg1"/>
               </a:solidFill>
@@ -23427,33 +22622,15 @@
                                   </p:childTnLst>
                                 </p:cTn>
                               </p:par>
-                            </p:childTnLst>
-                          </p:cTn>
-                        </p:par>
-                      </p:childTnLst>
-                    </p:cTn>
-                  </p:par>
-                  <p:par>
-                    <p:cTn id="7" fill="hold">
-                      <p:stCondLst>
-                        <p:cond delay="indefinite"/>
-                      </p:stCondLst>
-                      <p:childTnLst>
-                        <p:par>
-                          <p:cTn id="8" fill="hold">
-                            <p:stCondLst>
-                              <p:cond delay="0"/>
-                            </p:stCondLst>
-                            <p:childTnLst>
                               <p:par>
-                                <p:cTn id="9" presetID="1" presetClass="entr" presetSubtype="0" fill="hold" nodeType="clickEffect">
+                                <p:cTn id="7" presetID="1" presetClass="entr" presetSubtype="0" fill="hold" nodeType="withEffect">
                                   <p:stCondLst>
                                     <p:cond delay="0"/>
                                   </p:stCondLst>
                                   <p:childTnLst>
                                     <p:set>
                                       <p:cBhvr>
-                                        <p:cTn id="10" dur="1" fill="hold">
+                                        <p:cTn id="8" dur="1" fill="hold">
                                           <p:stCondLst>
                                             <p:cond delay="0"/>
                                           </p:stCondLst>
@@ -23483,26 +22660,26 @@
                     </p:cTn>
                   </p:par>
                   <p:par>
-                    <p:cTn id="11" fill="hold">
+                    <p:cTn id="9" fill="hold">
                       <p:stCondLst>
                         <p:cond delay="indefinite"/>
                       </p:stCondLst>
                       <p:childTnLst>
                         <p:par>
-                          <p:cTn id="12" fill="hold">
+                          <p:cTn id="10" fill="hold">
                             <p:stCondLst>
                               <p:cond delay="0"/>
                             </p:stCondLst>
                             <p:childTnLst>
                               <p:par>
-                                <p:cTn id="13" presetID="1" presetClass="entr" presetSubtype="0" fill="hold" nodeType="clickEffect">
+                                <p:cTn id="11" presetID="1" presetClass="entr" presetSubtype="0" fill="hold" nodeType="clickEffect">
                                   <p:stCondLst>
                                     <p:cond delay="0"/>
                                   </p:stCondLst>
                                   <p:childTnLst>
                                     <p:set>
                                       <p:cBhvr>
-                                        <p:cTn id="14" dur="1" fill="hold">
+                                        <p:cTn id="12" dur="1" fill="hold">
                                           <p:stCondLst>
                                             <p:cond delay="0"/>
                                           </p:stCondLst>
@@ -23532,26 +22709,26 @@
                     </p:cTn>
                   </p:par>
                   <p:par>
-                    <p:cTn id="15" fill="hold">
+                    <p:cTn id="13" fill="hold">
                       <p:stCondLst>
                         <p:cond delay="indefinite"/>
                       </p:stCondLst>
                       <p:childTnLst>
                         <p:par>
-                          <p:cTn id="16" fill="hold">
+                          <p:cTn id="14" fill="hold">
                             <p:stCondLst>
                               <p:cond delay="0"/>
                             </p:stCondLst>
                             <p:childTnLst>
                               <p:par>
-                                <p:cTn id="17" presetID="1" presetClass="entr" presetSubtype="0" fill="hold" nodeType="clickEffect">
+                                <p:cTn id="15" presetID="1" presetClass="entr" presetSubtype="0" fill="hold" nodeType="clickEffect">
                                   <p:stCondLst>
                                     <p:cond delay="0"/>
                                   </p:stCondLst>
                                   <p:childTnLst>
                                     <p:set>
                                       <p:cBhvr>
-                                        <p:cTn id="18" dur="1" fill="hold">
+                                        <p:cTn id="16" dur="1" fill="hold">
                                           <p:stCondLst>
                                             <p:cond delay="0"/>
                                           </p:stCondLst>
@@ -23624,28 +22801,6 @@
       </p:grpSpPr>
       <p:sp>
         <p:nvSpPr>
-          <p:cNvPr id="4" name="Title 3"/>
-          <p:cNvSpPr>
-            <a:spLocks noGrp="1"/>
-          </p:cNvSpPr>
-          <p:nvPr>
-            <p:ph type="title"/>
-          </p:nvPr>
-        </p:nvSpPr>
-        <p:spPr/>
-        <p:txBody>
-          <a:bodyPr/>
-          <a:lstStyle/>
-          <a:p>
-            <a:r>
-              <a:rPr lang="en-US" dirty="0"/>
-              <a:t>Call Stack</a:t>
-            </a:r>
-          </a:p>
-        </p:txBody>
-      </p:sp>
-      <p:sp>
-        <p:nvSpPr>
           <p:cNvPr id="5" name="Text Placeholder 4"/>
           <p:cNvSpPr>
             <a:spLocks noGrp="1"/>
@@ -23663,8 +22818,12 @@
           <a:p>
             <a:pPr marL="360045" indent="-360045"/>
             <a:r>
+              <a:rPr lang="bg-BG" sz="3350" dirty="0"/>
+              <a:t>"Стекът</a:t>
+            </a:r>
+            <a:r>
               <a:rPr lang="en-GB" sz="3350" dirty="0"/>
-              <a:t>"Стакът"</a:t>
+              <a:t>"</a:t>
             </a:r>
             <a:r>
               <a:rPr lang="en-GB" sz="3350" dirty="0">
@@ -23751,6 +22910,29 @@
               </a:solidFill>
               <a:cs typeface="Calibri"/>
             </a:endParaRPr>
+          </a:p>
+        </p:txBody>
+      </p:sp>
+      <p:sp>
+        <p:nvSpPr>
+          <p:cNvPr id="4" name="Title 3"/>
+          <p:cNvSpPr>
+            <a:spLocks noGrp="1"/>
+          </p:cNvSpPr>
+          <p:nvPr>
+            <p:ph type="title"/>
+          </p:nvPr>
+        </p:nvSpPr>
+        <p:spPr/>
+        <p:txBody>
+          <a:bodyPr/>
+          <a:lstStyle/>
+          <a:p>
+            <a:r>
+              <a:rPr lang="bg-BG" dirty="0"/>
+              <a:t>Стек</a:t>
+            </a:r>
+            <a:endParaRPr lang="en-US" dirty="0"/>
           </a:p>
         </p:txBody>
       </p:sp>
@@ -23764,7 +22946,7 @@
         </p:nvSpPr>
         <p:spPr>
           <a:xfrm>
-            <a:off x="8027119" y="3844506"/>
+            <a:off x="7717393" y="3969000"/>
             <a:ext cx="1828325" cy="553726"/>
           </a:xfrm>
           <a:prstGeom prst="rect">
@@ -23899,7 +23081,7 @@
         </p:nvSpPr>
         <p:spPr>
           <a:xfrm>
-            <a:off x="8027120" y="3871556"/>
+            <a:off x="7717394" y="3996050"/>
             <a:ext cx="1828324" cy="707702"/>
           </a:xfrm>
           <a:prstGeom prst="rect">
@@ -23941,7 +23123,7 @@
         </p:nvGrpSpPr>
         <p:grpSpPr>
           <a:xfrm>
-            <a:off x="10103956" y="4579258"/>
+            <a:off x="9794230" y="4703752"/>
             <a:ext cx="1530012" cy="1331778"/>
             <a:chOff x="7871782" y="4724400"/>
             <a:chExt cx="1804030" cy="1577874"/>
@@ -24015,7 +23197,7 @@
         </p:nvGrpSpPr>
         <p:grpSpPr>
           <a:xfrm>
-            <a:off x="3858172" y="4108569"/>
+            <a:off x="3548446" y="4233063"/>
             <a:ext cx="1027944" cy="800956"/>
             <a:chOff x="2867036" y="4066509"/>
             <a:chExt cx="1028212" cy="801165"/>
@@ -24123,7 +23305,7 @@
         </p:nvSpPr>
         <p:spPr>
           <a:xfrm>
-            <a:off x="2580726" y="5008241"/>
+            <a:off x="2271000" y="5132735"/>
             <a:ext cx="1612385" cy="553854"/>
           </a:xfrm>
           <a:prstGeom prst="rect">
@@ -24263,7 +23445,7 @@
         </p:nvSpPr>
         <p:spPr>
           <a:xfrm>
-            <a:off x="4482741" y="5002909"/>
+            <a:off x="4173015" y="5127403"/>
             <a:ext cx="1612385" cy="553854"/>
           </a:xfrm>
           <a:prstGeom prst="rect">
@@ -24403,7 +23585,7 @@
         </p:nvSpPr>
         <p:spPr>
           <a:xfrm>
-            <a:off x="6303517" y="5000370"/>
+            <a:off x="5993791" y="5124864"/>
             <a:ext cx="1612385" cy="553854"/>
           </a:xfrm>
           <a:prstGeom prst="rect">
@@ -24541,7 +23723,7 @@
         </p:nvGrpSpPr>
         <p:grpSpPr>
           <a:xfrm>
-            <a:off x="5779427" y="4129264"/>
+            <a:off x="5469701" y="4253758"/>
             <a:ext cx="1027944" cy="780261"/>
             <a:chOff x="4788791" y="4087210"/>
             <a:chExt cx="1028212" cy="780464"/>
@@ -24647,7 +23829,7 @@
         </p:nvGrpSpPr>
         <p:grpSpPr>
           <a:xfrm>
-            <a:off x="5676238" y="5674338"/>
+            <a:off x="5366512" y="5798832"/>
             <a:ext cx="1243520" cy="648829"/>
             <a:chOff x="4685576" y="5632686"/>
             <a:chExt cx="1243844" cy="648998"/>
@@ -24753,7 +23935,7 @@
         </p:nvGrpSpPr>
         <p:grpSpPr>
           <a:xfrm>
-            <a:off x="3747097" y="5671291"/>
+            <a:off x="3437371" y="5795785"/>
             <a:ext cx="1243520" cy="656569"/>
             <a:chOff x="2755932" y="5629638"/>
             <a:chExt cx="1243844" cy="656740"/>
@@ -25074,7 +24256,7 @@
                                     <p:cond delay="0"/>
                                   </p:stCondLst>
                                   <p:childTnLst>
-                                    <p:animMotion origin="layout" path="M -0.01211 2.59259E-6 L 0.29857 0.00023 " pathEditMode="relative" rAng="0" ptsTypes="AA">
+                                    <p:animMotion origin="layout" path="M -0.01211 -2.96296E-6 L 0.29857 0.00023 " pathEditMode="relative" rAng="0" ptsTypes="AA">
                                       <p:cBhvr>
                                         <p:cTn id="10" dur="2000" fill="hold"/>
                                         <p:tgtEl>
@@ -25149,7 +24331,7 @@
                                     <p:cond delay="0"/>
                                   </p:stCondLst>
                                   <p:childTnLst>
-                                    <p:animMotion origin="layout" path="M -3.125E-6 -4.44444E-6 L 0.14167 -0.0905 " pathEditMode="relative" rAng="0" ptsTypes="AA">
+                                    <p:animMotion origin="layout" path="M -2.29167E-6 0 L 0.14167 -0.09051 " pathEditMode="relative" rAng="0" ptsTypes="AA">
                                       <p:cBhvr>
                                         <p:cTn id="17" dur="2000" fill="hold"/>
                                         <p:tgtEl>
@@ -25224,7 +24406,7 @@
                                     <p:cond delay="0"/>
                                   </p:stCondLst>
                                   <p:childTnLst>
-                                    <p:animMotion origin="layout" path="M 0.14167 -0.09051 L -3.125E-6 -4.44444E-6 " pathEditMode="relative" rAng="0" ptsTypes="AA">
+                                    <p:animMotion origin="layout" path="M 0.14167 -0.09051 L -2.29167E-6 0 " pathEditMode="relative" rAng="0" ptsTypes="AA">
                                       <p:cBhvr>
                                         <p:cTn id="24" dur="2000" fill="hold"/>
                                         <p:tgtEl>
@@ -25235,7 +24417,7 @@
                                           <p:attrName>ppt_y</p:attrName>
                                         </p:attrNameLst>
                                       </p:cBhvr>
-                                      <p:rCtr x="-7344" y="4769"/>
+                                      <p:rCtr x="-7083" y="4514"/>
                                     </p:animMotion>
                                   </p:childTnLst>
                                 </p:cTn>
@@ -25308,7 +24490,7 @@
                                     <p:cond delay="0"/>
                                   </p:stCondLst>
                                   <p:childTnLst>
-                                    <p:animMotion origin="layout" path="M 0.29856 0.00023 L -3.95833E-6 2.59259E-6 " pathEditMode="relative" rAng="0" ptsTypes="AA">
+                                    <p:animMotion origin="layout" path="M 0.29857 0.00023 L -3.33333E-6 -2.96296E-6 " pathEditMode="relative" rAng="0" ptsTypes="AA">
                                       <p:cBhvr>
                                         <p:cTn id="32" dur="2000" fill="hold"/>
                                         <p:tgtEl>
@@ -25319,7 +24501,7 @@
                                           <p:attrName>ppt_y</p:attrName>
                                         </p:attrNameLst>
                                       </p:cBhvr>
-                                      <p:rCtr x="-15013" y="-46"/>
+                                      <p:rCtr x="-14935" y="-23"/>
                                     </p:animMotion>
                                   </p:childTnLst>
                                 </p:cTn>
@@ -25406,1277 +24588,6 @@
 </file>
 
 <file path=ppt/slides/slide7.xml><?xml version="1.0" encoding="utf-8"?>
-<p:sld xmlns:a="http://schemas.openxmlformats.org/drawingml/2006/main" xmlns:r="http://schemas.openxmlformats.org/officeDocument/2006/relationships" xmlns:p="http://schemas.openxmlformats.org/presentationml/2006/main">
-  <p:cSld>
-    <p:spTree>
-      <p:nvGrpSpPr>
-        <p:cNvPr id="1" name=""/>
-        <p:cNvGrpSpPr/>
-        <p:nvPr/>
-      </p:nvGrpSpPr>
-      <p:grpSpPr>
-        <a:xfrm>
-          <a:off x="0" y="0"/>
-          <a:ext cx="0" cy="0"/>
-          <a:chOff x="0" y="0"/>
-          <a:chExt cx="0" cy="0"/>
-        </a:xfrm>
-      </p:grpSpPr>
-      <p:sp>
-        <p:nvSpPr>
-          <p:cNvPr id="5" name="Text Placeholder 4"/>
-          <p:cNvSpPr>
-            <a:spLocks noGrp="1"/>
-          </p:cNvSpPr>
-          <p:nvPr>
-            <p:ph type="body" sz="quarter" idx="10"/>
-          </p:nvPr>
-        </p:nvSpPr>
-        <p:spPr>
-          <a:xfrm>
-            <a:off x="47627" y="1196126"/>
-            <a:ext cx="12096747" cy="5561125"/>
-          </a:xfrm>
-        </p:spPr>
-        <p:txBody>
-          <a:bodyPr vert="horz" lIns="108000" tIns="36000" rIns="108000" bIns="36000" rtlCol="0" anchor="t">
-            <a:normAutofit/>
-          </a:bodyPr>
-          <a:lstStyle/>
-          <a:p>
-            <a:pPr marL="360045" indent="-360045">
-              <a:lnSpc>
-                <a:spcPct val="100000"/>
-              </a:lnSpc>
-            </a:pPr>
-            <a:r>
-              <a:rPr lang="en-GB" sz="3600" dirty="0"/>
-              <a:t>Техника за решаване на проблем (в CS)</a:t>
-            </a:r>
-            <a:endParaRPr lang="bg-BG" dirty="0"/>
-          </a:p>
-          <a:p>
-            <a:pPr lvl="1" indent="-360045">
-              <a:lnSpc>
-                <a:spcPct val="100000"/>
-              </a:lnSpc>
-            </a:pPr>
-            <a:r>
-              <a:rPr lang="en-GB" sz="3400" dirty="0"/>
-              <a:t>Включва </a:t>
-            </a:r>
-            <a:r>
-              <a:rPr lang="en-GB" sz="3400" b="1" dirty="0">
-                <a:solidFill>
-                  <a:schemeClr val="bg1"/>
-                </a:solidFill>
-              </a:rPr>
-              <a:t>функция, която се самоизвиква</a:t>
-            </a:r>
-            <a:endParaRPr lang="bg-BG" sz="3400" b="1" dirty="0">
-              <a:solidFill>
-                <a:schemeClr val="bg1"/>
-              </a:solidFill>
-              <a:cs typeface="Calibri"/>
-            </a:endParaRPr>
-          </a:p>
-          <a:p>
-            <a:pPr lvl="1" indent="-360045">
-              <a:lnSpc>
-                <a:spcPct val="100000"/>
-              </a:lnSpc>
-            </a:pPr>
-            <a:r>
-              <a:rPr lang="en-GB" sz="3400" dirty="0"/>
-              <a:t>Функцията трябва да има </a:t>
-            </a:r>
-            <a:r>
-              <a:rPr lang="en-GB" sz="3400" b="1" dirty="0">
-                <a:solidFill>
-                  <a:schemeClr val="bg1"/>
-                </a:solidFill>
-              </a:rPr>
-              <a:t>основен случай</a:t>
-            </a:r>
-            <a:endParaRPr lang="en-GB" sz="3400" b="1" dirty="0">
-              <a:solidFill>
-                <a:schemeClr val="bg1"/>
-              </a:solidFill>
-              <a:cs typeface="Calibri"/>
-            </a:endParaRPr>
-          </a:p>
-          <a:p>
-            <a:pPr lvl="1" indent="-360045">
-              <a:lnSpc>
-                <a:spcPct val="100000"/>
-              </a:lnSpc>
-              <a:buClr>
-                <a:schemeClr val="tx1"/>
-              </a:buClr>
-            </a:pPr>
-            <a:r>
-              <a:rPr lang="en-GB" sz="3400" b="1" dirty="0">
-                <a:solidFill>
-                  <a:schemeClr val="bg1"/>
-                </a:solidFill>
-              </a:rPr>
-              <a:t>Всяка стъпка </a:t>
-            </a:r>
-            <a:r>
-              <a:rPr lang="en-GB" sz="3400" dirty="0">
-                <a:ea typeface="+mn-lt"/>
-                <a:cs typeface="+mn-lt"/>
-              </a:rPr>
-              <a:t>на рекурсията трябва да се придвижи към основния случай </a:t>
-            </a:r>
-            <a:endParaRPr lang="bg-BG" sz="3400" b="1" dirty="0">
-              <a:solidFill>
-                <a:schemeClr val="bg1"/>
-              </a:solidFill>
-              <a:cs typeface="Calibri"/>
-            </a:endParaRPr>
-          </a:p>
-          <a:p>
-            <a:pPr marL="360045" indent="-360045"/>
-            <a:endParaRPr lang="en-US" dirty="0">
-              <a:cs typeface="Calibri"/>
-            </a:endParaRPr>
-          </a:p>
-        </p:txBody>
-      </p:sp>
-      <p:sp>
-        <p:nvSpPr>
-          <p:cNvPr id="6" name="Title 5"/>
-          <p:cNvSpPr>
-            <a:spLocks noGrp="1"/>
-          </p:cNvSpPr>
-          <p:nvPr>
-            <p:ph type="title"/>
-          </p:nvPr>
-        </p:nvSpPr>
-        <p:spPr/>
-        <p:txBody>
-          <a:bodyPr/>
-          <a:lstStyle/>
-          <a:p>
-            <a:r>
-              <a:rPr lang="en-US" sz="3950" dirty="0"/>
-              <a:t>Рекурсия: Друга дефиниция</a:t>
-            </a:r>
-            <a:endParaRPr lang="en-US" sz="3950" dirty="0">
-              <a:cs typeface="Calibri"/>
-            </a:endParaRPr>
-          </a:p>
-        </p:txBody>
-      </p:sp>
-      <p:sp>
-        <p:nvSpPr>
-          <p:cNvPr id="10" name="Plus Sign 3">
-            <a:extLst>
-              <a:ext uri="{FF2B5EF4-FFF2-40B4-BE49-F238E27FC236}">
-                <a16:creationId xmlns:a16="http://schemas.microsoft.com/office/drawing/2014/main" id="{DB4B9426-FE40-4D71-9699-7CA11CDFF208}"/>
-              </a:ext>
-            </a:extLst>
-          </p:cNvPr>
-          <p:cNvSpPr/>
-          <p:nvPr/>
-        </p:nvSpPr>
-        <p:spPr>
-          <a:xfrm>
-            <a:off x="7328531" y="5296617"/>
-            <a:ext cx="228540" cy="228540"/>
-          </a:xfrm>
-          <a:prstGeom prst="mathPlus">
-            <a:avLst/>
-          </a:prstGeom>
-          <a:ln>
-            <a:noFill/>
-          </a:ln>
-        </p:spPr>
-        <p:style>
-          <a:lnRef idx="2">
-            <a:schemeClr val="accent1">
-              <a:shade val="50000"/>
-            </a:schemeClr>
-          </a:lnRef>
-          <a:fillRef idx="1">
-            <a:schemeClr val="accent1"/>
-          </a:fillRef>
-          <a:effectRef idx="0">
-            <a:schemeClr val="accent1"/>
-          </a:effectRef>
-          <a:fontRef idx="minor">
-            <a:schemeClr val="lt1"/>
-          </a:fontRef>
-        </p:style>
-        <p:txBody>
-          <a:bodyPr rtlCol="0" anchor="ctr"/>
-          <a:lstStyle/>
-          <a:p>
-            <a:pPr algn="ctr"/>
-            <a:endParaRPr lang="en-GB" sz="2799" dirty="0"/>
-          </a:p>
-        </p:txBody>
-      </p:sp>
-      <p:sp>
-        <p:nvSpPr>
-          <p:cNvPr id="11" name="AutoShape 25">
-            <a:extLst>
-              <a:ext uri="{FF2B5EF4-FFF2-40B4-BE49-F238E27FC236}">
-                <a16:creationId xmlns:a16="http://schemas.microsoft.com/office/drawing/2014/main" id="{D2693811-17BD-4FFE-96C6-562C7595424A}"/>
-              </a:ext>
-            </a:extLst>
-          </p:cNvPr>
-          <p:cNvSpPr>
-            <a:spLocks/>
-          </p:cNvSpPr>
-          <p:nvPr/>
-        </p:nvSpPr>
-        <p:spPr bwMode="auto">
-          <a:xfrm rot="5400000">
-            <a:off x="2999766" y="3514281"/>
-            <a:ext cx="287262" cy="2709911"/>
-          </a:xfrm>
-          <a:prstGeom prst="leftBrace">
-            <a:avLst>
-              <a:gd name="adj1" fmla="val 91897"/>
-              <a:gd name="adj2" fmla="val 50000"/>
-            </a:avLst>
-          </a:prstGeom>
-          <a:noFill/>
-          <a:ln w="31750">
-            <a:solidFill>
-              <a:srgbClr val="FFA000"/>
-            </a:solidFill>
-            <a:round/>
-            <a:headEnd/>
-            <a:tailEnd/>
-          </a:ln>
-          <a:effectLst>
-            <a:outerShdw dist="17961" dir="2700000" algn="ctr" rotWithShape="0">
-              <a:schemeClr val="bg1">
-                <a:lumMod val="75000"/>
-                <a:lumOff val="25000"/>
-              </a:schemeClr>
-            </a:outerShdw>
-          </a:effectLst>
-        </p:spPr>
-        <p:txBody>
-          <a:bodyPr vert="eaVert" wrap="none" anchor="ctr"/>
-          <a:lstStyle/>
-          <a:p>
-            <a:endParaRPr lang="bg-BG" sz="1799" dirty="0">
-              <a:ln>
-                <a:solidFill>
-                  <a:schemeClr val="accent5">
-                    <a:lumMod val="20000"/>
-                    <a:lumOff val="80000"/>
-                  </a:schemeClr>
-                </a:solidFill>
-              </a:ln>
-              <a:effectLst>
-                <a:outerShdw blurRad="38100" dist="38100" dir="2700000" algn="tl">
-                  <a:srgbClr val="000000">
-                    <a:alpha val="43137"/>
-                  </a:srgbClr>
-                </a:outerShdw>
-              </a:effectLst>
-            </a:endParaRPr>
-          </a:p>
-        </p:txBody>
-      </p:sp>
-      <p:sp>
-        <p:nvSpPr>
-          <p:cNvPr id="12" name="TextBox 11">
-            <a:extLst>
-              <a:ext uri="{FF2B5EF4-FFF2-40B4-BE49-F238E27FC236}">
-                <a16:creationId xmlns:a16="http://schemas.microsoft.com/office/drawing/2014/main" id="{95BFE530-54EC-46A0-8449-CC92519BD3A8}"/>
-              </a:ext>
-            </a:extLst>
-          </p:cNvPr>
-          <p:cNvSpPr txBox="1"/>
-          <p:nvPr/>
-        </p:nvSpPr>
-        <p:spPr>
-          <a:xfrm>
-            <a:off x="2251206" y="4150267"/>
-            <a:ext cx="1784383" cy="523084"/>
-          </a:xfrm>
-          <a:prstGeom prst="rect">
-            <a:avLst/>
-          </a:prstGeom>
-          <a:noFill/>
-        </p:spPr>
-        <p:txBody>
-          <a:bodyPr wrap="none" rtlCol="0">
-            <a:spAutoFit/>
-          </a:bodyPr>
-          <a:lstStyle/>
-          <a:p>
-            <a:r>
-              <a:rPr lang="en-GB" sz="2799" dirty="0"/>
-              <a:t>Sum(array)</a:t>
-            </a:r>
-          </a:p>
-        </p:txBody>
-      </p:sp>
-      <p:sp>
-        <p:nvSpPr>
-          <p:cNvPr id="13" name="AutoShape 25">
-            <a:extLst>
-              <a:ext uri="{FF2B5EF4-FFF2-40B4-BE49-F238E27FC236}">
-                <a16:creationId xmlns:a16="http://schemas.microsoft.com/office/drawing/2014/main" id="{8A8A7BDC-39A0-4BFC-BDE0-E43A88957E79}"/>
-              </a:ext>
-            </a:extLst>
-          </p:cNvPr>
-          <p:cNvSpPr>
-            <a:spLocks/>
-          </p:cNvSpPr>
-          <p:nvPr/>
-        </p:nvSpPr>
-        <p:spPr bwMode="auto">
-          <a:xfrm rot="5400000">
-            <a:off x="8696137" y="3726642"/>
-            <a:ext cx="287262" cy="2199730"/>
-          </a:xfrm>
-          <a:prstGeom prst="leftBrace">
-            <a:avLst>
-              <a:gd name="adj1" fmla="val 91897"/>
-              <a:gd name="adj2" fmla="val 50000"/>
-            </a:avLst>
-          </a:prstGeom>
-          <a:noFill/>
-          <a:ln w="31750">
-            <a:solidFill>
-              <a:srgbClr val="FFA000"/>
-            </a:solidFill>
-            <a:round/>
-            <a:headEnd/>
-            <a:tailEnd/>
-          </a:ln>
-          <a:effectLst>
-            <a:outerShdw dist="17961" dir="2700000" algn="ctr" rotWithShape="0">
-              <a:schemeClr val="bg1">
-                <a:lumMod val="75000"/>
-                <a:lumOff val="25000"/>
-              </a:schemeClr>
-            </a:outerShdw>
-          </a:effectLst>
-        </p:spPr>
-        <p:txBody>
-          <a:bodyPr vert="eaVert" wrap="none" anchor="ctr"/>
-          <a:lstStyle/>
-          <a:p>
-            <a:endParaRPr lang="bg-BG" sz="1799" dirty="0">
-              <a:ln>
-                <a:solidFill>
-                  <a:schemeClr val="accent5">
-                    <a:lumMod val="20000"/>
-                    <a:lumOff val="80000"/>
-                  </a:schemeClr>
-                </a:solidFill>
-              </a:ln>
-              <a:effectLst>
-                <a:outerShdw blurRad="38100" dist="38100" dir="2700000" algn="tl">
-                  <a:srgbClr val="000000">
-                    <a:alpha val="43137"/>
-                  </a:srgbClr>
-                </a:outerShdw>
-              </a:effectLst>
-            </a:endParaRPr>
-          </a:p>
-        </p:txBody>
-      </p:sp>
-      <p:sp>
-        <p:nvSpPr>
-          <p:cNvPr id="14" name="TextBox 13">
-            <a:extLst>
-              <a:ext uri="{FF2B5EF4-FFF2-40B4-BE49-F238E27FC236}">
-                <a16:creationId xmlns:a16="http://schemas.microsoft.com/office/drawing/2014/main" id="{DA8B4037-671C-4200-B186-D1D9DE1A0A62}"/>
-              </a:ext>
-            </a:extLst>
-          </p:cNvPr>
-          <p:cNvSpPr txBox="1"/>
-          <p:nvPr/>
-        </p:nvSpPr>
-        <p:spPr>
-          <a:xfrm>
-            <a:off x="6216301" y="4130812"/>
-            <a:ext cx="4068928" cy="523084"/>
-          </a:xfrm>
-          <a:prstGeom prst="rect">
-            <a:avLst/>
-          </a:prstGeom>
-          <a:noFill/>
-        </p:spPr>
-        <p:txBody>
-          <a:bodyPr wrap="square" rtlCol="0">
-            <a:spAutoFit/>
-          </a:bodyPr>
-          <a:lstStyle/>
-          <a:p>
-            <a:r>
-              <a:rPr lang="en-GB" sz="2799" dirty="0"/>
-              <a:t>array[0] + Sum(sub-array)</a:t>
-            </a:r>
-          </a:p>
-        </p:txBody>
-      </p:sp>
-      <p:graphicFrame>
-        <p:nvGraphicFramePr>
-          <p:cNvPr id="2" name="Table 1"/>
-          <p:cNvGraphicFramePr>
-            <a:graphicFrameLocks noGrp="1"/>
-          </p:cNvGraphicFramePr>
-          <p:nvPr>
-            <p:extLst>
-              <p:ext uri="{D42A27DB-BD31-4B8C-83A1-F6EECF244321}">
-                <p14:modId xmlns:p14="http://schemas.microsoft.com/office/powerpoint/2010/main" val="143571704"/>
-              </p:ext>
-            </p:extLst>
-          </p:nvPr>
-        </p:nvGraphicFramePr>
-        <p:xfrm>
-          <a:off x="1781651" y="5182686"/>
-          <a:ext cx="2742485" cy="457176"/>
-        </p:xfrm>
-        <a:graphic>
-          <a:graphicData uri="http://schemas.openxmlformats.org/drawingml/2006/table">
-            <a:tbl>
-              <a:tblPr bandRow="1">
-                <a:tableStyleId>{5C22544A-7EE6-4342-B048-85BDC9FD1C3A}</a:tableStyleId>
-              </a:tblPr>
-              <a:tblGrid>
-                <a:gridCol w="548497">
-                  <a:extLst>
-                    <a:ext uri="{9D8B030D-6E8A-4147-A177-3AD203B41FA5}">
-                      <a16:colId xmlns:a16="http://schemas.microsoft.com/office/drawing/2014/main" val="2266978195"/>
-                    </a:ext>
-                  </a:extLst>
-                </a:gridCol>
-                <a:gridCol w="548497">
-                  <a:extLst>
-                    <a:ext uri="{9D8B030D-6E8A-4147-A177-3AD203B41FA5}">
-                      <a16:colId xmlns:a16="http://schemas.microsoft.com/office/drawing/2014/main" val="1895795396"/>
-                    </a:ext>
-                  </a:extLst>
-                </a:gridCol>
-                <a:gridCol w="548497">
-                  <a:extLst>
-                    <a:ext uri="{9D8B030D-6E8A-4147-A177-3AD203B41FA5}">
-                      <a16:colId xmlns:a16="http://schemas.microsoft.com/office/drawing/2014/main" val="1851605980"/>
-                    </a:ext>
-                  </a:extLst>
-                </a:gridCol>
-                <a:gridCol w="548497">
-                  <a:extLst>
-                    <a:ext uri="{9D8B030D-6E8A-4147-A177-3AD203B41FA5}">
-                      <a16:colId xmlns:a16="http://schemas.microsoft.com/office/drawing/2014/main" val="2206337226"/>
-                    </a:ext>
-                  </a:extLst>
-                </a:gridCol>
-                <a:gridCol w="548497">
-                  <a:extLst>
-                    <a:ext uri="{9D8B030D-6E8A-4147-A177-3AD203B41FA5}">
-                      <a16:colId xmlns:a16="http://schemas.microsoft.com/office/drawing/2014/main" val="3431439758"/>
-                    </a:ext>
-                  </a:extLst>
-                </a:gridCol>
-              </a:tblGrid>
-              <a:tr h="456764">
-                <a:tc>
-                  <a:txBody>
-                    <a:bodyPr/>
-                    <a:lstStyle/>
-                    <a:p>
-                      <a:pPr algn="ctr"/>
-                      <a:r>
-                        <a:rPr lang="en-US" sz="2400" dirty="0"/>
-                        <a:t>1</a:t>
-                      </a:r>
-                    </a:p>
-                  </a:txBody>
-                  <a:tcPr marL="91416" marR="91416" marT="45708" marB="45708"/>
-                </a:tc>
-                <a:tc>
-                  <a:txBody>
-                    <a:bodyPr/>
-                    <a:lstStyle/>
-                    <a:p>
-                      <a:pPr algn="ctr"/>
-                      <a:r>
-                        <a:rPr lang="en-US" sz="2400" dirty="0"/>
-                        <a:t>2</a:t>
-                      </a:r>
-                    </a:p>
-                  </a:txBody>
-                  <a:tcPr marL="91416" marR="91416" marT="45708" marB="45708"/>
-                </a:tc>
-                <a:tc>
-                  <a:txBody>
-                    <a:bodyPr/>
-                    <a:lstStyle/>
-                    <a:p>
-                      <a:pPr algn="ctr"/>
-                      <a:r>
-                        <a:rPr lang="en-US" sz="2400" dirty="0"/>
-                        <a:t>3</a:t>
-                      </a:r>
-                    </a:p>
-                  </a:txBody>
-                  <a:tcPr marL="91416" marR="91416" marT="45708" marB="45708"/>
-                </a:tc>
-                <a:tc>
-                  <a:txBody>
-                    <a:bodyPr/>
-                    <a:lstStyle/>
-                    <a:p>
-                      <a:pPr algn="ctr"/>
-                      <a:r>
-                        <a:rPr lang="en-US" sz="2400" dirty="0"/>
-                        <a:t>4</a:t>
-                      </a:r>
-                    </a:p>
-                  </a:txBody>
-                  <a:tcPr marL="91416" marR="91416" marT="45708" marB="45708"/>
-                </a:tc>
-                <a:tc>
-                  <a:txBody>
-                    <a:bodyPr/>
-                    <a:lstStyle/>
-                    <a:p>
-                      <a:pPr algn="ctr"/>
-                      <a:r>
-                        <a:rPr lang="en-US" sz="2400" dirty="0"/>
-                        <a:t>5</a:t>
-                      </a:r>
-                    </a:p>
-                  </a:txBody>
-                  <a:tcPr marL="91416" marR="91416" marT="45708" marB="45708"/>
-                </a:tc>
-                <a:extLst>
-                  <a:ext uri="{0D108BD9-81ED-4DB2-BD59-A6C34878D82A}">
-                    <a16:rowId xmlns:a16="http://schemas.microsoft.com/office/drawing/2014/main" val="202916066"/>
-                  </a:ext>
-                </a:extLst>
-              </a:tr>
-            </a:tbl>
-          </a:graphicData>
-        </a:graphic>
-      </p:graphicFrame>
-      <p:graphicFrame>
-        <p:nvGraphicFramePr>
-          <p:cNvPr id="3" name="Table 2"/>
-          <p:cNvGraphicFramePr>
-            <a:graphicFrameLocks noGrp="1"/>
-          </p:cNvGraphicFramePr>
-          <p:nvPr>
-            <p:extLst>
-              <p:ext uri="{D42A27DB-BD31-4B8C-83A1-F6EECF244321}">
-                <p14:modId xmlns:p14="http://schemas.microsoft.com/office/powerpoint/2010/main" val="3150078117"/>
-              </p:ext>
-            </p:extLst>
-          </p:nvPr>
-        </p:nvGraphicFramePr>
-        <p:xfrm>
-          <a:off x="7739903" y="5182686"/>
-          <a:ext cx="2229900" cy="457176"/>
-        </p:xfrm>
-        <a:graphic>
-          <a:graphicData uri="http://schemas.openxmlformats.org/drawingml/2006/table">
-            <a:tbl>
-              <a:tblPr bandRow="1">
-                <a:tableStyleId>{5C22544A-7EE6-4342-B048-85BDC9FD1C3A}</a:tableStyleId>
-              </a:tblPr>
-              <a:tblGrid>
-                <a:gridCol w="557475">
-                  <a:extLst>
-                    <a:ext uri="{9D8B030D-6E8A-4147-A177-3AD203B41FA5}">
-                      <a16:colId xmlns:a16="http://schemas.microsoft.com/office/drawing/2014/main" val="482027775"/>
-                    </a:ext>
-                  </a:extLst>
-                </a:gridCol>
-                <a:gridCol w="557475">
-                  <a:extLst>
-                    <a:ext uri="{9D8B030D-6E8A-4147-A177-3AD203B41FA5}">
-                      <a16:colId xmlns:a16="http://schemas.microsoft.com/office/drawing/2014/main" val="1179951204"/>
-                    </a:ext>
-                  </a:extLst>
-                </a:gridCol>
-                <a:gridCol w="557475">
-                  <a:extLst>
-                    <a:ext uri="{9D8B030D-6E8A-4147-A177-3AD203B41FA5}">
-                      <a16:colId xmlns:a16="http://schemas.microsoft.com/office/drawing/2014/main" val="4130443918"/>
-                    </a:ext>
-                  </a:extLst>
-                </a:gridCol>
-                <a:gridCol w="557475">
-                  <a:extLst>
-                    <a:ext uri="{9D8B030D-6E8A-4147-A177-3AD203B41FA5}">
-                      <a16:colId xmlns:a16="http://schemas.microsoft.com/office/drawing/2014/main" val="1872290254"/>
-                    </a:ext>
-                  </a:extLst>
-                </a:gridCol>
-              </a:tblGrid>
-              <a:tr h="456764">
-                <a:tc>
-                  <a:txBody>
-                    <a:bodyPr/>
-                    <a:lstStyle/>
-                    <a:p>
-                      <a:pPr algn="ctr"/>
-                      <a:r>
-                        <a:rPr lang="en-US" sz="2400" dirty="0"/>
-                        <a:t>2</a:t>
-                      </a:r>
-                    </a:p>
-                  </a:txBody>
-                  <a:tcPr marL="91416" marR="91416" marT="45708" marB="45708"/>
-                </a:tc>
-                <a:tc>
-                  <a:txBody>
-                    <a:bodyPr/>
-                    <a:lstStyle/>
-                    <a:p>
-                      <a:pPr algn="ctr"/>
-                      <a:r>
-                        <a:rPr lang="en-US" sz="2400" dirty="0"/>
-                        <a:t>3</a:t>
-                      </a:r>
-                    </a:p>
-                  </a:txBody>
-                  <a:tcPr marL="91416" marR="91416" marT="45708" marB="45708"/>
-                </a:tc>
-                <a:tc>
-                  <a:txBody>
-                    <a:bodyPr/>
-                    <a:lstStyle/>
-                    <a:p>
-                      <a:pPr algn="ctr"/>
-                      <a:r>
-                        <a:rPr lang="en-US" sz="2400" dirty="0"/>
-                        <a:t>4</a:t>
-                      </a:r>
-                    </a:p>
-                  </a:txBody>
-                  <a:tcPr marL="91416" marR="91416" marT="45708" marB="45708"/>
-                </a:tc>
-                <a:tc>
-                  <a:txBody>
-                    <a:bodyPr/>
-                    <a:lstStyle/>
-                    <a:p>
-                      <a:pPr algn="ctr"/>
-                      <a:r>
-                        <a:rPr lang="en-US" sz="2400" dirty="0"/>
-                        <a:t>5</a:t>
-                      </a:r>
-                    </a:p>
-                  </a:txBody>
-                  <a:tcPr marL="91416" marR="91416" marT="45708" marB="45708"/>
-                </a:tc>
-                <a:extLst>
-                  <a:ext uri="{0D108BD9-81ED-4DB2-BD59-A6C34878D82A}">
-                    <a16:rowId xmlns:a16="http://schemas.microsoft.com/office/drawing/2014/main" val="1665570406"/>
-                  </a:ext>
-                </a:extLst>
-              </a:tr>
-            </a:tbl>
-          </a:graphicData>
-        </a:graphic>
-      </p:graphicFrame>
-      <p:graphicFrame>
-        <p:nvGraphicFramePr>
-          <p:cNvPr id="4" name="Table 3"/>
-          <p:cNvGraphicFramePr>
-            <a:graphicFrameLocks noGrp="1"/>
-          </p:cNvGraphicFramePr>
-          <p:nvPr>
-            <p:extLst>
-              <p:ext uri="{D42A27DB-BD31-4B8C-83A1-F6EECF244321}">
-                <p14:modId xmlns:p14="http://schemas.microsoft.com/office/powerpoint/2010/main" val="3251617455"/>
-              </p:ext>
-            </p:extLst>
-          </p:nvPr>
-        </p:nvGraphicFramePr>
-        <p:xfrm>
-          <a:off x="6633113" y="5182505"/>
-          <a:ext cx="512586" cy="457176"/>
-        </p:xfrm>
-        <a:graphic>
-          <a:graphicData uri="http://schemas.openxmlformats.org/drawingml/2006/table">
-            <a:tbl>
-              <a:tblPr bandRow="1">
-                <a:tableStyleId>{5C22544A-7EE6-4342-B048-85BDC9FD1C3A}</a:tableStyleId>
-              </a:tblPr>
-              <a:tblGrid>
-                <a:gridCol w="512586">
-                  <a:extLst>
-                    <a:ext uri="{9D8B030D-6E8A-4147-A177-3AD203B41FA5}">
-                      <a16:colId xmlns:a16="http://schemas.microsoft.com/office/drawing/2014/main" val="3370636863"/>
-                    </a:ext>
-                  </a:extLst>
-                </a:gridCol>
-              </a:tblGrid>
-              <a:tr h="456764">
-                <a:tc>
-                  <a:txBody>
-                    <a:bodyPr/>
-                    <a:lstStyle/>
-                    <a:p>
-                      <a:pPr algn="ctr"/>
-                      <a:r>
-                        <a:rPr lang="en-US" sz="2400" dirty="0"/>
-                        <a:t>1</a:t>
-                      </a:r>
-                    </a:p>
-                  </a:txBody>
-                  <a:tcPr marL="91416" marR="91416" marT="45708" marB="45708"/>
-                </a:tc>
-                <a:extLst>
-                  <a:ext uri="{0D108BD9-81ED-4DB2-BD59-A6C34878D82A}">
-                    <a16:rowId xmlns:a16="http://schemas.microsoft.com/office/drawing/2014/main" val="411361186"/>
-                  </a:ext>
-                </a:extLst>
-              </a:tr>
-            </a:tbl>
-          </a:graphicData>
-        </a:graphic>
-      </p:graphicFrame>
-      <p:sp>
-        <p:nvSpPr>
-          <p:cNvPr id="16" name="Slide Number">
-            <a:extLst>
-              <a:ext uri="{FF2B5EF4-FFF2-40B4-BE49-F238E27FC236}">
-                <a16:creationId xmlns:a16="http://schemas.microsoft.com/office/drawing/2014/main" id="{F6576F0F-2193-49B9-91DC-196FBF4B0BF7}"/>
-              </a:ext>
-            </a:extLst>
-          </p:cNvPr>
-          <p:cNvSpPr>
-            <a:spLocks noGrp="1"/>
-          </p:cNvSpPr>
-          <p:nvPr>
-            <p:ph type="sldNum" sz="quarter" idx="5"/>
-          </p:nvPr>
-        </p:nvSpPr>
-        <p:spPr>
-          <a:xfrm>
-            <a:off x="11753030" y="6507000"/>
-            <a:ext cx="367414" cy="297000"/>
-          </a:xfrm>
-          <a:prstGeom prst="rect">
-            <a:avLst/>
-          </a:prstGeom>
-        </p:spPr>
-        <p:txBody>
-          <a:bodyPr vert="horz" lIns="91440" tIns="45720" rIns="91440" bIns="45720" rtlCol="0" anchor="b"/>
-          <a:lstStyle>
-            <a:lvl1pPr algn="r">
-              <a:defRPr sz="1000"/>
-            </a:lvl1pPr>
-          </a:lstStyle>
-          <a:p>
-            <a:fld id="{2BF067CD-8E6B-4360-9AA8-C5DF2A48A6D1}" type="slidenum">
-              <a:rPr lang="en-US" noProof="0" smtClean="0"/>
-              <a:pPr/>
-              <a:t>7</a:t>
-            </a:fld>
-            <a:endParaRPr lang="en-US" noProof="0" dirty="0"/>
-          </a:p>
-        </p:txBody>
-      </p:sp>
-    </p:spTree>
-    <p:extLst>
-      <p:ext uri="{BB962C8B-B14F-4D97-AF65-F5344CB8AC3E}">
-        <p14:creationId xmlns:p14="http://schemas.microsoft.com/office/powerpoint/2010/main" val="2049062101"/>
-      </p:ext>
-    </p:extLst>
-  </p:cSld>
-  <p:clrMapOvr>
-    <a:masterClrMapping/>
-  </p:clrMapOvr>
-  <mc:AlternateContent xmlns:mc="http://schemas.openxmlformats.org/markup-compatibility/2006" xmlns:p14="http://schemas.microsoft.com/office/powerpoint/2010/main">
-    <mc:Choice Requires="p14">
-      <p:transition spd="slow" p14:dur="2000" advClick="0" advTm="5000"/>
-    </mc:Choice>
-    <mc:Fallback xmlns="">
-      <p:transition spd="slow" advClick="0" advTm="5000"/>
-    </mc:Fallback>
-  </mc:AlternateContent>
-  <p:timing>
-    <p:tnLst>
-      <p:par>
-        <p:cTn id="1" dur="indefinite" restart="never" nodeType="tmRoot">
-          <p:childTnLst>
-            <p:seq concurrent="1" nextAc="seek">
-              <p:cTn id="2" dur="indefinite" nodeType="mainSeq">
-                <p:childTnLst>
-                  <p:par>
-                    <p:cTn id="3" fill="hold">
-                      <p:stCondLst>
-                        <p:cond delay="indefinite"/>
-                        <p:cond evt="onBegin" delay="0">
-                          <p:tn val="2"/>
-                        </p:cond>
-                      </p:stCondLst>
-                      <p:childTnLst>
-                        <p:par>
-                          <p:cTn id="4" fill="hold">
-                            <p:stCondLst>
-                              <p:cond delay="0"/>
-                            </p:stCondLst>
-                            <p:childTnLst>
-                              <p:par>
-                                <p:cTn id="5" presetID="1" presetClass="entr" presetSubtype="0" fill="hold" nodeType="withEffect">
-                                  <p:stCondLst>
-                                    <p:cond delay="0"/>
-                                  </p:stCondLst>
-                                  <p:childTnLst>
-                                    <p:set>
-                                      <p:cBhvr>
-                                        <p:cTn id="6" dur="1" fill="hold">
-                                          <p:stCondLst>
-                                            <p:cond delay="0"/>
-                                          </p:stCondLst>
-                                        </p:cTn>
-                                        <p:tgtEl>
-                                          <p:spTgt spid="5">
-                                            <p:txEl>
-                                              <p:pRg st="0" end="0"/>
-                                            </p:txEl>
-                                          </p:spTgt>
-                                        </p:tgtEl>
-                                        <p:attrNameLst>
-                                          <p:attrName>style.visibility</p:attrName>
-                                        </p:attrNameLst>
-                                      </p:cBhvr>
-                                      <p:to>
-                                        <p:strVal val="visible"/>
-                                      </p:to>
-                                    </p:set>
-                                  </p:childTnLst>
-                                </p:cTn>
-                              </p:par>
-                            </p:childTnLst>
-                          </p:cTn>
-                        </p:par>
-                      </p:childTnLst>
-                    </p:cTn>
-                  </p:par>
-                  <p:par>
-                    <p:cTn id="7" fill="hold">
-                      <p:stCondLst>
-                        <p:cond delay="indefinite"/>
-                      </p:stCondLst>
-                      <p:childTnLst>
-                        <p:par>
-                          <p:cTn id="8" fill="hold">
-                            <p:stCondLst>
-                              <p:cond delay="0"/>
-                            </p:stCondLst>
-                            <p:childTnLst>
-                              <p:par>
-                                <p:cTn id="9" presetID="1" presetClass="entr" presetSubtype="0" fill="hold" nodeType="clickEffect">
-                                  <p:stCondLst>
-                                    <p:cond delay="0"/>
-                                  </p:stCondLst>
-                                  <p:childTnLst>
-                                    <p:set>
-                                      <p:cBhvr>
-                                        <p:cTn id="10" dur="1" fill="hold">
-                                          <p:stCondLst>
-                                            <p:cond delay="0"/>
-                                          </p:stCondLst>
-                                        </p:cTn>
-                                        <p:tgtEl>
-                                          <p:spTgt spid="5">
-                                            <p:txEl>
-                                              <p:pRg st="1" end="1"/>
-                                            </p:txEl>
-                                          </p:spTgt>
-                                        </p:tgtEl>
-                                        <p:attrNameLst>
-                                          <p:attrName>style.visibility</p:attrName>
-                                        </p:attrNameLst>
-                                      </p:cBhvr>
-                                      <p:to>
-                                        <p:strVal val="visible"/>
-                                      </p:to>
-                                    </p:set>
-                                  </p:childTnLst>
-                                </p:cTn>
-                              </p:par>
-                            </p:childTnLst>
-                          </p:cTn>
-                        </p:par>
-                      </p:childTnLst>
-                    </p:cTn>
-                  </p:par>
-                  <p:par>
-                    <p:cTn id="11" fill="hold">
-                      <p:stCondLst>
-                        <p:cond delay="indefinite"/>
-                      </p:stCondLst>
-                      <p:childTnLst>
-                        <p:par>
-                          <p:cTn id="12" fill="hold">
-                            <p:stCondLst>
-                              <p:cond delay="0"/>
-                            </p:stCondLst>
-                            <p:childTnLst>
-                              <p:par>
-                                <p:cTn id="13" presetID="1" presetClass="entr" presetSubtype="0" fill="hold" nodeType="clickEffect">
-                                  <p:stCondLst>
-                                    <p:cond delay="0"/>
-                                  </p:stCondLst>
-                                  <p:childTnLst>
-                                    <p:set>
-                                      <p:cBhvr>
-                                        <p:cTn id="14" dur="1" fill="hold">
-                                          <p:stCondLst>
-                                            <p:cond delay="0"/>
-                                          </p:stCondLst>
-                                        </p:cTn>
-                                        <p:tgtEl>
-                                          <p:spTgt spid="5">
-                                            <p:txEl>
-                                              <p:pRg st="2" end="2"/>
-                                            </p:txEl>
-                                          </p:spTgt>
-                                        </p:tgtEl>
-                                        <p:attrNameLst>
-                                          <p:attrName>style.visibility</p:attrName>
-                                        </p:attrNameLst>
-                                      </p:cBhvr>
-                                      <p:to>
-                                        <p:strVal val="visible"/>
-                                      </p:to>
-                                    </p:set>
-                                  </p:childTnLst>
-                                </p:cTn>
-                              </p:par>
-                            </p:childTnLst>
-                          </p:cTn>
-                        </p:par>
-                      </p:childTnLst>
-                    </p:cTn>
-                  </p:par>
-                  <p:par>
-                    <p:cTn id="15" fill="hold">
-                      <p:stCondLst>
-                        <p:cond delay="indefinite"/>
-                      </p:stCondLst>
-                      <p:childTnLst>
-                        <p:par>
-                          <p:cTn id="16" fill="hold">
-                            <p:stCondLst>
-                              <p:cond delay="0"/>
-                            </p:stCondLst>
-                            <p:childTnLst>
-                              <p:par>
-                                <p:cTn id="17" presetID="1" presetClass="entr" presetSubtype="0" fill="hold" nodeType="clickEffect">
-                                  <p:stCondLst>
-                                    <p:cond delay="0"/>
-                                  </p:stCondLst>
-                                  <p:childTnLst>
-                                    <p:set>
-                                      <p:cBhvr>
-                                        <p:cTn id="18" dur="1" fill="hold">
-                                          <p:stCondLst>
-                                            <p:cond delay="0"/>
-                                          </p:stCondLst>
-                                        </p:cTn>
-                                        <p:tgtEl>
-                                          <p:spTgt spid="5">
-                                            <p:txEl>
-                                              <p:pRg st="3" end="3"/>
-                                            </p:txEl>
-                                          </p:spTgt>
-                                        </p:tgtEl>
-                                        <p:attrNameLst>
-                                          <p:attrName>style.visibility</p:attrName>
-                                        </p:attrNameLst>
-                                      </p:cBhvr>
-                                      <p:to>
-                                        <p:strVal val="visible"/>
-                                      </p:to>
-                                    </p:set>
-                                  </p:childTnLst>
-                                </p:cTn>
-                              </p:par>
-                            </p:childTnLst>
-                          </p:cTn>
-                        </p:par>
-                      </p:childTnLst>
-                    </p:cTn>
-                  </p:par>
-                  <p:par>
-                    <p:cTn id="19" fill="hold">
-                      <p:stCondLst>
-                        <p:cond delay="indefinite"/>
-                      </p:stCondLst>
-                      <p:childTnLst>
-                        <p:par>
-                          <p:cTn id="20" fill="hold">
-                            <p:stCondLst>
-                              <p:cond delay="0"/>
-                            </p:stCondLst>
-                            <p:childTnLst>
-                              <p:par>
-                                <p:cTn id="21" presetID="1" presetClass="entr" presetSubtype="0" fill="hold" grpId="0" nodeType="clickEffect">
-                                  <p:stCondLst>
-                                    <p:cond delay="0"/>
-                                  </p:stCondLst>
-                                  <p:childTnLst>
-                                    <p:set>
-                                      <p:cBhvr>
-                                        <p:cTn id="22" dur="1" fill="hold">
-                                          <p:stCondLst>
-                                            <p:cond delay="0"/>
-                                          </p:stCondLst>
-                                        </p:cTn>
-                                        <p:tgtEl>
-                                          <p:spTgt spid="12"/>
-                                        </p:tgtEl>
-                                        <p:attrNameLst>
-                                          <p:attrName>style.visibility</p:attrName>
-                                        </p:attrNameLst>
-                                      </p:cBhvr>
-                                      <p:to>
-                                        <p:strVal val="visible"/>
-                                      </p:to>
-                                    </p:set>
-                                  </p:childTnLst>
-                                </p:cTn>
-                              </p:par>
-                              <p:par>
-                                <p:cTn id="23" presetID="1" presetClass="entr" presetSubtype="0" fill="hold" grpId="0" nodeType="withEffect">
-                                  <p:stCondLst>
-                                    <p:cond delay="0"/>
-                                  </p:stCondLst>
-                                  <p:childTnLst>
-                                    <p:set>
-                                      <p:cBhvr>
-                                        <p:cTn id="24" dur="1" fill="hold">
-                                          <p:stCondLst>
-                                            <p:cond delay="0"/>
-                                          </p:stCondLst>
-                                        </p:cTn>
-                                        <p:tgtEl>
-                                          <p:spTgt spid="11"/>
-                                        </p:tgtEl>
-                                        <p:attrNameLst>
-                                          <p:attrName>style.visibility</p:attrName>
-                                        </p:attrNameLst>
-                                      </p:cBhvr>
-                                      <p:to>
-                                        <p:strVal val="visible"/>
-                                      </p:to>
-                                    </p:set>
-                                  </p:childTnLst>
-                                </p:cTn>
-                              </p:par>
-                              <p:par>
-                                <p:cTn id="25" presetID="1" presetClass="entr" presetSubtype="0" fill="hold" grpId="0" nodeType="withEffect">
-                                  <p:stCondLst>
-                                    <p:cond delay="0"/>
-                                  </p:stCondLst>
-                                  <p:childTnLst>
-                                    <p:set>
-                                      <p:cBhvr>
-                                        <p:cTn id="26" dur="1" fill="hold">
-                                          <p:stCondLst>
-                                            <p:cond delay="0"/>
-                                          </p:stCondLst>
-                                        </p:cTn>
-                                        <p:tgtEl>
-                                          <p:spTgt spid="14"/>
-                                        </p:tgtEl>
-                                        <p:attrNameLst>
-                                          <p:attrName>style.visibility</p:attrName>
-                                        </p:attrNameLst>
-                                      </p:cBhvr>
-                                      <p:to>
-                                        <p:strVal val="visible"/>
-                                      </p:to>
-                                    </p:set>
-                                  </p:childTnLst>
-                                </p:cTn>
-                              </p:par>
-                              <p:par>
-                                <p:cTn id="27" presetID="1" presetClass="entr" presetSubtype="0" fill="hold" grpId="0" nodeType="withEffect">
-                                  <p:stCondLst>
-                                    <p:cond delay="0"/>
-                                  </p:stCondLst>
-                                  <p:childTnLst>
-                                    <p:set>
-                                      <p:cBhvr>
-                                        <p:cTn id="28" dur="1" fill="hold">
-                                          <p:stCondLst>
-                                            <p:cond delay="0"/>
-                                          </p:stCondLst>
-                                        </p:cTn>
-                                        <p:tgtEl>
-                                          <p:spTgt spid="13"/>
-                                        </p:tgtEl>
-                                        <p:attrNameLst>
-                                          <p:attrName>style.visibility</p:attrName>
-                                        </p:attrNameLst>
-                                      </p:cBhvr>
-                                      <p:to>
-                                        <p:strVal val="visible"/>
-                                      </p:to>
-                                    </p:set>
-                                  </p:childTnLst>
-                                </p:cTn>
-                              </p:par>
-                              <p:par>
-                                <p:cTn id="29" presetID="1" presetClass="entr" presetSubtype="0" fill="hold" grpId="0" nodeType="withEffect">
-                                  <p:stCondLst>
-                                    <p:cond delay="0"/>
-                                  </p:stCondLst>
-                                  <p:childTnLst>
-                                    <p:set>
-                                      <p:cBhvr>
-                                        <p:cTn id="30" dur="1" fill="hold">
-                                          <p:stCondLst>
-                                            <p:cond delay="0"/>
-                                          </p:stCondLst>
-                                        </p:cTn>
-                                        <p:tgtEl>
-                                          <p:spTgt spid="10"/>
-                                        </p:tgtEl>
-                                        <p:attrNameLst>
-                                          <p:attrName>style.visibility</p:attrName>
-                                        </p:attrNameLst>
-                                      </p:cBhvr>
-                                      <p:to>
-                                        <p:strVal val="visible"/>
-                                      </p:to>
-                                    </p:set>
-                                  </p:childTnLst>
-                                </p:cTn>
-                              </p:par>
-                              <p:par>
-                                <p:cTn id="31" presetID="1" presetClass="entr" presetSubtype="0" fill="hold" nodeType="withEffect">
-                                  <p:stCondLst>
-                                    <p:cond delay="0"/>
-                                  </p:stCondLst>
-                                  <p:childTnLst>
-                                    <p:set>
-                                      <p:cBhvr>
-                                        <p:cTn id="32" dur="1" fill="hold">
-                                          <p:stCondLst>
-                                            <p:cond delay="0"/>
-                                          </p:stCondLst>
-                                        </p:cTn>
-                                        <p:tgtEl>
-                                          <p:spTgt spid="2"/>
-                                        </p:tgtEl>
-                                        <p:attrNameLst>
-                                          <p:attrName>style.visibility</p:attrName>
-                                        </p:attrNameLst>
-                                      </p:cBhvr>
-                                      <p:to>
-                                        <p:strVal val="visible"/>
-                                      </p:to>
-                                    </p:set>
-                                  </p:childTnLst>
-                                </p:cTn>
-                              </p:par>
-                              <p:par>
-                                <p:cTn id="33" presetID="1" presetClass="entr" presetSubtype="0" fill="hold" nodeType="withEffect">
-                                  <p:stCondLst>
-                                    <p:cond delay="0"/>
-                                  </p:stCondLst>
-                                  <p:childTnLst>
-                                    <p:set>
-                                      <p:cBhvr>
-                                        <p:cTn id="34" dur="1" fill="hold">
-                                          <p:stCondLst>
-                                            <p:cond delay="0"/>
-                                          </p:stCondLst>
-                                        </p:cTn>
-                                        <p:tgtEl>
-                                          <p:spTgt spid="4"/>
-                                        </p:tgtEl>
-                                        <p:attrNameLst>
-                                          <p:attrName>style.visibility</p:attrName>
-                                        </p:attrNameLst>
-                                      </p:cBhvr>
-                                      <p:to>
-                                        <p:strVal val="visible"/>
-                                      </p:to>
-                                    </p:set>
-                                  </p:childTnLst>
-                                </p:cTn>
-                              </p:par>
-                              <p:par>
-                                <p:cTn id="35" presetID="1" presetClass="entr" presetSubtype="0" fill="hold" nodeType="withEffect">
-                                  <p:stCondLst>
-                                    <p:cond delay="0"/>
-                                  </p:stCondLst>
-                                  <p:childTnLst>
-                                    <p:set>
-                                      <p:cBhvr>
-                                        <p:cTn id="36" dur="1" fill="hold">
-                                          <p:stCondLst>
-                                            <p:cond delay="0"/>
-                                          </p:stCondLst>
-                                        </p:cTn>
-                                        <p:tgtEl>
-                                          <p:spTgt spid="3"/>
-                                        </p:tgtEl>
-                                        <p:attrNameLst>
-                                          <p:attrName>style.visibility</p:attrName>
-                                        </p:attrNameLst>
-                                      </p:cBhvr>
-                                      <p:to>
-                                        <p:strVal val="visible"/>
-                                      </p:to>
-                                    </p:set>
-                                  </p:childTnLst>
-                                </p:cTn>
-                              </p:par>
-                            </p:childTnLst>
-                          </p:cTn>
-                        </p:par>
-                      </p:childTnLst>
-                    </p:cTn>
-                  </p:par>
-                </p:childTnLst>
-              </p:cTn>
-              <p:prevCondLst>
-                <p:cond evt="onPrev" delay="0">
-                  <p:tgtEl>
-                    <p:sldTgt/>
-                  </p:tgtEl>
-                </p:cond>
-              </p:prevCondLst>
-              <p:nextCondLst>
-                <p:cond evt="onNext" delay="0">
-                  <p:tgtEl>
-                    <p:sldTgt/>
-                  </p:tgtEl>
-                </p:cond>
-              </p:nextCondLst>
-            </p:seq>
-          </p:childTnLst>
-        </p:cTn>
-      </p:par>
-    </p:tnLst>
-    <p:bldLst>
-      <p:bldP spid="10" grpId="0" animBg="1"/>
-      <p:bldP spid="11" grpId="0" animBg="1"/>
-      <p:bldP spid="12" grpId="0"/>
-      <p:bldP spid="13" grpId="0" animBg="1"/>
-      <p:bldP spid="14" grpId="0"/>
-    </p:bldLst>
-  </p:timing>
-</p:sld>
-</file>
-
-<file path=ppt/slides/slide8.xml><?xml version="1.0" encoding="utf-8"?>
 <p:sld xmlns:a="http://schemas.openxmlformats.org/drawingml/2006/main" xmlns:r="http://schemas.openxmlformats.org/officeDocument/2006/relationships" xmlns:p="http://schemas.openxmlformats.org/presentationml/2006/main">
   <p:cSld>
     <p:spTree>
@@ -28209,7 +26120,7 @@
             <a:fld id="{2BF067CD-8E6B-4360-9AA8-C5DF2A48A6D1}" type="slidenum">
               <a:rPr lang="en-US" noProof="0" smtClean="0"/>
               <a:pPr/>
-              <a:t>8</a:t>
+              <a:t>7</a:t>
             </a:fld>
             <a:endParaRPr lang="en-US" noProof="0" dirty="0"/>
           </a:p>
@@ -28738,7 +26649,7 @@
 </p:sld>
 </file>
 
-<file path=ppt/slides/slide9.xml><?xml version="1.0" encoding="utf-8"?>
+<file path=ppt/slides/slide8.xml><?xml version="1.0" encoding="utf-8"?>
 <p:sld xmlns:a="http://schemas.openxmlformats.org/drawingml/2006/main" xmlns:r="http://schemas.openxmlformats.org/officeDocument/2006/relationships" xmlns:p="http://schemas.openxmlformats.org/presentationml/2006/main">
   <p:cSld>
     <p:spTree>
@@ -28840,6 +26751,870 @@
       <p:transition spd="slow" advClick="0" advTm="5000"/>
     </mc:Fallback>
   </mc:AlternateContent>
+</p:sld>
+</file>
+
+<file path=ppt/slides/slide9.xml><?xml version="1.0" encoding="utf-8"?>
+<p:sld xmlns:a="http://schemas.openxmlformats.org/drawingml/2006/main" xmlns:r="http://schemas.openxmlformats.org/officeDocument/2006/relationships" xmlns:p="http://schemas.openxmlformats.org/presentationml/2006/main">
+  <p:cSld>
+    <p:spTree>
+      <p:nvGrpSpPr>
+        <p:cNvPr id="1" name=""/>
+        <p:cNvGrpSpPr/>
+        <p:nvPr/>
+      </p:nvGrpSpPr>
+      <p:grpSpPr>
+        <a:xfrm>
+          <a:off x="0" y="0"/>
+          <a:ext cx="0" cy="0"/>
+          <a:chOff x="0" y="0"/>
+          <a:chExt cx="0" cy="0"/>
+        </a:xfrm>
+      </p:grpSpPr>
+      <p:sp>
+        <p:nvSpPr>
+          <p:cNvPr id="4" name="Title 3"/>
+          <p:cNvSpPr>
+            <a:spLocks noGrp="1"/>
+          </p:cNvSpPr>
+          <p:nvPr>
+            <p:ph type="title"/>
+          </p:nvPr>
+        </p:nvSpPr>
+        <p:spPr/>
+        <p:txBody>
+          <a:bodyPr/>
+          <a:lstStyle/>
+          <a:p>
+            <a:r>
+              <a:rPr lang="en-US" sz="3950" dirty="0"/>
+              <a:t>Задача: Сума </a:t>
+            </a:r>
+            <a:r>
+              <a:rPr lang="bg-BG" sz="3950" dirty="0"/>
+              <a:t>на </a:t>
+            </a:r>
+            <a:r>
+              <a:rPr lang="en-US" sz="3950" dirty="0"/>
+              <a:t>масив</a:t>
+            </a:r>
+          </a:p>
+        </p:txBody>
+      </p:sp>
+      <p:sp>
+        <p:nvSpPr>
+          <p:cNvPr id="6" name="Content Placeholder 2"/>
+          <p:cNvSpPr>
+            <a:spLocks noGrp="1"/>
+          </p:cNvSpPr>
+          <p:nvPr>
+            <p:ph idx="4294967295"/>
+          </p:nvPr>
+        </p:nvSpPr>
+        <p:spPr>
+          <a:xfrm>
+            <a:off x="174579" y="1151532"/>
+            <a:ext cx="11801576" cy="5569086"/>
+          </a:xfrm>
+        </p:spPr>
+        <p:txBody>
+          <a:bodyPr vert="horz" lIns="108000" tIns="36000" rIns="108000" bIns="36000" rtlCol="0" anchor="t">
+            <a:normAutofit/>
+          </a:bodyPr>
+          <a:lstStyle/>
+          <a:p>
+            <a:pPr marL="360045" indent="-360045">
+              <a:lnSpc>
+                <a:spcPct val="100000"/>
+              </a:lnSpc>
+            </a:pPr>
+            <a:r>
+              <a:rPr lang="en-US" sz="3600" dirty="0"/>
+              <a:t>Създайте </a:t>
+            </a:r>
+            <a:r>
+              <a:rPr lang="en-US" sz="3600" b="1" dirty="0">
+                <a:solidFill>
+                  <a:schemeClr val="bg1"/>
+                </a:solidFill>
+              </a:rPr>
+              <a:t>рекурсивен метод</a:t>
+            </a:r>
+            <a:r>
+              <a:rPr lang="en-US" sz="3600" dirty="0">
+                <a:solidFill>
+                  <a:srgbClr val="234465"/>
+                </a:solidFill>
+              </a:rPr>
+              <a:t>, който:</a:t>
+            </a:r>
+            <a:endParaRPr lang="bg-BG" sz="3600" dirty="0">
+              <a:solidFill>
+                <a:srgbClr val="234465"/>
+              </a:solidFill>
+            </a:endParaRPr>
+          </a:p>
+          <a:p>
+            <a:pPr marL="802957" lvl="1" indent="-360045">
+              <a:lnSpc>
+                <a:spcPct val="100000"/>
+              </a:lnSpc>
+            </a:pPr>
+            <a:r>
+              <a:rPr lang="bg-BG" sz="3150" dirty="0">
+                <a:solidFill>
+                  <a:srgbClr val="234465"/>
+                </a:solidFill>
+                <a:cs typeface="Calibri"/>
+              </a:rPr>
+              <a:t>Чете </a:t>
+            </a:r>
+            <a:r>
+              <a:rPr lang="bg-BG" sz="3150" b="1" dirty="0">
+                <a:solidFill>
+                  <a:schemeClr val="bg1"/>
+                </a:solidFill>
+                <a:cs typeface="Calibri"/>
+              </a:rPr>
+              <a:t>масив от числа </a:t>
+            </a:r>
+            <a:r>
+              <a:rPr lang="bg-BG" sz="3150" dirty="0">
+                <a:solidFill>
+                  <a:srgbClr val="234465"/>
+                </a:solidFill>
+                <a:cs typeface="Calibri"/>
+              </a:rPr>
+              <a:t>от конзолата</a:t>
+            </a:r>
+          </a:p>
+          <a:p>
+            <a:pPr lvl="1" indent="-360045">
+              <a:lnSpc>
+                <a:spcPct val="100000"/>
+              </a:lnSpc>
+            </a:pPr>
+            <a:r>
+              <a:rPr lang="en-US" sz="3400" dirty="0"/>
+              <a:t>Намира </a:t>
+            </a:r>
+            <a:r>
+              <a:rPr lang="en-US" sz="3400" b="1" dirty="0">
+                <a:solidFill>
+                  <a:schemeClr val="bg1"/>
+                </a:solidFill>
+              </a:rPr>
+              <a:t>сумата</a:t>
+            </a:r>
+            <a:r>
+              <a:rPr lang="en-US" sz="3400" dirty="0"/>
+              <a:t> на всички</a:t>
+            </a:r>
+            <a:r>
+              <a:rPr lang="en-US" sz="3400" dirty="0">
+                <a:solidFill>
+                  <a:srgbClr val="234465"/>
+                </a:solidFill>
+                <a:latin typeface="Calibri"/>
+                <a:cs typeface="Calibri"/>
+              </a:rPr>
+              <a:t> числа</a:t>
+            </a:r>
+            <a:endParaRPr lang="en-US" sz="3200" dirty="0">
+              <a:solidFill>
+                <a:schemeClr val="bg1"/>
+              </a:solidFill>
+              <a:latin typeface="Calibri"/>
+              <a:cs typeface="Calibri"/>
+            </a:endParaRPr>
+          </a:p>
+        </p:txBody>
+      </p:sp>
+      <p:sp>
+        <p:nvSpPr>
+          <p:cNvPr id="15" name="Right Arrow 14">
+            <a:extLst>
+              <a:ext uri="{FF2B5EF4-FFF2-40B4-BE49-F238E27FC236}">
+                <a16:creationId xmlns:a16="http://schemas.microsoft.com/office/drawing/2014/main" id="{650FCDEF-77AC-4319-82CA-488DD4CFCC8A}"/>
+              </a:ext>
+            </a:extLst>
+          </p:cNvPr>
+          <p:cNvSpPr/>
+          <p:nvPr/>
+        </p:nvSpPr>
+        <p:spPr>
+          <a:xfrm>
+            <a:off x="6129705" y="4486460"/>
+            <a:ext cx="532543" cy="280959"/>
+          </a:xfrm>
+          <a:prstGeom prst="rightArrow">
+            <a:avLst/>
+          </a:prstGeom>
+        </p:spPr>
+        <p:style>
+          <a:lnRef idx="2">
+            <a:schemeClr val="dk1">
+              <a:shade val="50000"/>
+            </a:schemeClr>
+          </a:lnRef>
+          <a:fillRef idx="1">
+            <a:schemeClr val="dk1"/>
+          </a:fillRef>
+          <a:effectRef idx="0">
+            <a:schemeClr val="dk1"/>
+          </a:effectRef>
+          <a:fontRef idx="minor">
+            <a:schemeClr val="lt1"/>
+          </a:fontRef>
+        </p:style>
+        <p:txBody>
+          <a:bodyPr rtlCol="0" anchor="ctr"/>
+          <a:lstStyle/>
+          <a:p>
+            <a:pPr algn="ctr"/>
+            <a:endParaRPr lang="en-US" sz="3199" dirty="0"/>
+          </a:p>
+        </p:txBody>
+      </p:sp>
+      <p:sp>
+        <p:nvSpPr>
+          <p:cNvPr id="16" name="Rectangle 15">
+            <a:extLst>
+              <a:ext uri="{FF2B5EF4-FFF2-40B4-BE49-F238E27FC236}">
+                <a16:creationId xmlns:a16="http://schemas.microsoft.com/office/drawing/2014/main" id="{B7348D6D-D660-482F-AB0D-A14FCBB2D2DF}"/>
+              </a:ext>
+            </a:extLst>
+          </p:cNvPr>
+          <p:cNvSpPr>
+            <a:spLocks noChangeArrowheads="1"/>
+          </p:cNvSpPr>
+          <p:nvPr/>
+        </p:nvSpPr>
+        <p:spPr bwMode="auto">
+          <a:xfrm>
+            <a:off x="3171000" y="4336243"/>
+            <a:ext cx="2488157" cy="615553"/>
+          </a:xfrm>
+          <a:prstGeom prst="rect">
+            <a:avLst/>
+          </a:prstGeom>
+          <a:solidFill>
+            <a:schemeClr val="accent5">
+              <a:lumMod val="40000"/>
+              <a:lumOff val="60000"/>
+              <a:alpha val="20000"/>
+            </a:schemeClr>
+          </a:solidFill>
+          <a:ln w="12700">
+            <a:solidFill>
+              <a:schemeClr val="accent5">
+                <a:lumMod val="60000"/>
+                <a:lumOff val="40000"/>
+              </a:schemeClr>
+            </a:solidFill>
+          </a:ln>
+        </p:spPr>
+        <p:txBody>
+          <a:bodyPr wrap="square">
+            <a:spAutoFit/>
+          </a:bodyPr>
+          <a:lstStyle/>
+          <a:p>
+            <a:pPr algn="ctr" eaLnBrk="0" hangingPunct="0">
+              <a:buClr>
+                <a:schemeClr val="accent5">
+                  <a:lumMod val="40000"/>
+                  <a:lumOff val="60000"/>
+                </a:schemeClr>
+              </a:buClr>
+              <a:buSzPct val="70000"/>
+            </a:pPr>
+            <a:r>
+              <a:rPr lang="it-IT" sz="3400" b="1" noProof="1">
+                <a:latin typeface="Consolas" panose="020B0609020204030204" pitchFamily="49" charset="0"/>
+              </a:rPr>
+              <a:t>1 2 3 4</a:t>
+            </a:r>
+          </a:p>
+        </p:txBody>
+      </p:sp>
+      <p:sp>
+        <p:nvSpPr>
+          <p:cNvPr id="17" name="Rectangle 16">
+            <a:extLst>
+              <a:ext uri="{FF2B5EF4-FFF2-40B4-BE49-F238E27FC236}">
+                <a16:creationId xmlns:a16="http://schemas.microsoft.com/office/drawing/2014/main" id="{D4CF9DF7-8ABA-48CC-B66B-F7B7922BCAB8}"/>
+              </a:ext>
+            </a:extLst>
+          </p:cNvPr>
+          <p:cNvSpPr>
+            <a:spLocks noChangeArrowheads="1"/>
+          </p:cNvSpPr>
+          <p:nvPr/>
+        </p:nvSpPr>
+        <p:spPr bwMode="auto">
+          <a:xfrm>
+            <a:off x="7125772" y="4336243"/>
+            <a:ext cx="770228" cy="615553"/>
+          </a:xfrm>
+          <a:prstGeom prst="rect">
+            <a:avLst/>
+          </a:prstGeom>
+          <a:solidFill>
+            <a:schemeClr val="accent5">
+              <a:lumMod val="40000"/>
+              <a:lumOff val="60000"/>
+              <a:alpha val="20000"/>
+            </a:schemeClr>
+          </a:solidFill>
+          <a:ln w="12700">
+            <a:solidFill>
+              <a:schemeClr val="accent5">
+                <a:lumMod val="60000"/>
+                <a:lumOff val="40000"/>
+              </a:schemeClr>
+            </a:solidFill>
+          </a:ln>
+        </p:spPr>
+        <p:txBody>
+          <a:bodyPr wrap="square">
+            <a:spAutoFit/>
+          </a:bodyPr>
+          <a:lstStyle/>
+          <a:p>
+            <a:pPr algn="ctr" eaLnBrk="0" hangingPunct="0">
+              <a:buClr>
+                <a:schemeClr val="accent5">
+                  <a:lumMod val="40000"/>
+                  <a:lumOff val="60000"/>
+                </a:schemeClr>
+              </a:buClr>
+              <a:buSzPct val="70000"/>
+            </a:pPr>
+            <a:r>
+              <a:rPr lang="it-IT" sz="3400" b="1" noProof="1">
+                <a:latin typeface="Consolas" panose="020B0609020204030204" pitchFamily="49" charset="0"/>
+              </a:rPr>
+              <a:t>10</a:t>
+            </a:r>
+          </a:p>
+        </p:txBody>
+      </p:sp>
+      <p:sp>
+        <p:nvSpPr>
+          <p:cNvPr id="19" name="Rectangle 18">
+            <a:extLst>
+              <a:ext uri="{FF2B5EF4-FFF2-40B4-BE49-F238E27FC236}">
+                <a16:creationId xmlns:a16="http://schemas.microsoft.com/office/drawing/2014/main" id="{B7348D6D-D660-482F-AB0D-A14FCBB2D2DF}"/>
+              </a:ext>
+            </a:extLst>
+          </p:cNvPr>
+          <p:cNvSpPr>
+            <a:spLocks noChangeArrowheads="1"/>
+          </p:cNvSpPr>
+          <p:nvPr/>
+        </p:nvSpPr>
+        <p:spPr bwMode="auto">
+          <a:xfrm>
+            <a:off x="3756000" y="5163241"/>
+            <a:ext cx="1903157" cy="615553"/>
+          </a:xfrm>
+          <a:prstGeom prst="rect">
+            <a:avLst/>
+          </a:prstGeom>
+          <a:solidFill>
+            <a:schemeClr val="accent5">
+              <a:lumMod val="40000"/>
+              <a:lumOff val="60000"/>
+              <a:alpha val="20000"/>
+            </a:schemeClr>
+          </a:solidFill>
+          <a:ln w="12700">
+            <a:solidFill>
+              <a:schemeClr val="accent5">
+                <a:lumMod val="60000"/>
+                <a:lumOff val="40000"/>
+              </a:schemeClr>
+            </a:solidFill>
+          </a:ln>
+        </p:spPr>
+        <p:txBody>
+          <a:bodyPr wrap="square">
+            <a:spAutoFit/>
+          </a:bodyPr>
+          <a:lstStyle/>
+          <a:p>
+            <a:pPr algn="ctr" eaLnBrk="0" hangingPunct="0">
+              <a:buClr>
+                <a:schemeClr val="accent5">
+                  <a:lumMod val="40000"/>
+                  <a:lumOff val="60000"/>
+                </a:schemeClr>
+              </a:buClr>
+              <a:buSzPct val="70000"/>
+            </a:pPr>
+            <a:r>
+              <a:rPr lang="it-IT" sz="3400" b="1" noProof="1">
+                <a:latin typeface="Consolas" panose="020B0609020204030204" pitchFamily="49" charset="0"/>
+              </a:rPr>
+              <a:t>-1 0 1</a:t>
+            </a:r>
+          </a:p>
+        </p:txBody>
+      </p:sp>
+      <p:sp>
+        <p:nvSpPr>
+          <p:cNvPr id="20" name="Rectangle 19">
+            <a:extLst>
+              <a:ext uri="{FF2B5EF4-FFF2-40B4-BE49-F238E27FC236}">
+                <a16:creationId xmlns:a16="http://schemas.microsoft.com/office/drawing/2014/main" id="{D4CF9DF7-8ABA-48CC-B66B-F7B7922BCAB8}"/>
+              </a:ext>
+            </a:extLst>
+          </p:cNvPr>
+          <p:cNvSpPr>
+            <a:spLocks noChangeArrowheads="1"/>
+          </p:cNvSpPr>
+          <p:nvPr/>
+        </p:nvSpPr>
+        <p:spPr bwMode="auto">
+          <a:xfrm>
+            <a:off x="7125772" y="5163241"/>
+            <a:ext cx="528647" cy="615553"/>
+          </a:xfrm>
+          <a:prstGeom prst="rect">
+            <a:avLst/>
+          </a:prstGeom>
+          <a:solidFill>
+            <a:schemeClr val="accent5">
+              <a:lumMod val="40000"/>
+              <a:lumOff val="60000"/>
+              <a:alpha val="20000"/>
+            </a:schemeClr>
+          </a:solidFill>
+          <a:ln w="12700">
+            <a:solidFill>
+              <a:schemeClr val="accent5">
+                <a:lumMod val="60000"/>
+                <a:lumOff val="40000"/>
+              </a:schemeClr>
+            </a:solidFill>
+          </a:ln>
+        </p:spPr>
+        <p:txBody>
+          <a:bodyPr wrap="square">
+            <a:spAutoFit/>
+          </a:bodyPr>
+          <a:lstStyle/>
+          <a:p>
+            <a:pPr algn="ctr" eaLnBrk="0" hangingPunct="0">
+              <a:buClr>
+                <a:schemeClr val="accent5">
+                  <a:lumMod val="40000"/>
+                  <a:lumOff val="60000"/>
+                </a:schemeClr>
+              </a:buClr>
+              <a:buSzPct val="70000"/>
+            </a:pPr>
+            <a:r>
+              <a:rPr lang="it-IT" sz="3400" b="1" noProof="1">
+                <a:latin typeface="Consolas" panose="020B0609020204030204" pitchFamily="49" charset="0"/>
+              </a:rPr>
+              <a:t>0</a:t>
+            </a:r>
+          </a:p>
+        </p:txBody>
+      </p:sp>
+      <p:sp>
+        <p:nvSpPr>
+          <p:cNvPr id="11" name="Right Arrow 14">
+            <a:extLst>
+              <a:ext uri="{FF2B5EF4-FFF2-40B4-BE49-F238E27FC236}">
+                <a16:creationId xmlns:a16="http://schemas.microsoft.com/office/drawing/2014/main" id="{BB7724A8-2B11-4A82-AA6A-78339B1E9513}"/>
+              </a:ext>
+            </a:extLst>
+          </p:cNvPr>
+          <p:cNvSpPr/>
+          <p:nvPr/>
+        </p:nvSpPr>
+        <p:spPr>
+          <a:xfrm>
+            <a:off x="6122680" y="5319000"/>
+            <a:ext cx="532543" cy="280959"/>
+          </a:xfrm>
+          <a:prstGeom prst="rightArrow">
+            <a:avLst/>
+          </a:prstGeom>
+        </p:spPr>
+        <p:style>
+          <a:lnRef idx="2">
+            <a:schemeClr val="dk1">
+              <a:shade val="50000"/>
+            </a:schemeClr>
+          </a:lnRef>
+          <a:fillRef idx="1">
+            <a:schemeClr val="dk1"/>
+          </a:fillRef>
+          <a:effectRef idx="0">
+            <a:schemeClr val="dk1"/>
+          </a:effectRef>
+          <a:fontRef idx="minor">
+            <a:schemeClr val="lt1"/>
+          </a:fontRef>
+        </p:style>
+        <p:txBody>
+          <a:bodyPr rtlCol="0" anchor="ctr"/>
+          <a:lstStyle/>
+          <a:p>
+            <a:pPr algn="ctr"/>
+            <a:endParaRPr lang="en-US" sz="3199" dirty="0"/>
+          </a:p>
+        </p:txBody>
+      </p:sp>
+      <p:sp>
+        <p:nvSpPr>
+          <p:cNvPr id="14" name="Slide Number">
+            <a:extLst>
+              <a:ext uri="{FF2B5EF4-FFF2-40B4-BE49-F238E27FC236}">
+                <a16:creationId xmlns:a16="http://schemas.microsoft.com/office/drawing/2014/main" id="{C471BFC0-219F-4D6C-AFA5-3B97BA876027}"/>
+              </a:ext>
+            </a:extLst>
+          </p:cNvPr>
+          <p:cNvSpPr>
+            <a:spLocks noGrp="1"/>
+          </p:cNvSpPr>
+          <p:nvPr>
+            <p:ph type="sldNum" sz="quarter" idx="5"/>
+          </p:nvPr>
+        </p:nvSpPr>
+        <p:spPr>
+          <a:xfrm>
+            <a:off x="11753030" y="6507000"/>
+            <a:ext cx="367414" cy="297000"/>
+          </a:xfrm>
+          <a:prstGeom prst="rect">
+            <a:avLst/>
+          </a:prstGeom>
+        </p:spPr>
+        <p:txBody>
+          <a:bodyPr vert="horz" lIns="91440" tIns="45720" rIns="91440" bIns="45720" rtlCol="0" anchor="b"/>
+          <a:lstStyle>
+            <a:lvl1pPr algn="r">
+              <a:defRPr sz="1000"/>
+            </a:lvl1pPr>
+          </a:lstStyle>
+          <a:p>
+            <a:fld id="{2BF067CD-8E6B-4360-9AA8-C5DF2A48A6D1}" type="slidenum">
+              <a:rPr lang="en-US" noProof="0" smtClean="0"/>
+              <a:pPr/>
+              <a:t>9</a:t>
+            </a:fld>
+            <a:endParaRPr lang="en-US" noProof="0" dirty="0"/>
+          </a:p>
+        </p:txBody>
+      </p:sp>
+    </p:spTree>
+    <p:extLst>
+      <p:ext uri="{BB962C8B-B14F-4D97-AF65-F5344CB8AC3E}">
+        <p14:creationId xmlns:p14="http://schemas.microsoft.com/office/powerpoint/2010/main" val="2266993585"/>
+      </p:ext>
+    </p:extLst>
+  </p:cSld>
+  <p:clrMapOvr>
+    <a:masterClrMapping/>
+  </p:clrMapOvr>
+  <mc:AlternateContent xmlns:mc="http://schemas.openxmlformats.org/markup-compatibility/2006" xmlns:p14="http://schemas.microsoft.com/office/powerpoint/2010/main">
+    <mc:Choice Requires="p14">
+      <p:transition spd="slow" p14:dur="2000" advClick="0" advTm="5000"/>
+    </mc:Choice>
+    <mc:Fallback xmlns="">
+      <p:transition spd="slow" advClick="0" advTm="5000"/>
+    </mc:Fallback>
+  </mc:AlternateContent>
+  <p:timing>
+    <p:tnLst>
+      <p:par>
+        <p:cTn id="1" dur="indefinite" restart="never" nodeType="tmRoot">
+          <p:childTnLst>
+            <p:seq concurrent="1" nextAc="seek">
+              <p:cTn id="2" dur="indefinite" nodeType="mainSeq">
+                <p:childTnLst>
+                  <p:par>
+                    <p:cTn id="3" fill="hold">
+                      <p:stCondLst>
+                        <p:cond delay="indefinite"/>
+                      </p:stCondLst>
+                      <p:childTnLst>
+                        <p:par>
+                          <p:cTn id="4" fill="hold">
+                            <p:stCondLst>
+                              <p:cond delay="0"/>
+                            </p:stCondLst>
+                            <p:childTnLst>
+                              <p:par>
+                                <p:cTn id="5" presetID="1" presetClass="entr" presetSubtype="0" fill="hold" nodeType="clickEffect">
+                                  <p:stCondLst>
+                                    <p:cond delay="0"/>
+                                  </p:stCondLst>
+                                  <p:childTnLst>
+                                    <p:set>
+                                      <p:cBhvr>
+                                        <p:cTn id="6" dur="1" fill="hold">
+                                          <p:stCondLst>
+                                            <p:cond delay="0"/>
+                                          </p:stCondLst>
+                                        </p:cTn>
+                                        <p:tgtEl>
+                                          <p:spTgt spid="6">
+                                            <p:txEl>
+                                              <p:pRg st="2" end="2"/>
+                                            </p:txEl>
+                                          </p:spTgt>
+                                        </p:tgtEl>
+                                        <p:attrNameLst>
+                                          <p:attrName>style.visibility</p:attrName>
+                                        </p:attrNameLst>
+                                      </p:cBhvr>
+                                      <p:to>
+                                        <p:strVal val="visible"/>
+                                      </p:to>
+                                    </p:set>
+                                  </p:childTnLst>
+                                </p:cTn>
+                              </p:par>
+                            </p:childTnLst>
+                          </p:cTn>
+                        </p:par>
+                      </p:childTnLst>
+                    </p:cTn>
+                  </p:par>
+                  <p:par>
+                    <p:cTn id="7" fill="hold">
+                      <p:stCondLst>
+                        <p:cond delay="indefinite"/>
+                      </p:stCondLst>
+                      <p:childTnLst>
+                        <p:par>
+                          <p:cTn id="8" fill="hold">
+                            <p:stCondLst>
+                              <p:cond delay="0"/>
+                            </p:stCondLst>
+                            <p:childTnLst>
+                              <p:par>
+                                <p:cTn id="9" presetID="1" presetClass="entr" presetSubtype="0" fill="hold" grpId="0" nodeType="clickEffect">
+                                  <p:stCondLst>
+                                    <p:cond delay="0"/>
+                                  </p:stCondLst>
+                                  <p:childTnLst>
+                                    <p:set>
+                                      <p:cBhvr>
+                                        <p:cTn id="10" dur="1" fill="hold">
+                                          <p:stCondLst>
+                                            <p:cond delay="0"/>
+                                          </p:stCondLst>
+                                        </p:cTn>
+                                        <p:tgtEl>
+                                          <p:spTgt spid="16"/>
+                                        </p:tgtEl>
+                                        <p:attrNameLst>
+                                          <p:attrName>style.visibility</p:attrName>
+                                        </p:attrNameLst>
+                                      </p:cBhvr>
+                                      <p:to>
+                                        <p:strVal val="visible"/>
+                                      </p:to>
+                                    </p:set>
+                                  </p:childTnLst>
+                                </p:cTn>
+                              </p:par>
+                              <p:par>
+                                <p:cTn id="11" presetID="1" presetClass="entr" presetSubtype="0" fill="hold" grpId="0" nodeType="withEffect">
+                                  <p:stCondLst>
+                                    <p:cond delay="0"/>
+                                  </p:stCondLst>
+                                  <p:childTnLst>
+                                    <p:set>
+                                      <p:cBhvr>
+                                        <p:cTn id="12" dur="1" fill="hold">
+                                          <p:stCondLst>
+                                            <p:cond delay="0"/>
+                                          </p:stCondLst>
+                                        </p:cTn>
+                                        <p:tgtEl>
+                                          <p:spTgt spid="15"/>
+                                        </p:tgtEl>
+                                        <p:attrNameLst>
+                                          <p:attrName>style.visibility</p:attrName>
+                                        </p:attrNameLst>
+                                      </p:cBhvr>
+                                      <p:to>
+                                        <p:strVal val="visible"/>
+                                      </p:to>
+                                    </p:set>
+                                  </p:childTnLst>
+                                </p:cTn>
+                              </p:par>
+                              <p:par>
+                                <p:cTn id="13" presetID="1" presetClass="entr" presetSubtype="0" fill="hold" grpId="0" nodeType="withEffect">
+                                  <p:stCondLst>
+                                    <p:cond delay="0"/>
+                                  </p:stCondLst>
+                                  <p:childTnLst>
+                                    <p:set>
+                                      <p:cBhvr>
+                                        <p:cTn id="14" dur="1" fill="hold">
+                                          <p:stCondLst>
+                                            <p:cond delay="0"/>
+                                          </p:stCondLst>
+                                        </p:cTn>
+                                        <p:tgtEl>
+                                          <p:spTgt spid="17"/>
+                                        </p:tgtEl>
+                                        <p:attrNameLst>
+                                          <p:attrName>style.visibility</p:attrName>
+                                        </p:attrNameLst>
+                                      </p:cBhvr>
+                                      <p:to>
+                                        <p:strVal val="visible"/>
+                                      </p:to>
+                                    </p:set>
+                                  </p:childTnLst>
+                                </p:cTn>
+                              </p:par>
+                            </p:childTnLst>
+                          </p:cTn>
+                        </p:par>
+                      </p:childTnLst>
+                    </p:cTn>
+                  </p:par>
+                  <p:par>
+                    <p:cTn id="15" fill="hold">
+                      <p:stCondLst>
+                        <p:cond delay="indefinite"/>
+                      </p:stCondLst>
+                      <p:childTnLst>
+                        <p:par>
+                          <p:cTn id="16" fill="hold">
+                            <p:stCondLst>
+                              <p:cond delay="0"/>
+                            </p:stCondLst>
+                            <p:childTnLst>
+                              <p:par>
+                                <p:cTn id="17" presetID="1" presetClass="entr" presetSubtype="0" fill="hold" grpId="0" nodeType="clickEffect">
+                                  <p:stCondLst>
+                                    <p:cond delay="0"/>
+                                  </p:stCondLst>
+                                  <p:childTnLst>
+                                    <p:set>
+                                      <p:cBhvr>
+                                        <p:cTn id="18" dur="1" fill="hold">
+                                          <p:stCondLst>
+                                            <p:cond delay="0"/>
+                                          </p:stCondLst>
+                                        </p:cTn>
+                                        <p:tgtEl>
+                                          <p:spTgt spid="19"/>
+                                        </p:tgtEl>
+                                        <p:attrNameLst>
+                                          <p:attrName>style.visibility</p:attrName>
+                                        </p:attrNameLst>
+                                      </p:cBhvr>
+                                      <p:to>
+                                        <p:strVal val="visible"/>
+                                      </p:to>
+                                    </p:set>
+                                  </p:childTnLst>
+                                </p:cTn>
+                              </p:par>
+                              <p:par>
+                                <p:cTn id="19" presetID="1" presetClass="entr" presetSubtype="0" fill="hold" grpId="0" nodeType="withEffect">
+                                  <p:stCondLst>
+                                    <p:cond delay="0"/>
+                                  </p:stCondLst>
+                                  <p:childTnLst>
+                                    <p:set>
+                                      <p:cBhvr>
+                                        <p:cTn id="20" dur="1" fill="hold">
+                                          <p:stCondLst>
+                                            <p:cond delay="0"/>
+                                          </p:stCondLst>
+                                        </p:cTn>
+                                        <p:tgtEl>
+                                          <p:spTgt spid="20"/>
+                                        </p:tgtEl>
+                                        <p:attrNameLst>
+                                          <p:attrName>style.visibility</p:attrName>
+                                        </p:attrNameLst>
+                                      </p:cBhvr>
+                                      <p:to>
+                                        <p:strVal val="visible"/>
+                                      </p:to>
+                                    </p:set>
+                                  </p:childTnLst>
+                                </p:cTn>
+                              </p:par>
+                              <p:par>
+                                <p:cTn id="21" presetID="1" presetClass="entr" presetSubtype="0" fill="hold" grpId="0" nodeType="withEffect">
+                                  <p:stCondLst>
+                                    <p:cond delay="0"/>
+                                  </p:stCondLst>
+                                  <p:childTnLst>
+                                    <p:set>
+                                      <p:cBhvr>
+                                        <p:cTn id="22" dur="1" fill="hold">
+                                          <p:stCondLst>
+                                            <p:cond delay="0"/>
+                                          </p:stCondLst>
+                                        </p:cTn>
+                                        <p:tgtEl>
+                                          <p:spTgt spid="11"/>
+                                        </p:tgtEl>
+                                        <p:attrNameLst>
+                                          <p:attrName>style.visibility</p:attrName>
+                                        </p:attrNameLst>
+                                      </p:cBhvr>
+                                      <p:to>
+                                        <p:strVal val="visible"/>
+                                      </p:to>
+                                    </p:set>
+                                  </p:childTnLst>
+                                </p:cTn>
+                              </p:par>
+                            </p:childTnLst>
+                          </p:cTn>
+                        </p:par>
+                      </p:childTnLst>
+                    </p:cTn>
+                  </p:par>
+                </p:childTnLst>
+              </p:cTn>
+              <p:prevCondLst>
+                <p:cond evt="onPrev" delay="0">
+                  <p:tgtEl>
+                    <p:sldTgt/>
+                  </p:tgtEl>
+                </p:cond>
+              </p:prevCondLst>
+              <p:nextCondLst>
+                <p:cond evt="onNext" delay="0">
+                  <p:tgtEl>
+                    <p:sldTgt/>
+                  </p:tgtEl>
+                </p:cond>
+              </p:nextCondLst>
+            </p:seq>
+          </p:childTnLst>
+        </p:cTn>
+      </p:par>
+    </p:tnLst>
+    <p:bldLst>
+      <p:bldP spid="15" grpId="0" animBg="1"/>
+      <p:bldP spid="16" grpId="0" animBg="1"/>
+      <p:bldP spid="17" grpId="0" animBg="1"/>
+      <p:bldP spid="19" grpId="0" animBg="1"/>
+      <p:bldP spid="20" grpId="0" animBg="1"/>
+      <p:bldP spid="11" grpId="0" animBg="1"/>
+    </p:bldLst>
+  </p:timing>
 </p:sld>
 </file>
 

--- a/Courses/Software-Sciences/Module-2-DS-and-Algo/15.1-Recursion/15.1-Recursion.pptx
+++ b/Courses/Software-Sciences/Module-2-DS-and-Algo/15.1-Recursion/15.1-Recursion.pptx
@@ -35,8 +35,8 @@
     <p:sldId id="624" r:id="rId23"/>
     <p:sldId id="625" r:id="rId24"/>
     <p:sldId id="571" r:id="rId25"/>
-    <p:sldId id="659" r:id="rId26"/>
-    <p:sldId id="660" r:id="rId27"/>
+    <p:sldId id="661" r:id="rId26"/>
+    <p:sldId id="505" r:id="rId27"/>
   </p:sldIdLst>
   <p:sldSz cx="12192000" cy="6858000"/>
   <p:notesSz cx="6858000" cy="9144000"/>
@@ -138,13 +138,13 @@
   <p:extLst>
     <p:ext uri="{521415D9-36F7-43E2-AB2F-B90AF26B5E84}">
       <p14:sectionLst xmlns:p14="http://schemas.microsoft.com/office/powerpoint/2010/main">
-        <p14:section name="Въведение" id="{ED6C025A-AA26-42EC-B3A3-9A9F8D4BFD70}">
+        <p14:section name="Въведение" id="{C9CDE722-051E-4F18-BD57-92B759EB1211}">
           <p14:sldIdLst>
             <p14:sldId id="657"/>
             <p14:sldId id="504"/>
           </p14:sldIdLst>
         </p14:section>
-        <p14:section name="Рекурсия" id="{E7DE7863-A6AF-453B-AD04-791AC9817CD4}">
+        <p14:section name="Рекурсия" id="{C39551CF-226E-44CF-94B5-0F2DA55368F3}">
           <p14:sldIdLst>
             <p14:sldId id="627"/>
             <p14:sldId id="645"/>
@@ -153,7 +153,7 @@
             <p14:sldId id="583"/>
           </p14:sldIdLst>
         </p14:section>
-        <p14:section name="Упражнения" id="{F2039FF4-ED2F-4DB3-8088-F41256A6D15E}">
+        <p14:section name="Упражнения" id="{72286CB5-7CB9-4122-86AD-0487F8008EB1}">
           <p14:sldIdLst>
             <p14:sldId id="658"/>
             <p14:sldId id="584"/>
@@ -167,7 +167,7 @@
             <p14:sldId id="592"/>
           </p14:sldIdLst>
         </p14:section>
-        <p14:section name="Рекурсивно или интеративно обхождане" id="{65BA65C7-9D7B-4ABE-98AC-2A5A0B4C0438}">
+        <p14:section name="Рекурсивно или интеративно обхождане" id="{9118A8FD-AB9D-4620-A331-6C956D50F4FD}">
           <p14:sldIdLst>
             <p14:sldId id="620"/>
             <p14:sldId id="621"/>
@@ -177,11 +177,11 @@
             <p14:sldId id="625"/>
           </p14:sldIdLst>
         </p14:section>
-        <p14:section name="Обобщение" id="{12BD4728-E627-49AE-B313-2A368AC558C0}">
+        <p14:section name="Обобщение" id="{C5C72C4D-3415-4A49-BADF-6179488DFDA5}">
           <p14:sldIdLst>
             <p14:sldId id="571"/>
-            <p14:sldId id="659"/>
-            <p14:sldId id="660"/>
+            <p14:sldId id="661"/>
+            <p14:sldId id="505"/>
           </p14:sldIdLst>
         </p14:section>
       </p14:sectionLst>
@@ -205,14 +205,6 @@
     </p:ext>
   </p:extLst>
 </p:presentation>
-</file>
-
-<file path=ppt/revisionInfo.xml><?xml version="1.0" encoding="utf-8"?>
-<p1510:revInfo xmlns:a="http://schemas.openxmlformats.org/drawingml/2006/main" xmlns:r="http://schemas.openxmlformats.org/officeDocument/2006/relationships" xmlns:p1510="http://schemas.microsoft.com/office/powerpoint/2015/10/main">
-  <p1510:revLst>
-    <p1510:client id="{A0312F0F-29FB-42A4-C759-8DB72D3DA2E0}" v="1690" dt="2023-03-05T14:50:24.623"/>
-  </p1510:revLst>
-</p1510:revInfo>
 </file>
 
 <file path=ppt/handoutMasters/handoutMaster1.xml><?xml version="1.0" encoding="utf-8"?>
@@ -270,7 +262,7 @@
             </a:lvl1pPr>
           </a:lstStyle>
           <a:p>
-            <a:endParaRPr lang="bg-BG" dirty="0"/>
+            <a:endParaRPr lang="bg-BG"/>
           </a:p>
         </p:txBody>
       </p:sp>
@@ -309,9 +301,9 @@
           <a:p>
             <a:fld id="{4E087215-0C8F-4762-A664-737A353EC9A4}" type="datetimeFigureOut">
               <a:rPr lang="bg-BG" smtClean="0"/>
-              <a:t>2.09.23 г.</a:t>
+              <a:t>17.9.2023 г.</a:t>
             </a:fld>
-            <a:endParaRPr lang="bg-BG" dirty="0"/>
+            <a:endParaRPr lang="bg-BG"/>
           </a:p>
         </p:txBody>
       </p:sp>
@@ -333,8 +325,8 @@
         </p:nvSpPr>
         <p:spPr>
           <a:xfrm>
-            <a:off x="-1" y="8847000"/>
-            <a:ext cx="6443999" cy="297000"/>
+            <a:off x="-1" y="8892000"/>
+            <a:ext cx="6443999" cy="252000"/>
           </a:xfrm>
           <a:prstGeom prst="rect">
             <a:avLst/>
@@ -349,19 +341,24 @@
           </a:lstStyle>
           <a:p>
             <a:r>
-              <a:rPr lang="en-US" sz="1100" dirty="0"/>
-              <a:t>© SoftUni – </a:t>
-            </a:r>
-            <a:r>
-              <a:rPr lang="en-US" sz="1100" u="sng" dirty="0">
+              <a:rPr lang="bg-BG" sz="1100" dirty="0"/>
+              <a:t>Работна група </a:t>
+            </a:r>
+            <a:r>
+              <a:rPr lang="ru-RU" sz="1100" dirty="0"/>
+              <a:t>"Образование по програмиране и ИТ</a:t>
+            </a:r>
+            <a:r>
+              <a:rPr lang="bg-BG" sz="1100" dirty="0"/>
+              <a:t>", с подкрепата на </a:t>
+            </a:r>
+            <a:r>
+              <a:rPr lang="en-US" sz="1100" dirty="0">
                 <a:hlinkClick r:id="rId2"/>
               </a:rPr>
-              <a:t>https://softuni.org</a:t>
-            </a:r>
-            <a:r>
-              <a:rPr lang="en-US" sz="1100" dirty="0"/>
-              <a:t>. Copyrighted document. Unauthorized copy or reproduction is not permitted.</a:t>
-            </a:r>
+              <a:t>SoftUni</a:t>
+            </a:r>
+            <a:endParaRPr lang="en-US" sz="1100" dirty="0"/>
           </a:p>
         </p:txBody>
       </p:sp>
@@ -383,8 +380,8 @@
         </p:nvSpPr>
         <p:spPr>
           <a:xfrm>
-            <a:off x="6443999" y="8847000"/>
-            <a:ext cx="412413" cy="297000"/>
+            <a:off x="6443999" y="8892000"/>
+            <a:ext cx="412413" cy="252000"/>
           </a:xfrm>
           <a:prstGeom prst="rect">
             <a:avLst/>
@@ -467,7 +464,7 @@
             </a:lvl1pPr>
           </a:lstStyle>
           <a:p>
-            <a:endParaRPr lang="en-US" dirty="0"/>
+            <a:endParaRPr lang="en-US"/>
           </a:p>
         </p:txBody>
       </p:sp>
@@ -500,9 +497,9 @@
           <a:p>
             <a:fld id="{72D84649-876A-46C9-8472-14CB09C070D8}" type="datetimeFigureOut">
               <a:rPr lang="en-US" smtClean="0"/>
-              <a:t>9/2/23</a:t>
+              <a:t>9/17/2023</a:t>
             </a:fld>
-            <a:endParaRPr lang="en-US" dirty="0"/>
+            <a:endParaRPr lang="en-US"/>
           </a:p>
         </p:txBody>
       </p:sp>
@@ -535,7 +532,7 @@
           <a:bodyPr vert="horz" lIns="91440" tIns="45720" rIns="91440" bIns="45720" rtlCol="0" anchor="ctr"/>
           <a:lstStyle/>
           <a:p>
-            <a:endParaRPr lang="en-US" dirty="0"/>
+            <a:endParaRPr lang="en-US"/>
           </a:p>
         </p:txBody>
       </p:sp>
@@ -610,8 +607,8 @@
         </p:nvSpPr>
         <p:spPr>
           <a:xfrm>
-            <a:off x="6488999" y="8847000"/>
-            <a:ext cx="367414" cy="297000"/>
+            <a:off x="6488999" y="8892000"/>
+            <a:ext cx="367414" cy="252000"/>
           </a:xfrm>
           <a:prstGeom prst="rect">
             <a:avLst/>
@@ -651,8 +648,8 @@
         </p:nvSpPr>
         <p:spPr>
           <a:xfrm>
-            <a:off x="-1" y="8847000"/>
-            <a:ext cx="6488999" cy="297000"/>
+            <a:off x="-1" y="8892000"/>
+            <a:ext cx="6488999" cy="252000"/>
           </a:xfrm>
           <a:prstGeom prst="rect">
             <a:avLst/>
@@ -667,19 +664,24 @@
           </a:lstStyle>
           <a:p>
             <a:r>
-              <a:rPr lang="en-US" dirty="0"/>
-              <a:t>© SoftUni – </a:t>
-            </a:r>
-            <a:r>
-              <a:rPr lang="en-US" u="sng" dirty="0">
+              <a:rPr lang="bg-BG" sz="1100" dirty="0"/>
+              <a:t>Работна група </a:t>
+            </a:r>
+            <a:r>
+              <a:rPr lang="bg-BG" dirty="0"/>
+              <a:t>"Образование по програмиране и ИТ"</a:t>
+            </a:r>
+            <a:r>
+              <a:rPr lang="bg-BG" sz="1100" dirty="0"/>
+              <a:t>, с подкрепата на </a:t>
+            </a:r>
+            <a:r>
+              <a:rPr lang="en-US" sz="1100" dirty="0">
                 <a:hlinkClick r:id="rId2"/>
               </a:rPr>
-              <a:t>https://softuni.org</a:t>
-            </a:r>
-            <a:r>
-              <a:rPr lang="en-US" dirty="0"/>
-              <a:t>. Copyrighted document. Unauthorized copy or reproduction is not permitted.</a:t>
-            </a:r>
+              <a:t>SoftUni</a:t>
+            </a:r>
+            <a:endParaRPr lang="en-US" sz="1100" dirty="0"/>
           </a:p>
         </p:txBody>
       </p:sp>
@@ -863,10 +865,10 @@
       </p:sp>
       <p:sp>
         <p:nvSpPr>
-          <p:cNvPr id="7" name="Footer Placeholder 7">
+          <p:cNvPr id="2" name="Footer Placeholder 7">
             <a:extLst>
               <a:ext uri="{FF2B5EF4-FFF2-40B4-BE49-F238E27FC236}">
-                <a16:creationId xmlns:a16="http://schemas.microsoft.com/office/drawing/2014/main" id="{03B690E2-59DB-4979-AF09-DB569A09F533}"/>
+                <a16:creationId xmlns:a16="http://schemas.microsoft.com/office/drawing/2014/main" id="{49B42E0B-5EE5-FDE4-04F3-6546D6B2D898}"/>
               </a:ext>
             </a:extLst>
           </p:cNvPr>
@@ -879,8 +881,8 @@
         </p:nvSpPr>
         <p:spPr>
           <a:xfrm>
-            <a:off x="-1" y="8847000"/>
-            <a:ext cx="6488999" cy="297000"/>
+            <a:off x="-1" y="8892000"/>
+            <a:ext cx="6488999" cy="252000"/>
           </a:xfrm>
           <a:prstGeom prst="rect">
             <a:avLst/>
@@ -895,26 +897,31 @@
           </a:lstStyle>
           <a:p>
             <a:r>
-              <a:rPr lang="en-US" dirty="0"/>
-              <a:t>© SoftUni – </a:t>
-            </a:r>
-            <a:r>
-              <a:rPr lang="en-US" u="sng" dirty="0">
+              <a:rPr lang="bg-BG" sz="1100" dirty="0"/>
+              <a:t>Работна група </a:t>
+            </a:r>
+            <a:r>
+              <a:rPr lang="bg-BG" dirty="0"/>
+              <a:t>"Образование по програмиране и ИТ"</a:t>
+            </a:r>
+            <a:r>
+              <a:rPr lang="bg-BG" sz="1100" dirty="0"/>
+              <a:t>, с подкрепата на </a:t>
+            </a:r>
+            <a:r>
+              <a:rPr lang="en-US" sz="1100" dirty="0">
                 <a:hlinkClick r:id="rId3"/>
               </a:rPr>
-              <a:t>https://softuni.org</a:t>
-            </a:r>
-            <a:r>
-              <a:rPr lang="en-US" dirty="0"/>
-              <a:t>. Copyrighted document. Unauthorized copy or reproduction is not permitted.</a:t>
-            </a:r>
+              <a:t>SoftUni</a:t>
+            </a:r>
+            <a:endParaRPr lang="en-US" sz="1100" dirty="0"/>
           </a:p>
         </p:txBody>
       </p:sp>
     </p:spTree>
     <p:extLst>
       <p:ext uri="{BB962C8B-B14F-4D97-AF65-F5344CB8AC3E}">
-        <p14:creationId xmlns:p14="http://schemas.microsoft.com/office/powerpoint/2010/main" val="3156722085"/>
+        <p14:creationId xmlns:p14="http://schemas.microsoft.com/office/powerpoint/2010/main" val="1629773113"/>
       </p:ext>
     </p:extLst>
   </p:cSld>
@@ -998,10 +1005,10 @@
       </p:sp>
       <p:sp>
         <p:nvSpPr>
-          <p:cNvPr id="7" name="Footer Placeholder 7">
+          <p:cNvPr id="4" name="Footer Placeholder 7">
             <a:extLst>
               <a:ext uri="{FF2B5EF4-FFF2-40B4-BE49-F238E27FC236}">
-                <a16:creationId xmlns:a16="http://schemas.microsoft.com/office/drawing/2014/main" id="{44FFCD97-AFE2-4A71-89CA-90ECE5A00A68}"/>
+                <a16:creationId xmlns:a16="http://schemas.microsoft.com/office/drawing/2014/main" id="{47EE0639-D6F1-4019-4BE8-CAD186DCFAFD}"/>
               </a:ext>
             </a:extLst>
           </p:cNvPr>
@@ -1014,8 +1021,8 @@
         </p:nvSpPr>
         <p:spPr>
           <a:xfrm>
-            <a:off x="-1" y="8847000"/>
-            <a:ext cx="6488999" cy="297000"/>
+            <a:off x="-1" y="8892000"/>
+            <a:ext cx="6488999" cy="252000"/>
           </a:xfrm>
           <a:prstGeom prst="rect">
             <a:avLst/>
@@ -1030,26 +1037,31 @@
           </a:lstStyle>
           <a:p>
             <a:r>
-              <a:rPr lang="en-US" dirty="0"/>
-              <a:t>© SoftUni – </a:t>
-            </a:r>
-            <a:r>
-              <a:rPr lang="en-US" u="sng" dirty="0">
+              <a:rPr lang="bg-BG" sz="1100" dirty="0"/>
+              <a:t>Работна група </a:t>
+            </a:r>
+            <a:r>
+              <a:rPr lang="bg-BG" dirty="0"/>
+              <a:t>"Образование по програмиране и ИТ"</a:t>
+            </a:r>
+            <a:r>
+              <a:rPr lang="bg-BG" sz="1100" dirty="0"/>
+              <a:t>, с подкрепата на </a:t>
+            </a:r>
+            <a:r>
+              <a:rPr lang="en-US" sz="1100" dirty="0">
                 <a:hlinkClick r:id="rId3"/>
               </a:rPr>
-              <a:t>https://softuni.org</a:t>
-            </a:r>
-            <a:r>
-              <a:rPr lang="en-US" dirty="0"/>
-              <a:t>. Copyrighted document. Unauthorized copy or reproduction is not permitted.</a:t>
-            </a:r>
+              <a:t>SoftUni</a:t>
+            </a:r>
+            <a:endParaRPr lang="en-US" sz="1100" dirty="0"/>
           </a:p>
         </p:txBody>
       </p:sp>
     </p:spTree>
     <p:extLst>
       <p:ext uri="{BB962C8B-B14F-4D97-AF65-F5344CB8AC3E}">
-        <p14:creationId xmlns:p14="http://schemas.microsoft.com/office/powerpoint/2010/main" val="3780766004"/>
+        <p14:creationId xmlns:p14="http://schemas.microsoft.com/office/powerpoint/2010/main" val="39667435"/>
       </p:ext>
     </p:extLst>
   </p:cSld>
@@ -1239,10 +1251,10 @@
       </p:sp>
       <p:sp>
         <p:nvSpPr>
-          <p:cNvPr id="6" name="Footer Placeholder 7">
+          <p:cNvPr id="5" name="Footer Placeholder 7">
             <a:extLst>
               <a:ext uri="{FF2B5EF4-FFF2-40B4-BE49-F238E27FC236}">
-                <a16:creationId xmlns:a16="http://schemas.microsoft.com/office/drawing/2014/main" id="{9CFE5E97-8D68-4134-8407-17031A0C4EE4}"/>
+                <a16:creationId xmlns:a16="http://schemas.microsoft.com/office/drawing/2014/main" id="{42E1668E-693C-B014-C186-9FC4C50FF1C9}"/>
               </a:ext>
             </a:extLst>
           </p:cNvPr>
@@ -1255,8 +1267,8 @@
         </p:nvSpPr>
         <p:spPr>
           <a:xfrm>
-            <a:off x="-1" y="8847000"/>
-            <a:ext cx="6488999" cy="297000"/>
+            <a:off x="-1" y="8892000"/>
+            <a:ext cx="6488999" cy="252000"/>
           </a:xfrm>
           <a:prstGeom prst="rect">
             <a:avLst/>
@@ -1271,26 +1283,31 @@
           </a:lstStyle>
           <a:p>
             <a:r>
-              <a:rPr lang="en-US" dirty="0"/>
-              <a:t>© SoftUni – </a:t>
-            </a:r>
-            <a:r>
-              <a:rPr lang="en-US" u="sng" dirty="0">
+              <a:rPr lang="bg-BG" sz="1100" dirty="0"/>
+              <a:t>Работна група </a:t>
+            </a:r>
+            <a:r>
+              <a:rPr lang="bg-BG" dirty="0"/>
+              <a:t>"Образование по програмиране и ИТ"</a:t>
+            </a:r>
+            <a:r>
+              <a:rPr lang="bg-BG" sz="1100" dirty="0"/>
+              <a:t>, с подкрепата на </a:t>
+            </a:r>
+            <a:r>
+              <a:rPr lang="en-US" sz="1100" dirty="0">
                 <a:hlinkClick r:id="rId3"/>
               </a:rPr>
-              <a:t>https://softuni.org</a:t>
-            </a:r>
-            <a:r>
-              <a:rPr lang="en-US" dirty="0"/>
-              <a:t>. Copyrighted document. Unauthorized copy or reproduction is not permitted.</a:t>
-            </a:r>
+              <a:t>SoftUni</a:t>
+            </a:r>
+            <a:endParaRPr lang="en-US" sz="1100" dirty="0"/>
           </a:p>
         </p:txBody>
       </p:sp>
     </p:spTree>
     <p:extLst>
       <p:ext uri="{BB962C8B-B14F-4D97-AF65-F5344CB8AC3E}">
-        <p14:creationId xmlns:p14="http://schemas.microsoft.com/office/powerpoint/2010/main" val="4169401094"/>
+        <p14:creationId xmlns:p14="http://schemas.microsoft.com/office/powerpoint/2010/main" val="2795766296"/>
       </p:ext>
     </p:extLst>
   </p:cSld>
@@ -1344,7 +1361,7 @@
           <a:bodyPr/>
           <a:lstStyle/>
           <a:p>
-            <a:endParaRPr lang="en-US" dirty="0"/>
+            <a:endParaRPr lang="en-US"/>
           </a:p>
         </p:txBody>
       </p:sp>
@@ -1480,10 +1497,10 @@
       </p:sp>
       <p:sp>
         <p:nvSpPr>
-          <p:cNvPr id="7" name="Footer Placeholder 7">
+          <p:cNvPr id="5" name="Footer Placeholder 7">
             <a:extLst>
               <a:ext uri="{FF2B5EF4-FFF2-40B4-BE49-F238E27FC236}">
-                <a16:creationId xmlns:a16="http://schemas.microsoft.com/office/drawing/2014/main" id="{6440DE1F-FF39-450B-9BB2-FD91A9B92021}"/>
+                <a16:creationId xmlns:a16="http://schemas.microsoft.com/office/drawing/2014/main" id="{771FA44C-8F16-A07C-59CA-895CA02021D2}"/>
               </a:ext>
             </a:extLst>
           </p:cNvPr>
@@ -1496,8 +1513,8 @@
         </p:nvSpPr>
         <p:spPr>
           <a:xfrm>
-            <a:off x="-1" y="8847000"/>
-            <a:ext cx="6488999" cy="297000"/>
+            <a:off x="-1" y="8892000"/>
+            <a:ext cx="6488999" cy="252000"/>
           </a:xfrm>
           <a:prstGeom prst="rect">
             <a:avLst/>
@@ -1512,26 +1529,31 @@
           </a:lstStyle>
           <a:p>
             <a:r>
-              <a:rPr lang="en-US" dirty="0"/>
-              <a:t>© SoftUni – </a:t>
-            </a:r>
-            <a:r>
-              <a:rPr lang="en-US" u="sng" dirty="0">
+              <a:rPr lang="bg-BG" sz="1100" dirty="0"/>
+              <a:t>Работна група </a:t>
+            </a:r>
+            <a:r>
+              <a:rPr lang="bg-BG" dirty="0"/>
+              <a:t>"Образование по програмиране и ИТ"</a:t>
+            </a:r>
+            <a:r>
+              <a:rPr lang="bg-BG" sz="1100" dirty="0"/>
+              <a:t>, с подкрепата на </a:t>
+            </a:r>
+            <a:r>
+              <a:rPr lang="en-US" sz="1100" dirty="0">
                 <a:hlinkClick r:id="rId3"/>
               </a:rPr>
-              <a:t>https://softuni.org</a:t>
-            </a:r>
-            <a:r>
-              <a:rPr lang="en-US" dirty="0"/>
-              <a:t>. Copyrighted document. Unauthorized copy or reproduction is not permitted.</a:t>
-            </a:r>
+              <a:t>SoftUni</a:t>
+            </a:r>
+            <a:endParaRPr lang="en-US" sz="1100" dirty="0"/>
           </a:p>
         </p:txBody>
       </p:sp>
     </p:spTree>
     <p:extLst>
       <p:ext uri="{BB962C8B-B14F-4D97-AF65-F5344CB8AC3E}">
-        <p14:creationId xmlns:p14="http://schemas.microsoft.com/office/powerpoint/2010/main" val="2344244638"/>
+        <p14:creationId xmlns:p14="http://schemas.microsoft.com/office/powerpoint/2010/main" val="3730698398"/>
       </p:ext>
     </p:extLst>
   </p:cSld>
@@ -1542,7 +1564,7 @@
 </file>
 
 <file path=ppt/slideLayouts/slideLayout1.xml><?xml version="1.0" encoding="utf-8"?>
-<p:sldLayout xmlns:a="http://schemas.openxmlformats.org/drawingml/2006/main" xmlns:r="http://schemas.openxmlformats.org/officeDocument/2006/relationships" xmlns:p="http://schemas.openxmlformats.org/presentationml/2006/main" preserve="1">
+<p:sldLayout xmlns:a="http://schemas.openxmlformats.org/drawingml/2006/main" xmlns:r="http://schemas.openxmlformats.org/officeDocument/2006/relationships" xmlns:p="http://schemas.openxmlformats.org/presentationml/2006/main" preserve="1" userDrawn="1">
   <p:cSld name="Presentation Title Slide">
     <p:spTree>
       <p:nvGrpSpPr>
@@ -1568,7 +1590,7 @@
             </a:extLst>
           </p:cNvPr>
           <p:cNvSpPr/>
-          <p:nvPr/>
+          <p:nvPr userDrawn="1"/>
         </p:nvSpPr>
         <p:spPr>
           <a:xfrm>
@@ -1622,7 +1644,7 @@
               <a:tabLst/>
               <a:defRPr/>
             </a:pPr>
-            <a:endParaRPr kumimoji="0" lang="en-US" altLang="ko-KR" sz="2398" b="0" i="0" u="none" strike="noStrike" kern="1200" cap="none" spc="0" normalizeH="0" baseline="0" noProof="0" dirty="0">
+            <a:endParaRPr kumimoji="0" lang="en-US" altLang="ko-KR" sz="2398" b="0" i="0" u="none" strike="noStrike" kern="1200" cap="none" spc="0" normalizeH="0" baseline="0" noProof="0">
               <a:ln>
                 <a:noFill/>
               </a:ln>
@@ -1639,55 +1661,139 @@
           </a:p>
         </p:txBody>
       </p:sp>
-      <p:pic>
-        <p:nvPicPr>
-          <p:cNvPr id="14" name="Picture Logo SoftUni" descr="SoftUni logo">
+      <p:sp>
+        <p:nvSpPr>
+          <p:cNvPr id="33" name="Picture Placeholder Title Image">
             <a:extLst>
               <a:ext uri="{FF2B5EF4-FFF2-40B4-BE49-F238E27FC236}">
-                <a16:creationId xmlns:a16="http://schemas.microsoft.com/office/drawing/2014/main" id="{C4D6B2A2-DFF0-4712-BFEC-6676BEC99FEC}"/>
+                <a16:creationId xmlns:a16="http://schemas.microsoft.com/office/drawing/2014/main" id="{A04D819A-89E2-4714-8C56-1838BF467EF7}"/>
               </a:ext>
             </a:extLst>
           </p:cNvPr>
-          <p:cNvPicPr>
-            <a:picLocks noChangeAspect="1"/>
-          </p:cNvPicPr>
-          <p:nvPr userDrawn="1"/>
-        </p:nvPicPr>
-        <p:blipFill>
-          <a:blip r:embed="rId2" cstate="hqprint">
-            <a:clrChange>
-              <a:clrFrom>
-                <a:srgbClr val="FFFFFF"/>
-              </a:clrFrom>
-              <a:clrTo>
-                <a:srgbClr val="FFFFFF">
-                  <a:alpha val="0"/>
-                </a:srgbClr>
-              </a:clrTo>
-            </a:clrChange>
+          <p:cNvSpPr>
+            <a:spLocks noGrp="1"/>
+          </p:cNvSpPr>
+          <p:nvPr>
+            <p:ph type="pic" sz="quarter" idx="10"/>
+          </p:nvPr>
+        </p:nvSpPr>
+        <p:spPr>
+          <a:xfrm>
+            <a:off x="6390123" y="3400017"/>
+            <a:ext cx="5248260" cy="2188983"/>
+          </a:xfrm>
+        </p:spPr>
+        <p:txBody>
+          <a:bodyPr/>
+          <a:lstStyle>
+            <a:lvl1pPr marL="0" indent="0" algn="ctr" latinLnBrk="0">
+              <a:buNone/>
+              <a:defRPr>
+                <a:solidFill>
+                  <a:schemeClr val="bg1"/>
+                </a:solidFill>
+              </a:defRPr>
+            </a:lvl1pPr>
+          </a:lstStyle>
+          <a:p>
+            <a:r>
+              <a:rPr lang="en-US" noProof="0" dirty="0"/>
+              <a:t>Click icon to add picture</a:t>
+            </a:r>
+          </a:p>
+        </p:txBody>
+      </p:sp>
+      <p:sp>
+        <p:nvSpPr>
+          <p:cNvPr id="10" name="Company Web Site">
             <a:extLst>
-              <a:ext uri="{28A0092B-C50C-407E-A947-70E740481C1C}">
-                <a14:useLocalDpi xmlns:a14="http://schemas.microsoft.com/office/drawing/2010/main" val="0"/>
+              <a:ext uri="{FF2B5EF4-FFF2-40B4-BE49-F238E27FC236}">
+                <a16:creationId xmlns:a16="http://schemas.microsoft.com/office/drawing/2014/main" id="{0B99B1EE-62FA-4AA4-920C-D444D6C0B778}"/>
               </a:ext>
             </a:extLst>
-          </a:blip>
-          <a:stretch>
-            <a:fillRect/>
-          </a:stretch>
-        </p:blipFill>
+          </p:cNvPr>
+          <p:cNvSpPr>
+            <a:spLocks noGrp="1"/>
+          </p:cNvSpPr>
+          <p:nvPr>
+            <p:ph type="body" sz="quarter" idx="22" hasCustomPrompt="1"/>
+          </p:nvPr>
+        </p:nvSpPr>
         <p:spPr>
           <a:xfrm>
-            <a:off x="4324460" y="5184000"/>
-            <a:ext cx="3751540" cy="1297655"/>
+            <a:off x="6390120" y="6086106"/>
+            <a:ext cx="5248260" cy="341313"/>
           </a:xfrm>
-          <a:prstGeom prst="rect">
-            <a:avLst/>
-          </a:prstGeom>
         </p:spPr>
-      </p:pic>
+        <p:txBody>
+          <a:bodyPr lIns="36000" rIns="36000" anchor="ctr" anchorCtr="0">
+            <a:noAutofit/>
+          </a:bodyPr>
+          <a:lstStyle>
+            <a:lvl1pPr marL="0" indent="0" algn="r">
+              <a:buNone/>
+              <a:defRPr sz="1800"/>
+            </a:lvl1pPr>
+          </a:lstStyle>
+          <a:p>
+            <a:pPr lvl="0"/>
+            <a:r>
+              <a:rPr lang="en-US" dirty="0"/>
+              <a:t>https://softuni.foundation  </a:t>
+            </a:r>
+          </a:p>
+        </p:txBody>
+      </p:sp>
       <p:sp>
         <p:nvSpPr>
-          <p:cNvPr id="31" name="Text Placeholder Company Site">
+          <p:cNvPr id="6" name="Company Name">
+            <a:extLst>
+              <a:ext uri="{FF2B5EF4-FFF2-40B4-BE49-F238E27FC236}">
+                <a16:creationId xmlns:a16="http://schemas.microsoft.com/office/drawing/2014/main" id="{2A76510A-0BAE-A827-E77C-BE88E38F52AA}"/>
+              </a:ext>
+            </a:extLst>
+          </p:cNvPr>
+          <p:cNvSpPr>
+            <a:spLocks noGrp="1"/>
+          </p:cNvSpPr>
+          <p:nvPr>
+            <p:ph type="body" sz="quarter" idx="21" hasCustomPrompt="1"/>
+          </p:nvPr>
+        </p:nvSpPr>
+        <p:spPr>
+          <a:xfrm>
+            <a:off x="6390122" y="5698189"/>
+            <a:ext cx="5248260" cy="374236"/>
+          </a:xfrm>
+        </p:spPr>
+        <p:txBody>
+          <a:bodyPr lIns="36000" rIns="36000" anchor="ctr" anchorCtr="0">
+            <a:normAutofit/>
+          </a:bodyPr>
+          <a:lstStyle>
+            <a:lvl1pPr marL="0" indent="0" algn="r">
+              <a:buNone/>
+              <a:defRPr sz="2000" b="1">
+                <a:solidFill>
+                  <a:schemeClr val="tx1">
+                    <a:lumMod val="75000"/>
+                  </a:schemeClr>
+                </a:solidFill>
+              </a:defRPr>
+            </a:lvl1pPr>
+          </a:lstStyle>
+          <a:p>
+            <a:pPr lvl="0"/>
+            <a:r>
+              <a:rPr lang="en-US" dirty="0"/>
+              <a:t>SoftUni Foundation</a:t>
+            </a:r>
+          </a:p>
+        </p:txBody>
+      </p:sp>
+      <p:sp>
+        <p:nvSpPr>
+          <p:cNvPr id="31" name="Author Position">
             <a:extLst>
               <a:ext uri="{FF2B5EF4-FFF2-40B4-BE49-F238E27FC236}">
                 <a16:creationId xmlns:a16="http://schemas.microsoft.com/office/drawing/2014/main" id="{3E6B87B7-9D33-4EBB-BD4F-C0436BA3FD72}"/>
@@ -1703,274 +1809,8 @@
         </p:nvSpPr>
         <p:spPr bwMode="auto">
           <a:xfrm>
-            <a:off x="8708505" y="6130863"/>
-            <a:ext cx="2951518" cy="341556"/>
-          </a:xfrm>
-          <a:prstGeom prst="rect">
-            <a:avLst/>
-          </a:prstGeom>
-          <a:noFill/>
-          <a:effectLst/>
-        </p:spPr>
-        <p:txBody>
-          <a:bodyPr wrap="square" lIns="36000" tIns="36000" rIns="36000" bIns="36000" rtlCol="0" anchor="ctr" anchorCtr="0">
-            <a:noAutofit/>
-          </a:bodyPr>
-          <a:lstStyle>
-            <a:lvl1pPr marL="0" indent="0" algn="r" rtl="0" fontAlgn="base" latinLnBrk="0">
-              <a:spcBef>
-                <a:spcPct val="0"/>
-              </a:spcBef>
-              <a:spcAft>
-                <a:spcPct val="0"/>
-              </a:spcAft>
-              <a:buNone/>
-              <a:defRPr lang="en-US" sz="1798" b="1" kern="1200" dirty="0" smtClean="0">
-                <a:solidFill>
-                  <a:schemeClr val="tx1">
-                    <a:lumMod val="75000"/>
-                  </a:schemeClr>
-                </a:solidFill>
-                <a:effectLst/>
-                <a:latin typeface="+mn-lt"/>
-                <a:ea typeface="+mn-ea"/>
-                <a:cs typeface="+mn-cs"/>
-              </a:defRPr>
-            </a:lvl1pPr>
-          </a:lstStyle>
-          <a:p>
-            <a:pPr lvl="0"/>
-            <a:r>
-              <a:rPr lang="en-US" noProof="0" dirty="0"/>
-              <a:t>Company Web Site</a:t>
-            </a:r>
-          </a:p>
-        </p:txBody>
-      </p:sp>
-      <p:sp>
-        <p:nvSpPr>
-          <p:cNvPr id="30" name="Text Placeholder Company Name">
-            <a:extLst>
-              <a:ext uri="{FF2B5EF4-FFF2-40B4-BE49-F238E27FC236}">
-                <a16:creationId xmlns:a16="http://schemas.microsoft.com/office/drawing/2014/main" id="{2EA92DCA-4DB5-4D03-ACD3-A6A296592D0C}"/>
-              </a:ext>
-            </a:extLst>
-          </p:cNvPr>
-          <p:cNvSpPr>
-            <a:spLocks noGrp="1"/>
-          </p:cNvSpPr>
-          <p:nvPr>
-            <p:ph type="body" sz="quarter" idx="17" hasCustomPrompt="1"/>
-          </p:nvPr>
-        </p:nvSpPr>
-        <p:spPr bwMode="auto">
-          <a:xfrm>
-            <a:off x="8708505" y="5756628"/>
-            <a:ext cx="2951518" cy="367080"/>
-          </a:xfrm>
-          <a:prstGeom prst="rect">
-            <a:avLst/>
-          </a:prstGeom>
-          <a:noFill/>
-          <a:effectLst/>
-        </p:spPr>
-        <p:txBody>
-          <a:bodyPr wrap="square" lIns="36000" tIns="36000" rIns="36000" bIns="36000" rtlCol="0" anchor="ctr" anchorCtr="0">
-            <a:noAutofit/>
-          </a:bodyPr>
-          <a:lstStyle>
-            <a:lvl1pPr marL="0" indent="0" algn="r" rtl="0" fontAlgn="base" latinLnBrk="0">
-              <a:spcBef>
-                <a:spcPct val="0"/>
-              </a:spcBef>
-              <a:spcAft>
-                <a:spcPct val="0"/>
-              </a:spcAft>
-              <a:buNone/>
-              <a:defRPr lang="en-US" sz="1998" b="1" kern="1200" dirty="0" smtClean="0">
-                <a:solidFill>
-                  <a:schemeClr val="tx1">
-                    <a:lumMod val="75000"/>
-                  </a:schemeClr>
-                </a:solidFill>
-                <a:effectLst/>
-                <a:latin typeface="+mn-lt"/>
-                <a:ea typeface="+mn-ea"/>
-                <a:cs typeface="+mn-cs"/>
-              </a:defRPr>
-            </a:lvl1pPr>
-          </a:lstStyle>
-          <a:p>
-            <a:pPr lvl="0"/>
-            <a:r>
-              <a:rPr lang="en-US" noProof="0" dirty="0"/>
-              <a:t>Company Name</a:t>
-            </a:r>
-          </a:p>
-        </p:txBody>
-      </p:sp>
-      <p:pic>
-        <p:nvPicPr>
-          <p:cNvPr id="35" name="Picture SoftUni Mascot" descr="SoftUni mascot">
-            <a:extLst>
-              <a:ext uri="{FF2B5EF4-FFF2-40B4-BE49-F238E27FC236}">
-                <a16:creationId xmlns:a16="http://schemas.microsoft.com/office/drawing/2014/main" id="{951E7DA9-C5F0-43D9-B013-3BDF9EEF029D}"/>
-              </a:ext>
-            </a:extLst>
-          </p:cNvPr>
-          <p:cNvPicPr>
-            <a:picLocks noChangeAspect="1"/>
-          </p:cNvPicPr>
-          <p:nvPr/>
-        </p:nvPicPr>
-        <p:blipFill rotWithShape="1">
-          <a:blip r:embed="rId3" cstate="print">
-            <a:extLst>
-              <a:ext uri="{28A0092B-C50C-407E-A947-70E740481C1C}">
-                <a14:useLocalDpi xmlns:a14="http://schemas.microsoft.com/office/drawing/2010/main" val="0"/>
-              </a:ext>
-            </a:extLst>
-          </a:blip>
-          <a:srcRect/>
-          <a:stretch/>
-        </p:blipFill>
-        <p:spPr>
-          <a:xfrm flipH="1">
-            <a:off x="8848924" y="2609644"/>
-            <a:ext cx="2788893" cy="3018284"/>
-          </a:xfrm>
-          <a:prstGeom prst="rect">
-            <a:avLst/>
-          </a:prstGeom>
-        </p:spPr>
-      </p:pic>
-      <p:pic>
-        <p:nvPicPr>
-          <p:cNvPr id="22" name="Picture Logo Software University" descr="Software University logo">
-            <a:hlinkClick r:id="rId4"/>
-            <a:extLst>
-              <a:ext uri="{FF2B5EF4-FFF2-40B4-BE49-F238E27FC236}">
-                <a16:creationId xmlns:a16="http://schemas.microsoft.com/office/drawing/2014/main" id="{F2315EB3-3FE4-4D3B-921E-5F209CEC13CB}"/>
-              </a:ext>
-            </a:extLst>
-          </p:cNvPr>
-          <p:cNvPicPr>
-            <a:picLocks noChangeAspect="1"/>
-          </p:cNvPicPr>
-          <p:nvPr userDrawn="1"/>
-        </p:nvPicPr>
-        <p:blipFill>
-          <a:blip r:embed="rId5" cstate="hqprint">
-            <a:clrChange>
-              <a:clrFrom>
-                <a:srgbClr val="FFFFFF"/>
-              </a:clrFrom>
-              <a:clrTo>
-                <a:srgbClr val="FFFFFF">
-                  <a:alpha val="0"/>
-                </a:srgbClr>
-              </a:clrTo>
-            </a:clrChange>
-            <a:extLst>
-              <a:ext uri="{28A0092B-C50C-407E-A947-70E740481C1C}">
-                <a14:useLocalDpi xmlns:a14="http://schemas.microsoft.com/office/drawing/2010/main" val="0"/>
-              </a:ext>
-            </a:extLst>
-          </a:blip>
-          <a:stretch>
-            <a:fillRect/>
-          </a:stretch>
-        </p:blipFill>
-        <p:spPr>
-          <a:xfrm>
-            <a:off x="507944" y="5918567"/>
-            <a:ext cx="1830305" cy="628159"/>
-          </a:xfrm>
-          <a:prstGeom prst="rect">
-            <a:avLst/>
-          </a:prstGeom>
-        </p:spPr>
-      </p:pic>
-      <p:sp>
-        <p:nvSpPr>
-          <p:cNvPr id="40" name="Text Placeholder Author Position">
-            <a:extLst>
-              <a:ext uri="{FF2B5EF4-FFF2-40B4-BE49-F238E27FC236}">
-                <a16:creationId xmlns:a16="http://schemas.microsoft.com/office/drawing/2014/main" id="{CD940256-851E-46C8-8BFB-A5ECA6C7DA07}"/>
-              </a:ext>
-            </a:extLst>
-          </p:cNvPr>
-          <p:cNvSpPr>
-            <a:spLocks noGrp="1"/>
-          </p:cNvSpPr>
-          <p:nvPr>
-            <p:ph type="body" sz="quarter" idx="20" hasCustomPrompt="1"/>
-          </p:nvPr>
-        </p:nvSpPr>
-        <p:spPr bwMode="auto">
-          <a:xfrm>
-            <a:off x="553082" y="5344180"/>
-            <a:ext cx="2980696" cy="444793"/>
-          </a:xfrm>
-          <a:prstGeom prst="rect">
-            <a:avLst/>
-          </a:prstGeom>
-          <a:noFill/>
-          <a:effectLst/>
-        </p:spPr>
-        <p:txBody>
-          <a:bodyPr wrap="square" lIns="36000" tIns="36000" rIns="36000" bIns="36000" rtlCol="0" anchor="ctr" anchorCtr="0">
-            <a:spAutoFit/>
-          </a:bodyPr>
-          <a:lstStyle>
-            <a:lvl1pPr marL="0" indent="0" algn="l" rtl="0" fontAlgn="base" latinLnBrk="0">
-              <a:spcBef>
-                <a:spcPct val="0"/>
-              </a:spcBef>
-              <a:spcAft>
-                <a:spcPct val="0"/>
-              </a:spcAft>
-              <a:buNone/>
-              <a:defRPr lang="en-US" sz="2398" b="1" kern="1200" dirty="0" smtClean="0">
-                <a:solidFill>
-                  <a:schemeClr val="tx1"/>
-                </a:solidFill>
-                <a:effectLst/>
-                <a:latin typeface="+mn-lt"/>
-                <a:ea typeface="+mn-ea"/>
-                <a:cs typeface="+mn-cs"/>
-              </a:defRPr>
-            </a:lvl1pPr>
-          </a:lstStyle>
-          <a:p>
-            <a:pPr lvl="0"/>
-            <a:r>
-              <a:rPr lang="en-US" noProof="0" dirty="0"/>
-              <a:t>Position</a:t>
-            </a:r>
-          </a:p>
-        </p:txBody>
-      </p:sp>
-      <p:sp>
-        <p:nvSpPr>
-          <p:cNvPr id="36" name="Text Placeholder Author Name">
-            <a:extLst>
-              <a:ext uri="{FF2B5EF4-FFF2-40B4-BE49-F238E27FC236}">
-                <a16:creationId xmlns:a16="http://schemas.microsoft.com/office/drawing/2014/main" id="{3B21F47B-DE1F-442D-A2B7-6866F8786704}"/>
-              </a:ext>
-            </a:extLst>
-          </p:cNvPr>
-          <p:cNvSpPr>
-            <a:spLocks noGrp="1"/>
-          </p:cNvSpPr>
-          <p:nvPr>
-            <p:ph type="body" sz="quarter" idx="19" hasCustomPrompt="1"/>
-          </p:nvPr>
-        </p:nvSpPr>
-        <p:spPr bwMode="auto">
-          <a:xfrm>
-            <a:off x="553082" y="4851838"/>
-            <a:ext cx="2980696" cy="454398"/>
+            <a:off x="534045" y="6085863"/>
+            <a:ext cx="4751953" cy="341556"/>
           </a:xfrm>
           <a:prstGeom prst="rect">
             <a:avLst/>
@@ -1991,9 +1831,11 @@
                 <a:spcPct val="0"/>
               </a:spcAft>
               <a:buNone/>
-              <a:defRPr lang="en-US" sz="2798" b="1" kern="1200" dirty="0" smtClean="0">
-                <a:solidFill>
-                  <a:schemeClr val="tx1"/>
+              <a:defRPr lang="en-US" sz="1800" b="0" kern="1200" dirty="0" smtClean="0">
+                <a:solidFill>
+                  <a:schemeClr val="tx1">
+                    <a:lumMod val="75000"/>
+                  </a:schemeClr>
                 </a:solidFill>
                 <a:effectLst/>
                 <a:latin typeface="+mn-lt"/>
@@ -2006,17 +1848,17 @@
             <a:pPr lvl="0"/>
             <a:r>
               <a:rPr lang="en-US" noProof="0" dirty="0"/>
-              <a:t>Author Name</a:t>
+              <a:t>URL</a:t>
             </a:r>
           </a:p>
         </p:txBody>
       </p:sp>
       <p:sp>
         <p:nvSpPr>
-          <p:cNvPr id="33" name="Picture Placeholder Title Image">
+          <p:cNvPr id="30" name="Author Name">
             <a:extLst>
               <a:ext uri="{FF2B5EF4-FFF2-40B4-BE49-F238E27FC236}">
-                <a16:creationId xmlns:a16="http://schemas.microsoft.com/office/drawing/2014/main" id="{A04D819A-89E2-4714-8C56-1838BF467EF7}"/>
+                <a16:creationId xmlns:a16="http://schemas.microsoft.com/office/drawing/2014/main" id="{2EA92DCA-4DB5-4D03-ACD3-A6A296592D0C}"/>
               </a:ext>
             </a:extLst>
           </p:cNvPr>
@@ -2024,31 +1866,51 @@
             <a:spLocks noGrp="1"/>
           </p:cNvSpPr>
           <p:nvPr>
-            <p:ph type="pic" sz="quarter" idx="10"/>
+            <p:ph type="body" sz="quarter" idx="17" hasCustomPrompt="1"/>
           </p:nvPr>
         </p:nvSpPr>
-        <p:spPr>
+        <p:spPr bwMode="auto">
           <a:xfrm>
-            <a:off x="553082" y="2740913"/>
-            <a:ext cx="4642919" cy="1936503"/>
+            <a:off x="534046" y="5251106"/>
+            <a:ext cx="4751954" cy="724904"/>
           </a:xfrm>
+          <a:prstGeom prst="rect">
+            <a:avLst/>
+          </a:prstGeom>
+          <a:noFill/>
+          <a:effectLst/>
         </p:spPr>
         <p:txBody>
-          <a:bodyPr/>
+          <a:bodyPr wrap="square" lIns="36000" tIns="36000" rIns="36000" bIns="36000" rtlCol="0" anchor="ctr" anchorCtr="0">
+            <a:noAutofit/>
+          </a:bodyPr>
           <a:lstStyle>
-            <a:lvl1pPr marL="0" indent="0" algn="ctr" latinLnBrk="0">
+            <a:lvl1pPr marL="0" indent="0" algn="l" rtl="0" fontAlgn="base" latinLnBrk="0">
+              <a:spcBef>
+                <a:spcPct val="0"/>
+              </a:spcBef>
+              <a:spcAft>
+                <a:spcPct val="0"/>
+              </a:spcAft>
               <a:buNone/>
-              <a:defRPr>
-                <a:solidFill>
-                  <a:schemeClr val="bg1"/>
-                </a:solidFill>
+              <a:defRPr lang="en-US" sz="2000" b="1" kern="1200" dirty="0" smtClean="0">
+                <a:solidFill>
+                  <a:schemeClr val="tx1">
+                    <a:lumMod val="75000"/>
+                  </a:schemeClr>
+                </a:solidFill>
+                <a:effectLst/>
+                <a:latin typeface="+mn-lt"/>
+                <a:ea typeface="+mn-ea"/>
+                <a:cs typeface="+mn-cs"/>
               </a:defRPr>
             </a:lvl1pPr>
           </a:lstStyle>
           <a:p>
+            <a:pPr lvl="0"/>
             <a:r>
               <a:rPr lang="en-US" noProof="0" dirty="0"/>
-              <a:t>Click icon to add picture</a:t>
+              <a:t>Authors</a:t>
             </a:r>
           </a:p>
         </p:txBody>
@@ -2071,8 +1933,8 @@
         </p:nvSpPr>
         <p:spPr>
           <a:xfrm>
-            <a:off x="554182" y="1258272"/>
-            <a:ext cx="11083636" cy="1315728"/>
+            <a:off x="554746" y="1402942"/>
+            <a:ext cx="11083636" cy="1306057"/>
           </a:xfrm>
         </p:spPr>
         <p:txBody>
@@ -2082,7 +1944,7 @@
           <a:lstStyle>
             <a:lvl1pPr marL="0" indent="0" algn="ctr" latinLnBrk="0">
               <a:buNone/>
-              <a:defRPr sz="3598">
+              <a:defRPr sz="3600">
                 <a:solidFill>
                   <a:schemeClr val="tx1"/>
                 </a:solidFill>
@@ -2115,15 +1977,17 @@
         </p:nvSpPr>
         <p:spPr>
           <a:xfrm>
-            <a:off x="554182" y="321502"/>
-            <a:ext cx="11083636" cy="882654"/>
+            <a:off x="554746" y="321501"/>
+            <a:ext cx="11083636" cy="971589"/>
           </a:xfrm>
         </p:spPr>
         <p:txBody>
-          <a:bodyPr/>
+          <a:bodyPr>
+            <a:normAutofit/>
+          </a:bodyPr>
           <a:lstStyle>
             <a:lvl1pPr algn="ctr" latinLnBrk="0">
-              <a:defRPr sz="4798"/>
+              <a:defRPr sz="5400"/>
             </a:lvl1pPr>
           </a:lstStyle>
           <a:p>
@@ -2134,10 +1998,94 @@
           </a:p>
         </p:txBody>
       </p:sp>
+      <p:pic>
+        <p:nvPicPr>
+          <p:cNvPr id="4" name="Picture 3">
+            <a:extLst>
+              <a:ext uri="{FF2B5EF4-FFF2-40B4-BE49-F238E27FC236}">
+                <a16:creationId xmlns:a16="http://schemas.microsoft.com/office/drawing/2014/main" id="{324D0DB3-F60A-469B-7831-209CB666CCE4}"/>
+              </a:ext>
+            </a:extLst>
+          </p:cNvPr>
+          <p:cNvPicPr>
+            <a:picLocks noChangeAspect="1"/>
+          </p:cNvPicPr>
+          <p:nvPr userDrawn="1"/>
+        </p:nvPicPr>
+        <p:blipFill>
+          <a:blip r:embed="rId2" cstate="print">
+            <a:extLst>
+              <a:ext uri="{28A0092B-C50C-407E-A947-70E740481C1C}">
+                <a14:useLocalDpi xmlns:a14="http://schemas.microsoft.com/office/drawing/2010/main" val="0"/>
+              </a:ext>
+            </a:extLst>
+          </a:blip>
+          <a:stretch>
+            <a:fillRect/>
+          </a:stretch>
+        </p:blipFill>
+        <p:spPr>
+          <a:xfrm>
+            <a:off x="536549" y="4325954"/>
+            <a:ext cx="2538082" cy="633046"/>
+          </a:xfrm>
+          <a:prstGeom prst="rect">
+            <a:avLst/>
+          </a:prstGeom>
+        </p:spPr>
+      </p:pic>
+      <p:pic>
+        <p:nvPicPr>
+          <p:cNvPr id="5" name="Picture 4" title="CC-BY-NC-SA License">
+            <a:hlinkClick r:id="rId3" tooltip="This work is licensed under the &quot;Creative Commons Attribution-NonCommercial-ShareAlike 4.0 International&quot; license"/>
+            <a:extLst>
+              <a:ext uri="{FF2B5EF4-FFF2-40B4-BE49-F238E27FC236}">
+                <a16:creationId xmlns:a16="http://schemas.microsoft.com/office/drawing/2014/main" id="{2D40731C-0303-A69D-63FD-E048A73CA59F}"/>
+              </a:ext>
+            </a:extLst>
+          </p:cNvPr>
+          <p:cNvPicPr>
+            <a:picLocks noChangeAspect="1" noChangeArrowheads="1"/>
+          </p:cNvPicPr>
+          <p:nvPr userDrawn="1"/>
+        </p:nvPicPr>
+        <p:blipFill>
+          <a:blip r:embed="rId4">
+            <a:extLst>
+              <a:ext uri="{28A0092B-C50C-407E-A947-70E740481C1C}">
+                <a14:useLocalDpi xmlns:a14="http://schemas.microsoft.com/office/drawing/2010/main"/>
+              </a:ext>
+            </a:extLst>
+          </a:blip>
+          <a:srcRect/>
+          <a:stretch>
+            <a:fillRect/>
+          </a:stretch>
+        </p:blipFill>
+        <p:spPr bwMode="auto">
+          <a:xfrm>
+            <a:off x="3402682" y="4321352"/>
+            <a:ext cx="1809336" cy="633045"/>
+          </a:xfrm>
+          <a:prstGeom prst="roundRect">
+            <a:avLst>
+              <a:gd name="adj" fmla="val 3940"/>
+            </a:avLst>
+          </a:prstGeom>
+          <a:solidFill>
+            <a:srgbClr val="231F20">
+              <a:alpha val="50000"/>
+            </a:srgbClr>
+          </a:solidFill>
+          <a:ln>
+            <a:noFill/>
+          </a:ln>
+        </p:spPr>
+      </p:pic>
     </p:spTree>
     <p:extLst>
       <p:ext uri="{BB962C8B-B14F-4D97-AF65-F5344CB8AC3E}">
-        <p14:creationId xmlns:p14="http://schemas.microsoft.com/office/powerpoint/2010/main" val="970179299"/>
+        <p14:creationId xmlns:p14="http://schemas.microsoft.com/office/powerpoint/2010/main" val="370654144"/>
       </p:ext>
     </p:extLst>
   </p:cSld>
@@ -2251,7 +2199,7 @@
               <a:tabLst/>
               <a:defRPr/>
             </a:pPr>
-            <a:endParaRPr kumimoji="0" lang="en-US" altLang="ko-KR" sz="2398" b="0" i="0" u="none" strike="noStrike" kern="1200" cap="none" spc="0" normalizeH="0" baseline="0" noProof="0" dirty="0">
+            <a:endParaRPr kumimoji="0" lang="en-US" altLang="ko-KR" sz="2398" b="0" i="0" u="none" strike="noStrike" kern="1200" cap="none" spc="0" normalizeH="0" baseline="0" noProof="0">
               <a:ln>
                 <a:noFill/>
               </a:ln>
@@ -2374,7 +2322,7 @@
               <a:tabLst/>
               <a:defRPr/>
             </a:pPr>
-            <a:endParaRPr kumimoji="0" lang="en-US" altLang="ko-KR" sz="2398" b="0" i="0" u="none" strike="noStrike" kern="1200" cap="none" spc="0" normalizeH="0" baseline="0" noProof="0" dirty="0">
+            <a:endParaRPr kumimoji="0" lang="en-US" altLang="ko-KR" sz="2398" b="0" i="0" u="none" strike="noStrike" kern="1200" cap="none" spc="0" normalizeH="0" baseline="0" noProof="0">
               <a:ln>
                 <a:noFill/>
               </a:ln>
@@ -2391,42 +2339,6 @@
           </a:p>
         </p:txBody>
       </p:sp>
-      <p:pic>
-        <p:nvPicPr>
-          <p:cNvPr id="12" name="Logo Software University Down" descr="Software University logo">
-            <a:extLst>
-              <a:ext uri="{FF2B5EF4-FFF2-40B4-BE49-F238E27FC236}">
-                <a16:creationId xmlns:a16="http://schemas.microsoft.com/office/drawing/2014/main" id="{7028D2F0-1E67-414B-A93D-D3F8F131A132}"/>
-              </a:ext>
-            </a:extLst>
-          </p:cNvPr>
-          <p:cNvPicPr>
-            <a:picLocks noChangeAspect="1"/>
-          </p:cNvPicPr>
-          <p:nvPr/>
-        </p:nvPicPr>
-        <p:blipFill>
-          <a:blip r:embed="rId2" cstate="print">
-            <a:extLst>
-              <a:ext uri="{28A0092B-C50C-407E-A947-70E740481C1C}">
-                <a14:useLocalDpi xmlns:a14="http://schemas.microsoft.com/office/drawing/2010/main" val="0"/>
-              </a:ext>
-            </a:extLst>
-          </a:blip>
-          <a:stretch>
-            <a:fillRect/>
-          </a:stretch>
-        </p:blipFill>
-        <p:spPr>
-          <a:xfrm>
-            <a:off x="5616551" y="5206773"/>
-            <a:ext cx="958900" cy="1184869"/>
-          </a:xfrm>
-          <a:prstGeom prst="rect">
-            <a:avLst/>
-          </a:prstGeom>
-        </p:spPr>
-      </p:pic>
       <p:sp>
         <p:nvSpPr>
           <p:cNvPr id="10" name="Text Placeholder Right">
@@ -2647,7 +2559,7 @@
               <a:tabLst/>
               <a:defRPr/>
             </a:pPr>
-            <a:endParaRPr kumimoji="0" lang="en-US" altLang="ko-KR" sz="2398" b="0" i="0" u="none" strike="noStrike" kern="1200" cap="none" spc="0" normalizeH="0" baseline="0" noProof="0" dirty="0">
+            <a:endParaRPr kumimoji="0" lang="en-US" altLang="ko-KR" sz="2398" b="0" i="0" u="none" strike="noStrike" kern="1200" cap="none" spc="0" normalizeH="0" baseline="0" noProof="0">
               <a:ln>
                 <a:noFill/>
               </a:ln>
@@ -2664,42 +2576,6 @@
           </a:p>
         </p:txBody>
       </p:sp>
-      <p:pic>
-        <p:nvPicPr>
-          <p:cNvPr id="14" name="Logo Software University" descr="Software University logo">
-            <a:extLst>
-              <a:ext uri="{FF2B5EF4-FFF2-40B4-BE49-F238E27FC236}">
-                <a16:creationId xmlns:a16="http://schemas.microsoft.com/office/drawing/2014/main" id="{19A67BB9-D880-4EAD-B90E-89C4219BFC0B}"/>
-              </a:ext>
-            </a:extLst>
-          </p:cNvPr>
-          <p:cNvPicPr>
-            <a:picLocks noChangeAspect="1"/>
-          </p:cNvPicPr>
-          <p:nvPr userDrawn="1"/>
-        </p:nvPicPr>
-        <p:blipFill>
-          <a:blip r:embed="rId3" cstate="hqprint">
-            <a:extLst>
-              <a:ext uri="{28A0092B-C50C-407E-A947-70E740481C1C}">
-                <a14:useLocalDpi xmlns:a14="http://schemas.microsoft.com/office/drawing/2010/main" val="0"/>
-              </a:ext>
-            </a:extLst>
-          </a:blip>
-          <a:stretch>
-            <a:fillRect/>
-          </a:stretch>
-        </p:blipFill>
-        <p:spPr>
-          <a:xfrm>
-            <a:off x="10067957" y="253936"/>
-            <a:ext cx="1915704" cy="559235"/>
-          </a:xfrm>
-          <a:prstGeom prst="rect">
-            <a:avLst/>
-          </a:prstGeom>
-        </p:spPr>
-      </p:pic>
       <p:sp>
         <p:nvSpPr>
           <p:cNvPr id="15" name="Slide Title">
@@ -2718,8 +2594,8 @@
         </p:nvSpPr>
         <p:spPr>
           <a:xfrm>
-            <a:off x="190406" y="100750"/>
-            <a:ext cx="9715594" cy="882654"/>
+            <a:off x="190405" y="100750"/>
+            <a:ext cx="10270595" cy="882654"/>
           </a:xfrm>
         </p:spPr>
         <p:txBody>
@@ -2741,6 +2617,72 @@
           </a:p>
         </p:txBody>
       </p:sp>
+      <p:pic>
+        <p:nvPicPr>
+          <p:cNvPr id="8" name="Picture 7">
+            <a:extLst>
+              <a:ext uri="{FF2B5EF4-FFF2-40B4-BE49-F238E27FC236}">
+                <a16:creationId xmlns:a16="http://schemas.microsoft.com/office/drawing/2014/main" id="{2C9792D8-D354-4699-B7D6-B8CB7F77594F}"/>
+              </a:ext>
+            </a:extLst>
+          </p:cNvPr>
+          <p:cNvPicPr>
+            <a:picLocks noChangeAspect="1"/>
+          </p:cNvPicPr>
+          <p:nvPr userDrawn="1"/>
+        </p:nvPicPr>
+        <p:blipFill>
+          <a:blip r:embed="rId2"/>
+          <a:stretch>
+            <a:fillRect/>
+          </a:stretch>
+        </p:blipFill>
+        <p:spPr>
+          <a:xfrm>
+            <a:off x="5398753" y="5340443"/>
+            <a:ext cx="1334859" cy="982867"/>
+          </a:xfrm>
+          <a:prstGeom prst="rect">
+            <a:avLst/>
+          </a:prstGeom>
+        </p:spPr>
+      </p:pic>
+      <p:pic>
+        <p:nvPicPr>
+          <p:cNvPr id="3" name="Picture 2">
+            <a:extLst>
+              <a:ext uri="{FF2B5EF4-FFF2-40B4-BE49-F238E27FC236}">
+                <a16:creationId xmlns:a16="http://schemas.microsoft.com/office/drawing/2014/main" id="{B6351E19-25DA-EAD2-9FBE-358B6135D728}"/>
+              </a:ext>
+            </a:extLst>
+          </p:cNvPr>
+          <p:cNvPicPr>
+            <a:picLocks noChangeAspect="1"/>
+          </p:cNvPicPr>
+          <p:nvPr userDrawn="1"/>
+        </p:nvPicPr>
+        <p:blipFill>
+          <a:blip r:embed="rId3" cstate="print">
+            <a:extLst>
+              <a:ext uri="{28A0092B-C50C-407E-A947-70E740481C1C}">
+                <a14:useLocalDpi xmlns:a14="http://schemas.microsoft.com/office/drawing/2010/main" val="0"/>
+              </a:ext>
+            </a:extLst>
+          </a:blip>
+          <a:stretch>
+            <a:fillRect/>
+          </a:stretch>
+        </p:blipFill>
+        <p:spPr>
+          <a:xfrm>
+            <a:off x="10553573" y="368999"/>
+            <a:ext cx="1443361" cy="360001"/>
+          </a:xfrm>
+          <a:prstGeom prst="rect">
+            <a:avLst/>
+          </a:prstGeom>
+        </p:spPr>
+      </p:pic>
     </p:spTree>
     <p:extLst>
       <p:ext uri="{BB962C8B-B14F-4D97-AF65-F5344CB8AC3E}">
@@ -2833,7 +2775,7 @@
               <a:pPr/>
               <a:t>‹#›</a:t>
             </a:fld>
-            <a:endParaRPr lang="en-US" noProof="0" dirty="0"/>
+            <a:endParaRPr lang="en-US" noProof="0"/>
           </a:p>
         </p:txBody>
       </p:sp>
@@ -2987,7 +2929,7 @@
           </a:lstStyle>
           <a:p>
             <a:r>
-              <a:rPr lang="en-US" altLang="ko-KR" noProof="0" dirty="0"/>
+              <a:rPr lang="en-US" altLang="ko-KR" noProof="0"/>
               <a:t>Your Picture Here</a:t>
             </a:r>
           </a:p>
@@ -3051,7 +2993,7 @@
               <a:tabLst/>
               <a:defRPr/>
             </a:pPr>
-            <a:endParaRPr kumimoji="0" lang="en-US" altLang="ko-KR" sz="2398" b="0" i="0" u="none" strike="noStrike" kern="1200" cap="none" spc="0" normalizeH="0" baseline="0" noProof="0" dirty="0">
+            <a:endParaRPr kumimoji="0" lang="en-US" altLang="ko-KR" sz="2398" b="0" i="0" u="none" strike="noStrike" kern="1200" cap="none" spc="0" normalizeH="0" baseline="0" noProof="0">
               <a:ln>
                 <a:noFill/>
               </a:ln>
@@ -3126,7 +3068,7 @@
               <a:tabLst/>
               <a:defRPr/>
             </a:pPr>
-            <a:endParaRPr kumimoji="0" lang="en-US" altLang="ko-KR" sz="2398" b="0" i="0" u="none" strike="noStrike" kern="1200" cap="none" spc="0" normalizeH="0" baseline="0" noProof="0" dirty="0">
+            <a:endParaRPr kumimoji="0" lang="en-US" altLang="ko-KR" sz="2398" b="0" i="0" u="none" strike="noStrike" kern="1200" cap="none" spc="0" normalizeH="0" baseline="0" noProof="0">
               <a:ln>
                 <a:noFill/>
               </a:ln>
@@ -3207,7 +3149,7 @@
               <a:tabLst/>
               <a:defRPr/>
             </a:pPr>
-            <a:endParaRPr kumimoji="0" lang="en-US" altLang="ko-KR" sz="2398" b="0" i="0" u="none" strike="noStrike" kern="1200" cap="none" spc="0" normalizeH="0" baseline="0" noProof="0" dirty="0">
+            <a:endParaRPr kumimoji="0" lang="en-US" altLang="ko-KR" sz="2398" b="0" i="0" u="none" strike="noStrike" kern="1200" cap="none" spc="0" normalizeH="0" baseline="0" noProof="0">
               <a:ln>
                 <a:noFill/>
               </a:ln>
@@ -3288,7 +3230,7 @@
               <a:tabLst/>
               <a:defRPr/>
             </a:pPr>
-            <a:endParaRPr kumimoji="0" lang="en-US" altLang="ko-KR" sz="2398" b="0" i="0" u="none" strike="noStrike" kern="1200" cap="none" spc="0" normalizeH="0" baseline="0" noProof="0" dirty="0">
+            <a:endParaRPr kumimoji="0" lang="en-US" altLang="ko-KR" sz="2398" b="0" i="0" u="none" strike="noStrike" kern="1200" cap="none" spc="0" normalizeH="0" baseline="0" noProof="0">
               <a:ln>
                 <a:noFill/>
               </a:ln>
@@ -3305,42 +3247,6 @@
           </a:p>
         </p:txBody>
       </p:sp>
-      <p:pic>
-        <p:nvPicPr>
-          <p:cNvPr id="12" name="Logo Software University" descr="Software University logo">
-            <a:extLst>
-              <a:ext uri="{FF2B5EF4-FFF2-40B4-BE49-F238E27FC236}">
-                <a16:creationId xmlns:a16="http://schemas.microsoft.com/office/drawing/2014/main" id="{233CBB95-791E-4630-B3D9-FADFCE7BCF52}"/>
-              </a:ext>
-            </a:extLst>
-          </p:cNvPr>
-          <p:cNvPicPr>
-            <a:picLocks noChangeAspect="1"/>
-          </p:cNvPicPr>
-          <p:nvPr userDrawn="1"/>
-        </p:nvPicPr>
-        <p:blipFill>
-          <a:blip r:embed="rId2" cstate="hqprint">
-            <a:extLst>
-              <a:ext uri="{28A0092B-C50C-407E-A947-70E740481C1C}">
-                <a14:useLocalDpi xmlns:a14="http://schemas.microsoft.com/office/drawing/2010/main" val="0"/>
-              </a:ext>
-            </a:extLst>
-          </a:blip>
-          <a:stretch>
-            <a:fillRect/>
-          </a:stretch>
-        </p:blipFill>
-        <p:spPr>
-          <a:xfrm>
-            <a:off x="10067957" y="253936"/>
-            <a:ext cx="1915704" cy="559235"/>
-          </a:xfrm>
-          <a:prstGeom prst="rect">
-            <a:avLst/>
-          </a:prstGeom>
-        </p:spPr>
-      </p:pic>
       <p:sp>
         <p:nvSpPr>
           <p:cNvPr id="13" name="Slide Title">
@@ -3360,7 +3266,7 @@
         <p:spPr>
           <a:xfrm>
             <a:off x="190406" y="100750"/>
-            <a:ext cx="9715594" cy="882654"/>
+            <a:ext cx="10270594" cy="882654"/>
           </a:xfrm>
         </p:spPr>
         <p:txBody>
@@ -3382,6 +3288,42 @@
           </a:p>
         </p:txBody>
       </p:sp>
+      <p:pic>
+        <p:nvPicPr>
+          <p:cNvPr id="4" name="Picture 3">
+            <a:extLst>
+              <a:ext uri="{FF2B5EF4-FFF2-40B4-BE49-F238E27FC236}">
+                <a16:creationId xmlns:a16="http://schemas.microsoft.com/office/drawing/2014/main" id="{42F3DB3E-BDAA-8201-9A01-2F52640A84CA}"/>
+              </a:ext>
+            </a:extLst>
+          </p:cNvPr>
+          <p:cNvPicPr>
+            <a:picLocks noChangeAspect="1"/>
+          </p:cNvPicPr>
+          <p:nvPr userDrawn="1"/>
+        </p:nvPicPr>
+        <p:blipFill>
+          <a:blip r:embed="rId2" cstate="print">
+            <a:extLst>
+              <a:ext uri="{28A0092B-C50C-407E-A947-70E740481C1C}">
+                <a14:useLocalDpi xmlns:a14="http://schemas.microsoft.com/office/drawing/2010/main" val="0"/>
+              </a:ext>
+            </a:extLst>
+          </a:blip>
+          <a:stretch>
+            <a:fillRect/>
+          </a:stretch>
+        </p:blipFill>
+        <p:spPr>
+          <a:xfrm>
+            <a:off x="10553573" y="368999"/>
+            <a:ext cx="1443361" cy="360001"/>
+          </a:xfrm>
+          <a:prstGeom prst="rect">
+            <a:avLst/>
+          </a:prstGeom>
+        </p:spPr>
+      </p:pic>
     </p:spTree>
     <p:extLst>
       <p:ext uri="{BB962C8B-B14F-4D97-AF65-F5344CB8AC3E}">
@@ -3492,7 +3434,7 @@
               <a:tabLst/>
               <a:defRPr/>
             </a:pPr>
-            <a:endParaRPr kumimoji="0" lang="en-US" altLang="ko-KR" sz="2398" b="0" i="0" u="none" strike="noStrike" kern="1200" cap="none" spc="0" normalizeH="0" baseline="0" noProof="0" dirty="0">
+            <a:endParaRPr kumimoji="0" lang="en-US" altLang="ko-KR" sz="2398" b="0" i="0" u="none" strike="noStrike" kern="1200" cap="none" spc="0" normalizeH="0" baseline="0" noProof="0">
               <a:ln>
                 <a:noFill/>
               </a:ln>
@@ -3511,714 +3453,10 @@
       </p:sp>
       <p:sp>
         <p:nvSpPr>
-          <p:cNvPr id="53" name="Rectangle Bottom Copyright">
+          <p:cNvPr id="3" name="Title 2">
             <a:extLst>
               <a:ext uri="{FF2B5EF4-FFF2-40B4-BE49-F238E27FC236}">
-                <a16:creationId xmlns:a16="http://schemas.microsoft.com/office/drawing/2014/main" id="{B07FB7FB-DA6C-4F5D-B068-357F0FCE27D8}"/>
-              </a:ext>
-            </a:extLst>
-          </p:cNvPr>
-          <p:cNvSpPr/>
-          <p:nvPr userDrawn="1"/>
-        </p:nvSpPr>
-        <p:spPr>
-          <a:xfrm>
-            <a:off x="111000" y="6454758"/>
-            <a:ext cx="11970000" cy="258449"/>
-          </a:xfrm>
-          <a:prstGeom prst="rect">
-            <a:avLst/>
-          </a:prstGeom>
-        </p:spPr>
-        <p:txBody>
-          <a:bodyPr wrap="square">
-            <a:noAutofit/>
-          </a:bodyPr>
-          <a:lstStyle/>
-          <a:p>
-            <a:pPr algn="ctr">
-              <a:lnSpc>
-                <a:spcPct val="100000"/>
-              </a:lnSpc>
-              <a:spcBef>
-                <a:spcPts val="0"/>
-              </a:spcBef>
-              <a:spcAft>
-                <a:spcPts val="0"/>
-              </a:spcAft>
-            </a:pPr>
-            <a:r>
-              <a:rPr lang="en-US" sz="1600" noProof="0" dirty="0">
-                <a:solidFill>
-                  <a:schemeClr val="bg2"/>
-                </a:solidFill>
-                <a:effectLst/>
-                <a:latin typeface="Calibri" panose="020F0502020204030204" pitchFamily="34" charset="0"/>
-                <a:ea typeface="Calibri" panose="020F0502020204030204" pitchFamily="34" charset="0"/>
-                <a:cs typeface="Arial" panose="020B0604020202020204" pitchFamily="34" charset="0"/>
-              </a:rPr>
-              <a:t>© SoftUni – </a:t>
-            </a:r>
-            <a:r>
-              <a:rPr lang="en-US" sz="1600" u="sng" noProof="0" dirty="0">
-                <a:solidFill>
-                  <a:schemeClr val="bg2"/>
-                </a:solidFill>
-                <a:effectLst/>
-                <a:latin typeface="Calibri" panose="020F0502020204030204" pitchFamily="34" charset="0"/>
-                <a:ea typeface="Calibri" panose="020F0502020204030204" pitchFamily="34" charset="0"/>
-                <a:cs typeface="Arial" panose="020B0604020202020204" pitchFamily="34" charset="0"/>
-                <a:hlinkClick r:id="rId2">
-                  <a:extLst>
-                    <a:ext uri="{A12FA001-AC4F-418D-AE19-62706E023703}">
-                      <ahyp:hlinkClr xmlns:ahyp="http://schemas.microsoft.com/office/drawing/2018/hyperlinkcolor" val="tx"/>
-                    </a:ext>
-                  </a:extLst>
-                </a:hlinkClick>
-              </a:rPr>
-              <a:t>https://softuni.org</a:t>
-            </a:r>
-            <a:r>
-              <a:rPr lang="en-US" sz="1600" noProof="0" dirty="0">
-                <a:solidFill>
-                  <a:schemeClr val="bg2"/>
-                </a:solidFill>
-                <a:effectLst/>
-                <a:latin typeface="Calibri" panose="020F0502020204030204" pitchFamily="34" charset="0"/>
-                <a:ea typeface="Calibri" panose="020F0502020204030204" pitchFamily="34" charset="0"/>
-                <a:cs typeface="Arial" panose="020B0604020202020204" pitchFamily="34" charset="0"/>
-              </a:rPr>
-              <a:t>. Copyrighted document. Unauthorized copy, reproduction or use is not permitted.</a:t>
-            </a:r>
-            <a:endParaRPr lang="en-US" sz="2400" noProof="0" dirty="0">
-              <a:solidFill>
-                <a:schemeClr val="bg2"/>
-              </a:solidFill>
-              <a:effectLst/>
-              <a:latin typeface="Calibri" panose="020F0502020204030204" pitchFamily="34" charset="0"/>
-              <a:ea typeface="Calibri" panose="020F0502020204030204" pitchFamily="34" charset="0"/>
-              <a:cs typeface="Arial" panose="020B0604020202020204" pitchFamily="34" charset="0"/>
-            </a:endParaRPr>
-          </a:p>
-        </p:txBody>
-      </p:sp>
-      <p:pic>
-        <p:nvPicPr>
-          <p:cNvPr id="26" name="Picture SoftUni Mascot" descr="SoftUni mascot with open hand">
-            <a:extLst>
-              <a:ext uri="{FF2B5EF4-FFF2-40B4-BE49-F238E27FC236}">
-                <a16:creationId xmlns:a16="http://schemas.microsoft.com/office/drawing/2014/main" id="{247CFF3C-C4FA-493D-8505-DF469F4D36A4}"/>
-              </a:ext>
-            </a:extLst>
-          </p:cNvPr>
-          <p:cNvPicPr>
-            <a:picLocks noChangeAspect="1"/>
-          </p:cNvPicPr>
-          <p:nvPr/>
-        </p:nvPicPr>
-        <p:blipFill>
-          <a:blip r:embed="rId3" cstate="print">
-            <a:extLst>
-              <a:ext uri="{28A0092B-C50C-407E-A947-70E740481C1C}">
-                <a14:useLocalDpi xmlns:a14="http://schemas.microsoft.com/office/drawing/2010/main" val="0"/>
-              </a:ext>
-            </a:extLst>
-          </a:blip>
-          <a:stretch>
-            <a:fillRect/>
-          </a:stretch>
-        </p:blipFill>
-        <p:spPr>
-          <a:xfrm>
-            <a:off x="642586" y="2898830"/>
-            <a:ext cx="2451608" cy="2959741"/>
-          </a:xfrm>
-          <a:prstGeom prst="rect">
-            <a:avLst/>
-          </a:prstGeom>
-        </p:spPr>
-      </p:pic>
-      <p:grpSp>
-        <p:nvGrpSpPr>
-          <p:cNvPr id="2" name="Group SoftUni Brands">
-            <a:extLst>
-              <a:ext uri="{FF2B5EF4-FFF2-40B4-BE49-F238E27FC236}">
-                <a16:creationId xmlns:a16="http://schemas.microsoft.com/office/drawing/2014/main" id="{418FAE34-C1F8-46C7-A4AE-F270D1E70F25}"/>
-              </a:ext>
-            </a:extLst>
-          </p:cNvPr>
-          <p:cNvGrpSpPr/>
-          <p:nvPr userDrawn="1"/>
-        </p:nvGrpSpPr>
-        <p:grpSpPr>
-          <a:xfrm>
-            <a:off x="3332216" y="1702473"/>
-            <a:ext cx="8314909" cy="3543782"/>
-            <a:chOff x="3332216" y="1702473"/>
-            <a:chExt cx="8314909" cy="3543782"/>
-          </a:xfrm>
-        </p:grpSpPr>
-        <p:pic>
-          <p:nvPicPr>
-            <p:cNvPr id="24" name="Picture SoftUni Kids Logo" descr="SoftUni Kids logo">
-              <a:extLst>
-                <a:ext uri="{FF2B5EF4-FFF2-40B4-BE49-F238E27FC236}">
-                  <a16:creationId xmlns:a16="http://schemas.microsoft.com/office/drawing/2014/main" id="{B0812936-74B6-4265-8C08-AEDC8C798702}"/>
-                </a:ext>
-              </a:extLst>
-            </p:cNvPr>
-            <p:cNvPicPr>
-              <a:picLocks noChangeAspect="1"/>
-            </p:cNvPicPr>
-            <p:nvPr/>
-          </p:nvPicPr>
-          <p:blipFill>
-            <a:blip r:embed="rId4" cstate="print">
-              <a:extLst>
-                <a:ext uri="{28A0092B-C50C-407E-A947-70E740481C1C}">
-                  <a14:useLocalDpi xmlns:a14="http://schemas.microsoft.com/office/drawing/2010/main" val="0"/>
-                </a:ext>
-              </a:extLst>
-            </a:blip>
-            <a:stretch>
-              <a:fillRect/>
-            </a:stretch>
-          </p:blipFill>
-          <p:spPr>
-            <a:xfrm>
-              <a:off x="10516883" y="3776294"/>
-              <a:ext cx="1130242" cy="1389256"/>
-            </a:xfrm>
-            <a:prstGeom prst="rect">
-              <a:avLst/>
-            </a:prstGeom>
-          </p:spPr>
-        </p:pic>
-        <p:pic>
-          <p:nvPicPr>
-            <p:cNvPr id="23" name="Picture SoftUni Foundation Logo" descr="SoftUni Foundation logo">
-              <a:extLst>
-                <a:ext uri="{FF2B5EF4-FFF2-40B4-BE49-F238E27FC236}">
-                  <a16:creationId xmlns:a16="http://schemas.microsoft.com/office/drawing/2014/main" id="{6643F71A-2013-433A-8322-FBAAED3162D8}"/>
-                </a:ext>
-              </a:extLst>
-            </p:cNvPr>
-            <p:cNvPicPr>
-              <a:picLocks noChangeAspect="1"/>
-            </p:cNvPicPr>
-            <p:nvPr userDrawn="1"/>
-          </p:nvPicPr>
-          <p:blipFill>
-            <a:blip r:embed="rId5" cstate="print">
-              <a:extLst>
-                <a:ext uri="{28A0092B-C50C-407E-A947-70E740481C1C}">
-                  <a14:useLocalDpi xmlns:a14="http://schemas.microsoft.com/office/drawing/2010/main" val="0"/>
-                </a:ext>
-              </a:extLst>
-            </a:blip>
-            <a:stretch>
-              <a:fillRect/>
-            </a:stretch>
-          </p:blipFill>
-          <p:spPr>
-            <a:xfrm>
-              <a:off x="9053913" y="3788231"/>
-              <a:ext cx="1166400" cy="1350756"/>
-            </a:xfrm>
-            <a:prstGeom prst="rect">
-              <a:avLst/>
-            </a:prstGeom>
-          </p:spPr>
-        </p:pic>
-        <p:pic>
-          <p:nvPicPr>
-            <p:cNvPr id="22" name="Picture SoftUni Digital Logo" descr="SoftUni Digital logo">
-              <a:extLst>
-                <a:ext uri="{FF2B5EF4-FFF2-40B4-BE49-F238E27FC236}">
-                  <a16:creationId xmlns:a16="http://schemas.microsoft.com/office/drawing/2014/main" id="{0A83D66F-855B-463B-920B-BF239B01A206}"/>
-                </a:ext>
-              </a:extLst>
-            </p:cNvPr>
-            <p:cNvPicPr>
-              <a:picLocks noChangeAspect="1"/>
-            </p:cNvPicPr>
-            <p:nvPr userDrawn="1"/>
-          </p:nvPicPr>
-          <p:blipFill>
-            <a:blip r:embed="rId6" cstate="print">
-              <a:extLst>
-                <a:ext uri="{28A0092B-C50C-407E-A947-70E740481C1C}">
-                  <a14:useLocalDpi xmlns:a14="http://schemas.microsoft.com/office/drawing/2010/main" val="0"/>
-                </a:ext>
-              </a:extLst>
-            </a:blip>
-            <a:stretch>
-              <a:fillRect/>
-            </a:stretch>
-          </p:blipFill>
-          <p:spPr>
-            <a:xfrm>
-              <a:off x="7657695" y="3789000"/>
-              <a:ext cx="1084614" cy="1457255"/>
-            </a:xfrm>
-            <a:prstGeom prst="rect">
-              <a:avLst/>
-            </a:prstGeom>
-          </p:spPr>
-        </p:pic>
-        <p:pic>
-          <p:nvPicPr>
-            <p:cNvPr id="21" name="Picture SoftUni Creative Logo" descr="SoftUni Creative logo">
-              <a:extLst>
-                <a:ext uri="{FF2B5EF4-FFF2-40B4-BE49-F238E27FC236}">
-                  <a16:creationId xmlns:a16="http://schemas.microsoft.com/office/drawing/2014/main" id="{EA755AAE-BA08-481C-9224-0061170EE4B8}"/>
-                </a:ext>
-              </a:extLst>
-            </p:cNvPr>
-            <p:cNvPicPr>
-              <a:picLocks noChangeAspect="1"/>
-            </p:cNvPicPr>
-            <p:nvPr/>
-          </p:nvPicPr>
-          <p:blipFill>
-            <a:blip r:embed="rId7" cstate="print">
-              <a:extLst>
-                <a:ext uri="{28A0092B-C50C-407E-A947-70E740481C1C}">
-                  <a14:useLocalDpi xmlns:a14="http://schemas.microsoft.com/office/drawing/2010/main" val="0"/>
-                </a:ext>
-              </a:extLst>
-            </a:blip>
-            <a:stretch>
-              <a:fillRect/>
-            </a:stretch>
-          </p:blipFill>
-          <p:spPr>
-            <a:xfrm>
-              <a:off x="6173913" y="3776293"/>
-              <a:ext cx="1166400" cy="1389257"/>
-            </a:xfrm>
-            <a:prstGeom prst="rect">
-              <a:avLst/>
-            </a:prstGeom>
-          </p:spPr>
-        </p:pic>
-        <p:pic>
-          <p:nvPicPr>
-            <p:cNvPr id="20" name="Picture SoftUni Svetlina Logo" descr="SoftUni Svetlina logo">
-              <a:extLst>
-                <a:ext uri="{FF2B5EF4-FFF2-40B4-BE49-F238E27FC236}">
-                  <a16:creationId xmlns:a16="http://schemas.microsoft.com/office/drawing/2014/main" id="{827D15FD-4C66-4B85-98E6-7826AA8F61C6}"/>
-                </a:ext>
-              </a:extLst>
-            </p:cNvPr>
-            <p:cNvPicPr>
-              <a:picLocks noChangeAspect="1"/>
-            </p:cNvPicPr>
-            <p:nvPr/>
-          </p:nvPicPr>
-          <p:blipFill>
-            <a:blip r:embed="rId8">
-              <a:extLst>
-                <a:ext uri="{28A0092B-C50C-407E-A947-70E740481C1C}">
-                  <a14:useLocalDpi xmlns:a14="http://schemas.microsoft.com/office/drawing/2010/main" val="0"/>
-                </a:ext>
-              </a:extLst>
-            </a:blip>
-            <a:stretch>
-              <a:fillRect/>
-            </a:stretch>
-          </p:blipFill>
-          <p:spPr>
-            <a:xfrm>
-              <a:off x="4735029" y="3776293"/>
-              <a:ext cx="1166400" cy="1402229"/>
-            </a:xfrm>
-            <a:prstGeom prst="rect">
-              <a:avLst/>
-            </a:prstGeom>
-          </p:spPr>
-        </p:pic>
-        <p:pic>
-          <p:nvPicPr>
-            <p:cNvPr id="25" name="Picture Software University Logo" descr="Software University logo">
-              <a:extLst>
-                <a:ext uri="{FF2B5EF4-FFF2-40B4-BE49-F238E27FC236}">
-                  <a16:creationId xmlns:a16="http://schemas.microsoft.com/office/drawing/2014/main" id="{C74C190C-5856-41B9-8819-AE8DE0E10980}"/>
-                </a:ext>
-              </a:extLst>
-            </p:cNvPr>
-            <p:cNvPicPr>
-              <a:picLocks noChangeAspect="1"/>
-            </p:cNvPicPr>
-            <p:nvPr/>
-          </p:nvPicPr>
-          <p:blipFill>
-            <a:blip r:embed="rId9" cstate="print">
-              <a:extLst>
-                <a:ext uri="{28A0092B-C50C-407E-A947-70E740481C1C}">
-                  <a14:useLocalDpi xmlns:a14="http://schemas.microsoft.com/office/drawing/2010/main" val="0"/>
-                </a:ext>
-              </a:extLst>
-            </a:blip>
-            <a:stretch>
-              <a:fillRect/>
-            </a:stretch>
-          </p:blipFill>
-          <p:spPr>
-            <a:xfrm>
-              <a:off x="3332216" y="3776295"/>
-              <a:ext cx="1164654" cy="1440000"/>
-            </a:xfrm>
-            <a:prstGeom prst="rect">
-              <a:avLst/>
-            </a:prstGeom>
-          </p:spPr>
-        </p:pic>
-        <p:cxnSp>
-          <p:nvCxnSpPr>
-            <p:cNvPr id="33" name="Straight Connector 6">
-              <a:extLst>
-                <a:ext uri="{FF2B5EF4-FFF2-40B4-BE49-F238E27FC236}">
-                  <a16:creationId xmlns:a16="http://schemas.microsoft.com/office/drawing/2014/main" id="{5C63D1E8-4A92-4691-8A24-A2FC7E8008E5}"/>
-                </a:ext>
-              </a:extLst>
-            </p:cNvPr>
-            <p:cNvCxnSpPr>
-              <a:cxnSpLocks/>
-            </p:cNvCxnSpPr>
-            <p:nvPr userDrawn="1"/>
-          </p:nvCxnSpPr>
-          <p:spPr>
-            <a:xfrm>
-              <a:off x="11077113" y="3335565"/>
-              <a:ext cx="0" cy="236220"/>
-            </a:xfrm>
-            <a:prstGeom prst="line">
-              <a:avLst/>
-            </a:prstGeom>
-            <a:ln w="25400"/>
-          </p:spPr>
-          <p:style>
-            <a:lnRef idx="1">
-              <a:schemeClr val="accent1"/>
-            </a:lnRef>
-            <a:fillRef idx="0">
-              <a:schemeClr val="accent1"/>
-            </a:fillRef>
-            <a:effectRef idx="0">
-              <a:schemeClr val="accent1"/>
-            </a:effectRef>
-            <a:fontRef idx="minor">
-              <a:schemeClr val="tx1"/>
-            </a:fontRef>
-          </p:style>
-        </p:cxnSp>
-        <p:cxnSp>
-          <p:nvCxnSpPr>
-            <p:cNvPr id="32" name="Straight Connector 5">
-              <a:extLst>
-                <a:ext uri="{FF2B5EF4-FFF2-40B4-BE49-F238E27FC236}">
-                  <a16:creationId xmlns:a16="http://schemas.microsoft.com/office/drawing/2014/main" id="{6E91D320-3732-40B8-864D-142D0A277ED1}"/>
-                </a:ext>
-              </a:extLst>
-            </p:cNvPr>
-            <p:cNvCxnSpPr>
-              <a:cxnSpLocks/>
-            </p:cNvCxnSpPr>
-            <p:nvPr userDrawn="1"/>
-          </p:nvCxnSpPr>
-          <p:spPr>
-            <a:xfrm>
-              <a:off x="9637113" y="3329215"/>
-              <a:ext cx="0" cy="236220"/>
-            </a:xfrm>
-            <a:prstGeom prst="line">
-              <a:avLst/>
-            </a:prstGeom>
-            <a:ln w="25400"/>
-          </p:spPr>
-          <p:style>
-            <a:lnRef idx="1">
-              <a:schemeClr val="accent1"/>
-            </a:lnRef>
-            <a:fillRef idx="0">
-              <a:schemeClr val="accent1"/>
-            </a:fillRef>
-            <a:effectRef idx="0">
-              <a:schemeClr val="accent1"/>
-            </a:effectRef>
-            <a:fontRef idx="minor">
-              <a:schemeClr val="tx1"/>
-            </a:fontRef>
-          </p:style>
-        </p:cxnSp>
-        <p:cxnSp>
-          <p:nvCxnSpPr>
-            <p:cNvPr id="31" name="Straight Connector 4">
-              <a:extLst>
-                <a:ext uri="{FF2B5EF4-FFF2-40B4-BE49-F238E27FC236}">
-                  <a16:creationId xmlns:a16="http://schemas.microsoft.com/office/drawing/2014/main" id="{299ABE09-E33C-46B7-A80D-7BF4A6956211}"/>
-                </a:ext>
-              </a:extLst>
-            </p:cNvPr>
-            <p:cNvCxnSpPr/>
-            <p:nvPr userDrawn="1"/>
-          </p:nvCxnSpPr>
-          <p:spPr>
-            <a:xfrm>
-              <a:off x="8197113" y="3329215"/>
-              <a:ext cx="0" cy="236220"/>
-            </a:xfrm>
-            <a:prstGeom prst="line">
-              <a:avLst/>
-            </a:prstGeom>
-            <a:ln w="25400"/>
-          </p:spPr>
-          <p:style>
-            <a:lnRef idx="1">
-              <a:schemeClr val="accent1"/>
-            </a:lnRef>
-            <a:fillRef idx="0">
-              <a:schemeClr val="accent1"/>
-            </a:fillRef>
-            <a:effectRef idx="0">
-              <a:schemeClr val="accent1"/>
-            </a:effectRef>
-            <a:fontRef idx="minor">
-              <a:schemeClr val="tx1"/>
-            </a:fontRef>
-          </p:style>
-        </p:cxnSp>
-        <p:cxnSp>
-          <p:nvCxnSpPr>
-            <p:cNvPr id="30" name="Straight Connector 3">
-              <a:extLst>
-                <a:ext uri="{FF2B5EF4-FFF2-40B4-BE49-F238E27FC236}">
-                  <a16:creationId xmlns:a16="http://schemas.microsoft.com/office/drawing/2014/main" id="{93DDBF37-0764-47AA-94E3-9A44F3ED8FB5}"/>
-                </a:ext>
-              </a:extLst>
-            </p:cNvPr>
-            <p:cNvCxnSpPr/>
-            <p:nvPr userDrawn="1"/>
-          </p:nvCxnSpPr>
-          <p:spPr>
-            <a:xfrm>
-              <a:off x="6757113" y="3329215"/>
-              <a:ext cx="0" cy="236220"/>
-            </a:xfrm>
-            <a:prstGeom prst="line">
-              <a:avLst/>
-            </a:prstGeom>
-            <a:ln w="25400"/>
-          </p:spPr>
-          <p:style>
-            <a:lnRef idx="1">
-              <a:schemeClr val="accent1"/>
-            </a:lnRef>
-            <a:fillRef idx="0">
-              <a:schemeClr val="accent1"/>
-            </a:fillRef>
-            <a:effectRef idx="0">
-              <a:schemeClr val="accent1"/>
-            </a:effectRef>
-            <a:fontRef idx="minor">
-              <a:schemeClr val="tx1"/>
-            </a:fontRef>
-          </p:style>
-        </p:cxnSp>
-        <p:cxnSp>
-          <p:nvCxnSpPr>
-            <p:cNvPr id="29" name="Straight Connector 2">
-              <a:extLst>
-                <a:ext uri="{FF2B5EF4-FFF2-40B4-BE49-F238E27FC236}">
-                  <a16:creationId xmlns:a16="http://schemas.microsoft.com/office/drawing/2014/main" id="{72BFE2F3-0845-4E5B-9375-E9D4027DD675}"/>
-                </a:ext>
-              </a:extLst>
-            </p:cNvPr>
-            <p:cNvCxnSpPr/>
-            <p:nvPr userDrawn="1"/>
-          </p:nvCxnSpPr>
-          <p:spPr>
-            <a:xfrm>
-              <a:off x="5309913" y="3335565"/>
-              <a:ext cx="0" cy="236220"/>
-            </a:xfrm>
-            <a:prstGeom prst="line">
-              <a:avLst/>
-            </a:prstGeom>
-            <a:ln w="25400"/>
-          </p:spPr>
-          <p:style>
-            <a:lnRef idx="1">
-              <a:schemeClr val="accent1"/>
-            </a:lnRef>
-            <a:fillRef idx="0">
-              <a:schemeClr val="accent1"/>
-            </a:fillRef>
-            <a:effectRef idx="0">
-              <a:schemeClr val="accent1"/>
-            </a:effectRef>
-            <a:fontRef idx="minor">
-              <a:schemeClr val="tx1"/>
-            </a:fontRef>
-          </p:style>
-        </p:cxnSp>
-        <p:cxnSp>
-          <p:nvCxnSpPr>
-            <p:cNvPr id="28" name="Straight Connector 1">
-              <a:extLst>
-                <a:ext uri="{FF2B5EF4-FFF2-40B4-BE49-F238E27FC236}">
-                  <a16:creationId xmlns:a16="http://schemas.microsoft.com/office/drawing/2014/main" id="{D4E5982E-3110-47E1-A5BB-91B7BECC3093}"/>
-                </a:ext>
-              </a:extLst>
-            </p:cNvPr>
-            <p:cNvCxnSpPr/>
-            <p:nvPr userDrawn="1"/>
-          </p:nvCxnSpPr>
-          <p:spPr>
-            <a:xfrm>
-              <a:off x="3915327" y="3335565"/>
-              <a:ext cx="0" cy="236220"/>
-            </a:xfrm>
-            <a:prstGeom prst="line">
-              <a:avLst/>
-            </a:prstGeom>
-            <a:ln w="25400"/>
-          </p:spPr>
-          <p:style>
-            <a:lnRef idx="1">
-              <a:schemeClr val="accent1"/>
-            </a:lnRef>
-            <a:fillRef idx="0">
-              <a:schemeClr val="accent1"/>
-            </a:fillRef>
-            <a:effectRef idx="0">
-              <a:schemeClr val="accent1"/>
-            </a:effectRef>
-            <a:fontRef idx="minor">
-              <a:schemeClr val="tx1"/>
-            </a:fontRef>
-          </p:style>
-        </p:cxnSp>
-        <p:cxnSp>
-          <p:nvCxnSpPr>
-            <p:cNvPr id="27" name="Straight Connector Horizontal">
-              <a:extLst>
-                <a:ext uri="{FF2B5EF4-FFF2-40B4-BE49-F238E27FC236}">
-                  <a16:creationId xmlns:a16="http://schemas.microsoft.com/office/drawing/2014/main" id="{5F62FB7C-BD6E-4383-98C1-2CF30F34CAFD}"/>
-                </a:ext>
-              </a:extLst>
-            </p:cNvPr>
-            <p:cNvCxnSpPr>
-              <a:cxnSpLocks/>
-            </p:cNvCxnSpPr>
-            <p:nvPr userDrawn="1"/>
-          </p:nvCxnSpPr>
-          <p:spPr>
-            <a:xfrm>
-              <a:off x="3915327" y="3335565"/>
-              <a:ext cx="7161786" cy="0"/>
-            </a:xfrm>
-            <a:prstGeom prst="line">
-              <a:avLst/>
-            </a:prstGeom>
-            <a:ln w="25400"/>
-          </p:spPr>
-          <p:style>
-            <a:lnRef idx="1">
-              <a:schemeClr val="accent1"/>
-            </a:lnRef>
-            <a:fillRef idx="0">
-              <a:schemeClr val="accent1"/>
-            </a:fillRef>
-            <a:effectRef idx="0">
-              <a:schemeClr val="accent1"/>
-            </a:effectRef>
-            <a:fontRef idx="minor">
-              <a:schemeClr val="tx1"/>
-            </a:fontRef>
-          </p:style>
-        </p:cxnSp>
-        <p:cxnSp>
-          <p:nvCxnSpPr>
-            <p:cNvPr id="34" name="Straight Connector 0">
-              <a:extLst>
-                <a:ext uri="{FF2B5EF4-FFF2-40B4-BE49-F238E27FC236}">
-                  <a16:creationId xmlns:a16="http://schemas.microsoft.com/office/drawing/2014/main" id="{C84A0FE1-723D-4682-8682-77BAD950EE15}"/>
-                </a:ext>
-              </a:extLst>
-            </p:cNvPr>
-            <p:cNvCxnSpPr/>
-            <p:nvPr userDrawn="1"/>
-          </p:nvCxnSpPr>
-          <p:spPr>
-            <a:xfrm>
-              <a:off x="7496220" y="3092995"/>
-              <a:ext cx="0" cy="236220"/>
-            </a:xfrm>
-            <a:prstGeom prst="line">
-              <a:avLst/>
-            </a:prstGeom>
-            <a:ln w="25400"/>
-          </p:spPr>
-          <p:style>
-            <a:lnRef idx="1">
-              <a:schemeClr val="accent1"/>
-            </a:lnRef>
-            <a:fillRef idx="0">
-              <a:schemeClr val="accent1"/>
-            </a:fillRef>
-            <a:effectRef idx="0">
-              <a:schemeClr val="accent1"/>
-            </a:effectRef>
-            <a:fontRef idx="minor">
-              <a:schemeClr val="tx1"/>
-            </a:fontRef>
-          </p:style>
-        </p:cxnSp>
-        <p:pic>
-          <p:nvPicPr>
-            <p:cNvPr id="18" name="Picture SoftUni Logo" descr="SoftUni logo">
-              <a:extLst>
-                <a:ext uri="{FF2B5EF4-FFF2-40B4-BE49-F238E27FC236}">
-                  <a16:creationId xmlns:a16="http://schemas.microsoft.com/office/drawing/2014/main" id="{A0675455-B7FA-4569-A5FD-A3B0F20B2A26}"/>
-                </a:ext>
-              </a:extLst>
-            </p:cNvPr>
-            <p:cNvPicPr>
-              <a:picLocks noChangeAspect="1"/>
-            </p:cNvPicPr>
-            <p:nvPr/>
-          </p:nvPicPr>
-          <p:blipFill>
-            <a:blip r:embed="rId10" cstate="print">
-              <a:extLst>
-                <a:ext uri="{28A0092B-C50C-407E-A947-70E740481C1C}">
-                  <a14:useLocalDpi xmlns:a14="http://schemas.microsoft.com/office/drawing/2010/main" val="0"/>
-                </a:ext>
-              </a:extLst>
-            </a:blip>
-            <a:stretch>
-              <a:fillRect/>
-            </a:stretch>
-          </p:blipFill>
-          <p:spPr>
-            <a:xfrm>
-              <a:off x="6896770" y="1702473"/>
-              <a:ext cx="1198901" cy="1198901"/>
-            </a:xfrm>
-            <a:prstGeom prst="rect">
-              <a:avLst/>
-            </a:prstGeom>
-          </p:spPr>
-        </p:pic>
-      </p:grpSp>
-      <p:sp>
-        <p:nvSpPr>
-          <p:cNvPr id="19" name="Slide Title">
-            <a:extLst>
-              <a:ext uri="{FF2B5EF4-FFF2-40B4-BE49-F238E27FC236}">
-                <a16:creationId xmlns:a16="http://schemas.microsoft.com/office/drawing/2014/main" id="{7CFDBB16-985C-4CC7-B6DB-B81B36037922}"/>
+                <a16:creationId xmlns:a16="http://schemas.microsoft.com/office/drawing/2014/main" id="{3107753B-8639-4399-B782-EE5377184D2E}"/>
               </a:ext>
             </a:extLst>
           </p:cNvPr>
@@ -4226,142 +3464,33 @@
             <a:spLocks noGrp="1"/>
           </p:cNvSpPr>
           <p:nvPr>
-            <p:ph type="title"/>
+            <p:ph type="title" hasCustomPrompt="1"/>
           </p:nvPr>
         </p:nvSpPr>
         <p:spPr>
           <a:xfrm>
-            <a:off x="809628" y="703244"/>
-            <a:ext cx="5916372" cy="1033303"/>
+            <a:off x="726988" y="1461842"/>
+            <a:ext cx="10731663" cy="3047158"/>
           </a:xfrm>
-          <a:prstGeom prst="rect">
-            <a:avLst/>
-          </a:prstGeom>
         </p:spPr>
         <p:txBody>
-          <a:bodyPr wrap="none" lIns="0" tIns="0" rIns="0" bIns="0" anchor="ctr" anchorCtr="0">
-            <a:noAutofit/>
-            <a:scene3d>
-              <a:camera prst="orthographicFront"/>
-              <a:lightRig rig="soft" dir="t">
-                <a:rot lat="0" lon="0" rev="10800000"/>
-              </a:lightRig>
-            </a:scene3d>
-            <a:sp3d>
-              <a:bevelT w="27940" h="12700"/>
-              <a:contourClr>
-                <a:srgbClr val="DDDDDD"/>
-              </a:contourClr>
-            </a:sp3d>
+          <a:bodyPr>
+            <a:normAutofit/>
           </a:bodyPr>
-          <a:lstStyle/>
-          <a:p>
-            <a:pPr marL="0" marR="0" lvl="0" indent="0" algn="l" defTabSz="913852" rtl="0" eaLnBrk="0" fontAlgn="auto" latinLnBrk="0" hangingPunct="0">
-              <a:lnSpc>
-                <a:spcPct val="100000"/>
-              </a:lnSpc>
-              <a:spcBef>
-                <a:spcPts val="0"/>
-              </a:spcBef>
-              <a:spcAft>
-                <a:spcPts val="0"/>
-              </a:spcAft>
-              <a:buClr>
-                <a:srgbClr val="67748E">
-                  <a:lumMod val="40000"/>
-                  <a:lumOff val="60000"/>
-                </a:srgbClr>
-              </a:buClr>
-              <a:buSzPct val="70000"/>
-              <a:buFont typeface="Wingdings 2" pitchFamily="18" charset="2"/>
-              <a:buNone/>
-              <a:tabLst/>
-              <a:defRPr/>
-            </a:pPr>
-            <a:r>
-              <a:rPr kumimoji="0" lang="en-US" sz="8797" b="1" i="0" u="none" strike="noStrike" kern="1200" cap="none" spc="0" normalizeH="0" baseline="0" noProof="0" dirty="0">
-                <a:ln>
-                  <a:noFill/>
-                </a:ln>
-                <a:solidFill>
-                  <a:srgbClr val="234465"/>
-                </a:solidFill>
-                <a:effectLst/>
-                <a:uLnTx/>
-                <a:uFillTx/>
-                <a:latin typeface="Calibri" panose="020F0502020204030204"/>
-                <a:ea typeface="+mn-ea"/>
-                <a:cs typeface="+mn-cs"/>
-              </a:rPr>
-              <a:t>Questions?</a:t>
-            </a:r>
-            <a:endParaRPr kumimoji="0" lang="en-US" sz="8797" b="1" i="0" u="none" strike="noStrike" kern="1200" cap="none" spc="150" normalizeH="0" baseline="0" noProof="0" dirty="0">
-              <a:ln w="11430"/>
-              <a:solidFill>
-                <a:srgbClr val="234465"/>
-              </a:solidFill>
-              <a:effectLst>
-                <a:outerShdw blurRad="25400" algn="tl" rotWithShape="0">
-                  <a:srgbClr val="000000">
-                    <a:alpha val="43000"/>
-                  </a:srgbClr>
-                </a:outerShdw>
-              </a:effectLst>
-              <a:uLnTx/>
-              <a:uFillTx/>
-              <a:latin typeface="Calibri" panose="020F0502020204030204"/>
-              <a:ea typeface="+mn-ea"/>
-              <a:cs typeface="+mn-cs"/>
-            </a:endParaRPr>
+          <a:lstStyle>
+            <a:lvl1pPr algn="ctr">
+              <a:defRPr sz="13800"/>
+            </a:lvl1pPr>
+          </a:lstStyle>
+          <a:p>
+            <a:r>
+              <a:rPr lang="bg-BG" dirty="0"/>
+              <a:t>Въпроси?</a:t>
+            </a:r>
+            <a:endParaRPr lang="en-US" dirty="0"/>
           </a:p>
         </p:txBody>
       </p:sp>
-      <p:pic>
-        <p:nvPicPr>
-          <p:cNvPr id="36" name="Logo Software University" descr="Software University logo">
-            <a:extLst>
-              <a:ext uri="{FF2B5EF4-FFF2-40B4-BE49-F238E27FC236}">
-                <a16:creationId xmlns:a16="http://schemas.microsoft.com/office/drawing/2014/main" id="{67FC4D2E-913D-432A-B658-F0D82839FA5E}"/>
-              </a:ext>
-            </a:extLst>
-          </p:cNvPr>
-          <p:cNvPicPr>
-            <a:picLocks noChangeAspect="1"/>
-          </p:cNvPicPr>
-          <p:nvPr userDrawn="1"/>
-        </p:nvPicPr>
-        <p:blipFill>
-          <a:blip r:embed="rId11" cstate="hqprint">
-            <a:clrChange>
-              <a:clrFrom>
-                <a:srgbClr val="FFFFFF"/>
-              </a:clrFrom>
-              <a:clrTo>
-                <a:srgbClr val="FFFFFF">
-                  <a:alpha val="0"/>
-                </a:srgbClr>
-              </a:clrTo>
-            </a:clrChange>
-            <a:extLst>
-              <a:ext uri="{28A0092B-C50C-407E-A947-70E740481C1C}">
-                <a14:useLocalDpi xmlns:a14="http://schemas.microsoft.com/office/drawing/2010/main" val="0"/>
-              </a:ext>
-            </a:extLst>
-          </a:blip>
-          <a:stretch>
-            <a:fillRect/>
-          </a:stretch>
-        </p:blipFill>
-        <p:spPr>
-          <a:xfrm>
-            <a:off x="10008761" y="190267"/>
-            <a:ext cx="2013336" cy="690975"/>
-          </a:xfrm>
-          <a:prstGeom prst="rect">
-            <a:avLst/>
-          </a:prstGeom>
-        </p:spPr>
-      </p:pic>
     </p:spTree>
     <p:extLst>
       <p:ext uri="{BB962C8B-B14F-4D97-AF65-F5344CB8AC3E}">
@@ -4396,528 +3525,6 @@
       </p15:sldGuideLst>
     </p:ext>
   </p:extLst>
-</p:sldLayout>
-</file>
-
-<file path=ppt/slideLayouts/slideLayout13.xml><?xml version="1.0" encoding="utf-8"?>
-<p:sldLayout xmlns:a="http://schemas.openxmlformats.org/drawingml/2006/main" xmlns:r="http://schemas.openxmlformats.org/officeDocument/2006/relationships" xmlns:p="http://schemas.openxmlformats.org/presentationml/2006/main" preserve="1" userDrawn="1">
-  <p:cSld name="About Slide">
-    <p:spTree>
-      <p:nvGrpSpPr>
-        <p:cNvPr id="1" name=""/>
-        <p:cNvGrpSpPr/>
-        <p:nvPr/>
-      </p:nvGrpSpPr>
-      <p:grpSpPr>
-        <a:xfrm>
-          <a:off x="0" y="0"/>
-          <a:ext cx="0" cy="0"/>
-          <a:chOff x="0" y="0"/>
-          <a:chExt cx="0" cy="0"/>
-        </a:xfrm>
-      </p:grpSpPr>
-      <p:sp>
-        <p:nvSpPr>
-          <p:cNvPr id="13" name="Slide Number">
-            <a:extLst>
-              <a:ext uri="{FF2B5EF4-FFF2-40B4-BE49-F238E27FC236}">
-                <a16:creationId xmlns:a16="http://schemas.microsoft.com/office/drawing/2014/main" id="{5B8761D8-B42F-4A70-A0CE-682CEB2AE31B}"/>
-              </a:ext>
-            </a:extLst>
-          </p:cNvPr>
-          <p:cNvSpPr>
-            <a:spLocks noGrp="1"/>
-          </p:cNvSpPr>
-          <p:nvPr>
-            <p:ph type="sldNum" sz="quarter" idx="4"/>
-          </p:nvPr>
-        </p:nvSpPr>
-        <p:spPr>
-          <a:xfrm>
-            <a:off x="11753030" y="6507000"/>
-            <a:ext cx="367414" cy="297000"/>
-          </a:xfrm>
-          <a:prstGeom prst="rect">
-            <a:avLst/>
-          </a:prstGeom>
-        </p:spPr>
-        <p:txBody>
-          <a:bodyPr vert="horz" lIns="91440" tIns="45720" rIns="91440" bIns="45720" rtlCol="0" anchor="b"/>
-          <a:lstStyle>
-            <a:lvl1pPr algn="r">
-              <a:defRPr sz="1000"/>
-            </a:lvl1pPr>
-          </a:lstStyle>
-          <a:p>
-            <a:fld id="{2BF067CD-8E6B-4360-9AA8-C5DF2A48A6D1}" type="slidenum">
-              <a:rPr lang="en-US" noProof="0" smtClean="0"/>
-              <a:pPr/>
-              <a:t>‹#›</a:t>
-            </a:fld>
-            <a:endParaRPr lang="en-US" noProof="0" dirty="0"/>
-          </a:p>
-        </p:txBody>
-      </p:sp>
-      <p:pic>
-        <p:nvPicPr>
-          <p:cNvPr id="19" name="Picture Forum" descr="Forum icon">
-            <a:hlinkClick r:id="rId2" tooltip="Software University Discussion Forum"/>
-            <a:extLst>
-              <a:ext uri="{FF2B5EF4-FFF2-40B4-BE49-F238E27FC236}">
-                <a16:creationId xmlns:a16="http://schemas.microsoft.com/office/drawing/2014/main" id="{98C579AD-FAF5-4B28-9B52-5457F1E90061}"/>
-              </a:ext>
-            </a:extLst>
-          </p:cNvPr>
-          <p:cNvPicPr>
-            <a:picLocks noChangeAspect="1"/>
-          </p:cNvPicPr>
-          <p:nvPr userDrawn="1"/>
-        </p:nvPicPr>
-        <p:blipFill>
-          <a:blip r:embed="rId3" cstate="print">
-            <a:extLst>
-              <a:ext uri="{28A0092B-C50C-407E-A947-70E740481C1C}">
-                <a14:useLocalDpi xmlns:a14="http://schemas.microsoft.com/office/drawing/2010/main"/>
-              </a:ext>
-            </a:extLst>
-          </a:blip>
-          <a:stretch>
-            <a:fillRect/>
-          </a:stretch>
-        </p:blipFill>
-        <p:spPr>
-          <a:xfrm>
-            <a:off x="10524350" y="5249556"/>
-            <a:ext cx="970156" cy="965726"/>
-          </a:xfrm>
-          <a:prstGeom prst="rect">
-            <a:avLst/>
-          </a:prstGeom>
-        </p:spPr>
-      </p:pic>
-      <p:pic>
-        <p:nvPicPr>
-          <p:cNvPr id="17" name="Picture Logo FB" descr="Facebook logo">
-            <a:hlinkClick r:id="rId4" tooltip="Software University @ Facebook"/>
-            <a:extLst>
-              <a:ext uri="{FF2B5EF4-FFF2-40B4-BE49-F238E27FC236}">
-                <a16:creationId xmlns:a16="http://schemas.microsoft.com/office/drawing/2014/main" id="{6B2C510E-5EF2-49F6-B926-2BD74CD3C7F8}"/>
-              </a:ext>
-            </a:extLst>
-          </p:cNvPr>
-          <p:cNvPicPr>
-            <a:picLocks noChangeAspect="1" noChangeArrowheads="1"/>
-          </p:cNvPicPr>
-          <p:nvPr userDrawn="1"/>
-        </p:nvPicPr>
-        <p:blipFill rotWithShape="1">
-          <a:blip r:embed="rId5" cstate="print">
-            <a:extLst>
-              <a:ext uri="{28A0092B-C50C-407E-A947-70E740481C1C}">
-                <a14:useLocalDpi xmlns:a14="http://schemas.microsoft.com/office/drawing/2010/main"/>
-              </a:ext>
-            </a:extLst>
-          </a:blip>
-          <a:srcRect/>
-          <a:stretch/>
-        </p:blipFill>
-        <p:spPr bwMode="auto">
-          <a:xfrm>
-            <a:off x="10507451" y="3689937"/>
-            <a:ext cx="1003954" cy="1017562"/>
-          </a:xfrm>
-          <a:prstGeom prst="rect">
-            <a:avLst/>
-          </a:prstGeom>
-          <a:noFill/>
-          <a:extLst>
-            <a:ext uri="{909E8E84-426E-40DD-AFC4-6F175D3DCCD1}">
-              <a14:hiddenFill xmlns:a14="http://schemas.microsoft.com/office/drawing/2010/main">
-                <a:solidFill>
-                  <a:srgbClr val="FFFFFF"/>
-                </a:solidFill>
-              </a14:hiddenFill>
-            </a:ext>
-          </a:extLst>
-        </p:spPr>
-      </p:pic>
-      <p:pic>
-        <p:nvPicPr>
-          <p:cNvPr id="20" name="Picture Logo SoftUni Right" descr="Software University logo">
-            <a:hlinkClick r:id="rId6"/>
-            <a:extLst>
-              <a:ext uri="{FF2B5EF4-FFF2-40B4-BE49-F238E27FC236}">
-                <a16:creationId xmlns:a16="http://schemas.microsoft.com/office/drawing/2014/main" id="{F4604840-E810-44B7-9FF1-3B28CD68B758}"/>
-              </a:ext>
-            </a:extLst>
-          </p:cNvPr>
-          <p:cNvPicPr>
-            <a:picLocks noChangeAspect="1"/>
-          </p:cNvPicPr>
-          <p:nvPr userDrawn="1"/>
-        </p:nvPicPr>
-        <p:blipFill>
-          <a:blip r:embed="rId7" cstate="hqprint">
-            <a:extLst>
-              <a:ext uri="{28A0092B-C50C-407E-A947-70E740481C1C}">
-                <a14:useLocalDpi xmlns:a14="http://schemas.microsoft.com/office/drawing/2010/main" val="0"/>
-              </a:ext>
-            </a:extLst>
-          </a:blip>
-          <a:stretch>
-            <a:fillRect/>
-          </a:stretch>
-        </p:blipFill>
-        <p:spPr>
-          <a:xfrm>
-            <a:off x="10413401" y="1674000"/>
-            <a:ext cx="1192055" cy="1473880"/>
-          </a:xfrm>
-          <a:prstGeom prst="rect">
-            <a:avLst/>
-          </a:prstGeom>
-        </p:spPr>
-      </p:pic>
-      <p:pic>
-        <p:nvPicPr>
-          <p:cNvPr id="16" name="Picture SoftUni Mascot" descr="SoftUni mascot">
-            <a:hlinkClick r:id="rId8"/>
-            <a:extLst>
-              <a:ext uri="{FF2B5EF4-FFF2-40B4-BE49-F238E27FC236}">
-                <a16:creationId xmlns:a16="http://schemas.microsoft.com/office/drawing/2014/main" id="{07C965FA-A87E-4824-AFA8-C67AF548A76A}"/>
-              </a:ext>
-            </a:extLst>
-          </p:cNvPr>
-          <p:cNvPicPr>
-            <a:picLocks noChangeAspect="1"/>
-          </p:cNvPicPr>
-          <p:nvPr/>
-        </p:nvPicPr>
-        <p:blipFill>
-          <a:blip r:embed="rId9">
-            <a:extLst>
-              <a:ext uri="{28A0092B-C50C-407E-A947-70E740481C1C}">
-                <a14:useLocalDpi xmlns:a14="http://schemas.microsoft.com/office/drawing/2010/main" val="0"/>
-              </a:ext>
-            </a:extLst>
-          </a:blip>
-          <a:srcRect/>
-          <a:stretch/>
-        </p:blipFill>
-        <p:spPr>
-          <a:xfrm>
-            <a:off x="7181957" y="2584289"/>
-            <a:ext cx="2732955" cy="3630993"/>
-          </a:xfrm>
-          <a:prstGeom prst="rect">
-            <a:avLst/>
-          </a:prstGeom>
-        </p:spPr>
-      </p:pic>
-      <p:sp>
-        <p:nvSpPr>
-          <p:cNvPr id="12" name="Slide Body Text">
-            <a:extLst>
-              <a:ext uri="{FF2B5EF4-FFF2-40B4-BE49-F238E27FC236}">
-                <a16:creationId xmlns:a16="http://schemas.microsoft.com/office/drawing/2014/main" id="{0C1F9416-8B6E-46DE-973C-777785E27A26}"/>
-              </a:ext>
-            </a:extLst>
-          </p:cNvPr>
-          <p:cNvSpPr>
-            <a:spLocks noGrp="1"/>
-          </p:cNvSpPr>
-          <p:nvPr>
-            <p:ph idx="4294967295" hasCustomPrompt="1"/>
-          </p:nvPr>
-        </p:nvSpPr>
-        <p:spPr>
-          <a:xfrm>
-            <a:off x="152410" y="1186307"/>
-            <a:ext cx="8688590" cy="5496127"/>
-          </a:xfrm>
-        </p:spPr>
-        <p:txBody>
-          <a:bodyPr wrap="square">
-            <a:noAutofit/>
-          </a:bodyPr>
-          <a:lstStyle>
-            <a:lvl1pPr latinLnBrk="0">
-              <a:buClr>
-                <a:schemeClr val="tx1"/>
-              </a:buClr>
-              <a:defRPr sz="2798"/>
-            </a:lvl1pPr>
-            <a:lvl2pPr marL="989981" marR="0" indent="-380762" algn="l" defTabSz="1218438" rtl="0" eaLnBrk="1" fontAlgn="auto" latinLnBrk="1" hangingPunct="1">
-              <a:lnSpc>
-                <a:spcPct val="100000"/>
-              </a:lnSpc>
-              <a:spcBef>
-                <a:spcPts val="600"/>
-              </a:spcBef>
-              <a:spcAft>
-                <a:spcPts val="600"/>
-              </a:spcAft>
-              <a:buClrTx/>
-              <a:buSzTx/>
-              <a:buFont typeface="Wingdings" panose="05000000000000000000" pitchFamily="2" charset="2"/>
-              <a:buChar char="§"/>
-              <a:tabLst>
-                <a:tab pos="282405" algn="l"/>
-              </a:tabLst>
-              <a:defRPr sz="2800"/>
-            </a:lvl2pPr>
-            <a:lvl3pPr>
-              <a:buClr>
-                <a:schemeClr val="tx1"/>
-              </a:buClr>
-              <a:defRPr/>
-            </a:lvl3pPr>
-          </a:lstStyle>
-          <a:p>
-            <a:r>
-              <a:rPr lang="en-US" sz="3000" noProof="0" dirty="0"/>
-              <a:t>Software University – High-Quality Education, Profession and Job for Software Developers</a:t>
-            </a:r>
-          </a:p>
-          <a:p>
-            <a:pPr lvl="1"/>
-            <a:r>
-              <a:rPr lang="en-US" noProof="1">
-                <a:hlinkClick r:id="rId8"/>
-              </a:rPr>
-              <a:t>softuni.bg</a:t>
-            </a:r>
-            <a:r>
-              <a:rPr lang="en-US" noProof="1"/>
-              <a:t> </a:t>
-            </a:r>
-          </a:p>
-          <a:p>
-            <a:r>
-              <a:rPr lang="en-US" sz="3000" noProof="0" dirty="0"/>
-              <a:t>Software University Foundation</a:t>
-            </a:r>
-          </a:p>
-          <a:p>
-            <a:pPr lvl="1"/>
-            <a:r>
-              <a:rPr lang="en-US" noProof="1">
-                <a:hlinkClick r:id="rId10"/>
-              </a:rPr>
-              <a:t>softuni.foundation</a:t>
-            </a:r>
-            <a:endParaRPr lang="en-US" noProof="1"/>
-          </a:p>
-          <a:p>
-            <a:r>
-              <a:rPr lang="en-US" sz="3000" noProof="0" dirty="0"/>
-              <a:t>Software University @ Facebook</a:t>
-            </a:r>
-          </a:p>
-          <a:p>
-            <a:pPr lvl="1"/>
-            <a:r>
-              <a:rPr lang="en-US" noProof="1">
-                <a:hlinkClick r:id="rId4"/>
-              </a:rPr>
-              <a:t>facebook.com/SoftwareUniversity</a:t>
-            </a:r>
-            <a:endParaRPr lang="en-US" noProof="1"/>
-          </a:p>
-          <a:p>
-            <a:r>
-              <a:rPr lang="en-US" sz="3000" noProof="0" dirty="0"/>
-              <a:t>Software University Forums</a:t>
-            </a:r>
-          </a:p>
-          <a:p>
-            <a:pPr lvl="1"/>
-            <a:r>
-              <a:rPr lang="en-US" noProof="1">
-                <a:hlinkClick r:id="rId2"/>
-              </a:rPr>
-              <a:t>forum.softuni.bg</a:t>
-            </a:r>
-            <a:endParaRPr lang="en-US" noProof="1"/>
-          </a:p>
-        </p:txBody>
-      </p:sp>
-      <p:sp>
-        <p:nvSpPr>
-          <p:cNvPr id="10" name="Rectangle Top">
-            <a:extLst>
-              <a:ext uri="{FF2B5EF4-FFF2-40B4-BE49-F238E27FC236}">
-                <a16:creationId xmlns:a16="http://schemas.microsoft.com/office/drawing/2014/main" id="{86646B95-5E3B-4DE8-9118-031C2C296D8C}"/>
-              </a:ext>
-            </a:extLst>
-          </p:cNvPr>
-          <p:cNvSpPr/>
-          <p:nvPr userDrawn="1"/>
-        </p:nvSpPr>
-        <p:spPr>
-          <a:xfrm>
-            <a:off x="0" y="0"/>
-            <a:ext cx="12195176" cy="1095376"/>
-          </a:xfrm>
-          <a:prstGeom prst="rect">
-            <a:avLst/>
-          </a:prstGeom>
-          <a:solidFill>
-            <a:schemeClr val="tx2"/>
-          </a:solidFill>
-          <a:ln>
-            <a:noFill/>
-          </a:ln>
-        </p:spPr>
-        <p:style>
-          <a:lnRef idx="2">
-            <a:schemeClr val="accent1">
-              <a:shade val="50000"/>
-            </a:schemeClr>
-          </a:lnRef>
-          <a:fillRef idx="1">
-            <a:schemeClr val="accent1"/>
-          </a:fillRef>
-          <a:effectRef idx="0">
-            <a:schemeClr val="accent1"/>
-          </a:effectRef>
-          <a:fontRef idx="minor">
-            <a:schemeClr val="lt1"/>
-          </a:fontRef>
-        </p:style>
-        <p:txBody>
-          <a:bodyPr rtlCol="0" anchor="ctr"/>
-          <a:lstStyle/>
-          <a:p>
-            <a:pPr marL="0" marR="0" lvl="0" indent="0" algn="ctr" defTabSz="913852" rtl="0" eaLnBrk="1" fontAlgn="auto" latinLnBrk="0" hangingPunct="1">
-              <a:lnSpc>
-                <a:spcPct val="100000"/>
-              </a:lnSpc>
-              <a:spcBef>
-                <a:spcPts val="0"/>
-              </a:spcBef>
-              <a:spcAft>
-                <a:spcPts val="0"/>
-              </a:spcAft>
-              <a:buClrTx/>
-              <a:buSzTx/>
-              <a:buFontTx/>
-              <a:buNone/>
-              <a:tabLst/>
-              <a:defRPr/>
-            </a:pPr>
-            <a:endParaRPr kumimoji="0" lang="en-US" altLang="ko-KR" sz="2398" b="0" i="0" u="none" strike="noStrike" kern="1200" cap="none" spc="0" normalizeH="0" baseline="0" noProof="0" dirty="0">
-              <a:ln>
-                <a:noFill/>
-              </a:ln>
-              <a:solidFill>
-                <a:srgbClr val="F7C86D"/>
-              </a:solidFill>
-              <a:effectLst/>
-              <a:uLnTx/>
-              <a:uFillTx/>
-              <a:latin typeface="Calibri" panose="020F0502020204030204"/>
-              <a:ea typeface="맑은 고딕" panose="020B0503020000020004" pitchFamily="34" charset="-127"/>
-              <a:cs typeface="+mn-cs"/>
-            </a:endParaRPr>
-          </a:p>
-        </p:txBody>
-      </p:sp>
-      <p:pic>
-        <p:nvPicPr>
-          <p:cNvPr id="11" name="Logo Software University" descr="Software University logo">
-            <a:extLst>
-              <a:ext uri="{FF2B5EF4-FFF2-40B4-BE49-F238E27FC236}">
-                <a16:creationId xmlns:a16="http://schemas.microsoft.com/office/drawing/2014/main" id="{58AB1944-B146-4E89-B2D9-426EB610F319}"/>
-              </a:ext>
-            </a:extLst>
-          </p:cNvPr>
-          <p:cNvPicPr>
-            <a:picLocks noChangeAspect="1"/>
-          </p:cNvPicPr>
-          <p:nvPr userDrawn="1"/>
-        </p:nvPicPr>
-        <p:blipFill>
-          <a:blip r:embed="rId11" cstate="hqprint">
-            <a:extLst>
-              <a:ext uri="{28A0092B-C50C-407E-A947-70E740481C1C}">
-                <a14:useLocalDpi xmlns:a14="http://schemas.microsoft.com/office/drawing/2010/main" val="0"/>
-              </a:ext>
-            </a:extLst>
-          </a:blip>
-          <a:stretch>
-            <a:fillRect/>
-          </a:stretch>
-        </p:blipFill>
-        <p:spPr>
-          <a:xfrm>
-            <a:off x="10067957" y="253936"/>
-            <a:ext cx="1915704" cy="559235"/>
-          </a:xfrm>
-          <a:prstGeom prst="rect">
-            <a:avLst/>
-          </a:prstGeom>
-        </p:spPr>
-      </p:pic>
-      <p:sp>
-        <p:nvSpPr>
-          <p:cNvPr id="18" name="Slide Title">
-            <a:extLst>
-              <a:ext uri="{FF2B5EF4-FFF2-40B4-BE49-F238E27FC236}">
-                <a16:creationId xmlns:a16="http://schemas.microsoft.com/office/drawing/2014/main" id="{AE87ED9C-76E1-4D85-9B06-3AF44AABB668}"/>
-              </a:ext>
-            </a:extLst>
-          </p:cNvPr>
-          <p:cNvSpPr>
-            <a:spLocks noGrp="1"/>
-          </p:cNvSpPr>
-          <p:nvPr>
-            <p:ph type="title" hasCustomPrompt="1"/>
-          </p:nvPr>
-        </p:nvSpPr>
-        <p:spPr>
-          <a:xfrm>
-            <a:off x="172286" y="108873"/>
-            <a:ext cx="9742626" cy="882654"/>
-          </a:xfrm>
-        </p:spPr>
-        <p:txBody>
-          <a:bodyPr/>
-          <a:lstStyle>
-            <a:lvl1pPr latinLnBrk="0">
-              <a:defRPr>
-                <a:solidFill>
-                  <a:schemeClr val="bg2"/>
-                </a:solidFill>
-              </a:defRPr>
-            </a:lvl1pPr>
-          </a:lstStyle>
-          <a:p>
-            <a:r>
-              <a:rPr lang="en-US" noProof="0" dirty="0"/>
-              <a:t>Trainings @ Software University (SoftUni)</a:t>
-            </a:r>
-          </a:p>
-        </p:txBody>
-      </p:sp>
-    </p:spTree>
-    <p:extLst>
-      <p:ext uri="{BB962C8B-B14F-4D97-AF65-F5344CB8AC3E}">
-        <p14:creationId xmlns:p14="http://schemas.microsoft.com/office/powerpoint/2010/main" val="2196466322"/>
-      </p:ext>
-    </p:extLst>
-  </p:cSld>
-  <p:clrMapOvr>
-    <a:masterClrMapping/>
-  </p:clrMapOvr>
-  <mc:AlternateContent xmlns:mc="http://schemas.openxmlformats.org/markup-compatibility/2006" xmlns:p14="http://schemas.microsoft.com/office/powerpoint/2010/main">
-    <mc:Choice Requires="p14">
-      <p:transition spd="slow" p14:dur="2000" advClick="0" advTm="5000"/>
-    </mc:Choice>
-    <mc:Fallback xmlns="">
-      <p:transition spd="slow" advClick="0" advTm="5000"/>
-    </mc:Fallback>
-  </mc:AlternateContent>
 </p:sldLayout>
 </file>
 
@@ -4998,7 +3605,7 @@
               <a:tabLst/>
               <a:defRPr/>
             </a:pPr>
-            <a:endParaRPr kumimoji="0" lang="en-US" altLang="ko-KR" sz="2398" b="0" i="0" u="none" strike="noStrike" kern="1200" cap="none" spc="0" normalizeH="0" baseline="0" noProof="0" dirty="0">
+            <a:endParaRPr kumimoji="0" lang="en-US" altLang="ko-KR" sz="2398" b="0" i="0" u="none" strike="noStrike" kern="1200" cap="none" spc="0" normalizeH="0" baseline="0" noProof="0">
               <a:ln>
                 <a:noFill/>
               </a:ln>
@@ -5326,7 +3933,7 @@
               <a:tabLst/>
               <a:defRPr/>
             </a:pPr>
-            <a:endParaRPr kumimoji="0" lang="en-US" altLang="ko-KR" sz="2398" b="0" i="0" u="none" strike="noStrike" kern="1200" cap="none" spc="0" normalizeH="0" baseline="0" noProof="0" dirty="0">
+            <a:endParaRPr kumimoji="0" lang="en-US" altLang="ko-KR" sz="2398" b="0" i="0" u="none" strike="noStrike" kern="1200" cap="none" spc="0" normalizeH="0" baseline="0" noProof="0">
               <a:ln>
                 <a:noFill/>
               </a:ln>
@@ -5343,42 +3950,6 @@
           </a:p>
         </p:txBody>
       </p:sp>
-      <p:pic>
-        <p:nvPicPr>
-          <p:cNvPr id="12" name="Logo Software University" descr="Software University logo">
-            <a:extLst>
-              <a:ext uri="{FF2B5EF4-FFF2-40B4-BE49-F238E27FC236}">
-                <a16:creationId xmlns:a16="http://schemas.microsoft.com/office/drawing/2014/main" id="{B1D3B425-B9BF-43ED-9DEC-C05002FBA22F}"/>
-              </a:ext>
-            </a:extLst>
-          </p:cNvPr>
-          <p:cNvPicPr>
-            <a:picLocks noChangeAspect="1"/>
-          </p:cNvPicPr>
-          <p:nvPr userDrawn="1"/>
-        </p:nvPicPr>
-        <p:blipFill>
-          <a:blip r:embed="rId2" cstate="hqprint">
-            <a:extLst>
-              <a:ext uri="{28A0092B-C50C-407E-A947-70E740481C1C}">
-                <a14:useLocalDpi xmlns:a14="http://schemas.microsoft.com/office/drawing/2010/main" val="0"/>
-              </a:ext>
-            </a:extLst>
-          </a:blip>
-          <a:stretch>
-            <a:fillRect/>
-          </a:stretch>
-        </p:blipFill>
-        <p:spPr>
-          <a:xfrm>
-            <a:off x="10067957" y="253936"/>
-            <a:ext cx="1915704" cy="559235"/>
-          </a:xfrm>
-          <a:prstGeom prst="rect">
-            <a:avLst/>
-          </a:prstGeom>
-        </p:spPr>
-      </p:pic>
       <p:sp>
         <p:nvSpPr>
           <p:cNvPr id="6" name="Slide Title">
@@ -5398,7 +3969,7 @@
         <p:spPr>
           <a:xfrm>
             <a:off x="190406" y="100750"/>
-            <a:ext cx="9715594" cy="882654"/>
+            <a:ext cx="10270594" cy="882654"/>
           </a:xfrm>
         </p:spPr>
         <p:txBody>
@@ -5420,6 +3991,42 @@
           </a:p>
         </p:txBody>
       </p:sp>
+      <p:pic>
+        <p:nvPicPr>
+          <p:cNvPr id="4" name="Picture 3">
+            <a:extLst>
+              <a:ext uri="{FF2B5EF4-FFF2-40B4-BE49-F238E27FC236}">
+                <a16:creationId xmlns:a16="http://schemas.microsoft.com/office/drawing/2014/main" id="{4B9A1D0F-F579-6A3C-C698-4E2E7F1AB265}"/>
+              </a:ext>
+            </a:extLst>
+          </p:cNvPr>
+          <p:cNvPicPr>
+            <a:picLocks noChangeAspect="1"/>
+          </p:cNvPicPr>
+          <p:nvPr userDrawn="1"/>
+        </p:nvPicPr>
+        <p:blipFill>
+          <a:blip r:embed="rId2" cstate="print">
+            <a:extLst>
+              <a:ext uri="{28A0092B-C50C-407E-A947-70E740481C1C}">
+                <a14:useLocalDpi xmlns:a14="http://schemas.microsoft.com/office/drawing/2010/main" val="0"/>
+              </a:ext>
+            </a:extLst>
+          </a:blip>
+          <a:stretch>
+            <a:fillRect/>
+          </a:stretch>
+        </p:blipFill>
+        <p:spPr>
+          <a:xfrm>
+            <a:off x="10553573" y="368999"/>
+            <a:ext cx="1443361" cy="360001"/>
+          </a:xfrm>
+          <a:prstGeom prst="rect">
+            <a:avLst/>
+          </a:prstGeom>
+        </p:spPr>
+      </p:pic>
     </p:spTree>
     <p:extLst>
       <p:ext uri="{BB962C8B-B14F-4D97-AF65-F5344CB8AC3E}">
@@ -5442,371 +4049,6 @@
 </file>
 
 <file path=ppt/slideLayouts/slideLayout4.xml><?xml version="1.0" encoding="utf-8"?>
-<p:sldLayout xmlns:a="http://schemas.openxmlformats.org/drawingml/2006/main" xmlns:r="http://schemas.openxmlformats.org/officeDocument/2006/relationships" xmlns:p="http://schemas.openxmlformats.org/presentationml/2006/main" preserve="1" userDrawn="1">
-  <p:cSld name="Table of Contents">
-    <p:spTree>
-      <p:nvGrpSpPr>
-        <p:cNvPr id="1" name=""/>
-        <p:cNvGrpSpPr/>
-        <p:nvPr/>
-      </p:nvGrpSpPr>
-      <p:grpSpPr>
-        <a:xfrm>
-          <a:off x="0" y="0"/>
-          <a:ext cx="0" cy="0"/>
-          <a:chOff x="0" y="0"/>
-          <a:chExt cx="0" cy="0"/>
-        </a:xfrm>
-      </p:grpSpPr>
-      <p:sp>
-        <p:nvSpPr>
-          <p:cNvPr id="10" name="Slide Number">
-            <a:extLst>
-              <a:ext uri="{FF2B5EF4-FFF2-40B4-BE49-F238E27FC236}">
-                <a16:creationId xmlns:a16="http://schemas.microsoft.com/office/drawing/2014/main" id="{39DDE17E-5472-41F3-AF5F-54DFF10DC63C}"/>
-              </a:ext>
-            </a:extLst>
-          </p:cNvPr>
-          <p:cNvSpPr>
-            <a:spLocks noGrp="1"/>
-          </p:cNvSpPr>
-          <p:nvPr>
-            <p:ph type="sldNum" sz="quarter" idx="4"/>
-          </p:nvPr>
-        </p:nvSpPr>
-        <p:spPr>
-          <a:xfrm>
-            <a:off x="11753030" y="6507000"/>
-            <a:ext cx="367414" cy="297000"/>
-          </a:xfrm>
-          <a:prstGeom prst="rect">
-            <a:avLst/>
-          </a:prstGeom>
-        </p:spPr>
-        <p:txBody>
-          <a:bodyPr vert="horz" lIns="91440" tIns="45720" rIns="91440" bIns="45720" rtlCol="0" anchor="b"/>
-          <a:lstStyle>
-            <a:lvl1pPr algn="r">
-              <a:defRPr sz="1000"/>
-            </a:lvl1pPr>
-          </a:lstStyle>
-          <a:p>
-            <a:fld id="{2BF067CD-8E6B-4360-9AA8-C5DF2A48A6D1}" type="slidenum">
-              <a:rPr lang="en-US" noProof="0" smtClean="0"/>
-              <a:pPr/>
-              <a:t>‹#›</a:t>
-            </a:fld>
-            <a:endParaRPr lang="en-US" noProof="0" dirty="0"/>
-          </a:p>
-        </p:txBody>
-      </p:sp>
-      <p:pic>
-        <p:nvPicPr>
-          <p:cNvPr id="9" name="Picture SoftUni Mascot" descr="SoftUni mascot with laptop">
-            <a:extLst>
-              <a:ext uri="{FF2B5EF4-FFF2-40B4-BE49-F238E27FC236}">
-                <a16:creationId xmlns:a16="http://schemas.microsoft.com/office/drawing/2014/main" id="{DC4365F6-D2C1-47B4-8477-38FD2C7711AA}"/>
-              </a:ext>
-            </a:extLst>
-          </p:cNvPr>
-          <p:cNvPicPr>
-            <a:picLocks noChangeAspect="1"/>
-          </p:cNvPicPr>
-          <p:nvPr/>
-        </p:nvPicPr>
-        <p:blipFill>
-          <a:blip r:embed="rId2" cstate="print">
-            <a:extLst>
-              <a:ext uri="{28A0092B-C50C-407E-A947-70E740481C1C}">
-                <a14:useLocalDpi xmlns:a14="http://schemas.microsoft.com/office/drawing/2010/main" val="0"/>
-              </a:ext>
-            </a:extLst>
-          </a:blip>
-          <a:stretch>
-            <a:fillRect/>
-          </a:stretch>
-        </p:blipFill>
-        <p:spPr>
-          <a:xfrm flipH="1">
-            <a:off x="9516000" y="3408496"/>
-            <a:ext cx="2251057" cy="3044431"/>
-          </a:xfrm>
-          <a:prstGeom prst="rect">
-            <a:avLst/>
-          </a:prstGeom>
-        </p:spPr>
-      </p:pic>
-      <p:sp>
-        <p:nvSpPr>
-          <p:cNvPr id="23" name="Slide Body Text">
-            <a:extLst>
-              <a:ext uri="{FF2B5EF4-FFF2-40B4-BE49-F238E27FC236}">
-                <a16:creationId xmlns:a16="http://schemas.microsoft.com/office/drawing/2014/main" id="{889D93F4-ABFA-46BF-8E5D-FE6562ACB20F}"/>
-              </a:ext>
-            </a:extLst>
-          </p:cNvPr>
-          <p:cNvSpPr>
-            <a:spLocks noGrp="1"/>
-          </p:cNvSpPr>
-          <p:nvPr>
-            <p:ph type="body" sz="quarter" idx="13" hasCustomPrompt="1"/>
-          </p:nvPr>
-        </p:nvSpPr>
-        <p:spPr>
-          <a:xfrm>
-            <a:off x="196766" y="1371604"/>
-            <a:ext cx="9049234" cy="5207396"/>
-          </a:xfrm>
-        </p:spPr>
-        <p:txBody>
-          <a:bodyPr>
-            <a:normAutofit/>
-          </a:bodyPr>
-          <a:lstStyle>
-            <a:lvl1pPr marL="514042" indent="-514042" latinLnBrk="0">
-              <a:buFont typeface="+mj-lt"/>
-              <a:buAutoNum type="arabicPeriod"/>
-              <a:defRPr sz="3600">
-                <a:solidFill>
-                  <a:schemeClr val="tx1"/>
-                </a:solidFill>
-              </a:defRPr>
-            </a:lvl1pPr>
-            <a:lvl2pPr>
-              <a:defRPr sz="3400"/>
-            </a:lvl2pPr>
-          </a:lstStyle>
-          <a:p>
-            <a:pPr lvl="0"/>
-            <a:r>
-              <a:rPr lang="en-US" noProof="0"/>
-              <a:t>…</a:t>
-            </a:r>
-          </a:p>
-          <a:p>
-            <a:pPr lvl="1"/>
-            <a:r>
-              <a:rPr lang="en-US" noProof="0"/>
-              <a:t>…</a:t>
-            </a:r>
-          </a:p>
-          <a:p>
-            <a:pPr lvl="1"/>
-            <a:r>
-              <a:rPr lang="en-US" noProof="0"/>
-              <a:t>…</a:t>
-            </a:r>
-          </a:p>
-          <a:p>
-            <a:pPr lvl="0"/>
-            <a:r>
-              <a:rPr lang="en-US" noProof="0"/>
-              <a:t>…</a:t>
-            </a:r>
-          </a:p>
-          <a:p>
-            <a:pPr lvl="1"/>
-            <a:r>
-              <a:rPr lang="en-US" noProof="0"/>
-              <a:t>…</a:t>
-            </a:r>
-          </a:p>
-          <a:p>
-            <a:pPr lvl="1"/>
-            <a:r>
-              <a:rPr lang="en-US" noProof="0"/>
-              <a:t>…</a:t>
-            </a:r>
-          </a:p>
-          <a:p>
-            <a:pPr lvl="0"/>
-            <a:r>
-              <a:rPr lang="en-US" noProof="0"/>
-              <a:t>…</a:t>
-            </a:r>
-          </a:p>
-        </p:txBody>
-      </p:sp>
-      <p:sp>
-        <p:nvSpPr>
-          <p:cNvPr id="8" name="Rectangle Top">
-            <a:extLst>
-              <a:ext uri="{FF2B5EF4-FFF2-40B4-BE49-F238E27FC236}">
-                <a16:creationId xmlns:a16="http://schemas.microsoft.com/office/drawing/2014/main" id="{930E0800-9260-4369-8330-8264DD33C5CE}"/>
-              </a:ext>
-            </a:extLst>
-          </p:cNvPr>
-          <p:cNvSpPr/>
-          <p:nvPr userDrawn="1"/>
-        </p:nvSpPr>
-        <p:spPr>
-          <a:xfrm>
-            <a:off x="0" y="0"/>
-            <a:ext cx="12196800" cy="1095376"/>
-          </a:xfrm>
-          <a:prstGeom prst="rect">
-            <a:avLst/>
-          </a:prstGeom>
-          <a:solidFill>
-            <a:schemeClr val="tx2"/>
-          </a:solidFill>
-          <a:ln>
-            <a:noFill/>
-          </a:ln>
-        </p:spPr>
-        <p:style>
-          <a:lnRef idx="2">
-            <a:schemeClr val="accent1">
-              <a:shade val="50000"/>
-            </a:schemeClr>
-          </a:lnRef>
-          <a:fillRef idx="1">
-            <a:schemeClr val="accent1"/>
-          </a:fillRef>
-          <a:effectRef idx="0">
-            <a:schemeClr val="accent1"/>
-          </a:effectRef>
-          <a:fontRef idx="minor">
-            <a:schemeClr val="lt1"/>
-          </a:fontRef>
-        </p:style>
-        <p:txBody>
-          <a:bodyPr rtlCol="0" anchor="ctr"/>
-          <a:lstStyle/>
-          <a:p>
-            <a:pPr marL="0" marR="0" lvl="0" indent="0" algn="ctr" defTabSz="913852" rtl="0" eaLnBrk="1" fontAlgn="auto" latinLnBrk="0" hangingPunct="1">
-              <a:lnSpc>
-                <a:spcPct val="100000"/>
-              </a:lnSpc>
-              <a:spcBef>
-                <a:spcPts val="0"/>
-              </a:spcBef>
-              <a:spcAft>
-                <a:spcPts val="0"/>
-              </a:spcAft>
-              <a:buClrTx/>
-              <a:buSzTx/>
-              <a:buFontTx/>
-              <a:buNone/>
-              <a:tabLst/>
-              <a:defRPr/>
-            </a:pPr>
-            <a:endParaRPr kumimoji="0" lang="en-US" altLang="ko-KR" sz="2398" b="0" i="0" u="none" strike="noStrike" kern="1200" cap="none" spc="0" normalizeH="0" baseline="0" noProof="0" dirty="0">
-              <a:ln>
-                <a:noFill/>
-              </a:ln>
-              <a:solidFill>
-                <a:srgbClr val="F7C86D"/>
-              </a:solidFill>
-              <a:effectLst/>
-              <a:uLnTx/>
-              <a:uFillTx/>
-              <a:latin typeface="Calibri" panose="020F0502020204030204"/>
-              <a:ea typeface="맑은 고딕" panose="020B0503020000020004" pitchFamily="34" charset="-127"/>
-              <a:cs typeface="+mn-cs"/>
-            </a:endParaRPr>
-          </a:p>
-        </p:txBody>
-      </p:sp>
-      <p:pic>
-        <p:nvPicPr>
-          <p:cNvPr id="11" name="Logo Software University" descr="Software University logo">
-            <a:extLst>
-              <a:ext uri="{FF2B5EF4-FFF2-40B4-BE49-F238E27FC236}">
-                <a16:creationId xmlns:a16="http://schemas.microsoft.com/office/drawing/2014/main" id="{14F779A7-4A91-448B-BEFA-956C70A1C22F}"/>
-              </a:ext>
-            </a:extLst>
-          </p:cNvPr>
-          <p:cNvPicPr>
-            <a:picLocks noChangeAspect="1"/>
-          </p:cNvPicPr>
-          <p:nvPr userDrawn="1"/>
-        </p:nvPicPr>
-        <p:blipFill>
-          <a:blip r:embed="rId3" cstate="hqprint">
-            <a:extLst>
-              <a:ext uri="{28A0092B-C50C-407E-A947-70E740481C1C}">
-                <a14:useLocalDpi xmlns:a14="http://schemas.microsoft.com/office/drawing/2010/main" val="0"/>
-              </a:ext>
-            </a:extLst>
-          </a:blip>
-          <a:stretch>
-            <a:fillRect/>
-          </a:stretch>
-        </p:blipFill>
-        <p:spPr>
-          <a:xfrm>
-            <a:off x="10067957" y="253936"/>
-            <a:ext cx="1915704" cy="559235"/>
-          </a:xfrm>
-          <a:prstGeom prst="rect">
-            <a:avLst/>
-          </a:prstGeom>
-        </p:spPr>
-      </p:pic>
-      <p:sp>
-        <p:nvSpPr>
-          <p:cNvPr id="13" name="Slide Title">
-            <a:extLst>
-              <a:ext uri="{FF2B5EF4-FFF2-40B4-BE49-F238E27FC236}">
-                <a16:creationId xmlns:a16="http://schemas.microsoft.com/office/drawing/2014/main" id="{357D7BE1-6358-42CC-94F3-7BCDD91DCB6D}"/>
-              </a:ext>
-            </a:extLst>
-          </p:cNvPr>
-          <p:cNvSpPr>
-            <a:spLocks noGrp="1"/>
-          </p:cNvSpPr>
-          <p:nvPr>
-            <p:ph type="title" hasCustomPrompt="1"/>
-          </p:nvPr>
-        </p:nvSpPr>
-        <p:spPr>
-          <a:xfrm>
-            <a:off x="190406" y="100750"/>
-            <a:ext cx="9715594" cy="882654"/>
-          </a:xfrm>
-        </p:spPr>
-        <p:txBody>
-          <a:bodyPr/>
-          <a:lstStyle>
-            <a:lvl1pPr latinLnBrk="0">
-              <a:defRPr>
-                <a:solidFill>
-                  <a:schemeClr val="bg2"/>
-                </a:solidFill>
-              </a:defRPr>
-            </a:lvl1pPr>
-          </a:lstStyle>
-          <a:p>
-            <a:r>
-              <a:rPr lang="en-US" noProof="0" dirty="0"/>
-              <a:t>Table of Contents</a:t>
-            </a:r>
-          </a:p>
-        </p:txBody>
-      </p:sp>
-    </p:spTree>
-    <p:extLst>
-      <p:ext uri="{BB962C8B-B14F-4D97-AF65-F5344CB8AC3E}">
-        <p14:creationId xmlns:p14="http://schemas.microsoft.com/office/powerpoint/2010/main" val="1028724482"/>
-      </p:ext>
-    </p:extLst>
-  </p:cSld>
-  <p:clrMapOvr>
-    <a:masterClrMapping/>
-  </p:clrMapOvr>
-  <mc:AlternateContent xmlns:mc="http://schemas.openxmlformats.org/markup-compatibility/2006" xmlns:p14="http://schemas.microsoft.com/office/powerpoint/2010/main">
-    <mc:Choice Requires="p14">
-      <p:transition spd="slow" p14:dur="2000" advClick="0" advTm="5000"/>
-    </mc:Choice>
-    <mc:Fallback xmlns="">
-      <p:transition spd="slow" advClick="0" advTm="5000"/>
-    </mc:Fallback>
-  </mc:AlternateContent>
-</p:sldLayout>
-</file>
-
-<file path=ppt/slideLayouts/slideLayout5.xml><?xml version="1.0" encoding="utf-8"?>
 <p:sldLayout xmlns:a="http://schemas.openxmlformats.org/drawingml/2006/main" xmlns:r="http://schemas.openxmlformats.org/officeDocument/2006/relationships" xmlns:p="http://schemas.openxmlformats.org/presentationml/2006/main" preserve="1" userDrawn="1">
   <p:cSld name="Important Concept">
     <p:spTree>
@@ -6077,52 +4319,6 @@
           </a:p>
         </p:txBody>
       </p:sp>
-      <p:pic>
-        <p:nvPicPr>
-          <p:cNvPr id="3" name="Logo Software University" descr="Software University logo">
-            <a:extLst>
-              <a:ext uri="{FF2B5EF4-FFF2-40B4-BE49-F238E27FC236}">
-                <a16:creationId xmlns:a16="http://schemas.microsoft.com/office/drawing/2014/main" id="{5573C101-930B-47AC-967A-A64513DFFDEE}"/>
-              </a:ext>
-            </a:extLst>
-          </p:cNvPr>
-          <p:cNvPicPr>
-            <a:picLocks noChangeAspect="1"/>
-          </p:cNvPicPr>
-          <p:nvPr userDrawn="1"/>
-        </p:nvPicPr>
-        <p:blipFill>
-          <a:blip r:embed="rId3" cstate="hqprint">
-            <a:clrChange>
-              <a:clrFrom>
-                <a:srgbClr val="FFFFFF"/>
-              </a:clrFrom>
-              <a:clrTo>
-                <a:srgbClr val="FFFFFF">
-                  <a:alpha val="0"/>
-                </a:srgbClr>
-              </a:clrTo>
-            </a:clrChange>
-            <a:extLst>
-              <a:ext uri="{28A0092B-C50C-407E-A947-70E740481C1C}">
-                <a14:useLocalDpi xmlns:a14="http://schemas.microsoft.com/office/drawing/2010/main" val="0"/>
-              </a:ext>
-            </a:extLst>
-          </a:blip>
-          <a:stretch>
-            <a:fillRect/>
-          </a:stretch>
-        </p:blipFill>
-        <p:spPr>
-          <a:xfrm>
-            <a:off x="10008761" y="190267"/>
-            <a:ext cx="2013336" cy="690975"/>
-          </a:xfrm>
-          <a:prstGeom prst="rect">
-            <a:avLst/>
-          </a:prstGeom>
-        </p:spPr>
-      </p:pic>
       <p:sp>
         <p:nvSpPr>
           <p:cNvPr id="8" name="Slide Title">
@@ -6141,8 +4337,8 @@
         </p:nvSpPr>
         <p:spPr>
           <a:xfrm>
-            <a:off x="1296957" y="100750"/>
-            <a:ext cx="8625520" cy="882654"/>
+            <a:off x="1296956" y="100750"/>
+            <a:ext cx="9164044" cy="882654"/>
           </a:xfrm>
         </p:spPr>
         <p:txBody>
@@ -6160,6 +4356,42 @@
           </a:p>
         </p:txBody>
       </p:sp>
+      <p:pic>
+        <p:nvPicPr>
+          <p:cNvPr id="2" name="Picture 1">
+            <a:extLst>
+              <a:ext uri="{FF2B5EF4-FFF2-40B4-BE49-F238E27FC236}">
+                <a16:creationId xmlns:a16="http://schemas.microsoft.com/office/drawing/2014/main" id="{78CA5371-2597-CF8F-1859-226395807433}"/>
+              </a:ext>
+            </a:extLst>
+          </p:cNvPr>
+          <p:cNvPicPr>
+            <a:picLocks noChangeAspect="1"/>
+          </p:cNvPicPr>
+          <p:nvPr userDrawn="1"/>
+        </p:nvPicPr>
+        <p:blipFill>
+          <a:blip r:embed="rId3" cstate="print">
+            <a:extLst>
+              <a:ext uri="{28A0092B-C50C-407E-A947-70E740481C1C}">
+                <a14:useLocalDpi xmlns:a14="http://schemas.microsoft.com/office/drawing/2010/main" val="0"/>
+              </a:ext>
+            </a:extLst>
+          </a:blip>
+          <a:stretch>
+            <a:fillRect/>
+          </a:stretch>
+        </p:blipFill>
+        <p:spPr>
+          <a:xfrm>
+            <a:off x="10551877" y="362077"/>
+            <a:ext cx="1443357" cy="360000"/>
+          </a:xfrm>
+          <a:prstGeom prst="rect">
+            <a:avLst/>
+          </a:prstGeom>
+        </p:spPr>
+      </p:pic>
     </p:spTree>
     <p:extLst>
       <p:ext uri="{BB962C8B-B14F-4D97-AF65-F5344CB8AC3E}">
@@ -6181,7 +4413,7 @@
 </p:sldLayout>
 </file>
 
-<file path=ppt/slideLayouts/slideLayout6.xml><?xml version="1.0" encoding="utf-8"?>
+<file path=ppt/slideLayouts/slideLayout5.xml><?xml version="1.0" encoding="utf-8"?>
 <p:sldLayout xmlns:a="http://schemas.openxmlformats.org/drawingml/2006/main" xmlns:r="http://schemas.openxmlformats.org/officeDocument/2006/relationships" xmlns:p="http://schemas.openxmlformats.org/presentationml/2006/main" preserve="1">
   <p:cSld name="Important Example">
     <p:spTree>
@@ -6458,52 +4690,6 @@
           </a:p>
         </p:txBody>
       </p:sp>
-      <p:pic>
-        <p:nvPicPr>
-          <p:cNvPr id="16" name="Logo Software University" descr="Software University logo">
-            <a:extLst>
-              <a:ext uri="{FF2B5EF4-FFF2-40B4-BE49-F238E27FC236}">
-                <a16:creationId xmlns:a16="http://schemas.microsoft.com/office/drawing/2014/main" id="{EFEBB553-EACE-4B4F-8B4F-7629FDD910A4}"/>
-              </a:ext>
-            </a:extLst>
-          </p:cNvPr>
-          <p:cNvPicPr>
-            <a:picLocks noChangeAspect="1"/>
-          </p:cNvPicPr>
-          <p:nvPr userDrawn="1"/>
-        </p:nvPicPr>
-        <p:blipFill>
-          <a:blip r:embed="rId3" cstate="hqprint">
-            <a:clrChange>
-              <a:clrFrom>
-                <a:srgbClr val="FFFFFF"/>
-              </a:clrFrom>
-              <a:clrTo>
-                <a:srgbClr val="FFFFFF">
-                  <a:alpha val="0"/>
-                </a:srgbClr>
-              </a:clrTo>
-            </a:clrChange>
-            <a:extLst>
-              <a:ext uri="{28A0092B-C50C-407E-A947-70E740481C1C}">
-                <a14:useLocalDpi xmlns:a14="http://schemas.microsoft.com/office/drawing/2010/main" val="0"/>
-              </a:ext>
-            </a:extLst>
-          </a:blip>
-          <a:stretch>
-            <a:fillRect/>
-          </a:stretch>
-        </p:blipFill>
-        <p:spPr>
-          <a:xfrm>
-            <a:off x="10008761" y="190267"/>
-            <a:ext cx="2013336" cy="690975"/>
-          </a:xfrm>
-          <a:prstGeom prst="rect">
-            <a:avLst/>
-          </a:prstGeom>
-        </p:spPr>
-      </p:pic>
       <p:sp>
         <p:nvSpPr>
           <p:cNvPr id="13" name="Slide Title">
@@ -6522,8 +4708,8 @@
         </p:nvSpPr>
         <p:spPr>
           <a:xfrm>
-            <a:off x="1296957" y="100750"/>
-            <a:ext cx="8625520" cy="882654"/>
+            <a:off x="1296956" y="100750"/>
+            <a:ext cx="9164044" cy="882654"/>
           </a:xfrm>
         </p:spPr>
         <p:txBody>
@@ -6541,6 +4727,42 @@
           </a:p>
         </p:txBody>
       </p:sp>
+      <p:pic>
+        <p:nvPicPr>
+          <p:cNvPr id="2" name="Picture 1">
+            <a:extLst>
+              <a:ext uri="{FF2B5EF4-FFF2-40B4-BE49-F238E27FC236}">
+                <a16:creationId xmlns:a16="http://schemas.microsoft.com/office/drawing/2014/main" id="{A37AF1B9-D67A-246A-86B6-E28F19C52390}"/>
+              </a:ext>
+            </a:extLst>
+          </p:cNvPr>
+          <p:cNvPicPr>
+            <a:picLocks noChangeAspect="1"/>
+          </p:cNvPicPr>
+          <p:nvPr userDrawn="1"/>
+        </p:nvPicPr>
+        <p:blipFill>
+          <a:blip r:embed="rId3" cstate="print">
+            <a:extLst>
+              <a:ext uri="{28A0092B-C50C-407E-A947-70E740481C1C}">
+                <a14:useLocalDpi xmlns:a14="http://schemas.microsoft.com/office/drawing/2010/main" val="0"/>
+              </a:ext>
+            </a:extLst>
+          </a:blip>
+          <a:stretch>
+            <a:fillRect/>
+          </a:stretch>
+        </p:blipFill>
+        <p:spPr>
+          <a:xfrm>
+            <a:off x="10551877" y="362077"/>
+            <a:ext cx="1443357" cy="360000"/>
+          </a:xfrm>
+          <a:prstGeom prst="rect">
+            <a:avLst/>
+          </a:prstGeom>
+        </p:spPr>
+      </p:pic>
     </p:spTree>
     <p:extLst>
       <p:ext uri="{BB962C8B-B14F-4D97-AF65-F5344CB8AC3E}">
@@ -6562,7 +4784,7 @@
 </p:sldLayout>
 </file>
 
-<file path=ppt/slideLayouts/slideLayout7.xml><?xml version="1.0" encoding="utf-8"?>
+<file path=ppt/slideLayouts/slideLayout6.xml><?xml version="1.0" encoding="utf-8"?>
 <p:sldLayout xmlns:a="http://schemas.openxmlformats.org/drawingml/2006/main" xmlns:r="http://schemas.openxmlformats.org/officeDocument/2006/relationships" xmlns:p="http://schemas.openxmlformats.org/presentationml/2006/main" preserve="1" userDrawn="1">
   <p:cSld name="Blank Slide">
     <p:spTree>
@@ -6857,8 +5079,8 @@
         </p:nvSpPr>
         <p:spPr>
           <a:xfrm>
-            <a:off x="585176" y="100750"/>
-            <a:ext cx="11410061" cy="882654"/>
+            <a:off x="585177" y="100750"/>
+            <a:ext cx="9875824" cy="882654"/>
           </a:xfrm>
         </p:spPr>
         <p:txBody>
@@ -6876,6 +5098,42 @@
           </a:p>
         </p:txBody>
       </p:sp>
+      <p:pic>
+        <p:nvPicPr>
+          <p:cNvPr id="2" name="Picture 1">
+            <a:extLst>
+              <a:ext uri="{FF2B5EF4-FFF2-40B4-BE49-F238E27FC236}">
+                <a16:creationId xmlns:a16="http://schemas.microsoft.com/office/drawing/2014/main" id="{9C2C375B-43BF-D1DD-F160-1500A111885C}"/>
+              </a:ext>
+            </a:extLst>
+          </p:cNvPr>
+          <p:cNvPicPr>
+            <a:picLocks noChangeAspect="1"/>
+          </p:cNvPicPr>
+          <p:nvPr userDrawn="1"/>
+        </p:nvPicPr>
+        <p:blipFill>
+          <a:blip r:embed="rId3" cstate="print">
+            <a:extLst>
+              <a:ext uri="{28A0092B-C50C-407E-A947-70E740481C1C}">
+                <a14:useLocalDpi xmlns:a14="http://schemas.microsoft.com/office/drawing/2010/main" val="0"/>
+              </a:ext>
+            </a:extLst>
+          </a:blip>
+          <a:stretch>
+            <a:fillRect/>
+          </a:stretch>
+        </p:blipFill>
+        <p:spPr>
+          <a:xfrm>
+            <a:off x="10551877" y="362077"/>
+            <a:ext cx="1443357" cy="360000"/>
+          </a:xfrm>
+          <a:prstGeom prst="rect">
+            <a:avLst/>
+          </a:prstGeom>
+        </p:spPr>
+      </p:pic>
     </p:spTree>
     <p:extLst>
       <p:ext uri="{BB962C8B-B14F-4D97-AF65-F5344CB8AC3E}">
@@ -6897,7 +5155,7 @@
 </p:sldLayout>
 </file>
 
-<file path=ppt/slideLayouts/slideLayout8.xml><?xml version="1.0" encoding="utf-8"?>
+<file path=ppt/slideLayouts/slideLayout7.xml><?xml version="1.0" encoding="utf-8"?>
 <p:sldLayout xmlns:a="http://schemas.openxmlformats.org/drawingml/2006/main" xmlns:r="http://schemas.openxmlformats.org/officeDocument/2006/relationships" xmlns:p="http://schemas.openxmlformats.org/presentationml/2006/main" preserve="1" userDrawn="1">
   <p:cSld name="Source Code Example">
     <p:spTree>
@@ -6952,7 +5210,7 @@
               <a:pPr/>
               <a:t>‹#›</a:t>
             </a:fld>
-            <a:endParaRPr lang="en-US" noProof="0" dirty="0"/>
+            <a:endParaRPr lang="en-US" noProof="0"/>
           </a:p>
         </p:txBody>
       </p:sp>
@@ -6970,7 +5228,7 @@
         </p:nvSpPr>
         <p:spPr>
           <a:xfrm>
-            <a:off x="0" y="0"/>
+            <a:off x="0" y="1311"/>
             <a:ext cx="12196800" cy="1095376"/>
           </a:xfrm>
           <a:prstGeom prst="rect">
@@ -7037,48 +5295,12 @@
           </a:p>
         </p:txBody>
       </p:sp>
-      <p:pic>
-        <p:nvPicPr>
-          <p:cNvPr id="10" name="Logo Software University" descr="Software University logo">
+      <p:sp>
+        <p:nvSpPr>
+          <p:cNvPr id="12" name="Slide Body Text">
             <a:extLst>
               <a:ext uri="{FF2B5EF4-FFF2-40B4-BE49-F238E27FC236}">
-                <a16:creationId xmlns:a16="http://schemas.microsoft.com/office/drawing/2014/main" id="{8C01D7AF-7CBD-46E1-99F3-8EB60E838D91}"/>
-              </a:ext>
-            </a:extLst>
-          </p:cNvPr>
-          <p:cNvPicPr>
-            <a:picLocks noChangeAspect="1"/>
-          </p:cNvPicPr>
-          <p:nvPr userDrawn="1"/>
-        </p:nvPicPr>
-        <p:blipFill>
-          <a:blip r:embed="rId2" cstate="hqprint">
-            <a:extLst>
-              <a:ext uri="{28A0092B-C50C-407E-A947-70E740481C1C}">
-                <a14:useLocalDpi xmlns:a14="http://schemas.microsoft.com/office/drawing/2010/main" val="0"/>
-              </a:ext>
-            </a:extLst>
-          </a:blip>
-          <a:stretch>
-            <a:fillRect/>
-          </a:stretch>
-        </p:blipFill>
-        <p:spPr>
-          <a:xfrm>
-            <a:off x="10067957" y="253936"/>
-            <a:ext cx="1915704" cy="559235"/>
-          </a:xfrm>
-          <a:prstGeom prst="rect">
-            <a:avLst/>
-          </a:prstGeom>
-        </p:spPr>
-      </p:pic>
-      <p:sp>
-        <p:nvSpPr>
-          <p:cNvPr id="17" name="Slide Body Text">
-            <a:extLst>
-              <a:ext uri="{FF2B5EF4-FFF2-40B4-BE49-F238E27FC236}">
-                <a16:creationId xmlns:a16="http://schemas.microsoft.com/office/drawing/2014/main" id="{1E60575F-8475-4C78-97A7-27D7891D2770}"/>
+                <a16:creationId xmlns:a16="http://schemas.microsoft.com/office/drawing/2014/main" id="{B608ED73-CE88-49E4-8BFC-DBD6E9AE6B10}"/>
               </a:ext>
             </a:extLst>
           </p:cNvPr>
@@ -7086,32 +5308,52 @@
             <a:spLocks noGrp="1"/>
           </p:cNvSpPr>
           <p:nvPr>
-            <p:ph type="body" sz="quarter" idx="12" hasCustomPrompt="1"/>
+            <p:ph type="body" sz="quarter" idx="10" hasCustomPrompt="1"/>
           </p:nvPr>
         </p:nvSpPr>
         <p:spPr>
           <a:xfrm>
-            <a:off x="190402" y="1196125"/>
-            <a:ext cx="11818096" cy="5528766"/>
+            <a:off x="190406" y="1206668"/>
+            <a:ext cx="11804831" cy="5550582"/>
           </a:xfrm>
         </p:spPr>
         <p:txBody>
           <a:bodyPr/>
           <a:lstStyle>
             <a:lvl1pPr latinLnBrk="0">
-              <a:defRPr/>
+              <a:defRPr>
+                <a:solidFill>
+                  <a:schemeClr val="tx1"/>
+                </a:solidFill>
+              </a:defRPr>
             </a:lvl1pPr>
             <a:lvl2pPr latinLnBrk="0">
-              <a:defRPr/>
+              <a:defRPr>
+                <a:solidFill>
+                  <a:schemeClr val="tx1"/>
+                </a:solidFill>
+              </a:defRPr>
             </a:lvl2pPr>
             <a:lvl3pPr latinLnBrk="0">
-              <a:defRPr/>
+              <a:defRPr>
+                <a:solidFill>
+                  <a:schemeClr val="tx1"/>
+                </a:solidFill>
+              </a:defRPr>
             </a:lvl3pPr>
             <a:lvl4pPr latinLnBrk="0">
-              <a:defRPr/>
+              <a:defRPr>
+                <a:solidFill>
+                  <a:schemeClr val="tx1"/>
+                </a:solidFill>
+              </a:defRPr>
             </a:lvl4pPr>
             <a:lvl5pPr latinLnBrk="0">
-              <a:defRPr/>
+              <a:defRPr>
+                <a:solidFill>
+                  <a:schemeClr val="tx1"/>
+                </a:solidFill>
+              </a:defRPr>
             </a:lvl5pPr>
           </a:lstStyle>
           <a:p>
@@ -7125,10 +5367,10 @@
       </p:sp>
       <p:sp>
         <p:nvSpPr>
-          <p:cNvPr id="15" name="Code Box">
+          <p:cNvPr id="4" name="Code Box">
             <a:extLst>
               <a:ext uri="{FF2B5EF4-FFF2-40B4-BE49-F238E27FC236}">
-                <a16:creationId xmlns:a16="http://schemas.microsoft.com/office/drawing/2014/main" id="{29C63EC2-5578-406B-8C2A-23FDE6C14C82}"/>
+                <a16:creationId xmlns:a16="http://schemas.microsoft.com/office/drawing/2014/main" id="{F4E021E9-D6DB-4272-8C9F-CEF4940FDC10}"/>
               </a:ext>
             </a:extLst>
           </p:cNvPr>
@@ -7142,7 +5384,7 @@
         <p:spPr>
           <a:xfrm>
             <a:off x="674683" y="2034000"/>
-            <a:ext cx="10836275" cy="2318684"/>
+            <a:ext cx="10836275" cy="2237893"/>
           </a:xfrm>
           <a:solidFill>
             <a:schemeClr val="accent6">
@@ -7164,15 +5406,6 @@
           </a:bodyPr>
           <a:lstStyle>
             <a:lvl1pPr>
-              <a:lnSpc>
-                <a:spcPct val="110000"/>
-              </a:lnSpc>
-              <a:spcBef>
-                <a:spcPts val="0"/>
-              </a:spcBef>
-              <a:spcAft>
-                <a:spcPts val="0"/>
-              </a:spcAft>
               <a:buNone/>
               <a:defRPr lang="en-US" sz="2800" b="1" smtClean="0">
                 <a:latin typeface="Consolas" pitchFamily="49" charset="0"/>
@@ -7267,8 +5500,8 @@
         </p:nvSpPr>
         <p:spPr>
           <a:xfrm>
-            <a:off x="190406" y="100750"/>
-            <a:ext cx="9715594" cy="882654"/>
+            <a:off x="190405" y="100750"/>
+            <a:ext cx="10239658" cy="882654"/>
           </a:xfrm>
         </p:spPr>
         <p:txBody>
@@ -7290,6 +5523,42 @@
           </a:p>
         </p:txBody>
       </p:sp>
+      <p:pic>
+        <p:nvPicPr>
+          <p:cNvPr id="3" name="Picture 2">
+            <a:extLst>
+              <a:ext uri="{FF2B5EF4-FFF2-40B4-BE49-F238E27FC236}">
+                <a16:creationId xmlns:a16="http://schemas.microsoft.com/office/drawing/2014/main" id="{4B69A4E8-9221-8F79-65B4-BF9AA7F87DD7}"/>
+              </a:ext>
+            </a:extLst>
+          </p:cNvPr>
+          <p:cNvPicPr>
+            <a:picLocks noChangeAspect="1"/>
+          </p:cNvPicPr>
+          <p:nvPr userDrawn="1"/>
+        </p:nvPicPr>
+        <p:blipFill>
+          <a:blip r:embed="rId2" cstate="print">
+            <a:extLst>
+              <a:ext uri="{28A0092B-C50C-407E-A947-70E740481C1C}">
+                <a14:useLocalDpi xmlns:a14="http://schemas.microsoft.com/office/drawing/2010/main" val="0"/>
+              </a:ext>
+            </a:extLst>
+          </a:blip>
+          <a:stretch>
+            <a:fillRect/>
+          </a:stretch>
+        </p:blipFill>
+        <p:spPr>
+          <a:xfrm>
+            <a:off x="10553573" y="368999"/>
+            <a:ext cx="1443361" cy="360001"/>
+          </a:xfrm>
+          <a:prstGeom prst="rect">
+            <a:avLst/>
+          </a:prstGeom>
+        </p:spPr>
+      </p:pic>
     </p:spTree>
     <p:extLst>
       <p:ext uri="{BB962C8B-B14F-4D97-AF65-F5344CB8AC3E}">
@@ -7311,7 +5580,7 @@
 </p:sldLayout>
 </file>
 
-<file path=ppt/slideLayouts/slideLayout9.xml><?xml version="1.0" encoding="utf-8"?>
+<file path=ppt/slideLayouts/slideLayout8.xml><?xml version="1.0" encoding="utf-8"?>
 <p:sldLayout xmlns:a="http://schemas.openxmlformats.org/drawingml/2006/main" xmlns:r="http://schemas.openxmlformats.org/officeDocument/2006/relationships" xmlns:p="http://schemas.openxmlformats.org/presentationml/2006/main" preserve="1">
   <p:cSld name="Demo Slide">
     <p:spTree>
@@ -7388,7 +5657,7 @@
               <a:tabLst/>
               <a:defRPr/>
             </a:pPr>
-            <a:endParaRPr kumimoji="0" lang="en-US" altLang="ko-KR" sz="2398" b="0" i="0" u="none" strike="noStrike" kern="1200" cap="none" spc="0" normalizeH="0" baseline="0" noProof="0" dirty="0">
+            <a:endParaRPr kumimoji="0" lang="en-US" altLang="ko-KR" sz="2398" b="0" i="0" u="none" strike="noStrike" kern="1200" cap="none" spc="0" normalizeH="0" baseline="0" noProof="0">
               <a:ln>
                 <a:noFill/>
               </a:ln>
@@ -7498,6 +5767,335 @@
     <p:extLst>
       <p:ext uri="{BB962C8B-B14F-4D97-AF65-F5344CB8AC3E}">
         <p14:creationId xmlns:p14="http://schemas.microsoft.com/office/powerpoint/2010/main" val="2423919747"/>
+      </p:ext>
+    </p:extLst>
+  </p:cSld>
+  <p:clrMapOvr>
+    <a:masterClrMapping/>
+  </p:clrMapOvr>
+  <mc:AlternateContent xmlns:mc="http://schemas.openxmlformats.org/markup-compatibility/2006" xmlns:p14="http://schemas.microsoft.com/office/powerpoint/2010/main">
+    <mc:Choice Requires="p14">
+      <p:transition spd="slow" p14:dur="2000" advClick="0" advTm="5000"/>
+    </mc:Choice>
+    <mc:Fallback xmlns="">
+      <p:transition spd="slow" advClick="0" advTm="5000"/>
+    </mc:Fallback>
+  </mc:AlternateContent>
+</p:sldLayout>
+</file>
+
+<file path=ppt/slideLayouts/slideLayout9.xml><?xml version="1.0" encoding="utf-8"?>
+<p:sldLayout xmlns:a="http://schemas.openxmlformats.org/drawingml/2006/main" xmlns:r="http://schemas.openxmlformats.org/officeDocument/2006/relationships" xmlns:p="http://schemas.openxmlformats.org/presentationml/2006/main" preserve="1" userDrawn="1">
+  <p:cSld name="Table of Contents">
+    <p:spTree>
+      <p:nvGrpSpPr>
+        <p:cNvPr id="1" name=""/>
+        <p:cNvGrpSpPr/>
+        <p:nvPr/>
+      </p:nvGrpSpPr>
+      <p:grpSpPr>
+        <a:xfrm>
+          <a:off x="0" y="0"/>
+          <a:ext cx="0" cy="0"/>
+          <a:chOff x="0" y="0"/>
+          <a:chExt cx="0" cy="0"/>
+        </a:xfrm>
+      </p:grpSpPr>
+      <p:sp>
+        <p:nvSpPr>
+          <p:cNvPr id="10" name="Slide Number">
+            <a:extLst>
+              <a:ext uri="{FF2B5EF4-FFF2-40B4-BE49-F238E27FC236}">
+                <a16:creationId xmlns:a16="http://schemas.microsoft.com/office/drawing/2014/main" id="{39DDE17E-5472-41F3-AF5F-54DFF10DC63C}"/>
+              </a:ext>
+            </a:extLst>
+          </p:cNvPr>
+          <p:cNvSpPr>
+            <a:spLocks noGrp="1"/>
+          </p:cNvSpPr>
+          <p:nvPr>
+            <p:ph type="sldNum" sz="quarter" idx="4"/>
+          </p:nvPr>
+        </p:nvSpPr>
+        <p:spPr>
+          <a:xfrm>
+            <a:off x="11753030" y="6507000"/>
+            <a:ext cx="367414" cy="297000"/>
+          </a:xfrm>
+          <a:prstGeom prst="rect">
+            <a:avLst/>
+          </a:prstGeom>
+        </p:spPr>
+        <p:txBody>
+          <a:bodyPr vert="horz" lIns="91440" tIns="45720" rIns="91440" bIns="45720" rtlCol="0" anchor="b"/>
+          <a:lstStyle>
+            <a:lvl1pPr algn="r">
+              <a:defRPr sz="1000"/>
+            </a:lvl1pPr>
+          </a:lstStyle>
+          <a:p>
+            <a:fld id="{2BF067CD-8E6B-4360-9AA8-C5DF2A48A6D1}" type="slidenum">
+              <a:rPr lang="en-US" noProof="0" smtClean="0"/>
+              <a:pPr/>
+              <a:t>‹#›</a:t>
+            </a:fld>
+            <a:endParaRPr lang="en-US" noProof="0"/>
+          </a:p>
+        </p:txBody>
+      </p:sp>
+      <p:sp>
+        <p:nvSpPr>
+          <p:cNvPr id="23" name="Slide Body Text">
+            <a:extLst>
+              <a:ext uri="{FF2B5EF4-FFF2-40B4-BE49-F238E27FC236}">
+                <a16:creationId xmlns:a16="http://schemas.microsoft.com/office/drawing/2014/main" id="{889D93F4-ABFA-46BF-8E5D-FE6562ACB20F}"/>
+              </a:ext>
+            </a:extLst>
+          </p:cNvPr>
+          <p:cNvSpPr>
+            <a:spLocks noGrp="1"/>
+          </p:cNvSpPr>
+          <p:nvPr>
+            <p:ph type="body" sz="quarter" idx="13" hasCustomPrompt="1"/>
+          </p:nvPr>
+        </p:nvSpPr>
+        <p:spPr>
+          <a:xfrm>
+            <a:off x="196766" y="1371604"/>
+            <a:ext cx="11781606" cy="5207396"/>
+          </a:xfrm>
+        </p:spPr>
+        <p:txBody>
+          <a:bodyPr>
+            <a:normAutofit/>
+          </a:bodyPr>
+          <a:lstStyle>
+            <a:lvl1pPr marL="514042" indent="-514042" latinLnBrk="0">
+              <a:buFont typeface="+mj-lt"/>
+              <a:buAutoNum type="arabicPeriod"/>
+              <a:defRPr sz="3600">
+                <a:solidFill>
+                  <a:schemeClr val="tx1"/>
+                </a:solidFill>
+              </a:defRPr>
+            </a:lvl1pPr>
+            <a:lvl2pPr>
+              <a:defRPr sz="3400"/>
+            </a:lvl2pPr>
+          </a:lstStyle>
+          <a:p>
+            <a:pPr lvl="0"/>
+            <a:r>
+              <a:rPr lang="en-US" noProof="0" dirty="0"/>
+              <a:t>…</a:t>
+            </a:r>
+          </a:p>
+          <a:p>
+            <a:pPr lvl="1"/>
+            <a:r>
+              <a:rPr lang="en-US" noProof="0" dirty="0"/>
+              <a:t>…</a:t>
+            </a:r>
+          </a:p>
+          <a:p>
+            <a:pPr lvl="1"/>
+            <a:r>
+              <a:rPr lang="en-US" noProof="0" dirty="0"/>
+              <a:t>…</a:t>
+            </a:r>
+          </a:p>
+          <a:p>
+            <a:pPr lvl="0"/>
+            <a:r>
+              <a:rPr lang="en-US" noProof="0" dirty="0"/>
+              <a:t>…</a:t>
+            </a:r>
+          </a:p>
+          <a:p>
+            <a:pPr lvl="1"/>
+            <a:r>
+              <a:rPr lang="en-US" noProof="0" dirty="0"/>
+              <a:t>…</a:t>
+            </a:r>
+          </a:p>
+          <a:p>
+            <a:pPr lvl="1"/>
+            <a:r>
+              <a:rPr lang="en-US" noProof="0" dirty="0"/>
+              <a:t>…</a:t>
+            </a:r>
+          </a:p>
+          <a:p>
+            <a:pPr lvl="0"/>
+            <a:r>
+              <a:rPr lang="en-US" noProof="0" dirty="0"/>
+              <a:t>…</a:t>
+            </a:r>
+          </a:p>
+        </p:txBody>
+      </p:sp>
+      <p:sp>
+        <p:nvSpPr>
+          <p:cNvPr id="8" name="Rectangle Top">
+            <a:extLst>
+              <a:ext uri="{FF2B5EF4-FFF2-40B4-BE49-F238E27FC236}">
+                <a16:creationId xmlns:a16="http://schemas.microsoft.com/office/drawing/2014/main" id="{930E0800-9260-4369-8330-8264DD33C5CE}"/>
+              </a:ext>
+            </a:extLst>
+          </p:cNvPr>
+          <p:cNvSpPr/>
+          <p:nvPr userDrawn="1"/>
+        </p:nvSpPr>
+        <p:spPr>
+          <a:xfrm>
+            <a:off x="0" y="0"/>
+            <a:ext cx="12196800" cy="1095376"/>
+          </a:xfrm>
+          <a:prstGeom prst="rect">
+            <a:avLst/>
+          </a:prstGeom>
+          <a:solidFill>
+            <a:schemeClr val="tx2"/>
+          </a:solidFill>
+          <a:ln>
+            <a:noFill/>
+          </a:ln>
+        </p:spPr>
+        <p:style>
+          <a:lnRef idx="2">
+            <a:schemeClr val="accent1">
+              <a:shade val="50000"/>
+            </a:schemeClr>
+          </a:lnRef>
+          <a:fillRef idx="1">
+            <a:schemeClr val="accent1"/>
+          </a:fillRef>
+          <a:effectRef idx="0">
+            <a:schemeClr val="accent1"/>
+          </a:effectRef>
+          <a:fontRef idx="minor">
+            <a:schemeClr val="lt1"/>
+          </a:fontRef>
+        </p:style>
+        <p:txBody>
+          <a:bodyPr rtlCol="0" anchor="ctr"/>
+          <a:lstStyle/>
+          <a:p>
+            <a:pPr marL="0" marR="0" lvl="0" indent="0" algn="ctr" defTabSz="913852" rtl="0" eaLnBrk="1" fontAlgn="auto" latinLnBrk="0" hangingPunct="1">
+              <a:lnSpc>
+                <a:spcPct val="100000"/>
+              </a:lnSpc>
+              <a:spcBef>
+                <a:spcPts val="0"/>
+              </a:spcBef>
+              <a:spcAft>
+                <a:spcPts val="0"/>
+              </a:spcAft>
+              <a:buClrTx/>
+              <a:buSzTx/>
+              <a:buFontTx/>
+              <a:buNone/>
+              <a:tabLst/>
+              <a:defRPr/>
+            </a:pPr>
+            <a:endParaRPr kumimoji="0" lang="en-US" altLang="ko-KR" sz="2398" b="0" i="0" u="none" strike="noStrike" kern="1200" cap="none" spc="0" normalizeH="0" baseline="0" noProof="0">
+              <a:ln>
+                <a:noFill/>
+              </a:ln>
+              <a:solidFill>
+                <a:srgbClr val="F7C86D"/>
+              </a:solidFill>
+              <a:effectLst/>
+              <a:uLnTx/>
+              <a:uFillTx/>
+              <a:latin typeface="Calibri" panose="020F0502020204030204"/>
+              <a:ea typeface="맑은 고딕" panose="020B0503020000020004" pitchFamily="34" charset="-127"/>
+              <a:cs typeface="+mn-cs"/>
+            </a:endParaRPr>
+          </a:p>
+        </p:txBody>
+      </p:sp>
+      <p:sp>
+        <p:nvSpPr>
+          <p:cNvPr id="13" name="Slide Title">
+            <a:extLst>
+              <a:ext uri="{FF2B5EF4-FFF2-40B4-BE49-F238E27FC236}">
+                <a16:creationId xmlns:a16="http://schemas.microsoft.com/office/drawing/2014/main" id="{357D7BE1-6358-42CC-94F3-7BCDD91DCB6D}"/>
+              </a:ext>
+            </a:extLst>
+          </p:cNvPr>
+          <p:cNvSpPr>
+            <a:spLocks noGrp="1"/>
+          </p:cNvSpPr>
+          <p:nvPr>
+            <p:ph type="title" hasCustomPrompt="1"/>
+          </p:nvPr>
+        </p:nvSpPr>
+        <p:spPr>
+          <a:xfrm>
+            <a:off x="190406" y="100750"/>
+            <a:ext cx="10270594" cy="882654"/>
+          </a:xfrm>
+        </p:spPr>
+        <p:txBody>
+          <a:bodyPr/>
+          <a:lstStyle>
+            <a:lvl1pPr latinLnBrk="0">
+              <a:defRPr>
+                <a:solidFill>
+                  <a:schemeClr val="bg2"/>
+                </a:solidFill>
+              </a:defRPr>
+            </a:lvl1pPr>
+          </a:lstStyle>
+          <a:p>
+            <a:r>
+              <a:rPr lang="en-US" noProof="0" dirty="0"/>
+              <a:t>Table of Contents</a:t>
+            </a:r>
+          </a:p>
+        </p:txBody>
+      </p:sp>
+      <p:pic>
+        <p:nvPicPr>
+          <p:cNvPr id="3" name="Picture 2">
+            <a:extLst>
+              <a:ext uri="{FF2B5EF4-FFF2-40B4-BE49-F238E27FC236}">
+                <a16:creationId xmlns:a16="http://schemas.microsoft.com/office/drawing/2014/main" id="{4FD808AB-EC49-1578-0005-D58D2A365AA1}"/>
+              </a:ext>
+            </a:extLst>
+          </p:cNvPr>
+          <p:cNvPicPr>
+            <a:picLocks noChangeAspect="1"/>
+          </p:cNvPicPr>
+          <p:nvPr userDrawn="1"/>
+        </p:nvPicPr>
+        <p:blipFill>
+          <a:blip r:embed="rId2" cstate="print">
+            <a:extLst>
+              <a:ext uri="{28A0092B-C50C-407E-A947-70E740481C1C}">
+                <a14:useLocalDpi xmlns:a14="http://schemas.microsoft.com/office/drawing/2010/main" val="0"/>
+              </a:ext>
+            </a:extLst>
+          </a:blip>
+          <a:stretch>
+            <a:fillRect/>
+          </a:stretch>
+        </p:blipFill>
+        <p:spPr>
+          <a:xfrm>
+            <a:off x="10553573" y="368999"/>
+            <a:ext cx="1443361" cy="360001"/>
+          </a:xfrm>
+          <a:prstGeom prst="rect">
+            <a:avLst/>
+          </a:prstGeom>
+        </p:spPr>
+      </p:pic>
+    </p:spTree>
+    <p:extLst>
+      <p:ext uri="{BB962C8B-B14F-4D97-AF65-F5344CB8AC3E}">
+        <p14:creationId xmlns:p14="http://schemas.microsoft.com/office/powerpoint/2010/main" val="1028724482"/>
       </p:ext>
     </p:extLst>
   </p:cSld>
@@ -7540,35 +6138,6 @@
           <a:chExt cx="0" cy="0"/>
         </a:xfrm>
       </p:grpSpPr>
-      <p:pic>
-        <p:nvPicPr>
-          <p:cNvPr id="4" name="Picture Background" descr="SoftUni Background">
-            <a:extLst>
-              <a:ext uri="{FF2B5EF4-FFF2-40B4-BE49-F238E27FC236}">
-                <a16:creationId xmlns:a16="http://schemas.microsoft.com/office/drawing/2014/main" id="{5BE90A63-DDD9-4B3B-A234-DF69B9BC812F}"/>
-              </a:ext>
-            </a:extLst>
-          </p:cNvPr>
-          <p:cNvPicPr>
-            <a:picLocks noChangeAspect="1"/>
-          </p:cNvPicPr>
-          <p:nvPr userDrawn="1"/>
-        </p:nvPicPr>
-        <p:blipFill rotWithShape="1">
-          <a:blip r:embed="rId15"/>
-          <a:srcRect b="1672"/>
-          <a:stretch/>
-        </p:blipFill>
-        <p:spPr>
-          <a:xfrm>
-            <a:off x="0" y="1"/>
-            <a:ext cx="12192000" cy="6857999"/>
-          </a:xfrm>
-          <a:prstGeom prst="rect">
-            <a:avLst/>
-          </a:prstGeom>
-        </p:spPr>
-      </p:pic>
       <p:sp>
         <p:nvSpPr>
           <p:cNvPr id="11" name="Slide Body Text">
@@ -7685,19 +6254,18 @@
   </p:cSld>
   <p:clrMap bg1="lt1" tx1="dk1" bg2="lt2" tx2="dk2" accent1="accent1" accent2="accent2" accent3="accent3" accent4="accent4" accent5="accent5" accent6="accent6" hlink="hlink" folHlink="folHlink"/>
   <p:sldLayoutIdLst>
-    <p:sldLayoutId id="2147483676" r:id="rId1"/>
+    <p:sldLayoutId id="2147483691" r:id="rId1"/>
     <p:sldLayoutId id="2147483689" r:id="rId2"/>
     <p:sldLayoutId id="2147483681" r:id="rId3"/>
-    <p:sldLayoutId id="2147483677" r:id="rId4"/>
-    <p:sldLayoutId id="2147483679" r:id="rId5"/>
-    <p:sldLayoutId id="2147483680" r:id="rId6"/>
-    <p:sldLayoutId id="2147483688" r:id="rId7"/>
-    <p:sldLayoutId id="2147483684" r:id="rId8"/>
-    <p:sldLayoutId id="2147483690" r:id="rId9"/>
+    <p:sldLayoutId id="2147483679" r:id="rId4"/>
+    <p:sldLayoutId id="2147483680" r:id="rId5"/>
+    <p:sldLayoutId id="2147483688" r:id="rId6"/>
+    <p:sldLayoutId id="2147483684" r:id="rId7"/>
+    <p:sldLayoutId id="2147483690" r:id="rId8"/>
+    <p:sldLayoutId id="2147483677" r:id="rId9"/>
     <p:sldLayoutId id="2147483683" r:id="rId10"/>
     <p:sldLayoutId id="2147483685" r:id="rId11"/>
     <p:sldLayoutId id="2147483686" r:id="rId12"/>
-    <p:sldLayoutId id="2147483687" r:id="rId13"/>
   </p:sldLayoutIdLst>
   <mc:AlternateContent xmlns:mc="http://schemas.openxmlformats.org/markup-compatibility/2006" xmlns:p14="http://schemas.microsoft.com/office/powerpoint/2010/main">
     <mc:Choice Requires="p14">
@@ -8024,6 +6592,130 @@
           <a:chExt cx="0" cy="0"/>
         </a:xfrm>
       </p:grpSpPr>
+      <p:pic>
+        <p:nvPicPr>
+          <p:cNvPr id="11" name="Picture 2" descr="Svetlin Nakov - Svetlin Nakov – Official Web Site and Blog » Индиректна  рекурсия">
+            <a:extLst>
+              <a:ext uri="{FF2B5EF4-FFF2-40B4-BE49-F238E27FC236}">
+                <a16:creationId xmlns:a16="http://schemas.microsoft.com/office/drawing/2014/main" id="{4EBDC6DA-E373-4F9D-AF9E-CA62399A8D77}"/>
+              </a:ext>
+            </a:extLst>
+          </p:cNvPr>
+          <p:cNvPicPr>
+            <a:picLocks noGrp="1" noChangeAspect="1" noChangeArrowheads="1"/>
+          </p:cNvPicPr>
+          <p:nvPr>
+            <p:ph type="pic" sz="quarter" idx="10"/>
+          </p:nvPr>
+        </p:nvPicPr>
+        <p:blipFill>
+          <a:blip r:embed="rId2" cstate="print">
+            <a:extLst>
+              <a:ext uri="{28A0092B-C50C-407E-A947-70E740481C1C}">
+                <a14:useLocalDpi xmlns:a14="http://schemas.microsoft.com/office/drawing/2010/main" val="0"/>
+              </a:ext>
+            </a:extLst>
+          </a:blip>
+          <a:srcRect l="4300" r="4300"/>
+          <a:stretch>
+            <a:fillRect/>
+          </a:stretch>
+        </p:blipFill>
+        <p:spPr bwMode="auto">
+          <a:prstGeom prst="rect">
+            <a:avLst/>
+          </a:prstGeom>
+          <a:noFill/>
+          <a:extLst>
+            <a:ext uri="{909E8E84-426E-40DD-AFC4-6F175D3DCCD1}">
+              <a14:hiddenFill xmlns:a14="http://schemas.microsoft.com/office/drawing/2010/main">
+                <a:solidFill>
+                  <a:srgbClr val="FFFFFF"/>
+                </a:solidFill>
+              </a14:hiddenFill>
+            </a:ext>
+          </a:extLst>
+        </p:spPr>
+      </p:pic>
+      <p:sp>
+        <p:nvSpPr>
+          <p:cNvPr id="10" name="Текстов контейнер 9">
+            <a:extLst>
+              <a:ext uri="{FF2B5EF4-FFF2-40B4-BE49-F238E27FC236}">
+                <a16:creationId xmlns:a16="http://schemas.microsoft.com/office/drawing/2014/main" id="{B7354D76-EFA3-4591-A171-C16A596696FB}"/>
+              </a:ext>
+            </a:extLst>
+          </p:cNvPr>
+          <p:cNvSpPr>
+            <a:spLocks noGrp="1"/>
+          </p:cNvSpPr>
+          <p:nvPr>
+            <p:ph type="body" sz="quarter" idx="22"/>
+          </p:nvPr>
+        </p:nvSpPr>
+        <p:spPr/>
+        <p:txBody>
+          <a:bodyPr/>
+          <a:lstStyle/>
+          <a:p>
+            <a:r>
+              <a:rPr lang="bg-BG" sz="2400"/>
+              <a:t>Софтуерни и хардуерни науки</a:t>
+            </a:r>
+            <a:endParaRPr lang="bg-BG" sz="2400" dirty="0"/>
+          </a:p>
+        </p:txBody>
+      </p:sp>
+      <p:sp>
+        <p:nvSpPr>
+          <p:cNvPr id="9" name="Текстов контейнер 8">
+            <a:extLst>
+              <a:ext uri="{FF2B5EF4-FFF2-40B4-BE49-F238E27FC236}">
+                <a16:creationId xmlns:a16="http://schemas.microsoft.com/office/drawing/2014/main" id="{1E401F33-4FEF-4C34-BACA-79E8EB7A97DE}"/>
+              </a:ext>
+            </a:extLst>
+          </p:cNvPr>
+          <p:cNvSpPr>
+            <a:spLocks noGrp="1"/>
+          </p:cNvSpPr>
+          <p:nvPr>
+            <p:ph type="body" sz="quarter" idx="21"/>
+          </p:nvPr>
+        </p:nvSpPr>
+        <p:spPr/>
+        <p:txBody>
+          <a:bodyPr>
+            <a:normAutofit fontScale="77500" lnSpcReduction="20000"/>
+          </a:bodyPr>
+          <a:lstStyle/>
+          <a:p>
+            <a:r>
+              <a:rPr lang="bg-BG" sz="2800" dirty="0">
+                <a:solidFill>
+                  <a:srgbClr val="234465"/>
+                </a:solidFill>
+              </a:rPr>
+              <a:t>Курс "</a:t>
+            </a:r>
+            <a:r>
+              <a:rPr lang="ru-RU" sz="2800" dirty="0">
+                <a:solidFill>
+                  <a:srgbClr val="234465"/>
+                </a:solidFill>
+              </a:rPr>
+              <a:t>Структури от данни и алгоритми</a:t>
+            </a:r>
+            <a:r>
+              <a:rPr lang="bg-BG" sz="2800" dirty="0">
+                <a:solidFill>
+                  <a:srgbClr val="234465"/>
+                </a:solidFill>
+              </a:rPr>
+              <a:t>"</a:t>
+            </a:r>
+          </a:p>
+        </p:txBody>
+      </p:sp>
       <p:sp>
         <p:nvSpPr>
           <p:cNvPr id="8" name="Текстов контейнер 7">
@@ -8040,23 +6732,38 @@
             <p:ph type="body" sz="quarter" idx="18"/>
           </p:nvPr>
         </p:nvSpPr>
-        <p:spPr>
-          <a:xfrm>
-            <a:off x="8674859" y="6189709"/>
-            <a:ext cx="2950749" cy="351497"/>
-          </a:xfrm>
-        </p:spPr>
+        <p:spPr/>
         <p:txBody>
           <a:bodyPr/>
           <a:lstStyle/>
           <a:p>
-            <a:r>
-              <a:rPr lang="en-US" dirty="0">
-                <a:hlinkClick r:id="rId2"/>
+            <a:pPr marL="0" indent="0" algn="l" rtl="0" eaLnBrk="1" fontAlgn="base" latinLnBrk="0" hangingPunct="1">
+              <a:lnSpc>
+                <a:spcPct val="105000"/>
+              </a:lnSpc>
+              <a:spcBef>
+                <a:spcPts val="0"/>
+              </a:spcBef>
+              <a:spcAft>
+                <a:spcPts val="0"/>
+              </a:spcAft>
+            </a:pPr>
+            <a:r>
+              <a:rPr lang="en-US" sz="1800" b="0" kern="1200" dirty="0">
+                <a:solidFill>
+                  <a:srgbClr val="1A334C"/>
+                </a:solidFill>
+                <a:effectLst/>
+                <a:latin typeface="Calibri" panose="020F0502020204030204" pitchFamily="34" charset="0"/>
+                <a:ea typeface="+mn-ea"/>
+                <a:cs typeface="+mn-cs"/>
+                <a:hlinkClick r:id="rId3"/>
               </a:rPr>
-              <a:t>https://about.softuni.bg/</a:t>
-            </a:r>
-            <a:endParaRPr lang="en-US" dirty="0"/>
+              <a:t>https://github.com/BG-IT-Edu</a:t>
+            </a:r>
+            <a:endParaRPr lang="bg-BG" sz="1800" dirty="0">
+              <a:effectLst/>
+            </a:endParaRPr>
           </a:p>
         </p:txBody>
       </p:sp>
@@ -8076,98 +6783,19 @@
             <p:ph type="body" sz="quarter" idx="17"/>
           </p:nvPr>
         </p:nvSpPr>
-        <p:spPr>
-          <a:xfrm>
-            <a:off x="8674859" y="5807556"/>
-            <a:ext cx="2950749" cy="382532"/>
-          </a:xfrm>
-        </p:spPr>
+        <p:spPr/>
         <p:txBody>
           <a:bodyPr/>
           <a:lstStyle/>
           <a:p>
             <a:r>
-              <a:rPr lang="en-US" sz="2000" dirty="0"/>
-              <a:t>Софтуерен университет</a:t>
-            </a:r>
-            <a:endParaRPr lang="en-US" sz="2000" b="0" dirty="0">
-              <a:ea typeface="+mn-lt"/>
-              <a:cs typeface="+mn-lt"/>
-            </a:endParaRPr>
-          </a:p>
-        </p:txBody>
-      </p:sp>
-      <p:sp>
-        <p:nvSpPr>
-          <p:cNvPr id="10" name="Текстов контейнер 9">
-            <a:extLst>
-              <a:ext uri="{FF2B5EF4-FFF2-40B4-BE49-F238E27FC236}">
-                <a16:creationId xmlns:a16="http://schemas.microsoft.com/office/drawing/2014/main" id="{B7354D76-EFA3-4591-A171-C16A596696FB}"/>
-              </a:ext>
-            </a:extLst>
-          </p:cNvPr>
-          <p:cNvSpPr>
-            <a:spLocks noGrp="1"/>
-          </p:cNvSpPr>
-          <p:nvPr>
-            <p:ph type="body" sz="quarter" idx="20"/>
-          </p:nvPr>
-        </p:nvSpPr>
-        <p:spPr>
-          <a:xfrm>
-            <a:off x="663160" y="5432608"/>
-            <a:ext cx="3704648" cy="444536"/>
-          </a:xfrm>
-        </p:spPr>
-        <p:txBody>
-          <a:bodyPr/>
-          <a:lstStyle/>
-          <a:p>
-            <a:r>
-              <a:rPr lang="en-US" sz="2400" dirty="0"/>
-              <a:t>Преподавателски екип</a:t>
-            </a:r>
-            <a:endParaRPr lang="en-US" sz="2400" b="0" dirty="0">
-              <a:ea typeface="+mn-lt"/>
-              <a:cs typeface="+mn-lt"/>
-            </a:endParaRPr>
-          </a:p>
-        </p:txBody>
-      </p:sp>
-      <p:sp>
-        <p:nvSpPr>
-          <p:cNvPr id="9" name="Текстов контейнер 8">
-            <a:extLst>
-              <a:ext uri="{FF2B5EF4-FFF2-40B4-BE49-F238E27FC236}">
-                <a16:creationId xmlns:a16="http://schemas.microsoft.com/office/drawing/2014/main" id="{1E401F33-4FEF-4C34-BACA-79E8EB7A97DE}"/>
-              </a:ext>
-            </a:extLst>
-          </p:cNvPr>
-          <p:cNvSpPr>
-            <a:spLocks noGrp="1"/>
-          </p:cNvSpPr>
-          <p:nvPr>
-            <p:ph type="body" sz="quarter" idx="19"/>
-          </p:nvPr>
-        </p:nvSpPr>
-        <p:spPr>
-          <a:xfrm>
-            <a:off x="663160" y="4940668"/>
-            <a:ext cx="3704648" cy="506540"/>
-          </a:xfrm>
-        </p:spPr>
-        <p:txBody>
-          <a:bodyPr/>
-          <a:lstStyle/>
-          <a:p>
-            <a:r>
-              <a:rPr lang="en-US" sz="2800" dirty="0">
-                <a:ea typeface="+mn-lt"/>
-                <a:cs typeface="+mn-lt"/>
+              <a:rPr lang="bg-BG" sz="2000" dirty="0">
+                <a:solidFill>
+                  <a:srgbClr val="234465"/>
+                </a:solidFill>
               </a:rPr>
-              <a:t>СофтУни</a:t>
-            </a:r>
-            <a:endParaRPr lang="bg-BG" dirty="0"/>
+              <a:t>Проект "Отворено учебно съдържание по програмиране и ИТ", СофтУни Фондация</a:t>
+            </a:r>
           </a:p>
         </p:txBody>
       </p:sp>
@@ -8231,59 +6859,10 @@
           </a:p>
         </p:txBody>
       </p:sp>
-      <p:pic>
-        <p:nvPicPr>
-          <p:cNvPr id="11" name="Picture 2" descr="Svetlin Nakov - Svetlin Nakov – Official Web Site and Blog » Индиректна  рекурсия">
-            <a:extLst>
-              <a:ext uri="{FF2B5EF4-FFF2-40B4-BE49-F238E27FC236}">
-                <a16:creationId xmlns:a16="http://schemas.microsoft.com/office/drawing/2014/main" id="{4EBDC6DA-E373-4F9D-AF9E-CA62399A8D77}"/>
-              </a:ext>
-            </a:extLst>
-          </p:cNvPr>
-          <p:cNvPicPr>
-            <a:picLocks noGrp="1" noChangeAspect="1" noChangeArrowheads="1"/>
-          </p:cNvPicPr>
-          <p:nvPr>
-            <p:ph type="pic" sz="quarter" idx="10"/>
-          </p:nvPr>
-        </p:nvPicPr>
-        <p:blipFill>
-          <a:blip r:embed="rId3" cstate="print">
-            <a:extLst>
-              <a:ext uri="{28A0092B-C50C-407E-A947-70E740481C1C}">
-                <a14:useLocalDpi xmlns:a14="http://schemas.microsoft.com/office/drawing/2010/main" val="0"/>
-              </a:ext>
-            </a:extLst>
-          </a:blip>
-          <a:srcRect/>
-          <a:stretch>
-            <a:fillRect/>
-          </a:stretch>
-        </p:blipFill>
-        <p:spPr bwMode="auto">
-          <a:xfrm>
-            <a:off x="3351000" y="2601438"/>
-            <a:ext cx="5437187" cy="2087562"/>
-          </a:xfrm>
-          <a:prstGeom prst="rect">
-            <a:avLst/>
-          </a:prstGeom>
-          <a:noFill/>
-          <a:extLst>
-            <a:ext uri="{909E8E84-426E-40DD-AFC4-6F175D3DCCD1}">
-              <a14:hiddenFill xmlns:a14="http://schemas.microsoft.com/office/drawing/2010/main">
-                <a:solidFill>
-                  <a:srgbClr val="FFFFFF"/>
-                </a:solidFill>
-              </a14:hiddenFill>
-            </a:ext>
-          </a:extLst>
-        </p:spPr>
-      </p:pic>
     </p:spTree>
     <p:extLst>
       <p:ext uri="{BB962C8B-B14F-4D97-AF65-F5344CB8AC3E}">
-        <p14:creationId xmlns:p14="http://schemas.microsoft.com/office/powerpoint/2010/main" val="966235047"/>
+        <p14:creationId xmlns:p14="http://schemas.microsoft.com/office/powerpoint/2010/main" val="3050318205"/>
       </p:ext>
     </p:extLst>
   </p:cSld>
@@ -8320,7 +6899,13 @@
       </p:grpSpPr>
       <p:sp>
         <p:nvSpPr>
-          <p:cNvPr id="7" name="Text Placeholder 6"/>
+          <p:cNvPr id="2" name="Текстов контейнер 1">
+            <a:extLst>
+              <a:ext uri="{FF2B5EF4-FFF2-40B4-BE49-F238E27FC236}">
+                <a16:creationId xmlns:a16="http://schemas.microsoft.com/office/drawing/2014/main" id="{DBFCFC55-AB3B-A5F6-741F-3A3FB6542D6A}"/>
+              </a:ext>
+            </a:extLst>
+          </p:cNvPr>
           <p:cNvSpPr>
             <a:spLocks noGrp="1"/>
           </p:cNvSpPr>
@@ -8330,8 +6915,8 @@
         </p:nvSpPr>
         <p:spPr>
           <a:xfrm>
-            <a:off x="1100463" y="1494000"/>
-            <a:ext cx="9495538" cy="4410000"/>
+            <a:off x="674683" y="1224000"/>
+            <a:ext cx="10836275" cy="4798594"/>
           </a:xfrm>
         </p:spPr>
         <p:txBody>
@@ -8423,12 +7008,20 @@
               <a:t> == </a:t>
             </a:r>
             <a:r>
+              <a:rPr lang="en-US" dirty="0" err="1">
+                <a:solidFill>
+                  <a:schemeClr val="bg1"/>
+                </a:solidFill>
+              </a:rPr>
+              <a:t>array.Length</a:t>
+            </a:r>
+            <a:r>
               <a:rPr lang="en-US" dirty="0">
                 <a:solidFill>
                   <a:schemeClr val="bg1"/>
                 </a:solidFill>
               </a:rPr>
-              <a:t>array.Length - 1</a:t>
+              <a:t> - 1</a:t>
             </a:r>
             <a:r>
               <a:rPr lang="en-US" dirty="0"/>
@@ -8563,6 +7156,9 @@
               <a:rPr lang="en-US" dirty="0"/>
               <a:t>} </a:t>
             </a:r>
+          </a:p>
+          <a:p>
+            <a:endParaRPr lang="bg-BG" dirty="0"/>
           </a:p>
         </p:txBody>
       </p:sp>
@@ -8606,13 +7202,13 @@
         </p:nvSpPr>
         <p:spPr bwMode="auto">
           <a:xfrm>
-            <a:off x="8248543" y="2214000"/>
-            <a:ext cx="2148272" cy="1038555"/>
+            <a:off x="7895999" y="1953106"/>
+            <a:ext cx="2543917" cy="570342"/>
           </a:xfrm>
           <a:prstGeom prst="wedgeRoundRectCallout">
             <a:avLst>
-              <a:gd name="adj1" fmla="val -73256"/>
-              <a:gd name="adj2" fmla="val -9322"/>
+              <a:gd name="adj1" fmla="val -68782"/>
+              <a:gd name="adj2" fmla="val 29122"/>
               <a:gd name="adj3" fmla="val 16667"/>
             </a:avLst>
           </a:prstGeom>
@@ -8658,12 +7254,20 @@
           <a:p>
             <a:pPr algn="ctr"/>
             <a:r>
+              <a:rPr lang="bg-BG" sz="2750" b="1" dirty="0">
+                <a:solidFill>
+                  <a:srgbClr val="FFFFFF"/>
+                </a:solidFill>
+              </a:rPr>
+              <a:t>Базов</a:t>
+            </a:r>
+            <a:r>
               <a:rPr lang="en-US" sz="2750" b="1" dirty="0">
                 <a:solidFill>
                   <a:srgbClr val="FFFFFF"/>
                 </a:solidFill>
               </a:rPr>
-              <a:t>Основен случай</a:t>
+              <a:t> случай</a:t>
             </a:r>
             <a:endParaRPr lang="bg-BG" dirty="0"/>
           </a:p>
@@ -8679,13 +7283,13 @@
         </p:nvSpPr>
         <p:spPr bwMode="auto">
           <a:xfrm>
-            <a:off x="9392820" y="3723860"/>
+            <a:off x="8886000" y="3234465"/>
             <a:ext cx="2543917" cy="1038555"/>
           </a:xfrm>
           <a:prstGeom prst="wedgeRoundRectCallout">
             <a:avLst>
-              <a:gd name="adj1" fmla="val -88463"/>
-              <a:gd name="adj2" fmla="val 61121"/>
+              <a:gd name="adj1" fmla="val -82020"/>
+              <a:gd name="adj2" fmla="val 75242"/>
               <a:gd name="adj3" fmla="val 16667"/>
             </a:avLst>
           </a:prstGeom>
@@ -8749,10 +7353,70 @@
       </p:sp>
       <p:sp>
         <p:nvSpPr>
-          <p:cNvPr id="9" name="Slide Number">
+          <p:cNvPr id="8" name="TextBox 10">
             <a:extLst>
               <a:ext uri="{FF2B5EF4-FFF2-40B4-BE49-F238E27FC236}">
-                <a16:creationId xmlns:a16="http://schemas.microsoft.com/office/drawing/2014/main" id="{2A02DF43-31F2-46B5-B88B-1614963F3231}"/>
+                <a16:creationId xmlns:a16="http://schemas.microsoft.com/office/drawing/2014/main" id="{E0BFBCB0-07CD-4C61-985D-A4E1331DF148}"/>
+              </a:ext>
+            </a:extLst>
+          </p:cNvPr>
+          <p:cNvSpPr txBox="1"/>
+          <p:nvPr/>
+        </p:nvSpPr>
+        <p:spPr>
+          <a:xfrm>
+            <a:off x="553711" y="6241823"/>
+            <a:ext cx="10589042" cy="400006"/>
+          </a:xfrm>
+          <a:prstGeom prst="rect">
+            <a:avLst/>
+          </a:prstGeom>
+          <a:noFill/>
+        </p:spPr>
+        <p:txBody>
+          <a:bodyPr wrap="square" rtlCol="0">
+            <a:spAutoFit/>
+          </a:bodyPr>
+          <a:lstStyle/>
+          <a:p>
+            <a:pPr algn="ctr"/>
+            <a:r>
+              <a:rPr lang="bg-BG" sz="1999" dirty="0"/>
+              <a:t>Проверете решението си тук</a:t>
+            </a:r>
+            <a:r>
+              <a:rPr lang="en-US" sz="1999" dirty="0"/>
+              <a:t>: </a:t>
+            </a:r>
+            <a:r>
+              <a:rPr lang="en-US" sz="1999" dirty="0">
+                <a:solidFill>
+                  <a:schemeClr val="bg1"/>
+                </a:solidFill>
+                <a:hlinkClick r:id="rId2">
+                  <a:extLst>
+                    <a:ext uri="{A12FA001-AC4F-418D-AE19-62706E023703}">
+                      <ahyp:hlinkClr xmlns:ahyp="http://schemas.microsoft.com/office/drawing/2018/hyperlinkcolor" val="tx"/>
+                    </a:ext>
+                  </a:extLst>
+                </a:hlinkClick>
+              </a:rPr>
+              <a:t>https://judge.softuni.org/Contests/Practice/Index/4176#0</a:t>
+            </a:r>
+            <a:endParaRPr lang="en-US" sz="1999" dirty="0">
+              <a:solidFill>
+                <a:schemeClr val="bg1"/>
+              </a:solidFill>
+            </a:endParaRPr>
+          </a:p>
+        </p:txBody>
+      </p:sp>
+      <p:sp>
+        <p:nvSpPr>
+          <p:cNvPr id="3" name="Slide Number">
+            <a:extLst>
+              <a:ext uri="{FF2B5EF4-FFF2-40B4-BE49-F238E27FC236}">
+                <a16:creationId xmlns:a16="http://schemas.microsoft.com/office/drawing/2014/main" id="{5C28E876-A0DC-C6E1-F8E9-6EC7D7F814E8}"/>
               </a:ext>
             </a:extLst>
           </p:cNvPr>
@@ -8877,70 +7541,10 @@
           </a:p>
         </p:txBody>
       </p:sp>
-      <p:sp>
-        <p:nvSpPr>
-          <p:cNvPr id="8" name="TextBox 10">
-            <a:extLst>
-              <a:ext uri="{FF2B5EF4-FFF2-40B4-BE49-F238E27FC236}">
-                <a16:creationId xmlns:a16="http://schemas.microsoft.com/office/drawing/2014/main" id="{E0BFBCB0-07CD-4C61-985D-A4E1331DF148}"/>
-              </a:ext>
-            </a:extLst>
-          </p:cNvPr>
-          <p:cNvSpPr txBox="1"/>
-          <p:nvPr/>
-        </p:nvSpPr>
-        <p:spPr>
-          <a:xfrm>
-            <a:off x="553711" y="6241823"/>
-            <a:ext cx="10589042" cy="400006"/>
-          </a:xfrm>
-          <a:prstGeom prst="rect">
-            <a:avLst/>
-          </a:prstGeom>
-          <a:noFill/>
-        </p:spPr>
-        <p:txBody>
-          <a:bodyPr wrap="square" rtlCol="0">
-            <a:spAutoFit/>
-          </a:bodyPr>
-          <a:lstStyle/>
-          <a:p>
-            <a:pPr algn="ctr"/>
-            <a:r>
-              <a:rPr lang="bg-BG" sz="1999" dirty="0"/>
-              <a:t>Проверете решението си тук</a:t>
-            </a:r>
-            <a:r>
-              <a:rPr lang="en-US" sz="1999" dirty="0"/>
-              <a:t>: </a:t>
-            </a:r>
-            <a:r>
-              <a:rPr lang="en-US" sz="1999" dirty="0">
-                <a:solidFill>
-                  <a:schemeClr val="bg1"/>
-                </a:solidFill>
-                <a:hlinkClick r:id="rId2">
-                  <a:extLst>
-                    <a:ext uri="{A12FA001-AC4F-418D-AE19-62706E023703}">
-                      <ahyp:hlinkClr xmlns:ahyp="http://schemas.microsoft.com/office/drawing/2018/hyperlinkcolor" val="tx"/>
-                    </a:ext>
-                  </a:extLst>
-                </a:hlinkClick>
-              </a:rPr>
-              <a:t>https://judge.softuni.org/Contests/Practice/Index/4176#0</a:t>
-            </a:r>
-            <a:endParaRPr lang="en-US" sz="1999" dirty="0">
-              <a:solidFill>
-                <a:schemeClr val="bg1"/>
-              </a:solidFill>
-            </a:endParaRPr>
-          </a:p>
-        </p:txBody>
-      </p:sp>
     </p:spTree>
     <p:extLst>
       <p:ext uri="{BB962C8B-B14F-4D97-AF65-F5344CB8AC3E}">
-        <p14:creationId xmlns:p14="http://schemas.microsoft.com/office/powerpoint/2010/main" val="537789020"/>
+        <p14:creationId xmlns:p14="http://schemas.microsoft.com/office/powerpoint/2010/main" val="1445253637"/>
       </p:ext>
     </p:extLst>
   </p:cSld>
@@ -8976,7 +7580,7 @@
                             </p:stCondLst>
                             <p:childTnLst>
                               <p:par>
-                                <p:cTn id="5" presetID="1" presetClass="entr" presetSubtype="0" fill="hold" nodeType="clickEffect">
+                                <p:cTn id="5" presetID="1" presetClass="entr" presetSubtype="0" fill="hold" grpId="0" nodeType="clickEffect">
                                   <p:stCondLst>
                                     <p:cond delay="0"/>
                                   </p:stCondLst>
@@ -8984,148 +7588,6 @@
                                     <p:set>
                                       <p:cBhvr>
                                         <p:cTn id="6" dur="1" fill="hold">
-                                          <p:stCondLst>
-                                            <p:cond delay="0"/>
-                                          </p:stCondLst>
-                                        </p:cTn>
-                                        <p:tgtEl>
-                                          <p:spTgt spid="7">
-                                            <p:txEl>
-                                              <p:pRg st="2" end="2"/>
-                                            </p:txEl>
-                                          </p:spTgt>
-                                        </p:tgtEl>
-                                        <p:attrNameLst>
-                                          <p:attrName>style.visibility</p:attrName>
-                                        </p:attrNameLst>
-                                      </p:cBhvr>
-                                      <p:to>
-                                        <p:strVal val="visible"/>
-                                      </p:to>
-                                    </p:set>
-                                  </p:childTnLst>
-                                </p:cTn>
-                              </p:par>
-                              <p:par>
-                                <p:cTn id="7" presetID="1" presetClass="entr" presetSubtype="0" fill="hold" nodeType="withEffect">
-                                  <p:stCondLst>
-                                    <p:cond delay="0"/>
-                                  </p:stCondLst>
-                                  <p:childTnLst>
-                                    <p:set>
-                                      <p:cBhvr>
-                                        <p:cTn id="8" dur="1" fill="hold">
-                                          <p:stCondLst>
-                                            <p:cond delay="0"/>
-                                          </p:stCondLst>
-                                        </p:cTn>
-                                        <p:tgtEl>
-                                          <p:spTgt spid="7">
-                                            <p:txEl>
-                                              <p:pRg st="3" end="3"/>
-                                            </p:txEl>
-                                          </p:spTgt>
-                                        </p:tgtEl>
-                                        <p:attrNameLst>
-                                          <p:attrName>style.visibility</p:attrName>
-                                        </p:attrNameLst>
-                                      </p:cBhvr>
-                                      <p:to>
-                                        <p:strVal val="visible"/>
-                                      </p:to>
-                                    </p:set>
-                                  </p:childTnLst>
-                                </p:cTn>
-                              </p:par>
-                              <p:par>
-                                <p:cTn id="9" presetID="1" presetClass="entr" presetSubtype="0" fill="hold" nodeType="withEffect">
-                                  <p:stCondLst>
-                                    <p:cond delay="0"/>
-                                  </p:stCondLst>
-                                  <p:childTnLst>
-                                    <p:set>
-                                      <p:cBhvr>
-                                        <p:cTn id="10" dur="1" fill="hold">
-                                          <p:stCondLst>
-                                            <p:cond delay="0"/>
-                                          </p:stCondLst>
-                                        </p:cTn>
-                                        <p:tgtEl>
-                                          <p:spTgt spid="7">
-                                            <p:txEl>
-                                              <p:pRg st="4" end="4"/>
-                                            </p:txEl>
-                                          </p:spTgt>
-                                        </p:tgtEl>
-                                        <p:attrNameLst>
-                                          <p:attrName>style.visibility</p:attrName>
-                                        </p:attrNameLst>
-                                      </p:cBhvr>
-                                      <p:to>
-                                        <p:strVal val="visible"/>
-                                      </p:to>
-                                    </p:set>
-                                  </p:childTnLst>
-                                </p:cTn>
-                              </p:par>
-                              <p:par>
-                                <p:cTn id="11" presetID="1" presetClass="entr" presetSubtype="0" fill="hold" nodeType="withEffect">
-                                  <p:stCondLst>
-                                    <p:cond delay="0"/>
-                                  </p:stCondLst>
-                                  <p:childTnLst>
-                                    <p:set>
-                                      <p:cBhvr>
-                                        <p:cTn id="12" dur="1" fill="hold">
-                                          <p:stCondLst>
-                                            <p:cond delay="0"/>
-                                          </p:stCondLst>
-                                        </p:cTn>
-                                        <p:tgtEl>
-                                          <p:spTgt spid="7">
-                                            <p:txEl>
-                                              <p:pRg st="5" end="5"/>
-                                            </p:txEl>
-                                          </p:spTgt>
-                                        </p:tgtEl>
-                                        <p:attrNameLst>
-                                          <p:attrName>style.visibility</p:attrName>
-                                        </p:attrNameLst>
-                                      </p:cBhvr>
-                                      <p:to>
-                                        <p:strVal val="visible"/>
-                                      </p:to>
-                                    </p:set>
-                                  </p:childTnLst>
-                                </p:cTn>
-                              </p:par>
-                            </p:childTnLst>
-                          </p:cTn>
-                        </p:par>
-                      </p:childTnLst>
-                    </p:cTn>
-                  </p:par>
-                  <p:par>
-                    <p:cTn id="13" fill="hold">
-                      <p:stCondLst>
-                        <p:cond delay="indefinite"/>
-                      </p:stCondLst>
-                      <p:childTnLst>
-                        <p:par>
-                          <p:cTn id="14" fill="hold">
-                            <p:stCondLst>
-                              <p:cond delay="0"/>
-                            </p:stCondLst>
-                            <p:childTnLst>
-                              <p:par>
-                                <p:cTn id="15" presetID="1" presetClass="entr" presetSubtype="0" fill="hold" grpId="0" nodeType="clickEffect">
-                                  <p:stCondLst>
-                                    <p:cond delay="0"/>
-                                  </p:stCondLst>
-                                  <p:childTnLst>
-                                    <p:set>
-                                      <p:cBhvr>
-                                        <p:cTn id="16" dur="1" fill="hold">
                                           <p:stCondLst>
                                             <p:cond delay="0"/>
                                           </p:stCondLst>
@@ -9151,75 +7613,26 @@
                     </p:cTn>
                   </p:par>
                   <p:par>
-                    <p:cTn id="17" fill="hold">
+                    <p:cTn id="7" fill="hold">
                       <p:stCondLst>
                         <p:cond delay="indefinite"/>
                       </p:stCondLst>
                       <p:childTnLst>
                         <p:par>
-                          <p:cTn id="18" fill="hold">
+                          <p:cTn id="8" fill="hold">
                             <p:stCondLst>
                               <p:cond delay="0"/>
                             </p:stCondLst>
                             <p:childTnLst>
                               <p:par>
-                                <p:cTn id="19" presetID="1" presetClass="entr" presetSubtype="0" fill="hold" nodeType="clickEffect">
+                                <p:cTn id="9" presetID="1" presetClass="entr" presetSubtype="0" fill="hold" grpId="0" nodeType="clickEffect">
                                   <p:stCondLst>
                                     <p:cond delay="0"/>
                                   </p:stCondLst>
                                   <p:childTnLst>
                                     <p:set>
                                       <p:cBhvr>
-                                        <p:cTn id="20" dur="1" fill="hold">
-                                          <p:stCondLst>
-                                            <p:cond delay="0"/>
-                                          </p:stCondLst>
-                                        </p:cTn>
-                                        <p:tgtEl>
-                                          <p:spTgt spid="7">
-                                            <p:txEl>
-                                              <p:pRg st="7" end="7"/>
-                                            </p:txEl>
-                                          </p:spTgt>
-                                        </p:tgtEl>
-                                        <p:attrNameLst>
-                                          <p:attrName>style.visibility</p:attrName>
-                                        </p:attrNameLst>
-                                      </p:cBhvr>
-                                      <p:to>
-                                        <p:strVal val="visible"/>
-                                      </p:to>
-                                    </p:set>
-                                  </p:childTnLst>
-                                </p:cTn>
-                              </p:par>
-                            </p:childTnLst>
-                          </p:cTn>
-                        </p:par>
-                      </p:childTnLst>
-                    </p:cTn>
-                  </p:par>
-                  <p:par>
-                    <p:cTn id="21" fill="hold">
-                      <p:stCondLst>
-                        <p:cond delay="indefinite"/>
-                      </p:stCondLst>
-                      <p:childTnLst>
-                        <p:par>
-                          <p:cTn id="22" fill="hold">
-                            <p:stCondLst>
-                              <p:cond delay="0"/>
-                            </p:stCondLst>
-                            <p:childTnLst>
-                              <p:par>
-                                <p:cTn id="23" presetID="1" presetClass="entr" presetSubtype="0" fill="hold" grpId="0" nodeType="clickEffect">
-                                  <p:stCondLst>
-                                    <p:cond delay="0"/>
-                                  </p:stCondLst>
-                                  <p:childTnLst>
-                                    <p:set>
-                                      <p:cBhvr>
-                                        <p:cTn id="24" dur="1" fill="hold">
+                                        <p:cTn id="10" dur="1" fill="hold">
                                           <p:stCondLst>
                                             <p:cond delay="0"/>
                                           </p:stCondLst>
@@ -9751,10 +8164,10 @@
       </p:sp>
       <p:sp>
         <p:nvSpPr>
-          <p:cNvPr id="13" name="Slide Number">
+          <p:cNvPr id="2" name="Slide Number">
             <a:extLst>
               <a:ext uri="{FF2B5EF4-FFF2-40B4-BE49-F238E27FC236}">
-                <a16:creationId xmlns:a16="http://schemas.microsoft.com/office/drawing/2014/main" id="{1AD65D72-E6B1-4CFB-8184-BF1A5C718FED}"/>
+                <a16:creationId xmlns:a16="http://schemas.microsoft.com/office/drawing/2014/main" id="{251BB2B7-1614-0ED0-79FF-5F803319F962}"/>
               </a:ext>
             </a:extLst>
           </p:cNvPr>
@@ -9794,7 +8207,7 @@
     </p:spTree>
     <p:extLst>
       <p:ext uri="{BB962C8B-B14F-4D97-AF65-F5344CB8AC3E}">
-        <p14:creationId xmlns:p14="http://schemas.microsoft.com/office/powerpoint/2010/main" val="157079276"/>
+        <p14:creationId xmlns:p14="http://schemas.microsoft.com/office/powerpoint/2010/main" val="132338348"/>
       </p:ext>
     </p:extLst>
   </p:cSld>
@@ -11073,10 +9486,10 @@
       </p:sp>
       <p:sp>
         <p:nvSpPr>
-          <p:cNvPr id="29" name="Slide Number">
+          <p:cNvPr id="2" name="Slide Number">
             <a:extLst>
               <a:ext uri="{FF2B5EF4-FFF2-40B4-BE49-F238E27FC236}">
-                <a16:creationId xmlns:a16="http://schemas.microsoft.com/office/drawing/2014/main" id="{DDC5F9C9-9A4D-4307-A264-3A375C275893}"/>
+                <a16:creationId xmlns:a16="http://schemas.microsoft.com/office/drawing/2014/main" id="{EA11CACD-8C60-1B32-82A6-5BF28F59AD8F}"/>
               </a:ext>
             </a:extLst>
           </p:cNvPr>
@@ -11116,7 +9529,7 @@
     </p:spTree>
     <p:extLst>
       <p:ext uri="{BB962C8B-B14F-4D97-AF65-F5344CB8AC3E}">
-        <p14:creationId xmlns:p14="http://schemas.microsoft.com/office/powerpoint/2010/main" val="1228158035"/>
+        <p14:creationId xmlns:p14="http://schemas.microsoft.com/office/powerpoint/2010/main" val="3963331531"/>
       </p:ext>
     </p:extLst>
   </p:cSld>
@@ -11639,7 +10052,13 @@
       </p:grpSpPr>
       <p:sp>
         <p:nvSpPr>
-          <p:cNvPr id="7" name="Text Placeholder 6"/>
+          <p:cNvPr id="2" name="Текстов контейнер 1">
+            <a:extLst>
+              <a:ext uri="{FF2B5EF4-FFF2-40B4-BE49-F238E27FC236}">
+                <a16:creationId xmlns:a16="http://schemas.microsoft.com/office/drawing/2014/main" id="{C75553C5-BF33-4903-6C8B-9078BCBB2AC1}"/>
+              </a:ext>
+            </a:extLst>
+          </p:cNvPr>
           <p:cNvSpPr>
             <a:spLocks noGrp="1"/>
           </p:cNvSpPr>
@@ -11649,8 +10068,8 @@
         </p:nvSpPr>
         <p:spPr>
           <a:xfrm>
-            <a:off x="1731000" y="1837578"/>
-            <a:ext cx="7716317" cy="3441316"/>
+            <a:off x="677862" y="1839123"/>
+            <a:ext cx="10836275" cy="3893731"/>
           </a:xfrm>
         </p:spPr>
         <p:txBody>
@@ -11821,6 +10240,9 @@
               <a:rPr lang="en-US" dirty="0"/>
               <a:t>} </a:t>
             </a:r>
+          </a:p>
+          <a:p>
+            <a:endParaRPr lang="bg-BG" dirty="0"/>
           </a:p>
         </p:txBody>
       </p:sp>
@@ -11856,7 +10278,7 @@
         </p:nvSpPr>
         <p:spPr bwMode="auto">
           <a:xfrm>
-            <a:off x="5735960" y="2929139"/>
+            <a:off x="4791000" y="2866435"/>
             <a:ext cx="2789956" cy="570342"/>
           </a:xfrm>
           <a:prstGeom prst="wedgeRoundRectCallout">
@@ -11934,13 +10356,13 @@
         </p:nvSpPr>
         <p:spPr bwMode="auto">
           <a:xfrm>
-            <a:off x="8112225" y="4865445"/>
+            <a:off x="8301000" y="4644000"/>
             <a:ext cx="2543917" cy="1038555"/>
           </a:xfrm>
           <a:prstGeom prst="wedgeRoundRectCallout">
             <a:avLst>
-              <a:gd name="adj1" fmla="val -56573"/>
-              <a:gd name="adj2" fmla="val -55155"/>
+              <a:gd name="adj1" fmla="val -95569"/>
+              <a:gd name="adj2" fmla="val -48510"/>
               <a:gd name="adj3" fmla="val 16667"/>
             </a:avLst>
           </a:prstGeom>
@@ -12014,10 +10436,94 @@
       </p:sp>
       <p:sp>
         <p:nvSpPr>
-          <p:cNvPr id="9" name="Slide Number">
+          <p:cNvPr id="8" name="TextBox 10">
             <a:extLst>
               <a:ext uri="{FF2B5EF4-FFF2-40B4-BE49-F238E27FC236}">
-                <a16:creationId xmlns:a16="http://schemas.microsoft.com/office/drawing/2014/main" id="{DF1E8156-8EA8-447A-A131-1632FE94DBE8}"/>
+                <a16:creationId xmlns:a16="http://schemas.microsoft.com/office/drawing/2014/main" id="{A690EEB7-DEE4-4347-B620-4CA3891E21FF}"/>
+              </a:ext>
+            </a:extLst>
+          </p:cNvPr>
+          <p:cNvSpPr txBox="1"/>
+          <p:nvPr/>
+        </p:nvSpPr>
+        <p:spPr>
+          <a:xfrm>
+            <a:off x="801479" y="6264000"/>
+            <a:ext cx="10589042" cy="400006"/>
+          </a:xfrm>
+          <a:prstGeom prst="rect">
+            <a:avLst/>
+          </a:prstGeom>
+          <a:noFill/>
+        </p:spPr>
+        <p:txBody>
+          <a:bodyPr wrap="square" rtlCol="0">
+            <a:spAutoFit/>
+          </a:bodyPr>
+          <a:lstStyle/>
+          <a:p>
+            <a:pPr algn="ctr"/>
+            <a:r>
+              <a:rPr lang="bg-BG" sz="2000" dirty="0">
+                <a:ea typeface="+mn-lt"/>
+                <a:cs typeface="+mn-lt"/>
+              </a:rPr>
+              <a:t>Проверете</a:t>
+            </a:r>
+            <a:r>
+              <a:rPr lang="en-US" sz="2000" dirty="0">
+                <a:ea typeface="+mn-lt"/>
+                <a:cs typeface="+mn-lt"/>
+              </a:rPr>
+              <a:t> решението </a:t>
+            </a:r>
+            <a:r>
+              <a:rPr lang="bg-BG" sz="2000" dirty="0">
+                <a:ea typeface="+mn-lt"/>
+                <a:cs typeface="+mn-lt"/>
+              </a:rPr>
+              <a:t>си </a:t>
+            </a:r>
+            <a:r>
+              <a:rPr lang="en-US" sz="2000" dirty="0">
+                <a:ea typeface="+mn-lt"/>
+                <a:cs typeface="+mn-lt"/>
+              </a:rPr>
+              <a:t>в Judge</a:t>
+            </a:r>
+            <a:r>
+              <a:rPr lang="en-US" sz="1999" dirty="0"/>
+              <a:t>: </a:t>
+            </a:r>
+            <a:r>
+              <a:rPr lang="en-US" sz="1999" dirty="0">
+                <a:solidFill>
+                  <a:schemeClr val="bg1"/>
+                </a:solidFill>
+                <a:hlinkClick r:id="rId2">
+                  <a:extLst>
+                    <a:ext uri="{A12FA001-AC4F-418D-AE19-62706E023703}">
+                      <ahyp:hlinkClr xmlns:ahyp="http://schemas.microsoft.com/office/drawing/2018/hyperlinkcolor" val="tx"/>
+                    </a:ext>
+                  </a:extLst>
+                </a:hlinkClick>
+              </a:rPr>
+              <a:t>https://judge.softuni.org/Contests/Practice/Index/4176#2</a:t>
+            </a:r>
+            <a:endParaRPr lang="en-US" sz="1999" dirty="0">
+              <a:solidFill>
+                <a:schemeClr val="bg1"/>
+              </a:solidFill>
+            </a:endParaRPr>
+          </a:p>
+        </p:txBody>
+      </p:sp>
+      <p:sp>
+        <p:nvSpPr>
+          <p:cNvPr id="3" name="Slide Number">
+            <a:extLst>
+              <a:ext uri="{FF2B5EF4-FFF2-40B4-BE49-F238E27FC236}">
+                <a16:creationId xmlns:a16="http://schemas.microsoft.com/office/drawing/2014/main" id="{2494874C-9B25-2FCD-0D28-DDDDF1997E9C}"/>
               </a:ext>
             </a:extLst>
           </p:cNvPr>
@@ -12142,94 +10648,10 @@
           </a:p>
         </p:txBody>
       </p:sp>
-      <p:sp>
-        <p:nvSpPr>
-          <p:cNvPr id="8" name="TextBox 10">
-            <a:extLst>
-              <a:ext uri="{FF2B5EF4-FFF2-40B4-BE49-F238E27FC236}">
-                <a16:creationId xmlns:a16="http://schemas.microsoft.com/office/drawing/2014/main" id="{A690EEB7-DEE4-4347-B620-4CA3891E21FF}"/>
-              </a:ext>
-            </a:extLst>
-          </p:cNvPr>
-          <p:cNvSpPr txBox="1"/>
-          <p:nvPr/>
-        </p:nvSpPr>
-        <p:spPr>
-          <a:xfrm>
-            <a:off x="801479" y="6302066"/>
-            <a:ext cx="10589042" cy="400006"/>
-          </a:xfrm>
-          <a:prstGeom prst="rect">
-            <a:avLst/>
-          </a:prstGeom>
-          <a:noFill/>
-        </p:spPr>
-        <p:txBody>
-          <a:bodyPr wrap="square" rtlCol="0">
-            <a:spAutoFit/>
-          </a:bodyPr>
-          <a:lstStyle/>
-          <a:p>
-            <a:pPr algn="ctr"/>
-            <a:r>
-              <a:rPr lang="bg-BG" sz="2000" dirty="0">
-                <a:ea typeface="+mn-lt"/>
-                <a:cs typeface="+mn-lt"/>
-              </a:rPr>
-              <a:t>Проверете</a:t>
-            </a:r>
-            <a:r>
-              <a:rPr lang="en-US" sz="2000" dirty="0">
-                <a:ea typeface="+mn-lt"/>
-                <a:cs typeface="+mn-lt"/>
-              </a:rPr>
-              <a:t> решението </a:t>
-            </a:r>
-            <a:r>
-              <a:rPr lang="bg-BG" sz="2000" dirty="0">
-                <a:ea typeface="+mn-lt"/>
-                <a:cs typeface="+mn-lt"/>
-              </a:rPr>
-              <a:t>си </a:t>
-            </a:r>
-            <a:r>
-              <a:rPr lang="en-US" sz="2000" dirty="0">
-                <a:ea typeface="+mn-lt"/>
-                <a:cs typeface="+mn-lt"/>
-              </a:rPr>
-              <a:t>в Judge</a:t>
-            </a:r>
-            <a:r>
-              <a:rPr lang="en-US" sz="1999" dirty="0"/>
-              <a:t>: </a:t>
-            </a:r>
-            <a:r>
-              <a:rPr lang="en-US" sz="1999" dirty="0">
-                <a:solidFill>
-                  <a:schemeClr val="bg1"/>
-                </a:solidFill>
-                <a:hlinkClick r:id="rId2">
-                  <a:extLst>
-                    <a:ext uri="{A12FA001-AC4F-418D-AE19-62706E023703}">
-                      <ahyp:hlinkClr xmlns:ahyp="http://schemas.microsoft.com/office/drawing/2018/hyperlinkcolor" val="tx"/>
-                    </a:ext>
-                  </a:extLst>
-                </a:hlinkClick>
-              </a:rPr>
-              <a:t>https://judge.softuni.org/Contests/Practice/Index/4176#2</a:t>
-            </a:r>
-            <a:endParaRPr lang="en-US" sz="1999" dirty="0">
-              <a:solidFill>
-                <a:schemeClr val="bg1"/>
-              </a:solidFill>
-            </a:endParaRPr>
-          </a:p>
-        </p:txBody>
-      </p:sp>
     </p:spTree>
     <p:extLst>
       <p:ext uri="{BB962C8B-B14F-4D97-AF65-F5344CB8AC3E}">
-        <p14:creationId xmlns:p14="http://schemas.microsoft.com/office/powerpoint/2010/main" val="986782395"/>
+        <p14:creationId xmlns:p14="http://schemas.microsoft.com/office/powerpoint/2010/main" val="2756550156"/>
       </p:ext>
     </p:extLst>
   </p:cSld>
@@ -12723,10 +11145,10 @@
       </p:sp>
       <p:sp>
         <p:nvSpPr>
-          <p:cNvPr id="5" name="Slide Number">
+          <p:cNvPr id="2" name="Slide Number">
             <a:extLst>
               <a:ext uri="{FF2B5EF4-FFF2-40B4-BE49-F238E27FC236}">
-                <a16:creationId xmlns:a16="http://schemas.microsoft.com/office/drawing/2014/main" id="{03186C01-79AB-4910-A1D9-3E347F0DD59B}"/>
+                <a16:creationId xmlns:a16="http://schemas.microsoft.com/office/drawing/2014/main" id="{40710A96-D308-FED6-E877-D4883813FC00}"/>
               </a:ext>
             </a:extLst>
           </p:cNvPr>
@@ -12766,7 +11188,7 @@
     </p:spTree>
     <p:extLst>
       <p:ext uri="{BB962C8B-B14F-4D97-AF65-F5344CB8AC3E}">
-        <p14:creationId xmlns:p14="http://schemas.microsoft.com/office/powerpoint/2010/main" val="2730723252"/>
+        <p14:creationId xmlns:p14="http://schemas.microsoft.com/office/powerpoint/2010/main" val="1076807247"/>
       </p:ext>
     </p:extLst>
   </p:cSld>
@@ -13552,9 +11974,13 @@
               </a:rPr>
               <a:t>След действието</a:t>
             </a:r>
-            <a:br>
-              <a:rPr lang="fr-FR" sz="2400" dirty="0"/>
-            </a:br>
+            <a:endParaRPr lang="en-US" sz="2400" dirty="0">
+              <a:solidFill>
+                <a:schemeClr val="accent2"/>
+              </a:solidFill>
+            </a:endParaRPr>
+          </a:p>
+          <a:p>
             <a:r>
               <a:rPr lang="fr-FR" sz="2400" dirty="0"/>
               <a:t>} </a:t>
@@ -13578,12 +12004,7 @@
             <p:ph type="title"/>
           </p:nvPr>
         </p:nvSpPr>
-        <p:spPr>
-          <a:xfrm>
-            <a:off x="190355" y="100750"/>
-            <a:ext cx="9792489" cy="882654"/>
-          </a:xfrm>
-        </p:spPr>
+        <p:spPr/>
         <p:txBody>
           <a:bodyPr>
             <a:normAutofit/>
@@ -13616,10 +12037,10 @@
       </p:sp>
       <p:sp>
         <p:nvSpPr>
-          <p:cNvPr id="15" name="Slide Number">
+          <p:cNvPr id="4" name="Slide Number">
             <a:extLst>
               <a:ext uri="{FF2B5EF4-FFF2-40B4-BE49-F238E27FC236}">
-                <a16:creationId xmlns:a16="http://schemas.microsoft.com/office/drawing/2014/main" id="{A3605540-AD34-4A88-A7AF-2BBE31D00DD9}"/>
+                <a16:creationId xmlns:a16="http://schemas.microsoft.com/office/drawing/2014/main" id="{C5C861FF-CC9B-9EAE-FBD5-64CA6E39E914}"/>
               </a:ext>
             </a:extLst>
           </p:cNvPr>
@@ -13747,7 +12168,7 @@
     </p:spTree>
     <p:extLst>
       <p:ext uri="{BB962C8B-B14F-4D97-AF65-F5344CB8AC3E}">
-        <p14:creationId xmlns:p14="http://schemas.microsoft.com/office/powerpoint/2010/main" val="3174275997"/>
+        <p14:creationId xmlns:p14="http://schemas.microsoft.com/office/powerpoint/2010/main" val="180563816"/>
       </p:ext>
     </p:extLst>
   </p:cSld>
@@ -14033,6 +12454,37 @@
                                   </p:childTnLst>
                                 </p:cTn>
                               </p:par>
+                              <p:par>
+                                <p:cTn id="23" presetID="1" presetClass="entr" presetSubtype="0" fill="hold" grpId="0" nodeType="withEffect">
+                                  <p:stCondLst>
+                                    <p:cond delay="0"/>
+                                  </p:stCondLst>
+                                  <p:childTnLst>
+                                    <p:set>
+                                      <p:cBhvr>
+                                        <p:cTn id="24" dur="1" fill="hold">
+                                          <p:stCondLst>
+                                            <p:cond delay="0"/>
+                                          </p:stCondLst>
+                                        </p:cTn>
+                                        <p:tgtEl>
+                                          <p:spTgt spid="13">
+                                            <p:txEl>
+                                              <p:pRg st="4" end="4"/>
+                                            </p:txEl>
+                                          </p:spTgt>
+                                        </p:tgtEl>
+                                        <p:attrNameLst>
+                                          <p:attrName>style.visibility</p:attrName>
+                                        </p:attrNameLst>
+                                      </p:cBhvr>
+                                      <p:to>
+                                        <p:strVal val="visible"/>
+                                      </p:to>
+                                    </p:set>
+                                  </p:childTnLst>
+                                </p:cTn>
+                              </p:par>
                             </p:childTnLst>
                           </p:cTn>
                         </p:par>
@@ -14548,10 +13000,10 @@
       </p:sp>
       <p:sp>
         <p:nvSpPr>
-          <p:cNvPr id="13" name="Slide Number">
+          <p:cNvPr id="2" name="Slide Number">
             <a:extLst>
               <a:ext uri="{FF2B5EF4-FFF2-40B4-BE49-F238E27FC236}">
-                <a16:creationId xmlns:a16="http://schemas.microsoft.com/office/drawing/2014/main" id="{CA1D0548-D11B-4D59-A4D3-5F611980C56C}"/>
+                <a16:creationId xmlns:a16="http://schemas.microsoft.com/office/drawing/2014/main" id="{FF458BBE-C4A4-0FC3-8909-5E8409198053}"/>
               </a:ext>
             </a:extLst>
           </p:cNvPr>
@@ -14591,7 +13043,7 @@
     </p:spTree>
     <p:extLst>
       <p:ext uri="{BB962C8B-B14F-4D97-AF65-F5344CB8AC3E}">
-        <p14:creationId xmlns:p14="http://schemas.microsoft.com/office/powerpoint/2010/main" val="2341433357"/>
+        <p14:creationId xmlns:p14="http://schemas.microsoft.com/office/powerpoint/2010/main" val="1273398265"/>
       </p:ext>
     </p:extLst>
   </p:cSld>
@@ -14762,7 +13214,13 @@
       </p:grpSpPr>
       <p:sp>
         <p:nvSpPr>
-          <p:cNvPr id="7" name="Text Placeholder 6"/>
+          <p:cNvPr id="2" name="Текстов контейнер 1">
+            <a:extLst>
+              <a:ext uri="{FF2B5EF4-FFF2-40B4-BE49-F238E27FC236}">
+                <a16:creationId xmlns:a16="http://schemas.microsoft.com/office/drawing/2014/main" id="{563930A8-7479-E87F-2D73-5E1B4469325D}"/>
+              </a:ext>
+            </a:extLst>
+          </p:cNvPr>
           <p:cNvSpPr>
             <a:spLocks noGrp="1"/>
           </p:cNvSpPr>
@@ -14772,8 +13230,8 @@
         </p:nvSpPr>
         <p:spPr>
           <a:xfrm>
-            <a:off x="674683" y="1584000"/>
-            <a:ext cx="10836275" cy="4870537"/>
+            <a:off x="677862" y="1457534"/>
+            <a:ext cx="10836275" cy="4833668"/>
           </a:xfrm>
         </p:spPr>
         <p:txBody>
@@ -15084,12 +13542,7 @@
             <p:ph type="title"/>
           </p:nvPr>
         </p:nvSpPr>
-        <p:spPr>
-          <a:xfrm>
-            <a:off x="55406" y="100750"/>
-            <a:ext cx="10720594" cy="882654"/>
-          </a:xfrm>
-        </p:spPr>
+        <p:spPr/>
         <p:txBody>
           <a:bodyPr>
             <a:noAutofit/>
@@ -15130,10 +13583,10 @@
       </p:sp>
       <p:sp>
         <p:nvSpPr>
-          <p:cNvPr id="6" name="Slide Number">
+          <p:cNvPr id="3" name="Slide Number">
             <a:extLst>
               <a:ext uri="{FF2B5EF4-FFF2-40B4-BE49-F238E27FC236}">
-                <a16:creationId xmlns:a16="http://schemas.microsoft.com/office/drawing/2014/main" id="{0F159F7F-50ED-4294-B2FD-F2CD0F3E94A4}"/>
+                <a16:creationId xmlns:a16="http://schemas.microsoft.com/office/drawing/2014/main" id="{37E50470-0A83-96FA-26AB-4EFCEE0BB5AB}"/>
               </a:ext>
             </a:extLst>
           </p:cNvPr>
@@ -15261,7 +13714,7 @@
     </p:spTree>
     <p:extLst>
       <p:ext uri="{BB962C8B-B14F-4D97-AF65-F5344CB8AC3E}">
-        <p14:creationId xmlns:p14="http://schemas.microsoft.com/office/powerpoint/2010/main" val="2397317135"/>
+        <p14:creationId xmlns:p14="http://schemas.microsoft.com/office/powerpoint/2010/main" val="2908429082"/>
       </p:ext>
     </p:extLst>
   </p:cSld>
@@ -15298,44 +13751,6 @@
       </p:grpSpPr>
       <p:sp>
         <p:nvSpPr>
-          <p:cNvPr id="2" name="Заглавие 1">
-            <a:extLst>
-              <a:ext uri="{FF2B5EF4-FFF2-40B4-BE49-F238E27FC236}">
-                <a16:creationId xmlns:a16="http://schemas.microsoft.com/office/drawing/2014/main" id="{20ED09F0-F607-41CC-8FC8-BF522A4C31E2}"/>
-              </a:ext>
-            </a:extLst>
-          </p:cNvPr>
-          <p:cNvSpPr>
-            <a:spLocks noGrp="1"/>
-          </p:cNvSpPr>
-          <p:nvPr>
-            <p:ph type="title" sz="quarter" idx="10"/>
-          </p:nvPr>
-        </p:nvSpPr>
-        <p:spPr>
-          <a:xfrm>
-            <a:off x="615108" y="4734000"/>
-            <a:ext cx="10961783" cy="1694176"/>
-          </a:xfrm>
-        </p:spPr>
-        <p:txBody>
-          <a:bodyPr/>
-          <a:lstStyle/>
-          <a:p>
-            <a:r>
-              <a:rPr lang="en-GB" sz="5350" dirty="0">
-                <a:cs typeface="Arial"/>
-              </a:rPr>
-              <a:t>Кога да използваме и кога да избягваме рекурсия?</a:t>
-            </a:r>
-            <a:endParaRPr lang="bg-BG" sz="5350" dirty="0">
-              <a:cs typeface="Arial"/>
-            </a:endParaRPr>
-          </a:p>
-        </p:txBody>
-      </p:sp>
-      <p:sp>
-        <p:nvSpPr>
           <p:cNvPr id="11" name="TextBox 10"/>
           <p:cNvSpPr txBox="1"/>
           <p:nvPr/>
@@ -15384,10 +13799,44 @@
           </a:p>
         </p:txBody>
       </p:sp>
+      <p:sp>
+        <p:nvSpPr>
+          <p:cNvPr id="4" name="Заглавие 3">
+            <a:extLst>
+              <a:ext uri="{FF2B5EF4-FFF2-40B4-BE49-F238E27FC236}">
+                <a16:creationId xmlns:a16="http://schemas.microsoft.com/office/drawing/2014/main" id="{38D686F8-94CA-E77A-CE0D-D344C79F1C08}"/>
+              </a:ext>
+            </a:extLst>
+          </p:cNvPr>
+          <p:cNvSpPr>
+            <a:spLocks noGrp="1"/>
+          </p:cNvSpPr>
+          <p:nvPr>
+            <p:ph type="title" sz="quarter" idx="10"/>
+          </p:nvPr>
+        </p:nvSpPr>
+        <p:spPr>
+          <a:xfrm>
+            <a:off x="615109" y="4704824"/>
+            <a:ext cx="10961783" cy="1514175"/>
+          </a:xfrm>
+        </p:spPr>
+        <p:txBody>
+          <a:bodyPr/>
+          <a:lstStyle/>
+          <a:p>
+            <a:r>
+              <a:rPr lang="ru-RU" dirty="0"/>
+              <a:t>Кога да използваме и кога да избягваме рекурсия?</a:t>
+            </a:r>
+            <a:endParaRPr lang="bg-BG" dirty="0"/>
+          </a:p>
+        </p:txBody>
+      </p:sp>
     </p:spTree>
     <p:extLst>
       <p:ext uri="{BB962C8B-B14F-4D97-AF65-F5344CB8AC3E}">
-        <p14:creationId xmlns:p14="http://schemas.microsoft.com/office/powerpoint/2010/main" val="2969589890"/>
+        <p14:creationId xmlns:p14="http://schemas.microsoft.com/office/powerpoint/2010/main" val="1658968473"/>
       </p:ext>
     </p:extLst>
   </p:cSld>
@@ -16304,10 +14753,10 @@
       </p:sp>
       <p:sp>
         <p:nvSpPr>
-          <p:cNvPr id="11" name="Slide Number">
+          <p:cNvPr id="2" name="Slide Number">
             <a:extLst>
               <a:ext uri="{FF2B5EF4-FFF2-40B4-BE49-F238E27FC236}">
-                <a16:creationId xmlns:a16="http://schemas.microsoft.com/office/drawing/2014/main" id="{E0FEEE5E-9640-4271-9A0B-ECE0C0F6A18C}"/>
+                <a16:creationId xmlns:a16="http://schemas.microsoft.com/office/drawing/2014/main" id="{62A7B781-342D-D89B-9787-9AF31067CF36}"/>
               </a:ext>
             </a:extLst>
           </p:cNvPr>
@@ -16435,7 +14884,7 @@
     </p:spTree>
     <p:extLst>
       <p:ext uri="{BB962C8B-B14F-4D97-AF65-F5344CB8AC3E}">
-        <p14:creationId xmlns:p14="http://schemas.microsoft.com/office/powerpoint/2010/main" val="1833172620"/>
+        <p14:creationId xmlns:p14="http://schemas.microsoft.com/office/powerpoint/2010/main" val="1410723369"/>
       </p:ext>
     </p:extLst>
   </p:cSld>
@@ -17027,10 +15476,10 @@
       </p:sp>
       <p:sp>
         <p:nvSpPr>
-          <p:cNvPr id="6" name="Slide Number">
+          <p:cNvPr id="2" name="Slide Number">
             <a:extLst>
               <a:ext uri="{FF2B5EF4-FFF2-40B4-BE49-F238E27FC236}">
-                <a16:creationId xmlns:a16="http://schemas.microsoft.com/office/drawing/2014/main" id="{5675AE48-8E69-414B-8291-4B7FB792FCF4}"/>
+                <a16:creationId xmlns:a16="http://schemas.microsoft.com/office/drawing/2014/main" id="{92D4A8F5-F8BE-392C-C00C-7CDAC1E53B15}"/>
               </a:ext>
             </a:extLst>
           </p:cNvPr>
@@ -17158,7 +15607,7 @@
     </p:spTree>
     <p:extLst>
       <p:ext uri="{BB962C8B-B14F-4D97-AF65-F5344CB8AC3E}">
-        <p14:creationId xmlns:p14="http://schemas.microsoft.com/office/powerpoint/2010/main" val="3062054466"/>
+        <p14:creationId xmlns:p14="http://schemas.microsoft.com/office/powerpoint/2010/main" val="2877459701"/>
       </p:ext>
     </p:extLst>
   </p:cSld>
@@ -17590,10 +16039,10 @@
       </p:pic>
       <p:sp>
         <p:nvSpPr>
-          <p:cNvPr id="8" name="Slide Number">
+          <p:cNvPr id="2" name="Slide Number">
             <a:extLst>
               <a:ext uri="{FF2B5EF4-FFF2-40B4-BE49-F238E27FC236}">
-                <a16:creationId xmlns:a16="http://schemas.microsoft.com/office/drawing/2014/main" id="{113DDA1B-FA42-4ABF-BEBF-BD233A0894DB}"/>
+                <a16:creationId xmlns:a16="http://schemas.microsoft.com/office/drawing/2014/main" id="{BDAF23BD-F0DB-B447-C549-AA55BAA6D8C7}"/>
               </a:ext>
             </a:extLst>
           </p:cNvPr>
@@ -17633,7 +16082,7 @@
     </p:spTree>
     <p:extLst>
       <p:ext uri="{BB962C8B-B14F-4D97-AF65-F5344CB8AC3E}">
-        <p14:creationId xmlns:p14="http://schemas.microsoft.com/office/powerpoint/2010/main" val="1760024203"/>
+        <p14:creationId xmlns:p14="http://schemas.microsoft.com/office/powerpoint/2010/main" val="1617672062"/>
       </p:ext>
     </p:extLst>
   </p:cSld>
@@ -18261,10 +16710,10 @@
       </p:sp>
       <p:sp>
         <p:nvSpPr>
-          <p:cNvPr id="7" name="Slide Number">
+          <p:cNvPr id="3" name="Slide Number">
             <a:extLst>
               <a:ext uri="{FF2B5EF4-FFF2-40B4-BE49-F238E27FC236}">
-                <a16:creationId xmlns:a16="http://schemas.microsoft.com/office/drawing/2014/main" id="{3DB70E6E-1292-44E7-B12D-B01D25B01AFC}"/>
+                <a16:creationId xmlns:a16="http://schemas.microsoft.com/office/drawing/2014/main" id="{A99D5ED1-30AF-941C-906D-C47E4F5CD746}"/>
               </a:ext>
             </a:extLst>
           </p:cNvPr>
@@ -18304,7 +16753,7 @@
     </p:spTree>
     <p:extLst>
       <p:ext uri="{BB962C8B-B14F-4D97-AF65-F5344CB8AC3E}">
-        <p14:creationId xmlns:p14="http://schemas.microsoft.com/office/powerpoint/2010/main" val="1636082100"/>
+        <p14:creationId xmlns:p14="http://schemas.microsoft.com/office/powerpoint/2010/main" val="2299829225"/>
       </p:ext>
     </p:extLst>
   </p:cSld>
@@ -18910,10 +17359,10 @@
       </p:pic>
       <p:sp>
         <p:nvSpPr>
-          <p:cNvPr id="7" name="Slide Number">
+          <p:cNvPr id="3" name="Slide Number">
             <a:extLst>
               <a:ext uri="{FF2B5EF4-FFF2-40B4-BE49-F238E27FC236}">
-                <a16:creationId xmlns:a16="http://schemas.microsoft.com/office/drawing/2014/main" id="{CE0EE242-3C57-4FE7-B11D-AFDB6524BCC8}"/>
+                <a16:creationId xmlns:a16="http://schemas.microsoft.com/office/drawing/2014/main" id="{507D13BE-07EB-8D04-2746-B2B72B9369B6}"/>
               </a:ext>
             </a:extLst>
           </p:cNvPr>
@@ -18953,7 +17402,7 @@
     </p:spTree>
     <p:extLst>
       <p:ext uri="{BB962C8B-B14F-4D97-AF65-F5344CB8AC3E}">
-        <p14:creationId xmlns:p14="http://schemas.microsoft.com/office/powerpoint/2010/main" val="803500648"/>
+        <p14:creationId xmlns:p14="http://schemas.microsoft.com/office/powerpoint/2010/main" val="1318058432"/>
       </p:ext>
     </p:extLst>
   </p:cSld>
@@ -19320,17 +17769,19 @@
       </p:sp>
       <p:sp>
         <p:nvSpPr>
-          <p:cNvPr id="6" name="Slide Number">
+          <p:cNvPr id="2" name="Slide Number">
             <a:extLst>
               <a:ext uri="{FF2B5EF4-FFF2-40B4-BE49-F238E27FC236}">
-                <a16:creationId xmlns:a16="http://schemas.microsoft.com/office/drawing/2014/main" id="{9D4E78C5-31FA-4DE7-B91F-3B45E044CAFF}"/>
+                <a16:creationId xmlns:a16="http://schemas.microsoft.com/office/drawing/2014/main" id="{E1FE12A1-5FC7-E3ED-A8FB-5C954145BB3C}"/>
               </a:ext>
             </a:extLst>
           </p:cNvPr>
-          <p:cNvSpPr txBox="1">
-            <a:spLocks/>
+          <p:cNvSpPr>
+            <a:spLocks noGrp="1"/>
           </p:cNvSpPr>
-          <p:nvPr/>
+          <p:nvPr>
+            <p:ph type="sldNum" sz="quarter" idx="5"/>
+          </p:nvPr>
         </p:nvSpPr>
         <p:spPr>
           <a:xfrm>
@@ -19344,114 +17795,24 @@
         <p:txBody>
           <a:bodyPr vert="horz" lIns="91440" tIns="45720" rIns="91440" bIns="45720" rtlCol="0" anchor="b"/>
           <a:lstStyle>
-            <a:defPPr>
-              <a:defRPr lang="en-US"/>
-            </a:defPPr>
-            <a:lvl1pPr marL="0" algn="r" defTabSz="914400" rtl="0" eaLnBrk="1" latinLnBrk="0" hangingPunct="1">
-              <a:defRPr sz="1000" kern="1200">
-                <a:solidFill>
-                  <a:schemeClr val="tx1"/>
-                </a:solidFill>
-                <a:latin typeface="+mn-lt"/>
-                <a:ea typeface="+mn-ea"/>
-                <a:cs typeface="+mn-cs"/>
-              </a:defRPr>
+            <a:lvl1pPr algn="r">
+              <a:defRPr sz="1000"/>
             </a:lvl1pPr>
-            <a:lvl2pPr marL="457200" algn="l" defTabSz="914400" rtl="0" eaLnBrk="1" latinLnBrk="0" hangingPunct="1">
-              <a:defRPr sz="1800" kern="1200">
-                <a:solidFill>
-                  <a:schemeClr val="tx1"/>
-                </a:solidFill>
-                <a:latin typeface="+mn-lt"/>
-                <a:ea typeface="+mn-ea"/>
-                <a:cs typeface="+mn-cs"/>
-              </a:defRPr>
-            </a:lvl2pPr>
-            <a:lvl3pPr marL="914400" algn="l" defTabSz="914400" rtl="0" eaLnBrk="1" latinLnBrk="0" hangingPunct="1">
-              <a:defRPr sz="1800" kern="1200">
-                <a:solidFill>
-                  <a:schemeClr val="tx1"/>
-                </a:solidFill>
-                <a:latin typeface="+mn-lt"/>
-                <a:ea typeface="+mn-ea"/>
-                <a:cs typeface="+mn-cs"/>
-              </a:defRPr>
-            </a:lvl3pPr>
-            <a:lvl4pPr marL="1371600" algn="l" defTabSz="914400" rtl="0" eaLnBrk="1" latinLnBrk="0" hangingPunct="1">
-              <a:defRPr sz="1800" kern="1200">
-                <a:solidFill>
-                  <a:schemeClr val="tx1"/>
-                </a:solidFill>
-                <a:latin typeface="+mn-lt"/>
-                <a:ea typeface="+mn-ea"/>
-                <a:cs typeface="+mn-cs"/>
-              </a:defRPr>
-            </a:lvl4pPr>
-            <a:lvl5pPr marL="1828800" algn="l" defTabSz="914400" rtl="0" eaLnBrk="1" latinLnBrk="0" hangingPunct="1">
-              <a:defRPr sz="1800" kern="1200">
-                <a:solidFill>
-                  <a:schemeClr val="tx1"/>
-                </a:solidFill>
-                <a:latin typeface="+mn-lt"/>
-                <a:ea typeface="+mn-ea"/>
-                <a:cs typeface="+mn-cs"/>
-              </a:defRPr>
-            </a:lvl5pPr>
-            <a:lvl6pPr marL="2286000" algn="l" defTabSz="914400" rtl="0" eaLnBrk="1" latinLnBrk="0" hangingPunct="1">
-              <a:defRPr sz="1800" kern="1200">
-                <a:solidFill>
-                  <a:schemeClr val="tx1"/>
-                </a:solidFill>
-                <a:latin typeface="+mn-lt"/>
-                <a:ea typeface="+mn-ea"/>
-                <a:cs typeface="+mn-cs"/>
-              </a:defRPr>
-            </a:lvl6pPr>
-            <a:lvl7pPr marL="2743200" algn="l" defTabSz="914400" rtl="0" eaLnBrk="1" latinLnBrk="0" hangingPunct="1">
-              <a:defRPr sz="1800" kern="1200">
-                <a:solidFill>
-                  <a:schemeClr val="tx1"/>
-                </a:solidFill>
-                <a:latin typeface="+mn-lt"/>
-                <a:ea typeface="+mn-ea"/>
-                <a:cs typeface="+mn-cs"/>
-              </a:defRPr>
-            </a:lvl7pPr>
-            <a:lvl8pPr marL="3200400" algn="l" defTabSz="914400" rtl="0" eaLnBrk="1" latinLnBrk="0" hangingPunct="1">
-              <a:defRPr sz="1800" kern="1200">
-                <a:solidFill>
-                  <a:schemeClr val="tx1"/>
-                </a:solidFill>
-                <a:latin typeface="+mn-lt"/>
-                <a:ea typeface="+mn-ea"/>
-                <a:cs typeface="+mn-cs"/>
-              </a:defRPr>
-            </a:lvl8pPr>
-            <a:lvl9pPr marL="3657600" algn="l" defTabSz="914400" rtl="0" eaLnBrk="1" latinLnBrk="0" hangingPunct="1">
-              <a:defRPr sz="1800" kern="1200">
-                <a:solidFill>
-                  <a:schemeClr val="tx1"/>
-                </a:solidFill>
-                <a:latin typeface="+mn-lt"/>
-                <a:ea typeface="+mn-ea"/>
-                <a:cs typeface="+mn-cs"/>
-              </a:defRPr>
-            </a:lvl9pPr>
           </a:lstStyle>
           <a:p>
             <a:fld id="{2BF067CD-8E6B-4360-9AA8-C5DF2A48A6D1}" type="slidenum">
-              <a:rPr lang="en-US" smtClean="0"/>
+              <a:rPr lang="en-US" noProof="0" smtClean="0"/>
               <a:pPr/>
               <a:t>23</a:t>
             </a:fld>
-            <a:endParaRPr lang="en-US" dirty="0"/>
+            <a:endParaRPr lang="en-US" noProof="0" dirty="0"/>
           </a:p>
         </p:txBody>
       </p:sp>
     </p:spTree>
     <p:extLst>
       <p:ext uri="{BB962C8B-B14F-4D97-AF65-F5344CB8AC3E}">
-        <p14:creationId xmlns:p14="http://schemas.microsoft.com/office/powerpoint/2010/main" val="214451193"/>
+        <p14:creationId xmlns:p14="http://schemas.microsoft.com/office/powerpoint/2010/main" val="1712329439"/>
       </p:ext>
     </p:extLst>
   </p:cSld>
@@ -20338,10 +18699,10 @@
       </p:sp>
       <p:sp>
         <p:nvSpPr>
-          <p:cNvPr id="13" name="Slide Number">
+          <p:cNvPr id="2" name="Slide Number">
             <a:extLst>
               <a:ext uri="{FF2B5EF4-FFF2-40B4-BE49-F238E27FC236}">
-                <a16:creationId xmlns:a16="http://schemas.microsoft.com/office/drawing/2014/main" id="{FE4E851B-9F50-4D02-821B-3F1137586315}"/>
+                <a16:creationId xmlns:a16="http://schemas.microsoft.com/office/drawing/2014/main" id="{6672B2E4-9BD9-3A0B-A80D-5BD7C1F2EBE3}"/>
               </a:ext>
             </a:extLst>
           </p:cNvPr>
@@ -20381,7 +18742,7 @@
     </p:spTree>
     <p:extLst>
       <p:ext uri="{BB962C8B-B14F-4D97-AF65-F5344CB8AC3E}">
-        <p14:creationId xmlns:p14="http://schemas.microsoft.com/office/powerpoint/2010/main" val="3858352245"/>
+        <p14:creationId xmlns:p14="http://schemas.microsoft.com/office/powerpoint/2010/main" val="2384975990"/>
       </p:ext>
     </p:extLst>
   </p:cSld>
@@ -20566,21 +18927,140 @@
           <a:lstStyle/>
           <a:p>
             <a:r>
-              <a:rPr lang="en-US" sz="8800" dirty="0">
-                <a:solidFill>
-                  <a:srgbClr val="234465"/>
-                </a:solidFill>
+              <a:rPr lang="bg-BG" dirty="0"/>
+              <a:t>Въпроси</a:t>
+            </a:r>
+            <a:r>
+              <a:rPr lang="en-US" dirty="0"/>
+              <a:t>?</a:t>
+            </a:r>
+          </a:p>
+        </p:txBody>
+      </p:sp>
+      <p:sp>
+        <p:nvSpPr>
+          <p:cNvPr id="2" name="Rectangle Bottom Copyright">
+            <a:extLst>
+              <a:ext uri="{FF2B5EF4-FFF2-40B4-BE49-F238E27FC236}">
+                <a16:creationId xmlns:a16="http://schemas.microsoft.com/office/drawing/2014/main" id="{664812A4-2991-44D1-BFE9-32E55AADF8A5}"/>
+              </a:ext>
+            </a:extLst>
+          </p:cNvPr>
+          <p:cNvSpPr/>
+          <p:nvPr/>
+        </p:nvSpPr>
+        <p:spPr>
+          <a:xfrm>
+            <a:off x="111000" y="6454758"/>
+            <a:ext cx="11970000" cy="304242"/>
+          </a:xfrm>
+          <a:prstGeom prst="rect">
+            <a:avLst/>
+          </a:prstGeom>
+        </p:spPr>
+        <p:txBody>
+          <a:bodyPr wrap="square">
+            <a:noAutofit/>
+          </a:bodyPr>
+          <a:lstStyle/>
+          <a:p>
+            <a:pPr algn="ctr">
+              <a:lnSpc>
+                <a:spcPct val="100000"/>
+              </a:lnSpc>
+              <a:spcBef>
+                <a:spcPts val="0"/>
+              </a:spcBef>
+              <a:spcAft>
+                <a:spcPts val="0"/>
+              </a:spcAft>
+            </a:pPr>
+            <a:r>
+              <a:rPr lang="bg-BG" sz="1600" dirty="0">
+                <a:solidFill>
+                  <a:schemeClr val="bg2"/>
+                </a:solidFill>
+                <a:effectLst/>
+                <a:latin typeface="Calibri" panose="020F0502020204030204" pitchFamily="34" charset="0"/>
+                <a:ea typeface="Calibri" panose="020F0502020204030204" pitchFamily="34" charset="0"/>
+                <a:cs typeface="Arial" panose="020B0604020202020204" pitchFamily="34" charset="0"/>
               </a:rPr>
-              <a:t>Въпроси?</a:t>
-            </a:r>
-            <a:endParaRPr lang="en-US" sz="8800" dirty="0"/>
+              <a:t>Проект "</a:t>
+            </a:r>
+            <a:r>
+              <a:rPr lang="bg-BG" sz="1600" dirty="0">
+                <a:solidFill>
+                  <a:schemeClr val="bg1">
+                    <a:lumMod val="20000"/>
+                    <a:lumOff val="80000"/>
+                  </a:schemeClr>
+                </a:solidFill>
+                <a:effectLst/>
+                <a:latin typeface="Calibri" panose="020F0502020204030204" pitchFamily="34" charset="0"/>
+                <a:ea typeface="Calibri" panose="020F0502020204030204" pitchFamily="34" charset="0"/>
+                <a:cs typeface="Arial" panose="020B0604020202020204" pitchFamily="34" charset="0"/>
+                <a:hlinkClick r:id="rId3">
+                  <a:extLst>
+                    <a:ext uri="{A12FA001-AC4F-418D-AE19-62706E023703}">
+                      <ahyp:hlinkClr xmlns:ahyp="http://schemas.microsoft.com/office/drawing/2018/hyperlinkcolor" val="tx"/>
+                    </a:ext>
+                  </a:extLst>
+                </a:hlinkClick>
+              </a:rPr>
+              <a:t>Отворено учебно съдържание по програмиране и ИТ</a:t>
+            </a:r>
+            <a:r>
+              <a:rPr lang="bg-BG" sz="1600" dirty="0">
+                <a:solidFill>
+                  <a:schemeClr val="bg2"/>
+                </a:solidFill>
+                <a:effectLst/>
+                <a:latin typeface="Calibri" panose="020F0502020204030204" pitchFamily="34" charset="0"/>
+                <a:ea typeface="Calibri" panose="020F0502020204030204" pitchFamily="34" charset="0"/>
+                <a:cs typeface="Arial" panose="020B0604020202020204" pitchFamily="34" charset="0"/>
+              </a:rPr>
+              <a:t>", СофтУни Фондация (лиценз </a:t>
+            </a:r>
+            <a:r>
+              <a:rPr lang="en-US" sz="1600" dirty="0">
+                <a:solidFill>
+                  <a:schemeClr val="bg2"/>
+                </a:solidFill>
+                <a:effectLst/>
+                <a:latin typeface="Calibri" panose="020F0502020204030204" pitchFamily="34" charset="0"/>
+                <a:ea typeface="Calibri" panose="020F0502020204030204" pitchFamily="34" charset="0"/>
+                <a:cs typeface="Arial" panose="020B0604020202020204" pitchFamily="34" charset="0"/>
+              </a:rPr>
+              <a:t>CC-BY-NC-SA</a:t>
+            </a:r>
+            <a:r>
+              <a:rPr lang="bg-BG" sz="1600" dirty="0">
+                <a:solidFill>
+                  <a:schemeClr val="bg2"/>
+                </a:solidFill>
+                <a:effectLst/>
+                <a:latin typeface="Calibri" panose="020F0502020204030204" pitchFamily="34" charset="0"/>
+                <a:ea typeface="Calibri" panose="020F0502020204030204" pitchFamily="34" charset="0"/>
+                <a:cs typeface="Arial" panose="020B0604020202020204" pitchFamily="34" charset="0"/>
+              </a:rPr>
+              <a:t>)</a:t>
+            </a:r>
+            <a:endParaRPr lang="bg-BG" sz="2400" dirty="0">
+              <a:solidFill>
+                <a:schemeClr val="bg2"/>
+              </a:solidFill>
+              <a:effectLst/>
+              <a:latin typeface="Calibri" panose="020F0502020204030204" pitchFamily="34" charset="0"/>
+              <a:ea typeface="Calibri" panose="020F0502020204030204" pitchFamily="34" charset="0"/>
+              <a:cs typeface="Arial" panose="020B0604020202020204" pitchFamily="34" charset="0"/>
+            </a:endParaRPr>
           </a:p>
         </p:txBody>
       </p:sp>
     </p:spTree>
     <p:extLst>
       <p:ext uri="{BB962C8B-B14F-4D97-AF65-F5344CB8AC3E}">
-        <p14:creationId xmlns:p14="http://schemas.microsoft.com/office/powerpoint/2010/main" val="705949960"/>
+        <p14:creationId xmlns:p14="http://schemas.microsoft.com/office/powerpoint/2010/main" val="4122471720"/>
       </p:ext>
     </p:extLst>
   </p:cSld>
@@ -20634,11 +19114,13 @@
         <p:spPr>
           <a:xfrm>
             <a:off x="190402" y="1269001"/>
-            <a:ext cx="11818096" cy="5455890"/>
+            <a:ext cx="9865598" cy="2474999"/>
           </a:xfrm>
         </p:spPr>
         <p:txBody>
-          <a:bodyPr/>
+          <a:bodyPr>
+            <a:normAutofit/>
+          </a:bodyPr>
           <a:lstStyle/>
           <a:p>
             <a:pPr>
@@ -20647,113 +19129,42 @@
               </a:lnSpc>
             </a:pPr>
             <a:r>
-              <a:rPr lang="bg-BG" dirty="0"/>
+              <a:rPr lang="bg-BG" sz="3200" dirty="0"/>
               <a:t>Този курс</a:t>
             </a:r>
             <a:r>
-              <a:rPr lang="en-US" dirty="0"/>
+              <a:rPr lang="en-US" sz="3200" dirty="0"/>
               <a:t> (</a:t>
             </a:r>
             <a:r>
-              <a:rPr lang="bg-BG" dirty="0"/>
+              <a:rPr lang="bg-BG" sz="3200" dirty="0"/>
               <a:t>презентации, примери, демонстрационен код, упражнения, домашни, видео и други активи</a:t>
             </a:r>
             <a:r>
-              <a:rPr lang="en-US" dirty="0"/>
+              <a:rPr lang="en-US" sz="3200" dirty="0"/>
               <a:t>) </a:t>
             </a:r>
             <a:r>
-              <a:rPr lang="bg-BG" dirty="0"/>
+              <a:rPr lang="bg-BG" sz="3200" dirty="0"/>
               <a:t>представлява</a:t>
             </a:r>
             <a:r>
-              <a:rPr lang="en-US" dirty="0"/>
+              <a:rPr lang="en-US" sz="3200" dirty="0"/>
               <a:t> </a:t>
             </a:r>
             <a:r>
-              <a:rPr lang="bg-BG" b="1" dirty="0"/>
-              <a:t>защитено авторско съдържание</a:t>
-            </a:r>
-            <a:endParaRPr lang="en-US" dirty="0"/>
-          </a:p>
-          <a:p>
-            <a:pPr>
-              <a:lnSpc>
-                <a:spcPct val="120000"/>
-              </a:lnSpc>
-            </a:pPr>
-            <a:r>
-              <a:rPr lang="bg-BG" dirty="0"/>
-              <a:t>Нерегламентирано копиране</a:t>
-            </a:r>
-            <a:r>
-              <a:rPr lang="en-US" dirty="0"/>
-              <a:t>,</a:t>
-            </a:r>
-            <a:r>
-              <a:rPr lang="bg-BG" dirty="0"/>
-              <a:t> разпространение или използване е незаконно</a:t>
-            </a:r>
-          </a:p>
-          <a:p>
-            <a:pPr>
-              <a:lnSpc>
-                <a:spcPct val="120000"/>
-              </a:lnSpc>
-            </a:pPr>
-            <a:r>
-              <a:rPr lang="en-US" dirty="0"/>
-              <a:t>© </a:t>
-            </a:r>
-            <a:r>
-              <a:rPr lang="bg-BG" dirty="0"/>
-              <a:t>СофтУни</a:t>
-            </a:r>
-            <a:r>
-              <a:rPr lang="en-US" dirty="0"/>
-              <a:t> – </a:t>
-            </a:r>
-            <a:r>
-              <a:rPr lang="en-US" dirty="0">
-                <a:hlinkClick r:id="rId3"/>
-              </a:rPr>
-              <a:t>https://softuni.org</a:t>
-            </a:r>
-            <a:endParaRPr lang="en-US" dirty="0"/>
-          </a:p>
-          <a:p>
-            <a:pPr>
-              <a:lnSpc>
-                <a:spcPct val="120000"/>
-              </a:lnSpc>
-            </a:pPr>
-            <a:r>
-              <a:rPr lang="en-US" dirty="0"/>
-              <a:t>© </a:t>
-            </a:r>
-            <a:r>
-              <a:rPr lang="bg-BG" dirty="0"/>
-              <a:t>Софтуерен университет</a:t>
-            </a:r>
-            <a:r>
-              <a:rPr lang="en-US" dirty="0"/>
-              <a:t> – </a:t>
-            </a:r>
-            <a:r>
-              <a:rPr lang="en-US" dirty="0">
-                <a:hlinkClick r:id="rId4"/>
-              </a:rPr>
-              <a:t>https://softuni.bg</a:t>
-            </a:r>
-            <a:endParaRPr lang="bg-BG" dirty="0"/>
-          </a:p>
-          <a:p>
-            <a:pPr>
-              <a:lnSpc>
-                <a:spcPct val="120000"/>
-              </a:lnSpc>
-            </a:pPr>
-            <a:endParaRPr lang="bg-BG" dirty="0"/>
+              <a:rPr lang="bg-BG" sz="3200" b="1" dirty="0"/>
+              <a:t>свободно учебно съдържание </a:t>
+            </a:r>
+            <a:r>
+              <a:rPr lang="bg-BG" sz="3200" dirty="0"/>
+              <a:t>и се разпространява под свободен лиценз </a:t>
+            </a:r>
+            <a:r>
+              <a:rPr lang="en-US" sz="3200" b="1" dirty="0"/>
+              <a:t>CC-BY-NC-SA</a:t>
+            </a:r>
+            <a:endParaRPr lang="bg-BG" sz="3200" dirty="0"/>
           </a:p>
         </p:txBody>
       </p:sp>
@@ -20772,7 +19183,7 @@
           <p:nvPr/>
         </p:nvPicPr>
         <p:blipFill>
-          <a:blip r:embed="rId5">
+          <a:blip r:embed="rId3">
             <a:clrChange>
               <a:clrFrom>
                 <a:srgbClr val="FFFFFF"/>
@@ -20790,8 +19201,8 @@
         </p:blipFill>
         <p:spPr>
           <a:xfrm>
-            <a:off x="9745023" y="4445455"/>
-            <a:ext cx="1930977" cy="2043545"/>
+            <a:off x="10226175" y="1440120"/>
+            <a:ext cx="1198986" cy="1268880"/>
           </a:xfrm>
           <a:prstGeom prst="rect">
             <a:avLst/>
@@ -20828,10 +19239,171 @@
       </p:sp>
       <p:sp>
         <p:nvSpPr>
-          <p:cNvPr id="7" name="Slide Number">
+          <p:cNvPr id="11" name="TextBox 10">
             <a:extLst>
               <a:ext uri="{FF2B5EF4-FFF2-40B4-BE49-F238E27FC236}">
-                <a16:creationId xmlns:a16="http://schemas.microsoft.com/office/drawing/2014/main" id="{986F1241-4467-4A33-8F42-658BD1961EF6}"/>
+                <a16:creationId xmlns:a16="http://schemas.microsoft.com/office/drawing/2014/main" id="{0C18DF19-B750-4C88-975B-661A6BF61F5E}"/>
+              </a:ext>
+            </a:extLst>
+          </p:cNvPr>
+          <p:cNvSpPr txBox="1"/>
+          <p:nvPr/>
+        </p:nvSpPr>
+        <p:spPr>
+          <a:xfrm>
+            <a:off x="190401" y="3927519"/>
+            <a:ext cx="11710599" cy="1979644"/>
+          </a:xfrm>
+          <a:prstGeom prst="rect">
+            <a:avLst/>
+          </a:prstGeom>
+          <a:noFill/>
+          <a:ln w="12700">
+            <a:noFill/>
+          </a:ln>
+        </p:spPr>
+        <p:txBody>
+          <a:bodyPr wrap="square">
+            <a:spAutoFit/>
+          </a:bodyPr>
+          <a:lstStyle/>
+          <a:p>
+            <a:pPr marL="360363" indent="-360363" defTabSz="1218438">
+              <a:lnSpc>
+                <a:spcPct val="120000"/>
+              </a:lnSpc>
+              <a:spcBef>
+                <a:spcPts val="600"/>
+              </a:spcBef>
+              <a:spcAft>
+                <a:spcPts val="600"/>
+              </a:spcAft>
+              <a:buFont typeface="Wingdings" panose="05000000000000000000" pitchFamily="2" charset="2"/>
+              <a:buChar char="§"/>
+              <a:defRPr/>
+            </a:pPr>
+            <a:r>
+              <a:rPr lang="bg-BG" sz="3200" dirty="0"/>
+              <a:t>Проект "</a:t>
+            </a:r>
+            <a:r>
+              <a:rPr lang="bg-BG" sz="3200" b="1" dirty="0"/>
+              <a:t>Отворено учебно съдържание по програмиране и ИТ</a:t>
+            </a:r>
+            <a:r>
+              <a:rPr lang="bg-BG" sz="3200" dirty="0"/>
+              <a:t>" към Фондация "Софтуерен университет"</a:t>
+            </a:r>
+            <a:r>
+              <a:rPr lang="en-US" sz="3200" dirty="0"/>
+              <a:t>:</a:t>
+            </a:r>
+            <a:endParaRPr lang="bg-BG" sz="3200" dirty="0"/>
+          </a:p>
+          <a:p>
+            <a:pPr marL="817563" lvl="1" indent="-360363" defTabSz="1218438">
+              <a:lnSpc>
+                <a:spcPct val="120000"/>
+              </a:lnSpc>
+              <a:spcBef>
+                <a:spcPts val="600"/>
+              </a:spcBef>
+              <a:spcAft>
+                <a:spcPts val="600"/>
+              </a:spcAft>
+              <a:buFont typeface="Wingdings" panose="05000000000000000000" pitchFamily="2" charset="2"/>
+              <a:buChar char="§"/>
+              <a:defRPr/>
+            </a:pPr>
+            <a:r>
+              <a:rPr kumimoji="0" lang="en-US" sz="3200" b="0" i="0" u="none" strike="noStrike" kern="1200" cap="none" spc="0" normalizeH="0" baseline="0" noProof="0" dirty="0">
+                <a:ln>
+                  <a:noFill/>
+                </a:ln>
+                <a:solidFill>
+                  <a:srgbClr val="234465"/>
+                </a:solidFill>
+                <a:effectLst/>
+                <a:uLnTx/>
+                <a:uFillTx/>
+                <a:latin typeface="Calibri"/>
+                <a:ea typeface="+mn-ea"/>
+                <a:cs typeface="+mn-cs"/>
+                <a:hlinkClick r:id="rId4"/>
+              </a:rPr>
+              <a:t>https://github.com/BG-IT-Edu</a:t>
+            </a:r>
+            <a:endParaRPr kumimoji="0" lang="bg-BG" sz="3200" b="0" i="0" u="none" strike="noStrike" kern="1200" cap="none" spc="0" normalizeH="0" baseline="0" noProof="0" dirty="0">
+              <a:ln>
+                <a:noFill/>
+              </a:ln>
+              <a:solidFill>
+                <a:srgbClr val="234465"/>
+              </a:solidFill>
+              <a:effectLst/>
+              <a:uLnTx/>
+              <a:uFillTx/>
+              <a:latin typeface="Calibri"/>
+              <a:ea typeface="+mn-ea"/>
+              <a:cs typeface="+mn-cs"/>
+            </a:endParaRPr>
+          </a:p>
+        </p:txBody>
+      </p:sp>
+      <p:pic>
+        <p:nvPicPr>
+          <p:cNvPr id="7" name="Picture 6" title="CC-BY-NC-SA License">
+            <a:hlinkClick r:id="rId5" tooltip="This work is licensed under the &quot;Creative Commons Attribution-NonCommercial-ShareAlike 4.0 International&quot; license"/>
+            <a:extLst>
+              <a:ext uri="{FF2B5EF4-FFF2-40B4-BE49-F238E27FC236}">
+                <a16:creationId xmlns:a16="http://schemas.microsoft.com/office/drawing/2014/main" id="{F6C77C47-F7D8-A176-5C69-7FDE5C7E8003}"/>
+              </a:ext>
+            </a:extLst>
+          </p:cNvPr>
+          <p:cNvPicPr>
+            <a:picLocks noChangeAspect="1" noChangeArrowheads="1"/>
+          </p:cNvPicPr>
+          <p:nvPr/>
+        </p:nvPicPr>
+        <p:blipFill>
+          <a:blip r:embed="rId6">
+            <a:extLst>
+              <a:ext uri="{28A0092B-C50C-407E-A947-70E740481C1C}">
+                <a14:useLocalDpi xmlns:a14="http://schemas.microsoft.com/office/drawing/2010/main"/>
+              </a:ext>
+            </a:extLst>
+          </a:blip>
+          <a:srcRect/>
+          <a:stretch>
+            <a:fillRect/>
+          </a:stretch>
+        </p:blipFill>
+        <p:spPr bwMode="auto">
+          <a:xfrm>
+            <a:off x="9831000" y="2908593"/>
+            <a:ext cx="1989336" cy="696022"/>
+          </a:xfrm>
+          <a:prstGeom prst="roundRect">
+            <a:avLst>
+              <a:gd name="adj" fmla="val 3940"/>
+            </a:avLst>
+          </a:prstGeom>
+          <a:solidFill>
+            <a:srgbClr val="231F20">
+              <a:alpha val="50000"/>
+            </a:srgbClr>
+          </a:solidFill>
+          <a:ln>
+            <a:noFill/>
+          </a:ln>
+        </p:spPr>
+      </p:pic>
+      <p:sp>
+        <p:nvSpPr>
+          <p:cNvPr id="4" name="Slide Number">
+            <a:extLst>
+              <a:ext uri="{FF2B5EF4-FFF2-40B4-BE49-F238E27FC236}">
+                <a16:creationId xmlns:a16="http://schemas.microsoft.com/office/drawing/2014/main" id="{BF1AFE43-DE5C-DE1B-4FC3-C3B4FB1D70C6}"/>
               </a:ext>
             </a:extLst>
           </p:cNvPr>
@@ -20871,7 +19443,7 @@
     </p:spTree>
     <p:extLst>
       <p:ext uri="{BB962C8B-B14F-4D97-AF65-F5344CB8AC3E}">
-        <p14:creationId xmlns:p14="http://schemas.microsoft.com/office/powerpoint/2010/main" val="2396900738"/>
+        <p14:creationId xmlns:p14="http://schemas.microsoft.com/office/powerpoint/2010/main" val="2307049864"/>
       </p:ext>
     </p:extLst>
   </p:cSld>
@@ -20906,39 +19478,6 @@
           <a:chExt cx="0" cy="0"/>
         </a:xfrm>
       </p:grpSpPr>
-      <p:sp>
-        <p:nvSpPr>
-          <p:cNvPr id="2" name="Заглавие 1">
-            <a:extLst>
-              <a:ext uri="{FF2B5EF4-FFF2-40B4-BE49-F238E27FC236}">
-                <a16:creationId xmlns:a16="http://schemas.microsoft.com/office/drawing/2014/main" id="{B9F79433-A70E-4E3B-936C-72D4BC10759F}"/>
-              </a:ext>
-            </a:extLst>
-          </p:cNvPr>
-          <p:cNvSpPr>
-            <a:spLocks noGrp="1"/>
-          </p:cNvSpPr>
-          <p:nvPr>
-            <p:ph type="title" sz="quarter" idx="10"/>
-          </p:nvPr>
-        </p:nvSpPr>
-        <p:spPr/>
-        <p:txBody>
-          <a:bodyPr/>
-          <a:lstStyle/>
-          <a:p>
-            <a:r>
-              <a:rPr lang="en-GB" sz="5350" dirty="0">
-                <a:cs typeface="Arial"/>
-              </a:rPr>
-              <a:t>Какво е рекурсия?</a:t>
-            </a:r>
-            <a:endParaRPr lang="bg-BG" sz="5350" dirty="0">
-              <a:cs typeface="Arial"/>
-            </a:endParaRPr>
-          </a:p>
-        </p:txBody>
-      </p:sp>
       <p:pic>
         <p:nvPicPr>
           <p:cNvPr id="16" name="Picture 15">
@@ -20980,10 +19519,38 @@
           </a:effectLst>
         </p:spPr>
       </p:pic>
+      <p:sp>
+        <p:nvSpPr>
+          <p:cNvPr id="4" name="Заглавие 3">
+            <a:extLst>
+              <a:ext uri="{FF2B5EF4-FFF2-40B4-BE49-F238E27FC236}">
+                <a16:creationId xmlns:a16="http://schemas.microsoft.com/office/drawing/2014/main" id="{B4DCBA2F-9B73-D9C3-0F9D-328ECB273981}"/>
+              </a:ext>
+            </a:extLst>
+          </p:cNvPr>
+          <p:cNvSpPr>
+            <a:spLocks noGrp="1"/>
+          </p:cNvSpPr>
+          <p:nvPr>
+            <p:ph type="title" sz="quarter" idx="10"/>
+          </p:nvPr>
+        </p:nvSpPr>
+        <p:spPr/>
+        <p:txBody>
+          <a:bodyPr/>
+          <a:lstStyle/>
+          <a:p>
+            <a:r>
+              <a:rPr lang="bg-BG"/>
+              <a:t>Какво е рекурсия?</a:t>
+            </a:r>
+          </a:p>
+        </p:txBody>
+      </p:sp>
     </p:spTree>
     <p:extLst>
       <p:ext uri="{BB962C8B-B14F-4D97-AF65-F5344CB8AC3E}">
-        <p14:creationId xmlns:p14="http://schemas.microsoft.com/office/powerpoint/2010/main" val="3441254832"/>
+        <p14:creationId xmlns:p14="http://schemas.microsoft.com/office/powerpoint/2010/main" val="3653365373"/>
       </p:ext>
     </p:extLst>
   </p:cSld>
@@ -21841,10 +20408,10 @@
       </p:sp>
       <p:sp>
         <p:nvSpPr>
-          <p:cNvPr id="12" name="Slide Number">
+          <p:cNvPr id="2" name="Slide Number">
             <a:extLst>
               <a:ext uri="{FF2B5EF4-FFF2-40B4-BE49-F238E27FC236}">
-                <a16:creationId xmlns:a16="http://schemas.microsoft.com/office/drawing/2014/main" id="{D26AD599-648F-4DA7-8791-2E33C71507EB}"/>
+                <a16:creationId xmlns:a16="http://schemas.microsoft.com/office/drawing/2014/main" id="{5972131F-E351-696C-59CD-B1430340D284}"/>
               </a:ext>
             </a:extLst>
           </p:cNvPr>
@@ -21972,7 +20539,7 @@
     </p:spTree>
     <p:extLst>
       <p:ext uri="{BB962C8B-B14F-4D97-AF65-F5344CB8AC3E}">
-        <p14:creationId xmlns:p14="http://schemas.microsoft.com/office/powerpoint/2010/main" val="3580994627"/>
+        <p14:creationId xmlns:p14="http://schemas.microsoft.com/office/powerpoint/2010/main" val="1948828331"/>
       </p:ext>
     </p:extLst>
   </p:cSld>
@@ -22425,10 +20992,10 @@
       </p:sp>
       <p:sp>
         <p:nvSpPr>
-          <p:cNvPr id="7" name="Slide Number">
+          <p:cNvPr id="2" name="Slide Number">
             <a:extLst>
               <a:ext uri="{FF2B5EF4-FFF2-40B4-BE49-F238E27FC236}">
-                <a16:creationId xmlns:a16="http://schemas.microsoft.com/office/drawing/2014/main" id="{3402C0DA-67D9-4F29-BE15-F74846BE1B80}"/>
+                <a16:creationId xmlns:a16="http://schemas.microsoft.com/office/drawing/2014/main" id="{CAB2FEFA-5395-A7F4-4CFF-5A04A8A80067}"/>
               </a:ext>
             </a:extLst>
           </p:cNvPr>
@@ -22556,7 +21123,7 @@
     </p:spTree>
     <p:extLst>
       <p:ext uri="{BB962C8B-B14F-4D97-AF65-F5344CB8AC3E}">
-        <p14:creationId xmlns:p14="http://schemas.microsoft.com/office/powerpoint/2010/main" val="233917778"/>
+        <p14:creationId xmlns:p14="http://schemas.microsoft.com/office/powerpoint/2010/main" val="3828969841"/>
       </p:ext>
     </p:extLst>
   </p:cSld>
@@ -24035,17 +22602,19 @@
       </p:grpSp>
       <p:sp>
         <p:nvSpPr>
-          <p:cNvPr id="25" name="Slide Number">
+          <p:cNvPr id="2" name="Slide Number">
             <a:extLst>
               <a:ext uri="{FF2B5EF4-FFF2-40B4-BE49-F238E27FC236}">
-                <a16:creationId xmlns:a16="http://schemas.microsoft.com/office/drawing/2014/main" id="{019FA8BF-A9D1-4EE7-B284-E6B70236C759}"/>
+                <a16:creationId xmlns:a16="http://schemas.microsoft.com/office/drawing/2014/main" id="{69A60859-3BFB-056D-30C6-5A7F5B373043}"/>
               </a:ext>
             </a:extLst>
           </p:cNvPr>
-          <p:cNvSpPr txBox="1">
-            <a:spLocks/>
+          <p:cNvSpPr>
+            <a:spLocks noGrp="1"/>
           </p:cNvSpPr>
-          <p:nvPr/>
+          <p:nvPr>
+            <p:ph type="sldNum" sz="quarter" idx="5"/>
+          </p:nvPr>
         </p:nvSpPr>
         <p:spPr>
           <a:xfrm>
@@ -24059,114 +22628,24 @@
         <p:txBody>
           <a:bodyPr vert="horz" lIns="91440" tIns="45720" rIns="91440" bIns="45720" rtlCol="0" anchor="b"/>
           <a:lstStyle>
-            <a:defPPr>
-              <a:defRPr lang="en-US"/>
-            </a:defPPr>
-            <a:lvl1pPr marL="0" algn="r" defTabSz="914400" rtl="0" eaLnBrk="1" latinLnBrk="0" hangingPunct="1">
-              <a:defRPr sz="1000" kern="1200">
-                <a:solidFill>
-                  <a:schemeClr val="tx1"/>
-                </a:solidFill>
-                <a:latin typeface="+mn-lt"/>
-                <a:ea typeface="+mn-ea"/>
-                <a:cs typeface="+mn-cs"/>
-              </a:defRPr>
+            <a:lvl1pPr algn="r">
+              <a:defRPr sz="1000"/>
             </a:lvl1pPr>
-            <a:lvl2pPr marL="457200" algn="l" defTabSz="914400" rtl="0" eaLnBrk="1" latinLnBrk="0" hangingPunct="1">
-              <a:defRPr sz="1800" kern="1200">
-                <a:solidFill>
-                  <a:schemeClr val="tx1"/>
-                </a:solidFill>
-                <a:latin typeface="+mn-lt"/>
-                <a:ea typeface="+mn-ea"/>
-                <a:cs typeface="+mn-cs"/>
-              </a:defRPr>
-            </a:lvl2pPr>
-            <a:lvl3pPr marL="914400" algn="l" defTabSz="914400" rtl="0" eaLnBrk="1" latinLnBrk="0" hangingPunct="1">
-              <a:defRPr sz="1800" kern="1200">
-                <a:solidFill>
-                  <a:schemeClr val="tx1"/>
-                </a:solidFill>
-                <a:latin typeface="+mn-lt"/>
-                <a:ea typeface="+mn-ea"/>
-                <a:cs typeface="+mn-cs"/>
-              </a:defRPr>
-            </a:lvl3pPr>
-            <a:lvl4pPr marL="1371600" algn="l" defTabSz="914400" rtl="0" eaLnBrk="1" latinLnBrk="0" hangingPunct="1">
-              <a:defRPr sz="1800" kern="1200">
-                <a:solidFill>
-                  <a:schemeClr val="tx1"/>
-                </a:solidFill>
-                <a:latin typeface="+mn-lt"/>
-                <a:ea typeface="+mn-ea"/>
-                <a:cs typeface="+mn-cs"/>
-              </a:defRPr>
-            </a:lvl4pPr>
-            <a:lvl5pPr marL="1828800" algn="l" defTabSz="914400" rtl="0" eaLnBrk="1" latinLnBrk="0" hangingPunct="1">
-              <a:defRPr sz="1800" kern="1200">
-                <a:solidFill>
-                  <a:schemeClr val="tx1"/>
-                </a:solidFill>
-                <a:latin typeface="+mn-lt"/>
-                <a:ea typeface="+mn-ea"/>
-                <a:cs typeface="+mn-cs"/>
-              </a:defRPr>
-            </a:lvl5pPr>
-            <a:lvl6pPr marL="2286000" algn="l" defTabSz="914400" rtl="0" eaLnBrk="1" latinLnBrk="0" hangingPunct="1">
-              <a:defRPr sz="1800" kern="1200">
-                <a:solidFill>
-                  <a:schemeClr val="tx1"/>
-                </a:solidFill>
-                <a:latin typeface="+mn-lt"/>
-                <a:ea typeface="+mn-ea"/>
-                <a:cs typeface="+mn-cs"/>
-              </a:defRPr>
-            </a:lvl6pPr>
-            <a:lvl7pPr marL="2743200" algn="l" defTabSz="914400" rtl="0" eaLnBrk="1" latinLnBrk="0" hangingPunct="1">
-              <a:defRPr sz="1800" kern="1200">
-                <a:solidFill>
-                  <a:schemeClr val="tx1"/>
-                </a:solidFill>
-                <a:latin typeface="+mn-lt"/>
-                <a:ea typeface="+mn-ea"/>
-                <a:cs typeface="+mn-cs"/>
-              </a:defRPr>
-            </a:lvl7pPr>
-            <a:lvl8pPr marL="3200400" algn="l" defTabSz="914400" rtl="0" eaLnBrk="1" latinLnBrk="0" hangingPunct="1">
-              <a:defRPr sz="1800" kern="1200">
-                <a:solidFill>
-                  <a:schemeClr val="tx1"/>
-                </a:solidFill>
-                <a:latin typeface="+mn-lt"/>
-                <a:ea typeface="+mn-ea"/>
-                <a:cs typeface="+mn-cs"/>
-              </a:defRPr>
-            </a:lvl8pPr>
-            <a:lvl9pPr marL="3657600" algn="l" defTabSz="914400" rtl="0" eaLnBrk="1" latinLnBrk="0" hangingPunct="1">
-              <a:defRPr sz="1800" kern="1200">
-                <a:solidFill>
-                  <a:schemeClr val="tx1"/>
-                </a:solidFill>
-                <a:latin typeface="+mn-lt"/>
-                <a:ea typeface="+mn-ea"/>
-                <a:cs typeface="+mn-cs"/>
-              </a:defRPr>
-            </a:lvl9pPr>
           </a:lstStyle>
           <a:p>
             <a:fld id="{2BF067CD-8E6B-4360-9AA8-C5DF2A48A6D1}" type="slidenum">
-              <a:rPr lang="en-US" smtClean="0"/>
+              <a:rPr lang="en-US" noProof="0" smtClean="0"/>
               <a:pPr/>
               <a:t>6</a:t>
             </a:fld>
-            <a:endParaRPr lang="en-US" dirty="0"/>
+            <a:endParaRPr lang="en-US" noProof="0" dirty="0"/>
           </a:p>
         </p:txBody>
       </p:sp>
     </p:spTree>
     <p:extLst>
       <p:ext uri="{BB962C8B-B14F-4D97-AF65-F5344CB8AC3E}">
-        <p14:creationId xmlns:p14="http://schemas.microsoft.com/office/powerpoint/2010/main" val="2733434432"/>
+        <p14:creationId xmlns:p14="http://schemas.microsoft.com/office/powerpoint/2010/main" val="3360732876"/>
       </p:ext>
     </p:extLst>
   </p:cSld>
@@ -24621,7 +23100,15 @@
           <a:p>
             <a:r>
               <a:rPr lang="en-US" sz="3950" dirty="0"/>
-              <a:t>Сума от масив – Пример</a:t>
+              <a:t>Сума </a:t>
+            </a:r>
+            <a:r>
+              <a:rPr lang="bg-BG" sz="3950" dirty="0"/>
+              <a:t>на</a:t>
+            </a:r>
+            <a:r>
+              <a:rPr lang="en-US" sz="3950" dirty="0"/>
+              <a:t> масив – Пример</a:t>
             </a:r>
             <a:endParaRPr lang="bg-BG" sz="3950" dirty="0"/>
           </a:p>
@@ -26086,10 +24573,10 @@
       </p:graphicFrame>
       <p:sp>
         <p:nvSpPr>
-          <p:cNvPr id="30" name="Slide Number">
+          <p:cNvPr id="2" name="Slide Number">
             <a:extLst>
               <a:ext uri="{FF2B5EF4-FFF2-40B4-BE49-F238E27FC236}">
-                <a16:creationId xmlns:a16="http://schemas.microsoft.com/office/drawing/2014/main" id="{46B8D4DE-E5B1-4487-99FC-C5449F42FB79}"/>
+                <a16:creationId xmlns:a16="http://schemas.microsoft.com/office/drawing/2014/main" id="{9F8D2ED8-A76A-DD7B-67F8-397FCCADDAA5}"/>
               </a:ext>
             </a:extLst>
           </p:cNvPr>
@@ -26129,7 +24616,7 @@
     </p:spTree>
     <p:extLst>
       <p:ext uri="{BB962C8B-B14F-4D97-AF65-F5344CB8AC3E}">
-        <p14:creationId xmlns:p14="http://schemas.microsoft.com/office/powerpoint/2010/main" val="1112108204"/>
+        <p14:creationId xmlns:p14="http://schemas.microsoft.com/office/powerpoint/2010/main" val="1279074248"/>
       </p:ext>
     </p:extLst>
   </p:cSld>
@@ -26704,10 +25191,10 @@
       </p:pic>
       <p:sp>
         <p:nvSpPr>
-          <p:cNvPr id="8" name="Title 7">
+          <p:cNvPr id="3" name="Заглавие 2">
             <a:extLst>
               <a:ext uri="{FF2B5EF4-FFF2-40B4-BE49-F238E27FC236}">
-                <a16:creationId xmlns:a16="http://schemas.microsoft.com/office/drawing/2014/main" id="{91679E4C-56D8-40BF-B61E-EB83323AA8CC}"/>
+                <a16:creationId xmlns:a16="http://schemas.microsoft.com/office/drawing/2014/main" id="{A8FDC1A4-3E48-FCA3-A9E1-35D6944A9A7B}"/>
               </a:ext>
             </a:extLst>
           </p:cNvPr>
@@ -26724,19 +25211,16 @@
           <a:lstStyle/>
           <a:p>
             <a:r>
-              <a:rPr lang="en-GB" sz="5350" dirty="0">
-                <a:cs typeface="Arial"/>
-              </a:rPr>
+              <a:rPr lang="bg-BG"/>
               <a:t>Упражнения</a:t>
             </a:r>
-            <a:endParaRPr lang="en-GB" sz="5350" dirty="0"/>
           </a:p>
         </p:txBody>
       </p:sp>
     </p:spTree>
     <p:extLst>
       <p:ext uri="{BB962C8B-B14F-4D97-AF65-F5344CB8AC3E}">
-        <p14:creationId xmlns:p14="http://schemas.microsoft.com/office/powerpoint/2010/main" val="1069740800"/>
+        <p14:creationId xmlns:p14="http://schemas.microsoft.com/office/powerpoint/2010/main" val="3637692404"/>
       </p:ext>
     </p:extLst>
   </p:cSld>
@@ -27272,10 +25756,10 @@
       </p:sp>
       <p:sp>
         <p:nvSpPr>
-          <p:cNvPr id="14" name="Slide Number">
+          <p:cNvPr id="2" name="Slide Number">
             <a:extLst>
               <a:ext uri="{FF2B5EF4-FFF2-40B4-BE49-F238E27FC236}">
-                <a16:creationId xmlns:a16="http://schemas.microsoft.com/office/drawing/2014/main" id="{C471BFC0-219F-4D6C-AFA5-3B97BA876027}"/>
+                <a16:creationId xmlns:a16="http://schemas.microsoft.com/office/drawing/2014/main" id="{A1CDF0C1-223A-3DC8-FCE0-87591A8EC528}"/>
               </a:ext>
             </a:extLst>
           </p:cNvPr>
@@ -27315,7 +25799,7 @@
     </p:spTree>
     <p:extLst>
       <p:ext uri="{BB962C8B-B14F-4D97-AF65-F5344CB8AC3E}">
-        <p14:creationId xmlns:p14="http://schemas.microsoft.com/office/powerpoint/2010/main" val="2266993585"/>
+        <p14:creationId xmlns:p14="http://schemas.microsoft.com/office/powerpoint/2010/main" val="4073719759"/>
       </p:ext>
     </p:extLst>
   </p:cSld>
@@ -27621,12 +26105,12 @@
 <file path=ppt/theme/theme1.xml><?xml version="1.0" encoding="utf-8"?>
 <a:theme xmlns:a="http://schemas.openxmlformats.org/drawingml/2006/main" name="SoftUni">
   <a:themeElements>
-    <a:clrScheme name="Custom 28">
+    <a:clrScheme name="Custom 2">
       <a:dk1>
         <a:srgbClr val="234465"/>
       </a:dk1>
       <a:lt1>
-        <a:srgbClr val="FFA000"/>
+        <a:srgbClr val="BF7800"/>
       </a:lt1>
       <a:dk2>
         <a:srgbClr val="234465"/>
@@ -27635,7 +26119,7 @@
         <a:srgbClr val="FFFFFF"/>
       </a:lt2>
       <a:accent1>
-        <a:srgbClr val="F29600"/>
+        <a:srgbClr val="FFA000"/>
       </a:accent1>
       <a:accent2>
         <a:srgbClr val="00B050"/>
@@ -27653,10 +26137,10 @@
         <a:srgbClr val="F4F5F7"/>
       </a:accent6>
       <a:hlink>
-        <a:srgbClr val="F2AC44"/>
+        <a:srgbClr val="BF7800"/>
       </a:hlink>
       <a:folHlink>
-        <a:srgbClr val="F6C781"/>
+        <a:srgbClr val="EF9511"/>
       </a:folHlink>
     </a:clrScheme>
     <a:fontScheme name="SoftUni">

--- a/Courses/Software-Sciences/Module-2-DS-and-Algo/15.1-Recursion/15.1-Recursion.pptx
+++ b/Courses/Software-Sciences/Module-2-DS-and-Algo/15.1-Recursion/15.1-Recursion.pptx
@@ -5,10 +5,10 @@
     <p:sldMasterId id="2147483675" r:id="rId1"/>
   </p:sldMasterIdLst>
   <p:notesMasterIdLst>
-    <p:notesMasterId r:id="rId28"/>
+    <p:notesMasterId r:id="rId29"/>
   </p:notesMasterIdLst>
   <p:handoutMasterIdLst>
-    <p:handoutMasterId r:id="rId29"/>
+    <p:handoutMasterId r:id="rId30"/>
   </p:handoutMasterIdLst>
   <p:sldIdLst>
     <p:sldId id="657" r:id="rId2"/>
@@ -18,25 +18,26 @@
     <p:sldId id="629" r:id="rId6"/>
     <p:sldId id="626" r:id="rId7"/>
     <p:sldId id="583" r:id="rId8"/>
-    <p:sldId id="658" r:id="rId9"/>
-    <p:sldId id="584" r:id="rId10"/>
-    <p:sldId id="585" r:id="rId11"/>
-    <p:sldId id="587" r:id="rId12"/>
-    <p:sldId id="586" r:id="rId13"/>
-    <p:sldId id="588" r:id="rId14"/>
-    <p:sldId id="589" r:id="rId15"/>
-    <p:sldId id="590" r:id="rId16"/>
-    <p:sldId id="591" r:id="rId17"/>
-    <p:sldId id="592" r:id="rId18"/>
-    <p:sldId id="620" r:id="rId19"/>
-    <p:sldId id="621" r:id="rId20"/>
-    <p:sldId id="622" r:id="rId21"/>
-    <p:sldId id="623" r:id="rId22"/>
-    <p:sldId id="624" r:id="rId23"/>
-    <p:sldId id="625" r:id="rId24"/>
-    <p:sldId id="571" r:id="rId25"/>
-    <p:sldId id="661" r:id="rId26"/>
-    <p:sldId id="505" r:id="rId27"/>
+    <p:sldId id="662" r:id="rId9"/>
+    <p:sldId id="658" r:id="rId10"/>
+    <p:sldId id="584" r:id="rId11"/>
+    <p:sldId id="585" r:id="rId12"/>
+    <p:sldId id="587" r:id="rId13"/>
+    <p:sldId id="586" r:id="rId14"/>
+    <p:sldId id="588" r:id="rId15"/>
+    <p:sldId id="589" r:id="rId16"/>
+    <p:sldId id="590" r:id="rId17"/>
+    <p:sldId id="591" r:id="rId18"/>
+    <p:sldId id="592" r:id="rId19"/>
+    <p:sldId id="620" r:id="rId20"/>
+    <p:sldId id="621" r:id="rId21"/>
+    <p:sldId id="622" r:id="rId22"/>
+    <p:sldId id="623" r:id="rId23"/>
+    <p:sldId id="624" r:id="rId24"/>
+    <p:sldId id="625" r:id="rId25"/>
+    <p:sldId id="571" r:id="rId26"/>
+    <p:sldId id="661" r:id="rId27"/>
+    <p:sldId id="505" r:id="rId28"/>
   </p:sldIdLst>
   <p:sldSz cx="12192000" cy="6858000"/>
   <p:notesSz cx="6858000" cy="9144000"/>
@@ -151,6 +152,7 @@
             <p14:sldId id="629"/>
             <p14:sldId id="626"/>
             <p14:sldId id="583"/>
+            <p14:sldId id="662"/>
           </p14:sldIdLst>
         </p14:section>
         <p14:section name="Упражнения" id="{72286CB5-7CB9-4122-86AD-0487F8008EB1}">
@@ -301,7 +303,7 @@
           <a:p>
             <a:fld id="{4E087215-0C8F-4762-A664-737A353EC9A4}" type="datetimeFigureOut">
               <a:rPr lang="bg-BG" smtClean="0"/>
-              <a:t>17.9.2023 г.</a:t>
+              <a:t>10.07.24 г.</a:t>
             </a:fld>
             <a:endParaRPr lang="bg-BG"/>
           </a:p>
@@ -497,7 +499,7 @@
           <a:p>
             <a:fld id="{72D84649-876A-46C9-8472-14CB09C070D8}" type="datetimeFigureOut">
               <a:rPr lang="en-US" smtClean="0"/>
-              <a:t>9/17/2023</a:t>
+              <a:t>7/10/24</a:t>
             </a:fld>
             <a:endParaRPr lang="en-US"/>
           </a:p>
@@ -997,7 +999,7 @@
             <a:fld id="{3EBA5BD7-F043-4D1B-AA17-CD412FC534DE}" type="slidenum">
               <a:rPr lang="en-US" smtClean="0"/>
               <a:pPr/>
-              <a:t>24</a:t>
+              <a:t>25</a:t>
             </a:fld>
             <a:endParaRPr lang="en-US" dirty="0"/>
           </a:p>
@@ -1243,7 +1245,7 @@
             <a:fld id="{3EBA5BD7-F043-4D1B-AA17-CD412FC534DE}" type="slidenum">
               <a:rPr lang="en-US" smtClean="0"/>
               <a:pPr/>
-              <a:t>25</a:t>
+              <a:t>26</a:t>
             </a:fld>
             <a:endParaRPr lang="en-US" dirty="0"/>
           </a:p>
@@ -1489,7 +1491,7 @@
             <a:fld id="{3EBA5BD7-F043-4D1B-AA17-CD412FC534DE}" type="slidenum">
               <a:rPr lang="en-US" smtClean="0"/>
               <a:pPr/>
-              <a:t>26</a:t>
+              <a:t>27</a:t>
             </a:fld>
             <a:endParaRPr lang="en-US" dirty="0"/>
           </a:p>
@@ -6899,6 +6901,870 @@
       </p:grpSpPr>
       <p:sp>
         <p:nvSpPr>
+          <p:cNvPr id="4" name="Title 3"/>
+          <p:cNvSpPr>
+            <a:spLocks noGrp="1"/>
+          </p:cNvSpPr>
+          <p:nvPr>
+            <p:ph type="title"/>
+          </p:nvPr>
+        </p:nvSpPr>
+        <p:spPr/>
+        <p:txBody>
+          <a:bodyPr/>
+          <a:lstStyle/>
+          <a:p>
+            <a:r>
+              <a:rPr lang="en-US" sz="3950" dirty="0"/>
+              <a:t>Задача: Сума </a:t>
+            </a:r>
+            <a:r>
+              <a:rPr lang="bg-BG" sz="3950" dirty="0"/>
+              <a:t>на </a:t>
+            </a:r>
+            <a:r>
+              <a:rPr lang="en-US" sz="3950" dirty="0"/>
+              <a:t>масив</a:t>
+            </a:r>
+          </a:p>
+        </p:txBody>
+      </p:sp>
+      <p:sp>
+        <p:nvSpPr>
+          <p:cNvPr id="6" name="Content Placeholder 2"/>
+          <p:cNvSpPr>
+            <a:spLocks noGrp="1"/>
+          </p:cNvSpPr>
+          <p:nvPr>
+            <p:ph idx="4294967295"/>
+          </p:nvPr>
+        </p:nvSpPr>
+        <p:spPr>
+          <a:xfrm>
+            <a:off x="174579" y="1151532"/>
+            <a:ext cx="11801576" cy="5569086"/>
+          </a:xfrm>
+        </p:spPr>
+        <p:txBody>
+          <a:bodyPr vert="horz" lIns="108000" tIns="36000" rIns="108000" bIns="36000" rtlCol="0" anchor="t">
+            <a:normAutofit/>
+          </a:bodyPr>
+          <a:lstStyle/>
+          <a:p>
+            <a:pPr marL="360045" indent="-360045">
+              <a:lnSpc>
+                <a:spcPct val="100000"/>
+              </a:lnSpc>
+            </a:pPr>
+            <a:r>
+              <a:rPr lang="en-US" sz="3600" dirty="0"/>
+              <a:t>Създайте </a:t>
+            </a:r>
+            <a:r>
+              <a:rPr lang="en-US" sz="3600" b="1" dirty="0">
+                <a:solidFill>
+                  <a:schemeClr val="bg1"/>
+                </a:solidFill>
+              </a:rPr>
+              <a:t>рекурсивен метод</a:t>
+            </a:r>
+            <a:r>
+              <a:rPr lang="en-US" sz="3600" dirty="0">
+                <a:solidFill>
+                  <a:srgbClr val="234465"/>
+                </a:solidFill>
+              </a:rPr>
+              <a:t>, който:</a:t>
+            </a:r>
+            <a:endParaRPr lang="bg-BG" sz="3600" dirty="0">
+              <a:solidFill>
+                <a:srgbClr val="234465"/>
+              </a:solidFill>
+            </a:endParaRPr>
+          </a:p>
+          <a:p>
+            <a:pPr marL="802957" lvl="1" indent="-360045">
+              <a:lnSpc>
+                <a:spcPct val="100000"/>
+              </a:lnSpc>
+            </a:pPr>
+            <a:r>
+              <a:rPr lang="bg-BG" sz="3150" dirty="0">
+                <a:solidFill>
+                  <a:srgbClr val="234465"/>
+                </a:solidFill>
+                <a:cs typeface="Calibri"/>
+              </a:rPr>
+              <a:t>Чете </a:t>
+            </a:r>
+            <a:r>
+              <a:rPr lang="bg-BG" sz="3150" b="1" dirty="0">
+                <a:solidFill>
+                  <a:schemeClr val="bg1"/>
+                </a:solidFill>
+                <a:cs typeface="Calibri"/>
+              </a:rPr>
+              <a:t>масив от числа </a:t>
+            </a:r>
+            <a:r>
+              <a:rPr lang="bg-BG" sz="3150" dirty="0">
+                <a:solidFill>
+                  <a:srgbClr val="234465"/>
+                </a:solidFill>
+                <a:cs typeface="Calibri"/>
+              </a:rPr>
+              <a:t>от конзолата</a:t>
+            </a:r>
+          </a:p>
+          <a:p>
+            <a:pPr lvl="1" indent="-360045">
+              <a:lnSpc>
+                <a:spcPct val="100000"/>
+              </a:lnSpc>
+            </a:pPr>
+            <a:r>
+              <a:rPr lang="en-US" sz="3400" dirty="0"/>
+              <a:t>Намира </a:t>
+            </a:r>
+            <a:r>
+              <a:rPr lang="en-US" sz="3400" b="1" dirty="0">
+                <a:solidFill>
+                  <a:schemeClr val="bg1"/>
+                </a:solidFill>
+              </a:rPr>
+              <a:t>сумата</a:t>
+            </a:r>
+            <a:r>
+              <a:rPr lang="en-US" sz="3400" dirty="0"/>
+              <a:t> на всички</a:t>
+            </a:r>
+            <a:r>
+              <a:rPr lang="en-US" sz="3400" dirty="0">
+                <a:solidFill>
+                  <a:srgbClr val="234465"/>
+                </a:solidFill>
+                <a:latin typeface="Calibri"/>
+                <a:cs typeface="Calibri"/>
+              </a:rPr>
+              <a:t> числа</a:t>
+            </a:r>
+            <a:endParaRPr lang="en-US" sz="3200" dirty="0">
+              <a:solidFill>
+                <a:schemeClr val="bg1"/>
+              </a:solidFill>
+              <a:latin typeface="Calibri"/>
+              <a:cs typeface="Calibri"/>
+            </a:endParaRPr>
+          </a:p>
+        </p:txBody>
+      </p:sp>
+      <p:sp>
+        <p:nvSpPr>
+          <p:cNvPr id="15" name="Right Arrow 14">
+            <a:extLst>
+              <a:ext uri="{FF2B5EF4-FFF2-40B4-BE49-F238E27FC236}">
+                <a16:creationId xmlns:a16="http://schemas.microsoft.com/office/drawing/2014/main" id="{650FCDEF-77AC-4319-82CA-488DD4CFCC8A}"/>
+              </a:ext>
+            </a:extLst>
+          </p:cNvPr>
+          <p:cNvSpPr/>
+          <p:nvPr/>
+        </p:nvSpPr>
+        <p:spPr>
+          <a:xfrm>
+            <a:off x="6129705" y="4486460"/>
+            <a:ext cx="532543" cy="280959"/>
+          </a:xfrm>
+          <a:prstGeom prst="rightArrow">
+            <a:avLst/>
+          </a:prstGeom>
+        </p:spPr>
+        <p:style>
+          <a:lnRef idx="2">
+            <a:schemeClr val="dk1">
+              <a:shade val="50000"/>
+            </a:schemeClr>
+          </a:lnRef>
+          <a:fillRef idx="1">
+            <a:schemeClr val="dk1"/>
+          </a:fillRef>
+          <a:effectRef idx="0">
+            <a:schemeClr val="dk1"/>
+          </a:effectRef>
+          <a:fontRef idx="minor">
+            <a:schemeClr val="lt1"/>
+          </a:fontRef>
+        </p:style>
+        <p:txBody>
+          <a:bodyPr rtlCol="0" anchor="ctr"/>
+          <a:lstStyle/>
+          <a:p>
+            <a:pPr algn="ctr"/>
+            <a:endParaRPr lang="en-US" sz="3199" dirty="0"/>
+          </a:p>
+        </p:txBody>
+      </p:sp>
+      <p:sp>
+        <p:nvSpPr>
+          <p:cNvPr id="16" name="Rectangle 15">
+            <a:extLst>
+              <a:ext uri="{FF2B5EF4-FFF2-40B4-BE49-F238E27FC236}">
+                <a16:creationId xmlns:a16="http://schemas.microsoft.com/office/drawing/2014/main" id="{B7348D6D-D660-482F-AB0D-A14FCBB2D2DF}"/>
+              </a:ext>
+            </a:extLst>
+          </p:cNvPr>
+          <p:cNvSpPr>
+            <a:spLocks noChangeArrowheads="1"/>
+          </p:cNvSpPr>
+          <p:nvPr/>
+        </p:nvSpPr>
+        <p:spPr bwMode="auto">
+          <a:xfrm>
+            <a:off x="3171000" y="4336243"/>
+            <a:ext cx="2488157" cy="615553"/>
+          </a:xfrm>
+          <a:prstGeom prst="rect">
+            <a:avLst/>
+          </a:prstGeom>
+          <a:solidFill>
+            <a:schemeClr val="accent5">
+              <a:lumMod val="40000"/>
+              <a:lumOff val="60000"/>
+              <a:alpha val="20000"/>
+            </a:schemeClr>
+          </a:solidFill>
+          <a:ln w="12700">
+            <a:solidFill>
+              <a:schemeClr val="accent5">
+                <a:lumMod val="60000"/>
+                <a:lumOff val="40000"/>
+              </a:schemeClr>
+            </a:solidFill>
+          </a:ln>
+        </p:spPr>
+        <p:txBody>
+          <a:bodyPr wrap="square">
+            <a:spAutoFit/>
+          </a:bodyPr>
+          <a:lstStyle/>
+          <a:p>
+            <a:pPr algn="ctr" eaLnBrk="0" hangingPunct="0">
+              <a:buClr>
+                <a:schemeClr val="accent5">
+                  <a:lumMod val="40000"/>
+                  <a:lumOff val="60000"/>
+                </a:schemeClr>
+              </a:buClr>
+              <a:buSzPct val="70000"/>
+            </a:pPr>
+            <a:r>
+              <a:rPr lang="it-IT" sz="3400" b="1" noProof="1">
+                <a:latin typeface="Consolas" panose="020B0609020204030204" pitchFamily="49" charset="0"/>
+              </a:rPr>
+              <a:t>1 2 3 4</a:t>
+            </a:r>
+          </a:p>
+        </p:txBody>
+      </p:sp>
+      <p:sp>
+        <p:nvSpPr>
+          <p:cNvPr id="17" name="Rectangle 16">
+            <a:extLst>
+              <a:ext uri="{FF2B5EF4-FFF2-40B4-BE49-F238E27FC236}">
+                <a16:creationId xmlns:a16="http://schemas.microsoft.com/office/drawing/2014/main" id="{D4CF9DF7-8ABA-48CC-B66B-F7B7922BCAB8}"/>
+              </a:ext>
+            </a:extLst>
+          </p:cNvPr>
+          <p:cNvSpPr>
+            <a:spLocks noChangeArrowheads="1"/>
+          </p:cNvSpPr>
+          <p:nvPr/>
+        </p:nvSpPr>
+        <p:spPr bwMode="auto">
+          <a:xfrm>
+            <a:off x="7125772" y="4336243"/>
+            <a:ext cx="770228" cy="615553"/>
+          </a:xfrm>
+          <a:prstGeom prst="rect">
+            <a:avLst/>
+          </a:prstGeom>
+          <a:solidFill>
+            <a:schemeClr val="accent5">
+              <a:lumMod val="40000"/>
+              <a:lumOff val="60000"/>
+              <a:alpha val="20000"/>
+            </a:schemeClr>
+          </a:solidFill>
+          <a:ln w="12700">
+            <a:solidFill>
+              <a:schemeClr val="accent5">
+                <a:lumMod val="60000"/>
+                <a:lumOff val="40000"/>
+              </a:schemeClr>
+            </a:solidFill>
+          </a:ln>
+        </p:spPr>
+        <p:txBody>
+          <a:bodyPr wrap="square">
+            <a:spAutoFit/>
+          </a:bodyPr>
+          <a:lstStyle/>
+          <a:p>
+            <a:pPr algn="ctr" eaLnBrk="0" hangingPunct="0">
+              <a:buClr>
+                <a:schemeClr val="accent5">
+                  <a:lumMod val="40000"/>
+                  <a:lumOff val="60000"/>
+                </a:schemeClr>
+              </a:buClr>
+              <a:buSzPct val="70000"/>
+            </a:pPr>
+            <a:r>
+              <a:rPr lang="it-IT" sz="3400" b="1" noProof="1">
+                <a:latin typeface="Consolas" panose="020B0609020204030204" pitchFamily="49" charset="0"/>
+              </a:rPr>
+              <a:t>10</a:t>
+            </a:r>
+          </a:p>
+        </p:txBody>
+      </p:sp>
+      <p:sp>
+        <p:nvSpPr>
+          <p:cNvPr id="19" name="Rectangle 18">
+            <a:extLst>
+              <a:ext uri="{FF2B5EF4-FFF2-40B4-BE49-F238E27FC236}">
+                <a16:creationId xmlns:a16="http://schemas.microsoft.com/office/drawing/2014/main" id="{B7348D6D-D660-482F-AB0D-A14FCBB2D2DF}"/>
+              </a:ext>
+            </a:extLst>
+          </p:cNvPr>
+          <p:cNvSpPr>
+            <a:spLocks noChangeArrowheads="1"/>
+          </p:cNvSpPr>
+          <p:nvPr/>
+        </p:nvSpPr>
+        <p:spPr bwMode="auto">
+          <a:xfrm>
+            <a:off x="3756000" y="5163241"/>
+            <a:ext cx="1903157" cy="615553"/>
+          </a:xfrm>
+          <a:prstGeom prst="rect">
+            <a:avLst/>
+          </a:prstGeom>
+          <a:solidFill>
+            <a:schemeClr val="accent5">
+              <a:lumMod val="40000"/>
+              <a:lumOff val="60000"/>
+              <a:alpha val="20000"/>
+            </a:schemeClr>
+          </a:solidFill>
+          <a:ln w="12700">
+            <a:solidFill>
+              <a:schemeClr val="accent5">
+                <a:lumMod val="60000"/>
+                <a:lumOff val="40000"/>
+              </a:schemeClr>
+            </a:solidFill>
+          </a:ln>
+        </p:spPr>
+        <p:txBody>
+          <a:bodyPr wrap="square">
+            <a:spAutoFit/>
+          </a:bodyPr>
+          <a:lstStyle/>
+          <a:p>
+            <a:pPr algn="ctr" eaLnBrk="0" hangingPunct="0">
+              <a:buClr>
+                <a:schemeClr val="accent5">
+                  <a:lumMod val="40000"/>
+                  <a:lumOff val="60000"/>
+                </a:schemeClr>
+              </a:buClr>
+              <a:buSzPct val="70000"/>
+            </a:pPr>
+            <a:r>
+              <a:rPr lang="it-IT" sz="3400" b="1" noProof="1">
+                <a:latin typeface="Consolas" panose="020B0609020204030204" pitchFamily="49" charset="0"/>
+              </a:rPr>
+              <a:t>-1 0 1</a:t>
+            </a:r>
+          </a:p>
+        </p:txBody>
+      </p:sp>
+      <p:sp>
+        <p:nvSpPr>
+          <p:cNvPr id="20" name="Rectangle 19">
+            <a:extLst>
+              <a:ext uri="{FF2B5EF4-FFF2-40B4-BE49-F238E27FC236}">
+                <a16:creationId xmlns:a16="http://schemas.microsoft.com/office/drawing/2014/main" id="{D4CF9DF7-8ABA-48CC-B66B-F7B7922BCAB8}"/>
+              </a:ext>
+            </a:extLst>
+          </p:cNvPr>
+          <p:cNvSpPr>
+            <a:spLocks noChangeArrowheads="1"/>
+          </p:cNvSpPr>
+          <p:nvPr/>
+        </p:nvSpPr>
+        <p:spPr bwMode="auto">
+          <a:xfrm>
+            <a:off x="7125772" y="5163241"/>
+            <a:ext cx="528647" cy="615553"/>
+          </a:xfrm>
+          <a:prstGeom prst="rect">
+            <a:avLst/>
+          </a:prstGeom>
+          <a:solidFill>
+            <a:schemeClr val="accent5">
+              <a:lumMod val="40000"/>
+              <a:lumOff val="60000"/>
+              <a:alpha val="20000"/>
+            </a:schemeClr>
+          </a:solidFill>
+          <a:ln w="12700">
+            <a:solidFill>
+              <a:schemeClr val="accent5">
+                <a:lumMod val="60000"/>
+                <a:lumOff val="40000"/>
+              </a:schemeClr>
+            </a:solidFill>
+          </a:ln>
+        </p:spPr>
+        <p:txBody>
+          <a:bodyPr wrap="square">
+            <a:spAutoFit/>
+          </a:bodyPr>
+          <a:lstStyle/>
+          <a:p>
+            <a:pPr algn="ctr" eaLnBrk="0" hangingPunct="0">
+              <a:buClr>
+                <a:schemeClr val="accent5">
+                  <a:lumMod val="40000"/>
+                  <a:lumOff val="60000"/>
+                </a:schemeClr>
+              </a:buClr>
+              <a:buSzPct val="70000"/>
+            </a:pPr>
+            <a:r>
+              <a:rPr lang="it-IT" sz="3400" b="1" noProof="1">
+                <a:latin typeface="Consolas" panose="020B0609020204030204" pitchFamily="49" charset="0"/>
+              </a:rPr>
+              <a:t>0</a:t>
+            </a:r>
+          </a:p>
+        </p:txBody>
+      </p:sp>
+      <p:sp>
+        <p:nvSpPr>
+          <p:cNvPr id="11" name="Right Arrow 14">
+            <a:extLst>
+              <a:ext uri="{FF2B5EF4-FFF2-40B4-BE49-F238E27FC236}">
+                <a16:creationId xmlns:a16="http://schemas.microsoft.com/office/drawing/2014/main" id="{BB7724A8-2B11-4A82-AA6A-78339B1E9513}"/>
+              </a:ext>
+            </a:extLst>
+          </p:cNvPr>
+          <p:cNvSpPr/>
+          <p:nvPr/>
+        </p:nvSpPr>
+        <p:spPr>
+          <a:xfrm>
+            <a:off x="6122680" y="5319000"/>
+            <a:ext cx="532543" cy="280959"/>
+          </a:xfrm>
+          <a:prstGeom prst="rightArrow">
+            <a:avLst/>
+          </a:prstGeom>
+        </p:spPr>
+        <p:style>
+          <a:lnRef idx="2">
+            <a:schemeClr val="dk1">
+              <a:shade val="50000"/>
+            </a:schemeClr>
+          </a:lnRef>
+          <a:fillRef idx="1">
+            <a:schemeClr val="dk1"/>
+          </a:fillRef>
+          <a:effectRef idx="0">
+            <a:schemeClr val="dk1"/>
+          </a:effectRef>
+          <a:fontRef idx="minor">
+            <a:schemeClr val="lt1"/>
+          </a:fontRef>
+        </p:style>
+        <p:txBody>
+          <a:bodyPr rtlCol="0" anchor="ctr"/>
+          <a:lstStyle/>
+          <a:p>
+            <a:pPr algn="ctr"/>
+            <a:endParaRPr lang="en-US" sz="3199" dirty="0"/>
+          </a:p>
+        </p:txBody>
+      </p:sp>
+      <p:sp>
+        <p:nvSpPr>
+          <p:cNvPr id="2" name="Slide Number">
+            <a:extLst>
+              <a:ext uri="{FF2B5EF4-FFF2-40B4-BE49-F238E27FC236}">
+                <a16:creationId xmlns:a16="http://schemas.microsoft.com/office/drawing/2014/main" id="{A1CDF0C1-223A-3DC8-FCE0-87591A8EC528}"/>
+              </a:ext>
+            </a:extLst>
+          </p:cNvPr>
+          <p:cNvSpPr>
+            <a:spLocks noGrp="1"/>
+          </p:cNvSpPr>
+          <p:nvPr>
+            <p:ph type="sldNum" sz="quarter" idx="5"/>
+          </p:nvPr>
+        </p:nvSpPr>
+        <p:spPr>
+          <a:xfrm>
+            <a:off x="11753030" y="6507000"/>
+            <a:ext cx="367414" cy="297000"/>
+          </a:xfrm>
+          <a:prstGeom prst="rect">
+            <a:avLst/>
+          </a:prstGeom>
+        </p:spPr>
+        <p:txBody>
+          <a:bodyPr vert="horz" lIns="91440" tIns="45720" rIns="91440" bIns="45720" rtlCol="0" anchor="b"/>
+          <a:lstStyle>
+            <a:lvl1pPr algn="r">
+              <a:defRPr sz="1000"/>
+            </a:lvl1pPr>
+          </a:lstStyle>
+          <a:p>
+            <a:fld id="{2BF067CD-8E6B-4360-9AA8-C5DF2A48A6D1}" type="slidenum">
+              <a:rPr lang="en-US" noProof="0" smtClean="0"/>
+              <a:pPr/>
+              <a:t>10</a:t>
+            </a:fld>
+            <a:endParaRPr lang="en-US" noProof="0" dirty="0"/>
+          </a:p>
+        </p:txBody>
+      </p:sp>
+    </p:spTree>
+    <p:extLst>
+      <p:ext uri="{BB962C8B-B14F-4D97-AF65-F5344CB8AC3E}">
+        <p14:creationId xmlns:p14="http://schemas.microsoft.com/office/powerpoint/2010/main" val="4073719759"/>
+      </p:ext>
+    </p:extLst>
+  </p:cSld>
+  <p:clrMapOvr>
+    <a:masterClrMapping/>
+  </p:clrMapOvr>
+  <mc:AlternateContent xmlns:mc="http://schemas.openxmlformats.org/markup-compatibility/2006" xmlns:p14="http://schemas.microsoft.com/office/powerpoint/2010/main">
+    <mc:Choice Requires="p14">
+      <p:transition spd="slow" p14:dur="2000" advClick="0" advTm="5000"/>
+    </mc:Choice>
+    <mc:Fallback xmlns="">
+      <p:transition spd="slow" advClick="0" advTm="5000"/>
+    </mc:Fallback>
+  </mc:AlternateContent>
+  <p:timing>
+    <p:tnLst>
+      <p:par>
+        <p:cTn id="1" dur="indefinite" restart="never" nodeType="tmRoot">
+          <p:childTnLst>
+            <p:seq concurrent="1" nextAc="seek">
+              <p:cTn id="2" dur="indefinite" nodeType="mainSeq">
+                <p:childTnLst>
+                  <p:par>
+                    <p:cTn id="3" fill="hold">
+                      <p:stCondLst>
+                        <p:cond delay="indefinite"/>
+                      </p:stCondLst>
+                      <p:childTnLst>
+                        <p:par>
+                          <p:cTn id="4" fill="hold">
+                            <p:stCondLst>
+                              <p:cond delay="0"/>
+                            </p:stCondLst>
+                            <p:childTnLst>
+                              <p:par>
+                                <p:cTn id="5" presetID="1" presetClass="entr" presetSubtype="0" fill="hold" nodeType="clickEffect">
+                                  <p:stCondLst>
+                                    <p:cond delay="0"/>
+                                  </p:stCondLst>
+                                  <p:childTnLst>
+                                    <p:set>
+                                      <p:cBhvr>
+                                        <p:cTn id="6" dur="1" fill="hold">
+                                          <p:stCondLst>
+                                            <p:cond delay="0"/>
+                                          </p:stCondLst>
+                                        </p:cTn>
+                                        <p:tgtEl>
+                                          <p:spTgt spid="6">
+                                            <p:txEl>
+                                              <p:pRg st="2" end="2"/>
+                                            </p:txEl>
+                                          </p:spTgt>
+                                        </p:tgtEl>
+                                        <p:attrNameLst>
+                                          <p:attrName>style.visibility</p:attrName>
+                                        </p:attrNameLst>
+                                      </p:cBhvr>
+                                      <p:to>
+                                        <p:strVal val="visible"/>
+                                      </p:to>
+                                    </p:set>
+                                  </p:childTnLst>
+                                </p:cTn>
+                              </p:par>
+                            </p:childTnLst>
+                          </p:cTn>
+                        </p:par>
+                      </p:childTnLst>
+                    </p:cTn>
+                  </p:par>
+                  <p:par>
+                    <p:cTn id="7" fill="hold">
+                      <p:stCondLst>
+                        <p:cond delay="indefinite"/>
+                      </p:stCondLst>
+                      <p:childTnLst>
+                        <p:par>
+                          <p:cTn id="8" fill="hold">
+                            <p:stCondLst>
+                              <p:cond delay="0"/>
+                            </p:stCondLst>
+                            <p:childTnLst>
+                              <p:par>
+                                <p:cTn id="9" presetID="1" presetClass="entr" presetSubtype="0" fill="hold" grpId="0" nodeType="clickEffect">
+                                  <p:stCondLst>
+                                    <p:cond delay="0"/>
+                                  </p:stCondLst>
+                                  <p:childTnLst>
+                                    <p:set>
+                                      <p:cBhvr>
+                                        <p:cTn id="10" dur="1" fill="hold">
+                                          <p:stCondLst>
+                                            <p:cond delay="0"/>
+                                          </p:stCondLst>
+                                        </p:cTn>
+                                        <p:tgtEl>
+                                          <p:spTgt spid="16"/>
+                                        </p:tgtEl>
+                                        <p:attrNameLst>
+                                          <p:attrName>style.visibility</p:attrName>
+                                        </p:attrNameLst>
+                                      </p:cBhvr>
+                                      <p:to>
+                                        <p:strVal val="visible"/>
+                                      </p:to>
+                                    </p:set>
+                                  </p:childTnLst>
+                                </p:cTn>
+                              </p:par>
+                              <p:par>
+                                <p:cTn id="11" presetID="1" presetClass="entr" presetSubtype="0" fill="hold" grpId="0" nodeType="withEffect">
+                                  <p:stCondLst>
+                                    <p:cond delay="0"/>
+                                  </p:stCondLst>
+                                  <p:childTnLst>
+                                    <p:set>
+                                      <p:cBhvr>
+                                        <p:cTn id="12" dur="1" fill="hold">
+                                          <p:stCondLst>
+                                            <p:cond delay="0"/>
+                                          </p:stCondLst>
+                                        </p:cTn>
+                                        <p:tgtEl>
+                                          <p:spTgt spid="15"/>
+                                        </p:tgtEl>
+                                        <p:attrNameLst>
+                                          <p:attrName>style.visibility</p:attrName>
+                                        </p:attrNameLst>
+                                      </p:cBhvr>
+                                      <p:to>
+                                        <p:strVal val="visible"/>
+                                      </p:to>
+                                    </p:set>
+                                  </p:childTnLst>
+                                </p:cTn>
+                              </p:par>
+                              <p:par>
+                                <p:cTn id="13" presetID="1" presetClass="entr" presetSubtype="0" fill="hold" grpId="0" nodeType="withEffect">
+                                  <p:stCondLst>
+                                    <p:cond delay="0"/>
+                                  </p:stCondLst>
+                                  <p:childTnLst>
+                                    <p:set>
+                                      <p:cBhvr>
+                                        <p:cTn id="14" dur="1" fill="hold">
+                                          <p:stCondLst>
+                                            <p:cond delay="0"/>
+                                          </p:stCondLst>
+                                        </p:cTn>
+                                        <p:tgtEl>
+                                          <p:spTgt spid="17"/>
+                                        </p:tgtEl>
+                                        <p:attrNameLst>
+                                          <p:attrName>style.visibility</p:attrName>
+                                        </p:attrNameLst>
+                                      </p:cBhvr>
+                                      <p:to>
+                                        <p:strVal val="visible"/>
+                                      </p:to>
+                                    </p:set>
+                                  </p:childTnLst>
+                                </p:cTn>
+                              </p:par>
+                            </p:childTnLst>
+                          </p:cTn>
+                        </p:par>
+                      </p:childTnLst>
+                    </p:cTn>
+                  </p:par>
+                  <p:par>
+                    <p:cTn id="15" fill="hold">
+                      <p:stCondLst>
+                        <p:cond delay="indefinite"/>
+                      </p:stCondLst>
+                      <p:childTnLst>
+                        <p:par>
+                          <p:cTn id="16" fill="hold">
+                            <p:stCondLst>
+                              <p:cond delay="0"/>
+                            </p:stCondLst>
+                            <p:childTnLst>
+                              <p:par>
+                                <p:cTn id="17" presetID="1" presetClass="entr" presetSubtype="0" fill="hold" grpId="0" nodeType="clickEffect">
+                                  <p:stCondLst>
+                                    <p:cond delay="0"/>
+                                  </p:stCondLst>
+                                  <p:childTnLst>
+                                    <p:set>
+                                      <p:cBhvr>
+                                        <p:cTn id="18" dur="1" fill="hold">
+                                          <p:stCondLst>
+                                            <p:cond delay="0"/>
+                                          </p:stCondLst>
+                                        </p:cTn>
+                                        <p:tgtEl>
+                                          <p:spTgt spid="19"/>
+                                        </p:tgtEl>
+                                        <p:attrNameLst>
+                                          <p:attrName>style.visibility</p:attrName>
+                                        </p:attrNameLst>
+                                      </p:cBhvr>
+                                      <p:to>
+                                        <p:strVal val="visible"/>
+                                      </p:to>
+                                    </p:set>
+                                  </p:childTnLst>
+                                </p:cTn>
+                              </p:par>
+                              <p:par>
+                                <p:cTn id="19" presetID="1" presetClass="entr" presetSubtype="0" fill="hold" grpId="0" nodeType="withEffect">
+                                  <p:stCondLst>
+                                    <p:cond delay="0"/>
+                                  </p:stCondLst>
+                                  <p:childTnLst>
+                                    <p:set>
+                                      <p:cBhvr>
+                                        <p:cTn id="20" dur="1" fill="hold">
+                                          <p:stCondLst>
+                                            <p:cond delay="0"/>
+                                          </p:stCondLst>
+                                        </p:cTn>
+                                        <p:tgtEl>
+                                          <p:spTgt spid="20"/>
+                                        </p:tgtEl>
+                                        <p:attrNameLst>
+                                          <p:attrName>style.visibility</p:attrName>
+                                        </p:attrNameLst>
+                                      </p:cBhvr>
+                                      <p:to>
+                                        <p:strVal val="visible"/>
+                                      </p:to>
+                                    </p:set>
+                                  </p:childTnLst>
+                                </p:cTn>
+                              </p:par>
+                              <p:par>
+                                <p:cTn id="21" presetID="1" presetClass="entr" presetSubtype="0" fill="hold" grpId="0" nodeType="withEffect">
+                                  <p:stCondLst>
+                                    <p:cond delay="0"/>
+                                  </p:stCondLst>
+                                  <p:childTnLst>
+                                    <p:set>
+                                      <p:cBhvr>
+                                        <p:cTn id="22" dur="1" fill="hold">
+                                          <p:stCondLst>
+                                            <p:cond delay="0"/>
+                                          </p:stCondLst>
+                                        </p:cTn>
+                                        <p:tgtEl>
+                                          <p:spTgt spid="11"/>
+                                        </p:tgtEl>
+                                        <p:attrNameLst>
+                                          <p:attrName>style.visibility</p:attrName>
+                                        </p:attrNameLst>
+                                      </p:cBhvr>
+                                      <p:to>
+                                        <p:strVal val="visible"/>
+                                      </p:to>
+                                    </p:set>
+                                  </p:childTnLst>
+                                </p:cTn>
+                              </p:par>
+                            </p:childTnLst>
+                          </p:cTn>
+                        </p:par>
+                      </p:childTnLst>
+                    </p:cTn>
+                  </p:par>
+                </p:childTnLst>
+              </p:cTn>
+              <p:prevCondLst>
+                <p:cond evt="onPrev" delay="0">
+                  <p:tgtEl>
+                    <p:sldTgt/>
+                  </p:tgtEl>
+                </p:cond>
+              </p:prevCondLst>
+              <p:nextCondLst>
+                <p:cond evt="onNext" delay="0">
+                  <p:tgtEl>
+                    <p:sldTgt/>
+                  </p:tgtEl>
+                </p:cond>
+              </p:nextCondLst>
+            </p:seq>
+          </p:childTnLst>
+        </p:cTn>
+      </p:par>
+    </p:tnLst>
+    <p:bldLst>
+      <p:bldP spid="15" grpId="0" animBg="1"/>
+      <p:bldP spid="16" grpId="0" animBg="1"/>
+      <p:bldP spid="17" grpId="0" animBg="1"/>
+      <p:bldP spid="19" grpId="0" animBg="1"/>
+      <p:bldP spid="20" grpId="0" animBg="1"/>
+      <p:bldP spid="11" grpId="0" animBg="1"/>
+    </p:bldLst>
+  </p:timing>
+</p:sld>
+</file>
+
+<file path=ppt/slides/slide11.xml><?xml version="1.0" encoding="utf-8"?>
+<p:sld xmlns:a="http://schemas.openxmlformats.org/drawingml/2006/main" xmlns:r="http://schemas.openxmlformats.org/officeDocument/2006/relationships" xmlns:p="http://schemas.openxmlformats.org/presentationml/2006/main">
+  <p:cSld>
+    <p:spTree>
+      <p:nvGrpSpPr>
+        <p:cNvPr id="1" name=""/>
+        <p:cNvGrpSpPr/>
+        <p:nvPr/>
+      </p:nvGrpSpPr>
+      <p:grpSpPr>
+        <a:xfrm>
+          <a:off x="0" y="0"/>
+          <a:ext cx="0" cy="0"/>
+          <a:chOff x="0" y="0"/>
+          <a:chExt cx="0" cy="0"/>
+        </a:xfrm>
+      </p:grpSpPr>
+      <p:sp>
+        <p:nvSpPr>
           <p:cNvPr id="2" name="Текстов контейнер 1">
             <a:extLst>
               <a:ext uri="{FF2B5EF4-FFF2-40B4-BE49-F238E27FC236}">
@@ -7535,7 +8401,7 @@
             <a:fld id="{2BF067CD-8E6B-4360-9AA8-C5DF2A48A6D1}" type="slidenum">
               <a:rPr lang="en-US" smtClean="0"/>
               <a:pPr/>
-              <a:t>10</a:t>
+              <a:t>11</a:t>
             </a:fld>
             <a:endParaRPr lang="en-US" dirty="0"/>
           </a:p>
@@ -7686,7 +8552,7 @@
 </p:sld>
 </file>
 
-<file path=ppt/slides/slide11.xml><?xml version="1.0" encoding="utf-8"?>
+<file path=ppt/slides/slide12.xml><?xml version="1.0" encoding="utf-8"?>
 <p:sld xmlns:a="http://schemas.openxmlformats.org/drawingml/2006/main" xmlns:r="http://schemas.openxmlformats.org/officeDocument/2006/relationships" xmlns:p="http://schemas.openxmlformats.org/presentationml/2006/main">
   <p:cSld>
     <p:spTree>
@@ -8198,7 +9064,7 @@
             <a:fld id="{2BF067CD-8E6B-4360-9AA8-C5DF2A48A6D1}" type="slidenum">
               <a:rPr lang="en-US" noProof="0" smtClean="0"/>
               <a:pPr/>
-              <a:t>11</a:t>
+              <a:t>12</a:t>
             </a:fld>
             <a:endParaRPr lang="en-US" noProof="0" dirty="0"/>
           </a:p>
@@ -8510,7 +9376,7 @@
 </p:sld>
 </file>
 
-<file path=ppt/slides/slide12.xml><?xml version="1.0" encoding="utf-8"?>
+<file path=ppt/slides/slide13.xml><?xml version="1.0" encoding="utf-8"?>
 <p:sld xmlns:a="http://schemas.openxmlformats.org/drawingml/2006/main" xmlns:r="http://schemas.openxmlformats.org/officeDocument/2006/relationships" xmlns:p="http://schemas.openxmlformats.org/presentationml/2006/main">
   <p:cSld>
     <p:spTree>
@@ -9520,7 +10386,7 @@
             <a:fld id="{2BF067CD-8E6B-4360-9AA8-C5DF2A48A6D1}" type="slidenum">
               <a:rPr lang="en-US" noProof="0" smtClean="0"/>
               <a:pPr/>
-              <a:t>12</a:t>
+              <a:t>13</a:t>
             </a:fld>
             <a:endParaRPr lang="en-US" noProof="0" dirty="0"/>
           </a:p>
@@ -10033,7 +10899,7 @@
 </p:sld>
 </file>
 
-<file path=ppt/slides/slide13.xml><?xml version="1.0" encoding="utf-8"?>
+<file path=ppt/slides/slide14.xml><?xml version="1.0" encoding="utf-8"?>
 <p:sld xmlns:a="http://schemas.openxmlformats.org/drawingml/2006/main" xmlns:r="http://schemas.openxmlformats.org/officeDocument/2006/relationships" xmlns:p="http://schemas.openxmlformats.org/presentationml/2006/main">
   <p:cSld>
     <p:spTree>
@@ -10642,7 +11508,7 @@
             <a:fld id="{2BF067CD-8E6B-4360-9AA8-C5DF2A48A6D1}" type="slidenum">
               <a:rPr lang="en-US" smtClean="0"/>
               <a:pPr/>
-              <a:t>13</a:t>
+              <a:t>14</a:t>
             </a:fld>
             <a:endParaRPr lang="en-US" dirty="0"/>
           </a:p>
@@ -10793,7 +11659,7 @@
 </p:sld>
 </file>
 
-<file path=ppt/slides/slide14.xml><?xml version="1.0" encoding="utf-8"?>
+<file path=ppt/slides/slide15.xml><?xml version="1.0" encoding="utf-8"?>
 <p:sld xmlns:a="http://schemas.openxmlformats.org/drawingml/2006/main" xmlns:r="http://schemas.openxmlformats.org/officeDocument/2006/relationships" xmlns:p="http://schemas.openxmlformats.org/presentationml/2006/main">
   <p:cSld>
     <p:spTree>
@@ -11179,7 +12045,7 @@
             <a:fld id="{2BF067CD-8E6B-4360-9AA8-C5DF2A48A6D1}" type="slidenum">
               <a:rPr lang="en-US" noProof="0" smtClean="0"/>
               <a:pPr/>
-              <a:t>14</a:t>
+              <a:t>15</a:t>
             </a:fld>
             <a:endParaRPr lang="en-US" noProof="0" dirty="0"/>
           </a:p>
@@ -11365,7 +12231,7 @@
 </p:sld>
 </file>
 
-<file path=ppt/slides/slide15.xml><?xml version="1.0" encoding="utf-8"?>
+<file path=ppt/slides/slide16.xml><?xml version="1.0" encoding="utf-8"?>
 <p:sld xmlns:a="http://schemas.openxmlformats.org/drawingml/2006/main" xmlns:r="http://schemas.openxmlformats.org/officeDocument/2006/relationships" xmlns:p="http://schemas.openxmlformats.org/presentationml/2006/main">
   <p:cSld>
     <p:spTree>
@@ -12159,7 +13025,7 @@
             <a:fld id="{2BF067CD-8E6B-4360-9AA8-C5DF2A48A6D1}" type="slidenum">
               <a:rPr lang="en-US" smtClean="0"/>
               <a:pPr/>
-              <a:t>15</a:t>
+              <a:t>16</a:t>
             </a:fld>
             <a:endParaRPr lang="en-US" dirty="0"/>
           </a:p>
@@ -12519,7 +13385,7 @@
 </p:sld>
 </file>
 
-<file path=ppt/slides/slide16.xml><?xml version="1.0" encoding="utf-8"?>
+<file path=ppt/slides/slide17.xml><?xml version="1.0" encoding="utf-8"?>
 <p:sld xmlns:a="http://schemas.openxmlformats.org/drawingml/2006/main" xmlns:r="http://schemas.openxmlformats.org/officeDocument/2006/relationships" xmlns:p="http://schemas.openxmlformats.org/presentationml/2006/main">
   <p:cSld>
     <p:spTree>
@@ -13034,7 +13900,7 @@
             <a:fld id="{2BF067CD-8E6B-4360-9AA8-C5DF2A48A6D1}" type="slidenum">
               <a:rPr lang="en-US" noProof="0" smtClean="0"/>
               <a:pPr/>
-              <a:t>16</a:t>
+              <a:t>17</a:t>
             </a:fld>
             <a:endParaRPr lang="en-US" noProof="0" dirty="0"/>
           </a:p>
@@ -13195,7 +14061,7 @@
 </p:sld>
 </file>
 
-<file path=ppt/slides/slide17.xml><?xml version="1.0" encoding="utf-8"?>
+<file path=ppt/slides/slide18.xml><?xml version="1.0" encoding="utf-8"?>
 <p:sld xmlns:a="http://schemas.openxmlformats.org/drawingml/2006/main" xmlns:r="http://schemas.openxmlformats.org/officeDocument/2006/relationships" xmlns:p="http://schemas.openxmlformats.org/presentationml/2006/main">
   <p:cSld>
     <p:spTree>
@@ -13705,7 +14571,7 @@
             <a:fld id="{2BF067CD-8E6B-4360-9AA8-C5DF2A48A6D1}" type="slidenum">
               <a:rPr lang="en-US" smtClean="0"/>
               <a:pPr/>
-              <a:t>17</a:t>
+              <a:t>18</a:t>
             </a:fld>
             <a:endParaRPr lang="en-US" dirty="0"/>
           </a:p>
@@ -13732,7 +14598,7 @@
 </p:sld>
 </file>
 
-<file path=ppt/slides/slide18.xml><?xml version="1.0" encoding="utf-8"?>
+<file path=ppt/slides/slide19.xml><?xml version="1.0" encoding="utf-8"?>
 <p:sld xmlns:a="http://schemas.openxmlformats.org/drawingml/2006/main" xmlns:r="http://schemas.openxmlformats.org/officeDocument/2006/relationships" xmlns:p="http://schemas.openxmlformats.org/presentationml/2006/main">
   <p:cSld>
     <p:spTree>
@@ -13854,7 +14720,528 @@
 </p:sld>
 </file>
 
-<file path=ppt/slides/slide19.xml><?xml version="1.0" encoding="utf-8"?>
+<file path=ppt/slides/slide2.xml><?xml version="1.0" encoding="utf-8"?>
+<p:sld xmlns:a="http://schemas.openxmlformats.org/drawingml/2006/main" xmlns:r="http://schemas.openxmlformats.org/officeDocument/2006/relationships" xmlns:p="http://schemas.openxmlformats.org/presentationml/2006/main">
+  <p:cSld>
+    <p:spTree>
+      <p:nvGrpSpPr>
+        <p:cNvPr id="1" name=""/>
+        <p:cNvGrpSpPr/>
+        <p:nvPr/>
+      </p:nvGrpSpPr>
+      <p:grpSpPr>
+        <a:xfrm>
+          <a:off x="0" y="0"/>
+          <a:ext cx="0" cy="0"/>
+          <a:chOff x="0" y="0"/>
+          <a:chExt cx="0" cy="0"/>
+        </a:xfrm>
+      </p:grpSpPr>
+      <p:sp>
+        <p:nvSpPr>
+          <p:cNvPr id="444419" name="Rectangle 3"/>
+          <p:cNvSpPr>
+            <a:spLocks noGrp="1" noChangeArrowheads="1"/>
+          </p:cNvSpPr>
+          <p:nvPr>
+            <p:ph type="body" sz="quarter" idx="13"/>
+          </p:nvPr>
+        </p:nvSpPr>
+        <p:spPr>
+          <a:xfrm>
+            <a:off x="196766" y="1371604"/>
+            <a:ext cx="9717655" cy="5207396"/>
+          </a:xfrm>
+        </p:spPr>
+        <p:txBody>
+          <a:bodyPr vert="horz" lIns="108000" tIns="36000" rIns="108000" bIns="36000" rtlCol="0" anchor="t">
+            <a:normAutofit/>
+          </a:bodyPr>
+          <a:lstStyle/>
+          <a:p>
+            <a:pPr marL="513715" indent="-513715">
+              <a:buClr>
+                <a:schemeClr val="tx1"/>
+              </a:buClr>
+            </a:pPr>
+            <a:r>
+              <a:rPr lang="en-US" dirty="0">
+                <a:solidFill>
+                  <a:schemeClr val="bg1"/>
+                </a:solidFill>
+              </a:rPr>
+              <a:t>͏</a:t>
+            </a:r>
+            <a:r>
+              <a:rPr lang="en-US" b="1" dirty="0">
+                <a:solidFill>
+                  <a:schemeClr val="bg1"/>
+                </a:solidFill>
+              </a:rPr>
+              <a:t>Рекурсия</a:t>
+            </a:r>
+            <a:endParaRPr lang="bg-BG" b="1" dirty="0">
+              <a:solidFill>
+                <a:schemeClr val="bg1"/>
+              </a:solidFill>
+            </a:endParaRPr>
+          </a:p>
+          <a:p>
+            <a:pPr marL="513715" indent="-513715">
+              <a:buClr>
+                <a:schemeClr val="tx1"/>
+              </a:buClr>
+            </a:pPr>
+            <a:r>
+              <a:rPr lang="en-US" dirty="0">
+                <a:solidFill>
+                  <a:schemeClr val="bg1"/>
+                </a:solidFill>
+              </a:rPr>
+              <a:t>͏</a:t>
+            </a:r>
+            <a:r>
+              <a:rPr lang="en-US" b="1" dirty="0">
+                <a:solidFill>
+                  <a:schemeClr val="bg1"/>
+                </a:solidFill>
+              </a:rPr>
+              <a:t>Рекурсивно </a:t>
+            </a:r>
+            <a:r>
+              <a:rPr lang="en-US" dirty="0">
+                <a:solidFill>
+                  <a:srgbClr val="234465"/>
+                </a:solidFill>
+              </a:rPr>
+              <a:t>или</a:t>
+            </a:r>
+            <a:r>
+              <a:rPr lang="en-US" dirty="0"/>
+              <a:t> </a:t>
+            </a:r>
+            <a:r>
+              <a:rPr lang="en-US" b="1" dirty="0">
+                <a:solidFill>
+                  <a:schemeClr val="bg1"/>
+                </a:solidFill>
+              </a:rPr>
+              <a:t>интеративно обхождане</a:t>
+            </a:r>
+            <a:r>
+              <a:rPr lang="en-US" dirty="0"/>
+              <a:t>?</a:t>
+            </a:r>
+            <a:endParaRPr lang="en-US" dirty="0">
+              <a:cs typeface="Calibri"/>
+            </a:endParaRPr>
+          </a:p>
+          <a:p>
+            <a:pPr lvl="1" indent="-360045"/>
+            <a:r>
+              <a:rPr lang="bg-BG" dirty="0">
+                <a:ea typeface="+mn-lt"/>
+                <a:cs typeface="+mn-lt"/>
+              </a:rPr>
+              <a:t>Вредна</a:t>
+            </a:r>
+            <a:r>
+              <a:rPr lang="en-US" dirty="0">
+                <a:ea typeface="+mn-lt"/>
+                <a:cs typeface="+mn-lt"/>
+              </a:rPr>
+              <a:t> рекурсия</a:t>
+            </a:r>
+          </a:p>
+          <a:p>
+            <a:pPr lvl="1" indent="-360045"/>
+            <a:r>
+              <a:rPr lang="bg-BG" dirty="0">
+                <a:ea typeface="+mn-lt"/>
+                <a:cs typeface="+mn-lt"/>
+              </a:rPr>
+              <a:t>Оптимизиране</a:t>
+            </a:r>
+            <a:r>
+              <a:rPr lang="en-US" dirty="0">
+                <a:ea typeface="+mn-lt"/>
+                <a:cs typeface="+mn-lt"/>
+              </a:rPr>
+              <a:t> на </a:t>
+            </a:r>
+            <a:r>
+              <a:rPr lang="bg-BG" dirty="0">
+                <a:ea typeface="+mn-lt"/>
+                <a:cs typeface="+mn-lt"/>
+              </a:rPr>
+              <a:t>вредна</a:t>
+            </a:r>
+            <a:r>
+              <a:rPr lang="en-US" dirty="0">
+                <a:ea typeface="+mn-lt"/>
+                <a:cs typeface="+mn-lt"/>
+              </a:rPr>
+              <a:t> рекурсия</a:t>
+            </a:r>
+            <a:endParaRPr lang="en-US" dirty="0">
+              <a:cs typeface="Calibri"/>
+            </a:endParaRPr>
+          </a:p>
+        </p:txBody>
+      </p:sp>
+      <p:sp>
+        <p:nvSpPr>
+          <p:cNvPr id="444418" name="Rectangle 2"/>
+          <p:cNvSpPr>
+            <a:spLocks noGrp="1" noChangeArrowheads="1"/>
+          </p:cNvSpPr>
+          <p:nvPr>
+            <p:ph type="title"/>
+          </p:nvPr>
+        </p:nvSpPr>
+        <p:spPr/>
+        <p:txBody>
+          <a:bodyPr>
+            <a:normAutofit/>
+          </a:bodyPr>
+          <a:lstStyle/>
+          <a:p>
+            <a:r>
+              <a:rPr lang="bg-BG" dirty="0"/>
+              <a:t>Съдържание</a:t>
+            </a:r>
+          </a:p>
+        </p:txBody>
+      </p:sp>
+      <p:sp>
+        <p:nvSpPr>
+          <p:cNvPr id="2" name="Slide Number">
+            <a:extLst>
+              <a:ext uri="{FF2B5EF4-FFF2-40B4-BE49-F238E27FC236}">
+                <a16:creationId xmlns:a16="http://schemas.microsoft.com/office/drawing/2014/main" id="{92D4A8F5-F8BE-392C-C00C-7CDAC1E53B15}"/>
+              </a:ext>
+            </a:extLst>
+          </p:cNvPr>
+          <p:cNvSpPr txBox="1">
+            <a:spLocks/>
+          </p:cNvSpPr>
+          <p:nvPr/>
+        </p:nvSpPr>
+        <p:spPr>
+          <a:xfrm>
+            <a:off x="11753030" y="6507000"/>
+            <a:ext cx="367414" cy="297000"/>
+          </a:xfrm>
+          <a:prstGeom prst="rect">
+            <a:avLst/>
+          </a:prstGeom>
+        </p:spPr>
+        <p:txBody>
+          <a:bodyPr vert="horz" lIns="91440" tIns="45720" rIns="91440" bIns="45720" rtlCol="0" anchor="b"/>
+          <a:lstStyle>
+            <a:defPPr>
+              <a:defRPr lang="en-US"/>
+            </a:defPPr>
+            <a:lvl1pPr marL="0" algn="r" defTabSz="914400" rtl="0" eaLnBrk="1" latinLnBrk="0" hangingPunct="1">
+              <a:defRPr sz="1000" kern="1200">
+                <a:solidFill>
+                  <a:schemeClr val="tx1"/>
+                </a:solidFill>
+                <a:latin typeface="+mn-lt"/>
+                <a:ea typeface="+mn-ea"/>
+                <a:cs typeface="+mn-cs"/>
+              </a:defRPr>
+            </a:lvl1pPr>
+            <a:lvl2pPr marL="457200" algn="l" defTabSz="914400" rtl="0" eaLnBrk="1" latinLnBrk="0" hangingPunct="1">
+              <a:defRPr sz="1800" kern="1200">
+                <a:solidFill>
+                  <a:schemeClr val="tx1"/>
+                </a:solidFill>
+                <a:latin typeface="+mn-lt"/>
+                <a:ea typeface="+mn-ea"/>
+                <a:cs typeface="+mn-cs"/>
+              </a:defRPr>
+            </a:lvl2pPr>
+            <a:lvl3pPr marL="914400" algn="l" defTabSz="914400" rtl="0" eaLnBrk="1" latinLnBrk="0" hangingPunct="1">
+              <a:defRPr sz="1800" kern="1200">
+                <a:solidFill>
+                  <a:schemeClr val="tx1"/>
+                </a:solidFill>
+                <a:latin typeface="+mn-lt"/>
+                <a:ea typeface="+mn-ea"/>
+                <a:cs typeface="+mn-cs"/>
+              </a:defRPr>
+            </a:lvl3pPr>
+            <a:lvl4pPr marL="1371600" algn="l" defTabSz="914400" rtl="0" eaLnBrk="1" latinLnBrk="0" hangingPunct="1">
+              <a:defRPr sz="1800" kern="1200">
+                <a:solidFill>
+                  <a:schemeClr val="tx1"/>
+                </a:solidFill>
+                <a:latin typeface="+mn-lt"/>
+                <a:ea typeface="+mn-ea"/>
+                <a:cs typeface="+mn-cs"/>
+              </a:defRPr>
+            </a:lvl4pPr>
+            <a:lvl5pPr marL="1828800" algn="l" defTabSz="914400" rtl="0" eaLnBrk="1" latinLnBrk="0" hangingPunct="1">
+              <a:defRPr sz="1800" kern="1200">
+                <a:solidFill>
+                  <a:schemeClr val="tx1"/>
+                </a:solidFill>
+                <a:latin typeface="+mn-lt"/>
+                <a:ea typeface="+mn-ea"/>
+                <a:cs typeface="+mn-cs"/>
+              </a:defRPr>
+            </a:lvl5pPr>
+            <a:lvl6pPr marL="2286000" algn="l" defTabSz="914400" rtl="0" eaLnBrk="1" latinLnBrk="0" hangingPunct="1">
+              <a:defRPr sz="1800" kern="1200">
+                <a:solidFill>
+                  <a:schemeClr val="tx1"/>
+                </a:solidFill>
+                <a:latin typeface="+mn-lt"/>
+                <a:ea typeface="+mn-ea"/>
+                <a:cs typeface="+mn-cs"/>
+              </a:defRPr>
+            </a:lvl6pPr>
+            <a:lvl7pPr marL="2743200" algn="l" defTabSz="914400" rtl="0" eaLnBrk="1" latinLnBrk="0" hangingPunct="1">
+              <a:defRPr sz="1800" kern="1200">
+                <a:solidFill>
+                  <a:schemeClr val="tx1"/>
+                </a:solidFill>
+                <a:latin typeface="+mn-lt"/>
+                <a:ea typeface="+mn-ea"/>
+                <a:cs typeface="+mn-cs"/>
+              </a:defRPr>
+            </a:lvl7pPr>
+            <a:lvl8pPr marL="3200400" algn="l" defTabSz="914400" rtl="0" eaLnBrk="1" latinLnBrk="0" hangingPunct="1">
+              <a:defRPr sz="1800" kern="1200">
+                <a:solidFill>
+                  <a:schemeClr val="tx1"/>
+                </a:solidFill>
+                <a:latin typeface="+mn-lt"/>
+                <a:ea typeface="+mn-ea"/>
+                <a:cs typeface="+mn-cs"/>
+              </a:defRPr>
+            </a:lvl8pPr>
+            <a:lvl9pPr marL="3657600" algn="l" defTabSz="914400" rtl="0" eaLnBrk="1" latinLnBrk="0" hangingPunct="1">
+              <a:defRPr sz="1800" kern="1200">
+                <a:solidFill>
+                  <a:schemeClr val="tx1"/>
+                </a:solidFill>
+                <a:latin typeface="+mn-lt"/>
+                <a:ea typeface="+mn-ea"/>
+                <a:cs typeface="+mn-cs"/>
+              </a:defRPr>
+            </a:lvl9pPr>
+          </a:lstStyle>
+          <a:p>
+            <a:fld id="{2BF067CD-8E6B-4360-9AA8-C5DF2A48A6D1}" type="slidenum">
+              <a:rPr lang="en-US" smtClean="0"/>
+              <a:pPr/>
+              <a:t>2</a:t>
+            </a:fld>
+            <a:endParaRPr lang="en-US" dirty="0"/>
+          </a:p>
+        </p:txBody>
+      </p:sp>
+    </p:spTree>
+    <p:extLst>
+      <p:ext uri="{BB962C8B-B14F-4D97-AF65-F5344CB8AC3E}">
+        <p14:creationId xmlns:p14="http://schemas.microsoft.com/office/powerpoint/2010/main" val="2877459701"/>
+      </p:ext>
+    </p:extLst>
+  </p:cSld>
+  <p:clrMapOvr>
+    <a:masterClrMapping/>
+  </p:clrMapOvr>
+  <mc:AlternateContent xmlns:mc="http://schemas.openxmlformats.org/markup-compatibility/2006" xmlns:p14="http://schemas.microsoft.com/office/powerpoint/2010/main">
+    <mc:Choice Requires="p14">
+      <p:transition spd="slow" p14:dur="2000" advClick="0" advTm="5000"/>
+    </mc:Choice>
+    <mc:Fallback xmlns="">
+      <p:transition spd="slow" advClick="0" advTm="5000"/>
+    </mc:Fallback>
+  </mc:AlternateContent>
+  <p:timing>
+    <p:tnLst>
+      <p:par>
+        <p:cTn id="1" dur="indefinite" restart="never" nodeType="tmRoot">
+          <p:childTnLst>
+            <p:seq concurrent="1" nextAc="seek">
+              <p:cTn id="2" dur="indefinite" nodeType="mainSeq">
+                <p:childTnLst>
+                  <p:par>
+                    <p:cTn id="3" fill="hold">
+                      <p:stCondLst>
+                        <p:cond delay="indefinite"/>
+                      </p:stCondLst>
+                      <p:childTnLst>
+                        <p:par>
+                          <p:cTn id="4" fill="hold">
+                            <p:stCondLst>
+                              <p:cond delay="0"/>
+                            </p:stCondLst>
+                            <p:childTnLst>
+                              <p:par>
+                                <p:cTn id="5" presetID="1" presetClass="entr" presetSubtype="0" fill="hold" nodeType="clickEffect">
+                                  <p:stCondLst>
+                                    <p:cond delay="0"/>
+                                  </p:stCondLst>
+                                  <p:childTnLst>
+                                    <p:set>
+                                      <p:cBhvr>
+                                        <p:cTn id="6" dur="1" fill="hold">
+                                          <p:stCondLst>
+                                            <p:cond delay="0"/>
+                                          </p:stCondLst>
+                                        </p:cTn>
+                                        <p:tgtEl>
+                                          <p:spTgt spid="444419">
+                                            <p:txEl>
+                                              <p:pRg st="1" end="1"/>
+                                            </p:txEl>
+                                          </p:spTgt>
+                                        </p:tgtEl>
+                                        <p:attrNameLst>
+                                          <p:attrName>style.visibility</p:attrName>
+                                        </p:attrNameLst>
+                                      </p:cBhvr>
+                                      <p:to>
+                                        <p:strVal val="visible"/>
+                                      </p:to>
+                                    </p:set>
+                                  </p:childTnLst>
+                                </p:cTn>
+                              </p:par>
+                            </p:childTnLst>
+                          </p:cTn>
+                        </p:par>
+                      </p:childTnLst>
+                    </p:cTn>
+                  </p:par>
+                  <p:par>
+                    <p:cTn id="7" fill="hold">
+                      <p:stCondLst>
+                        <p:cond delay="indefinite"/>
+                      </p:stCondLst>
+                      <p:childTnLst>
+                        <p:par>
+                          <p:cTn id="8" fill="hold">
+                            <p:stCondLst>
+                              <p:cond delay="0"/>
+                            </p:stCondLst>
+                            <p:childTnLst>
+                              <p:par>
+                                <p:cTn id="9" presetID="1" presetClass="entr" presetSubtype="0" fill="hold" nodeType="clickEffect">
+                                  <p:stCondLst>
+                                    <p:cond delay="0"/>
+                                  </p:stCondLst>
+                                  <p:childTnLst>
+                                    <p:set>
+                                      <p:cBhvr>
+                                        <p:cTn id="10" dur="1" fill="hold">
+                                          <p:stCondLst>
+                                            <p:cond delay="0"/>
+                                          </p:stCondLst>
+                                        </p:cTn>
+                                        <p:tgtEl>
+                                          <p:spTgt spid="444419">
+                                            <p:txEl>
+                                              <p:pRg st="2" end="2"/>
+                                            </p:txEl>
+                                          </p:spTgt>
+                                        </p:tgtEl>
+                                        <p:attrNameLst>
+                                          <p:attrName>style.visibility</p:attrName>
+                                        </p:attrNameLst>
+                                      </p:cBhvr>
+                                      <p:to>
+                                        <p:strVal val="visible"/>
+                                      </p:to>
+                                    </p:set>
+                                  </p:childTnLst>
+                                </p:cTn>
+                              </p:par>
+                            </p:childTnLst>
+                          </p:cTn>
+                        </p:par>
+                      </p:childTnLst>
+                    </p:cTn>
+                  </p:par>
+                  <p:par>
+                    <p:cTn id="11" fill="hold">
+                      <p:stCondLst>
+                        <p:cond delay="indefinite"/>
+                      </p:stCondLst>
+                      <p:childTnLst>
+                        <p:par>
+                          <p:cTn id="12" fill="hold">
+                            <p:stCondLst>
+                              <p:cond delay="0"/>
+                            </p:stCondLst>
+                            <p:childTnLst>
+                              <p:par>
+                                <p:cTn id="13" presetID="1" presetClass="entr" presetSubtype="0" fill="hold" nodeType="clickEffect">
+                                  <p:stCondLst>
+                                    <p:cond delay="0"/>
+                                  </p:stCondLst>
+                                  <p:childTnLst>
+                                    <p:set>
+                                      <p:cBhvr>
+                                        <p:cTn id="14" dur="1" fill="hold">
+                                          <p:stCondLst>
+                                            <p:cond delay="0"/>
+                                          </p:stCondLst>
+                                        </p:cTn>
+                                        <p:tgtEl>
+                                          <p:spTgt spid="444419">
+                                            <p:txEl>
+                                              <p:pRg st="3" end="3"/>
+                                            </p:txEl>
+                                          </p:spTgt>
+                                        </p:tgtEl>
+                                        <p:attrNameLst>
+                                          <p:attrName>style.visibility</p:attrName>
+                                        </p:attrNameLst>
+                                      </p:cBhvr>
+                                      <p:to>
+                                        <p:strVal val="visible"/>
+                                      </p:to>
+                                    </p:set>
+                                  </p:childTnLst>
+                                </p:cTn>
+                              </p:par>
+                            </p:childTnLst>
+                          </p:cTn>
+                        </p:par>
+                      </p:childTnLst>
+                    </p:cTn>
+                  </p:par>
+                </p:childTnLst>
+              </p:cTn>
+              <p:prevCondLst>
+                <p:cond evt="onPrev" delay="0">
+                  <p:tgtEl>
+                    <p:sldTgt/>
+                  </p:tgtEl>
+                </p:cond>
+              </p:prevCondLst>
+              <p:nextCondLst>
+                <p:cond evt="onNext" delay="0">
+                  <p:tgtEl>
+                    <p:sldTgt/>
+                  </p:tgtEl>
+                </p:cond>
+              </p:nextCondLst>
+            </p:seq>
+          </p:childTnLst>
+        </p:cTn>
+      </p:par>
+    </p:tnLst>
+  </p:timing>
+</p:sld>
+</file>
+
+<file path=ppt/slides/slide20.xml><?xml version="1.0" encoding="utf-8"?>
 <p:sld xmlns:a="http://schemas.openxmlformats.org/drawingml/2006/main" xmlns:r="http://schemas.openxmlformats.org/officeDocument/2006/relationships" xmlns:p="http://schemas.openxmlformats.org/presentationml/2006/main">
   <p:cSld>
     <p:spTree>
@@ -14875,7 +16262,7 @@
             <a:fld id="{2BF067CD-8E6B-4360-9AA8-C5DF2A48A6D1}" type="slidenum">
               <a:rPr lang="en-US" smtClean="0"/>
               <a:pPr/>
-              <a:t>19</a:t>
+              <a:t>20</a:t>
             </a:fld>
             <a:endParaRPr lang="en-US" dirty="0"/>
           </a:p>
@@ -15271,520 +16658,7 @@
 </p:sld>
 </file>
 
-<file path=ppt/slides/slide2.xml><?xml version="1.0" encoding="utf-8"?>
-<p:sld xmlns:a="http://schemas.openxmlformats.org/drawingml/2006/main" xmlns:r="http://schemas.openxmlformats.org/officeDocument/2006/relationships" xmlns:p="http://schemas.openxmlformats.org/presentationml/2006/main">
-  <p:cSld>
-    <p:spTree>
-      <p:nvGrpSpPr>
-        <p:cNvPr id="1" name=""/>
-        <p:cNvGrpSpPr/>
-        <p:nvPr/>
-      </p:nvGrpSpPr>
-      <p:grpSpPr>
-        <a:xfrm>
-          <a:off x="0" y="0"/>
-          <a:ext cx="0" cy="0"/>
-          <a:chOff x="0" y="0"/>
-          <a:chExt cx="0" cy="0"/>
-        </a:xfrm>
-      </p:grpSpPr>
-      <p:sp>
-        <p:nvSpPr>
-          <p:cNvPr id="444419" name="Rectangle 3"/>
-          <p:cNvSpPr>
-            <a:spLocks noGrp="1" noChangeArrowheads="1"/>
-          </p:cNvSpPr>
-          <p:nvPr>
-            <p:ph type="body" sz="quarter" idx="13"/>
-          </p:nvPr>
-        </p:nvSpPr>
-        <p:spPr>
-          <a:xfrm>
-            <a:off x="196766" y="1371604"/>
-            <a:ext cx="9717655" cy="5207396"/>
-          </a:xfrm>
-        </p:spPr>
-        <p:txBody>
-          <a:bodyPr vert="horz" lIns="108000" tIns="36000" rIns="108000" bIns="36000" rtlCol="0" anchor="t">
-            <a:normAutofit/>
-          </a:bodyPr>
-          <a:lstStyle/>
-          <a:p>
-            <a:pPr marL="513715" indent="-513715">
-              <a:buClr>
-                <a:schemeClr val="tx1"/>
-              </a:buClr>
-            </a:pPr>
-            <a:r>
-              <a:rPr lang="en-US" dirty="0">
-                <a:solidFill>
-                  <a:schemeClr val="bg1"/>
-                </a:solidFill>
-              </a:rPr>
-              <a:t>͏</a:t>
-            </a:r>
-            <a:r>
-              <a:rPr lang="en-US" b="1" dirty="0">
-                <a:solidFill>
-                  <a:schemeClr val="bg1"/>
-                </a:solidFill>
-              </a:rPr>
-              <a:t>Рекурсия</a:t>
-            </a:r>
-            <a:endParaRPr lang="bg-BG" b="1" dirty="0">
-              <a:solidFill>
-                <a:schemeClr val="bg1"/>
-              </a:solidFill>
-            </a:endParaRPr>
-          </a:p>
-          <a:p>
-            <a:pPr lvl="1" indent="-360045"/>
-            <a:r>
-              <a:rPr lang="en-US" dirty="0"/>
-              <a:t>Функция, която се самоизвиква</a:t>
-            </a:r>
-            <a:endParaRPr lang="en-US" dirty="0">
-              <a:cs typeface="Calibri"/>
-            </a:endParaRPr>
-          </a:p>
-          <a:p>
-            <a:pPr marL="513715" indent="-513715">
-              <a:buClr>
-                <a:schemeClr val="tx1"/>
-              </a:buClr>
-            </a:pPr>
-            <a:r>
-              <a:rPr lang="en-US" dirty="0">
-                <a:solidFill>
-                  <a:schemeClr val="bg1"/>
-                </a:solidFill>
-              </a:rPr>
-              <a:t>͏</a:t>
-            </a:r>
-            <a:r>
-              <a:rPr lang="en-US" b="1" dirty="0">
-                <a:solidFill>
-                  <a:schemeClr val="bg1"/>
-                </a:solidFill>
-              </a:rPr>
-              <a:t>Рекурсивно </a:t>
-            </a:r>
-            <a:r>
-              <a:rPr lang="en-US" dirty="0">
-                <a:solidFill>
-                  <a:srgbClr val="234465"/>
-                </a:solidFill>
-              </a:rPr>
-              <a:t>или</a:t>
-            </a:r>
-            <a:r>
-              <a:rPr lang="en-US" dirty="0"/>
-              <a:t> </a:t>
-            </a:r>
-            <a:r>
-              <a:rPr lang="en-US" b="1" dirty="0">
-                <a:solidFill>
-                  <a:schemeClr val="bg1"/>
-                </a:solidFill>
-              </a:rPr>
-              <a:t>интеративно обхождане</a:t>
-            </a:r>
-            <a:r>
-              <a:rPr lang="en-US" dirty="0"/>
-              <a:t>?</a:t>
-            </a:r>
-            <a:endParaRPr lang="en-US" dirty="0">
-              <a:cs typeface="Calibri"/>
-            </a:endParaRPr>
-          </a:p>
-          <a:p>
-            <a:pPr lvl="1" indent="-360045"/>
-            <a:r>
-              <a:rPr lang="bg-BG" dirty="0">
-                <a:ea typeface="+mn-lt"/>
-                <a:cs typeface="+mn-lt"/>
-              </a:rPr>
-              <a:t>Вредна</a:t>
-            </a:r>
-            <a:r>
-              <a:rPr lang="en-US" dirty="0">
-                <a:ea typeface="+mn-lt"/>
-                <a:cs typeface="+mn-lt"/>
-              </a:rPr>
-              <a:t> рекурсия</a:t>
-            </a:r>
-          </a:p>
-          <a:p>
-            <a:pPr lvl="1" indent="-360045"/>
-            <a:r>
-              <a:rPr lang="bg-BG" dirty="0">
-                <a:ea typeface="+mn-lt"/>
-                <a:cs typeface="+mn-lt"/>
-              </a:rPr>
-              <a:t>Оптимизиране</a:t>
-            </a:r>
-            <a:r>
-              <a:rPr lang="en-US" dirty="0">
-                <a:ea typeface="+mn-lt"/>
-                <a:cs typeface="+mn-lt"/>
-              </a:rPr>
-              <a:t> на </a:t>
-            </a:r>
-            <a:r>
-              <a:rPr lang="bg-BG" dirty="0">
-                <a:ea typeface="+mn-lt"/>
-                <a:cs typeface="+mn-lt"/>
-              </a:rPr>
-              <a:t>вредна</a:t>
-            </a:r>
-            <a:r>
-              <a:rPr lang="en-US" dirty="0">
-                <a:ea typeface="+mn-lt"/>
-                <a:cs typeface="+mn-lt"/>
-              </a:rPr>
-              <a:t> рекурсия</a:t>
-            </a:r>
-            <a:endParaRPr lang="en-US" dirty="0">
-              <a:cs typeface="Calibri"/>
-            </a:endParaRPr>
-          </a:p>
-        </p:txBody>
-      </p:sp>
-      <p:sp>
-        <p:nvSpPr>
-          <p:cNvPr id="444418" name="Rectangle 2"/>
-          <p:cNvSpPr>
-            <a:spLocks noGrp="1" noChangeArrowheads="1"/>
-          </p:cNvSpPr>
-          <p:nvPr>
-            <p:ph type="title"/>
-          </p:nvPr>
-        </p:nvSpPr>
-        <p:spPr/>
-        <p:txBody>
-          <a:bodyPr>
-            <a:normAutofit/>
-          </a:bodyPr>
-          <a:lstStyle/>
-          <a:p>
-            <a:r>
-              <a:rPr lang="bg-BG" dirty="0"/>
-              <a:t>Съдържание</a:t>
-            </a:r>
-          </a:p>
-        </p:txBody>
-      </p:sp>
-      <p:sp>
-        <p:nvSpPr>
-          <p:cNvPr id="2" name="Slide Number">
-            <a:extLst>
-              <a:ext uri="{FF2B5EF4-FFF2-40B4-BE49-F238E27FC236}">
-                <a16:creationId xmlns:a16="http://schemas.microsoft.com/office/drawing/2014/main" id="{92D4A8F5-F8BE-392C-C00C-7CDAC1E53B15}"/>
-              </a:ext>
-            </a:extLst>
-          </p:cNvPr>
-          <p:cNvSpPr txBox="1">
-            <a:spLocks/>
-          </p:cNvSpPr>
-          <p:nvPr/>
-        </p:nvSpPr>
-        <p:spPr>
-          <a:xfrm>
-            <a:off x="11753030" y="6507000"/>
-            <a:ext cx="367414" cy="297000"/>
-          </a:xfrm>
-          <a:prstGeom prst="rect">
-            <a:avLst/>
-          </a:prstGeom>
-        </p:spPr>
-        <p:txBody>
-          <a:bodyPr vert="horz" lIns="91440" tIns="45720" rIns="91440" bIns="45720" rtlCol="0" anchor="b"/>
-          <a:lstStyle>
-            <a:defPPr>
-              <a:defRPr lang="en-US"/>
-            </a:defPPr>
-            <a:lvl1pPr marL="0" algn="r" defTabSz="914400" rtl="0" eaLnBrk="1" latinLnBrk="0" hangingPunct="1">
-              <a:defRPr sz="1000" kern="1200">
-                <a:solidFill>
-                  <a:schemeClr val="tx1"/>
-                </a:solidFill>
-                <a:latin typeface="+mn-lt"/>
-                <a:ea typeface="+mn-ea"/>
-                <a:cs typeface="+mn-cs"/>
-              </a:defRPr>
-            </a:lvl1pPr>
-            <a:lvl2pPr marL="457200" algn="l" defTabSz="914400" rtl="0" eaLnBrk="1" latinLnBrk="0" hangingPunct="1">
-              <a:defRPr sz="1800" kern="1200">
-                <a:solidFill>
-                  <a:schemeClr val="tx1"/>
-                </a:solidFill>
-                <a:latin typeface="+mn-lt"/>
-                <a:ea typeface="+mn-ea"/>
-                <a:cs typeface="+mn-cs"/>
-              </a:defRPr>
-            </a:lvl2pPr>
-            <a:lvl3pPr marL="914400" algn="l" defTabSz="914400" rtl="0" eaLnBrk="1" latinLnBrk="0" hangingPunct="1">
-              <a:defRPr sz="1800" kern="1200">
-                <a:solidFill>
-                  <a:schemeClr val="tx1"/>
-                </a:solidFill>
-                <a:latin typeface="+mn-lt"/>
-                <a:ea typeface="+mn-ea"/>
-                <a:cs typeface="+mn-cs"/>
-              </a:defRPr>
-            </a:lvl3pPr>
-            <a:lvl4pPr marL="1371600" algn="l" defTabSz="914400" rtl="0" eaLnBrk="1" latinLnBrk="0" hangingPunct="1">
-              <a:defRPr sz="1800" kern="1200">
-                <a:solidFill>
-                  <a:schemeClr val="tx1"/>
-                </a:solidFill>
-                <a:latin typeface="+mn-lt"/>
-                <a:ea typeface="+mn-ea"/>
-                <a:cs typeface="+mn-cs"/>
-              </a:defRPr>
-            </a:lvl4pPr>
-            <a:lvl5pPr marL="1828800" algn="l" defTabSz="914400" rtl="0" eaLnBrk="1" latinLnBrk="0" hangingPunct="1">
-              <a:defRPr sz="1800" kern="1200">
-                <a:solidFill>
-                  <a:schemeClr val="tx1"/>
-                </a:solidFill>
-                <a:latin typeface="+mn-lt"/>
-                <a:ea typeface="+mn-ea"/>
-                <a:cs typeface="+mn-cs"/>
-              </a:defRPr>
-            </a:lvl5pPr>
-            <a:lvl6pPr marL="2286000" algn="l" defTabSz="914400" rtl="0" eaLnBrk="1" latinLnBrk="0" hangingPunct="1">
-              <a:defRPr sz="1800" kern="1200">
-                <a:solidFill>
-                  <a:schemeClr val="tx1"/>
-                </a:solidFill>
-                <a:latin typeface="+mn-lt"/>
-                <a:ea typeface="+mn-ea"/>
-                <a:cs typeface="+mn-cs"/>
-              </a:defRPr>
-            </a:lvl6pPr>
-            <a:lvl7pPr marL="2743200" algn="l" defTabSz="914400" rtl="0" eaLnBrk="1" latinLnBrk="0" hangingPunct="1">
-              <a:defRPr sz="1800" kern="1200">
-                <a:solidFill>
-                  <a:schemeClr val="tx1"/>
-                </a:solidFill>
-                <a:latin typeface="+mn-lt"/>
-                <a:ea typeface="+mn-ea"/>
-                <a:cs typeface="+mn-cs"/>
-              </a:defRPr>
-            </a:lvl7pPr>
-            <a:lvl8pPr marL="3200400" algn="l" defTabSz="914400" rtl="0" eaLnBrk="1" latinLnBrk="0" hangingPunct="1">
-              <a:defRPr sz="1800" kern="1200">
-                <a:solidFill>
-                  <a:schemeClr val="tx1"/>
-                </a:solidFill>
-                <a:latin typeface="+mn-lt"/>
-                <a:ea typeface="+mn-ea"/>
-                <a:cs typeface="+mn-cs"/>
-              </a:defRPr>
-            </a:lvl8pPr>
-            <a:lvl9pPr marL="3657600" algn="l" defTabSz="914400" rtl="0" eaLnBrk="1" latinLnBrk="0" hangingPunct="1">
-              <a:defRPr sz="1800" kern="1200">
-                <a:solidFill>
-                  <a:schemeClr val="tx1"/>
-                </a:solidFill>
-                <a:latin typeface="+mn-lt"/>
-                <a:ea typeface="+mn-ea"/>
-                <a:cs typeface="+mn-cs"/>
-              </a:defRPr>
-            </a:lvl9pPr>
-          </a:lstStyle>
-          <a:p>
-            <a:fld id="{2BF067CD-8E6B-4360-9AA8-C5DF2A48A6D1}" type="slidenum">
-              <a:rPr lang="en-US" smtClean="0"/>
-              <a:pPr/>
-              <a:t>2</a:t>
-            </a:fld>
-            <a:endParaRPr lang="en-US" dirty="0"/>
-          </a:p>
-        </p:txBody>
-      </p:sp>
-    </p:spTree>
-    <p:extLst>
-      <p:ext uri="{BB962C8B-B14F-4D97-AF65-F5344CB8AC3E}">
-        <p14:creationId xmlns:p14="http://schemas.microsoft.com/office/powerpoint/2010/main" val="2877459701"/>
-      </p:ext>
-    </p:extLst>
-  </p:cSld>
-  <p:clrMapOvr>
-    <a:masterClrMapping/>
-  </p:clrMapOvr>
-  <mc:AlternateContent xmlns:mc="http://schemas.openxmlformats.org/markup-compatibility/2006" xmlns:p14="http://schemas.microsoft.com/office/powerpoint/2010/main">
-    <mc:Choice Requires="p14">
-      <p:transition spd="slow" p14:dur="2000" advClick="0" advTm="5000"/>
-    </mc:Choice>
-    <mc:Fallback xmlns="">
-      <p:transition spd="slow" advClick="0" advTm="5000"/>
-    </mc:Fallback>
-  </mc:AlternateContent>
-  <p:timing>
-    <p:tnLst>
-      <p:par>
-        <p:cTn id="1" dur="indefinite" restart="never" nodeType="tmRoot">
-          <p:childTnLst>
-            <p:seq concurrent="1" nextAc="seek">
-              <p:cTn id="2" dur="indefinite" nodeType="mainSeq">
-                <p:childTnLst>
-                  <p:par>
-                    <p:cTn id="3" fill="hold">
-                      <p:stCondLst>
-                        <p:cond delay="indefinite"/>
-                      </p:stCondLst>
-                      <p:childTnLst>
-                        <p:par>
-                          <p:cTn id="4" fill="hold">
-                            <p:stCondLst>
-                              <p:cond delay="0"/>
-                            </p:stCondLst>
-                            <p:childTnLst>
-                              <p:par>
-                                <p:cTn id="5" presetID="1" presetClass="entr" presetSubtype="0" fill="hold" nodeType="clickEffect">
-                                  <p:stCondLst>
-                                    <p:cond delay="0"/>
-                                  </p:stCondLst>
-                                  <p:childTnLst>
-                                    <p:set>
-                                      <p:cBhvr>
-                                        <p:cTn id="6" dur="1" fill="hold">
-                                          <p:stCondLst>
-                                            <p:cond delay="0"/>
-                                          </p:stCondLst>
-                                        </p:cTn>
-                                        <p:tgtEl>
-                                          <p:spTgt spid="444419">
-                                            <p:txEl>
-                                              <p:pRg st="2" end="2"/>
-                                            </p:txEl>
-                                          </p:spTgt>
-                                        </p:tgtEl>
-                                        <p:attrNameLst>
-                                          <p:attrName>style.visibility</p:attrName>
-                                        </p:attrNameLst>
-                                      </p:cBhvr>
-                                      <p:to>
-                                        <p:strVal val="visible"/>
-                                      </p:to>
-                                    </p:set>
-                                  </p:childTnLst>
-                                </p:cTn>
-                              </p:par>
-                              <p:par>
-                                <p:cTn id="7" presetID="1" presetClass="entr" presetSubtype="0" fill="hold" nodeType="withEffect">
-                                  <p:stCondLst>
-                                    <p:cond delay="0"/>
-                                  </p:stCondLst>
-                                  <p:childTnLst>
-                                    <p:set>
-                                      <p:cBhvr>
-                                        <p:cTn id="8" dur="1" fill="hold">
-                                          <p:stCondLst>
-                                            <p:cond delay="0"/>
-                                          </p:stCondLst>
-                                        </p:cTn>
-                                        <p:tgtEl>
-                                          <p:spTgt spid="444419">
-                                            <p:txEl>
-                                              <p:pRg st="3" end="3"/>
-                                            </p:txEl>
-                                          </p:spTgt>
-                                        </p:tgtEl>
-                                        <p:attrNameLst>
-                                          <p:attrName>style.visibility</p:attrName>
-                                        </p:attrNameLst>
-                                      </p:cBhvr>
-                                      <p:to>
-                                        <p:strVal val="visible"/>
-                                      </p:to>
-                                    </p:set>
-                                  </p:childTnLst>
-                                </p:cTn>
-                              </p:par>
-                            </p:childTnLst>
-                          </p:cTn>
-                        </p:par>
-                      </p:childTnLst>
-                    </p:cTn>
-                  </p:par>
-                  <p:par>
-                    <p:cTn id="9" fill="hold">
-                      <p:stCondLst>
-                        <p:cond delay="indefinite"/>
-                      </p:stCondLst>
-                      <p:childTnLst>
-                        <p:par>
-                          <p:cTn id="10" fill="hold">
-                            <p:stCondLst>
-                              <p:cond delay="0"/>
-                            </p:stCondLst>
-                            <p:childTnLst>
-                              <p:par>
-                                <p:cTn id="11" presetID="1" presetClass="entr" presetSubtype="0" fill="hold" nodeType="clickEffect">
-                                  <p:stCondLst>
-                                    <p:cond delay="0"/>
-                                  </p:stCondLst>
-                                  <p:childTnLst>
-                                    <p:set>
-                                      <p:cBhvr>
-                                        <p:cTn id="12" dur="1" fill="hold">
-                                          <p:stCondLst>
-                                            <p:cond delay="0"/>
-                                          </p:stCondLst>
-                                        </p:cTn>
-                                        <p:tgtEl>
-                                          <p:spTgt spid="444419">
-                                            <p:txEl>
-                                              <p:pRg st="4" end="4"/>
-                                            </p:txEl>
-                                          </p:spTgt>
-                                        </p:tgtEl>
-                                        <p:attrNameLst>
-                                          <p:attrName>style.visibility</p:attrName>
-                                        </p:attrNameLst>
-                                      </p:cBhvr>
-                                      <p:to>
-                                        <p:strVal val="visible"/>
-                                      </p:to>
-                                    </p:set>
-                                  </p:childTnLst>
-                                </p:cTn>
-                              </p:par>
-                            </p:childTnLst>
-                          </p:cTn>
-                        </p:par>
-                      </p:childTnLst>
-                    </p:cTn>
-                  </p:par>
-                </p:childTnLst>
-              </p:cTn>
-              <p:prevCondLst>
-                <p:cond evt="onPrev" delay="0">
-                  <p:tgtEl>
-                    <p:sldTgt/>
-                  </p:tgtEl>
-                </p:cond>
-              </p:prevCondLst>
-              <p:nextCondLst>
-                <p:cond evt="onNext" delay="0">
-                  <p:tgtEl>
-                    <p:sldTgt/>
-                  </p:tgtEl>
-                </p:cond>
-              </p:nextCondLst>
-            </p:seq>
-          </p:childTnLst>
-        </p:cTn>
-      </p:par>
-    </p:tnLst>
-  </p:timing>
-</p:sld>
-</file>
-
-<file path=ppt/slides/slide20.xml><?xml version="1.0" encoding="utf-8"?>
+<file path=ppt/slides/slide21.xml><?xml version="1.0" encoding="utf-8"?>
 <p:sld xmlns:a="http://schemas.openxmlformats.org/drawingml/2006/main" xmlns:r="http://schemas.openxmlformats.org/officeDocument/2006/relationships" xmlns:p="http://schemas.openxmlformats.org/presentationml/2006/main">
   <p:cSld>
     <p:spTree>
@@ -16073,7 +16947,7 @@
             <a:fld id="{2BF067CD-8E6B-4360-9AA8-C5DF2A48A6D1}" type="slidenum">
               <a:rPr lang="en-US" noProof="0" smtClean="0"/>
               <a:pPr/>
-              <a:t>20</a:t>
+              <a:t>21</a:t>
             </a:fld>
             <a:endParaRPr lang="en-US" noProof="0" dirty="0"/>
           </a:p>
@@ -16255,7 +17129,7 @@
 </p:sld>
 </file>
 
-<file path=ppt/slides/slide21.xml><?xml version="1.0" encoding="utf-8"?>
+<file path=ppt/slides/slide22.xml><?xml version="1.0" encoding="utf-8"?>
 <p:sld xmlns:a="http://schemas.openxmlformats.org/drawingml/2006/main" xmlns:r="http://schemas.openxmlformats.org/officeDocument/2006/relationships" xmlns:p="http://schemas.openxmlformats.org/presentationml/2006/main">
   <p:cSld>
     <p:spTree>
@@ -16744,7 +17618,7 @@
             <a:fld id="{2BF067CD-8E6B-4360-9AA8-C5DF2A48A6D1}" type="slidenum">
               <a:rPr lang="en-US" noProof="0" smtClean="0"/>
               <a:pPr/>
-              <a:t>21</a:t>
+              <a:t>22</a:t>
             </a:fld>
             <a:endParaRPr lang="en-US" noProof="0" dirty="0"/>
           </a:p>
@@ -17179,7 +18053,7 @@
 </p:sld>
 </file>
 
-<file path=ppt/slides/slide22.xml><?xml version="1.0" encoding="utf-8"?>
+<file path=ppt/slides/slide23.xml><?xml version="1.0" encoding="utf-8"?>
 <p:sld xmlns:a="http://schemas.openxmlformats.org/drawingml/2006/main" xmlns:r="http://schemas.openxmlformats.org/officeDocument/2006/relationships" xmlns:p="http://schemas.openxmlformats.org/presentationml/2006/main">
   <p:cSld>
     <p:spTree>
@@ -17393,7 +18267,7 @@
             <a:fld id="{2BF067CD-8E6B-4360-9AA8-C5DF2A48A6D1}" type="slidenum">
               <a:rPr lang="en-US" noProof="0" smtClean="0"/>
               <a:pPr/>
-              <a:t>22</a:t>
+              <a:t>23</a:t>
             </a:fld>
             <a:endParaRPr lang="en-US" noProof="0" dirty="0"/>
           </a:p>
@@ -17544,7 +18418,7 @@
 </p:sld>
 </file>
 
-<file path=ppt/slides/slide23.xml><?xml version="1.0" encoding="utf-8"?>
+<file path=ppt/slides/slide24.xml><?xml version="1.0" encoding="utf-8"?>
 <p:sld xmlns:a="http://schemas.openxmlformats.org/drawingml/2006/main" xmlns:r="http://schemas.openxmlformats.org/officeDocument/2006/relationships" xmlns:p="http://schemas.openxmlformats.org/presentationml/2006/main">
   <p:cSld>
     <p:spTree>
@@ -17803,7 +18677,7 @@
             <a:fld id="{2BF067CD-8E6B-4360-9AA8-C5DF2A48A6D1}" type="slidenum">
               <a:rPr lang="en-US" noProof="0" smtClean="0"/>
               <a:pPr/>
-              <a:t>23</a:t>
+              <a:t>24</a:t>
             </a:fld>
             <a:endParaRPr lang="en-US" noProof="0" dirty="0"/>
           </a:p>
@@ -17940,7 +18814,7 @@
 </p:sld>
 </file>
 
-<file path=ppt/slides/slide24.xml><?xml version="1.0" encoding="utf-8"?>
+<file path=ppt/slides/slide25.xml><?xml version="1.0" encoding="utf-8"?>
 <p:sld xmlns:a="http://schemas.openxmlformats.org/drawingml/2006/main" xmlns:r="http://schemas.openxmlformats.org/officeDocument/2006/relationships" xmlns:p="http://schemas.openxmlformats.org/presentationml/2006/main">
   <p:cSld>
     <p:spTree>
@@ -18733,7 +19607,7 @@
             <a:fld id="{2BF067CD-8E6B-4360-9AA8-C5DF2A48A6D1}" type="slidenum">
               <a:rPr lang="en-US" noProof="0" smtClean="0"/>
               <a:pPr/>
-              <a:t>24</a:t>
+              <a:t>25</a:t>
             </a:fld>
             <a:endParaRPr lang="en-US" noProof="0" dirty="0"/>
           </a:p>
@@ -18888,7 +19762,7 @@
 </p:sld>
 </file>
 
-<file path=ppt/slides/slide25.xml><?xml version="1.0" encoding="utf-8"?>
+<file path=ppt/slides/slide26.xml><?xml version="1.0" encoding="utf-8"?>
 <p:sld xmlns:a="http://schemas.openxmlformats.org/drawingml/2006/main" xmlns:r="http://schemas.openxmlformats.org/officeDocument/2006/relationships" xmlns:p="http://schemas.openxmlformats.org/presentationml/2006/main">
   <p:cSld>
     <p:spTree>
@@ -19078,7 +19952,7 @@
 </p:sld>
 </file>
 
-<file path=ppt/slides/slide26.xml><?xml version="1.0" encoding="utf-8"?>
+<file path=ppt/slides/slide27.xml><?xml version="1.0" encoding="utf-8"?>
 <p:sld xmlns:a="http://schemas.openxmlformats.org/drawingml/2006/main" xmlns:r="http://schemas.openxmlformats.org/officeDocument/2006/relationships" xmlns:p="http://schemas.openxmlformats.org/presentationml/2006/main">
   <p:cSld>
     <p:spTree>
@@ -19434,7 +20308,7 @@
             <a:fld id="{2BF067CD-8E6B-4360-9AA8-C5DF2A48A6D1}" type="slidenum">
               <a:rPr lang="en-US" noProof="0" smtClean="0"/>
               <a:pPr/>
-              <a:t>26</a:t>
+              <a:t>27</a:t>
             </a:fld>
             <a:endParaRPr lang="en-US" noProof="0" dirty="0"/>
           </a:p>
@@ -21189,15 +22063,33 @@
                                   </p:childTnLst>
                                 </p:cTn>
                               </p:par>
+                            </p:childTnLst>
+                          </p:cTn>
+                        </p:par>
+                      </p:childTnLst>
+                    </p:cTn>
+                  </p:par>
+                  <p:par>
+                    <p:cTn id="7" fill="hold">
+                      <p:stCondLst>
+                        <p:cond delay="indefinite"/>
+                      </p:stCondLst>
+                      <p:childTnLst>
+                        <p:par>
+                          <p:cTn id="8" fill="hold">
+                            <p:stCondLst>
+                              <p:cond delay="0"/>
+                            </p:stCondLst>
+                            <p:childTnLst>
                               <p:par>
-                                <p:cTn id="7" presetID="1" presetClass="entr" presetSubtype="0" fill="hold" nodeType="withEffect">
+                                <p:cTn id="9" presetID="1" presetClass="entr" presetSubtype="0" fill="hold" nodeType="clickEffect">
                                   <p:stCondLst>
                                     <p:cond delay="0"/>
                                   </p:stCondLst>
                                   <p:childTnLst>
                                     <p:set>
                                       <p:cBhvr>
-                                        <p:cTn id="8" dur="1" fill="hold">
+                                        <p:cTn id="10" dur="1" fill="hold">
                                           <p:stCondLst>
                                             <p:cond delay="0"/>
                                           </p:stCondLst>
@@ -21227,26 +22119,26 @@
                     </p:cTn>
                   </p:par>
                   <p:par>
-                    <p:cTn id="9" fill="hold">
+                    <p:cTn id="11" fill="hold">
                       <p:stCondLst>
                         <p:cond delay="indefinite"/>
                       </p:stCondLst>
                       <p:childTnLst>
                         <p:par>
-                          <p:cTn id="10" fill="hold">
+                          <p:cTn id="12" fill="hold">
                             <p:stCondLst>
                               <p:cond delay="0"/>
                             </p:stCondLst>
                             <p:childTnLst>
                               <p:par>
-                                <p:cTn id="11" presetID="1" presetClass="entr" presetSubtype="0" fill="hold" nodeType="clickEffect">
+                                <p:cTn id="13" presetID="1" presetClass="entr" presetSubtype="0" fill="hold" nodeType="clickEffect">
                                   <p:stCondLst>
                                     <p:cond delay="0"/>
                                   </p:stCondLst>
                                   <p:childTnLst>
                                     <p:set>
                                       <p:cBhvr>
-                                        <p:cTn id="12" dur="1" fill="hold">
+                                        <p:cTn id="14" dur="1" fill="hold">
                                           <p:stCondLst>
                                             <p:cond delay="0"/>
                                           </p:stCondLst>
@@ -21276,26 +22168,26 @@
                     </p:cTn>
                   </p:par>
                   <p:par>
-                    <p:cTn id="13" fill="hold">
+                    <p:cTn id="15" fill="hold">
                       <p:stCondLst>
                         <p:cond delay="indefinite"/>
                       </p:stCondLst>
                       <p:childTnLst>
                         <p:par>
-                          <p:cTn id="14" fill="hold">
+                          <p:cTn id="16" fill="hold">
                             <p:stCondLst>
                               <p:cond delay="0"/>
                             </p:stCondLst>
                             <p:childTnLst>
                               <p:par>
-                                <p:cTn id="15" presetID="1" presetClass="entr" presetSubtype="0" fill="hold" nodeType="clickEffect">
+                                <p:cTn id="17" presetID="1" presetClass="entr" presetSubtype="0" fill="hold" nodeType="clickEffect">
                                   <p:stCondLst>
                                     <p:cond delay="0"/>
                                   </p:stCondLst>
                                   <p:childTnLst>
                                     <p:set>
                                       <p:cBhvr>
-                                        <p:cTn id="16" dur="1" fill="hold">
+                                        <p:cTn id="18" dur="1" fill="hold">
                                           <p:stCondLst>
                                             <p:cond delay="0"/>
                                           </p:stCondLst>
@@ -21442,7 +22334,42 @@
                 <a:ea typeface="+mn-lt"/>
                 <a:cs typeface="+mn-lt"/>
               </a:rPr>
-              <a:t>Следи точката, до която всяка активна подпрограма трябва да върне </a:t>
+              <a:t>Следи</a:t>
+            </a:r>
+            <a:r>
+              <a:rPr lang="bg-BG" sz="3350" dirty="0">
+                <a:ea typeface="+mn-lt"/>
+                <a:cs typeface="+mn-lt"/>
+              </a:rPr>
+              <a:t> за момента</a:t>
+            </a:r>
+            <a:r>
+              <a:rPr lang="en-GB" sz="3350" dirty="0">
+                <a:ea typeface="+mn-lt"/>
+                <a:cs typeface="+mn-lt"/>
+              </a:rPr>
+              <a:t>, </a:t>
+            </a:r>
+            <a:r>
+              <a:rPr lang="bg-BG" sz="3350" dirty="0">
+                <a:ea typeface="+mn-lt"/>
+                <a:cs typeface="+mn-lt"/>
+              </a:rPr>
+              <a:t>в който </a:t>
+            </a:r>
+            <a:r>
+              <a:rPr lang="en-GB" sz="3350" dirty="0" err="1">
+                <a:ea typeface="+mn-lt"/>
+                <a:cs typeface="+mn-lt"/>
+              </a:rPr>
+              <a:t>всяка</a:t>
+            </a:r>
+            <a:r>
+              <a:rPr lang="en-GB" sz="3350" dirty="0">
+                <a:ea typeface="+mn-lt"/>
+                <a:cs typeface="+mn-lt"/>
+              </a:rPr>
+              <a:t> активна подпрограма трябва да върне </a:t>
             </a:r>
             <a:r>
               <a:rPr lang="en-GB" sz="3350" b="1" dirty="0">
@@ -25153,6 +26080,820 @@
           <a:chExt cx="0" cy="0"/>
         </a:xfrm>
       </p:grpSpPr>
+      <p:sp>
+        <p:nvSpPr>
+          <p:cNvPr id="2" name="Slide Number Placeholder 1">
+            <a:extLst>
+              <a:ext uri="{FF2B5EF4-FFF2-40B4-BE49-F238E27FC236}">
+                <a16:creationId xmlns:a16="http://schemas.microsoft.com/office/drawing/2014/main" id="{026EC2A3-9829-8136-E42F-FEE68F55738C}"/>
+              </a:ext>
+            </a:extLst>
+          </p:cNvPr>
+          <p:cNvSpPr>
+            <a:spLocks noGrp="1"/>
+          </p:cNvSpPr>
+          <p:nvPr>
+            <p:ph type="sldNum" sz="quarter" idx="5"/>
+          </p:nvPr>
+        </p:nvSpPr>
+        <p:spPr/>
+        <p:txBody>
+          <a:bodyPr/>
+          <a:lstStyle/>
+          <a:p>
+            <a:fld id="{2BF067CD-8E6B-4360-9AA8-C5DF2A48A6D1}" type="slidenum">
+              <a:rPr lang="en-US" noProof="0" smtClean="0"/>
+              <a:pPr/>
+              <a:t>8</a:t>
+            </a:fld>
+            <a:endParaRPr lang="en-US" noProof="0" dirty="0"/>
+          </a:p>
+        </p:txBody>
+      </p:sp>
+      <p:sp>
+        <p:nvSpPr>
+          <p:cNvPr id="4" name="Title 3">
+            <a:extLst>
+              <a:ext uri="{FF2B5EF4-FFF2-40B4-BE49-F238E27FC236}">
+                <a16:creationId xmlns:a16="http://schemas.microsoft.com/office/drawing/2014/main" id="{099A31E7-B2D2-7D03-D008-A98B518E5E6C}"/>
+              </a:ext>
+            </a:extLst>
+          </p:cNvPr>
+          <p:cNvSpPr>
+            <a:spLocks noGrp="1"/>
+          </p:cNvSpPr>
+          <p:nvPr>
+            <p:ph type="title"/>
+          </p:nvPr>
+        </p:nvSpPr>
+        <p:spPr/>
+        <p:txBody>
+          <a:bodyPr/>
+          <a:lstStyle/>
+          <a:p>
+            <a:r>
+              <a:rPr lang="bg-BG" dirty="0"/>
+              <a:t>Елементи на рекурсията</a:t>
+            </a:r>
+          </a:p>
+        </p:txBody>
+      </p:sp>
+      <p:sp>
+        <p:nvSpPr>
+          <p:cNvPr id="5" name="Text Placeholder 6">
+            <a:extLst>
+              <a:ext uri="{FF2B5EF4-FFF2-40B4-BE49-F238E27FC236}">
+                <a16:creationId xmlns:a16="http://schemas.microsoft.com/office/drawing/2014/main" id="{C3D5C15D-96EE-BEAC-8F7B-089741DD17FF}"/>
+              </a:ext>
+            </a:extLst>
+          </p:cNvPr>
+          <p:cNvSpPr txBox="1">
+            <a:spLocks/>
+          </p:cNvSpPr>
+          <p:nvPr/>
+        </p:nvSpPr>
+        <p:spPr>
+          <a:xfrm>
+            <a:off x="3151193" y="2124938"/>
+            <a:ext cx="5889613" cy="3813781"/>
+          </a:xfrm>
+          <a:prstGeom prst="rect">
+            <a:avLst/>
+          </a:prstGeom>
+          <a:solidFill>
+            <a:schemeClr val="accent6">
+              <a:lumMod val="75000"/>
+              <a:alpha val="15000"/>
+            </a:schemeClr>
+          </a:solidFill>
+          <a:ln w="12700">
+            <a:solidFill>
+              <a:schemeClr val="tx1">
+                <a:lumMod val="50000"/>
+              </a:schemeClr>
+            </a:solidFill>
+          </a:ln>
+        </p:spPr>
+        <p:txBody>
+          <a:bodyPr vert="horz" wrap="square" lIns="143963" tIns="107972" rIns="143963" bIns="107972" rtlCol="0">
+            <a:spAutoFit/>
+          </a:bodyPr>
+          <a:lstStyle>
+            <a:lvl1pPr marL="0" indent="0" algn="l" defTabSz="1218438" rtl="0" eaLnBrk="1" latinLnBrk="0" hangingPunct="1">
+              <a:lnSpc>
+                <a:spcPct val="105000"/>
+              </a:lnSpc>
+              <a:spcBef>
+                <a:spcPts val="0"/>
+              </a:spcBef>
+              <a:spcAft>
+                <a:spcPts val="0"/>
+              </a:spcAft>
+              <a:buFont typeface="Wingdings" panose="05000000000000000000" pitchFamily="2" charset="2"/>
+              <a:buNone/>
+              <a:defRPr lang="en-US" sz="2398" b="1" kern="1200" noProof="1" smtClean="0">
+                <a:solidFill>
+                  <a:schemeClr val="tx1"/>
+                </a:solidFill>
+                <a:effectLst/>
+                <a:latin typeface="Consolas" pitchFamily="49" charset="0"/>
+                <a:ea typeface="+mn-ea"/>
+                <a:cs typeface="Consolas" pitchFamily="49" charset="0"/>
+              </a:defRPr>
+            </a:lvl1pPr>
+            <a:lvl2pPr marL="989981" indent="-380762" algn="l" defTabSz="1218438" rtl="0" eaLnBrk="1" latinLnBrk="0" hangingPunct="1">
+              <a:lnSpc>
+                <a:spcPct val="105000"/>
+              </a:lnSpc>
+              <a:spcBef>
+                <a:spcPts val="600"/>
+              </a:spcBef>
+              <a:spcAft>
+                <a:spcPts val="600"/>
+              </a:spcAft>
+              <a:buFont typeface="Wingdings" panose="05000000000000000000" pitchFamily="2" charset="2"/>
+              <a:buChar char="§"/>
+              <a:defRPr sz="3198" kern="1200">
+                <a:solidFill>
+                  <a:schemeClr val="tx1"/>
+                </a:solidFill>
+                <a:latin typeface="+mn-lt"/>
+                <a:ea typeface="+mn-ea"/>
+                <a:cs typeface="+mn-cs"/>
+              </a:defRPr>
+            </a:lvl2pPr>
+            <a:lvl3pPr marL="1523048" indent="-304610" algn="l" defTabSz="1218438" rtl="0" eaLnBrk="1" latinLnBrk="0" hangingPunct="1">
+              <a:lnSpc>
+                <a:spcPct val="105000"/>
+              </a:lnSpc>
+              <a:spcBef>
+                <a:spcPts val="600"/>
+              </a:spcBef>
+              <a:spcAft>
+                <a:spcPts val="600"/>
+              </a:spcAft>
+              <a:buFont typeface="Wingdings" panose="05000000000000000000" pitchFamily="2" charset="2"/>
+              <a:buChar char="§"/>
+              <a:defRPr sz="2998" kern="1200">
+                <a:solidFill>
+                  <a:schemeClr val="tx1"/>
+                </a:solidFill>
+                <a:latin typeface="+mn-lt"/>
+                <a:ea typeface="+mn-ea"/>
+                <a:cs typeface="+mn-cs"/>
+              </a:defRPr>
+            </a:lvl3pPr>
+            <a:lvl4pPr marL="2132267" indent="-304610" algn="l" defTabSz="1218438" rtl="0" eaLnBrk="1" latinLnBrk="0" hangingPunct="1">
+              <a:lnSpc>
+                <a:spcPct val="105000"/>
+              </a:lnSpc>
+              <a:spcBef>
+                <a:spcPts val="600"/>
+              </a:spcBef>
+              <a:spcAft>
+                <a:spcPts val="600"/>
+              </a:spcAft>
+              <a:buFont typeface="Wingdings" panose="05000000000000000000" pitchFamily="2" charset="2"/>
+              <a:buChar char="§"/>
+              <a:defRPr sz="2798" kern="1200">
+                <a:solidFill>
+                  <a:schemeClr val="tx1"/>
+                </a:solidFill>
+                <a:latin typeface="+mn-lt"/>
+                <a:ea typeface="+mn-ea"/>
+                <a:cs typeface="+mn-cs"/>
+              </a:defRPr>
+            </a:lvl4pPr>
+            <a:lvl5pPr marL="2741485" indent="-304610" algn="l" defTabSz="1218438" rtl="0" eaLnBrk="1" latinLnBrk="0" hangingPunct="1">
+              <a:lnSpc>
+                <a:spcPct val="105000"/>
+              </a:lnSpc>
+              <a:spcBef>
+                <a:spcPts val="600"/>
+              </a:spcBef>
+              <a:spcAft>
+                <a:spcPts val="600"/>
+              </a:spcAft>
+              <a:buFont typeface="Wingdings" panose="05000000000000000000" pitchFamily="2" charset="2"/>
+              <a:buChar char="§"/>
+              <a:defRPr sz="2598" kern="1200">
+                <a:solidFill>
+                  <a:schemeClr val="tx1"/>
+                </a:solidFill>
+                <a:latin typeface="+mn-lt"/>
+                <a:ea typeface="+mn-ea"/>
+                <a:cs typeface="+mn-cs"/>
+              </a:defRPr>
+            </a:lvl5pPr>
+            <a:lvl6pPr marL="3350704" indent="-304610" algn="l" defTabSz="1218438" rtl="0" eaLnBrk="1" latinLnBrk="1" hangingPunct="1">
+              <a:spcBef>
+                <a:spcPct val="20000"/>
+              </a:spcBef>
+              <a:buFont typeface="Arial" pitchFamily="34" charset="0"/>
+              <a:buChar char="•"/>
+              <a:defRPr sz="2665" kern="1200">
+                <a:solidFill>
+                  <a:schemeClr val="tx1"/>
+                </a:solidFill>
+                <a:latin typeface="+mn-lt"/>
+                <a:ea typeface="+mn-ea"/>
+                <a:cs typeface="+mn-cs"/>
+              </a:defRPr>
+            </a:lvl6pPr>
+            <a:lvl7pPr marL="3959924" indent="-304610" algn="l" defTabSz="1218438" rtl="0" eaLnBrk="1" latinLnBrk="1" hangingPunct="1">
+              <a:spcBef>
+                <a:spcPct val="20000"/>
+              </a:spcBef>
+              <a:buFont typeface="Arial" pitchFamily="34" charset="0"/>
+              <a:buChar char="•"/>
+              <a:defRPr sz="2665" kern="1200">
+                <a:solidFill>
+                  <a:schemeClr val="tx1"/>
+                </a:solidFill>
+                <a:latin typeface="+mn-lt"/>
+                <a:ea typeface="+mn-ea"/>
+                <a:cs typeface="+mn-cs"/>
+              </a:defRPr>
+            </a:lvl7pPr>
+            <a:lvl8pPr marL="4569143" indent="-304610" algn="l" defTabSz="1218438" rtl="0" eaLnBrk="1" latinLnBrk="1" hangingPunct="1">
+              <a:spcBef>
+                <a:spcPct val="20000"/>
+              </a:spcBef>
+              <a:buFont typeface="Arial" pitchFamily="34" charset="0"/>
+              <a:buChar char="•"/>
+              <a:defRPr sz="2665" kern="1200">
+                <a:solidFill>
+                  <a:schemeClr val="tx1"/>
+                </a:solidFill>
+                <a:latin typeface="+mn-lt"/>
+                <a:ea typeface="+mn-ea"/>
+                <a:cs typeface="+mn-cs"/>
+              </a:defRPr>
+            </a:lvl8pPr>
+            <a:lvl9pPr marL="5178362" indent="-304610" algn="l" defTabSz="1218438" rtl="0" eaLnBrk="1" latinLnBrk="1" hangingPunct="1">
+              <a:spcBef>
+                <a:spcPct val="20000"/>
+              </a:spcBef>
+              <a:buFont typeface="Arial" pitchFamily="34" charset="0"/>
+              <a:buChar char="•"/>
+              <a:defRPr sz="2665" kern="1200">
+                <a:solidFill>
+                  <a:schemeClr val="tx1"/>
+                </a:solidFill>
+                <a:latin typeface="+mn-lt"/>
+                <a:ea typeface="+mn-ea"/>
+                <a:cs typeface="+mn-cs"/>
+              </a:defRPr>
+            </a:lvl9pPr>
+          </a:lstStyle>
+          <a:p>
+            <a:pPr>
+              <a:buClr>
+                <a:srgbClr val="F2B254"/>
+              </a:buClr>
+              <a:buSzPct val="100000"/>
+            </a:pPr>
+            <a:r>
+              <a:rPr lang="en-US" sz="3200" dirty="0"/>
+              <a:t>int Sum(int n)</a:t>
+            </a:r>
+          </a:p>
+          <a:p>
+            <a:pPr>
+              <a:buClr>
+                <a:srgbClr val="F2B254"/>
+              </a:buClr>
+              <a:buSzPct val="100000"/>
+            </a:pPr>
+            <a:r>
+              <a:rPr lang="en-US" sz="3200" dirty="0"/>
+              <a:t>{</a:t>
+            </a:r>
+          </a:p>
+          <a:p>
+            <a:pPr>
+              <a:buClr>
+                <a:srgbClr val="F2B254"/>
+              </a:buClr>
+              <a:buSzPct val="100000"/>
+            </a:pPr>
+            <a:r>
+              <a:rPr lang="en-US" sz="3200" dirty="0"/>
+              <a:t>  if (n == 1)</a:t>
+            </a:r>
+          </a:p>
+          <a:p>
+            <a:pPr>
+              <a:buClr>
+                <a:srgbClr val="F2B254"/>
+              </a:buClr>
+              <a:buSzPct val="100000"/>
+            </a:pPr>
+            <a:r>
+              <a:rPr lang="en-US" sz="3200" dirty="0"/>
+              <a:t>    return 1;</a:t>
+            </a:r>
+          </a:p>
+          <a:p>
+            <a:pPr>
+              <a:buClr>
+                <a:srgbClr val="F2B254"/>
+              </a:buClr>
+              <a:buSzPct val="100000"/>
+            </a:pPr>
+            <a:endParaRPr lang="en-US" sz="3200" dirty="0"/>
+          </a:p>
+          <a:p>
+            <a:pPr>
+              <a:buClr>
+                <a:srgbClr val="F2B254"/>
+              </a:buClr>
+              <a:buSzPct val="100000"/>
+            </a:pPr>
+            <a:r>
+              <a:rPr lang="en-US" sz="3200" dirty="0"/>
+              <a:t>  return n + Sum(n – 1);</a:t>
+            </a:r>
+          </a:p>
+          <a:p>
+            <a:pPr>
+              <a:buClr>
+                <a:srgbClr val="F2B254"/>
+              </a:buClr>
+              <a:buSzPct val="100000"/>
+            </a:pPr>
+            <a:r>
+              <a:rPr lang="en-US" sz="3200" dirty="0"/>
+              <a:t>}</a:t>
+            </a:r>
+            <a:endParaRPr lang="en-US" sz="3200" dirty="0">
+              <a:solidFill>
+                <a:schemeClr val="accent2"/>
+              </a:solidFill>
+            </a:endParaRPr>
+          </a:p>
+        </p:txBody>
+      </p:sp>
+      <p:sp>
+        <p:nvSpPr>
+          <p:cNvPr id="6" name="AutoShape 7">
+            <a:extLst>
+              <a:ext uri="{FF2B5EF4-FFF2-40B4-BE49-F238E27FC236}">
+                <a16:creationId xmlns:a16="http://schemas.microsoft.com/office/drawing/2014/main" id="{8C56A76F-B5CA-B4D7-FA89-756CB4797ADE}"/>
+              </a:ext>
+            </a:extLst>
+          </p:cNvPr>
+          <p:cNvSpPr>
+            <a:spLocks noChangeArrowheads="1"/>
+          </p:cNvSpPr>
+          <p:nvPr/>
+        </p:nvSpPr>
+        <p:spPr bwMode="auto">
+          <a:xfrm>
+            <a:off x="6726000" y="1269000"/>
+            <a:ext cx="4275000" cy="570342"/>
+          </a:xfrm>
+          <a:prstGeom prst="wedgeRoundRectCallout">
+            <a:avLst>
+              <a:gd name="adj1" fmla="val -94541"/>
+              <a:gd name="adj2" fmla="val 126077"/>
+              <a:gd name="adj3" fmla="val 16667"/>
+            </a:avLst>
+          </a:prstGeom>
+          <a:solidFill>
+            <a:schemeClr val="dk2">
+              <a:alpha val="80000"/>
+            </a:schemeClr>
+          </a:solidFill>
+          <a:ln w="19050">
+            <a:solidFill>
+              <a:schemeClr val="tx1">
+                <a:lumMod val="75000"/>
+                <a:alpha val="80000"/>
+              </a:schemeClr>
+            </a:solidFill>
+          </a:ln>
+          <a:effectLst/>
+        </p:spPr>
+        <p:style>
+          <a:lnRef idx="2">
+            <a:schemeClr val="accent1">
+              <a:shade val="50000"/>
+            </a:schemeClr>
+          </a:lnRef>
+          <a:fillRef idx="1001">
+            <a:schemeClr val="dk2"/>
+          </a:fillRef>
+          <a:effectRef idx="0">
+            <a:schemeClr val="accent1"/>
+          </a:effectRef>
+          <a:fontRef idx="minor">
+            <a:schemeClr val="lt1"/>
+          </a:fontRef>
+        </p:style>
+        <p:txBody>
+          <a:bodyPr rot="0" spcFirstLastPara="0" vertOverflow="overflow" horzOverflow="overflow" vert="horz" wrap="square" lIns="91416" tIns="45708" rIns="91416" bIns="45708" numCol="1" spcCol="0" rtlCol="0" fromWordArt="0" anchor="ctr" anchorCtr="0" forceAA="0" compatLnSpc="1">
+            <a:prstTxWarp prst="textNoShape">
+              <a:avLst/>
+            </a:prstTxWarp>
+            <a:spAutoFit/>
+          </a:bodyPr>
+          <a:lstStyle/>
+          <a:p>
+            <a:pPr algn="ctr"/>
+            <a:r>
+              <a:rPr lang="bg-BG" sz="2750" b="1" dirty="0">
+                <a:solidFill>
+                  <a:srgbClr val="FFFFFF"/>
+                </a:solidFill>
+              </a:rPr>
+              <a:t>Дефиниция на функцията</a:t>
+            </a:r>
+            <a:endParaRPr lang="en-US" sz="2750" b="1" dirty="0">
+              <a:solidFill>
+                <a:srgbClr val="FFFFFF"/>
+              </a:solidFill>
+              <a:cs typeface="Calibri"/>
+            </a:endParaRPr>
+          </a:p>
+        </p:txBody>
+      </p:sp>
+      <p:sp>
+        <p:nvSpPr>
+          <p:cNvPr id="7" name="AutoShape 7">
+            <a:extLst>
+              <a:ext uri="{FF2B5EF4-FFF2-40B4-BE49-F238E27FC236}">
+                <a16:creationId xmlns:a16="http://schemas.microsoft.com/office/drawing/2014/main" id="{8589012B-C46E-9824-B52B-C01D4F2E3CF5}"/>
+              </a:ext>
+            </a:extLst>
+          </p:cNvPr>
+          <p:cNvSpPr>
+            <a:spLocks noChangeArrowheads="1"/>
+          </p:cNvSpPr>
+          <p:nvPr/>
+        </p:nvSpPr>
+        <p:spPr bwMode="auto">
+          <a:xfrm>
+            <a:off x="7176000" y="2858658"/>
+            <a:ext cx="4275000" cy="570342"/>
+          </a:xfrm>
+          <a:prstGeom prst="wedgeRoundRectCallout">
+            <a:avLst>
+              <a:gd name="adj1" fmla="val -68978"/>
+              <a:gd name="adj2" fmla="val 59601"/>
+              <a:gd name="adj3" fmla="val 16667"/>
+            </a:avLst>
+          </a:prstGeom>
+          <a:solidFill>
+            <a:schemeClr val="dk2">
+              <a:alpha val="80000"/>
+            </a:schemeClr>
+          </a:solidFill>
+          <a:ln w="19050">
+            <a:solidFill>
+              <a:schemeClr val="tx1">
+                <a:lumMod val="75000"/>
+                <a:alpha val="80000"/>
+              </a:schemeClr>
+            </a:solidFill>
+          </a:ln>
+          <a:effectLst/>
+        </p:spPr>
+        <p:style>
+          <a:lnRef idx="2">
+            <a:schemeClr val="accent1">
+              <a:shade val="50000"/>
+            </a:schemeClr>
+          </a:lnRef>
+          <a:fillRef idx="1001">
+            <a:schemeClr val="dk2"/>
+          </a:fillRef>
+          <a:effectRef idx="0">
+            <a:schemeClr val="accent1"/>
+          </a:effectRef>
+          <a:fontRef idx="minor">
+            <a:schemeClr val="lt1"/>
+          </a:fontRef>
+        </p:style>
+        <p:txBody>
+          <a:bodyPr rot="0" spcFirstLastPara="0" vertOverflow="overflow" horzOverflow="overflow" vert="horz" wrap="square" lIns="91416" tIns="45708" rIns="91416" bIns="45708" numCol="1" spcCol="0" rtlCol="0" fromWordArt="0" anchor="ctr" anchorCtr="0" forceAA="0" compatLnSpc="1">
+            <a:prstTxWarp prst="textNoShape">
+              <a:avLst/>
+            </a:prstTxWarp>
+            <a:spAutoFit/>
+          </a:bodyPr>
+          <a:lstStyle/>
+          <a:p>
+            <a:pPr algn="ctr"/>
+            <a:r>
+              <a:rPr lang="bg-BG" sz="2750" b="1" dirty="0">
+                <a:solidFill>
+                  <a:srgbClr val="FFFFFF"/>
+                </a:solidFill>
+              </a:rPr>
+              <a:t>Базов (основен) случай</a:t>
+            </a:r>
+            <a:endParaRPr lang="en-US" sz="2750" b="1" dirty="0">
+              <a:solidFill>
+                <a:srgbClr val="FFFFFF"/>
+              </a:solidFill>
+              <a:cs typeface="Calibri"/>
+            </a:endParaRPr>
+          </a:p>
+        </p:txBody>
+      </p:sp>
+      <p:sp>
+        <p:nvSpPr>
+          <p:cNvPr id="8" name="AutoShape 7">
+            <a:extLst>
+              <a:ext uri="{FF2B5EF4-FFF2-40B4-BE49-F238E27FC236}">
+                <a16:creationId xmlns:a16="http://schemas.microsoft.com/office/drawing/2014/main" id="{462F5A77-05B7-ABBC-598D-F2FFF8FAF143}"/>
+              </a:ext>
+            </a:extLst>
+          </p:cNvPr>
+          <p:cNvSpPr>
+            <a:spLocks noChangeArrowheads="1"/>
+          </p:cNvSpPr>
+          <p:nvPr/>
+        </p:nvSpPr>
+        <p:spPr bwMode="auto">
+          <a:xfrm>
+            <a:off x="5952500" y="5662622"/>
+            <a:ext cx="3088306" cy="570342"/>
+          </a:xfrm>
+          <a:prstGeom prst="wedgeRoundRectCallout">
+            <a:avLst>
+              <a:gd name="adj1" fmla="val -34024"/>
+              <a:gd name="adj2" fmla="val -112455"/>
+              <a:gd name="adj3" fmla="val 16667"/>
+            </a:avLst>
+          </a:prstGeom>
+          <a:solidFill>
+            <a:schemeClr val="dk2">
+              <a:alpha val="80000"/>
+            </a:schemeClr>
+          </a:solidFill>
+          <a:ln w="19050">
+            <a:solidFill>
+              <a:schemeClr val="tx1">
+                <a:lumMod val="75000"/>
+                <a:alpha val="80000"/>
+              </a:schemeClr>
+            </a:solidFill>
+          </a:ln>
+          <a:effectLst/>
+        </p:spPr>
+        <p:style>
+          <a:lnRef idx="2">
+            <a:schemeClr val="accent1">
+              <a:shade val="50000"/>
+            </a:schemeClr>
+          </a:lnRef>
+          <a:fillRef idx="1001">
+            <a:schemeClr val="dk2"/>
+          </a:fillRef>
+          <a:effectRef idx="0">
+            <a:schemeClr val="accent1"/>
+          </a:effectRef>
+          <a:fontRef idx="minor">
+            <a:schemeClr val="lt1"/>
+          </a:fontRef>
+        </p:style>
+        <p:txBody>
+          <a:bodyPr rot="0" spcFirstLastPara="0" vertOverflow="overflow" horzOverflow="overflow" vert="horz" wrap="square" lIns="91416" tIns="45708" rIns="91416" bIns="45708" numCol="1" spcCol="0" rtlCol="0" fromWordArt="0" anchor="ctr" anchorCtr="0" forceAA="0" compatLnSpc="1">
+            <a:prstTxWarp prst="textNoShape">
+              <a:avLst/>
+            </a:prstTxWarp>
+            <a:spAutoFit/>
+          </a:bodyPr>
+          <a:lstStyle/>
+          <a:p>
+            <a:pPr algn="ctr"/>
+            <a:r>
+              <a:rPr lang="bg-BG" sz="2750" b="1" dirty="0">
+                <a:solidFill>
+                  <a:srgbClr val="FFFFFF"/>
+                </a:solidFill>
+              </a:rPr>
+              <a:t>Самоизвикване</a:t>
+            </a:r>
+            <a:endParaRPr lang="en-US" sz="2750" b="1" dirty="0">
+              <a:solidFill>
+                <a:srgbClr val="FFFFFF"/>
+              </a:solidFill>
+              <a:cs typeface="Calibri"/>
+            </a:endParaRPr>
+          </a:p>
+        </p:txBody>
+      </p:sp>
+    </p:spTree>
+    <p:extLst>
+      <p:ext uri="{BB962C8B-B14F-4D97-AF65-F5344CB8AC3E}">
+        <p14:creationId xmlns:p14="http://schemas.microsoft.com/office/powerpoint/2010/main" val="137653711"/>
+      </p:ext>
+    </p:extLst>
+  </p:cSld>
+  <p:clrMapOvr>
+    <a:masterClrMapping/>
+  </p:clrMapOvr>
+  <mc:AlternateContent xmlns:mc="http://schemas.openxmlformats.org/markup-compatibility/2006" xmlns:p14="http://schemas.microsoft.com/office/powerpoint/2010/main">
+    <mc:Choice Requires="p14">
+      <p:transition spd="slow" p14:dur="2000" advClick="0" advTm="5000"/>
+    </mc:Choice>
+    <mc:Fallback xmlns="">
+      <p:transition spd="slow" advClick="0" advTm="5000"/>
+    </mc:Fallback>
+  </mc:AlternateContent>
+  <p:timing>
+    <p:tnLst>
+      <p:par>
+        <p:cTn id="1" dur="indefinite" restart="never" nodeType="tmRoot">
+          <p:childTnLst>
+            <p:seq concurrent="1" nextAc="seek">
+              <p:cTn id="2" dur="indefinite" nodeType="mainSeq">
+                <p:childTnLst>
+                  <p:par>
+                    <p:cTn id="3" fill="hold">
+                      <p:stCondLst>
+                        <p:cond delay="indefinite"/>
+                      </p:stCondLst>
+                      <p:childTnLst>
+                        <p:par>
+                          <p:cTn id="4" fill="hold">
+                            <p:stCondLst>
+                              <p:cond delay="0"/>
+                            </p:stCondLst>
+                            <p:childTnLst>
+                              <p:par>
+                                <p:cTn id="5" presetID="1" presetClass="entr" presetSubtype="0" fill="hold" grpId="0" nodeType="clickEffect">
+                                  <p:stCondLst>
+                                    <p:cond delay="0"/>
+                                  </p:stCondLst>
+                                  <p:childTnLst>
+                                    <p:set>
+                                      <p:cBhvr>
+                                        <p:cTn id="6" dur="1" fill="hold">
+                                          <p:stCondLst>
+                                            <p:cond delay="0"/>
+                                          </p:stCondLst>
+                                        </p:cTn>
+                                        <p:tgtEl>
+                                          <p:spTgt spid="6"/>
+                                        </p:tgtEl>
+                                        <p:attrNameLst>
+                                          <p:attrName>style.visibility</p:attrName>
+                                        </p:attrNameLst>
+                                      </p:cBhvr>
+                                      <p:to>
+                                        <p:strVal val="visible"/>
+                                      </p:to>
+                                    </p:set>
+                                  </p:childTnLst>
+                                </p:cTn>
+                              </p:par>
+                            </p:childTnLst>
+                          </p:cTn>
+                        </p:par>
+                      </p:childTnLst>
+                    </p:cTn>
+                  </p:par>
+                  <p:par>
+                    <p:cTn id="7" fill="hold">
+                      <p:stCondLst>
+                        <p:cond delay="indefinite"/>
+                      </p:stCondLst>
+                      <p:childTnLst>
+                        <p:par>
+                          <p:cTn id="8" fill="hold">
+                            <p:stCondLst>
+                              <p:cond delay="0"/>
+                            </p:stCondLst>
+                            <p:childTnLst>
+                              <p:par>
+                                <p:cTn id="9" presetID="1" presetClass="entr" presetSubtype="0" fill="hold" grpId="0" nodeType="clickEffect">
+                                  <p:stCondLst>
+                                    <p:cond delay="0"/>
+                                  </p:stCondLst>
+                                  <p:childTnLst>
+                                    <p:set>
+                                      <p:cBhvr>
+                                        <p:cTn id="10" dur="1" fill="hold">
+                                          <p:stCondLst>
+                                            <p:cond delay="0"/>
+                                          </p:stCondLst>
+                                        </p:cTn>
+                                        <p:tgtEl>
+                                          <p:spTgt spid="7"/>
+                                        </p:tgtEl>
+                                        <p:attrNameLst>
+                                          <p:attrName>style.visibility</p:attrName>
+                                        </p:attrNameLst>
+                                      </p:cBhvr>
+                                      <p:to>
+                                        <p:strVal val="visible"/>
+                                      </p:to>
+                                    </p:set>
+                                  </p:childTnLst>
+                                </p:cTn>
+                              </p:par>
+                            </p:childTnLst>
+                          </p:cTn>
+                        </p:par>
+                      </p:childTnLst>
+                    </p:cTn>
+                  </p:par>
+                  <p:par>
+                    <p:cTn id="11" fill="hold">
+                      <p:stCondLst>
+                        <p:cond delay="indefinite"/>
+                      </p:stCondLst>
+                      <p:childTnLst>
+                        <p:par>
+                          <p:cTn id="12" fill="hold">
+                            <p:stCondLst>
+                              <p:cond delay="0"/>
+                            </p:stCondLst>
+                            <p:childTnLst>
+                              <p:par>
+                                <p:cTn id="13" presetID="1" presetClass="entr" presetSubtype="0" fill="hold" grpId="0" nodeType="clickEffect">
+                                  <p:stCondLst>
+                                    <p:cond delay="0"/>
+                                  </p:stCondLst>
+                                  <p:childTnLst>
+                                    <p:set>
+                                      <p:cBhvr>
+                                        <p:cTn id="14" dur="1" fill="hold">
+                                          <p:stCondLst>
+                                            <p:cond delay="0"/>
+                                          </p:stCondLst>
+                                        </p:cTn>
+                                        <p:tgtEl>
+                                          <p:spTgt spid="8"/>
+                                        </p:tgtEl>
+                                        <p:attrNameLst>
+                                          <p:attrName>style.visibility</p:attrName>
+                                        </p:attrNameLst>
+                                      </p:cBhvr>
+                                      <p:to>
+                                        <p:strVal val="visible"/>
+                                      </p:to>
+                                    </p:set>
+                                  </p:childTnLst>
+                                </p:cTn>
+                              </p:par>
+                            </p:childTnLst>
+                          </p:cTn>
+                        </p:par>
+                      </p:childTnLst>
+                    </p:cTn>
+                  </p:par>
+                </p:childTnLst>
+              </p:cTn>
+              <p:prevCondLst>
+                <p:cond evt="onPrev" delay="0">
+                  <p:tgtEl>
+                    <p:sldTgt/>
+                  </p:tgtEl>
+                </p:cond>
+              </p:prevCondLst>
+              <p:nextCondLst>
+                <p:cond evt="onNext" delay="0">
+                  <p:tgtEl>
+                    <p:sldTgt/>
+                  </p:tgtEl>
+                </p:cond>
+              </p:nextCondLst>
+            </p:seq>
+          </p:childTnLst>
+        </p:cTn>
+      </p:par>
+    </p:tnLst>
+    <p:bldLst>
+      <p:bldP spid="6" grpId="0" animBg="1"/>
+      <p:bldP spid="7" grpId="0" animBg="1"/>
+      <p:bldP spid="8" grpId="0" animBg="1"/>
+    </p:bldLst>
+  </p:timing>
+</p:sld>
+</file>
+
+<file path=ppt/slides/slide9.xml><?xml version="1.0" encoding="utf-8"?>
+<p:sld xmlns:a="http://schemas.openxmlformats.org/drawingml/2006/main" xmlns:r="http://schemas.openxmlformats.org/officeDocument/2006/relationships" xmlns:p="http://schemas.openxmlformats.org/presentationml/2006/main">
+  <p:cSld>
+    <p:spTree>
+      <p:nvGrpSpPr>
+        <p:cNvPr id="1" name=""/>
+        <p:cNvGrpSpPr/>
+        <p:nvPr/>
+      </p:nvGrpSpPr>
+      <p:grpSpPr>
+        <a:xfrm>
+          <a:off x="0" y="0"/>
+          <a:ext cx="0" cy="0"/>
+          <a:chOff x="0" y="0"/>
+          <a:chExt cx="0" cy="0"/>
+        </a:xfrm>
+      </p:grpSpPr>
       <p:pic>
         <p:nvPicPr>
           <p:cNvPr id="7" name="Picture 16">
@@ -25235,870 +26976,6 @@
       <p:transition spd="slow" advClick="0" advTm="5000"/>
     </mc:Fallback>
   </mc:AlternateContent>
-</p:sld>
-</file>
-
-<file path=ppt/slides/slide9.xml><?xml version="1.0" encoding="utf-8"?>
-<p:sld xmlns:a="http://schemas.openxmlformats.org/drawingml/2006/main" xmlns:r="http://schemas.openxmlformats.org/officeDocument/2006/relationships" xmlns:p="http://schemas.openxmlformats.org/presentationml/2006/main">
-  <p:cSld>
-    <p:spTree>
-      <p:nvGrpSpPr>
-        <p:cNvPr id="1" name=""/>
-        <p:cNvGrpSpPr/>
-        <p:nvPr/>
-      </p:nvGrpSpPr>
-      <p:grpSpPr>
-        <a:xfrm>
-          <a:off x="0" y="0"/>
-          <a:ext cx="0" cy="0"/>
-          <a:chOff x="0" y="0"/>
-          <a:chExt cx="0" cy="0"/>
-        </a:xfrm>
-      </p:grpSpPr>
-      <p:sp>
-        <p:nvSpPr>
-          <p:cNvPr id="4" name="Title 3"/>
-          <p:cNvSpPr>
-            <a:spLocks noGrp="1"/>
-          </p:cNvSpPr>
-          <p:nvPr>
-            <p:ph type="title"/>
-          </p:nvPr>
-        </p:nvSpPr>
-        <p:spPr/>
-        <p:txBody>
-          <a:bodyPr/>
-          <a:lstStyle/>
-          <a:p>
-            <a:r>
-              <a:rPr lang="en-US" sz="3950" dirty="0"/>
-              <a:t>Задача: Сума </a:t>
-            </a:r>
-            <a:r>
-              <a:rPr lang="bg-BG" sz="3950" dirty="0"/>
-              <a:t>на </a:t>
-            </a:r>
-            <a:r>
-              <a:rPr lang="en-US" sz="3950" dirty="0"/>
-              <a:t>масив</a:t>
-            </a:r>
-          </a:p>
-        </p:txBody>
-      </p:sp>
-      <p:sp>
-        <p:nvSpPr>
-          <p:cNvPr id="6" name="Content Placeholder 2"/>
-          <p:cNvSpPr>
-            <a:spLocks noGrp="1"/>
-          </p:cNvSpPr>
-          <p:nvPr>
-            <p:ph idx="4294967295"/>
-          </p:nvPr>
-        </p:nvSpPr>
-        <p:spPr>
-          <a:xfrm>
-            <a:off x="174579" y="1151532"/>
-            <a:ext cx="11801576" cy="5569086"/>
-          </a:xfrm>
-        </p:spPr>
-        <p:txBody>
-          <a:bodyPr vert="horz" lIns="108000" tIns="36000" rIns="108000" bIns="36000" rtlCol="0" anchor="t">
-            <a:normAutofit/>
-          </a:bodyPr>
-          <a:lstStyle/>
-          <a:p>
-            <a:pPr marL="360045" indent="-360045">
-              <a:lnSpc>
-                <a:spcPct val="100000"/>
-              </a:lnSpc>
-            </a:pPr>
-            <a:r>
-              <a:rPr lang="en-US" sz="3600" dirty="0"/>
-              <a:t>Създайте </a:t>
-            </a:r>
-            <a:r>
-              <a:rPr lang="en-US" sz="3600" b="1" dirty="0">
-                <a:solidFill>
-                  <a:schemeClr val="bg1"/>
-                </a:solidFill>
-              </a:rPr>
-              <a:t>рекурсивен метод</a:t>
-            </a:r>
-            <a:r>
-              <a:rPr lang="en-US" sz="3600" dirty="0">
-                <a:solidFill>
-                  <a:srgbClr val="234465"/>
-                </a:solidFill>
-              </a:rPr>
-              <a:t>, който:</a:t>
-            </a:r>
-            <a:endParaRPr lang="bg-BG" sz="3600" dirty="0">
-              <a:solidFill>
-                <a:srgbClr val="234465"/>
-              </a:solidFill>
-            </a:endParaRPr>
-          </a:p>
-          <a:p>
-            <a:pPr marL="802957" lvl="1" indent="-360045">
-              <a:lnSpc>
-                <a:spcPct val="100000"/>
-              </a:lnSpc>
-            </a:pPr>
-            <a:r>
-              <a:rPr lang="bg-BG" sz="3150" dirty="0">
-                <a:solidFill>
-                  <a:srgbClr val="234465"/>
-                </a:solidFill>
-                <a:cs typeface="Calibri"/>
-              </a:rPr>
-              <a:t>Чете </a:t>
-            </a:r>
-            <a:r>
-              <a:rPr lang="bg-BG" sz="3150" b="1" dirty="0">
-                <a:solidFill>
-                  <a:schemeClr val="bg1"/>
-                </a:solidFill>
-                <a:cs typeface="Calibri"/>
-              </a:rPr>
-              <a:t>масив от числа </a:t>
-            </a:r>
-            <a:r>
-              <a:rPr lang="bg-BG" sz="3150" dirty="0">
-                <a:solidFill>
-                  <a:srgbClr val="234465"/>
-                </a:solidFill>
-                <a:cs typeface="Calibri"/>
-              </a:rPr>
-              <a:t>от конзолата</a:t>
-            </a:r>
-          </a:p>
-          <a:p>
-            <a:pPr lvl="1" indent="-360045">
-              <a:lnSpc>
-                <a:spcPct val="100000"/>
-              </a:lnSpc>
-            </a:pPr>
-            <a:r>
-              <a:rPr lang="en-US" sz="3400" dirty="0"/>
-              <a:t>Намира </a:t>
-            </a:r>
-            <a:r>
-              <a:rPr lang="en-US" sz="3400" b="1" dirty="0">
-                <a:solidFill>
-                  <a:schemeClr val="bg1"/>
-                </a:solidFill>
-              </a:rPr>
-              <a:t>сумата</a:t>
-            </a:r>
-            <a:r>
-              <a:rPr lang="en-US" sz="3400" dirty="0"/>
-              <a:t> на всички</a:t>
-            </a:r>
-            <a:r>
-              <a:rPr lang="en-US" sz="3400" dirty="0">
-                <a:solidFill>
-                  <a:srgbClr val="234465"/>
-                </a:solidFill>
-                <a:latin typeface="Calibri"/>
-                <a:cs typeface="Calibri"/>
-              </a:rPr>
-              <a:t> числа</a:t>
-            </a:r>
-            <a:endParaRPr lang="en-US" sz="3200" dirty="0">
-              <a:solidFill>
-                <a:schemeClr val="bg1"/>
-              </a:solidFill>
-              <a:latin typeface="Calibri"/>
-              <a:cs typeface="Calibri"/>
-            </a:endParaRPr>
-          </a:p>
-        </p:txBody>
-      </p:sp>
-      <p:sp>
-        <p:nvSpPr>
-          <p:cNvPr id="15" name="Right Arrow 14">
-            <a:extLst>
-              <a:ext uri="{FF2B5EF4-FFF2-40B4-BE49-F238E27FC236}">
-                <a16:creationId xmlns:a16="http://schemas.microsoft.com/office/drawing/2014/main" id="{650FCDEF-77AC-4319-82CA-488DD4CFCC8A}"/>
-              </a:ext>
-            </a:extLst>
-          </p:cNvPr>
-          <p:cNvSpPr/>
-          <p:nvPr/>
-        </p:nvSpPr>
-        <p:spPr>
-          <a:xfrm>
-            <a:off x="6129705" y="4486460"/>
-            <a:ext cx="532543" cy="280959"/>
-          </a:xfrm>
-          <a:prstGeom prst="rightArrow">
-            <a:avLst/>
-          </a:prstGeom>
-        </p:spPr>
-        <p:style>
-          <a:lnRef idx="2">
-            <a:schemeClr val="dk1">
-              <a:shade val="50000"/>
-            </a:schemeClr>
-          </a:lnRef>
-          <a:fillRef idx="1">
-            <a:schemeClr val="dk1"/>
-          </a:fillRef>
-          <a:effectRef idx="0">
-            <a:schemeClr val="dk1"/>
-          </a:effectRef>
-          <a:fontRef idx="minor">
-            <a:schemeClr val="lt1"/>
-          </a:fontRef>
-        </p:style>
-        <p:txBody>
-          <a:bodyPr rtlCol="0" anchor="ctr"/>
-          <a:lstStyle/>
-          <a:p>
-            <a:pPr algn="ctr"/>
-            <a:endParaRPr lang="en-US" sz="3199" dirty="0"/>
-          </a:p>
-        </p:txBody>
-      </p:sp>
-      <p:sp>
-        <p:nvSpPr>
-          <p:cNvPr id="16" name="Rectangle 15">
-            <a:extLst>
-              <a:ext uri="{FF2B5EF4-FFF2-40B4-BE49-F238E27FC236}">
-                <a16:creationId xmlns:a16="http://schemas.microsoft.com/office/drawing/2014/main" id="{B7348D6D-D660-482F-AB0D-A14FCBB2D2DF}"/>
-              </a:ext>
-            </a:extLst>
-          </p:cNvPr>
-          <p:cNvSpPr>
-            <a:spLocks noChangeArrowheads="1"/>
-          </p:cNvSpPr>
-          <p:nvPr/>
-        </p:nvSpPr>
-        <p:spPr bwMode="auto">
-          <a:xfrm>
-            <a:off x="3171000" y="4336243"/>
-            <a:ext cx="2488157" cy="615553"/>
-          </a:xfrm>
-          <a:prstGeom prst="rect">
-            <a:avLst/>
-          </a:prstGeom>
-          <a:solidFill>
-            <a:schemeClr val="accent5">
-              <a:lumMod val="40000"/>
-              <a:lumOff val="60000"/>
-              <a:alpha val="20000"/>
-            </a:schemeClr>
-          </a:solidFill>
-          <a:ln w="12700">
-            <a:solidFill>
-              <a:schemeClr val="accent5">
-                <a:lumMod val="60000"/>
-                <a:lumOff val="40000"/>
-              </a:schemeClr>
-            </a:solidFill>
-          </a:ln>
-        </p:spPr>
-        <p:txBody>
-          <a:bodyPr wrap="square">
-            <a:spAutoFit/>
-          </a:bodyPr>
-          <a:lstStyle/>
-          <a:p>
-            <a:pPr algn="ctr" eaLnBrk="0" hangingPunct="0">
-              <a:buClr>
-                <a:schemeClr val="accent5">
-                  <a:lumMod val="40000"/>
-                  <a:lumOff val="60000"/>
-                </a:schemeClr>
-              </a:buClr>
-              <a:buSzPct val="70000"/>
-            </a:pPr>
-            <a:r>
-              <a:rPr lang="it-IT" sz="3400" b="1" noProof="1">
-                <a:latin typeface="Consolas" panose="020B0609020204030204" pitchFamily="49" charset="0"/>
-              </a:rPr>
-              <a:t>1 2 3 4</a:t>
-            </a:r>
-          </a:p>
-        </p:txBody>
-      </p:sp>
-      <p:sp>
-        <p:nvSpPr>
-          <p:cNvPr id="17" name="Rectangle 16">
-            <a:extLst>
-              <a:ext uri="{FF2B5EF4-FFF2-40B4-BE49-F238E27FC236}">
-                <a16:creationId xmlns:a16="http://schemas.microsoft.com/office/drawing/2014/main" id="{D4CF9DF7-8ABA-48CC-B66B-F7B7922BCAB8}"/>
-              </a:ext>
-            </a:extLst>
-          </p:cNvPr>
-          <p:cNvSpPr>
-            <a:spLocks noChangeArrowheads="1"/>
-          </p:cNvSpPr>
-          <p:nvPr/>
-        </p:nvSpPr>
-        <p:spPr bwMode="auto">
-          <a:xfrm>
-            <a:off x="7125772" y="4336243"/>
-            <a:ext cx="770228" cy="615553"/>
-          </a:xfrm>
-          <a:prstGeom prst="rect">
-            <a:avLst/>
-          </a:prstGeom>
-          <a:solidFill>
-            <a:schemeClr val="accent5">
-              <a:lumMod val="40000"/>
-              <a:lumOff val="60000"/>
-              <a:alpha val="20000"/>
-            </a:schemeClr>
-          </a:solidFill>
-          <a:ln w="12700">
-            <a:solidFill>
-              <a:schemeClr val="accent5">
-                <a:lumMod val="60000"/>
-                <a:lumOff val="40000"/>
-              </a:schemeClr>
-            </a:solidFill>
-          </a:ln>
-        </p:spPr>
-        <p:txBody>
-          <a:bodyPr wrap="square">
-            <a:spAutoFit/>
-          </a:bodyPr>
-          <a:lstStyle/>
-          <a:p>
-            <a:pPr algn="ctr" eaLnBrk="0" hangingPunct="0">
-              <a:buClr>
-                <a:schemeClr val="accent5">
-                  <a:lumMod val="40000"/>
-                  <a:lumOff val="60000"/>
-                </a:schemeClr>
-              </a:buClr>
-              <a:buSzPct val="70000"/>
-            </a:pPr>
-            <a:r>
-              <a:rPr lang="it-IT" sz="3400" b="1" noProof="1">
-                <a:latin typeface="Consolas" panose="020B0609020204030204" pitchFamily="49" charset="0"/>
-              </a:rPr>
-              <a:t>10</a:t>
-            </a:r>
-          </a:p>
-        </p:txBody>
-      </p:sp>
-      <p:sp>
-        <p:nvSpPr>
-          <p:cNvPr id="19" name="Rectangle 18">
-            <a:extLst>
-              <a:ext uri="{FF2B5EF4-FFF2-40B4-BE49-F238E27FC236}">
-                <a16:creationId xmlns:a16="http://schemas.microsoft.com/office/drawing/2014/main" id="{B7348D6D-D660-482F-AB0D-A14FCBB2D2DF}"/>
-              </a:ext>
-            </a:extLst>
-          </p:cNvPr>
-          <p:cNvSpPr>
-            <a:spLocks noChangeArrowheads="1"/>
-          </p:cNvSpPr>
-          <p:nvPr/>
-        </p:nvSpPr>
-        <p:spPr bwMode="auto">
-          <a:xfrm>
-            <a:off x="3756000" y="5163241"/>
-            <a:ext cx="1903157" cy="615553"/>
-          </a:xfrm>
-          <a:prstGeom prst="rect">
-            <a:avLst/>
-          </a:prstGeom>
-          <a:solidFill>
-            <a:schemeClr val="accent5">
-              <a:lumMod val="40000"/>
-              <a:lumOff val="60000"/>
-              <a:alpha val="20000"/>
-            </a:schemeClr>
-          </a:solidFill>
-          <a:ln w="12700">
-            <a:solidFill>
-              <a:schemeClr val="accent5">
-                <a:lumMod val="60000"/>
-                <a:lumOff val="40000"/>
-              </a:schemeClr>
-            </a:solidFill>
-          </a:ln>
-        </p:spPr>
-        <p:txBody>
-          <a:bodyPr wrap="square">
-            <a:spAutoFit/>
-          </a:bodyPr>
-          <a:lstStyle/>
-          <a:p>
-            <a:pPr algn="ctr" eaLnBrk="0" hangingPunct="0">
-              <a:buClr>
-                <a:schemeClr val="accent5">
-                  <a:lumMod val="40000"/>
-                  <a:lumOff val="60000"/>
-                </a:schemeClr>
-              </a:buClr>
-              <a:buSzPct val="70000"/>
-            </a:pPr>
-            <a:r>
-              <a:rPr lang="it-IT" sz="3400" b="1" noProof="1">
-                <a:latin typeface="Consolas" panose="020B0609020204030204" pitchFamily="49" charset="0"/>
-              </a:rPr>
-              <a:t>-1 0 1</a:t>
-            </a:r>
-          </a:p>
-        </p:txBody>
-      </p:sp>
-      <p:sp>
-        <p:nvSpPr>
-          <p:cNvPr id="20" name="Rectangle 19">
-            <a:extLst>
-              <a:ext uri="{FF2B5EF4-FFF2-40B4-BE49-F238E27FC236}">
-                <a16:creationId xmlns:a16="http://schemas.microsoft.com/office/drawing/2014/main" id="{D4CF9DF7-8ABA-48CC-B66B-F7B7922BCAB8}"/>
-              </a:ext>
-            </a:extLst>
-          </p:cNvPr>
-          <p:cNvSpPr>
-            <a:spLocks noChangeArrowheads="1"/>
-          </p:cNvSpPr>
-          <p:nvPr/>
-        </p:nvSpPr>
-        <p:spPr bwMode="auto">
-          <a:xfrm>
-            <a:off x="7125772" y="5163241"/>
-            <a:ext cx="528647" cy="615553"/>
-          </a:xfrm>
-          <a:prstGeom prst="rect">
-            <a:avLst/>
-          </a:prstGeom>
-          <a:solidFill>
-            <a:schemeClr val="accent5">
-              <a:lumMod val="40000"/>
-              <a:lumOff val="60000"/>
-              <a:alpha val="20000"/>
-            </a:schemeClr>
-          </a:solidFill>
-          <a:ln w="12700">
-            <a:solidFill>
-              <a:schemeClr val="accent5">
-                <a:lumMod val="60000"/>
-                <a:lumOff val="40000"/>
-              </a:schemeClr>
-            </a:solidFill>
-          </a:ln>
-        </p:spPr>
-        <p:txBody>
-          <a:bodyPr wrap="square">
-            <a:spAutoFit/>
-          </a:bodyPr>
-          <a:lstStyle/>
-          <a:p>
-            <a:pPr algn="ctr" eaLnBrk="0" hangingPunct="0">
-              <a:buClr>
-                <a:schemeClr val="accent5">
-                  <a:lumMod val="40000"/>
-                  <a:lumOff val="60000"/>
-                </a:schemeClr>
-              </a:buClr>
-              <a:buSzPct val="70000"/>
-            </a:pPr>
-            <a:r>
-              <a:rPr lang="it-IT" sz="3400" b="1" noProof="1">
-                <a:latin typeface="Consolas" panose="020B0609020204030204" pitchFamily="49" charset="0"/>
-              </a:rPr>
-              <a:t>0</a:t>
-            </a:r>
-          </a:p>
-        </p:txBody>
-      </p:sp>
-      <p:sp>
-        <p:nvSpPr>
-          <p:cNvPr id="11" name="Right Arrow 14">
-            <a:extLst>
-              <a:ext uri="{FF2B5EF4-FFF2-40B4-BE49-F238E27FC236}">
-                <a16:creationId xmlns:a16="http://schemas.microsoft.com/office/drawing/2014/main" id="{BB7724A8-2B11-4A82-AA6A-78339B1E9513}"/>
-              </a:ext>
-            </a:extLst>
-          </p:cNvPr>
-          <p:cNvSpPr/>
-          <p:nvPr/>
-        </p:nvSpPr>
-        <p:spPr>
-          <a:xfrm>
-            <a:off x="6122680" y="5319000"/>
-            <a:ext cx="532543" cy="280959"/>
-          </a:xfrm>
-          <a:prstGeom prst="rightArrow">
-            <a:avLst/>
-          </a:prstGeom>
-        </p:spPr>
-        <p:style>
-          <a:lnRef idx="2">
-            <a:schemeClr val="dk1">
-              <a:shade val="50000"/>
-            </a:schemeClr>
-          </a:lnRef>
-          <a:fillRef idx="1">
-            <a:schemeClr val="dk1"/>
-          </a:fillRef>
-          <a:effectRef idx="0">
-            <a:schemeClr val="dk1"/>
-          </a:effectRef>
-          <a:fontRef idx="minor">
-            <a:schemeClr val="lt1"/>
-          </a:fontRef>
-        </p:style>
-        <p:txBody>
-          <a:bodyPr rtlCol="0" anchor="ctr"/>
-          <a:lstStyle/>
-          <a:p>
-            <a:pPr algn="ctr"/>
-            <a:endParaRPr lang="en-US" sz="3199" dirty="0"/>
-          </a:p>
-        </p:txBody>
-      </p:sp>
-      <p:sp>
-        <p:nvSpPr>
-          <p:cNvPr id="2" name="Slide Number">
-            <a:extLst>
-              <a:ext uri="{FF2B5EF4-FFF2-40B4-BE49-F238E27FC236}">
-                <a16:creationId xmlns:a16="http://schemas.microsoft.com/office/drawing/2014/main" id="{A1CDF0C1-223A-3DC8-FCE0-87591A8EC528}"/>
-              </a:ext>
-            </a:extLst>
-          </p:cNvPr>
-          <p:cNvSpPr>
-            <a:spLocks noGrp="1"/>
-          </p:cNvSpPr>
-          <p:nvPr>
-            <p:ph type="sldNum" sz="quarter" idx="5"/>
-          </p:nvPr>
-        </p:nvSpPr>
-        <p:spPr>
-          <a:xfrm>
-            <a:off x="11753030" y="6507000"/>
-            <a:ext cx="367414" cy="297000"/>
-          </a:xfrm>
-          <a:prstGeom prst="rect">
-            <a:avLst/>
-          </a:prstGeom>
-        </p:spPr>
-        <p:txBody>
-          <a:bodyPr vert="horz" lIns="91440" tIns="45720" rIns="91440" bIns="45720" rtlCol="0" anchor="b"/>
-          <a:lstStyle>
-            <a:lvl1pPr algn="r">
-              <a:defRPr sz="1000"/>
-            </a:lvl1pPr>
-          </a:lstStyle>
-          <a:p>
-            <a:fld id="{2BF067CD-8E6B-4360-9AA8-C5DF2A48A6D1}" type="slidenum">
-              <a:rPr lang="en-US" noProof="0" smtClean="0"/>
-              <a:pPr/>
-              <a:t>9</a:t>
-            </a:fld>
-            <a:endParaRPr lang="en-US" noProof="0" dirty="0"/>
-          </a:p>
-        </p:txBody>
-      </p:sp>
-    </p:spTree>
-    <p:extLst>
-      <p:ext uri="{BB962C8B-B14F-4D97-AF65-F5344CB8AC3E}">
-        <p14:creationId xmlns:p14="http://schemas.microsoft.com/office/powerpoint/2010/main" val="4073719759"/>
-      </p:ext>
-    </p:extLst>
-  </p:cSld>
-  <p:clrMapOvr>
-    <a:masterClrMapping/>
-  </p:clrMapOvr>
-  <mc:AlternateContent xmlns:mc="http://schemas.openxmlformats.org/markup-compatibility/2006" xmlns:p14="http://schemas.microsoft.com/office/powerpoint/2010/main">
-    <mc:Choice Requires="p14">
-      <p:transition spd="slow" p14:dur="2000" advClick="0" advTm="5000"/>
-    </mc:Choice>
-    <mc:Fallback xmlns="">
-      <p:transition spd="slow" advClick="0" advTm="5000"/>
-    </mc:Fallback>
-  </mc:AlternateContent>
-  <p:timing>
-    <p:tnLst>
-      <p:par>
-        <p:cTn id="1" dur="indefinite" restart="never" nodeType="tmRoot">
-          <p:childTnLst>
-            <p:seq concurrent="1" nextAc="seek">
-              <p:cTn id="2" dur="indefinite" nodeType="mainSeq">
-                <p:childTnLst>
-                  <p:par>
-                    <p:cTn id="3" fill="hold">
-                      <p:stCondLst>
-                        <p:cond delay="indefinite"/>
-                      </p:stCondLst>
-                      <p:childTnLst>
-                        <p:par>
-                          <p:cTn id="4" fill="hold">
-                            <p:stCondLst>
-                              <p:cond delay="0"/>
-                            </p:stCondLst>
-                            <p:childTnLst>
-                              <p:par>
-                                <p:cTn id="5" presetID="1" presetClass="entr" presetSubtype="0" fill="hold" nodeType="clickEffect">
-                                  <p:stCondLst>
-                                    <p:cond delay="0"/>
-                                  </p:stCondLst>
-                                  <p:childTnLst>
-                                    <p:set>
-                                      <p:cBhvr>
-                                        <p:cTn id="6" dur="1" fill="hold">
-                                          <p:stCondLst>
-                                            <p:cond delay="0"/>
-                                          </p:stCondLst>
-                                        </p:cTn>
-                                        <p:tgtEl>
-                                          <p:spTgt spid="6">
-                                            <p:txEl>
-                                              <p:pRg st="2" end="2"/>
-                                            </p:txEl>
-                                          </p:spTgt>
-                                        </p:tgtEl>
-                                        <p:attrNameLst>
-                                          <p:attrName>style.visibility</p:attrName>
-                                        </p:attrNameLst>
-                                      </p:cBhvr>
-                                      <p:to>
-                                        <p:strVal val="visible"/>
-                                      </p:to>
-                                    </p:set>
-                                  </p:childTnLst>
-                                </p:cTn>
-                              </p:par>
-                            </p:childTnLst>
-                          </p:cTn>
-                        </p:par>
-                      </p:childTnLst>
-                    </p:cTn>
-                  </p:par>
-                  <p:par>
-                    <p:cTn id="7" fill="hold">
-                      <p:stCondLst>
-                        <p:cond delay="indefinite"/>
-                      </p:stCondLst>
-                      <p:childTnLst>
-                        <p:par>
-                          <p:cTn id="8" fill="hold">
-                            <p:stCondLst>
-                              <p:cond delay="0"/>
-                            </p:stCondLst>
-                            <p:childTnLst>
-                              <p:par>
-                                <p:cTn id="9" presetID="1" presetClass="entr" presetSubtype="0" fill="hold" grpId="0" nodeType="clickEffect">
-                                  <p:stCondLst>
-                                    <p:cond delay="0"/>
-                                  </p:stCondLst>
-                                  <p:childTnLst>
-                                    <p:set>
-                                      <p:cBhvr>
-                                        <p:cTn id="10" dur="1" fill="hold">
-                                          <p:stCondLst>
-                                            <p:cond delay="0"/>
-                                          </p:stCondLst>
-                                        </p:cTn>
-                                        <p:tgtEl>
-                                          <p:spTgt spid="16"/>
-                                        </p:tgtEl>
-                                        <p:attrNameLst>
-                                          <p:attrName>style.visibility</p:attrName>
-                                        </p:attrNameLst>
-                                      </p:cBhvr>
-                                      <p:to>
-                                        <p:strVal val="visible"/>
-                                      </p:to>
-                                    </p:set>
-                                  </p:childTnLst>
-                                </p:cTn>
-                              </p:par>
-                              <p:par>
-                                <p:cTn id="11" presetID="1" presetClass="entr" presetSubtype="0" fill="hold" grpId="0" nodeType="withEffect">
-                                  <p:stCondLst>
-                                    <p:cond delay="0"/>
-                                  </p:stCondLst>
-                                  <p:childTnLst>
-                                    <p:set>
-                                      <p:cBhvr>
-                                        <p:cTn id="12" dur="1" fill="hold">
-                                          <p:stCondLst>
-                                            <p:cond delay="0"/>
-                                          </p:stCondLst>
-                                        </p:cTn>
-                                        <p:tgtEl>
-                                          <p:spTgt spid="15"/>
-                                        </p:tgtEl>
-                                        <p:attrNameLst>
-                                          <p:attrName>style.visibility</p:attrName>
-                                        </p:attrNameLst>
-                                      </p:cBhvr>
-                                      <p:to>
-                                        <p:strVal val="visible"/>
-                                      </p:to>
-                                    </p:set>
-                                  </p:childTnLst>
-                                </p:cTn>
-                              </p:par>
-                              <p:par>
-                                <p:cTn id="13" presetID="1" presetClass="entr" presetSubtype="0" fill="hold" grpId="0" nodeType="withEffect">
-                                  <p:stCondLst>
-                                    <p:cond delay="0"/>
-                                  </p:stCondLst>
-                                  <p:childTnLst>
-                                    <p:set>
-                                      <p:cBhvr>
-                                        <p:cTn id="14" dur="1" fill="hold">
-                                          <p:stCondLst>
-                                            <p:cond delay="0"/>
-                                          </p:stCondLst>
-                                        </p:cTn>
-                                        <p:tgtEl>
-                                          <p:spTgt spid="17"/>
-                                        </p:tgtEl>
-                                        <p:attrNameLst>
-                                          <p:attrName>style.visibility</p:attrName>
-                                        </p:attrNameLst>
-                                      </p:cBhvr>
-                                      <p:to>
-                                        <p:strVal val="visible"/>
-                                      </p:to>
-                                    </p:set>
-                                  </p:childTnLst>
-                                </p:cTn>
-                              </p:par>
-                            </p:childTnLst>
-                          </p:cTn>
-                        </p:par>
-                      </p:childTnLst>
-                    </p:cTn>
-                  </p:par>
-                  <p:par>
-                    <p:cTn id="15" fill="hold">
-                      <p:stCondLst>
-                        <p:cond delay="indefinite"/>
-                      </p:stCondLst>
-                      <p:childTnLst>
-                        <p:par>
-                          <p:cTn id="16" fill="hold">
-                            <p:stCondLst>
-                              <p:cond delay="0"/>
-                            </p:stCondLst>
-                            <p:childTnLst>
-                              <p:par>
-                                <p:cTn id="17" presetID="1" presetClass="entr" presetSubtype="0" fill="hold" grpId="0" nodeType="clickEffect">
-                                  <p:stCondLst>
-                                    <p:cond delay="0"/>
-                                  </p:stCondLst>
-                                  <p:childTnLst>
-                                    <p:set>
-                                      <p:cBhvr>
-                                        <p:cTn id="18" dur="1" fill="hold">
-                                          <p:stCondLst>
-                                            <p:cond delay="0"/>
-                                          </p:stCondLst>
-                                        </p:cTn>
-                                        <p:tgtEl>
-                                          <p:spTgt spid="19"/>
-                                        </p:tgtEl>
-                                        <p:attrNameLst>
-                                          <p:attrName>style.visibility</p:attrName>
-                                        </p:attrNameLst>
-                                      </p:cBhvr>
-                                      <p:to>
-                                        <p:strVal val="visible"/>
-                                      </p:to>
-                                    </p:set>
-                                  </p:childTnLst>
-                                </p:cTn>
-                              </p:par>
-                              <p:par>
-                                <p:cTn id="19" presetID="1" presetClass="entr" presetSubtype="0" fill="hold" grpId="0" nodeType="withEffect">
-                                  <p:stCondLst>
-                                    <p:cond delay="0"/>
-                                  </p:stCondLst>
-                                  <p:childTnLst>
-                                    <p:set>
-                                      <p:cBhvr>
-                                        <p:cTn id="20" dur="1" fill="hold">
-                                          <p:stCondLst>
-                                            <p:cond delay="0"/>
-                                          </p:stCondLst>
-                                        </p:cTn>
-                                        <p:tgtEl>
-                                          <p:spTgt spid="20"/>
-                                        </p:tgtEl>
-                                        <p:attrNameLst>
-                                          <p:attrName>style.visibility</p:attrName>
-                                        </p:attrNameLst>
-                                      </p:cBhvr>
-                                      <p:to>
-                                        <p:strVal val="visible"/>
-                                      </p:to>
-                                    </p:set>
-                                  </p:childTnLst>
-                                </p:cTn>
-                              </p:par>
-                              <p:par>
-                                <p:cTn id="21" presetID="1" presetClass="entr" presetSubtype="0" fill="hold" grpId="0" nodeType="withEffect">
-                                  <p:stCondLst>
-                                    <p:cond delay="0"/>
-                                  </p:stCondLst>
-                                  <p:childTnLst>
-                                    <p:set>
-                                      <p:cBhvr>
-                                        <p:cTn id="22" dur="1" fill="hold">
-                                          <p:stCondLst>
-                                            <p:cond delay="0"/>
-                                          </p:stCondLst>
-                                        </p:cTn>
-                                        <p:tgtEl>
-                                          <p:spTgt spid="11"/>
-                                        </p:tgtEl>
-                                        <p:attrNameLst>
-                                          <p:attrName>style.visibility</p:attrName>
-                                        </p:attrNameLst>
-                                      </p:cBhvr>
-                                      <p:to>
-                                        <p:strVal val="visible"/>
-                                      </p:to>
-                                    </p:set>
-                                  </p:childTnLst>
-                                </p:cTn>
-                              </p:par>
-                            </p:childTnLst>
-                          </p:cTn>
-                        </p:par>
-                      </p:childTnLst>
-                    </p:cTn>
-                  </p:par>
-                </p:childTnLst>
-              </p:cTn>
-              <p:prevCondLst>
-                <p:cond evt="onPrev" delay="0">
-                  <p:tgtEl>
-                    <p:sldTgt/>
-                  </p:tgtEl>
-                </p:cond>
-              </p:prevCondLst>
-              <p:nextCondLst>
-                <p:cond evt="onNext" delay="0">
-                  <p:tgtEl>
-                    <p:sldTgt/>
-                  </p:tgtEl>
-                </p:cond>
-              </p:nextCondLst>
-            </p:seq>
-          </p:childTnLst>
-        </p:cTn>
-      </p:par>
-    </p:tnLst>
-    <p:bldLst>
-      <p:bldP spid="15" grpId="0" animBg="1"/>
-      <p:bldP spid="16" grpId="0" animBg="1"/>
-      <p:bldP spid="17" grpId="0" animBg="1"/>
-      <p:bldP spid="19" grpId="0" animBg="1"/>
-      <p:bldP spid="20" grpId="0" animBg="1"/>
-      <p:bldP spid="11" grpId="0" animBg="1"/>
-    </p:bldLst>
-  </p:timing>
 </p:sld>
 </file>
 
